--- a/src/data-visualization-02-bars.pptx
+++ b/src/data-visualization-02-bars.pptx
@@ -5,7 +5,7 @@
     <p:sldMasterId id="2147483648" r:id="rId1"/>
   </p:sldMasterIdLst>
   <p:notesMasterIdLst>
-    <p:NotesMasterId r:id="rId13"/>
+    <p:NotesMasterId r:id="rId25"/>
   </p:notesMasterIdLst>
   <p:sldIdLst>
     <p:sldId id="256" r:id="rId2"/>
@@ -19,6 +19,18 @@
     <p:sldId id="264" r:id="rId10"/>
     <p:sldId id="265" r:id="rId11"/>
     <p:sldId id="266" r:id="rId12"/>
+    <p:sldId id="267" r:id="rId13"/>
+    <p:sldId id="268" r:id="rId14"/>
+    <p:sldId id="269" r:id="rId15"/>
+    <p:sldId id="270" r:id="rId16"/>
+    <p:sldId id="271" r:id="rId17"/>
+    <p:sldId id="272" r:id="rId18"/>
+    <p:sldId id="273" r:id="rId19"/>
+    <p:sldId id="274" r:id="rId20"/>
+    <p:sldId id="275" r:id="rId21"/>
+    <p:sldId id="276" r:id="rId22"/>
+    <p:sldId id="277" r:id="rId23"/>
+    <p:sldId id="278" r:id="rId24"/>
   </p:sldIdLst>
   <p:sldSz cx="9144000" cy="6858000" type="screen4x3"/>
   <p:notesSz cx="6858000" cy="9144000"/>
@@ -535,7 +547,23 @@
             </a:pPr>
             <a:r>
               <a:rPr/>
-              <a:t>Much</a:t>
+              <a:t>This</a:t>
+            </a:r>
+            <a:r>
+              <a:rPr/>
+              <a:t> </a:t>
+            </a:r>
+            <a:r>
+              <a:rPr/>
+              <a:t>is</a:t>
+            </a:r>
+            <a:r>
+              <a:rPr/>
+              <a:t> </a:t>
+            </a:r>
+            <a:r>
+              <a:rPr/>
+              <a:t>one</a:t>
             </a:r>
             <a:r>
               <a:rPr/>
@@ -551,6 +579,314 @@
             </a:r>
             <a:r>
               <a:rPr/>
+              <a:t>two</a:t>
+            </a:r>
+            <a:r>
+              <a:rPr/>
+              <a:t> </a:t>
+            </a:r>
+            <a:r>
+              <a:rPr/>
+              <a:t>graphs.</a:t>
+            </a:r>
+            <a:r>
+              <a:rPr/>
+              <a:t> </a:t>
+            </a:r>
+            <a:r>
+              <a:rPr/>
+              <a:t>It</a:t>
+            </a:r>
+            <a:r>
+              <a:rPr/>
+              <a:t> </a:t>
+            </a:r>
+            <a:r>
+              <a:rPr/>
+              <a:t>was</a:t>
+            </a:r>
+            <a:r>
+              <a:rPr/>
+              <a:t> </a:t>
+            </a:r>
+            <a:r>
+              <a:rPr/>
+              <a:t>published</a:t>
+            </a:r>
+            <a:r>
+              <a:rPr/>
+              <a:t> </a:t>
+            </a:r>
+            <a:r>
+              <a:rPr/>
+              <a:t>in</a:t>
+            </a:r>
+          </a:p>
+          <a:p>
+            <a:pPr lvl="0" marL="0" indent="0">
+              <a:buNone/>
+            </a:pPr>
+          </a:p>
+          <a:p>
+            <a:pPr lvl="0" marL="0" indent="0">
+              <a:buNone/>
+            </a:pPr>
+            <a:r>
+              <a:rPr/>
+              <a:t>Badger,</a:t>
+            </a:r>
+            <a:r>
+              <a:rPr/>
+              <a:t> </a:t>
+            </a:r>
+            <a:r>
+              <a:rPr/>
+              <a:t>E.</a:t>
+            </a:r>
+            <a:r>
+              <a:rPr/>
+              <a:t> </a:t>
+            </a:r>
+            <a:r>
+              <a:rPr/>
+              <a:t>(2019).</a:t>
+            </a:r>
+            <a:r>
+              <a:rPr/>
+              <a:t> </a:t>
+            </a:r>
+            <a:r>
+              <a:rPr/>
+              <a:t>People</a:t>
+            </a:r>
+            <a:r>
+              <a:rPr/>
+              <a:t> </a:t>
+            </a:r>
+            <a:r>
+              <a:rPr/>
+              <a:t>Who</a:t>
+            </a:r>
+            <a:r>
+              <a:rPr/>
+              <a:t> </a:t>
+            </a:r>
+            <a:r>
+              <a:rPr/>
+              <a:t>Can’t</a:t>
+            </a:r>
+            <a:r>
+              <a:rPr/>
+              <a:t> </a:t>
+            </a:r>
+            <a:r>
+              <a:rPr/>
+              <a:t>Vote</a:t>
+            </a:r>
+            <a:r>
+              <a:rPr/>
+              <a:t> </a:t>
+            </a:r>
+            <a:r>
+              <a:rPr/>
+              <a:t>Still</a:t>
+            </a:r>
+            <a:r>
+              <a:rPr/>
+              <a:t> </a:t>
+            </a:r>
+            <a:r>
+              <a:rPr/>
+              <a:t>Count</a:t>
+            </a:r>
+            <a:r>
+              <a:rPr/>
+              <a:t> </a:t>
+            </a:r>
+            <a:r>
+              <a:rPr/>
+              <a:t>Politically</a:t>
+            </a:r>
+            <a:r>
+              <a:rPr/>
+              <a:t> </a:t>
+            </a:r>
+            <a:r>
+              <a:rPr/>
+              <a:t>in</a:t>
+            </a:r>
+            <a:r>
+              <a:rPr/>
+              <a:t> </a:t>
+            </a:r>
+            <a:r>
+              <a:rPr/>
+              <a:t>America.</a:t>
+            </a:r>
+            <a:r>
+              <a:rPr/>
+              <a:t> </a:t>
+            </a:r>
+            <a:r>
+              <a:rPr/>
+              <a:t>What</a:t>
+            </a:r>
+            <a:r>
+              <a:rPr/>
+              <a:t> </a:t>
+            </a:r>
+            <a:r>
+              <a:rPr/>
+              <a:t>if</a:t>
+            </a:r>
+            <a:r>
+              <a:rPr/>
+              <a:t> </a:t>
+            </a:r>
+            <a:r>
+              <a:rPr/>
+              <a:t>That</a:t>
+            </a:r>
+            <a:r>
+              <a:rPr/>
+              <a:t> </a:t>
+            </a:r>
+            <a:r>
+              <a:rPr/>
+              <a:t>Changes?.</a:t>
+            </a:r>
+            <a:r>
+              <a:rPr/>
+              <a:t> </a:t>
+            </a:r>
+            <a:r>
+              <a:rPr/>
+              <a:t>Retrieved</a:t>
+            </a:r>
+            <a:r>
+              <a:rPr/>
+              <a:t> </a:t>
+            </a:r>
+            <a:r>
+              <a:rPr/>
+              <a:t>June</a:t>
+            </a:r>
+            <a:r>
+              <a:rPr/>
+              <a:t> </a:t>
+            </a:r>
+            <a:r>
+              <a:rPr/>
+              <a:t>24,</a:t>
+            </a:r>
+            <a:r>
+              <a:rPr/>
+              <a:t> </a:t>
+            </a:r>
+            <a:r>
+              <a:rPr/>
+              <a:t>2019,</a:t>
+            </a:r>
+            <a:r>
+              <a:rPr/>
+              <a:t> </a:t>
+            </a:r>
+            <a:r>
+              <a:rPr/>
+              <a:t>from</a:t>
+            </a:r>
+            <a:r>
+              <a:rPr/>
+              <a:t> </a:t>
+            </a:r>
+            <a:r>
+              <a:rPr/>
+              <a:t>The</a:t>
+            </a:r>
+            <a:r>
+              <a:rPr/>
+              <a:t> </a:t>
+            </a:r>
+            <a:r>
+              <a:rPr/>
+              <a:t>New</a:t>
+            </a:r>
+            <a:r>
+              <a:rPr/>
+              <a:t> </a:t>
+            </a:r>
+            <a:r>
+              <a:rPr/>
+              <a:t>York</a:t>
+            </a:r>
+            <a:r>
+              <a:rPr/>
+              <a:t> </a:t>
+            </a:r>
+            <a:r>
+              <a:rPr/>
+              <a:t>Times</a:t>
+            </a:r>
+            <a:r>
+              <a:rPr/>
+              <a:t> </a:t>
+            </a:r>
+            <a:r>
+              <a:rPr/>
+              <a:t>website:</a:t>
+            </a:r>
+            <a:r>
+              <a:rPr/>
+              <a:t> </a:t>
+            </a:r>
+            <a:r>
+              <a:rPr/>
+              <a:t>https://www.nytimes.com/2019/06/22/upshot/america-who-deserves-representation.html</a:t>
+            </a:r>
+          </a:p>
+          <a:p>
+            <a:pPr lvl="0" marL="0" indent="0">
+              <a:buNone/>
+            </a:pPr>
+          </a:p>
+          <a:p>
+            <a:pPr lvl="0" marL="0" indent="0">
+              <a:buNone/>
+            </a:pPr>
+            <a:r>
+              <a:rPr/>
+              <a:t>Split</a:t>
+            </a:r>
+            <a:r>
+              <a:rPr/>
+              <a:t> </a:t>
+            </a:r>
+            <a:r>
+              <a:rPr/>
+              <a:t>into</a:t>
+            </a:r>
+            <a:r>
+              <a:rPr/>
+              <a:t> </a:t>
+            </a:r>
+            <a:r>
+              <a:rPr/>
+              <a:t>pairs.</a:t>
+            </a:r>
+            <a:r>
+              <a:rPr/>
+              <a:t> </a:t>
+            </a:r>
+            <a:r>
+              <a:rPr/>
+              <a:t>Review</a:t>
+            </a:r>
+            <a:r>
+              <a:rPr/>
+              <a:t> </a:t>
+            </a:r>
+            <a:r>
+              <a:rPr/>
               <a:t>the</a:t>
             </a:r>
             <a:r>
@@ -559,15 +895,63 @@
             </a:r>
             <a:r>
               <a:rPr/>
-              <a:t>work</a:t>
-            </a:r>
-            <a:r>
-              <a:rPr/>
-              <a:t> </a:t>
-            </a:r>
-            <a:r>
-              <a:rPr/>
-              <a:t>on</a:t>
+              <a:t>article</a:t>
+            </a:r>
+            <a:r>
+              <a:rPr/>
+              <a:t> </a:t>
+            </a:r>
+            <a:r>
+              <a:rPr/>
+              <a:t>briefly</a:t>
+            </a:r>
+            <a:r>
+              <a:rPr/>
+              <a:t> </a:t>
+            </a:r>
+            <a:r>
+              <a:rPr/>
+              <a:t>(about</a:t>
+            </a:r>
+            <a:r>
+              <a:rPr/>
+              <a:t> </a:t>
+            </a:r>
+            <a:r>
+              <a:rPr/>
+              <a:t>5</a:t>
+            </a:r>
+            <a:r>
+              <a:rPr/>
+              <a:t> </a:t>
+            </a:r>
+            <a:r>
+              <a:rPr/>
+              <a:t>minutes)</a:t>
+            </a:r>
+            <a:r>
+              <a:rPr/>
+              <a:t> </a:t>
+            </a:r>
+            <a:r>
+              <a:rPr/>
+              <a:t>and</a:t>
+            </a:r>
+            <a:r>
+              <a:rPr/>
+              <a:t> </a:t>
+            </a:r>
+            <a:r>
+              <a:rPr/>
+              <a:t>look</a:t>
+            </a:r>
+            <a:r>
+              <a:rPr/>
+              <a:t> </a:t>
+            </a:r>
+            <a:r>
+              <a:rPr/>
+              <a:t>at</a:t>
             </a:r>
             <a:r>
               <a:rPr/>
@@ -583,39 +967,111 @@
             </a:r>
             <a:r>
               <a:rPr/>
-              <a:t>psychology</a:t>
-            </a:r>
-            <a:r>
-              <a:rPr/>
-              <a:t> </a:t>
-            </a:r>
-            <a:r>
-              <a:rPr/>
-              <a:t>of</a:t>
-            </a:r>
-            <a:r>
-              <a:rPr/>
-              <a:t> </a:t>
-            </a:r>
-            <a:r>
-              <a:rPr/>
-              <a:t>perception</a:t>
-            </a:r>
-            <a:r>
-              <a:rPr/>
-              <a:t> </a:t>
-            </a:r>
-            <a:r>
-              <a:rPr/>
-              <a:t>that</a:t>
-            </a:r>
-            <a:r>
-              <a:rPr/>
-              <a:t> </a:t>
-            </a:r>
-            <a:r>
-              <a:rPr/>
-              <a:t>I</a:t>
+              <a:t>graph.</a:t>
+            </a:r>
+            <a:r>
+              <a:rPr/>
+              <a:t> </a:t>
+            </a:r>
+            <a:r>
+              <a:rPr/>
+              <a:t>Explain</a:t>
+            </a:r>
+            <a:r>
+              <a:rPr/>
+              <a:t> </a:t>
+            </a:r>
+            <a:r>
+              <a:rPr/>
+              <a:t>to</a:t>
+            </a:r>
+            <a:r>
+              <a:rPr/>
+              <a:t> </a:t>
+            </a:r>
+            <a:r>
+              <a:rPr/>
+              <a:t>your</a:t>
+            </a:r>
+            <a:r>
+              <a:rPr/>
+              <a:t> </a:t>
+            </a:r>
+            <a:r>
+              <a:rPr/>
+              <a:t>partner</a:t>
+            </a:r>
+            <a:r>
+              <a:rPr/>
+              <a:t> </a:t>
+            </a:r>
+            <a:r>
+              <a:rPr/>
+              <a:t>what</a:t>
+            </a:r>
+            <a:r>
+              <a:rPr/>
+              <a:t> </a:t>
+            </a:r>
+            <a:r>
+              <a:rPr/>
+              <a:t>the</a:t>
+            </a:r>
+            <a:r>
+              <a:rPr/>
+              <a:t> </a:t>
+            </a:r>
+            <a:r>
+              <a:rPr/>
+              <a:t>graph</a:t>
+            </a:r>
+            <a:r>
+              <a:rPr/>
+              <a:t> </a:t>
+            </a:r>
+            <a:r>
+              <a:rPr/>
+              <a:t>is</a:t>
+            </a:r>
+            <a:r>
+              <a:rPr/>
+              <a:t> </a:t>
+            </a:r>
+            <a:r>
+              <a:rPr/>
+              <a:t>trying</a:t>
+            </a:r>
+            <a:r>
+              <a:rPr/>
+              <a:t> </a:t>
+            </a:r>
+            <a:r>
+              <a:rPr/>
+              <a:t>to</a:t>
+            </a:r>
+            <a:r>
+              <a:rPr/>
+              <a:t> </a:t>
+            </a:r>
+            <a:r>
+              <a:rPr/>
+              <a:t>show.</a:t>
+            </a:r>
+            <a:r>
+              <a:rPr/>
+              <a:t> </a:t>
+            </a:r>
+            <a:r>
+              <a:rPr/>
+              <a:t>Your</a:t>
+            </a:r>
+            <a:r>
+              <a:rPr/>
+              <a:t> </a:t>
+            </a:r>
+            <a:r>
+              <a:rPr/>
+              <a:t>partner</a:t>
             </a:r>
             <a:r>
               <a:rPr/>
@@ -631,47 +1087,95 @@
             </a:r>
             <a:r>
               <a:rPr/>
-              <a:t>be</a:t>
-            </a:r>
-            <a:r>
-              <a:rPr/>
-              <a:t> </a:t>
-            </a:r>
-            <a:r>
-              <a:rPr/>
-              <a:t>discussing</a:t>
-            </a:r>
-            <a:r>
-              <a:rPr/>
-              <a:t> </a:t>
-            </a:r>
-            <a:r>
-              <a:rPr/>
-              <a:t>next</a:t>
-            </a:r>
-            <a:r>
-              <a:rPr/>
-              <a:t> </a:t>
-            </a:r>
-            <a:r>
-              <a:rPr/>
-              <a:t>is</a:t>
-            </a:r>
-            <a:r>
-              <a:rPr/>
-              <a:t> </a:t>
-            </a:r>
-            <a:r>
-              <a:rPr/>
-              <a:t>drawn</a:t>
-            </a:r>
-            <a:r>
-              <a:rPr/>
-              <a:t> </a:t>
-            </a:r>
-            <a:r>
-              <a:rPr/>
-              <a:t>from</a:t>
+              <a:t>get</a:t>
+            </a:r>
+            <a:r>
+              <a:rPr/>
+              <a:t> </a:t>
+            </a:r>
+            <a:r>
+              <a:rPr/>
+              <a:t>a</a:t>
+            </a:r>
+            <a:r>
+              <a:rPr/>
+              <a:t> </a:t>
+            </a:r>
+            <a:r>
+              <a:rPr/>
+              <a:t>different</a:t>
+            </a:r>
+            <a:r>
+              <a:rPr/>
+              <a:t> </a:t>
+            </a:r>
+            <a:r>
+              <a:rPr/>
+              <a:t>graph</a:t>
+            </a:r>
+            <a:r>
+              <a:rPr/>
+              <a:t> </a:t>
+            </a:r>
+            <a:r>
+              <a:rPr/>
+              <a:t>and</a:t>
+            </a:r>
+            <a:r>
+              <a:rPr/>
+              <a:t> </a:t>
+            </a:r>
+            <a:r>
+              <a:rPr/>
+              <a:t>do</a:t>
+            </a:r>
+            <a:r>
+              <a:rPr/>
+              <a:t> </a:t>
+            </a:r>
+            <a:r>
+              <a:rPr/>
+              <a:t>the</a:t>
+            </a:r>
+            <a:r>
+              <a:rPr/>
+              <a:t> </a:t>
+            </a:r>
+            <a:r>
+              <a:rPr/>
+              <a:t>same</a:t>
+            </a:r>
+            <a:r>
+              <a:rPr/>
+              <a:t> </a:t>
+            </a:r>
+            <a:r>
+              <a:rPr/>
+              <a:t>thing</a:t>
+            </a:r>
+            <a:r>
+              <a:rPr/>
+              <a:t> </a:t>
+            </a:r>
+            <a:r>
+              <a:rPr/>
+              <a:t>with</a:t>
+            </a:r>
+            <a:r>
+              <a:rPr/>
+              <a:t> </a:t>
+            </a:r>
+            <a:r>
+              <a:rPr/>
+              <a:t>you</a:t>
+            </a:r>
+            <a:r>
+              <a:rPr/>
+              <a:t> </a:t>
+            </a:r>
+            <a:r>
+              <a:rPr/>
+              <a:t>listening</a:t>
             </a:r>
             <a:r>
               <a:rPr/>
@@ -687,47 +1191,7 @@
             </a:r>
             <a:r>
               <a:rPr/>
-              <a:t>1987</a:t>
-            </a:r>
-            <a:r>
-              <a:rPr/>
-              <a:t> </a:t>
-            </a:r>
-            <a:r>
-              <a:rPr/>
-              <a:t>article</a:t>
-            </a:r>
-            <a:r>
-              <a:rPr/>
-              <a:t> </a:t>
-            </a:r>
-            <a:r>
-              <a:rPr/>
-              <a:t>by</a:t>
-            </a:r>
-            <a:r>
-              <a:rPr/>
-              <a:t> </a:t>
-            </a:r>
-            <a:r>
-              <a:rPr/>
-              <a:t>Simkin</a:t>
-            </a:r>
-            <a:r>
-              <a:rPr/>
-              <a:t> </a:t>
-            </a:r>
-            <a:r>
-              <a:rPr/>
-              <a:t>and</a:t>
-            </a:r>
-            <a:r>
-              <a:rPr/>
-              <a:t> </a:t>
-            </a:r>
-            <a:r>
-              <a:rPr/>
-              <a:t>Hastie.</a:t>
+              <a:t>time.</a:t>
             </a:r>
           </a:p>
         </p:txBody>
@@ -749,7 +1213,5705 @@
           <a:p>
             <a:fld id="{18BDFEC3-8487-43E8-A154-7C12CBC1FFF2}" type="slidenum">
               <a:rPr lang="en-US"/>
-              <a:t>6</a:t>
+              <a:t>5</a:t>
+            </a:fld>
+            <a:endParaRPr lang="en-US"/>
+          </a:p>
+        </p:txBody>
+      </p:sp>
+    </p:spTree>
+  </p:cSld>
+</p:notes>
+</file>
+
+<file path=ppt/notesSlides/notesSlide10.xml><?xml version="1.0" encoding="utf-8"?>
+<p:notes xmlns:a="http://schemas.openxmlformats.org/drawingml/2006/main" xmlns:r="http://schemas.openxmlformats.org/officeDocument/2006/relationships" xmlns:p="http://schemas.openxmlformats.org/presentationml/2006/main">
+  <p:cSld>
+    <p:spTree>
+      <p:nvGrpSpPr>
+        <p:cNvPr id="1" name=""/>
+        <p:cNvGrpSpPr/>
+        <p:nvPr/>
+      </p:nvGrpSpPr>
+      <p:grpSpPr>
+        <a:xfrm>
+          <a:off x="0" y="0"/>
+          <a:ext cx="0" cy="0"/>
+          <a:chOff x="0" y="0"/>
+          <a:chExt cx="0" cy="0"/>
+        </a:xfrm>
+      </p:grpSpPr>
+      <p:sp>
+        <p:nvSpPr>
+          <p:cNvPr id="2" name="Slide Image Placeholder 1"/>
+          <p:cNvSpPr>
+            <a:spLocks noGrp="1" noRot="1" noChangeAspect="1"/>
+          </p:cNvSpPr>
+          <p:nvPr>
+            <p:ph type="sldImg"/>
+          </p:nvPr>
+        </p:nvSpPr>
+        <p:spPr/>
+      </p:sp>
+      <p:sp>
+        <p:nvSpPr>
+          <p:cNvPr id="3" name="Notes Placeholder 2"/>
+          <p:cNvSpPr>
+            <a:spLocks noGrp="1"/>
+          </p:cNvSpPr>
+          <p:nvPr>
+            <p:ph type="body" idx="1"/>
+          </p:nvPr>
+        </p:nvSpPr>
+        <p:spPr/>
+        <p:txBody>
+          <a:bodyPr/>
+          <a:lstStyle/>
+          <a:p>
+            <a:pPr lvl="0" marL="0" indent="0">
+              <a:buNone/>
+            </a:pPr>
+            <a:r>
+              <a:rPr/>
+              <a:t>The</a:t>
+            </a:r>
+            <a:r>
+              <a:rPr/>
+              <a:t> </a:t>
+            </a:r>
+            <a:r>
+              <a:rPr/>
+              <a:t>comparison</a:t>
+            </a:r>
+            <a:r>
+              <a:rPr/>
+              <a:t> </a:t>
+            </a:r>
+            <a:r>
+              <a:rPr/>
+              <a:t>of</a:t>
+            </a:r>
+            <a:r>
+              <a:rPr/>
+              <a:t> </a:t>
+            </a:r>
+            <a:r>
+              <a:rPr/>
+              <a:t>the</a:t>
+            </a:r>
+            <a:r>
+              <a:rPr/>
+              <a:t> </a:t>
+            </a:r>
+            <a:r>
+              <a:rPr/>
+              <a:t>green</a:t>
+            </a:r>
+            <a:r>
+              <a:rPr/>
+              <a:t> </a:t>
+            </a:r>
+            <a:r>
+              <a:rPr/>
+              <a:t>and</a:t>
+            </a:r>
+            <a:r>
+              <a:rPr/>
+              <a:t> </a:t>
+            </a:r>
+            <a:r>
+              <a:rPr/>
+              <a:t>blue</a:t>
+            </a:r>
+            <a:r>
+              <a:rPr/>
+              <a:t> </a:t>
+            </a:r>
+            <a:r>
+              <a:rPr/>
+              <a:t>bars</a:t>
+            </a:r>
+            <a:r>
+              <a:rPr/>
+              <a:t> </a:t>
+            </a:r>
+            <a:r>
+              <a:rPr/>
+              <a:t>is</a:t>
+            </a:r>
+            <a:r>
+              <a:rPr/>
+              <a:t> </a:t>
+            </a:r>
+            <a:r>
+              <a:rPr/>
+              <a:t>a</a:t>
+            </a:r>
+            <a:r>
+              <a:rPr/>
+              <a:t> </a:t>
+            </a:r>
+            <a:r>
+              <a:rPr/>
+              <a:t>length</a:t>
+            </a:r>
+            <a:r>
+              <a:rPr/>
+              <a:t> </a:t>
+            </a:r>
+            <a:r>
+              <a:rPr/>
+              <a:t>comparison.</a:t>
+            </a:r>
+            <a:r>
+              <a:rPr/>
+              <a:t> </a:t>
+            </a:r>
+            <a:r>
+              <a:rPr/>
+              <a:t>The</a:t>
+            </a:r>
+            <a:r>
+              <a:rPr/>
+              <a:t> </a:t>
+            </a:r>
+            <a:r>
+              <a:rPr/>
+              <a:t>two</a:t>
+            </a:r>
+            <a:r>
+              <a:rPr/>
+              <a:t> </a:t>
+            </a:r>
+            <a:r>
+              <a:rPr/>
+              <a:t>bars</a:t>
+            </a:r>
+            <a:r>
+              <a:rPr/>
+              <a:t> </a:t>
+            </a:r>
+            <a:r>
+              <a:rPr/>
+              <a:t>start</a:t>
+            </a:r>
+            <a:r>
+              <a:rPr/>
+              <a:t> </a:t>
+            </a:r>
+            <a:r>
+              <a:rPr/>
+              <a:t>at</a:t>
+            </a:r>
+            <a:r>
+              <a:rPr/>
+              <a:t> </a:t>
+            </a:r>
+            <a:r>
+              <a:rPr/>
+              <a:t>different</a:t>
+            </a:r>
+            <a:r>
+              <a:rPr/>
+              <a:t> </a:t>
+            </a:r>
+            <a:r>
+              <a:rPr/>
+              <a:t>spots,</a:t>
+            </a:r>
+            <a:r>
+              <a:rPr/>
+              <a:t> </a:t>
+            </a:r>
+            <a:r>
+              <a:rPr/>
+              <a:t>so</a:t>
+            </a:r>
+            <a:r>
+              <a:rPr/>
+              <a:t> </a:t>
+            </a:r>
+            <a:r>
+              <a:rPr/>
+              <a:t>the</a:t>
+            </a:r>
+            <a:r>
+              <a:rPr/>
+              <a:t> </a:t>
+            </a:r>
+            <a:r>
+              <a:rPr/>
+              <a:t>position</a:t>
+            </a:r>
+            <a:r>
+              <a:rPr/>
+              <a:t> </a:t>
+            </a:r>
+            <a:r>
+              <a:rPr/>
+              <a:t>can’t</a:t>
+            </a:r>
+            <a:r>
+              <a:rPr/>
+              <a:t> </a:t>
+            </a:r>
+            <a:r>
+              <a:rPr/>
+              <a:t>help</a:t>
+            </a:r>
+            <a:r>
+              <a:rPr/>
+              <a:t> </a:t>
+            </a:r>
+            <a:r>
+              <a:rPr/>
+              <a:t>you.</a:t>
+            </a:r>
+          </a:p>
+          <a:p>
+            <a:pPr lvl="0" marL="0" indent="0">
+              <a:buNone/>
+            </a:pPr>
+          </a:p>
+          <a:p>
+            <a:pPr lvl="0" marL="0" indent="0">
+              <a:buNone/>
+            </a:pPr>
+            <a:r>
+              <a:rPr/>
+              <a:t>Length</a:t>
+            </a:r>
+            <a:r>
+              <a:rPr/>
+              <a:t> </a:t>
+            </a:r>
+            <a:r>
+              <a:rPr/>
+              <a:t>is</a:t>
+            </a:r>
+            <a:r>
+              <a:rPr/>
+              <a:t> </a:t>
+            </a:r>
+            <a:r>
+              <a:rPr/>
+              <a:t>harder</a:t>
+            </a:r>
+            <a:r>
+              <a:rPr/>
+              <a:t> </a:t>
+            </a:r>
+            <a:r>
+              <a:rPr/>
+              <a:t>to</a:t>
+            </a:r>
+            <a:r>
+              <a:rPr/>
+              <a:t> </a:t>
+            </a:r>
+            <a:r>
+              <a:rPr/>
+              <a:t>judge</a:t>
+            </a:r>
+            <a:r>
+              <a:rPr/>
+              <a:t> </a:t>
+            </a:r>
+            <a:r>
+              <a:rPr/>
+              <a:t>than</a:t>
+            </a:r>
+            <a:r>
+              <a:rPr/>
+              <a:t> </a:t>
+            </a:r>
+            <a:r>
+              <a:rPr/>
+              <a:t>position,</a:t>
+            </a:r>
+            <a:r>
+              <a:rPr/>
+              <a:t> </a:t>
+            </a:r>
+            <a:r>
+              <a:rPr/>
+              <a:t>because</a:t>
+            </a:r>
+            <a:r>
+              <a:rPr/>
+              <a:t> </a:t>
+            </a:r>
+            <a:r>
+              <a:rPr/>
+              <a:t>it</a:t>
+            </a:r>
+            <a:r>
+              <a:rPr/>
+              <a:t> </a:t>
+            </a:r>
+            <a:r>
+              <a:rPr/>
+              <a:t>involves</a:t>
+            </a:r>
+            <a:r>
+              <a:rPr/>
+              <a:t> </a:t>
+            </a:r>
+            <a:r>
+              <a:rPr/>
+              <a:t>a</a:t>
+            </a:r>
+            <a:r>
+              <a:rPr/>
+              <a:t> </a:t>
+            </a:r>
+            <a:r>
+              <a:rPr/>
+              <a:t>superimposition</a:t>
+            </a:r>
+            <a:r>
+              <a:rPr/>
+              <a:t> </a:t>
+            </a:r>
+            <a:r>
+              <a:rPr/>
+              <a:t>rather</a:t>
+            </a:r>
+            <a:r>
+              <a:rPr/>
+              <a:t> </a:t>
+            </a:r>
+            <a:r>
+              <a:rPr/>
+              <a:t>than</a:t>
+            </a:r>
+            <a:r>
+              <a:rPr/>
+              <a:t> </a:t>
+            </a:r>
+            <a:r>
+              <a:rPr/>
+              <a:t>a</a:t>
+            </a:r>
+            <a:r>
+              <a:rPr/>
+              <a:t> </a:t>
+            </a:r>
+            <a:r>
+              <a:rPr/>
+              <a:t>projection.</a:t>
+            </a:r>
+          </a:p>
+        </p:txBody>
+      </p:sp>
+      <p:sp>
+        <p:nvSpPr>
+          <p:cNvPr id="4" name="Slide Number Placeholder 3"/>
+          <p:cNvSpPr>
+            <a:spLocks noGrp="1"/>
+          </p:cNvSpPr>
+          <p:nvPr>
+            <p:ph type="sldNum" sz="quarter" idx="10"/>
+          </p:nvPr>
+        </p:nvSpPr>
+        <p:spPr/>
+        <p:txBody>
+          <a:bodyPr/>
+          <a:lstStyle/>
+          <a:p>
+            <a:fld id="{18BDFEC3-8487-43E8-A154-7C12CBC1FFF2}" type="slidenum">
+              <a:rPr lang="en-US"/>
+              <a:t>19</a:t>
+            </a:fld>
+            <a:endParaRPr lang="en-US"/>
+          </a:p>
+        </p:txBody>
+      </p:sp>
+    </p:spTree>
+  </p:cSld>
+</p:notes>
+</file>
+
+<file path=ppt/notesSlides/notesSlide11.xml><?xml version="1.0" encoding="utf-8"?>
+<p:notes xmlns:a="http://schemas.openxmlformats.org/drawingml/2006/main" xmlns:r="http://schemas.openxmlformats.org/officeDocument/2006/relationships" xmlns:p="http://schemas.openxmlformats.org/presentationml/2006/main">
+  <p:cSld>
+    <p:spTree>
+      <p:nvGrpSpPr>
+        <p:cNvPr id="1" name=""/>
+        <p:cNvGrpSpPr/>
+        <p:nvPr/>
+      </p:nvGrpSpPr>
+      <p:grpSpPr>
+        <a:xfrm>
+          <a:off x="0" y="0"/>
+          <a:ext cx="0" cy="0"/>
+          <a:chOff x="0" y="0"/>
+          <a:chExt cx="0" cy="0"/>
+        </a:xfrm>
+      </p:grpSpPr>
+      <p:sp>
+        <p:nvSpPr>
+          <p:cNvPr id="2" name="Slide Image Placeholder 1"/>
+          <p:cNvSpPr>
+            <a:spLocks noGrp="1" noRot="1" noChangeAspect="1"/>
+          </p:cNvSpPr>
+          <p:nvPr>
+            <p:ph type="sldImg"/>
+          </p:nvPr>
+        </p:nvSpPr>
+        <p:spPr/>
+      </p:sp>
+      <p:sp>
+        <p:nvSpPr>
+          <p:cNvPr id="3" name="Notes Placeholder 2"/>
+          <p:cNvSpPr>
+            <a:spLocks noGrp="1"/>
+          </p:cNvSpPr>
+          <p:nvPr>
+            <p:ph type="body" idx="1"/>
+          </p:nvPr>
+        </p:nvSpPr>
+        <p:spPr/>
+        <p:txBody>
+          <a:bodyPr/>
+          <a:lstStyle/>
+          <a:p>
+            <a:pPr lvl="0" marL="0" indent="0">
+              <a:buNone/>
+            </a:pPr>
+            <a:r>
+              <a:rPr/>
+              <a:t>This</a:t>
+            </a:r>
+            <a:r>
+              <a:rPr/>
+              <a:t> </a:t>
+            </a:r>
+            <a:r>
+              <a:rPr/>
+              <a:t>graph</a:t>
+            </a:r>
+            <a:r>
+              <a:rPr/>
+              <a:t> </a:t>
+            </a:r>
+            <a:r>
+              <a:rPr/>
+              <a:t>shows</a:t>
+            </a:r>
+            <a:r>
+              <a:rPr/>
+              <a:t> </a:t>
+            </a:r>
+            <a:r>
+              <a:rPr/>
+              <a:t>sales</a:t>
+            </a:r>
+            <a:r>
+              <a:rPr/>
+              <a:t> </a:t>
+            </a:r>
+            <a:r>
+              <a:rPr/>
+              <a:t>trends</a:t>
+            </a:r>
+            <a:r>
+              <a:rPr/>
+              <a:t> </a:t>
+            </a:r>
+            <a:r>
+              <a:rPr/>
+              <a:t>over</a:t>
+            </a:r>
+            <a:r>
+              <a:rPr/>
+              <a:t> </a:t>
+            </a:r>
+            <a:r>
+              <a:rPr/>
+              <a:t>a</a:t>
+            </a:r>
+            <a:r>
+              <a:rPr/>
+              <a:t> </a:t>
+            </a:r>
+            <a:r>
+              <a:rPr/>
+              <a:t>twelve</a:t>
+            </a:r>
+            <a:r>
+              <a:rPr/>
+              <a:t> </a:t>
+            </a:r>
+            <a:r>
+              <a:rPr/>
+              <a:t>month</a:t>
+            </a:r>
+            <a:r>
+              <a:rPr/>
+              <a:t> </a:t>
+            </a:r>
+            <a:r>
+              <a:rPr/>
+              <a:t>span.</a:t>
+            </a:r>
+            <a:r>
+              <a:rPr/>
+              <a:t> </a:t>
+            </a:r>
+            <a:r>
+              <a:rPr/>
+              <a:t>If</a:t>
+            </a:r>
+            <a:r>
+              <a:rPr/>
+              <a:t> </a:t>
+            </a:r>
+            <a:r>
+              <a:rPr/>
+              <a:t>you</a:t>
+            </a:r>
+            <a:r>
+              <a:rPr/>
+              <a:t> </a:t>
+            </a:r>
+            <a:r>
+              <a:rPr/>
+              <a:t>want</a:t>
+            </a:r>
+            <a:r>
+              <a:rPr/>
+              <a:t> </a:t>
+            </a:r>
+            <a:r>
+              <a:rPr/>
+              <a:t>to</a:t>
+            </a:r>
+            <a:r>
+              <a:rPr/>
+              <a:t> </a:t>
+            </a:r>
+            <a:r>
+              <a:rPr/>
+              <a:t>assess</a:t>
+            </a:r>
+            <a:r>
+              <a:rPr/>
+              <a:t> </a:t>
+            </a:r>
+            <a:r>
+              <a:rPr/>
+              <a:t>whether</a:t>
+            </a:r>
+            <a:r>
+              <a:rPr/>
+              <a:t> </a:t>
+            </a:r>
+            <a:r>
+              <a:rPr/>
+              <a:t>the</a:t>
+            </a:r>
+            <a:r>
+              <a:rPr/>
+              <a:t> </a:t>
+            </a:r>
+            <a:r>
+              <a:rPr/>
+              <a:t>first</a:t>
+            </a:r>
+            <a:r>
+              <a:rPr/>
+              <a:t> </a:t>
+            </a:r>
+            <a:r>
+              <a:rPr/>
+              <a:t>month</a:t>
+            </a:r>
+            <a:r>
+              <a:rPr/>
+              <a:t> </a:t>
+            </a:r>
+            <a:r>
+              <a:rPr/>
+              <a:t>decline</a:t>
+            </a:r>
+            <a:r>
+              <a:rPr/>
+              <a:t> </a:t>
+            </a:r>
+            <a:r>
+              <a:rPr/>
+              <a:t>(the</a:t>
+            </a:r>
+            <a:r>
+              <a:rPr/>
+              <a:t> </a:t>
+            </a:r>
+            <a:r>
+              <a:rPr/>
+              <a:t>dip</a:t>
+            </a:r>
+            <a:r>
+              <a:rPr/>
+              <a:t> </a:t>
+            </a:r>
+            <a:r>
+              <a:rPr/>
+              <a:t>in</a:t>
+            </a:r>
+            <a:r>
+              <a:rPr/>
+              <a:t> </a:t>
+            </a:r>
+            <a:r>
+              <a:rPr/>
+              <a:t>sales</a:t>
+            </a:r>
+            <a:r>
+              <a:rPr/>
+              <a:t> </a:t>
+            </a:r>
+            <a:r>
+              <a:rPr/>
+              <a:t>between</a:t>
+            </a:r>
+            <a:r>
+              <a:rPr/>
+              <a:t> </a:t>
+            </a:r>
+            <a:r>
+              <a:rPr/>
+              <a:t>January</a:t>
+            </a:r>
+            <a:r>
+              <a:rPr/>
+              <a:t> </a:t>
+            </a:r>
+            <a:r>
+              <a:rPr/>
+              <a:t>and</a:t>
+            </a:r>
+            <a:r>
+              <a:rPr/>
+              <a:t> </a:t>
+            </a:r>
+            <a:r>
+              <a:rPr/>
+              <a:t>February)</a:t>
+            </a:r>
+            <a:r>
+              <a:rPr/>
+              <a:t> </a:t>
+            </a:r>
+            <a:r>
+              <a:rPr/>
+              <a:t>was</a:t>
+            </a:r>
+            <a:r>
+              <a:rPr/>
+              <a:t> </a:t>
+            </a:r>
+            <a:r>
+              <a:rPr/>
+              <a:t>worse</a:t>
+            </a:r>
+            <a:r>
+              <a:rPr/>
+              <a:t> </a:t>
+            </a:r>
+            <a:r>
+              <a:rPr/>
+              <a:t>than</a:t>
+            </a:r>
+            <a:r>
+              <a:rPr/>
+              <a:t> </a:t>
+            </a:r>
+            <a:r>
+              <a:rPr/>
+              <a:t>the</a:t>
+            </a:r>
+            <a:r>
+              <a:rPr/>
+              <a:t> </a:t>
+            </a:r>
+            <a:r>
+              <a:rPr/>
+              <a:t>last</a:t>
+            </a:r>
+            <a:r>
+              <a:rPr/>
+              <a:t> </a:t>
+            </a:r>
+            <a:r>
+              <a:rPr/>
+              <a:t>month</a:t>
+            </a:r>
+            <a:r>
+              <a:rPr/>
+              <a:t> </a:t>
+            </a:r>
+            <a:r>
+              <a:rPr/>
+              <a:t>decline</a:t>
+            </a:r>
+            <a:r>
+              <a:rPr/>
+              <a:t> </a:t>
+            </a:r>
+            <a:r>
+              <a:rPr/>
+              <a:t>(the</a:t>
+            </a:r>
+            <a:r>
+              <a:rPr/>
+              <a:t> </a:t>
+            </a:r>
+            <a:r>
+              <a:rPr/>
+              <a:t>dip</a:t>
+            </a:r>
+            <a:r>
+              <a:rPr/>
+              <a:t> </a:t>
+            </a:r>
+            <a:r>
+              <a:rPr/>
+              <a:t>in</a:t>
+            </a:r>
+            <a:r>
+              <a:rPr/>
+              <a:t> </a:t>
+            </a:r>
+            <a:r>
+              <a:rPr/>
+              <a:t>sales</a:t>
+            </a:r>
+            <a:r>
+              <a:rPr/>
+              <a:t> </a:t>
+            </a:r>
+            <a:r>
+              <a:rPr/>
+              <a:t>between</a:t>
+            </a:r>
+            <a:r>
+              <a:rPr/>
+              <a:t> </a:t>
+            </a:r>
+            <a:r>
+              <a:rPr/>
+              <a:t>November</a:t>
+            </a:r>
+            <a:r>
+              <a:rPr/>
+              <a:t> </a:t>
+            </a:r>
+            <a:r>
+              <a:rPr/>
+              <a:t>and</a:t>
+            </a:r>
+            <a:r>
+              <a:rPr/>
+              <a:t> </a:t>
+            </a:r>
+            <a:r>
+              <a:rPr/>
+              <a:t>December),</a:t>
+            </a:r>
+            <a:r>
+              <a:rPr/>
+              <a:t> </a:t>
+            </a:r>
+            <a:r>
+              <a:rPr/>
+              <a:t>you</a:t>
+            </a:r>
+            <a:r>
+              <a:rPr/>
+              <a:t> </a:t>
+            </a:r>
+            <a:r>
+              <a:rPr/>
+              <a:t>would</a:t>
+            </a:r>
+            <a:r>
+              <a:rPr/>
+              <a:t> </a:t>
+            </a:r>
+            <a:r>
+              <a:rPr/>
+              <a:t>probably</a:t>
+            </a:r>
+            <a:r>
+              <a:rPr/>
+              <a:t> </a:t>
+            </a:r>
+            <a:r>
+              <a:rPr/>
+              <a:t>do</a:t>
+            </a:r>
+            <a:r>
+              <a:rPr/>
+              <a:t> </a:t>
+            </a:r>
+            <a:r>
+              <a:rPr/>
+              <a:t>this</a:t>
+            </a:r>
+            <a:r>
+              <a:rPr/>
+              <a:t> </a:t>
+            </a:r>
+            <a:r>
+              <a:rPr/>
+              <a:t>by</a:t>
+            </a:r>
+            <a:r>
+              <a:rPr/>
+              <a:t> </a:t>
+            </a:r>
+            <a:r>
+              <a:rPr/>
+              <a:t>judging</a:t>
+            </a:r>
+            <a:r>
+              <a:rPr/>
+              <a:t> </a:t>
+            </a:r>
+            <a:r>
+              <a:rPr/>
+              <a:t>the</a:t>
+            </a:r>
+            <a:r>
+              <a:rPr/>
+              <a:t> </a:t>
+            </a:r>
+            <a:r>
+              <a:rPr/>
+              <a:t>angle</a:t>
+            </a:r>
+            <a:r>
+              <a:rPr/>
+              <a:t> </a:t>
+            </a:r>
+            <a:r>
+              <a:rPr/>
+              <a:t>of</a:t>
+            </a:r>
+            <a:r>
+              <a:rPr/>
+              <a:t> </a:t>
+            </a:r>
+            <a:r>
+              <a:rPr/>
+              <a:t>the</a:t>
+            </a:r>
+            <a:r>
+              <a:rPr/>
+              <a:t> </a:t>
+            </a:r>
+            <a:r>
+              <a:rPr/>
+              <a:t>first</a:t>
+            </a:r>
+            <a:r>
+              <a:rPr/>
+              <a:t> </a:t>
+            </a:r>
+            <a:r>
+              <a:rPr/>
+              <a:t>line</a:t>
+            </a:r>
+            <a:r>
+              <a:rPr/>
+              <a:t> </a:t>
+            </a:r>
+            <a:r>
+              <a:rPr/>
+              <a:t>segment</a:t>
+            </a:r>
+            <a:r>
+              <a:rPr/>
+              <a:t> </a:t>
+            </a:r>
+            <a:r>
+              <a:rPr/>
+              <a:t>to</a:t>
+            </a:r>
+            <a:r>
+              <a:rPr/>
+              <a:t> </a:t>
+            </a:r>
+            <a:r>
+              <a:rPr/>
+              <a:t>the</a:t>
+            </a:r>
+            <a:r>
+              <a:rPr/>
+              <a:t> </a:t>
+            </a:r>
+            <a:r>
+              <a:rPr/>
+              <a:t>angle</a:t>
+            </a:r>
+            <a:r>
+              <a:rPr/>
+              <a:t> </a:t>
+            </a:r>
+            <a:r>
+              <a:rPr/>
+              <a:t>of</a:t>
+            </a:r>
+            <a:r>
+              <a:rPr/>
+              <a:t> </a:t>
+            </a:r>
+            <a:r>
+              <a:rPr/>
+              <a:t>the</a:t>
+            </a:r>
+            <a:r>
+              <a:rPr/>
+              <a:t> </a:t>
+            </a:r>
+            <a:r>
+              <a:rPr/>
+              <a:t>second</a:t>
+            </a:r>
+            <a:r>
+              <a:rPr/>
+              <a:t> </a:t>
+            </a:r>
+            <a:r>
+              <a:rPr/>
+              <a:t>line</a:t>
+            </a:r>
+            <a:r>
+              <a:rPr/>
+              <a:t> </a:t>
+            </a:r>
+            <a:r>
+              <a:rPr/>
+              <a:t>segment.</a:t>
+            </a:r>
+            <a:r>
+              <a:rPr/>
+              <a:t> </a:t>
+            </a:r>
+            <a:r>
+              <a:rPr/>
+              <a:t>This</a:t>
+            </a:r>
+            <a:r>
+              <a:rPr/>
+              <a:t> </a:t>
+            </a:r>
+            <a:r>
+              <a:rPr/>
+              <a:t>is</a:t>
+            </a:r>
+            <a:r>
+              <a:rPr/>
+              <a:t> </a:t>
+            </a:r>
+            <a:r>
+              <a:rPr/>
+              <a:t>not</a:t>
+            </a:r>
+            <a:r>
+              <a:rPr/>
+              <a:t> </a:t>
+            </a:r>
+            <a:r>
+              <a:rPr/>
+              <a:t>quite</a:t>
+            </a:r>
+            <a:r>
+              <a:rPr/>
+              <a:t> </a:t>
+            </a:r>
+            <a:r>
+              <a:rPr/>
+              <a:t>as</a:t>
+            </a:r>
+            <a:r>
+              <a:rPr/>
+              <a:t> </a:t>
+            </a:r>
+            <a:r>
+              <a:rPr/>
+              <a:t>easy</a:t>
+            </a:r>
+            <a:r>
+              <a:rPr/>
+              <a:t> </a:t>
+            </a:r>
+            <a:r>
+              <a:rPr/>
+              <a:t>as</a:t>
+            </a:r>
+            <a:r>
+              <a:rPr/>
+              <a:t> </a:t>
+            </a:r>
+            <a:r>
+              <a:rPr/>
+              <a:t>a</a:t>
+            </a:r>
+            <a:r>
+              <a:rPr/>
+              <a:t> </a:t>
+            </a:r>
+            <a:r>
+              <a:rPr/>
+              <a:t>position</a:t>
+            </a:r>
+            <a:r>
+              <a:rPr/>
+              <a:t> </a:t>
+            </a:r>
+            <a:r>
+              <a:rPr/>
+              <a:t>or</a:t>
+            </a:r>
+            <a:r>
+              <a:rPr/>
+              <a:t> </a:t>
+            </a:r>
+            <a:r>
+              <a:rPr/>
+              <a:t>length</a:t>
+            </a:r>
+            <a:r>
+              <a:rPr/>
+              <a:t> </a:t>
+            </a:r>
+            <a:r>
+              <a:rPr/>
+              <a:t>judgement,</a:t>
+            </a:r>
+            <a:r>
+              <a:rPr/>
+              <a:t> </a:t>
+            </a:r>
+            <a:r>
+              <a:rPr/>
+              <a:t>but</a:t>
+            </a:r>
+            <a:r>
+              <a:rPr/>
+              <a:t> </a:t>
+            </a:r>
+            <a:r>
+              <a:rPr/>
+              <a:t>it</a:t>
+            </a:r>
+            <a:r>
+              <a:rPr/>
+              <a:t> </a:t>
+            </a:r>
+            <a:r>
+              <a:rPr/>
+              <a:t>isn’t</a:t>
+            </a:r>
+            <a:r>
+              <a:rPr/>
+              <a:t> </a:t>
+            </a:r>
+            <a:r>
+              <a:rPr/>
+              <a:t>too</a:t>
+            </a:r>
+            <a:r>
+              <a:rPr/>
+              <a:t> </a:t>
+            </a:r>
+            <a:r>
+              <a:rPr/>
+              <a:t>bad</a:t>
+            </a:r>
+            <a:r>
+              <a:rPr/>
+              <a:t> </a:t>
+            </a:r>
+            <a:r>
+              <a:rPr/>
+              <a:t>either.</a:t>
+            </a:r>
+          </a:p>
+        </p:txBody>
+      </p:sp>
+      <p:sp>
+        <p:nvSpPr>
+          <p:cNvPr id="4" name="Slide Number Placeholder 3"/>
+          <p:cNvSpPr>
+            <a:spLocks noGrp="1"/>
+          </p:cNvSpPr>
+          <p:nvPr>
+            <p:ph type="sldNum" sz="quarter" idx="10"/>
+          </p:nvPr>
+        </p:nvSpPr>
+        <p:spPr/>
+        <p:txBody>
+          <a:bodyPr/>
+          <a:lstStyle/>
+          <a:p>
+            <a:fld id="{18BDFEC3-8487-43E8-A154-7C12CBC1FFF2}" type="slidenum">
+              <a:rPr lang="en-US"/>
+              <a:t>20</a:t>
+            </a:fld>
+            <a:endParaRPr lang="en-US"/>
+          </a:p>
+        </p:txBody>
+      </p:sp>
+    </p:spTree>
+  </p:cSld>
+</p:notes>
+</file>
+
+<file path=ppt/notesSlides/notesSlide2.xml><?xml version="1.0" encoding="utf-8"?>
+<p:notes xmlns:a="http://schemas.openxmlformats.org/drawingml/2006/main" xmlns:r="http://schemas.openxmlformats.org/officeDocument/2006/relationships" xmlns:p="http://schemas.openxmlformats.org/presentationml/2006/main">
+  <p:cSld>
+    <p:spTree>
+      <p:nvGrpSpPr>
+        <p:cNvPr id="1" name=""/>
+        <p:cNvGrpSpPr/>
+        <p:nvPr/>
+      </p:nvGrpSpPr>
+      <p:grpSpPr>
+        <a:xfrm>
+          <a:off x="0" y="0"/>
+          <a:ext cx="0" cy="0"/>
+          <a:chOff x="0" y="0"/>
+          <a:chExt cx="0" cy="0"/>
+        </a:xfrm>
+      </p:grpSpPr>
+      <p:sp>
+        <p:nvSpPr>
+          <p:cNvPr id="2" name="Slide Image Placeholder 1"/>
+          <p:cNvSpPr>
+            <a:spLocks noGrp="1" noRot="1" noChangeAspect="1"/>
+          </p:cNvSpPr>
+          <p:nvPr>
+            <p:ph type="sldImg"/>
+          </p:nvPr>
+        </p:nvSpPr>
+        <p:spPr/>
+      </p:sp>
+      <p:sp>
+        <p:nvSpPr>
+          <p:cNvPr id="3" name="Notes Placeholder 2"/>
+          <p:cNvSpPr>
+            <a:spLocks noGrp="1"/>
+          </p:cNvSpPr>
+          <p:nvPr>
+            <p:ph type="body" idx="1"/>
+          </p:nvPr>
+        </p:nvSpPr>
+        <p:spPr/>
+        <p:txBody>
+          <a:bodyPr/>
+          <a:lstStyle/>
+          <a:p>
+            <a:pPr lvl="0" marL="0" indent="0">
+              <a:buNone/>
+            </a:pPr>
+            <a:r>
+              <a:rPr/>
+              <a:t>Much</a:t>
+            </a:r>
+            <a:r>
+              <a:rPr/>
+              <a:t> </a:t>
+            </a:r>
+            <a:r>
+              <a:rPr/>
+              <a:t>of</a:t>
+            </a:r>
+            <a:r>
+              <a:rPr/>
+              <a:t> </a:t>
+            </a:r>
+            <a:r>
+              <a:rPr/>
+              <a:t>the</a:t>
+            </a:r>
+            <a:r>
+              <a:rPr/>
+              <a:t> </a:t>
+            </a:r>
+            <a:r>
+              <a:rPr/>
+              <a:t>work</a:t>
+            </a:r>
+            <a:r>
+              <a:rPr/>
+              <a:t> </a:t>
+            </a:r>
+            <a:r>
+              <a:rPr/>
+              <a:t>on</a:t>
+            </a:r>
+            <a:r>
+              <a:rPr/>
+              <a:t> </a:t>
+            </a:r>
+            <a:r>
+              <a:rPr/>
+              <a:t>the</a:t>
+            </a:r>
+            <a:r>
+              <a:rPr/>
+              <a:t> </a:t>
+            </a:r>
+            <a:r>
+              <a:rPr/>
+              <a:t>psychology</a:t>
+            </a:r>
+            <a:r>
+              <a:rPr/>
+              <a:t> </a:t>
+            </a:r>
+            <a:r>
+              <a:rPr/>
+              <a:t>of</a:t>
+            </a:r>
+            <a:r>
+              <a:rPr/>
+              <a:t> </a:t>
+            </a:r>
+            <a:r>
+              <a:rPr/>
+              <a:t>perception</a:t>
+            </a:r>
+            <a:r>
+              <a:rPr/>
+              <a:t> </a:t>
+            </a:r>
+            <a:r>
+              <a:rPr/>
+              <a:t>that</a:t>
+            </a:r>
+            <a:r>
+              <a:rPr/>
+              <a:t> </a:t>
+            </a:r>
+            <a:r>
+              <a:rPr/>
+              <a:t>I</a:t>
+            </a:r>
+            <a:r>
+              <a:rPr/>
+              <a:t> </a:t>
+            </a:r>
+            <a:r>
+              <a:rPr/>
+              <a:t>will</a:t>
+            </a:r>
+            <a:r>
+              <a:rPr/>
+              <a:t> </a:t>
+            </a:r>
+            <a:r>
+              <a:rPr/>
+              <a:t>be</a:t>
+            </a:r>
+            <a:r>
+              <a:rPr/>
+              <a:t> </a:t>
+            </a:r>
+            <a:r>
+              <a:rPr/>
+              <a:t>discussing</a:t>
+            </a:r>
+            <a:r>
+              <a:rPr/>
+              <a:t> </a:t>
+            </a:r>
+            <a:r>
+              <a:rPr/>
+              <a:t>next</a:t>
+            </a:r>
+            <a:r>
+              <a:rPr/>
+              <a:t> </a:t>
+            </a:r>
+            <a:r>
+              <a:rPr/>
+              <a:t>is</a:t>
+            </a:r>
+            <a:r>
+              <a:rPr/>
+              <a:t> </a:t>
+            </a:r>
+            <a:r>
+              <a:rPr/>
+              <a:t>drawn</a:t>
+            </a:r>
+            <a:r>
+              <a:rPr/>
+              <a:t> </a:t>
+            </a:r>
+            <a:r>
+              <a:rPr/>
+              <a:t>from</a:t>
+            </a:r>
+            <a:r>
+              <a:rPr/>
+              <a:t> </a:t>
+            </a:r>
+            <a:r>
+              <a:rPr/>
+              <a:t>this</a:t>
+            </a:r>
+            <a:r>
+              <a:rPr/>
+              <a:t> </a:t>
+            </a:r>
+            <a:r>
+              <a:rPr/>
+              <a:t>1987</a:t>
+            </a:r>
+            <a:r>
+              <a:rPr/>
+              <a:t> </a:t>
+            </a:r>
+            <a:r>
+              <a:rPr/>
+              <a:t>article</a:t>
+            </a:r>
+            <a:r>
+              <a:rPr/>
+              <a:t> </a:t>
+            </a:r>
+            <a:r>
+              <a:rPr/>
+              <a:t>by</a:t>
+            </a:r>
+            <a:r>
+              <a:rPr/>
+              <a:t> </a:t>
+            </a:r>
+            <a:r>
+              <a:rPr/>
+              <a:t>Simkin</a:t>
+            </a:r>
+            <a:r>
+              <a:rPr/>
+              <a:t> </a:t>
+            </a:r>
+            <a:r>
+              <a:rPr/>
+              <a:t>and</a:t>
+            </a:r>
+            <a:r>
+              <a:rPr/>
+              <a:t> </a:t>
+            </a:r>
+            <a:r>
+              <a:rPr/>
+              <a:t>Hastie.</a:t>
+            </a:r>
+          </a:p>
+        </p:txBody>
+      </p:sp>
+      <p:sp>
+        <p:nvSpPr>
+          <p:cNvPr id="4" name="Slide Number Placeholder 3"/>
+          <p:cNvSpPr>
+            <a:spLocks noGrp="1"/>
+          </p:cNvSpPr>
+          <p:nvPr>
+            <p:ph type="sldNum" sz="quarter" idx="10"/>
+          </p:nvPr>
+        </p:nvSpPr>
+        <p:spPr/>
+        <p:txBody>
+          <a:bodyPr/>
+          <a:lstStyle/>
+          <a:p>
+            <a:fld id="{18BDFEC3-8487-43E8-A154-7C12CBC1FFF2}" type="slidenum">
+              <a:rPr lang="en-US"/>
+              <a:t>7</a:t>
+            </a:fld>
+            <a:endParaRPr lang="en-US"/>
+          </a:p>
+        </p:txBody>
+      </p:sp>
+    </p:spTree>
+  </p:cSld>
+</p:notes>
+</file>
+
+<file path=ppt/notesSlides/notesSlide3.xml><?xml version="1.0" encoding="utf-8"?>
+<p:notes xmlns:a="http://schemas.openxmlformats.org/drawingml/2006/main" xmlns:r="http://schemas.openxmlformats.org/officeDocument/2006/relationships" xmlns:p="http://schemas.openxmlformats.org/presentationml/2006/main">
+  <p:cSld>
+    <p:spTree>
+      <p:nvGrpSpPr>
+        <p:cNvPr id="1" name=""/>
+        <p:cNvGrpSpPr/>
+        <p:nvPr/>
+      </p:nvGrpSpPr>
+      <p:grpSpPr>
+        <a:xfrm>
+          <a:off x="0" y="0"/>
+          <a:ext cx="0" cy="0"/>
+          <a:chOff x="0" y="0"/>
+          <a:chExt cx="0" cy="0"/>
+        </a:xfrm>
+      </p:grpSpPr>
+      <p:sp>
+        <p:nvSpPr>
+          <p:cNvPr id="2" name="Slide Image Placeholder 1"/>
+          <p:cNvSpPr>
+            <a:spLocks noGrp="1" noRot="1" noChangeAspect="1"/>
+          </p:cNvSpPr>
+          <p:nvPr>
+            <p:ph type="sldImg"/>
+          </p:nvPr>
+        </p:nvSpPr>
+        <p:spPr/>
+      </p:sp>
+      <p:sp>
+        <p:nvSpPr>
+          <p:cNvPr id="3" name="Notes Placeholder 2"/>
+          <p:cNvSpPr>
+            <a:spLocks noGrp="1"/>
+          </p:cNvSpPr>
+          <p:nvPr>
+            <p:ph type="body" idx="1"/>
+          </p:nvPr>
+        </p:nvSpPr>
+        <p:spPr/>
+        <p:txBody>
+          <a:bodyPr/>
+          <a:lstStyle/>
+          <a:p>
+            <a:pPr lvl="0" marL="0" indent="0">
+              <a:buNone/>
+            </a:pPr>
+            <a:r>
+              <a:rPr/>
+              <a:t>The</a:t>
+            </a:r>
+            <a:r>
+              <a:rPr/>
+              <a:t> </a:t>
+            </a:r>
+            <a:r>
+              <a:rPr/>
+              <a:t>answer</a:t>
+            </a:r>
+            <a:r>
+              <a:rPr/>
+              <a:t> </a:t>
+            </a:r>
+            <a:r>
+              <a:rPr/>
+              <a:t>really</a:t>
+            </a:r>
+            <a:r>
+              <a:rPr/>
+              <a:t> </a:t>
+            </a:r>
+            <a:r>
+              <a:rPr/>
+              <a:t>depends</a:t>
+            </a:r>
+            <a:r>
+              <a:rPr/>
+              <a:t> </a:t>
+            </a:r>
+            <a:r>
+              <a:rPr/>
+              <a:t>on</a:t>
+            </a:r>
+            <a:r>
+              <a:rPr/>
+              <a:t> </a:t>
+            </a:r>
+            <a:r>
+              <a:rPr/>
+              <a:t>what</a:t>
+            </a:r>
+            <a:r>
+              <a:rPr/>
+              <a:t> </a:t>
+            </a:r>
+            <a:r>
+              <a:rPr/>
+              <a:t>question</a:t>
+            </a:r>
+            <a:r>
+              <a:rPr/>
+              <a:t> </a:t>
+            </a:r>
+            <a:r>
+              <a:rPr/>
+              <a:t>you</a:t>
+            </a:r>
+            <a:r>
+              <a:rPr/>
+              <a:t> </a:t>
+            </a:r>
+            <a:r>
+              <a:rPr/>
+              <a:t>are</a:t>
+            </a:r>
+            <a:r>
+              <a:rPr/>
+              <a:t> </a:t>
+            </a:r>
+            <a:r>
+              <a:rPr/>
+              <a:t>asking.</a:t>
+            </a:r>
+            <a:r>
+              <a:rPr/>
+              <a:t> </a:t>
+            </a:r>
+            <a:r>
+              <a:rPr/>
+              <a:t>There</a:t>
+            </a:r>
+            <a:r>
+              <a:rPr/>
+              <a:t> </a:t>
+            </a:r>
+            <a:r>
+              <a:rPr/>
+              <a:t>are</a:t>
+            </a:r>
+            <a:r>
+              <a:rPr/>
+              <a:t> </a:t>
+            </a:r>
+            <a:r>
+              <a:rPr/>
+              <a:t>a</a:t>
+            </a:r>
+            <a:r>
+              <a:rPr/>
+              <a:t> </a:t>
+            </a:r>
+            <a:r>
+              <a:rPr/>
+              <a:t>variety</a:t>
+            </a:r>
+            <a:r>
+              <a:rPr/>
+              <a:t> </a:t>
+            </a:r>
+            <a:r>
+              <a:rPr/>
+              <a:t>of</a:t>
+            </a:r>
+            <a:r>
+              <a:rPr/>
+              <a:t> </a:t>
+            </a:r>
+            <a:r>
+              <a:rPr/>
+              <a:t>questions</a:t>
+            </a:r>
+            <a:r>
+              <a:rPr/>
+              <a:t> </a:t>
+            </a:r>
+            <a:r>
+              <a:rPr/>
+              <a:t>that</a:t>
+            </a:r>
+            <a:r>
+              <a:rPr/>
+              <a:t> </a:t>
+            </a:r>
+            <a:r>
+              <a:rPr/>
+              <a:t>you</a:t>
+            </a:r>
+            <a:r>
+              <a:rPr/>
+              <a:t> </a:t>
+            </a:r>
+            <a:r>
+              <a:rPr/>
+              <a:t>might</a:t>
+            </a:r>
+            <a:r>
+              <a:rPr/>
+              <a:t> </a:t>
+            </a:r>
+            <a:r>
+              <a:rPr/>
+              <a:t>ask.</a:t>
+            </a:r>
+            <a:r>
+              <a:rPr/>
+              <a:t> </a:t>
+            </a:r>
+            <a:r>
+              <a:rPr/>
+              <a:t>Two</a:t>
+            </a:r>
+            <a:r>
+              <a:rPr/>
+              <a:t> </a:t>
+            </a:r>
+            <a:r>
+              <a:rPr/>
+              <a:t>are</a:t>
+            </a:r>
+            <a:r>
+              <a:rPr/>
+              <a:t> </a:t>
+            </a:r>
+            <a:r>
+              <a:rPr/>
+              <a:t>illustrated</a:t>
+            </a:r>
+            <a:r>
+              <a:rPr/>
+              <a:t> </a:t>
+            </a:r>
+            <a:r>
+              <a:rPr/>
+              <a:t>above.</a:t>
+            </a:r>
+          </a:p>
+          <a:p>
+            <a:pPr lvl="0" marL="0" indent="0">
+              <a:buNone/>
+            </a:pPr>
+          </a:p>
+          <a:p>
+            <a:pPr lvl="0" marL="0" indent="0">
+              <a:buNone/>
+            </a:pPr>
+            <a:r>
+              <a:rPr/>
+              <a:t>You</a:t>
+            </a:r>
+            <a:r>
+              <a:rPr/>
+              <a:t> </a:t>
+            </a:r>
+            <a:r>
+              <a:rPr/>
+              <a:t>can</a:t>
+            </a:r>
+            <a:r>
+              <a:rPr/>
+              <a:t> </a:t>
+            </a:r>
+            <a:r>
+              <a:rPr/>
+              <a:t>run</a:t>
+            </a:r>
+            <a:r>
+              <a:rPr/>
+              <a:t> </a:t>
+            </a:r>
+            <a:r>
+              <a:rPr/>
+              <a:t>an</a:t>
+            </a:r>
+            <a:r>
+              <a:rPr/>
+              <a:t> </a:t>
+            </a:r>
+            <a:r>
+              <a:rPr/>
+              <a:t>experiment</a:t>
+            </a:r>
+            <a:r>
+              <a:rPr/>
+              <a:t> </a:t>
+            </a:r>
+            <a:r>
+              <a:rPr/>
+              <a:t>(people</a:t>
+            </a:r>
+            <a:r>
+              <a:rPr/>
+              <a:t> </a:t>
+            </a:r>
+            <a:r>
+              <a:rPr/>
+              <a:t>have</a:t>
+            </a:r>
+            <a:r>
+              <a:rPr/>
+              <a:t> </a:t>
+            </a:r>
+            <a:r>
+              <a:rPr/>
+              <a:t>done</a:t>
+            </a:r>
+            <a:r>
+              <a:rPr/>
+              <a:t> </a:t>
+            </a:r>
+            <a:r>
+              <a:rPr/>
+              <a:t>this)</a:t>
+            </a:r>
+            <a:r>
+              <a:rPr/>
+              <a:t> </a:t>
+            </a:r>
+            <a:r>
+              <a:rPr/>
+              <a:t>where</a:t>
+            </a:r>
+            <a:r>
+              <a:rPr/>
+              <a:t> </a:t>
+            </a:r>
+            <a:r>
+              <a:rPr/>
+              <a:t>randomize</a:t>
+            </a:r>
+            <a:r>
+              <a:rPr/>
+              <a:t> </a:t>
+            </a:r>
+            <a:r>
+              <a:rPr/>
+              <a:t>and</a:t>
+            </a:r>
+            <a:r>
+              <a:rPr/>
+              <a:t> </a:t>
+            </a:r>
+            <a:r>
+              <a:rPr/>
+              <a:t>show</a:t>
+            </a:r>
+            <a:r>
+              <a:rPr/>
+              <a:t> </a:t>
+            </a:r>
+            <a:r>
+              <a:rPr/>
+              <a:t>half</a:t>
+            </a:r>
+            <a:r>
+              <a:rPr/>
+              <a:t> </a:t>
+            </a:r>
+            <a:r>
+              <a:rPr/>
+              <a:t>of</a:t>
+            </a:r>
+            <a:r>
+              <a:rPr/>
+              <a:t> </a:t>
+            </a:r>
+            <a:r>
+              <a:rPr/>
+              <a:t>them</a:t>
+            </a:r>
+            <a:r>
+              <a:rPr/>
+              <a:t> </a:t>
+            </a:r>
+            <a:r>
+              <a:rPr/>
+              <a:t>a</a:t>
+            </a:r>
+            <a:r>
+              <a:rPr/>
+              <a:t> </a:t>
+            </a:r>
+            <a:r>
+              <a:rPr/>
+              <a:t>bar</a:t>
+            </a:r>
+            <a:r>
+              <a:rPr/>
+              <a:t> </a:t>
+            </a:r>
+            <a:r>
+              <a:rPr/>
+              <a:t>chart</a:t>
+            </a:r>
+            <a:r>
+              <a:rPr/>
+              <a:t> </a:t>
+            </a:r>
+            <a:r>
+              <a:rPr/>
+              <a:t>and</a:t>
+            </a:r>
+            <a:r>
+              <a:rPr/>
+              <a:t> </a:t>
+            </a:r>
+            <a:r>
+              <a:rPr/>
+              <a:t>half</a:t>
+            </a:r>
+            <a:r>
+              <a:rPr/>
+              <a:t> </a:t>
+            </a:r>
+            <a:r>
+              <a:rPr/>
+              <a:t>of</a:t>
+            </a:r>
+            <a:r>
+              <a:rPr/>
+              <a:t> </a:t>
+            </a:r>
+            <a:r>
+              <a:rPr/>
+              <a:t>them</a:t>
+            </a:r>
+            <a:r>
+              <a:rPr/>
+              <a:t> </a:t>
+            </a:r>
+            <a:r>
+              <a:rPr/>
+              <a:t>a</a:t>
+            </a:r>
+            <a:r>
+              <a:rPr/>
+              <a:t> </a:t>
+            </a:r>
+            <a:r>
+              <a:rPr/>
+              <a:t>pie</a:t>
+            </a:r>
+            <a:r>
+              <a:rPr/>
+              <a:t> </a:t>
+            </a:r>
+            <a:r>
+              <a:rPr/>
+              <a:t>chart.</a:t>
+            </a:r>
+            <a:r>
+              <a:rPr/>
+              <a:t> </a:t>
+            </a:r>
+            <a:r>
+              <a:rPr/>
+              <a:t>Then</a:t>
+            </a:r>
+            <a:r>
+              <a:rPr/>
+              <a:t> </a:t>
+            </a:r>
+            <a:r>
+              <a:rPr/>
+              <a:t>you</a:t>
+            </a:r>
+            <a:r>
+              <a:rPr/>
+              <a:t> </a:t>
+            </a:r>
+            <a:r>
+              <a:rPr/>
+              <a:t>ask</a:t>
+            </a:r>
+            <a:r>
+              <a:rPr/>
+              <a:t> </a:t>
+            </a:r>
+            <a:r>
+              <a:rPr/>
+              <a:t>a</a:t>
+            </a:r>
+            <a:r>
+              <a:rPr/>
+              <a:t> </a:t>
+            </a:r>
+            <a:r>
+              <a:rPr/>
+              <a:t>question,</a:t>
+            </a:r>
+            <a:r>
+              <a:rPr/>
+              <a:t> </a:t>
+            </a:r>
+            <a:r>
+              <a:rPr/>
+              <a:t>like</a:t>
+            </a:r>
+            <a:r>
+              <a:rPr/>
+              <a:t> </a:t>
+            </a:r>
+            <a:r>
+              <a:rPr/>
+              <a:t>one</a:t>
+            </a:r>
+            <a:r>
+              <a:rPr/>
+              <a:t> </a:t>
+            </a:r>
+            <a:r>
+              <a:rPr/>
+              <a:t>of</a:t>
+            </a:r>
+            <a:r>
+              <a:rPr/>
+              <a:t> </a:t>
+            </a:r>
+            <a:r>
+              <a:rPr/>
+              <a:t>the</a:t>
+            </a:r>
+            <a:r>
+              <a:rPr/>
+              <a:t> </a:t>
+            </a:r>
+            <a:r>
+              <a:rPr/>
+              <a:t>questions</a:t>
+            </a:r>
+            <a:r>
+              <a:rPr/>
+              <a:t> </a:t>
+            </a:r>
+            <a:r>
+              <a:rPr/>
+              <a:t>above.</a:t>
+            </a:r>
+            <a:r>
+              <a:rPr/>
+              <a:t> </a:t>
+            </a:r>
+            <a:r>
+              <a:rPr/>
+              <a:t>Then</a:t>
+            </a:r>
+            <a:r>
+              <a:rPr/>
+              <a:t> </a:t>
+            </a:r>
+            <a:r>
+              <a:rPr/>
+              <a:t>you</a:t>
+            </a:r>
+            <a:r>
+              <a:rPr/>
+              <a:t> </a:t>
+            </a:r>
+            <a:r>
+              <a:rPr/>
+              <a:t>note</a:t>
+            </a:r>
+            <a:r>
+              <a:rPr/>
+              <a:t> </a:t>
+            </a:r>
+            <a:r>
+              <a:rPr/>
+              <a:t>the</a:t>
+            </a:r>
+            <a:r>
+              <a:rPr/>
+              <a:t> </a:t>
+            </a:r>
+            <a:r>
+              <a:rPr/>
+              <a:t>speed</a:t>
+            </a:r>
+            <a:r>
+              <a:rPr/>
+              <a:t> </a:t>
+            </a:r>
+            <a:r>
+              <a:rPr/>
+              <a:t>and</a:t>
+            </a:r>
+            <a:r>
+              <a:rPr/>
+              <a:t> </a:t>
+            </a:r>
+            <a:r>
+              <a:rPr/>
+              <a:t>accuracy</a:t>
+            </a:r>
+            <a:r>
+              <a:rPr/>
+              <a:t> </a:t>
+            </a:r>
+            <a:r>
+              <a:rPr/>
+              <a:t>of</a:t>
+            </a:r>
+            <a:r>
+              <a:rPr/>
+              <a:t> </a:t>
+            </a:r>
+            <a:r>
+              <a:rPr/>
+              <a:t>the</a:t>
+            </a:r>
+            <a:r>
+              <a:rPr/>
+              <a:t> </a:t>
+            </a:r>
+            <a:r>
+              <a:rPr/>
+              <a:t>response.</a:t>
+            </a:r>
+            <a:r>
+              <a:rPr/>
+              <a:t> </a:t>
+            </a:r>
+            <a:r>
+              <a:rPr/>
+              <a:t>Depending</a:t>
+            </a:r>
+            <a:r>
+              <a:rPr/>
+              <a:t> </a:t>
+            </a:r>
+            <a:r>
+              <a:rPr/>
+              <a:t>on</a:t>
+            </a:r>
+            <a:r>
+              <a:rPr/>
+              <a:t> </a:t>
+            </a:r>
+            <a:r>
+              <a:rPr/>
+              <a:t>the</a:t>
+            </a:r>
+            <a:r>
+              <a:rPr/>
+              <a:t> </a:t>
+            </a:r>
+            <a:r>
+              <a:rPr/>
+              <a:t>question,</a:t>
+            </a:r>
+            <a:r>
+              <a:rPr/>
+              <a:t> </a:t>
+            </a:r>
+            <a:r>
+              <a:rPr/>
+              <a:t>sometimes</a:t>
+            </a:r>
+            <a:r>
+              <a:rPr/>
+              <a:t> </a:t>
+            </a:r>
+            <a:r>
+              <a:rPr/>
+              <a:t>pie</a:t>
+            </a:r>
+            <a:r>
+              <a:rPr/>
+              <a:t> </a:t>
+            </a:r>
+            <a:r>
+              <a:rPr/>
+              <a:t>charts</a:t>
+            </a:r>
+            <a:r>
+              <a:rPr/>
+              <a:t> </a:t>
+            </a:r>
+            <a:r>
+              <a:rPr/>
+              <a:t>give</a:t>
+            </a:r>
+            <a:r>
+              <a:rPr/>
+              <a:t> </a:t>
+            </a:r>
+            <a:r>
+              <a:rPr/>
+              <a:t>faster</a:t>
+            </a:r>
+            <a:r>
+              <a:rPr/>
+              <a:t> </a:t>
+            </a:r>
+            <a:r>
+              <a:rPr/>
+              <a:t>and</a:t>
+            </a:r>
+            <a:r>
+              <a:rPr/>
+              <a:t> </a:t>
+            </a:r>
+            <a:r>
+              <a:rPr/>
+              <a:t>more</a:t>
+            </a:r>
+            <a:r>
+              <a:rPr/>
+              <a:t> </a:t>
+            </a:r>
+            <a:r>
+              <a:rPr/>
+              <a:t>accurate</a:t>
+            </a:r>
+            <a:r>
+              <a:rPr/>
+              <a:t> </a:t>
+            </a:r>
+            <a:r>
+              <a:rPr/>
+              <a:t>answers.</a:t>
+            </a:r>
+            <a:r>
+              <a:rPr/>
+              <a:t> </a:t>
+            </a:r>
+            <a:r>
+              <a:rPr/>
+              <a:t>Sometimes</a:t>
+            </a:r>
+            <a:r>
+              <a:rPr/>
+              <a:t> </a:t>
+            </a:r>
+            <a:r>
+              <a:rPr/>
+              <a:t>bar</a:t>
+            </a:r>
+            <a:r>
+              <a:rPr/>
+              <a:t> </a:t>
+            </a:r>
+            <a:r>
+              <a:rPr/>
+              <a:t>charts</a:t>
+            </a:r>
+            <a:r>
+              <a:rPr/>
+              <a:t> </a:t>
+            </a:r>
+            <a:r>
+              <a:rPr/>
+              <a:t>give</a:t>
+            </a:r>
+            <a:r>
+              <a:rPr/>
+              <a:t> </a:t>
+            </a:r>
+            <a:r>
+              <a:rPr/>
+              <a:t>faster</a:t>
+            </a:r>
+            <a:r>
+              <a:rPr/>
+              <a:t> </a:t>
+            </a:r>
+            <a:r>
+              <a:rPr/>
+              <a:t>and</a:t>
+            </a:r>
+            <a:r>
+              <a:rPr/>
+              <a:t> </a:t>
+            </a:r>
+            <a:r>
+              <a:rPr/>
+              <a:t>more</a:t>
+            </a:r>
+            <a:r>
+              <a:rPr/>
+              <a:t> </a:t>
+            </a:r>
+            <a:r>
+              <a:rPr/>
+              <a:t>accurate</a:t>
+            </a:r>
+            <a:r>
+              <a:rPr/>
+              <a:t> </a:t>
+            </a:r>
+            <a:r>
+              <a:rPr/>
+              <a:t>answers.</a:t>
+            </a:r>
+            <a:r>
+              <a:rPr/>
+              <a:t> </a:t>
+            </a:r>
+            <a:r>
+              <a:rPr/>
+              <a:t>It</a:t>
+            </a:r>
+            <a:r>
+              <a:rPr/>
+              <a:t> </a:t>
+            </a:r>
+            <a:r>
+              <a:rPr/>
+              <a:t>turns</a:t>
+            </a:r>
+            <a:r>
+              <a:rPr/>
+              <a:t> </a:t>
+            </a:r>
+            <a:r>
+              <a:rPr/>
+              <a:t>out</a:t>
+            </a:r>
+            <a:r>
+              <a:rPr/>
+              <a:t> </a:t>
+            </a:r>
+            <a:r>
+              <a:rPr/>
+              <a:t>that</a:t>
+            </a:r>
+            <a:r>
+              <a:rPr/>
+              <a:t> </a:t>
+            </a:r>
+            <a:r>
+              <a:rPr/>
+              <a:t>the</a:t>
+            </a:r>
+            <a:r>
+              <a:rPr/>
+              <a:t> </a:t>
+            </a:r>
+            <a:r>
+              <a:rPr/>
+              <a:t>results</a:t>
+            </a:r>
+            <a:r>
+              <a:rPr/>
+              <a:t> </a:t>
+            </a:r>
+            <a:r>
+              <a:rPr/>
+              <a:t>match</a:t>
+            </a:r>
+            <a:r>
+              <a:rPr/>
+              <a:t> </a:t>
+            </a:r>
+            <a:r>
+              <a:rPr/>
+              <a:t>up</a:t>
+            </a:r>
+            <a:r>
+              <a:rPr/>
+              <a:t> </a:t>
+            </a:r>
+            <a:r>
+              <a:rPr/>
+              <a:t>nicely</a:t>
+            </a:r>
+            <a:r>
+              <a:rPr/>
+              <a:t> </a:t>
+            </a:r>
+            <a:r>
+              <a:rPr/>
+              <a:t>with</a:t>
+            </a:r>
+            <a:r>
+              <a:rPr/>
+              <a:t> </a:t>
+            </a:r>
+            <a:r>
+              <a:rPr/>
+              <a:t>what</a:t>
+            </a:r>
+            <a:r>
+              <a:rPr/>
+              <a:t> </a:t>
+            </a:r>
+            <a:r>
+              <a:rPr/>
+              <a:t>we</a:t>
+            </a:r>
+            <a:r>
+              <a:rPr/>
+              <a:t> </a:t>
+            </a:r>
+            <a:r>
+              <a:rPr/>
+              <a:t>know</a:t>
+            </a:r>
+            <a:r>
+              <a:rPr/>
+              <a:t> </a:t>
+            </a:r>
+            <a:r>
+              <a:rPr/>
+              <a:t>about</a:t>
+            </a:r>
+            <a:r>
+              <a:rPr/>
+              <a:t> </a:t>
+            </a:r>
+            <a:r>
+              <a:rPr/>
+              <a:t>the</a:t>
+            </a:r>
+            <a:r>
+              <a:rPr/>
+              <a:t> </a:t>
+            </a:r>
+            <a:r>
+              <a:rPr/>
+              <a:t>psychology</a:t>
+            </a:r>
+            <a:r>
+              <a:rPr/>
+              <a:t> </a:t>
+            </a:r>
+            <a:r>
+              <a:rPr/>
+              <a:t>of</a:t>
+            </a:r>
+            <a:r>
+              <a:rPr/>
+              <a:t> </a:t>
+            </a:r>
+            <a:r>
+              <a:rPr/>
+              <a:t>perception.</a:t>
+            </a:r>
+          </a:p>
+        </p:txBody>
+      </p:sp>
+      <p:sp>
+        <p:nvSpPr>
+          <p:cNvPr id="4" name="Slide Number Placeholder 3"/>
+          <p:cNvSpPr>
+            <a:spLocks noGrp="1"/>
+          </p:cNvSpPr>
+          <p:nvPr>
+            <p:ph type="sldNum" sz="quarter" idx="10"/>
+          </p:nvPr>
+        </p:nvSpPr>
+        <p:spPr/>
+        <p:txBody>
+          <a:bodyPr/>
+          <a:lstStyle/>
+          <a:p>
+            <a:fld id="{18BDFEC3-8487-43E8-A154-7C12CBC1FFF2}" type="slidenum">
+              <a:rPr lang="en-US"/>
+              <a:t>10</a:t>
+            </a:fld>
+            <a:endParaRPr lang="en-US"/>
+          </a:p>
+        </p:txBody>
+      </p:sp>
+    </p:spTree>
+  </p:cSld>
+</p:notes>
+</file>
+
+<file path=ppt/notesSlides/notesSlide4.xml><?xml version="1.0" encoding="utf-8"?>
+<p:notes xmlns:a="http://schemas.openxmlformats.org/drawingml/2006/main" xmlns:r="http://schemas.openxmlformats.org/officeDocument/2006/relationships" xmlns:p="http://schemas.openxmlformats.org/presentationml/2006/main">
+  <p:cSld>
+    <p:spTree>
+      <p:nvGrpSpPr>
+        <p:cNvPr id="1" name=""/>
+        <p:cNvGrpSpPr/>
+        <p:nvPr/>
+      </p:nvGrpSpPr>
+      <p:grpSpPr>
+        <a:xfrm>
+          <a:off x="0" y="0"/>
+          <a:ext cx="0" cy="0"/>
+          <a:chOff x="0" y="0"/>
+          <a:chExt cx="0" cy="0"/>
+        </a:xfrm>
+      </p:grpSpPr>
+      <p:sp>
+        <p:nvSpPr>
+          <p:cNvPr id="2" name="Slide Image Placeholder 1"/>
+          <p:cNvSpPr>
+            <a:spLocks noGrp="1" noRot="1" noChangeAspect="1"/>
+          </p:cNvSpPr>
+          <p:nvPr>
+            <p:ph type="sldImg"/>
+          </p:nvPr>
+        </p:nvSpPr>
+        <p:spPr/>
+      </p:sp>
+      <p:sp>
+        <p:nvSpPr>
+          <p:cNvPr id="3" name="Notes Placeholder 2"/>
+          <p:cNvSpPr>
+            <a:spLocks noGrp="1"/>
+          </p:cNvSpPr>
+          <p:nvPr>
+            <p:ph type="body" idx="1"/>
+          </p:nvPr>
+        </p:nvSpPr>
+        <p:spPr/>
+        <p:txBody>
+          <a:bodyPr/>
+          <a:lstStyle/>
+          <a:p>
+            <a:pPr lvl="0" marL="0" indent="0">
+              <a:buNone/>
+            </a:pPr>
+            <a:r>
+              <a:rPr/>
+              <a:t>The</a:t>
+            </a:r>
+            <a:r>
+              <a:rPr/>
+              <a:t> </a:t>
+            </a:r>
+            <a:r>
+              <a:rPr/>
+              <a:t>position</a:t>
+            </a:r>
+            <a:r>
+              <a:rPr/>
+              <a:t> </a:t>
+            </a:r>
+            <a:r>
+              <a:rPr/>
+              <a:t>means</a:t>
+            </a:r>
+            <a:r>
+              <a:rPr/>
+              <a:t> </a:t>
+            </a:r>
+            <a:r>
+              <a:rPr/>
+              <a:t>the</a:t>
+            </a:r>
+            <a:r>
+              <a:rPr/>
+              <a:t> </a:t>
+            </a:r>
+            <a:r>
+              <a:rPr/>
+              <a:t>vertical</a:t>
+            </a:r>
+            <a:r>
+              <a:rPr/>
+              <a:t> </a:t>
+            </a:r>
+            <a:r>
+              <a:rPr/>
+              <a:t>or</a:t>
+            </a:r>
+            <a:r>
+              <a:rPr/>
+              <a:t> </a:t>
+            </a:r>
+            <a:r>
+              <a:rPr/>
+              <a:t>horizontal</a:t>
+            </a:r>
+            <a:r>
+              <a:rPr/>
+              <a:t> </a:t>
+            </a:r>
+            <a:r>
+              <a:rPr/>
+              <a:t>location.</a:t>
+            </a:r>
+            <a:r>
+              <a:rPr/>
+              <a:t> </a:t>
+            </a:r>
+            <a:r>
+              <a:rPr/>
+              <a:t>Does</a:t>
+            </a:r>
+            <a:r>
+              <a:rPr/>
+              <a:t> </a:t>
+            </a:r>
+            <a:r>
+              <a:rPr/>
+              <a:t>the</a:t>
+            </a:r>
+            <a:r>
+              <a:rPr/>
+              <a:t> </a:t>
+            </a:r>
+            <a:r>
+              <a:rPr/>
+              <a:t>first</a:t>
+            </a:r>
+            <a:r>
+              <a:rPr/>
+              <a:t> </a:t>
+            </a:r>
+            <a:r>
+              <a:rPr/>
+              <a:t>yellow</a:t>
+            </a:r>
+            <a:r>
+              <a:rPr/>
+              <a:t> </a:t>
+            </a:r>
+            <a:r>
+              <a:rPr/>
+              <a:t>bar</a:t>
+            </a:r>
+            <a:r>
+              <a:rPr/>
+              <a:t> </a:t>
+            </a:r>
+            <a:r>
+              <a:rPr/>
+              <a:t>in</a:t>
+            </a:r>
+            <a:r>
+              <a:rPr/>
+              <a:t> </a:t>
+            </a:r>
+            <a:r>
+              <a:rPr/>
+              <a:t>1931</a:t>
+            </a:r>
+            <a:r>
+              <a:rPr/>
+              <a:t> </a:t>
+            </a:r>
+            <a:r>
+              <a:rPr/>
+              <a:t>(Glabron</a:t>
+            </a:r>
+            <a:r>
+              <a:rPr/>
+              <a:t> </a:t>
+            </a:r>
+            <a:r>
+              <a:rPr/>
+              <a:t>seeds</a:t>
+            </a:r>
+            <a:r>
+              <a:rPr/>
+              <a:t> </a:t>
+            </a:r>
+            <a:r>
+              <a:rPr/>
+              <a:t>planted</a:t>
+            </a:r>
+            <a:r>
+              <a:rPr/>
+              <a:t> </a:t>
+            </a:r>
+            <a:r>
+              <a:rPr/>
+              <a:t>in</a:t>
+            </a:r>
+            <a:r>
+              <a:rPr/>
+              <a:t> </a:t>
+            </a:r>
+            <a:r>
+              <a:rPr/>
+              <a:t>Wasica)</a:t>
+            </a:r>
+            <a:r>
+              <a:rPr/>
+              <a:t> </a:t>
+            </a:r>
+            <a:r>
+              <a:rPr/>
+              <a:t>extend</a:t>
+            </a:r>
+            <a:r>
+              <a:rPr/>
+              <a:t> </a:t>
+            </a:r>
+            <a:r>
+              <a:rPr/>
+              <a:t>further</a:t>
+            </a:r>
+            <a:r>
+              <a:rPr/>
+              <a:t> </a:t>
+            </a:r>
+            <a:r>
+              <a:rPr/>
+              <a:t>to</a:t>
+            </a:r>
+            <a:r>
+              <a:rPr/>
+              <a:t> </a:t>
+            </a:r>
+            <a:r>
+              <a:rPr/>
+              <a:t>the</a:t>
+            </a:r>
+            <a:r>
+              <a:rPr/>
+              <a:t> </a:t>
+            </a:r>
+            <a:r>
+              <a:rPr/>
+              <a:t>right</a:t>
+            </a:r>
+            <a:r>
+              <a:rPr/>
+              <a:t> </a:t>
+            </a:r>
+            <a:r>
+              <a:rPr/>
+              <a:t>than</a:t>
+            </a:r>
+            <a:r>
+              <a:rPr/>
+              <a:t> </a:t>
+            </a:r>
+            <a:r>
+              <a:rPr/>
+              <a:t>the</a:t>
+            </a:r>
+            <a:r>
+              <a:rPr/>
+              <a:t> </a:t>
+            </a:r>
+            <a:r>
+              <a:rPr/>
+              <a:t>last</a:t>
+            </a:r>
+            <a:r>
+              <a:rPr/>
+              <a:t> </a:t>
+            </a:r>
+            <a:r>
+              <a:rPr/>
+              <a:t>yellow</a:t>
+            </a:r>
+            <a:r>
+              <a:rPr/>
+              <a:t> </a:t>
+            </a:r>
+            <a:r>
+              <a:rPr/>
+              <a:t>bar</a:t>
+            </a:r>
+            <a:r>
+              <a:rPr/>
+              <a:t> </a:t>
+            </a:r>
+            <a:r>
+              <a:rPr/>
+              <a:t>(Wisconsin</a:t>
+            </a:r>
+            <a:r>
+              <a:rPr/>
+              <a:t> </a:t>
+            </a:r>
+            <a:r>
+              <a:rPr/>
+              <a:t>No. 38</a:t>
+            </a:r>
+            <a:r>
+              <a:rPr/>
+              <a:t> </a:t>
+            </a:r>
+            <a:r>
+              <a:rPr/>
+              <a:t>seeds</a:t>
+            </a:r>
+            <a:r>
+              <a:rPr/>
+              <a:t> </a:t>
+            </a:r>
+            <a:r>
+              <a:rPr/>
+              <a:t>planted</a:t>
+            </a:r>
+            <a:r>
+              <a:rPr/>
+              <a:t> </a:t>
+            </a:r>
+            <a:r>
+              <a:rPr/>
+              <a:t>in</a:t>
+            </a:r>
+            <a:r>
+              <a:rPr/>
+              <a:t> </a:t>
+            </a:r>
+            <a:r>
+              <a:rPr/>
+              <a:t>Wasica)?</a:t>
+            </a:r>
+          </a:p>
+        </p:txBody>
+      </p:sp>
+      <p:sp>
+        <p:nvSpPr>
+          <p:cNvPr id="4" name="Slide Number Placeholder 3"/>
+          <p:cNvSpPr>
+            <a:spLocks noGrp="1"/>
+          </p:cNvSpPr>
+          <p:nvPr>
+            <p:ph type="sldNum" sz="quarter" idx="10"/>
+          </p:nvPr>
+        </p:nvSpPr>
+        <p:spPr/>
+        <p:txBody>
+          <a:bodyPr/>
+          <a:lstStyle/>
+          <a:p>
+            <a:fld id="{18BDFEC3-8487-43E8-A154-7C12CBC1FFF2}" type="slidenum">
+              <a:rPr lang="en-US"/>
+              <a:t>12</a:t>
+            </a:fld>
+            <a:endParaRPr lang="en-US"/>
+          </a:p>
+        </p:txBody>
+      </p:sp>
+    </p:spTree>
+  </p:cSld>
+</p:notes>
+</file>
+
+<file path=ppt/notesSlides/notesSlide5.xml><?xml version="1.0" encoding="utf-8"?>
+<p:notes xmlns:a="http://schemas.openxmlformats.org/drawingml/2006/main" xmlns:r="http://schemas.openxmlformats.org/officeDocument/2006/relationships" xmlns:p="http://schemas.openxmlformats.org/presentationml/2006/main">
+  <p:cSld>
+    <p:spTree>
+      <p:nvGrpSpPr>
+        <p:cNvPr id="1" name=""/>
+        <p:cNvGrpSpPr/>
+        <p:nvPr/>
+      </p:nvGrpSpPr>
+      <p:grpSpPr>
+        <a:xfrm>
+          <a:off x="0" y="0"/>
+          <a:ext cx="0" cy="0"/>
+          <a:chOff x="0" y="0"/>
+          <a:chExt cx="0" cy="0"/>
+        </a:xfrm>
+      </p:grpSpPr>
+      <p:sp>
+        <p:nvSpPr>
+          <p:cNvPr id="2" name="Slide Image Placeholder 1"/>
+          <p:cNvSpPr>
+            <a:spLocks noGrp="1" noRot="1" noChangeAspect="1"/>
+          </p:cNvSpPr>
+          <p:nvPr>
+            <p:ph type="sldImg"/>
+          </p:nvPr>
+        </p:nvSpPr>
+        <p:spPr/>
+      </p:sp>
+      <p:sp>
+        <p:nvSpPr>
+          <p:cNvPr id="3" name="Notes Placeholder 2"/>
+          <p:cNvSpPr>
+            <a:spLocks noGrp="1"/>
+          </p:cNvSpPr>
+          <p:nvPr>
+            <p:ph type="body" idx="1"/>
+          </p:nvPr>
+        </p:nvSpPr>
+        <p:spPr/>
+        <p:txBody>
+          <a:bodyPr/>
+          <a:lstStyle/>
+          <a:p>
+            <a:pPr lvl="0" marL="0" indent="0">
+              <a:buNone/>
+            </a:pPr>
+            <a:r>
+              <a:rPr/>
+              <a:t>The</a:t>
+            </a:r>
+            <a:r>
+              <a:rPr/>
+              <a:t> </a:t>
+            </a:r>
+            <a:r>
+              <a:rPr/>
+              <a:t>length</a:t>
+            </a:r>
+            <a:r>
+              <a:rPr/>
+              <a:t> </a:t>
+            </a:r>
+            <a:r>
+              <a:rPr/>
+              <a:t>means</a:t>
+            </a:r>
+            <a:r>
+              <a:rPr/>
+              <a:t> </a:t>
+            </a:r>
+            <a:r>
+              <a:rPr/>
+              <a:t>either</a:t>
+            </a:r>
+            <a:r>
+              <a:rPr/>
+              <a:t> </a:t>
+            </a:r>
+            <a:r>
+              <a:rPr/>
+              <a:t>the</a:t>
+            </a:r>
+            <a:r>
+              <a:rPr/>
+              <a:t> </a:t>
+            </a:r>
+            <a:r>
+              <a:rPr/>
+              <a:t>width</a:t>
+            </a:r>
+            <a:r>
+              <a:rPr/>
+              <a:t> </a:t>
+            </a:r>
+            <a:r>
+              <a:rPr/>
+              <a:t>or</a:t>
+            </a:r>
+            <a:r>
+              <a:rPr/>
+              <a:t> </a:t>
+            </a:r>
+            <a:r>
+              <a:rPr/>
+              <a:t>the</a:t>
+            </a:r>
+            <a:r>
+              <a:rPr/>
+              <a:t> </a:t>
+            </a:r>
+            <a:r>
+              <a:rPr/>
+              <a:t>height.</a:t>
+            </a:r>
+            <a:r>
+              <a:rPr/>
+              <a:t> </a:t>
+            </a:r>
+            <a:r>
+              <a:rPr/>
+              <a:t>Does</a:t>
+            </a:r>
+            <a:r>
+              <a:rPr/>
+              <a:t> </a:t>
+            </a:r>
+            <a:r>
+              <a:rPr/>
+              <a:t>the</a:t>
+            </a:r>
+            <a:r>
+              <a:rPr/>
+              <a:t> </a:t>
+            </a:r>
+            <a:r>
+              <a:rPr/>
+              <a:t>first</a:t>
+            </a:r>
+            <a:r>
+              <a:rPr/>
+              <a:t> </a:t>
+            </a:r>
+            <a:r>
+              <a:rPr/>
+              <a:t>green</a:t>
+            </a:r>
+            <a:r>
+              <a:rPr/>
+              <a:t> </a:t>
+            </a:r>
+            <a:r>
+              <a:rPr/>
+              <a:t>bar</a:t>
+            </a:r>
+            <a:r>
+              <a:rPr/>
+              <a:t> </a:t>
+            </a:r>
+            <a:r>
+              <a:rPr/>
+              <a:t>in</a:t>
+            </a:r>
+            <a:r>
+              <a:rPr/>
+              <a:t> </a:t>
+            </a:r>
+            <a:r>
+              <a:rPr/>
+              <a:t>1931</a:t>
+            </a:r>
+            <a:r>
+              <a:rPr/>
+              <a:t> </a:t>
+            </a:r>
+            <a:r>
+              <a:rPr/>
+              <a:t>(Glabron</a:t>
+            </a:r>
+            <a:r>
+              <a:rPr/>
+              <a:t> </a:t>
+            </a:r>
+            <a:r>
+              <a:rPr/>
+              <a:t>seeds</a:t>
+            </a:r>
+            <a:r>
+              <a:rPr/>
+              <a:t> </a:t>
+            </a:r>
+            <a:r>
+              <a:rPr/>
+              <a:t>planted</a:t>
+            </a:r>
+            <a:r>
+              <a:rPr/>
+              <a:t> </a:t>
+            </a:r>
+            <a:r>
+              <a:rPr/>
+              <a:t>in</a:t>
+            </a:r>
+            <a:r>
+              <a:rPr/>
+              <a:t> </a:t>
+            </a:r>
+            <a:r>
+              <a:rPr/>
+              <a:t>University</a:t>
+            </a:r>
+            <a:r>
+              <a:rPr/>
+              <a:t> </a:t>
+            </a:r>
+            <a:r>
+              <a:rPr/>
+              <a:t>Farm)</a:t>
+            </a:r>
+            <a:r>
+              <a:rPr/>
+              <a:t> </a:t>
+            </a:r>
+            <a:r>
+              <a:rPr/>
+              <a:t>extend</a:t>
+            </a:r>
+            <a:r>
+              <a:rPr/>
+              <a:t> </a:t>
+            </a:r>
+            <a:r>
+              <a:rPr/>
+              <a:t>further</a:t>
+            </a:r>
+            <a:r>
+              <a:rPr/>
+              <a:t> </a:t>
+            </a:r>
+            <a:r>
+              <a:rPr/>
+              <a:t>to</a:t>
+            </a:r>
+            <a:r>
+              <a:rPr/>
+              <a:t> </a:t>
+            </a:r>
+            <a:r>
+              <a:rPr/>
+              <a:t>the</a:t>
+            </a:r>
+            <a:r>
+              <a:rPr/>
+              <a:t> </a:t>
+            </a:r>
+            <a:r>
+              <a:rPr/>
+              <a:t>right</a:t>
+            </a:r>
+            <a:r>
+              <a:rPr/>
+              <a:t> </a:t>
+            </a:r>
+            <a:r>
+              <a:rPr/>
+              <a:t>than</a:t>
+            </a:r>
+            <a:r>
+              <a:rPr/>
+              <a:t> </a:t>
+            </a:r>
+            <a:r>
+              <a:rPr/>
+              <a:t>the</a:t>
+            </a:r>
+            <a:r>
+              <a:rPr/>
+              <a:t> </a:t>
+            </a:r>
+            <a:r>
+              <a:rPr/>
+              <a:t>last</a:t>
+            </a:r>
+            <a:r>
+              <a:rPr/>
+              <a:t> </a:t>
+            </a:r>
+            <a:r>
+              <a:rPr/>
+              <a:t>yellow</a:t>
+            </a:r>
+            <a:r>
+              <a:rPr/>
+              <a:t> </a:t>
+            </a:r>
+            <a:r>
+              <a:rPr/>
+              <a:t>bar</a:t>
+            </a:r>
+            <a:r>
+              <a:rPr/>
+              <a:t> </a:t>
+            </a:r>
+            <a:r>
+              <a:rPr/>
+              <a:t>(Wisconsin</a:t>
+            </a:r>
+            <a:r>
+              <a:rPr/>
+              <a:t> </a:t>
+            </a:r>
+            <a:r>
+              <a:rPr/>
+              <a:t>No. 38</a:t>
+            </a:r>
+            <a:r>
+              <a:rPr/>
+              <a:t> </a:t>
+            </a:r>
+            <a:r>
+              <a:rPr/>
+              <a:t>seeds</a:t>
+            </a:r>
+            <a:r>
+              <a:rPr/>
+              <a:t> </a:t>
+            </a:r>
+            <a:r>
+              <a:rPr/>
+              <a:t>planted</a:t>
+            </a:r>
+            <a:r>
+              <a:rPr/>
+              <a:t> </a:t>
+            </a:r>
+            <a:r>
+              <a:rPr/>
+              <a:t>in</a:t>
+            </a:r>
+            <a:r>
+              <a:rPr/>
+              <a:t> </a:t>
+            </a:r>
+            <a:r>
+              <a:rPr/>
+              <a:t>Crookston)?</a:t>
+            </a:r>
+          </a:p>
+        </p:txBody>
+      </p:sp>
+      <p:sp>
+        <p:nvSpPr>
+          <p:cNvPr id="4" name="Slide Number Placeholder 3"/>
+          <p:cNvSpPr>
+            <a:spLocks noGrp="1"/>
+          </p:cNvSpPr>
+          <p:nvPr>
+            <p:ph type="sldNum" sz="quarter" idx="10"/>
+          </p:nvPr>
+        </p:nvSpPr>
+        <p:spPr/>
+        <p:txBody>
+          <a:bodyPr/>
+          <a:lstStyle/>
+          <a:p>
+            <a:fld id="{18BDFEC3-8487-43E8-A154-7C12CBC1FFF2}" type="slidenum">
+              <a:rPr lang="en-US"/>
+              <a:t>13</a:t>
+            </a:fld>
+            <a:endParaRPr lang="en-US"/>
+          </a:p>
+        </p:txBody>
+      </p:sp>
+    </p:spTree>
+  </p:cSld>
+</p:notes>
+</file>
+
+<file path=ppt/notesSlides/notesSlide6.xml><?xml version="1.0" encoding="utf-8"?>
+<p:notes xmlns:a="http://schemas.openxmlformats.org/drawingml/2006/main" xmlns:r="http://schemas.openxmlformats.org/officeDocument/2006/relationships" xmlns:p="http://schemas.openxmlformats.org/presentationml/2006/main">
+  <p:cSld>
+    <p:spTree>
+      <p:nvGrpSpPr>
+        <p:cNvPr id="1" name=""/>
+        <p:cNvGrpSpPr/>
+        <p:nvPr/>
+      </p:nvGrpSpPr>
+      <p:grpSpPr>
+        <a:xfrm>
+          <a:off x="0" y="0"/>
+          <a:ext cx="0" cy="0"/>
+          <a:chOff x="0" y="0"/>
+          <a:chExt cx="0" cy="0"/>
+        </a:xfrm>
+      </p:grpSpPr>
+      <p:sp>
+        <p:nvSpPr>
+          <p:cNvPr id="2" name="Slide Image Placeholder 1"/>
+          <p:cNvSpPr>
+            <a:spLocks noGrp="1" noRot="1" noChangeAspect="1"/>
+          </p:cNvSpPr>
+          <p:nvPr>
+            <p:ph type="sldImg"/>
+          </p:nvPr>
+        </p:nvSpPr>
+        <p:spPr/>
+      </p:sp>
+      <p:sp>
+        <p:nvSpPr>
+          <p:cNvPr id="3" name="Notes Placeholder 2"/>
+          <p:cNvSpPr>
+            <a:spLocks noGrp="1"/>
+          </p:cNvSpPr>
+          <p:nvPr>
+            <p:ph type="body" idx="1"/>
+          </p:nvPr>
+        </p:nvSpPr>
+        <p:spPr/>
+        <p:txBody>
+          <a:bodyPr/>
+          <a:lstStyle/>
+          <a:p>
+            <a:pPr lvl="0" marL="0" indent="0">
+              <a:buNone/>
+            </a:pPr>
+            <a:r>
+              <a:rPr/>
+              <a:t>To</a:t>
+            </a:r>
+            <a:r>
+              <a:rPr/>
+              <a:t> </a:t>
+            </a:r>
+            <a:r>
+              <a:rPr/>
+              <a:t>understand</a:t>
+            </a:r>
+            <a:r>
+              <a:rPr/>
+              <a:t> </a:t>
+            </a:r>
+            <a:r>
+              <a:rPr/>
+              <a:t>scanning,</a:t>
+            </a:r>
+            <a:r>
+              <a:rPr/>
+              <a:t> </a:t>
+            </a:r>
+            <a:r>
+              <a:rPr/>
+              <a:t>think</a:t>
+            </a:r>
+            <a:r>
+              <a:rPr/>
+              <a:t> </a:t>
+            </a:r>
+            <a:r>
+              <a:rPr/>
+              <a:t>of</a:t>
+            </a:r>
+            <a:r>
+              <a:rPr/>
+              <a:t> </a:t>
+            </a:r>
+            <a:r>
+              <a:rPr/>
+              <a:t>a</a:t>
+            </a:r>
+            <a:r>
+              <a:rPr/>
+              <a:t> </a:t>
+            </a:r>
+            <a:r>
+              <a:rPr/>
+              <a:t>gas</a:t>
+            </a:r>
+            <a:r>
+              <a:rPr/>
+              <a:t> </a:t>
+            </a:r>
+            <a:r>
+              <a:rPr/>
+              <a:t>gauge.</a:t>
+            </a:r>
+            <a:r>
+              <a:rPr/>
+              <a:t> </a:t>
+            </a:r>
+            <a:r>
+              <a:rPr/>
+              <a:t>Usually</a:t>
+            </a:r>
+            <a:r>
+              <a:rPr/>
+              <a:t> </a:t>
+            </a:r>
+            <a:r>
+              <a:rPr/>
+              <a:t>it</a:t>
+            </a:r>
+            <a:r>
+              <a:rPr/>
+              <a:t> </a:t>
+            </a:r>
+            <a:r>
+              <a:rPr/>
+              <a:t>is</a:t>
+            </a:r>
+            <a:r>
+              <a:rPr/>
+              <a:t> </a:t>
+            </a:r>
+            <a:r>
+              <a:rPr/>
+              <a:t>a</a:t>
+            </a:r>
+            <a:r>
+              <a:rPr/>
+              <a:t> </a:t>
+            </a:r>
+            <a:r>
+              <a:rPr/>
+              <a:t>semicircular</a:t>
+            </a:r>
+            <a:r>
+              <a:rPr/>
+              <a:t> </a:t>
+            </a:r>
+            <a:r>
+              <a:rPr/>
+              <a:t>dial,</a:t>
+            </a:r>
+            <a:r>
+              <a:rPr/>
+              <a:t> </a:t>
+            </a:r>
+            <a:r>
+              <a:rPr/>
+              <a:t>but</a:t>
+            </a:r>
+            <a:r>
+              <a:rPr/>
+              <a:t> </a:t>
+            </a:r>
+            <a:r>
+              <a:rPr/>
+              <a:t>let’s</a:t>
+            </a:r>
+            <a:r>
+              <a:rPr/>
+              <a:t> </a:t>
+            </a:r>
+            <a:r>
+              <a:rPr/>
+              <a:t>set</a:t>
+            </a:r>
+            <a:r>
+              <a:rPr/>
+              <a:t> </a:t>
+            </a:r>
+            <a:r>
+              <a:rPr/>
+              <a:t>up</a:t>
+            </a:r>
+            <a:r>
+              <a:rPr/>
+              <a:t> </a:t>
+            </a:r>
+            <a:r>
+              <a:rPr/>
+              <a:t>the</a:t>
+            </a:r>
+            <a:r>
+              <a:rPr/>
+              <a:t> </a:t>
+            </a:r>
+            <a:r>
+              <a:rPr/>
+              <a:t>gas</a:t>
+            </a:r>
+            <a:r>
+              <a:rPr/>
+              <a:t> </a:t>
+            </a:r>
+            <a:r>
+              <a:rPr/>
+              <a:t>gauge</a:t>
+            </a:r>
+            <a:r>
+              <a:rPr/>
+              <a:t> </a:t>
+            </a:r>
+            <a:r>
+              <a:rPr/>
+              <a:t>as</a:t>
+            </a:r>
+            <a:r>
+              <a:rPr/>
+              <a:t> </a:t>
+            </a:r>
+            <a:r>
+              <a:rPr/>
+              <a:t>a</a:t>
+            </a:r>
+            <a:r>
+              <a:rPr/>
+              <a:t> </a:t>
+            </a:r>
+            <a:r>
+              <a:rPr/>
+              <a:t>rectangle.</a:t>
+            </a:r>
+            <a:r>
+              <a:rPr/>
+              <a:t> </a:t>
+            </a:r>
+            <a:r>
+              <a:rPr/>
+              <a:t>If</a:t>
+            </a:r>
+            <a:r>
+              <a:rPr/>
+              <a:t> </a:t>
+            </a:r>
+            <a:r>
+              <a:rPr/>
+              <a:t>the</a:t>
+            </a:r>
+            <a:r>
+              <a:rPr/>
+              <a:t> </a:t>
+            </a:r>
+            <a:r>
+              <a:rPr/>
+              <a:t>level</a:t>
+            </a:r>
+            <a:r>
+              <a:rPr/>
+              <a:t> </a:t>
+            </a:r>
+            <a:r>
+              <a:rPr/>
+              <a:t>is</a:t>
+            </a:r>
+            <a:r>
+              <a:rPr/>
+              <a:t> </a:t>
+            </a:r>
+            <a:r>
+              <a:rPr/>
+              <a:t>at</a:t>
+            </a:r>
+            <a:r>
+              <a:rPr/>
+              <a:t> </a:t>
+            </a:r>
+            <a:r>
+              <a:rPr/>
+              <a:t>the</a:t>
+            </a:r>
+            <a:r>
+              <a:rPr/>
+              <a:t> </a:t>
+            </a:r>
+            <a:r>
+              <a:rPr/>
+              <a:t>top,</a:t>
+            </a:r>
+            <a:r>
+              <a:rPr/>
+              <a:t> </a:t>
+            </a:r>
+            <a:r>
+              <a:rPr/>
+              <a:t>you</a:t>
+            </a:r>
+            <a:r>
+              <a:rPr/>
+              <a:t> </a:t>
+            </a:r>
+            <a:r>
+              <a:rPr/>
+              <a:t>have</a:t>
+            </a:r>
+            <a:r>
+              <a:rPr/>
+              <a:t> </a:t>
+            </a:r>
+            <a:r>
+              <a:rPr/>
+              <a:t>a</a:t>
+            </a:r>
+            <a:r>
+              <a:rPr/>
+              <a:t> </a:t>
+            </a:r>
+            <a:r>
+              <a:rPr/>
+              <a:t>full</a:t>
+            </a:r>
+            <a:r>
+              <a:rPr/>
+              <a:t> </a:t>
+            </a:r>
+            <a:r>
+              <a:rPr/>
+              <a:t>tank.</a:t>
+            </a:r>
+            <a:r>
+              <a:rPr/>
+              <a:t> </a:t>
+            </a:r>
+            <a:r>
+              <a:rPr/>
+              <a:t>If</a:t>
+            </a:r>
+            <a:r>
+              <a:rPr/>
+              <a:t> </a:t>
+            </a:r>
+            <a:r>
+              <a:rPr/>
+              <a:t>the</a:t>
+            </a:r>
+            <a:r>
+              <a:rPr/>
+              <a:t> </a:t>
+            </a:r>
+            <a:r>
+              <a:rPr/>
+              <a:t>level</a:t>
+            </a:r>
+            <a:r>
+              <a:rPr/>
+              <a:t> </a:t>
+            </a:r>
+            <a:r>
+              <a:rPr/>
+              <a:t>is</a:t>
+            </a:r>
+            <a:r>
+              <a:rPr/>
+              <a:t> </a:t>
+            </a:r>
+            <a:r>
+              <a:rPr/>
+              <a:t>at</a:t>
+            </a:r>
+            <a:r>
+              <a:rPr/>
+              <a:t> </a:t>
+            </a:r>
+            <a:r>
+              <a:rPr/>
+              <a:t>the</a:t>
+            </a:r>
+            <a:r>
+              <a:rPr/>
+              <a:t> </a:t>
+            </a:r>
+            <a:r>
+              <a:rPr/>
+              <a:t>bottom,</a:t>
+            </a:r>
+            <a:r>
+              <a:rPr/>
+              <a:t> </a:t>
+            </a:r>
+            <a:r>
+              <a:rPr/>
+              <a:t>you</a:t>
+            </a:r>
+            <a:r>
+              <a:rPr/>
+              <a:t> </a:t>
+            </a:r>
+            <a:r>
+              <a:rPr/>
+              <a:t>have</a:t>
+            </a:r>
+            <a:r>
+              <a:rPr/>
+              <a:t> </a:t>
+            </a:r>
+            <a:r>
+              <a:rPr/>
+              <a:t>an</a:t>
+            </a:r>
+            <a:r>
+              <a:rPr/>
+              <a:t> </a:t>
+            </a:r>
+            <a:r>
+              <a:rPr/>
+              <a:t>empty</a:t>
+            </a:r>
+            <a:r>
+              <a:rPr/>
+              <a:t> </a:t>
+            </a:r>
+            <a:r>
+              <a:rPr/>
+              <a:t>tank.</a:t>
+            </a:r>
+            <a:r>
+              <a:rPr/>
+              <a:t> </a:t>
+            </a:r>
+            <a:r>
+              <a:rPr/>
+              <a:t>This</a:t>
+            </a:r>
+            <a:r>
+              <a:rPr/>
+              <a:t> </a:t>
+            </a:r>
+            <a:r>
+              <a:rPr/>
+              <a:t>gauge</a:t>
+            </a:r>
+            <a:r>
+              <a:rPr/>
+              <a:t> </a:t>
+            </a:r>
+            <a:r>
+              <a:rPr/>
+              <a:t>shows</a:t>
+            </a:r>
+            <a:r>
+              <a:rPr/>
+              <a:t> </a:t>
+            </a:r>
+            <a:r>
+              <a:rPr/>
+              <a:t>a</a:t>
+            </a:r>
+            <a:r>
+              <a:rPr/>
+              <a:t> </a:t>
+            </a:r>
+            <a:r>
+              <a:rPr/>
+              <a:t>tank</a:t>
+            </a:r>
+            <a:r>
+              <a:rPr/>
+              <a:t> </a:t>
+            </a:r>
+            <a:r>
+              <a:rPr/>
+              <a:t>that</a:t>
+            </a:r>
+            <a:r>
+              <a:rPr/>
+              <a:t> </a:t>
+            </a:r>
+            <a:r>
+              <a:rPr/>
+              <a:t>is</a:t>
+            </a:r>
+            <a:r>
+              <a:rPr/>
+              <a:t> </a:t>
+            </a:r>
+            <a:r>
+              <a:rPr/>
+              <a:t>65%</a:t>
+            </a:r>
+            <a:r>
+              <a:rPr/>
+              <a:t> </a:t>
+            </a:r>
+            <a:r>
+              <a:rPr/>
+              <a:t>full.</a:t>
+            </a:r>
+            <a:r>
+              <a:rPr/>
+              <a:t> </a:t>
+            </a:r>
+            <a:r>
+              <a:rPr/>
+              <a:t>Trust</a:t>
+            </a:r>
+            <a:r>
+              <a:rPr/>
+              <a:t> </a:t>
+            </a:r>
+            <a:r>
+              <a:rPr/>
+              <a:t>me,</a:t>
+            </a:r>
+            <a:r>
+              <a:rPr/>
+              <a:t> </a:t>
+            </a:r>
+            <a:r>
+              <a:rPr/>
+              <a:t>I</a:t>
+            </a:r>
+            <a:r>
+              <a:rPr/>
+              <a:t> </a:t>
+            </a:r>
+            <a:r>
+              <a:rPr/>
+              <a:t>drew</a:t>
+            </a:r>
+            <a:r>
+              <a:rPr/>
+              <a:t> </a:t>
+            </a:r>
+            <a:r>
+              <a:rPr/>
+              <a:t>the</a:t>
+            </a:r>
+            <a:r>
+              <a:rPr/>
+              <a:t> </a:t>
+            </a:r>
+            <a:r>
+              <a:rPr/>
+              <a:t>gauge.</a:t>
+            </a:r>
+            <a:r>
+              <a:rPr/>
+              <a:t> </a:t>
+            </a:r>
+            <a:r>
+              <a:rPr/>
+              <a:t>It</a:t>
+            </a:r>
+            <a:r>
+              <a:rPr/>
+              <a:t> </a:t>
+            </a:r>
+            <a:r>
+              <a:rPr/>
+              <a:t>is</a:t>
+            </a:r>
+            <a:r>
+              <a:rPr/>
+              <a:t> </a:t>
+            </a:r>
+            <a:r>
+              <a:rPr/>
+              <a:t>at</a:t>
+            </a:r>
+            <a:r>
+              <a:rPr/>
+              <a:t> </a:t>
+            </a:r>
+            <a:r>
+              <a:rPr/>
+              <a:t>65%.</a:t>
+            </a:r>
+            <a:r>
+              <a:rPr/>
+              <a:t> </a:t>
+            </a:r>
+            <a:r>
+              <a:rPr/>
+              <a:t>Now</a:t>
+            </a:r>
+            <a:r>
+              <a:rPr/>
+              <a:t> </a:t>
+            </a:r>
+            <a:r>
+              <a:rPr/>
+              <a:t>how</a:t>
+            </a:r>
+            <a:r>
+              <a:rPr/>
+              <a:t> </a:t>
+            </a:r>
+            <a:r>
+              <a:rPr/>
+              <a:t>would</a:t>
+            </a:r>
+            <a:r>
+              <a:rPr/>
+              <a:t> </a:t>
+            </a:r>
+            <a:r>
+              <a:rPr/>
+              <a:t>you</a:t>
+            </a:r>
+            <a:r>
+              <a:rPr/>
+              <a:t> </a:t>
+            </a:r>
+            <a:r>
+              <a:rPr/>
+              <a:t>estimate</a:t>
+            </a:r>
+            <a:r>
+              <a:rPr/>
+              <a:t> </a:t>
+            </a:r>
+            <a:r>
+              <a:rPr/>
+              <a:t>the</a:t>
+            </a:r>
+            <a:r>
+              <a:rPr/>
+              <a:t> </a:t>
+            </a:r>
+            <a:r>
+              <a:rPr/>
+              <a:t>gas</a:t>
+            </a:r>
+            <a:r>
+              <a:rPr/>
+              <a:t> </a:t>
+            </a:r>
+            <a:r>
+              <a:rPr/>
+              <a:t>level?</a:t>
+            </a:r>
+          </a:p>
+          <a:p>
+            <a:pPr lvl="0" marL="0" indent="0">
+              <a:buNone/>
+            </a:pPr>
+          </a:p>
+          <a:p>
+            <a:pPr lvl="0" marL="0" indent="0">
+              <a:buNone/>
+            </a:pPr>
+            <a:r>
+              <a:rPr/>
+              <a:t>You</a:t>
+            </a:r>
+            <a:r>
+              <a:rPr/>
+              <a:t> </a:t>
+            </a:r>
+            <a:r>
+              <a:rPr/>
+              <a:t>would</a:t>
+            </a:r>
+            <a:r>
+              <a:rPr/>
+              <a:t> </a:t>
+            </a:r>
+            <a:r>
+              <a:rPr/>
+              <a:t>take</a:t>
+            </a:r>
+            <a:r>
+              <a:rPr/>
+              <a:t> </a:t>
+            </a:r>
+            <a:r>
+              <a:rPr/>
+              <a:t>a</a:t>
+            </a:r>
+            <a:r>
+              <a:rPr/>
+              <a:t> </a:t>
+            </a:r>
+            <a:r>
+              <a:rPr/>
+              <a:t>mental</a:t>
+            </a:r>
+            <a:r>
+              <a:rPr/>
+              <a:t> </a:t>
+            </a:r>
+            <a:r>
+              <a:rPr/>
+              <a:t>tape</a:t>
+            </a:r>
+            <a:r>
+              <a:rPr/>
+              <a:t> </a:t>
+            </a:r>
+            <a:r>
+              <a:rPr/>
+              <a:t>measure,</a:t>
+            </a:r>
+            <a:r>
+              <a:rPr/>
+              <a:t> </a:t>
+            </a:r>
+            <a:r>
+              <a:rPr/>
+              <a:t>starting</a:t>
+            </a:r>
+            <a:r>
+              <a:rPr/>
+              <a:t> </a:t>
+            </a:r>
+            <a:r>
+              <a:rPr/>
+              <a:t>at</a:t>
+            </a:r>
+            <a:r>
+              <a:rPr/>
+              <a:t> </a:t>
+            </a:r>
+            <a:r>
+              <a:rPr/>
+              <a:t>the</a:t>
+            </a:r>
+            <a:r>
+              <a:rPr/>
+              <a:t> </a:t>
+            </a:r>
+            <a:r>
+              <a:rPr/>
+              <a:t>bottom</a:t>
+            </a:r>
+            <a:r>
+              <a:rPr/>
+              <a:t> </a:t>
+            </a:r>
+            <a:r>
+              <a:rPr/>
+              <a:t>and</a:t>
+            </a:r>
+            <a:r>
+              <a:rPr/>
+              <a:t> </a:t>
+            </a:r>
+            <a:r>
+              <a:rPr/>
+              <a:t>measure</a:t>
+            </a:r>
+            <a:r>
+              <a:rPr/>
+              <a:t> </a:t>
+            </a:r>
+            <a:r>
+              <a:rPr/>
+              <a:t>up</a:t>
+            </a:r>
+            <a:r>
+              <a:rPr/>
+              <a:t> </a:t>
+            </a:r>
+            <a:r>
+              <a:rPr/>
+              <a:t>to</a:t>
+            </a:r>
+            <a:r>
+              <a:rPr/>
+              <a:t> </a:t>
+            </a:r>
+            <a:r>
+              <a:rPr/>
+              <a:t>where</a:t>
+            </a:r>
+            <a:r>
+              <a:rPr/>
+              <a:t> </a:t>
+            </a:r>
+            <a:r>
+              <a:rPr/>
+              <a:t>the</a:t>
+            </a:r>
+            <a:r>
+              <a:rPr/>
+              <a:t> </a:t>
+            </a:r>
+            <a:r>
+              <a:rPr/>
+              <a:t>black</a:t>
+            </a:r>
+            <a:r>
+              <a:rPr/>
+              <a:t> </a:t>
+            </a:r>
+            <a:r>
+              <a:rPr/>
+              <a:t>box</a:t>
+            </a:r>
+            <a:r>
+              <a:rPr/>
+              <a:t> </a:t>
+            </a:r>
+            <a:r>
+              <a:rPr/>
+              <a:t>ends.</a:t>
+            </a:r>
+          </a:p>
+          <a:p>
+            <a:pPr lvl="0" marL="0" indent="0">
+              <a:buNone/>
+            </a:pPr>
+          </a:p>
+          <a:p>
+            <a:pPr lvl="0" marL="0" indent="0">
+              <a:buNone/>
+            </a:pPr>
+            <a:r>
+              <a:rPr/>
+              <a:t>Now</a:t>
+            </a:r>
+            <a:r>
+              <a:rPr/>
+              <a:t> </a:t>
+            </a:r>
+            <a:r>
+              <a:rPr/>
+              <a:t>if</a:t>
+            </a:r>
+            <a:r>
+              <a:rPr/>
+              <a:t> </a:t>
+            </a:r>
+            <a:r>
+              <a:rPr/>
+              <a:t>you</a:t>
+            </a:r>
+            <a:r>
+              <a:rPr/>
+              <a:t> </a:t>
+            </a:r>
+            <a:r>
+              <a:rPr/>
+              <a:t>were</a:t>
+            </a:r>
+            <a:r>
+              <a:rPr/>
+              <a:t> </a:t>
+            </a:r>
+            <a:r>
+              <a:rPr/>
+              <a:t>smart,</a:t>
+            </a:r>
+            <a:r>
+              <a:rPr/>
+              <a:t> </a:t>
+            </a:r>
+            <a:r>
+              <a:rPr/>
+              <a:t>you’d</a:t>
+            </a:r>
+            <a:r>
+              <a:rPr/>
+              <a:t> </a:t>
+            </a:r>
+            <a:r>
+              <a:rPr/>
+              <a:t>start</a:t>
+            </a:r>
+            <a:r>
+              <a:rPr/>
+              <a:t> </a:t>
+            </a:r>
+            <a:r>
+              <a:rPr/>
+              <a:t>at</a:t>
+            </a:r>
+            <a:r>
+              <a:rPr/>
+              <a:t> </a:t>
+            </a:r>
+            <a:r>
+              <a:rPr/>
+              <a:t>the</a:t>
+            </a:r>
+            <a:r>
+              <a:rPr/>
+              <a:t> </a:t>
+            </a:r>
+            <a:r>
+              <a:rPr/>
+              <a:t>top</a:t>
+            </a:r>
+            <a:r>
+              <a:rPr/>
+              <a:t> </a:t>
+            </a:r>
+            <a:r>
+              <a:rPr/>
+              <a:t>and</a:t>
+            </a:r>
+            <a:r>
+              <a:rPr/>
+              <a:t> </a:t>
+            </a:r>
+            <a:r>
+              <a:rPr/>
+              <a:t>scan</a:t>
+            </a:r>
+            <a:r>
+              <a:rPr/>
+              <a:t> </a:t>
+            </a:r>
+            <a:r>
+              <a:rPr/>
+              <a:t>downwards.</a:t>
+            </a:r>
+            <a:r>
+              <a:rPr/>
+              <a:t> </a:t>
+            </a:r>
+            <a:r>
+              <a:rPr/>
+              <a:t>Less</a:t>
+            </a:r>
+            <a:r>
+              <a:rPr/>
+              <a:t> </a:t>
+            </a:r>
+            <a:r>
+              <a:rPr/>
+              <a:t>distance</a:t>
+            </a:r>
+            <a:r>
+              <a:rPr/>
+              <a:t> </a:t>
+            </a:r>
+            <a:r>
+              <a:rPr/>
+              <a:t>means</a:t>
+            </a:r>
+            <a:r>
+              <a:rPr/>
+              <a:t> </a:t>
+            </a:r>
+            <a:r>
+              <a:rPr/>
+              <a:t>that</a:t>
+            </a:r>
+            <a:r>
+              <a:rPr/>
+              <a:t> </a:t>
+            </a:r>
+            <a:r>
+              <a:rPr/>
+              <a:t>you</a:t>
+            </a:r>
+            <a:r>
+              <a:rPr/>
+              <a:t> </a:t>
+            </a:r>
+            <a:r>
+              <a:rPr/>
+              <a:t>can</a:t>
+            </a:r>
+            <a:r>
+              <a:rPr/>
+              <a:t> </a:t>
+            </a:r>
+            <a:r>
+              <a:rPr/>
+              <a:t>do</a:t>
+            </a:r>
+            <a:r>
+              <a:rPr/>
+              <a:t> </a:t>
+            </a:r>
+            <a:r>
+              <a:rPr/>
+              <a:t>this</a:t>
+            </a:r>
+            <a:r>
+              <a:rPr/>
+              <a:t> </a:t>
+            </a:r>
+            <a:r>
+              <a:rPr/>
+              <a:t>faster</a:t>
+            </a:r>
+            <a:r>
+              <a:rPr/>
+              <a:t> </a:t>
+            </a:r>
+            <a:r>
+              <a:rPr/>
+              <a:t>and</a:t>
+            </a:r>
+            <a:r>
+              <a:rPr/>
+              <a:t> </a:t>
+            </a:r>
+            <a:r>
+              <a:rPr/>
+              <a:t>more</a:t>
+            </a:r>
+            <a:r>
+              <a:rPr/>
+              <a:t> </a:t>
+            </a:r>
+            <a:r>
+              <a:rPr/>
+              <a:t>accurately.</a:t>
+            </a:r>
+          </a:p>
+          <a:p>
+            <a:pPr lvl="0" marL="0" indent="0">
+              <a:buNone/>
+            </a:pPr>
+          </a:p>
+          <a:p>
+            <a:pPr lvl="0" marL="0" indent="0">
+              <a:buNone/>
+            </a:pPr>
+            <a:r>
+              <a:rPr/>
+              <a:t>Now</a:t>
+            </a:r>
+            <a:r>
+              <a:rPr/>
+              <a:t> </a:t>
+            </a:r>
+            <a:r>
+              <a:rPr/>
+              <a:t>if</a:t>
+            </a:r>
+            <a:r>
+              <a:rPr/>
+              <a:t> </a:t>
+            </a:r>
+            <a:r>
+              <a:rPr/>
+              <a:t>you</a:t>
+            </a:r>
+            <a:r>
+              <a:rPr/>
+              <a:t> </a:t>
+            </a:r>
+            <a:r>
+              <a:rPr/>
+              <a:t>were</a:t>
+            </a:r>
+            <a:r>
+              <a:rPr/>
+              <a:t> </a:t>
+            </a:r>
+            <a:r>
+              <a:rPr/>
+              <a:t>Albert</a:t>
+            </a:r>
+            <a:r>
+              <a:rPr/>
+              <a:t> </a:t>
+            </a:r>
+            <a:r>
+              <a:rPr/>
+              <a:t>Einstein,</a:t>
+            </a:r>
+            <a:r>
+              <a:rPr/>
+              <a:t> </a:t>
+            </a:r>
+            <a:r>
+              <a:rPr/>
+              <a:t>you’d</a:t>
+            </a:r>
+            <a:r>
+              <a:rPr/>
+              <a:t> </a:t>
+            </a:r>
+            <a:r>
+              <a:rPr/>
+              <a:t>split</a:t>
+            </a:r>
+            <a:r>
+              <a:rPr/>
+              <a:t> </a:t>
+            </a:r>
+            <a:r>
+              <a:rPr/>
+              <a:t>the</a:t>
+            </a:r>
+            <a:r>
+              <a:rPr/>
+              <a:t> </a:t>
+            </a:r>
+            <a:r>
+              <a:rPr/>
+              <a:t>gauge</a:t>
+            </a:r>
+            <a:r>
+              <a:rPr/>
+              <a:t> </a:t>
+            </a:r>
+            <a:r>
+              <a:rPr/>
+              <a:t>at</a:t>
+            </a:r>
+            <a:r>
+              <a:rPr/>
+              <a:t> </a:t>
+            </a:r>
+            <a:r>
+              <a:rPr/>
+              <a:t>the</a:t>
+            </a:r>
+            <a:r>
+              <a:rPr/>
+              <a:t> </a:t>
+            </a:r>
+            <a:r>
+              <a:rPr/>
+              <a:t>halfway</a:t>
+            </a:r>
+            <a:r>
+              <a:rPr/>
+              <a:t> </a:t>
+            </a:r>
+            <a:r>
+              <a:rPr/>
+              <a:t>point</a:t>
+            </a:r>
+            <a:r>
+              <a:rPr/>
+              <a:t> </a:t>
+            </a:r>
+            <a:r>
+              <a:rPr/>
+              <a:t>and</a:t>
+            </a:r>
+            <a:r>
+              <a:rPr/>
+              <a:t> </a:t>
+            </a:r>
+            <a:r>
+              <a:rPr/>
+              <a:t>measure</a:t>
+            </a:r>
+            <a:r>
+              <a:rPr/>
+              <a:t> </a:t>
+            </a:r>
+            <a:r>
+              <a:rPr/>
+              <a:t>from</a:t>
+            </a:r>
+            <a:r>
+              <a:rPr/>
+              <a:t> </a:t>
+            </a:r>
+            <a:r>
+              <a:rPr/>
+              <a:t>the</a:t>
+            </a:r>
+            <a:r>
+              <a:rPr/>
+              <a:t> </a:t>
+            </a:r>
+            <a:r>
+              <a:rPr/>
+              <a:t>halfway</a:t>
+            </a:r>
+            <a:r>
+              <a:rPr/>
+              <a:t> </a:t>
+            </a:r>
+            <a:r>
+              <a:rPr/>
+              <a:t>point</a:t>
+            </a:r>
+            <a:r>
+              <a:rPr/>
+              <a:t> </a:t>
+            </a:r>
+            <a:r>
+              <a:rPr/>
+              <a:t>to</a:t>
+            </a:r>
+            <a:r>
+              <a:rPr/>
+              <a:t> </a:t>
+            </a:r>
+            <a:r>
+              <a:rPr/>
+              <a:t>the</a:t>
+            </a:r>
+            <a:r>
+              <a:rPr/>
+              <a:t> </a:t>
+            </a:r>
+            <a:r>
+              <a:rPr/>
+              <a:t>top</a:t>
+            </a:r>
+            <a:r>
+              <a:rPr/>
+              <a:t> </a:t>
+            </a:r>
+            <a:r>
+              <a:rPr/>
+              <a:t>of</a:t>
+            </a:r>
+            <a:r>
+              <a:rPr/>
+              <a:t> </a:t>
+            </a:r>
+            <a:r>
+              <a:rPr/>
+              <a:t>the</a:t>
+            </a:r>
+            <a:r>
+              <a:rPr/>
+              <a:t> </a:t>
+            </a:r>
+            <a:r>
+              <a:rPr/>
+              <a:t>black</a:t>
+            </a:r>
+            <a:r>
+              <a:rPr/>
+              <a:t> </a:t>
+            </a:r>
+            <a:r>
+              <a:rPr/>
+              <a:t>box.</a:t>
+            </a:r>
+            <a:r>
+              <a:rPr/>
+              <a:t> </a:t>
+            </a:r>
+            <a:r>
+              <a:rPr/>
+              <a:t>Actually,</a:t>
+            </a:r>
+            <a:r>
+              <a:rPr/>
+              <a:t> </a:t>
+            </a:r>
+            <a:r>
+              <a:rPr/>
+              <a:t>there’s</a:t>
+            </a:r>
+            <a:r>
+              <a:rPr/>
+              <a:t> </a:t>
+            </a:r>
+            <a:r>
+              <a:rPr/>
+              <a:t>a</a:t>
+            </a:r>
+            <a:r>
+              <a:rPr/>
+              <a:t> </a:t>
+            </a:r>
+            <a:r>
+              <a:rPr/>
+              <a:t>little</a:t>
+            </a:r>
+            <a:r>
+              <a:rPr/>
+              <a:t> </a:t>
+            </a:r>
+            <a:r>
+              <a:rPr/>
+              <a:t>of</a:t>
+            </a:r>
+            <a:r>
+              <a:rPr/>
+              <a:t> </a:t>
+            </a:r>
+            <a:r>
+              <a:rPr/>
+              <a:t>Albert</a:t>
+            </a:r>
+            <a:r>
+              <a:rPr/>
+              <a:t> </a:t>
+            </a:r>
+            <a:r>
+              <a:rPr/>
+              <a:t>Einstein</a:t>
+            </a:r>
+            <a:r>
+              <a:rPr/>
+              <a:t> </a:t>
+            </a:r>
+            <a:r>
+              <a:rPr/>
+              <a:t>in</a:t>
+            </a:r>
+            <a:r>
+              <a:rPr/>
+              <a:t> </a:t>
+            </a:r>
+            <a:r>
+              <a:rPr/>
+              <a:t>all</a:t>
+            </a:r>
+            <a:r>
+              <a:rPr/>
+              <a:t> </a:t>
+            </a:r>
+            <a:r>
+              <a:rPr/>
+              <a:t>of</a:t>
+            </a:r>
+            <a:r>
+              <a:rPr/>
+              <a:t> </a:t>
+            </a:r>
+            <a:r>
+              <a:rPr/>
+              <a:t>us.</a:t>
+            </a:r>
+            <a:r>
+              <a:rPr/>
+              <a:t> </a:t>
+            </a:r>
+            <a:r>
+              <a:rPr/>
+              <a:t>That</a:t>
+            </a:r>
+            <a:r>
+              <a:rPr/>
+              <a:t> </a:t>
+            </a:r>
+            <a:r>
+              <a:rPr/>
+              <a:t>halfway</a:t>
+            </a:r>
+            <a:r>
+              <a:rPr/>
+              <a:t> </a:t>
+            </a:r>
+            <a:r>
+              <a:rPr/>
+              <a:t>point</a:t>
+            </a:r>
+            <a:r>
+              <a:rPr/>
+              <a:t> </a:t>
+            </a:r>
+            <a:r>
+              <a:rPr/>
+              <a:t>is</a:t>
+            </a:r>
+            <a:r>
+              <a:rPr/>
+              <a:t> </a:t>
+            </a:r>
+            <a:r>
+              <a:rPr/>
+              <a:t>something</a:t>
+            </a:r>
+            <a:r>
+              <a:rPr/>
+              <a:t> </a:t>
+            </a:r>
+            <a:r>
+              <a:rPr/>
+              <a:t>that</a:t>
+            </a:r>
+            <a:r>
+              <a:rPr/>
+              <a:t> </a:t>
+            </a:r>
+            <a:r>
+              <a:rPr/>
+              <a:t>all</a:t>
+            </a:r>
+            <a:r>
+              <a:rPr/>
+              <a:t> </a:t>
+            </a:r>
+            <a:r>
+              <a:rPr/>
+              <a:t>of</a:t>
+            </a:r>
+            <a:r>
+              <a:rPr/>
+              <a:t> </a:t>
+            </a:r>
+            <a:r>
+              <a:rPr/>
+              <a:t>us</a:t>
+            </a:r>
+            <a:r>
+              <a:rPr/>
+              <a:t> </a:t>
+            </a:r>
+            <a:r>
+              <a:rPr/>
+              <a:t>do</a:t>
+            </a:r>
+            <a:r>
+              <a:rPr/>
+              <a:t> </a:t>
+            </a:r>
+            <a:r>
+              <a:rPr/>
+              <a:t>subconciously.</a:t>
+            </a:r>
+            <a:r>
+              <a:rPr/>
+              <a:t> </a:t>
+            </a:r>
+            <a:r>
+              <a:rPr/>
+              <a:t>You</a:t>
+            </a:r>
+            <a:r>
+              <a:rPr/>
+              <a:t> </a:t>
+            </a:r>
+            <a:r>
+              <a:rPr/>
+              <a:t>did,</a:t>
+            </a:r>
+            <a:r>
+              <a:rPr/>
+              <a:t> </a:t>
+            </a:r>
+            <a:r>
+              <a:rPr/>
+              <a:t>because</a:t>
+            </a:r>
+            <a:r>
+              <a:rPr/>
+              <a:t> </a:t>
+            </a:r>
+            <a:r>
+              <a:rPr/>
+              <a:t>you</a:t>
+            </a:r>
+            <a:r>
+              <a:rPr/>
+              <a:t> </a:t>
+            </a:r>
+            <a:r>
+              <a:rPr/>
+              <a:t>recognized</a:t>
+            </a:r>
+            <a:r>
+              <a:rPr/>
+              <a:t> </a:t>
+            </a:r>
+            <a:r>
+              <a:rPr/>
+              <a:t>almost</a:t>
+            </a:r>
+            <a:r>
+              <a:rPr/>
+              <a:t> </a:t>
+            </a:r>
+            <a:r>
+              <a:rPr/>
+              <a:t>immediately</a:t>
+            </a:r>
+            <a:r>
+              <a:rPr/>
+              <a:t> </a:t>
+            </a:r>
+            <a:r>
+              <a:rPr/>
+              <a:t>that</a:t>
+            </a:r>
+            <a:r>
+              <a:rPr/>
+              <a:t> </a:t>
+            </a:r>
+            <a:r>
+              <a:rPr/>
+              <a:t>the</a:t>
+            </a:r>
+            <a:r>
+              <a:rPr/>
+              <a:t> </a:t>
+            </a:r>
+            <a:r>
+              <a:rPr/>
+              <a:t>tank</a:t>
+            </a:r>
+            <a:r>
+              <a:rPr/>
+              <a:t> </a:t>
+            </a:r>
+            <a:r>
+              <a:rPr/>
+              <a:t>was</a:t>
+            </a:r>
+            <a:r>
+              <a:rPr/>
+              <a:t> </a:t>
+            </a:r>
+            <a:r>
+              <a:rPr/>
+              <a:t>more</a:t>
+            </a:r>
+            <a:r>
+              <a:rPr/>
+              <a:t> </a:t>
+            </a:r>
+            <a:r>
+              <a:rPr/>
+              <a:t>than</a:t>
+            </a:r>
+            <a:r>
+              <a:rPr/>
+              <a:t> </a:t>
+            </a:r>
+            <a:r>
+              <a:rPr/>
+              <a:t>half</a:t>
+            </a:r>
+            <a:r>
+              <a:rPr/>
+              <a:t> </a:t>
+            </a:r>
+            <a:r>
+              <a:rPr/>
+              <a:t>full.</a:t>
+            </a:r>
+          </a:p>
+        </p:txBody>
+      </p:sp>
+      <p:sp>
+        <p:nvSpPr>
+          <p:cNvPr id="4" name="Slide Number Placeholder 3"/>
+          <p:cNvSpPr>
+            <a:spLocks noGrp="1"/>
+          </p:cNvSpPr>
+          <p:nvPr>
+            <p:ph type="sldNum" sz="quarter" idx="10"/>
+          </p:nvPr>
+        </p:nvSpPr>
+        <p:spPr/>
+        <p:txBody>
+          <a:bodyPr/>
+          <a:lstStyle/>
+          <a:p>
+            <a:fld id="{18BDFEC3-8487-43E8-A154-7C12CBC1FFF2}" type="slidenum">
+              <a:rPr lang="en-US"/>
+              <a:t>15</a:t>
+            </a:fld>
+            <a:endParaRPr lang="en-US"/>
+          </a:p>
+        </p:txBody>
+      </p:sp>
+    </p:spTree>
+  </p:cSld>
+</p:notes>
+</file>
+
+<file path=ppt/notesSlides/notesSlide7.xml><?xml version="1.0" encoding="utf-8"?>
+<p:notes xmlns:a="http://schemas.openxmlformats.org/drawingml/2006/main" xmlns:r="http://schemas.openxmlformats.org/officeDocument/2006/relationships" xmlns:p="http://schemas.openxmlformats.org/presentationml/2006/main">
+  <p:cSld>
+    <p:spTree>
+      <p:nvGrpSpPr>
+        <p:cNvPr id="1" name=""/>
+        <p:cNvGrpSpPr/>
+        <p:nvPr/>
+      </p:nvGrpSpPr>
+      <p:grpSpPr>
+        <a:xfrm>
+          <a:off x="0" y="0"/>
+          <a:ext cx="0" cy="0"/>
+          <a:chOff x="0" y="0"/>
+          <a:chExt cx="0" cy="0"/>
+        </a:xfrm>
+      </p:grpSpPr>
+      <p:sp>
+        <p:nvSpPr>
+          <p:cNvPr id="2" name="Slide Image Placeholder 1"/>
+          <p:cNvSpPr>
+            <a:spLocks noGrp="1" noRot="1" noChangeAspect="1"/>
+          </p:cNvSpPr>
+          <p:nvPr>
+            <p:ph type="sldImg"/>
+          </p:nvPr>
+        </p:nvSpPr>
+        <p:spPr/>
+      </p:sp>
+      <p:sp>
+        <p:nvSpPr>
+          <p:cNvPr id="3" name="Notes Placeholder 2"/>
+          <p:cNvSpPr>
+            <a:spLocks noGrp="1"/>
+          </p:cNvSpPr>
+          <p:nvPr>
+            <p:ph type="body" idx="1"/>
+          </p:nvPr>
+        </p:nvSpPr>
+        <p:spPr/>
+        <p:txBody>
+          <a:bodyPr/>
+          <a:lstStyle/>
+          <a:p>
+            <a:pPr lvl="0" marL="0" indent="0">
+              <a:buNone/>
+            </a:pPr>
+            <a:r>
+              <a:rPr/>
+              <a:t>Here’s</a:t>
+            </a:r>
+            <a:r>
+              <a:rPr/>
+              <a:t> </a:t>
+            </a:r>
+            <a:r>
+              <a:rPr/>
+              <a:t>the</a:t>
+            </a:r>
+            <a:r>
+              <a:rPr/>
+              <a:t> </a:t>
+            </a:r>
+            <a:r>
+              <a:rPr/>
+              <a:t>same</a:t>
+            </a:r>
+            <a:r>
+              <a:rPr/>
+              <a:t> </a:t>
+            </a:r>
+            <a:r>
+              <a:rPr/>
+              <a:t>gas</a:t>
+            </a:r>
+            <a:r>
+              <a:rPr/>
+              <a:t> </a:t>
+            </a:r>
+            <a:r>
+              <a:rPr/>
+              <a:t>gauge,</a:t>
+            </a:r>
+            <a:r>
+              <a:rPr/>
+              <a:t> </a:t>
+            </a:r>
+            <a:r>
+              <a:rPr/>
+              <a:t>still</a:t>
+            </a:r>
+            <a:r>
+              <a:rPr/>
+              <a:t> </a:t>
+            </a:r>
+            <a:r>
+              <a:rPr/>
+              <a:t>at</a:t>
+            </a:r>
+            <a:r>
+              <a:rPr/>
+              <a:t> </a:t>
+            </a:r>
+            <a:r>
+              <a:rPr/>
+              <a:t>65%</a:t>
+            </a:r>
+            <a:r>
+              <a:rPr/>
+              <a:t> </a:t>
+            </a:r>
+            <a:r>
+              <a:rPr/>
+              <a:t>full,</a:t>
+            </a:r>
+            <a:r>
+              <a:rPr/>
+              <a:t> </a:t>
+            </a:r>
+            <a:r>
+              <a:rPr/>
+              <a:t>but</a:t>
+            </a:r>
+            <a:r>
+              <a:rPr/>
+              <a:t> </a:t>
+            </a:r>
+            <a:r>
+              <a:rPr/>
+              <a:t>now</a:t>
+            </a:r>
+            <a:r>
+              <a:rPr/>
+              <a:t> </a:t>
+            </a:r>
+            <a:r>
+              <a:rPr/>
+              <a:t>we</a:t>
+            </a:r>
+            <a:r>
+              <a:rPr/>
+              <a:t> </a:t>
+            </a:r>
+            <a:r>
+              <a:rPr/>
+              <a:t>have</a:t>
+            </a:r>
+            <a:r>
+              <a:rPr/>
+              <a:t> </a:t>
+            </a:r>
+            <a:r>
+              <a:rPr/>
+              <a:t>added</a:t>
+            </a:r>
+            <a:r>
+              <a:rPr/>
+              <a:t> </a:t>
+            </a:r>
+            <a:r>
+              <a:rPr/>
+              <a:t>anchors</a:t>
+            </a:r>
+            <a:r>
+              <a:rPr/>
+              <a:t> </a:t>
+            </a:r>
+            <a:r>
+              <a:rPr/>
+              <a:t>at</a:t>
+            </a:r>
+            <a:r>
+              <a:rPr/>
+              <a:t> </a:t>
+            </a:r>
+            <a:r>
+              <a:rPr/>
+              <a:t>1/4,</a:t>
+            </a:r>
+            <a:r>
+              <a:rPr/>
+              <a:t> </a:t>
+            </a:r>
+            <a:r>
+              <a:rPr/>
+              <a:t>half,</a:t>
+            </a:r>
+            <a:r>
+              <a:rPr/>
+              <a:t> </a:t>
+            </a:r>
+            <a:r>
+              <a:rPr/>
+              <a:t>and</a:t>
+            </a:r>
+            <a:r>
+              <a:rPr/>
+              <a:t> </a:t>
+            </a:r>
+            <a:r>
+              <a:rPr/>
+              <a:t>3/4.</a:t>
+            </a:r>
+            <a:r>
+              <a:rPr/>
+              <a:t> </a:t>
+            </a:r>
+            <a:r>
+              <a:rPr/>
+              <a:t>You</a:t>
+            </a:r>
+            <a:r>
+              <a:rPr/>
+              <a:t> </a:t>
+            </a:r>
+            <a:r>
+              <a:rPr/>
+              <a:t>can</a:t>
+            </a:r>
+            <a:r>
+              <a:rPr/>
+              <a:t> </a:t>
+            </a:r>
+            <a:r>
+              <a:rPr/>
+              <a:t>read</a:t>
+            </a:r>
+            <a:r>
+              <a:rPr/>
+              <a:t> </a:t>
+            </a:r>
+            <a:r>
+              <a:rPr/>
+              <a:t>this</a:t>
+            </a:r>
+            <a:r>
+              <a:rPr/>
+              <a:t> </a:t>
+            </a:r>
+            <a:r>
+              <a:rPr/>
+              <a:t>gauge</a:t>
+            </a:r>
+            <a:r>
+              <a:rPr/>
+              <a:t> </a:t>
+            </a:r>
+            <a:r>
+              <a:rPr/>
+              <a:t>faster</a:t>
+            </a:r>
+            <a:r>
+              <a:rPr/>
+              <a:t> </a:t>
+            </a:r>
+            <a:r>
+              <a:rPr/>
+              <a:t>and</a:t>
+            </a:r>
+            <a:r>
+              <a:rPr/>
+              <a:t> </a:t>
+            </a:r>
+            <a:r>
+              <a:rPr/>
+              <a:t>more</a:t>
+            </a:r>
+            <a:r>
+              <a:rPr/>
+              <a:t> </a:t>
+            </a:r>
+            <a:r>
+              <a:rPr/>
+              <a:t>accurately,</a:t>
+            </a:r>
+            <a:r>
+              <a:rPr/>
+              <a:t> </a:t>
+            </a:r>
+            <a:r>
+              <a:rPr/>
+              <a:t>because</a:t>
+            </a:r>
+            <a:r>
+              <a:rPr/>
+              <a:t> </a:t>
+            </a:r>
+            <a:r>
+              <a:rPr/>
+              <a:t>you</a:t>
+            </a:r>
+            <a:r>
+              <a:rPr/>
+              <a:t> </a:t>
+            </a:r>
+            <a:r>
+              <a:rPr/>
+              <a:t>can</a:t>
+            </a:r>
+            <a:r>
+              <a:rPr/>
+              <a:t> </a:t>
+            </a:r>
+            <a:r>
+              <a:rPr/>
+              <a:t>scane</a:t>
+            </a:r>
+            <a:r>
+              <a:rPr/>
+              <a:t> </a:t>
+            </a:r>
+            <a:r>
+              <a:rPr/>
+              <a:t>from</a:t>
+            </a:r>
+            <a:r>
+              <a:rPr/>
+              <a:t> </a:t>
+            </a:r>
+            <a:r>
+              <a:rPr/>
+              <a:t>half</a:t>
+            </a:r>
+            <a:r>
+              <a:rPr/>
+              <a:t> </a:t>
+            </a:r>
+            <a:r>
+              <a:rPr/>
+              <a:t>up</a:t>
+            </a:r>
+            <a:r>
+              <a:rPr/>
+              <a:t> </a:t>
+            </a:r>
+            <a:r>
+              <a:rPr/>
+              <a:t>to</a:t>
+            </a:r>
+            <a:r>
+              <a:rPr/>
+              <a:t> </a:t>
+            </a:r>
+            <a:r>
+              <a:rPr/>
+              <a:t>65%</a:t>
+            </a:r>
+            <a:r>
+              <a:rPr/>
+              <a:t> </a:t>
+            </a:r>
+            <a:r>
+              <a:rPr/>
+              <a:t>or</a:t>
+            </a:r>
+            <a:r>
+              <a:rPr/>
+              <a:t> </a:t>
+            </a:r>
+            <a:r>
+              <a:rPr/>
+              <a:t>from</a:t>
+            </a:r>
+            <a:r>
+              <a:rPr/>
+              <a:t> </a:t>
+            </a:r>
+            <a:r>
+              <a:rPr/>
+              <a:t>3/4</a:t>
+            </a:r>
+            <a:r>
+              <a:rPr/>
+              <a:t> </a:t>
+            </a:r>
+            <a:r>
+              <a:rPr/>
+              <a:t>down</a:t>
+            </a:r>
+            <a:r>
+              <a:rPr/>
+              <a:t> </a:t>
+            </a:r>
+            <a:r>
+              <a:rPr/>
+              <a:t>to</a:t>
+            </a:r>
+            <a:r>
+              <a:rPr/>
+              <a:t> </a:t>
+            </a:r>
+            <a:r>
+              <a:rPr/>
+              <a:t>65%.</a:t>
+            </a:r>
+          </a:p>
+        </p:txBody>
+      </p:sp>
+      <p:sp>
+        <p:nvSpPr>
+          <p:cNvPr id="4" name="Slide Number Placeholder 3"/>
+          <p:cNvSpPr>
+            <a:spLocks noGrp="1"/>
+          </p:cNvSpPr>
+          <p:nvPr>
+            <p:ph type="sldNum" sz="quarter" idx="10"/>
+          </p:nvPr>
+        </p:nvSpPr>
+        <p:spPr/>
+        <p:txBody>
+          <a:bodyPr/>
+          <a:lstStyle/>
+          <a:p>
+            <a:fld id="{18BDFEC3-8487-43E8-A154-7C12CBC1FFF2}" type="slidenum">
+              <a:rPr lang="en-US"/>
+              <a:t>16</a:t>
+            </a:fld>
+            <a:endParaRPr lang="en-US"/>
+          </a:p>
+        </p:txBody>
+      </p:sp>
+    </p:spTree>
+  </p:cSld>
+</p:notes>
+</file>
+
+<file path=ppt/notesSlides/notesSlide8.xml><?xml version="1.0" encoding="utf-8"?>
+<p:notes xmlns:a="http://schemas.openxmlformats.org/drawingml/2006/main" xmlns:r="http://schemas.openxmlformats.org/officeDocument/2006/relationships" xmlns:p="http://schemas.openxmlformats.org/presentationml/2006/main">
+  <p:cSld>
+    <p:spTree>
+      <p:nvGrpSpPr>
+        <p:cNvPr id="1" name=""/>
+        <p:cNvGrpSpPr/>
+        <p:nvPr/>
+      </p:nvGrpSpPr>
+      <p:grpSpPr>
+        <a:xfrm>
+          <a:off x="0" y="0"/>
+          <a:ext cx="0" cy="0"/>
+          <a:chOff x="0" y="0"/>
+          <a:chExt cx="0" cy="0"/>
+        </a:xfrm>
+      </p:grpSpPr>
+      <p:sp>
+        <p:nvSpPr>
+          <p:cNvPr id="2" name="Slide Image Placeholder 1"/>
+          <p:cNvSpPr>
+            <a:spLocks noGrp="1" noRot="1" noChangeAspect="1"/>
+          </p:cNvSpPr>
+          <p:nvPr>
+            <p:ph type="sldImg"/>
+          </p:nvPr>
+        </p:nvSpPr>
+        <p:spPr/>
+      </p:sp>
+      <p:sp>
+        <p:nvSpPr>
+          <p:cNvPr id="3" name="Notes Placeholder 2"/>
+          <p:cNvSpPr>
+            <a:spLocks noGrp="1"/>
+          </p:cNvSpPr>
+          <p:nvPr>
+            <p:ph type="body" idx="1"/>
+          </p:nvPr>
+        </p:nvSpPr>
+        <p:spPr/>
+        <p:txBody>
+          <a:bodyPr/>
+          <a:lstStyle/>
+          <a:p>
+            <a:pPr lvl="0" marL="0" indent="0">
+              <a:buNone/>
+            </a:pPr>
+            <a:r>
+              <a:rPr/>
+              <a:t>There</a:t>
+            </a:r>
+            <a:r>
+              <a:rPr/>
+              <a:t> </a:t>
+            </a:r>
+            <a:r>
+              <a:rPr/>
+              <a:t>are</a:t>
+            </a:r>
+            <a:r>
+              <a:rPr/>
+              <a:t> </a:t>
+            </a:r>
+            <a:r>
+              <a:rPr/>
+              <a:t>a</a:t>
+            </a:r>
+            <a:r>
+              <a:rPr/>
+              <a:t> </a:t>
+            </a:r>
+            <a:r>
+              <a:rPr/>
+              <a:t>variety</a:t>
+            </a:r>
+            <a:r>
+              <a:rPr/>
+              <a:t> </a:t>
+            </a:r>
+            <a:r>
+              <a:rPr/>
+              <a:t>of</a:t>
+            </a:r>
+            <a:r>
+              <a:rPr/>
+              <a:t> </a:t>
+            </a:r>
+            <a:r>
+              <a:rPr/>
+              <a:t>perceptual</a:t>
+            </a:r>
+            <a:r>
+              <a:rPr/>
+              <a:t> </a:t>
+            </a:r>
+            <a:r>
+              <a:rPr/>
+              <a:t>tasks</a:t>
+            </a:r>
+            <a:r>
+              <a:rPr/>
+              <a:t> </a:t>
+            </a:r>
+            <a:r>
+              <a:rPr/>
+              <a:t>that</a:t>
+            </a:r>
+            <a:r>
+              <a:rPr/>
+              <a:t> </a:t>
+            </a:r>
+            <a:r>
+              <a:rPr/>
+              <a:t>you</a:t>
+            </a:r>
+            <a:r>
+              <a:rPr/>
+              <a:t> </a:t>
+            </a:r>
+            <a:r>
+              <a:rPr/>
+              <a:t>use</a:t>
+            </a:r>
+            <a:r>
+              <a:rPr/>
+              <a:t> </a:t>
+            </a:r>
+            <a:r>
+              <a:rPr/>
+              <a:t>when</a:t>
+            </a:r>
+            <a:r>
+              <a:rPr/>
+              <a:t> </a:t>
+            </a:r>
+            <a:r>
+              <a:rPr/>
+              <a:t>making</a:t>
+            </a:r>
+            <a:r>
+              <a:rPr/>
+              <a:t> </a:t>
+            </a:r>
+            <a:r>
+              <a:rPr/>
+              <a:t>comparisons</a:t>
+            </a:r>
+            <a:r>
+              <a:rPr/>
+              <a:t> </a:t>
+            </a:r>
+            <a:r>
+              <a:rPr/>
+              <a:t>within</a:t>
+            </a:r>
+            <a:r>
+              <a:rPr/>
+              <a:t> </a:t>
+            </a:r>
+            <a:r>
+              <a:rPr/>
+              <a:t>an</a:t>
+            </a:r>
+            <a:r>
+              <a:rPr/>
+              <a:t> </a:t>
+            </a:r>
+            <a:r>
+              <a:rPr/>
+              <a:t>image.</a:t>
+            </a:r>
+            <a:r>
+              <a:rPr/>
+              <a:t> </a:t>
+            </a:r>
+            <a:r>
+              <a:rPr/>
+              <a:t>These</a:t>
+            </a:r>
+            <a:r>
+              <a:rPr/>
+              <a:t> </a:t>
+            </a:r>
+            <a:r>
+              <a:rPr/>
+              <a:t>are</a:t>
+            </a:r>
+            <a:r>
+              <a:rPr/>
+              <a:t> </a:t>
+            </a:r>
+            <a:r>
+              <a:rPr/>
+              <a:t>arranged</a:t>
+            </a:r>
+            <a:r>
+              <a:rPr/>
+              <a:t> </a:t>
+            </a:r>
+            <a:r>
+              <a:rPr/>
+              <a:t>on</a:t>
+            </a:r>
+            <a:r>
+              <a:rPr/>
+              <a:t> </a:t>
+            </a:r>
+            <a:r>
+              <a:rPr/>
+              <a:t>this</a:t>
+            </a:r>
+            <a:r>
+              <a:rPr/>
+              <a:t> </a:t>
+            </a:r>
+            <a:r>
+              <a:rPr/>
+              <a:t>slide</a:t>
+            </a:r>
+            <a:r>
+              <a:rPr/>
+              <a:t> </a:t>
+            </a:r>
+            <a:r>
+              <a:rPr/>
+              <a:t>roughly</a:t>
+            </a:r>
+            <a:r>
+              <a:rPr/>
+              <a:t> </a:t>
+            </a:r>
+            <a:r>
+              <a:rPr/>
+              <a:t>in</a:t>
+            </a:r>
+            <a:r>
+              <a:rPr/>
+              <a:t> </a:t>
+            </a:r>
+            <a:r>
+              <a:rPr/>
+              <a:t>order</a:t>
+            </a:r>
+            <a:r>
+              <a:rPr/>
+              <a:t> </a:t>
+            </a:r>
+            <a:r>
+              <a:rPr/>
+              <a:t>of</a:t>
+            </a:r>
+            <a:r>
+              <a:rPr/>
+              <a:t> </a:t>
+            </a:r>
+            <a:r>
+              <a:rPr/>
+              <a:t>difficulty,</a:t>
+            </a:r>
+            <a:r>
+              <a:rPr/>
+              <a:t> </a:t>
+            </a:r>
+            <a:r>
+              <a:rPr/>
+              <a:t>with</a:t>
+            </a:r>
+            <a:r>
+              <a:rPr/>
+              <a:t> </a:t>
+            </a:r>
+            <a:r>
+              <a:rPr/>
+              <a:t>the</a:t>
+            </a:r>
+            <a:r>
+              <a:rPr/>
+              <a:t> </a:t>
+            </a:r>
+            <a:r>
+              <a:rPr/>
+              <a:t>easiest</a:t>
+            </a:r>
+            <a:r>
+              <a:rPr/>
+              <a:t> </a:t>
+            </a:r>
+            <a:r>
+              <a:rPr/>
+              <a:t>tasks</a:t>
+            </a:r>
+            <a:r>
+              <a:rPr/>
+              <a:t> </a:t>
+            </a:r>
+            <a:r>
+              <a:rPr/>
+              <a:t>at</a:t>
+            </a:r>
+            <a:r>
+              <a:rPr/>
+              <a:t> </a:t>
+            </a:r>
+            <a:r>
+              <a:rPr/>
+              <a:t>the</a:t>
+            </a:r>
+            <a:r>
+              <a:rPr/>
+              <a:t> </a:t>
+            </a:r>
+            <a:r>
+              <a:rPr/>
+              <a:t>top.</a:t>
+            </a:r>
+          </a:p>
+        </p:txBody>
+      </p:sp>
+      <p:sp>
+        <p:nvSpPr>
+          <p:cNvPr id="4" name="Slide Number Placeholder 3"/>
+          <p:cNvSpPr>
+            <a:spLocks noGrp="1"/>
+          </p:cNvSpPr>
+          <p:nvPr>
+            <p:ph type="sldNum" sz="quarter" idx="10"/>
+          </p:nvPr>
+        </p:nvSpPr>
+        <p:spPr/>
+        <p:txBody>
+          <a:bodyPr/>
+          <a:lstStyle/>
+          <a:p>
+            <a:fld id="{18BDFEC3-8487-43E8-A154-7C12CBC1FFF2}" type="slidenum">
+              <a:rPr lang="en-US"/>
+              <a:t>17</a:t>
+            </a:fld>
+            <a:endParaRPr lang="en-US"/>
+          </a:p>
+        </p:txBody>
+      </p:sp>
+    </p:spTree>
+  </p:cSld>
+</p:notes>
+</file>
+
+<file path=ppt/notesSlides/notesSlide9.xml><?xml version="1.0" encoding="utf-8"?>
+<p:notes xmlns:a="http://schemas.openxmlformats.org/drawingml/2006/main" xmlns:r="http://schemas.openxmlformats.org/officeDocument/2006/relationships" xmlns:p="http://schemas.openxmlformats.org/presentationml/2006/main">
+  <p:cSld>
+    <p:spTree>
+      <p:nvGrpSpPr>
+        <p:cNvPr id="1" name=""/>
+        <p:cNvGrpSpPr/>
+        <p:nvPr/>
+      </p:nvGrpSpPr>
+      <p:grpSpPr>
+        <a:xfrm>
+          <a:off x="0" y="0"/>
+          <a:ext cx="0" cy="0"/>
+          <a:chOff x="0" y="0"/>
+          <a:chExt cx="0" cy="0"/>
+        </a:xfrm>
+      </p:grpSpPr>
+      <p:sp>
+        <p:nvSpPr>
+          <p:cNvPr id="2" name="Slide Image Placeholder 1"/>
+          <p:cNvSpPr>
+            <a:spLocks noGrp="1" noRot="1" noChangeAspect="1"/>
+          </p:cNvSpPr>
+          <p:nvPr>
+            <p:ph type="sldImg"/>
+          </p:nvPr>
+        </p:nvSpPr>
+        <p:spPr/>
+      </p:sp>
+      <p:sp>
+        <p:nvSpPr>
+          <p:cNvPr id="3" name="Notes Placeholder 2"/>
+          <p:cNvSpPr>
+            <a:spLocks noGrp="1"/>
+          </p:cNvSpPr>
+          <p:nvPr>
+            <p:ph type="body" idx="1"/>
+          </p:nvPr>
+        </p:nvSpPr>
+        <p:spPr/>
+        <p:txBody>
+          <a:bodyPr/>
+          <a:lstStyle/>
+          <a:p>
+            <a:pPr lvl="0" marL="0" indent="0">
+              <a:buNone/>
+            </a:pPr>
+            <a:r>
+              <a:rPr/>
+              <a:t>The</a:t>
+            </a:r>
+            <a:r>
+              <a:rPr/>
+              <a:t> </a:t>
+            </a:r>
+            <a:r>
+              <a:rPr/>
+              <a:t>comparison</a:t>
+            </a:r>
+            <a:r>
+              <a:rPr/>
+              <a:t> </a:t>
+            </a:r>
+            <a:r>
+              <a:rPr/>
+              <a:t>of</a:t>
+            </a:r>
+            <a:r>
+              <a:rPr/>
+              <a:t> </a:t>
+            </a:r>
+            <a:r>
+              <a:rPr/>
+              <a:t>the</a:t>
+            </a:r>
+            <a:r>
+              <a:rPr/>
+              <a:t> </a:t>
+            </a:r>
+            <a:r>
+              <a:rPr/>
+              <a:t>two</a:t>
+            </a:r>
+            <a:r>
+              <a:rPr/>
+              <a:t> </a:t>
+            </a:r>
+            <a:r>
+              <a:rPr/>
+              <a:t>yellow</a:t>
+            </a:r>
+            <a:r>
+              <a:rPr/>
+              <a:t> </a:t>
+            </a:r>
+            <a:r>
+              <a:rPr/>
+              <a:t>bars</a:t>
+            </a:r>
+            <a:r>
+              <a:rPr/>
+              <a:t> </a:t>
+            </a:r>
+            <a:r>
+              <a:rPr/>
+              <a:t>is</a:t>
+            </a:r>
+            <a:r>
+              <a:rPr/>
+              <a:t> </a:t>
+            </a:r>
+            <a:r>
+              <a:rPr/>
+              <a:t>a</a:t>
+            </a:r>
+            <a:r>
+              <a:rPr/>
+              <a:t> </a:t>
+            </a:r>
+            <a:r>
+              <a:rPr/>
+              <a:t>comparison</a:t>
+            </a:r>
+            <a:r>
+              <a:rPr/>
+              <a:t> </a:t>
+            </a:r>
+            <a:r>
+              <a:rPr/>
+              <a:t>of</a:t>
+            </a:r>
+            <a:r>
+              <a:rPr/>
+              <a:t> </a:t>
+            </a:r>
+            <a:r>
+              <a:rPr/>
+              <a:t>position.</a:t>
+            </a:r>
+            <a:r>
+              <a:rPr/>
+              <a:t> </a:t>
+            </a:r>
+            <a:r>
+              <a:rPr/>
+              <a:t>Which</a:t>
+            </a:r>
+            <a:r>
+              <a:rPr/>
+              <a:t> </a:t>
+            </a:r>
+            <a:r>
+              <a:rPr/>
+              <a:t>yellow</a:t>
+            </a:r>
+            <a:r>
+              <a:rPr/>
+              <a:t> </a:t>
+            </a:r>
+            <a:r>
+              <a:rPr/>
+              <a:t>bar</a:t>
+            </a:r>
+            <a:r>
+              <a:rPr/>
+              <a:t> </a:t>
+            </a:r>
+            <a:r>
+              <a:rPr/>
+              <a:t>extends</a:t>
+            </a:r>
+            <a:r>
+              <a:rPr/>
+              <a:t> </a:t>
+            </a:r>
+            <a:r>
+              <a:rPr/>
+              <a:t>further</a:t>
+            </a:r>
+            <a:r>
+              <a:rPr/>
+              <a:t> </a:t>
+            </a:r>
+            <a:r>
+              <a:rPr/>
+              <a:t>to</a:t>
+            </a:r>
+            <a:r>
+              <a:rPr/>
+              <a:t> </a:t>
+            </a:r>
+            <a:r>
+              <a:rPr/>
+              <a:t>the</a:t>
+            </a:r>
+            <a:r>
+              <a:rPr/>
+              <a:t> </a:t>
+            </a:r>
+            <a:r>
+              <a:rPr/>
+              <a:t>right?</a:t>
+            </a:r>
+          </a:p>
+        </p:txBody>
+      </p:sp>
+      <p:sp>
+        <p:nvSpPr>
+          <p:cNvPr id="4" name="Slide Number Placeholder 3"/>
+          <p:cNvSpPr>
+            <a:spLocks noGrp="1"/>
+          </p:cNvSpPr>
+          <p:nvPr>
+            <p:ph type="sldNum" sz="quarter" idx="10"/>
+          </p:nvPr>
+        </p:nvSpPr>
+        <p:spPr/>
+        <p:txBody>
+          <a:bodyPr/>
+          <a:lstStyle/>
+          <a:p>
+            <a:fld id="{18BDFEC3-8487-43E8-A154-7C12CBC1FFF2}" type="slidenum">
+              <a:rPr lang="en-US"/>
+              <a:t>18</a:t>
             </a:fld>
             <a:endParaRPr lang="en-US"/>
           </a:p>
@@ -3925,7 +10087,23 @@
             </a:pPr>
             <a:r>
               <a:rPr/>
-              <a:t>Summary</a:t>
+              <a:t>Answer.</a:t>
+            </a:r>
+            <a:r>
+              <a:rPr/>
+              <a:t> </a:t>
+            </a:r>
+            <a:r>
+              <a:rPr/>
+              <a:t>It</a:t>
+            </a:r>
+            <a:r>
+              <a:rPr/>
+              <a:t> </a:t>
+            </a:r>
+            <a:r>
+              <a:rPr/>
+              <a:t>depends.</a:t>
             </a:r>
           </a:p>
         </p:txBody>
@@ -3948,42 +10126,21 @@
             <a:pPr lvl="1"/>
             <a:r>
               <a:rPr/>
-              <a:t>“A mapping of data to the visual aesthetics of geometries/marks”</a:t>
+              <a:t>What question are you trying to answer?</a:t>
             </a:r>
           </a:p>
           <a:p>
             <a:pPr lvl="2"/>
             <a:r>
               <a:rPr/>
-              <a:t>Bars are a type of geometry/mark</a:t>
+              <a:t>What proportion of the patients are single?</a:t>
             </a:r>
           </a:p>
           <a:p>
             <a:pPr lvl="2"/>
             <a:r>
               <a:rPr/>
-              <a:t>Aesthetics for bars include location, size, color</a:t>
-            </a:r>
-          </a:p>
-          <a:p>
-            <a:pPr lvl="2"/>
-            <a:r>
-              <a:rPr/>
-              <a:t>Stack versus dodge</a:t>
-            </a:r>
-          </a:p>
-          <a:p>
-            <a:pPr lvl="1"/>
-            <a:r>
-              <a:rPr/>
-              <a:t>Basic tips</a:t>
-            </a:r>
-          </a:p>
-          <a:p>
-            <a:pPr lvl="2"/>
-            <a:r>
-              <a:rPr/>
-              <a:t>Place comparators close</a:t>
+              <a:t>Are there more single or divorced patients?</a:t>
             </a:r>
           </a:p>
         </p:txBody>
@@ -4030,15 +10187,39 @@
             </a:pPr>
             <a:r>
               <a:rPr/>
-              <a:t>Group</a:t>
-            </a:r>
-            <a:r>
-              <a:rPr/>
-              <a:t> </a:t>
-            </a:r>
-            <a:r>
-              <a:rPr/>
-              <a:t>exercise</a:t>
+              <a:t>Visual</a:t>
+            </a:r>
+            <a:r>
+              <a:rPr/>
+              <a:t> </a:t>
+            </a:r>
+            <a:r>
+              <a:rPr/>
+              <a:t>processing</a:t>
+            </a:r>
+            <a:r>
+              <a:rPr/>
+              <a:t> </a:t>
+            </a:r>
+            <a:r>
+              <a:rPr/>
+              <a:t>(1</a:t>
+            </a:r>
+            <a:r>
+              <a:rPr/>
+              <a:t> </a:t>
+            </a:r>
+            <a:r>
+              <a:rPr/>
+              <a:t>of</a:t>
+            </a:r>
+            <a:r>
+              <a:rPr/>
+              <a:t> </a:t>
+            </a:r>
+            <a:r>
+              <a:rPr/>
+              <a:t>3)</a:t>
             </a:r>
           </a:p>
         </p:txBody>
@@ -4061,42 +10242,1493 @@
             <a:pPr lvl="1"/>
             <a:r>
               <a:rPr/>
-              <a:t>Review the following visualization in your group.</a:t>
+              <a:t>Projection</a:t>
             </a:r>
           </a:p>
           <a:p>
             <a:pPr lvl="2"/>
             <a:r>
               <a:rPr/>
-              <a:t>Summarize what aesthetics (location, size, shape, color) appear in the graph</a:t>
+              <a:t>Shifting an object in a horizontal or vertical direction to make a comparison</a:t>
+            </a:r>
+          </a:p>
+          <a:p>
+            <a:pPr lvl="1"/>
+            <a:r>
+              <a:rPr/>
+              <a:t>Superimposition</a:t>
             </a:r>
           </a:p>
           <a:p>
             <a:pPr lvl="2"/>
             <a:r>
               <a:rPr/>
-              <a:t>What variables map to each aesthetic?</a:t>
+              <a:t>Shifting in other directions (e.g., diagonal shifts, rotation) in order to make a comparison</a:t>
             </a:r>
           </a:p>
           <a:p>
             <a:pPr lvl="2"/>
             <a:r>
               <a:rPr/>
-              <a:t>What is the story that this graph is telling you?</a:t>
+              <a:t>Much harder than projection</a:t>
+            </a:r>
+          </a:p>
+        </p:txBody>
+      </p:sp>
+    </p:spTree>
+  </p:cSld>
+</p:sld>
+</file>
+
+<file path=ppt/slides/slide12.xml><?xml version="1.0" encoding="utf-8"?>
+<p:sld xmlns:a="http://schemas.openxmlformats.org/drawingml/2006/main" xmlns:r="http://schemas.openxmlformats.org/officeDocument/2006/relationships" xmlns:p="http://schemas.openxmlformats.org/presentationml/2006/main">
+  <p:cSld>
+    <p:spTree>
+      <p:nvGrpSpPr>
+        <p:cNvPr id="1" name=""/>
+        <p:cNvGrpSpPr/>
+        <p:nvPr/>
+      </p:nvGrpSpPr>
+      <p:grpSpPr>
+        <a:xfrm>
+          <a:off x="0" y="0"/>
+          <a:ext cx="0" cy="0"/>
+          <a:chOff x="0" y="0"/>
+          <a:chExt cx="0" cy="0"/>
+        </a:xfrm>
+      </p:grpSpPr>
+      <p:sp>
+        <p:nvSpPr>
+          <p:cNvPr id="2" name="Title 1"/>
+          <p:cNvSpPr>
+            <a:spLocks noGrp="1"/>
+          </p:cNvSpPr>
+          <p:nvPr>
+            <p:ph type="title"/>
+          </p:nvPr>
+        </p:nvSpPr>
+        <p:spPr/>
+        <p:txBody>
+          <a:bodyPr/>
+          <a:lstStyle/>
+          <a:p>
+            <a:pPr lvl="0" marL="0" indent="0">
+              <a:buNone/>
+            </a:pPr>
+            <a:r>
+              <a:rPr/>
+              <a:t>Projection</a:t>
+            </a:r>
+            <a:r>
+              <a:rPr/>
+              <a:t> </a:t>
+            </a:r>
+            <a:r>
+              <a:rPr/>
+              <a:t>(first</a:t>
+            </a:r>
+            <a:r>
+              <a:rPr/>
+              <a:t> </a:t>
+            </a:r>
+            <a:r>
+              <a:rPr/>
+              <a:t>yellow</a:t>
+            </a:r>
+            <a:r>
+              <a:rPr/>
+              <a:t> </a:t>
+            </a:r>
+            <a:r>
+              <a:rPr/>
+              <a:t>bar</a:t>
+            </a:r>
+            <a:r>
+              <a:rPr/>
+              <a:t> </a:t>
+            </a:r>
+            <a:r>
+              <a:rPr/>
+              <a:t>versus</a:t>
+            </a:r>
+            <a:r>
+              <a:rPr/>
+              <a:t> </a:t>
+            </a:r>
+            <a:r>
+              <a:rPr/>
+              <a:t>last</a:t>
+            </a:r>
+            <a:r>
+              <a:rPr/>
+              <a:t> </a:t>
+            </a:r>
+            <a:r>
+              <a:rPr/>
+              <a:t>yellow</a:t>
+            </a:r>
+            <a:r>
+              <a:rPr/>
+              <a:t> </a:t>
+            </a:r>
+            <a:r>
+              <a:rPr/>
+              <a:t>bar)</a:t>
+            </a:r>
+          </a:p>
+        </p:txBody>
+      </p:sp>
+      <p:pic>
+        <p:nvPicPr>
+          <p:cNvPr descr="../images/02/crop-yield-bar-chart-position.png" id="0" name="Picture 1"/>
+          <p:cNvPicPr>
+            <a:picLocks noGrp="1" noChangeAspect="1"/>
+          </p:cNvPicPr>
+          <p:nvPr/>
+        </p:nvPicPr>
+        <p:blipFill>
+          <a:blip r:embed="rId3"/>
+          <a:stretch>
+            <a:fillRect/>
+          </a:stretch>
+        </p:blipFill>
+        <p:spPr bwMode="auto">
+          <a:xfrm>
+            <a:off x="1625600" y="1600200"/>
+            <a:ext cx="5892800" cy="4013200"/>
+          </a:xfrm>
+          <a:prstGeom prst="rect">
+            <a:avLst/>
+          </a:prstGeom>
+          <a:noFill/>
+          <a:ln w="9525">
+            <a:noFill/>
+            <a:headEnd/>
+            <a:tailEnd/>
+          </a:ln>
+        </p:spPr>
+      </p:pic>
+      <p:sp>
+        <p:nvSpPr>
+          <p:cNvPr id="1" name="TextBox 3"/>
+          <p:cNvSpPr txBox="1"/>
+          <p:nvPr/>
+        </p:nvSpPr>
+        <p:spPr>
+          <a:xfrm>
+            <a:off x="457200" y="5613400"/>
+            <a:ext cx="8229600" cy="508000"/>
+          </a:xfrm>
+          <a:prstGeom prst="rect">
+            <a:avLst/>
+          </a:prstGeom>
+          <a:noFill/>
+        </p:spPr>
+        <p:txBody>
+          <a:bodyPr/>
+          <a:lstStyle/>
+          <a:p>
+            <a:pPr lvl="0" marL="0" indent="0" algn="ctr">
+              <a:buNone/>
+            </a:pPr>
+            <a:r>
+              <a:rPr/>
+              <a:t>Stacked</a:t>
+            </a:r>
+            <a:r>
+              <a:rPr/>
+              <a:t> </a:t>
+            </a:r>
+            <a:r>
+              <a:rPr/>
+              <a:t>bar</a:t>
+            </a:r>
+            <a:r>
+              <a:rPr/>
+              <a:t> </a:t>
+            </a:r>
+            <a:r>
+              <a:rPr/>
+              <a:t>chart</a:t>
+            </a:r>
+            <a:r>
+              <a:rPr/>
+              <a:t> </a:t>
+            </a:r>
+            <a:r>
+              <a:rPr/>
+              <a:t>of</a:t>
+            </a:r>
+            <a:r>
+              <a:rPr/>
+              <a:t> </a:t>
+            </a:r>
+            <a:r>
+              <a:rPr/>
+              <a:t>crop</a:t>
+            </a:r>
+            <a:r>
+              <a:rPr/>
+              <a:t> </a:t>
+            </a:r>
+            <a:r>
+              <a:rPr/>
+              <a:t>yields</a:t>
+            </a:r>
+          </a:p>
+        </p:txBody>
+      </p:sp>
+    </p:spTree>
+  </p:cSld>
+</p:sld>
+</file>
+
+<file path=ppt/slides/slide13.xml><?xml version="1.0" encoding="utf-8"?>
+<p:sld xmlns:a="http://schemas.openxmlformats.org/drawingml/2006/main" xmlns:r="http://schemas.openxmlformats.org/officeDocument/2006/relationships" xmlns:p="http://schemas.openxmlformats.org/presentationml/2006/main">
+  <p:cSld>
+    <p:spTree>
+      <p:nvGrpSpPr>
+        <p:cNvPr id="1" name=""/>
+        <p:cNvGrpSpPr/>
+        <p:nvPr/>
+      </p:nvGrpSpPr>
+      <p:grpSpPr>
+        <a:xfrm>
+          <a:off x="0" y="0"/>
+          <a:ext cx="0" cy="0"/>
+          <a:chOff x="0" y="0"/>
+          <a:chExt cx="0" cy="0"/>
+        </a:xfrm>
+      </p:grpSpPr>
+      <p:sp>
+        <p:nvSpPr>
+          <p:cNvPr id="2" name="Title 1"/>
+          <p:cNvSpPr>
+            <a:spLocks noGrp="1"/>
+          </p:cNvSpPr>
+          <p:nvPr>
+            <p:ph type="title"/>
+          </p:nvPr>
+        </p:nvSpPr>
+        <p:spPr/>
+        <p:txBody>
+          <a:bodyPr/>
+          <a:lstStyle/>
+          <a:p>
+            <a:pPr lvl="0" marL="0" indent="0">
+              <a:buNone/>
+            </a:pPr>
+            <a:r>
+              <a:rPr/>
+              <a:t>Superimposition</a:t>
+            </a:r>
+            <a:r>
+              <a:rPr/>
+              <a:t> </a:t>
+            </a:r>
+            <a:r>
+              <a:rPr/>
+              <a:t>(first</a:t>
+            </a:r>
+            <a:r>
+              <a:rPr/>
+              <a:t> </a:t>
+            </a:r>
+            <a:r>
+              <a:rPr/>
+              <a:t>green</a:t>
+            </a:r>
+            <a:r>
+              <a:rPr/>
+              <a:t> </a:t>
+            </a:r>
+            <a:r>
+              <a:rPr/>
+              <a:t>bar</a:t>
+            </a:r>
+            <a:r>
+              <a:rPr/>
+              <a:t> </a:t>
+            </a:r>
+            <a:r>
+              <a:rPr/>
+              <a:t>versus</a:t>
+            </a:r>
+            <a:r>
+              <a:rPr/>
+              <a:t> </a:t>
+            </a:r>
+            <a:r>
+              <a:rPr/>
+              <a:t>last</a:t>
+            </a:r>
+            <a:r>
+              <a:rPr/>
+              <a:t> </a:t>
+            </a:r>
+            <a:r>
+              <a:rPr/>
+              <a:t>blue</a:t>
+            </a:r>
+            <a:r>
+              <a:rPr/>
+              <a:t> </a:t>
+            </a:r>
+            <a:r>
+              <a:rPr/>
+              <a:t>bar)</a:t>
+            </a:r>
+          </a:p>
+        </p:txBody>
+      </p:sp>
+      <p:pic>
+        <p:nvPicPr>
+          <p:cNvPr descr="../images/02/crop-yield-bar-chart-length.png" id="0" name="Picture 1"/>
+          <p:cNvPicPr>
+            <a:picLocks noGrp="1" noChangeAspect="1"/>
+          </p:cNvPicPr>
+          <p:nvPr/>
+        </p:nvPicPr>
+        <p:blipFill>
+          <a:blip r:embed="rId3"/>
+          <a:stretch>
+            <a:fillRect/>
+          </a:stretch>
+        </p:blipFill>
+        <p:spPr bwMode="auto">
+          <a:xfrm>
+            <a:off x="1625600" y="1600200"/>
+            <a:ext cx="5892800" cy="4013200"/>
+          </a:xfrm>
+          <a:prstGeom prst="rect">
+            <a:avLst/>
+          </a:prstGeom>
+          <a:noFill/>
+          <a:ln w="9525">
+            <a:noFill/>
+            <a:headEnd/>
+            <a:tailEnd/>
+          </a:ln>
+        </p:spPr>
+      </p:pic>
+      <p:sp>
+        <p:nvSpPr>
+          <p:cNvPr id="1" name="TextBox 3"/>
+          <p:cNvSpPr txBox="1"/>
+          <p:nvPr/>
+        </p:nvSpPr>
+        <p:spPr>
+          <a:xfrm>
+            <a:off x="457200" y="5613400"/>
+            <a:ext cx="8229600" cy="508000"/>
+          </a:xfrm>
+          <a:prstGeom prst="rect">
+            <a:avLst/>
+          </a:prstGeom>
+          <a:noFill/>
+        </p:spPr>
+        <p:txBody>
+          <a:bodyPr/>
+          <a:lstStyle/>
+          <a:p>
+            <a:pPr lvl="0" marL="0" indent="0" algn="ctr">
+              <a:buNone/>
+            </a:pPr>
+            <a:r>
+              <a:rPr/>
+              <a:t>Stacked</a:t>
+            </a:r>
+            <a:r>
+              <a:rPr/>
+              <a:t> </a:t>
+            </a:r>
+            <a:r>
+              <a:rPr/>
+              <a:t>bar</a:t>
+            </a:r>
+            <a:r>
+              <a:rPr/>
+              <a:t> </a:t>
+            </a:r>
+            <a:r>
+              <a:rPr/>
+              <a:t>chart</a:t>
+            </a:r>
+            <a:r>
+              <a:rPr/>
+              <a:t> </a:t>
+            </a:r>
+            <a:r>
+              <a:rPr/>
+              <a:t>of</a:t>
+            </a:r>
+            <a:r>
+              <a:rPr/>
+              <a:t> </a:t>
+            </a:r>
+            <a:r>
+              <a:rPr/>
+              <a:t>crop</a:t>
+            </a:r>
+            <a:r>
+              <a:rPr/>
+              <a:t> </a:t>
+            </a:r>
+            <a:r>
+              <a:rPr/>
+              <a:t>yields</a:t>
+            </a:r>
+          </a:p>
+        </p:txBody>
+      </p:sp>
+    </p:spTree>
+  </p:cSld>
+</p:sld>
+</file>
+
+<file path=ppt/slides/slide14.xml><?xml version="1.0" encoding="utf-8"?>
+<p:sld xmlns:a="http://schemas.openxmlformats.org/drawingml/2006/main" xmlns:r="http://schemas.openxmlformats.org/officeDocument/2006/relationships" xmlns:p="http://schemas.openxmlformats.org/presentationml/2006/main">
+  <p:cSld>
+    <p:spTree>
+      <p:nvGrpSpPr>
+        <p:cNvPr id="1" name=""/>
+        <p:cNvGrpSpPr/>
+        <p:nvPr/>
+      </p:nvGrpSpPr>
+      <p:grpSpPr>
+        <a:xfrm>
+          <a:off x="0" y="0"/>
+          <a:ext cx="0" cy="0"/>
+          <a:chOff x="0" y="0"/>
+          <a:chExt cx="0" cy="0"/>
+        </a:xfrm>
+      </p:grpSpPr>
+      <p:sp>
+        <p:nvSpPr>
+          <p:cNvPr id="2" name="Title 1"/>
+          <p:cNvSpPr>
+            <a:spLocks noGrp="1"/>
+          </p:cNvSpPr>
+          <p:nvPr>
+            <p:ph type="title"/>
+          </p:nvPr>
+        </p:nvSpPr>
+        <p:spPr/>
+        <p:txBody>
+          <a:bodyPr/>
+          <a:lstStyle/>
+          <a:p>
+            <a:pPr lvl="0" marL="0" indent="0">
+              <a:buNone/>
+            </a:pPr>
+            <a:r>
+              <a:rPr/>
+              <a:t>Visual</a:t>
+            </a:r>
+            <a:r>
+              <a:rPr/>
+              <a:t> </a:t>
+            </a:r>
+            <a:r>
+              <a:rPr/>
+              <a:t>processing</a:t>
+            </a:r>
+            <a:r>
+              <a:rPr/>
+              <a:t> </a:t>
+            </a:r>
+            <a:r>
+              <a:rPr/>
+              <a:t>(2</a:t>
+            </a:r>
+            <a:r>
+              <a:rPr/>
+              <a:t> </a:t>
+            </a:r>
+            <a:r>
+              <a:rPr/>
+              <a:t>of</a:t>
+            </a:r>
+            <a:r>
+              <a:rPr/>
+              <a:t> </a:t>
+            </a:r>
+            <a:r>
+              <a:rPr/>
+              <a:t>3)</a:t>
+            </a:r>
+          </a:p>
+        </p:txBody>
+      </p:sp>
+      <p:sp>
+        <p:nvSpPr>
+          <p:cNvPr id="3" name="Content Placeholder 2"/>
+          <p:cNvSpPr>
+            <a:spLocks noGrp="1"/>
+          </p:cNvSpPr>
+          <p:nvPr>
+            <p:ph idx="1"/>
+          </p:nvPr>
+        </p:nvSpPr>
+        <p:spPr/>
+        <p:txBody>
+          <a:bodyPr/>
+          <a:lstStyle/>
+          <a:p>
+            <a:pPr lvl="1"/>
+            <a:r>
+              <a:rPr/>
+              <a:t>Scanning</a:t>
             </a:r>
           </a:p>
           <a:p>
             <a:pPr lvl="2"/>
             <a:r>
               <a:rPr/>
-              <a:t>Was there anything confusing?</a:t>
+              <a:t>Quantifying distance throug the use of a mental tape measure</a:t>
             </a:r>
           </a:p>
           <a:p>
             <a:pPr lvl="2"/>
             <a:r>
               <a:rPr/>
-              <a:t>Was there anything you might change?</a:t>
+              <a:t>Shorter distances are easier</a:t>
+            </a:r>
+          </a:p>
+          <a:p>
+            <a:pPr lvl="1"/>
+            <a:r>
+              <a:rPr/>
+              <a:t>Anchoring</a:t>
+            </a:r>
+          </a:p>
+          <a:p>
+            <a:pPr lvl="2"/>
+            <a:r>
+              <a:rPr/>
+              <a:t>Implicit or explicit development of reference points</a:t>
+            </a:r>
+          </a:p>
+          <a:p>
+            <a:pPr lvl="2"/>
+            <a:r>
+              <a:rPr/>
+              <a:t>Assists with scanning</a:t>
+            </a:r>
+          </a:p>
+        </p:txBody>
+      </p:sp>
+    </p:spTree>
+  </p:cSld>
+</p:sld>
+</file>
+
+<file path=ppt/slides/slide15.xml><?xml version="1.0" encoding="utf-8"?>
+<p:sld xmlns:a="http://schemas.openxmlformats.org/drawingml/2006/main" xmlns:r="http://schemas.openxmlformats.org/officeDocument/2006/relationships" xmlns:p="http://schemas.openxmlformats.org/presentationml/2006/main">
+  <p:cSld>
+    <p:spTree>
+      <p:nvGrpSpPr>
+        <p:cNvPr id="1" name=""/>
+        <p:cNvGrpSpPr/>
+        <p:nvPr/>
+      </p:nvGrpSpPr>
+      <p:grpSpPr>
+        <a:xfrm>
+          <a:off x="0" y="0"/>
+          <a:ext cx="0" cy="0"/>
+          <a:chOff x="0" y="0"/>
+          <a:chExt cx="0" cy="0"/>
+        </a:xfrm>
+      </p:grpSpPr>
+      <p:sp>
+        <p:nvSpPr>
+          <p:cNvPr id="2" name="Title 1"/>
+          <p:cNvSpPr>
+            <a:spLocks noGrp="1"/>
+          </p:cNvSpPr>
+          <p:nvPr>
+            <p:ph type="title"/>
+          </p:nvPr>
+        </p:nvSpPr>
+        <p:spPr/>
+        <p:txBody>
+          <a:bodyPr/>
+          <a:lstStyle/>
+          <a:p>
+            <a:pPr lvl="0" marL="0" indent="0">
+              <a:buNone/>
+            </a:pPr>
+            <a:r>
+              <a:rPr/>
+              <a:t>Scanning</a:t>
+            </a:r>
+          </a:p>
+        </p:txBody>
+      </p:sp>
+      <p:pic>
+        <p:nvPicPr>
+          <p:cNvPr descr="../images/02/simon_fuel_gauge1.png" id="0" name="Picture 1"/>
+          <p:cNvPicPr>
+            <a:picLocks noGrp="1" noChangeAspect="1"/>
+          </p:cNvPicPr>
+          <p:nvPr/>
+        </p:nvPicPr>
+        <p:blipFill>
+          <a:blip r:embed="rId3"/>
+          <a:stretch>
+            <a:fillRect/>
+          </a:stretch>
+        </p:blipFill>
+        <p:spPr bwMode="auto">
+          <a:xfrm>
+            <a:off x="3568700" y="1600200"/>
+            <a:ext cx="2006600" cy="4013200"/>
+          </a:xfrm>
+          <a:prstGeom prst="rect">
+            <a:avLst/>
+          </a:prstGeom>
+          <a:noFill/>
+          <a:ln w="9525">
+            <a:noFill/>
+            <a:headEnd/>
+            <a:tailEnd/>
+          </a:ln>
+        </p:spPr>
+      </p:pic>
+      <p:sp>
+        <p:nvSpPr>
+          <p:cNvPr id="1" name="TextBox 3"/>
+          <p:cNvSpPr txBox="1"/>
+          <p:nvPr/>
+        </p:nvSpPr>
+        <p:spPr>
+          <a:xfrm>
+            <a:off x="457200" y="5613400"/>
+            <a:ext cx="8229600" cy="508000"/>
+          </a:xfrm>
+          <a:prstGeom prst="rect">
+            <a:avLst/>
+          </a:prstGeom>
+          <a:noFill/>
+        </p:spPr>
+        <p:txBody>
+          <a:bodyPr/>
+          <a:lstStyle/>
+          <a:p>
+            <a:pPr lvl="0" marL="0" indent="0" algn="ctr">
+              <a:buNone/>
+            </a:pPr>
+            <a:r>
+              <a:rPr/>
+              <a:t>Image</a:t>
+            </a:r>
+            <a:r>
+              <a:rPr/>
+              <a:t> </a:t>
+            </a:r>
+            <a:r>
+              <a:rPr/>
+              <a:t>of</a:t>
+            </a:r>
+            <a:r>
+              <a:rPr/>
+              <a:t> </a:t>
+            </a:r>
+            <a:r>
+              <a:rPr/>
+              <a:t>a</a:t>
+            </a:r>
+            <a:r>
+              <a:rPr/>
+              <a:t> </a:t>
+            </a:r>
+            <a:r>
+              <a:rPr/>
+              <a:t>fuel</a:t>
+            </a:r>
+            <a:r>
+              <a:rPr/>
+              <a:t> </a:t>
+            </a:r>
+            <a:r>
+              <a:rPr/>
+              <a:t>gauge,</a:t>
+            </a:r>
+            <a:r>
+              <a:rPr/>
+              <a:t> </a:t>
+            </a:r>
+            <a:r>
+              <a:rPr/>
+              <a:t>65%</a:t>
+            </a:r>
+            <a:r>
+              <a:rPr/>
+              <a:t> </a:t>
+            </a:r>
+            <a:r>
+              <a:rPr/>
+              <a:t>full</a:t>
+            </a:r>
+          </a:p>
+        </p:txBody>
+      </p:sp>
+    </p:spTree>
+  </p:cSld>
+</p:sld>
+</file>
+
+<file path=ppt/slides/slide16.xml><?xml version="1.0" encoding="utf-8"?>
+<p:sld xmlns:a="http://schemas.openxmlformats.org/drawingml/2006/main" xmlns:r="http://schemas.openxmlformats.org/officeDocument/2006/relationships" xmlns:p="http://schemas.openxmlformats.org/presentationml/2006/main">
+  <p:cSld>
+    <p:spTree>
+      <p:nvGrpSpPr>
+        <p:cNvPr id="1" name=""/>
+        <p:cNvGrpSpPr/>
+        <p:nvPr/>
+      </p:nvGrpSpPr>
+      <p:grpSpPr>
+        <a:xfrm>
+          <a:off x="0" y="0"/>
+          <a:ext cx="0" cy="0"/>
+          <a:chOff x="0" y="0"/>
+          <a:chExt cx="0" cy="0"/>
+        </a:xfrm>
+      </p:grpSpPr>
+      <p:sp>
+        <p:nvSpPr>
+          <p:cNvPr id="2" name="Title 1"/>
+          <p:cNvSpPr>
+            <a:spLocks noGrp="1"/>
+          </p:cNvSpPr>
+          <p:nvPr>
+            <p:ph type="title"/>
+          </p:nvPr>
+        </p:nvSpPr>
+        <p:spPr/>
+        <p:txBody>
+          <a:bodyPr/>
+          <a:lstStyle/>
+          <a:p>
+            <a:pPr lvl="0" marL="0" indent="0">
+              <a:buNone/>
+            </a:pPr>
+            <a:r>
+              <a:rPr/>
+              <a:t>Assisting</a:t>
+            </a:r>
+            <a:r>
+              <a:rPr/>
+              <a:t> </a:t>
+            </a:r>
+            <a:r>
+              <a:rPr/>
+              <a:t>scanning</a:t>
+            </a:r>
+            <a:r>
+              <a:rPr/>
+              <a:t> </a:t>
+            </a:r>
+            <a:r>
+              <a:rPr/>
+              <a:t>with</a:t>
+            </a:r>
+            <a:r>
+              <a:rPr/>
+              <a:t> </a:t>
+            </a:r>
+            <a:r>
+              <a:rPr/>
+              <a:t>anchors</a:t>
+            </a:r>
+          </a:p>
+        </p:txBody>
+      </p:sp>
+      <p:pic>
+        <p:nvPicPr>
+          <p:cNvPr descr="../images/02/simon_fuel_gauge2.png" id="0" name="Picture 1"/>
+          <p:cNvPicPr>
+            <a:picLocks noGrp="1" noChangeAspect="1"/>
+          </p:cNvPicPr>
+          <p:nvPr/>
+        </p:nvPicPr>
+        <p:blipFill>
+          <a:blip r:embed="rId3"/>
+          <a:stretch>
+            <a:fillRect/>
+          </a:stretch>
+        </p:blipFill>
+        <p:spPr bwMode="auto">
+          <a:xfrm>
+            <a:off x="3568700" y="1600200"/>
+            <a:ext cx="2006600" cy="4013200"/>
+          </a:xfrm>
+          <a:prstGeom prst="rect">
+            <a:avLst/>
+          </a:prstGeom>
+          <a:noFill/>
+          <a:ln w="9525">
+            <a:noFill/>
+            <a:headEnd/>
+            <a:tailEnd/>
+          </a:ln>
+        </p:spPr>
+      </p:pic>
+      <p:sp>
+        <p:nvSpPr>
+          <p:cNvPr id="1" name="TextBox 3"/>
+          <p:cNvSpPr txBox="1"/>
+          <p:nvPr/>
+        </p:nvSpPr>
+        <p:spPr>
+          <a:xfrm>
+            <a:off x="457200" y="5613400"/>
+            <a:ext cx="8229600" cy="508000"/>
+          </a:xfrm>
+          <a:prstGeom prst="rect">
+            <a:avLst/>
+          </a:prstGeom>
+          <a:noFill/>
+        </p:spPr>
+        <p:txBody>
+          <a:bodyPr/>
+          <a:lstStyle/>
+          <a:p>
+            <a:pPr lvl="0" marL="0" indent="0" algn="ctr">
+              <a:buNone/>
+            </a:pPr>
+            <a:r>
+              <a:rPr/>
+              <a:t>Image</a:t>
+            </a:r>
+            <a:r>
+              <a:rPr/>
+              <a:t> </a:t>
+            </a:r>
+            <a:r>
+              <a:rPr/>
+              <a:t>of</a:t>
+            </a:r>
+            <a:r>
+              <a:rPr/>
+              <a:t> </a:t>
+            </a:r>
+            <a:r>
+              <a:rPr/>
+              <a:t>a</a:t>
+            </a:r>
+            <a:r>
+              <a:rPr/>
+              <a:t> </a:t>
+            </a:r>
+            <a:r>
+              <a:rPr/>
+              <a:t>fuel</a:t>
+            </a:r>
+            <a:r>
+              <a:rPr/>
+              <a:t> </a:t>
+            </a:r>
+            <a:r>
+              <a:rPr/>
+              <a:t>gauge,</a:t>
+            </a:r>
+            <a:r>
+              <a:rPr/>
+              <a:t> </a:t>
+            </a:r>
+            <a:r>
+              <a:rPr/>
+              <a:t>anchors</a:t>
+            </a:r>
+            <a:r>
+              <a:rPr/>
+              <a:t> </a:t>
+            </a:r>
+            <a:r>
+              <a:rPr/>
+              <a:t>at</a:t>
+            </a:r>
+            <a:r>
+              <a:rPr/>
+              <a:t> </a:t>
+            </a:r>
+            <a:r>
+              <a:rPr/>
+              <a:t>1/4,</a:t>
+            </a:r>
+            <a:r>
+              <a:rPr/>
+              <a:t> </a:t>
+            </a:r>
+            <a:r>
+              <a:rPr/>
+              <a:t>half,</a:t>
+            </a:r>
+            <a:r>
+              <a:rPr/>
+              <a:t> </a:t>
+            </a:r>
+            <a:r>
+              <a:rPr/>
+              <a:t>3/4</a:t>
+            </a:r>
+          </a:p>
+        </p:txBody>
+      </p:sp>
+    </p:spTree>
+  </p:cSld>
+</p:sld>
+</file>
+
+<file path=ppt/slides/slide17.xml><?xml version="1.0" encoding="utf-8"?>
+<p:sld xmlns:a="http://schemas.openxmlformats.org/drawingml/2006/main" xmlns:r="http://schemas.openxmlformats.org/officeDocument/2006/relationships" xmlns:p="http://schemas.openxmlformats.org/presentationml/2006/main">
+  <p:cSld>
+    <p:spTree>
+      <p:nvGrpSpPr>
+        <p:cNvPr id="1" name=""/>
+        <p:cNvGrpSpPr/>
+        <p:nvPr/>
+      </p:nvGrpSpPr>
+      <p:grpSpPr>
+        <a:xfrm>
+          <a:off x="0" y="0"/>
+          <a:ext cx="0" cy="0"/>
+          <a:chOff x="0" y="0"/>
+          <a:chExt cx="0" cy="0"/>
+        </a:xfrm>
+      </p:grpSpPr>
+      <p:sp>
+        <p:nvSpPr>
+          <p:cNvPr id="2" name="Title 1"/>
+          <p:cNvSpPr>
+            <a:spLocks noGrp="1"/>
+          </p:cNvSpPr>
+          <p:nvPr>
+            <p:ph type="title"/>
+          </p:nvPr>
+        </p:nvSpPr>
+        <p:spPr/>
+        <p:txBody>
+          <a:bodyPr/>
+          <a:lstStyle/>
+          <a:p>
+            <a:pPr lvl="0" marL="0" indent="0">
+              <a:buNone/>
+            </a:pPr>
+            <a:r>
+              <a:rPr/>
+              <a:t>Visual</a:t>
+            </a:r>
+            <a:r>
+              <a:rPr/>
+              <a:t> </a:t>
+            </a:r>
+            <a:r>
+              <a:rPr/>
+              <a:t>processing</a:t>
+            </a:r>
+            <a:r>
+              <a:rPr/>
+              <a:t> </a:t>
+            </a:r>
+            <a:r>
+              <a:rPr/>
+              <a:t>(3</a:t>
+            </a:r>
+            <a:r>
+              <a:rPr/>
+              <a:t> </a:t>
+            </a:r>
+            <a:r>
+              <a:rPr/>
+              <a:t>of</a:t>
+            </a:r>
+            <a:r>
+              <a:rPr/>
+              <a:t> </a:t>
+            </a:r>
+            <a:r>
+              <a:rPr/>
+              <a:t>3)</a:t>
+            </a:r>
+          </a:p>
+        </p:txBody>
+      </p:sp>
+      <p:sp>
+        <p:nvSpPr>
+          <p:cNvPr id="3" name="Content Placeholder 2"/>
+          <p:cNvSpPr>
+            <a:spLocks noGrp="1"/>
+          </p:cNvSpPr>
+          <p:nvPr>
+            <p:ph idx="1"/>
+          </p:nvPr>
+        </p:nvSpPr>
+        <p:spPr/>
+        <p:txBody>
+          <a:bodyPr/>
+          <a:lstStyle/>
+          <a:p>
+            <a:pPr lvl="1"/>
+            <a:r>
+              <a:rPr/>
+              <a:t>Visually simple tasks</a:t>
+            </a:r>
+          </a:p>
+          <a:p>
+            <a:pPr lvl="2"/>
+            <a:r>
+              <a:rPr/>
+              <a:t>Position</a:t>
+            </a:r>
+          </a:p>
+          <a:p>
+            <a:pPr lvl="2"/>
+            <a:r>
+              <a:rPr/>
+              <a:t>Length</a:t>
+            </a:r>
+          </a:p>
+          <a:p>
+            <a:pPr lvl="2"/>
+            <a:r>
+              <a:rPr/>
+              <a:t>Angle/slope</a:t>
+            </a:r>
+          </a:p>
+          <a:p>
+            <a:pPr lvl="1"/>
+            <a:r>
+              <a:rPr/>
+              <a:t>Visually demanding tasks</a:t>
+            </a:r>
+          </a:p>
+          <a:p>
+            <a:pPr lvl="2"/>
+            <a:r>
+              <a:rPr/>
+              <a:t>Area</a:t>
+            </a:r>
+          </a:p>
+          <a:p>
+            <a:pPr lvl="2"/>
+            <a:r>
+              <a:rPr/>
+              <a:t>Volume</a:t>
+            </a:r>
+          </a:p>
+          <a:p>
+            <a:pPr lvl="2"/>
+            <a:r>
+              <a:rPr/>
+              <a:t>Density/Saturation/Hue</a:t>
+            </a:r>
+          </a:p>
+        </p:txBody>
+      </p:sp>
+    </p:spTree>
+  </p:cSld>
+</p:sld>
+</file>
+
+<file path=ppt/slides/slide18.xml><?xml version="1.0" encoding="utf-8"?>
+<p:sld xmlns:a="http://schemas.openxmlformats.org/drawingml/2006/main" xmlns:r="http://schemas.openxmlformats.org/officeDocument/2006/relationships" xmlns:p="http://schemas.openxmlformats.org/presentationml/2006/main">
+  <p:cSld>
+    <p:spTree>
+      <p:nvGrpSpPr>
+        <p:cNvPr id="1" name=""/>
+        <p:cNvGrpSpPr/>
+        <p:nvPr/>
+      </p:nvGrpSpPr>
+      <p:grpSpPr>
+        <a:xfrm>
+          <a:off x="0" y="0"/>
+          <a:ext cx="0" cy="0"/>
+          <a:chOff x="0" y="0"/>
+          <a:chExt cx="0" cy="0"/>
+        </a:xfrm>
+      </p:grpSpPr>
+      <p:sp>
+        <p:nvSpPr>
+          <p:cNvPr id="2" name="Title 1"/>
+          <p:cNvSpPr>
+            <a:spLocks noGrp="1"/>
+          </p:cNvSpPr>
+          <p:nvPr>
+            <p:ph type="title"/>
+          </p:nvPr>
+        </p:nvSpPr>
+        <p:spPr/>
+        <p:txBody>
+          <a:bodyPr/>
+          <a:lstStyle/>
+          <a:p>
+            <a:pPr lvl="0" marL="0" indent="0">
+              <a:buNone/>
+            </a:pPr>
+            <a:r>
+              <a:rPr/>
+              <a:t>Position</a:t>
+            </a:r>
+            <a:r>
+              <a:rPr/>
+              <a:t> </a:t>
+            </a:r>
+            <a:r>
+              <a:rPr/>
+              <a:t>(first</a:t>
+            </a:r>
+            <a:r>
+              <a:rPr/>
+              <a:t> </a:t>
+            </a:r>
+            <a:r>
+              <a:rPr/>
+              <a:t>yellow</a:t>
+            </a:r>
+            <a:r>
+              <a:rPr/>
+              <a:t> </a:t>
+            </a:r>
+            <a:r>
+              <a:rPr/>
+              <a:t>bar</a:t>
+            </a:r>
+            <a:r>
+              <a:rPr/>
+              <a:t> </a:t>
+            </a:r>
+            <a:r>
+              <a:rPr/>
+              <a:t>versus</a:t>
+            </a:r>
+            <a:r>
+              <a:rPr/>
+              <a:t> </a:t>
+            </a:r>
+            <a:r>
+              <a:rPr/>
+              <a:t>last</a:t>
+            </a:r>
+            <a:r>
+              <a:rPr/>
+              <a:t> </a:t>
+            </a:r>
+            <a:r>
+              <a:rPr/>
+              <a:t>yellow</a:t>
+            </a:r>
+            <a:r>
+              <a:rPr/>
+              <a:t> </a:t>
+            </a:r>
+            <a:r>
+              <a:rPr/>
+              <a:t>bar)</a:t>
+            </a:r>
+          </a:p>
+        </p:txBody>
+      </p:sp>
+      <p:pic>
+        <p:nvPicPr>
+          <p:cNvPr descr="../images/02/crop-yield-bar-chart-position.png" id="0" name="Picture 1"/>
+          <p:cNvPicPr>
+            <a:picLocks noGrp="1" noChangeAspect="1"/>
+          </p:cNvPicPr>
+          <p:nvPr/>
+        </p:nvPicPr>
+        <p:blipFill>
+          <a:blip r:embed="rId3"/>
+          <a:stretch>
+            <a:fillRect/>
+          </a:stretch>
+        </p:blipFill>
+        <p:spPr bwMode="auto">
+          <a:xfrm>
+            <a:off x="1625600" y="1600200"/>
+            <a:ext cx="5892800" cy="4013200"/>
+          </a:xfrm>
+          <a:prstGeom prst="rect">
+            <a:avLst/>
+          </a:prstGeom>
+          <a:noFill/>
+          <a:ln w="9525">
+            <a:noFill/>
+            <a:headEnd/>
+            <a:tailEnd/>
+          </a:ln>
+        </p:spPr>
+      </p:pic>
+      <p:sp>
+        <p:nvSpPr>
+          <p:cNvPr id="1" name="TextBox 3"/>
+          <p:cNvSpPr txBox="1"/>
+          <p:nvPr/>
+        </p:nvSpPr>
+        <p:spPr>
+          <a:xfrm>
+            <a:off x="457200" y="5613400"/>
+            <a:ext cx="8229600" cy="508000"/>
+          </a:xfrm>
+          <a:prstGeom prst="rect">
+            <a:avLst/>
+          </a:prstGeom>
+          <a:noFill/>
+        </p:spPr>
+        <p:txBody>
+          <a:bodyPr/>
+          <a:lstStyle/>
+          <a:p>
+            <a:pPr lvl="0" marL="0" indent="0" algn="ctr">
+              <a:buNone/>
+            </a:pPr>
+            <a:r>
+              <a:rPr/>
+              <a:t>Stacked</a:t>
+            </a:r>
+            <a:r>
+              <a:rPr/>
+              <a:t> </a:t>
+            </a:r>
+            <a:r>
+              <a:rPr/>
+              <a:t>bar</a:t>
+            </a:r>
+            <a:r>
+              <a:rPr/>
+              <a:t> </a:t>
+            </a:r>
+            <a:r>
+              <a:rPr/>
+              <a:t>chart</a:t>
+            </a:r>
+            <a:r>
+              <a:rPr/>
+              <a:t> </a:t>
+            </a:r>
+            <a:r>
+              <a:rPr/>
+              <a:t>of</a:t>
+            </a:r>
+            <a:r>
+              <a:rPr/>
+              <a:t> </a:t>
+            </a:r>
+            <a:r>
+              <a:rPr/>
+              <a:t>crop</a:t>
+            </a:r>
+            <a:r>
+              <a:rPr/>
+              <a:t> </a:t>
+            </a:r>
+            <a:r>
+              <a:rPr/>
+              <a:t>yields</a:t>
+            </a:r>
+          </a:p>
+        </p:txBody>
+      </p:sp>
+    </p:spTree>
+  </p:cSld>
+</p:sld>
+</file>
+
+<file path=ppt/slides/slide19.xml><?xml version="1.0" encoding="utf-8"?>
+<p:sld xmlns:a="http://schemas.openxmlformats.org/drawingml/2006/main" xmlns:r="http://schemas.openxmlformats.org/officeDocument/2006/relationships" xmlns:p="http://schemas.openxmlformats.org/presentationml/2006/main">
+  <p:cSld>
+    <p:spTree>
+      <p:nvGrpSpPr>
+        <p:cNvPr id="1" name=""/>
+        <p:cNvGrpSpPr/>
+        <p:nvPr/>
+      </p:nvGrpSpPr>
+      <p:grpSpPr>
+        <a:xfrm>
+          <a:off x="0" y="0"/>
+          <a:ext cx="0" cy="0"/>
+          <a:chOff x="0" y="0"/>
+          <a:chExt cx="0" cy="0"/>
+        </a:xfrm>
+      </p:grpSpPr>
+      <p:sp>
+        <p:nvSpPr>
+          <p:cNvPr id="2" name="Title 1"/>
+          <p:cNvSpPr>
+            <a:spLocks noGrp="1"/>
+          </p:cNvSpPr>
+          <p:nvPr>
+            <p:ph type="title"/>
+          </p:nvPr>
+        </p:nvSpPr>
+        <p:spPr/>
+        <p:txBody>
+          <a:bodyPr/>
+          <a:lstStyle/>
+          <a:p>
+            <a:pPr lvl="0" marL="0" indent="0">
+              <a:buNone/>
+            </a:pPr>
+            <a:r>
+              <a:rPr/>
+              <a:t>Length</a:t>
+            </a:r>
+            <a:r>
+              <a:rPr/>
+              <a:t> </a:t>
+            </a:r>
+            <a:r>
+              <a:rPr/>
+              <a:t>(first</a:t>
+            </a:r>
+            <a:r>
+              <a:rPr/>
+              <a:t> </a:t>
+            </a:r>
+            <a:r>
+              <a:rPr/>
+              <a:t>green</a:t>
+            </a:r>
+            <a:r>
+              <a:rPr/>
+              <a:t> </a:t>
+            </a:r>
+            <a:r>
+              <a:rPr/>
+              <a:t>bar</a:t>
+            </a:r>
+            <a:r>
+              <a:rPr/>
+              <a:t> </a:t>
+            </a:r>
+            <a:r>
+              <a:rPr/>
+              <a:t>versus</a:t>
+            </a:r>
+            <a:r>
+              <a:rPr/>
+              <a:t> </a:t>
+            </a:r>
+            <a:r>
+              <a:rPr/>
+              <a:t>last</a:t>
+            </a:r>
+            <a:r>
+              <a:rPr/>
+              <a:t> </a:t>
+            </a:r>
+            <a:r>
+              <a:rPr/>
+              <a:t>blue</a:t>
+            </a:r>
+            <a:r>
+              <a:rPr/>
+              <a:t> </a:t>
+            </a:r>
+            <a:r>
+              <a:rPr/>
+              <a:t>bar)</a:t>
+            </a:r>
+          </a:p>
+        </p:txBody>
+      </p:sp>
+      <p:pic>
+        <p:nvPicPr>
+          <p:cNvPr descr="../images/02/crop-yield-bar-chart-length.png" id="0" name="Picture 1"/>
+          <p:cNvPicPr>
+            <a:picLocks noGrp="1" noChangeAspect="1"/>
+          </p:cNvPicPr>
+          <p:nvPr/>
+        </p:nvPicPr>
+        <p:blipFill>
+          <a:blip r:embed="rId3"/>
+          <a:stretch>
+            <a:fillRect/>
+          </a:stretch>
+        </p:blipFill>
+        <p:spPr bwMode="auto">
+          <a:xfrm>
+            <a:off x="1625600" y="1600200"/>
+            <a:ext cx="5892800" cy="4013200"/>
+          </a:xfrm>
+          <a:prstGeom prst="rect">
+            <a:avLst/>
+          </a:prstGeom>
+          <a:noFill/>
+          <a:ln w="9525">
+            <a:noFill/>
+            <a:headEnd/>
+            <a:tailEnd/>
+          </a:ln>
+        </p:spPr>
+      </p:pic>
+      <p:sp>
+        <p:nvSpPr>
+          <p:cNvPr id="1" name="TextBox 3"/>
+          <p:cNvSpPr txBox="1"/>
+          <p:nvPr/>
+        </p:nvSpPr>
+        <p:spPr>
+          <a:xfrm>
+            <a:off x="457200" y="5613400"/>
+            <a:ext cx="8229600" cy="508000"/>
+          </a:xfrm>
+          <a:prstGeom prst="rect">
+            <a:avLst/>
+          </a:prstGeom>
+          <a:noFill/>
+        </p:spPr>
+        <p:txBody>
+          <a:bodyPr/>
+          <a:lstStyle/>
+          <a:p>
+            <a:pPr lvl="0" marL="0" indent="0" algn="ctr">
+              <a:buNone/>
+            </a:pPr>
+            <a:r>
+              <a:rPr/>
+              <a:t>Stacked</a:t>
+            </a:r>
+            <a:r>
+              <a:rPr/>
+              <a:t> </a:t>
+            </a:r>
+            <a:r>
+              <a:rPr/>
+              <a:t>bar</a:t>
+            </a:r>
+            <a:r>
+              <a:rPr/>
+              <a:t> </a:t>
+            </a:r>
+            <a:r>
+              <a:rPr/>
+              <a:t>chart</a:t>
+            </a:r>
+            <a:r>
+              <a:rPr/>
+              <a:t> </a:t>
+            </a:r>
+            <a:r>
+              <a:rPr/>
+              <a:t>of</a:t>
+            </a:r>
+            <a:r>
+              <a:rPr/>
+              <a:t> </a:t>
+            </a:r>
+            <a:r>
+              <a:rPr/>
+              <a:t>crop</a:t>
+            </a:r>
+            <a:r>
+              <a:rPr/>
+              <a:t> </a:t>
+            </a:r>
+            <a:r>
+              <a:rPr/>
+              <a:t>yields</a:t>
             </a:r>
           </a:p>
         </p:txBody>
@@ -4197,6 +11829,498 @@
 </p:sld>
 </file>
 
+<file path=ppt/slides/slide20.xml><?xml version="1.0" encoding="utf-8"?>
+<p:sld xmlns:a="http://schemas.openxmlformats.org/drawingml/2006/main" xmlns:r="http://schemas.openxmlformats.org/officeDocument/2006/relationships" xmlns:p="http://schemas.openxmlformats.org/presentationml/2006/main">
+  <p:cSld>
+    <p:spTree>
+      <p:nvGrpSpPr>
+        <p:cNvPr id="1" name=""/>
+        <p:cNvGrpSpPr/>
+        <p:nvPr/>
+      </p:nvGrpSpPr>
+      <p:grpSpPr>
+        <a:xfrm>
+          <a:off x="0" y="0"/>
+          <a:ext cx="0" cy="0"/>
+          <a:chOff x="0" y="0"/>
+          <a:chExt cx="0" cy="0"/>
+        </a:xfrm>
+      </p:grpSpPr>
+      <p:sp>
+        <p:nvSpPr>
+          <p:cNvPr id="2" name="Title 1"/>
+          <p:cNvSpPr>
+            <a:spLocks noGrp="1"/>
+          </p:cNvSpPr>
+          <p:nvPr>
+            <p:ph type="title"/>
+          </p:nvPr>
+        </p:nvSpPr>
+        <p:spPr/>
+        <p:txBody>
+          <a:bodyPr/>
+          <a:lstStyle/>
+          <a:p>
+            <a:pPr lvl="0" marL="0" indent="0">
+              <a:buNone/>
+            </a:pPr>
+            <a:r>
+              <a:rPr/>
+              <a:t>Angle/slope</a:t>
+            </a:r>
+            <a:r>
+              <a:rPr/>
+              <a:t> </a:t>
+            </a:r>
+            <a:r>
+              <a:rPr/>
+              <a:t>(first</a:t>
+            </a:r>
+            <a:r>
+              <a:rPr/>
+              <a:t> </a:t>
+            </a:r>
+            <a:r>
+              <a:rPr/>
+              <a:t>month</a:t>
+            </a:r>
+            <a:r>
+              <a:rPr/>
+              <a:t> </a:t>
+            </a:r>
+            <a:r>
+              <a:rPr/>
+              <a:t>decline</a:t>
+            </a:r>
+            <a:r>
+              <a:rPr/>
+              <a:t> </a:t>
+            </a:r>
+            <a:r>
+              <a:rPr/>
+              <a:t>versus</a:t>
+            </a:r>
+            <a:r>
+              <a:rPr/>
+              <a:t> </a:t>
+            </a:r>
+            <a:r>
+              <a:rPr/>
+              <a:t>last</a:t>
+            </a:r>
+            <a:r>
+              <a:rPr/>
+              <a:t> </a:t>
+            </a:r>
+            <a:r>
+              <a:rPr/>
+              <a:t>month</a:t>
+            </a:r>
+            <a:r>
+              <a:rPr/>
+              <a:t> </a:t>
+            </a:r>
+            <a:r>
+              <a:rPr/>
+              <a:t>decline)</a:t>
+            </a:r>
+          </a:p>
+        </p:txBody>
+      </p:sp>
+      <p:pic>
+        <p:nvPicPr>
+          <p:cNvPr descr="../images/02/sales-trend.png" id="0" name="Picture 1"/>
+          <p:cNvPicPr>
+            <a:picLocks noGrp="1" noChangeAspect="1"/>
+          </p:cNvPicPr>
+          <p:nvPr/>
+        </p:nvPicPr>
+        <p:blipFill>
+          <a:blip r:embed="rId3"/>
+          <a:stretch>
+            <a:fillRect/>
+          </a:stretch>
+        </p:blipFill>
+        <p:spPr bwMode="auto">
+          <a:xfrm>
+            <a:off x="1600200" y="1600200"/>
+            <a:ext cx="5943600" cy="4013200"/>
+          </a:xfrm>
+          <a:prstGeom prst="rect">
+            <a:avLst/>
+          </a:prstGeom>
+          <a:noFill/>
+          <a:ln w="9525">
+            <a:noFill/>
+            <a:headEnd/>
+            <a:tailEnd/>
+          </a:ln>
+        </p:spPr>
+      </p:pic>
+      <p:sp>
+        <p:nvSpPr>
+          <p:cNvPr id="1" name="TextBox 3"/>
+          <p:cNvSpPr txBox="1"/>
+          <p:nvPr/>
+        </p:nvSpPr>
+        <p:spPr>
+          <a:xfrm>
+            <a:off x="457200" y="5613400"/>
+            <a:ext cx="8229600" cy="508000"/>
+          </a:xfrm>
+          <a:prstGeom prst="rect">
+            <a:avLst/>
+          </a:prstGeom>
+          <a:noFill/>
+        </p:spPr>
+        <p:txBody>
+          <a:bodyPr/>
+          <a:lstStyle/>
+          <a:p>
+            <a:pPr lvl="0" marL="0" indent="0" algn="ctr">
+              <a:buNone/>
+            </a:pPr>
+            <a:r>
+              <a:rPr/>
+              <a:t>Sales</a:t>
+            </a:r>
+            <a:r>
+              <a:rPr/>
+              <a:t> </a:t>
+            </a:r>
+            <a:r>
+              <a:rPr/>
+              <a:t>trend</a:t>
+            </a:r>
+            <a:r>
+              <a:rPr/>
+              <a:t> </a:t>
+            </a:r>
+            <a:r>
+              <a:rPr/>
+              <a:t>shown</a:t>
+            </a:r>
+            <a:r>
+              <a:rPr/>
+              <a:t> </a:t>
+            </a:r>
+            <a:r>
+              <a:rPr/>
+              <a:t>with</a:t>
+            </a:r>
+            <a:r>
+              <a:rPr/>
+              <a:t> </a:t>
+            </a:r>
+            <a:r>
+              <a:rPr/>
+              <a:t>a</a:t>
+            </a:r>
+            <a:r>
+              <a:rPr/>
+              <a:t> </a:t>
+            </a:r>
+            <a:r>
+              <a:rPr/>
+              <a:t>line</a:t>
+            </a:r>
+            <a:r>
+              <a:rPr/>
+              <a:t> </a:t>
+            </a:r>
+            <a:r>
+              <a:rPr/>
+              <a:t>graph</a:t>
+            </a:r>
+          </a:p>
+        </p:txBody>
+      </p:sp>
+    </p:spTree>
+  </p:cSld>
+</p:sld>
+</file>
+
+<file path=ppt/slides/slide21.xml><?xml version="1.0" encoding="utf-8"?>
+<p:sld xmlns:a="http://schemas.openxmlformats.org/drawingml/2006/main" xmlns:r="http://schemas.openxmlformats.org/officeDocument/2006/relationships" xmlns:p="http://schemas.openxmlformats.org/presentationml/2006/main">
+  <p:cSld>
+    <p:spTree>
+      <p:nvGrpSpPr>
+        <p:cNvPr id="1" name=""/>
+        <p:cNvGrpSpPr/>
+        <p:nvPr/>
+      </p:nvGrpSpPr>
+      <p:grpSpPr>
+        <a:xfrm>
+          <a:off x="0" y="0"/>
+          <a:ext cx="0" cy="0"/>
+          <a:chOff x="0" y="0"/>
+          <a:chExt cx="0" cy="0"/>
+        </a:xfrm>
+      </p:grpSpPr>
+      <p:sp>
+        <p:nvSpPr>
+          <p:cNvPr id="2" name="Title 1"/>
+          <p:cNvSpPr>
+            <a:spLocks noGrp="1"/>
+          </p:cNvSpPr>
+          <p:nvPr>
+            <p:ph type="title"/>
+          </p:nvPr>
+        </p:nvSpPr>
+        <p:spPr/>
+        <p:txBody>
+          <a:bodyPr/>
+          <a:lstStyle/>
+          <a:p>
+            <a:pPr lvl="0" marL="0" indent="0">
+              <a:buNone/>
+            </a:pPr>
+            <a:r>
+              <a:rPr/>
+              <a:t>Aesthetics</a:t>
+            </a:r>
+            <a:r>
+              <a:rPr/>
+              <a:t> </a:t>
+            </a:r>
+            <a:r>
+              <a:rPr/>
+              <a:t>for</a:t>
+            </a:r>
+            <a:r>
+              <a:rPr/>
+              <a:t> </a:t>
+            </a:r>
+            <a:r>
+              <a:rPr/>
+              <a:t>bars</a:t>
+            </a:r>
+          </a:p>
+        </p:txBody>
+      </p:sp>
+    </p:spTree>
+  </p:cSld>
+</p:sld>
+</file>
+
+<file path=ppt/slides/slide22.xml><?xml version="1.0" encoding="utf-8"?>
+<p:sld xmlns:a="http://schemas.openxmlformats.org/drawingml/2006/main" xmlns:r="http://schemas.openxmlformats.org/officeDocument/2006/relationships" xmlns:p="http://schemas.openxmlformats.org/presentationml/2006/main">
+  <p:cSld>
+    <p:spTree>
+      <p:nvGrpSpPr>
+        <p:cNvPr id="1" name=""/>
+        <p:cNvGrpSpPr/>
+        <p:nvPr/>
+      </p:nvGrpSpPr>
+      <p:grpSpPr>
+        <a:xfrm>
+          <a:off x="0" y="0"/>
+          <a:ext cx="0" cy="0"/>
+          <a:chOff x="0" y="0"/>
+          <a:chExt cx="0" cy="0"/>
+        </a:xfrm>
+      </p:grpSpPr>
+      <p:sp>
+        <p:nvSpPr>
+          <p:cNvPr id="2" name="Title 1"/>
+          <p:cNvSpPr>
+            <a:spLocks noGrp="1"/>
+          </p:cNvSpPr>
+          <p:nvPr>
+            <p:ph type="title"/>
+          </p:nvPr>
+        </p:nvSpPr>
+        <p:spPr/>
+        <p:txBody>
+          <a:bodyPr/>
+          <a:lstStyle/>
+          <a:p>
+            <a:pPr lvl="0" marL="0" indent="0">
+              <a:buNone/>
+            </a:pPr>
+            <a:r>
+              <a:rPr/>
+              <a:t>Summary</a:t>
+            </a:r>
+          </a:p>
+        </p:txBody>
+      </p:sp>
+      <p:sp>
+        <p:nvSpPr>
+          <p:cNvPr id="3" name="Content Placeholder 2"/>
+          <p:cNvSpPr>
+            <a:spLocks noGrp="1"/>
+          </p:cNvSpPr>
+          <p:nvPr>
+            <p:ph idx="1"/>
+          </p:nvPr>
+        </p:nvSpPr>
+        <p:spPr/>
+        <p:txBody>
+          <a:bodyPr/>
+          <a:lstStyle/>
+          <a:p>
+            <a:pPr lvl="1"/>
+            <a:r>
+              <a:rPr/>
+              <a:t>“A mapping of data to the visual aesthetics of geometries/marks”</a:t>
+            </a:r>
+          </a:p>
+          <a:p>
+            <a:pPr lvl="2"/>
+            <a:r>
+              <a:rPr/>
+              <a:t>Bars are a type of geometry/mark</a:t>
+            </a:r>
+          </a:p>
+          <a:p>
+            <a:pPr lvl="2"/>
+            <a:r>
+              <a:rPr/>
+              <a:t>Aesthetics for bars include location, size, color</a:t>
+            </a:r>
+          </a:p>
+          <a:p>
+            <a:pPr lvl="2"/>
+            <a:r>
+              <a:rPr/>
+              <a:t>Stack versus dodge</a:t>
+            </a:r>
+          </a:p>
+          <a:p>
+            <a:pPr lvl="1"/>
+            <a:r>
+              <a:rPr/>
+              <a:t>Basic tips</a:t>
+            </a:r>
+          </a:p>
+          <a:p>
+            <a:pPr lvl="2"/>
+            <a:r>
+              <a:rPr/>
+              <a:t>Place comparators close</a:t>
+            </a:r>
+          </a:p>
+        </p:txBody>
+      </p:sp>
+    </p:spTree>
+  </p:cSld>
+</p:sld>
+</file>
+
+<file path=ppt/slides/slide23.xml><?xml version="1.0" encoding="utf-8"?>
+<p:sld xmlns:a="http://schemas.openxmlformats.org/drawingml/2006/main" xmlns:r="http://schemas.openxmlformats.org/officeDocument/2006/relationships" xmlns:p="http://schemas.openxmlformats.org/presentationml/2006/main">
+  <p:cSld>
+    <p:spTree>
+      <p:nvGrpSpPr>
+        <p:cNvPr id="1" name=""/>
+        <p:cNvGrpSpPr/>
+        <p:nvPr/>
+      </p:nvGrpSpPr>
+      <p:grpSpPr>
+        <a:xfrm>
+          <a:off x="0" y="0"/>
+          <a:ext cx="0" cy="0"/>
+          <a:chOff x="0" y="0"/>
+          <a:chExt cx="0" cy="0"/>
+        </a:xfrm>
+      </p:grpSpPr>
+      <p:sp>
+        <p:nvSpPr>
+          <p:cNvPr id="2" name="Title 1"/>
+          <p:cNvSpPr>
+            <a:spLocks noGrp="1"/>
+          </p:cNvSpPr>
+          <p:nvPr>
+            <p:ph type="title"/>
+          </p:nvPr>
+        </p:nvSpPr>
+        <p:spPr/>
+        <p:txBody>
+          <a:bodyPr/>
+          <a:lstStyle/>
+          <a:p>
+            <a:pPr lvl="0" marL="0" indent="0">
+              <a:buNone/>
+            </a:pPr>
+            <a:r>
+              <a:rPr/>
+              <a:t>Group</a:t>
+            </a:r>
+            <a:r>
+              <a:rPr/>
+              <a:t> </a:t>
+            </a:r>
+            <a:r>
+              <a:rPr/>
+              <a:t>exercise</a:t>
+            </a:r>
+          </a:p>
+        </p:txBody>
+      </p:sp>
+      <p:sp>
+        <p:nvSpPr>
+          <p:cNvPr id="3" name="Content Placeholder 2"/>
+          <p:cNvSpPr>
+            <a:spLocks noGrp="1"/>
+          </p:cNvSpPr>
+          <p:nvPr>
+            <p:ph idx="1"/>
+          </p:nvPr>
+        </p:nvSpPr>
+        <p:spPr/>
+        <p:txBody>
+          <a:bodyPr/>
+          <a:lstStyle/>
+          <a:p>
+            <a:pPr lvl="1"/>
+            <a:r>
+              <a:rPr/>
+              <a:t>Review the following visualization in your group.</a:t>
+            </a:r>
+          </a:p>
+          <a:p>
+            <a:pPr lvl="2"/>
+            <a:r>
+              <a:rPr/>
+              <a:t>Summarize what aesthetics (location, size, shape, color) appear in the graph</a:t>
+            </a:r>
+          </a:p>
+          <a:p>
+            <a:pPr lvl="2"/>
+            <a:r>
+              <a:rPr/>
+              <a:t>What variables map to each aesthetic?</a:t>
+            </a:r>
+          </a:p>
+          <a:p>
+            <a:pPr lvl="2"/>
+            <a:r>
+              <a:rPr/>
+              <a:t>What is the story that this graph is telling you?</a:t>
+            </a:r>
+          </a:p>
+          <a:p>
+            <a:pPr lvl="2"/>
+            <a:r>
+              <a:rPr/>
+              <a:t>Was there anything confusing?</a:t>
+            </a:r>
+          </a:p>
+          <a:p>
+            <a:pPr lvl="2"/>
+            <a:r>
+              <a:rPr/>
+              <a:t>Was there anything you might change?</a:t>
+            </a:r>
+          </a:p>
+        </p:txBody>
+      </p:sp>
+    </p:spTree>
+  </p:cSld>
+</p:sld>
+</file>
+
 <file path=ppt/slides/slide3.xml><?xml version="1.0" encoding="utf-8"?>
 <p:sld xmlns:a="http://schemas.openxmlformats.org/drawingml/2006/main" xmlns:r="http://schemas.openxmlformats.org/officeDocument/2006/relationships" xmlns:p="http://schemas.openxmlformats.org/presentationml/2006/main">
   <p:cSld>
@@ -4446,39 +12570,23 @@
             </a:pPr>
             <a:r>
               <a:rPr/>
-              <a:t>More</a:t>
-            </a:r>
-            <a:r>
-              <a:rPr/>
-              <a:t> </a:t>
-            </a:r>
-            <a:r>
-              <a:rPr/>
-              <a:t>theory</a:t>
-            </a:r>
-            <a:r>
-              <a:rPr/>
-              <a:t> </a:t>
-            </a:r>
-            <a:r>
-              <a:rPr/>
-              <a:t>–</a:t>
-            </a:r>
-            <a:r>
-              <a:rPr/>
-              <a:t> </a:t>
-            </a:r>
-            <a:r>
-              <a:rPr/>
-              <a:t>the</a:t>
-            </a:r>
-            <a:r>
-              <a:rPr/>
-              <a:t> </a:t>
-            </a:r>
-            <a:r>
-              <a:rPr/>
-              <a:t>psychology</a:t>
+              <a:t>Group</a:t>
+            </a:r>
+            <a:r>
+              <a:rPr/>
+              <a:t> </a:t>
+            </a:r>
+            <a:r>
+              <a:rPr/>
+              <a:t>exercise</a:t>
+            </a:r>
+            <a:r>
+              <a:rPr/>
+              <a:t> </a:t>
+            </a:r>
+            <a:r>
+              <a:rPr/>
+              <a:t>(1</a:t>
             </a:r>
             <a:r>
               <a:rPr/>
@@ -4494,7 +12602,123 @@
             </a:r>
             <a:r>
               <a:rPr/>
-              <a:t>perception</a:t>
+              <a:t>2)</a:t>
+            </a:r>
+          </a:p>
+        </p:txBody>
+      </p:sp>
+      <p:pic>
+        <p:nvPicPr>
+          <p:cNvPr descr="../images/02/texas-bar-chart.png" id="0" name="Picture 1"/>
+          <p:cNvPicPr>
+            <a:picLocks noGrp="1" noChangeAspect="1"/>
+          </p:cNvPicPr>
+          <p:nvPr/>
+        </p:nvPicPr>
+        <p:blipFill>
+          <a:blip r:embed="rId3"/>
+          <a:stretch>
+            <a:fillRect/>
+          </a:stretch>
+        </p:blipFill>
+        <p:spPr bwMode="auto">
+          <a:xfrm>
+            <a:off x="2298700" y="1600200"/>
+            <a:ext cx="4559300" cy="4013200"/>
+          </a:xfrm>
+          <a:prstGeom prst="rect">
+            <a:avLst/>
+          </a:prstGeom>
+          <a:noFill/>
+          <a:ln w="9525">
+            <a:noFill/>
+            <a:headEnd/>
+            <a:tailEnd/>
+          </a:ln>
+        </p:spPr>
+      </p:pic>
+      <p:sp>
+        <p:nvSpPr>
+          <p:cNvPr id="1" name="TextBox 3"/>
+          <p:cNvSpPr txBox="1"/>
+          <p:nvPr/>
+        </p:nvSpPr>
+        <p:spPr>
+          <a:xfrm>
+            <a:off x="457200" y="5613400"/>
+            <a:ext cx="8229600" cy="508000"/>
+          </a:xfrm>
+          <a:prstGeom prst="rect">
+            <a:avLst/>
+          </a:prstGeom>
+          <a:noFill/>
+        </p:spPr>
+        <p:txBody>
+          <a:bodyPr/>
+          <a:lstStyle/>
+          <a:p>
+            <a:pPr lvl="0" marL="0" indent="0" algn="ctr">
+              <a:buNone/>
+            </a:pPr>
+            <a:r>
+              <a:rPr/>
+              <a:t>Bar</a:t>
+            </a:r>
+            <a:r>
+              <a:rPr/>
+              <a:t> </a:t>
+            </a:r>
+            <a:r>
+              <a:rPr/>
+              <a:t>chart</a:t>
+            </a:r>
+            <a:r>
+              <a:rPr/>
+              <a:t> </a:t>
+            </a:r>
+            <a:r>
+              <a:rPr/>
+              <a:t>of</a:t>
+            </a:r>
+            <a:r>
+              <a:rPr/>
+              <a:t> </a:t>
+            </a:r>
+            <a:r>
+              <a:rPr/>
+              <a:t>demographics</a:t>
+            </a:r>
+            <a:r>
+              <a:rPr/>
+              <a:t> </a:t>
+            </a:r>
+            <a:r>
+              <a:rPr/>
+              <a:t>of</a:t>
+            </a:r>
+            <a:r>
+              <a:rPr/>
+              <a:t> </a:t>
+            </a:r>
+            <a:r>
+              <a:rPr/>
+              <a:t>selected</a:t>
+            </a:r>
+            <a:r>
+              <a:rPr/>
+              <a:t> </a:t>
+            </a:r>
+            <a:r>
+              <a:rPr/>
+              <a:t>Texas</a:t>
+            </a:r>
+            <a:r>
+              <a:rPr/>
+              <a:t> </a:t>
+            </a:r>
+            <a:r>
+              <a:rPr/>
+              <a:t>counties</a:t>
             </a:r>
           </a:p>
         </p:txBody>
@@ -4541,6 +12765,110 @@
             </a:pPr>
             <a:r>
               <a:rPr/>
+              <a:t>Group</a:t>
+            </a:r>
+            <a:r>
+              <a:rPr/>
+              <a:t> </a:t>
+            </a:r>
+            <a:r>
+              <a:rPr/>
+              <a:t>exercise</a:t>
+            </a:r>
+            <a:r>
+              <a:rPr/>
+              <a:t> </a:t>
+            </a:r>
+            <a:r>
+              <a:rPr/>
+              <a:t>(2</a:t>
+            </a:r>
+            <a:r>
+              <a:rPr/>
+              <a:t> </a:t>
+            </a:r>
+            <a:r>
+              <a:rPr/>
+              <a:t>of</a:t>
+            </a:r>
+            <a:r>
+              <a:rPr/>
+              <a:t> </a:t>
+            </a:r>
+            <a:r>
+              <a:rPr/>
+              <a:t>2)</a:t>
+            </a:r>
+          </a:p>
+        </p:txBody>
+      </p:sp>
+      <p:sp>
+        <p:nvSpPr>
+          <p:cNvPr id="3" name="Content Placeholder 2"/>
+          <p:cNvSpPr>
+            <a:spLocks noGrp="1"/>
+          </p:cNvSpPr>
+          <p:nvPr>
+            <p:ph idx="1"/>
+          </p:nvPr>
+        </p:nvSpPr>
+        <p:spPr/>
+        <p:txBody>
+          <a:bodyPr/>
+          <a:lstStyle/>
+          <a:p>
+            <a:pPr lvl="0" marL="0" indent="0">
+              <a:buNone/>
+            </a:pPr>
+            <a:r>
+              <a:rPr/>
+              <a:t>((Image is not yet available.))</a:t>
+            </a:r>
+          </a:p>
+        </p:txBody>
+      </p:sp>
+    </p:spTree>
+  </p:cSld>
+</p:sld>
+</file>
+
+<file path=ppt/slides/slide7.xml><?xml version="1.0" encoding="utf-8"?>
+<p:sld xmlns:a="http://schemas.openxmlformats.org/drawingml/2006/main" xmlns:r="http://schemas.openxmlformats.org/officeDocument/2006/relationships" xmlns:p="http://schemas.openxmlformats.org/presentationml/2006/main">
+  <p:cSld>
+    <p:spTree>
+      <p:nvGrpSpPr>
+        <p:cNvPr id="1" name=""/>
+        <p:cNvGrpSpPr/>
+        <p:nvPr/>
+      </p:nvGrpSpPr>
+      <p:grpSpPr>
+        <a:xfrm>
+          <a:off x="0" y="0"/>
+          <a:ext cx="0" cy="0"/>
+          <a:chOff x="0" y="0"/>
+          <a:chExt cx="0" cy="0"/>
+        </a:xfrm>
+      </p:grpSpPr>
+      <p:sp>
+        <p:nvSpPr>
+          <p:cNvPr id="2" name="Title 1"/>
+          <p:cNvSpPr>
+            <a:spLocks noGrp="1"/>
+          </p:cNvSpPr>
+          <p:nvPr>
+            <p:ph type="title"/>
+          </p:nvPr>
+        </p:nvSpPr>
+        <p:spPr/>
+        <p:txBody>
+          <a:bodyPr/>
+          <a:lstStyle/>
+          <a:p>
+            <a:pPr lvl="0" marL="0" indent="0">
+              <a:buNone/>
+            </a:pPr>
+            <a:r>
+              <a:rPr/>
               <a:t>A</a:t>
             </a:r>
             <a:r>
@@ -4580,7 +12908,7 @@
       </p:sp>
       <p:pic>
         <p:nvPicPr>
-          <p:cNvPr descr="../images/graph-perception.png" id="0" name="Picture 1"/>
+          <p:cNvPr descr="../images/02/graph-perception.png" id="0" name="Picture 1"/>
           <p:cNvPicPr>
             <a:picLocks noGrp="1" noChangeAspect="1"/>
           </p:cNvPicPr>
@@ -4715,91 +13043,6 @@
 </p:sld>
 </file>
 
-<file path=ppt/slides/slide7.xml><?xml version="1.0" encoding="utf-8"?>
-<p:sld xmlns:a="http://schemas.openxmlformats.org/drawingml/2006/main" xmlns:r="http://schemas.openxmlformats.org/officeDocument/2006/relationships" xmlns:p="http://schemas.openxmlformats.org/presentationml/2006/main">
-  <p:cSld>
-    <p:spTree>
-      <p:nvGrpSpPr>
-        <p:cNvPr id="1" name=""/>
-        <p:cNvGrpSpPr/>
-        <p:nvPr/>
-      </p:nvGrpSpPr>
-      <p:grpSpPr>
-        <a:xfrm>
-          <a:off x="0" y="0"/>
-          <a:ext cx="0" cy="0"/>
-          <a:chOff x="0" y="0"/>
-          <a:chExt cx="0" cy="0"/>
-        </a:xfrm>
-      </p:grpSpPr>
-      <p:sp>
-        <p:nvSpPr>
-          <p:cNvPr id="2" name="Title 1"/>
-          <p:cNvSpPr>
-            <a:spLocks noGrp="1"/>
-          </p:cNvSpPr>
-          <p:nvPr>
-            <p:ph type="title"/>
-          </p:nvPr>
-        </p:nvSpPr>
-        <p:spPr/>
-        <p:txBody>
-          <a:bodyPr/>
-          <a:lstStyle/>
-          <a:p>
-            <a:pPr lvl="0" marL="0" indent="0">
-              <a:buNone/>
-            </a:pPr>
-            <a:r>
-              <a:rPr/>
-              <a:t>Bar</a:t>
-            </a:r>
-            <a:r>
-              <a:rPr/>
-              <a:t> </a:t>
-            </a:r>
-            <a:r>
-              <a:rPr/>
-              <a:t>chart</a:t>
-            </a:r>
-          </a:p>
-        </p:txBody>
-      </p:sp>
-      <p:pic>
-        <p:nvPicPr>
-          <p:cNvPr descr="data-visualization-02-bars_files/figure-pptx/bar-chart-1.png" id="0" name="Picture 1"/>
-          <p:cNvPicPr>
-            <a:picLocks noGrp="1" noChangeAspect="1"/>
-          </p:cNvPicPr>
-          <p:nvPr/>
-        </p:nvPicPr>
-        <p:blipFill>
-          <a:blip r:embed="rId2"/>
-          <a:stretch>
-            <a:fillRect/>
-          </a:stretch>
-        </p:blipFill>
-        <p:spPr bwMode="auto">
-          <a:xfrm>
-            <a:off x="1752600" y="1600200"/>
-            <a:ext cx="5651500" cy="4521200"/>
-          </a:xfrm>
-          <a:prstGeom prst="rect">
-            <a:avLst/>
-          </a:prstGeom>
-          <a:noFill/>
-          <a:ln w="9525">
-            <a:noFill/>
-            <a:headEnd/>
-            <a:tailEnd/>
-          </a:ln>
-        </p:spPr>
-      </p:pic>
-    </p:spTree>
-  </p:cSld>
-</p:sld>
-</file>
-
 <file path=ppt/slides/slide8.xml><?xml version="1.0" encoding="utf-8"?>
 <p:sld xmlns:a="http://schemas.openxmlformats.org/drawingml/2006/main" xmlns:r="http://schemas.openxmlformats.org/officeDocument/2006/relationships" xmlns:p="http://schemas.openxmlformats.org/presentationml/2006/main">
   <p:cSld>
@@ -4837,22 +13080,54 @@
             </a:pPr>
             <a:r>
               <a:rPr/>
-              <a:t>Pie</a:t>
-            </a:r>
-            <a:r>
-              <a:rPr/>
-              <a:t> </a:t>
-            </a:r>
-            <a:r>
-              <a:rPr/>
-              <a:t>chart</a:t>
+              <a:t>Which</a:t>
+            </a:r>
+            <a:r>
+              <a:rPr/>
+              <a:t> </a:t>
+            </a:r>
+            <a:r>
+              <a:rPr/>
+              <a:t>is</a:t>
+            </a:r>
+            <a:r>
+              <a:rPr/>
+              <a:t> </a:t>
+            </a:r>
+            <a:r>
+              <a:rPr/>
+              <a:t>better?</a:t>
+            </a:r>
+            <a:r>
+              <a:rPr/>
+              <a:t> </a:t>
+            </a:r>
+            <a:r>
+              <a:rPr/>
+              <a:t>A</a:t>
+            </a:r>
+            <a:r>
+              <a:rPr/>
+              <a:t> </a:t>
+            </a:r>
+            <a:r>
+              <a:rPr/>
+              <a:t>bar</a:t>
+            </a:r>
+            <a:r>
+              <a:rPr/>
+              <a:t> </a:t>
+            </a:r>
+            <a:r>
+              <a:rPr/>
+              <a:t>chart…</a:t>
             </a:r>
           </a:p>
         </p:txBody>
       </p:sp>
       <p:pic>
         <p:nvPicPr>
-          <p:cNvPr descr="data-visualization-02-bars_files/figure-pptx/pie-chart-1.png" id="0" name="Picture 1"/>
+          <p:cNvPr descr="data-visualization-02-bars_files/figure-pptx/bar-chart-1.png" id="0" name="Picture 1"/>
           <p:cNvPicPr>
             <a:picLocks noGrp="1" noChangeAspect="1"/>
           </p:cNvPicPr>
@@ -4922,27 +13197,73 @@
             </a:pPr>
             <a:r>
               <a:rPr/>
-              <a:t>Aesthetics</a:t>
-            </a:r>
-            <a:r>
-              <a:rPr/>
-              <a:t> </a:t>
-            </a:r>
-            <a:r>
-              <a:rPr/>
-              <a:t>for</a:t>
-            </a:r>
-            <a:r>
-              <a:rPr/>
-              <a:t> </a:t>
-            </a:r>
-            <a:r>
-              <a:rPr/>
-              <a:t>bars</a:t>
+              <a:t>…</a:t>
+            </a:r>
+            <a:r>
+              <a:rPr/>
+              <a:t> </a:t>
+            </a:r>
+            <a:r>
+              <a:rPr/>
+              <a:t>or</a:t>
+            </a:r>
+            <a:r>
+              <a:rPr/>
+              <a:t> </a:t>
+            </a:r>
+            <a:r>
+              <a:rPr/>
+              <a:t>a</a:t>
+            </a:r>
+            <a:r>
+              <a:rPr/>
+              <a:t> </a:t>
+            </a:r>
+            <a:r>
+              <a:rPr/>
+              <a:t>pie</a:t>
+            </a:r>
+            <a:r>
+              <a:rPr/>
+              <a:t> </a:t>
+            </a:r>
+            <a:r>
+              <a:rPr/>
+              <a:t>chart</a:t>
             </a:r>
           </a:p>
         </p:txBody>
       </p:sp>
+      <p:pic>
+        <p:nvPicPr>
+          <p:cNvPr descr="data-visualization-02-bars_files/figure-pptx/pie-chart-1.png" id="0" name="Picture 1"/>
+          <p:cNvPicPr>
+            <a:picLocks noGrp="1" noChangeAspect="1"/>
+          </p:cNvPicPr>
+          <p:nvPr/>
+        </p:nvPicPr>
+        <p:blipFill>
+          <a:blip r:embed="rId2"/>
+          <a:stretch>
+            <a:fillRect/>
+          </a:stretch>
+        </p:blipFill>
+        <p:spPr bwMode="auto">
+          <a:xfrm>
+            <a:off x="1752600" y="1600200"/>
+            <a:ext cx="5651500" cy="4521200"/>
+          </a:xfrm>
+          <a:prstGeom prst="rect">
+            <a:avLst/>
+          </a:prstGeom>
+          <a:noFill/>
+          <a:ln w="9525">
+            <a:noFill/>
+            <a:headEnd/>
+            <a:tailEnd/>
+          </a:ln>
+        </p:spPr>
+      </p:pic>
     </p:spTree>
   </p:cSld>
 </p:sld>

--- a/src/data-visualization-02-bars.pptx
+++ b/src/data-visualization-02-bars.pptx
@@ -5,7 +5,7 @@
     <p:sldMasterId id="2147483648" r:id="rId1"/>
   </p:sldMasterIdLst>
   <p:notesMasterIdLst>
-    <p:NotesMasterId r:id="rId25"/>
+    <p:NotesMasterId r:id="rId31"/>
   </p:notesMasterIdLst>
   <p:sldIdLst>
     <p:sldId id="256" r:id="rId2"/>
@@ -31,6 +31,12 @@
     <p:sldId id="276" r:id="rId22"/>
     <p:sldId id="277" r:id="rId23"/>
     <p:sldId id="278" r:id="rId24"/>
+    <p:sldId id="279" r:id="rId25"/>
+    <p:sldId id="280" r:id="rId26"/>
+    <p:sldId id="281" r:id="rId27"/>
+    <p:sldId id="282" r:id="rId28"/>
+    <p:sldId id="283" r:id="rId29"/>
+    <p:sldId id="284" r:id="rId30"/>
   </p:sldIdLst>
   <p:sldSz cx="9144000" cy="6858000" type="screen4x3"/>
   <p:notesSz cx="6858000" cy="9144000"/>
@@ -1213,7 +1219,7 @@
           <a:p>
             <a:fld id="{18BDFEC3-8487-43E8-A154-7C12CBC1FFF2}" type="slidenum">
               <a:rPr lang="en-US"/>
-              <a:t>5</a:t>
+              <a:t>6</a:t>
             </a:fld>
             <a:endParaRPr lang="en-US"/>
           </a:p>
@@ -1621,7 +1627,7 @@
           <a:p>
             <a:fld id="{18BDFEC3-8487-43E8-A154-7C12CBC1FFF2}" type="slidenum">
               <a:rPr lang="en-US"/>
-              <a:t>19</a:t>
+              <a:t>20</a:t>
             </a:fld>
             <a:endParaRPr lang="en-US"/>
           </a:p>
@@ -2359,7 +2365,7 @@
           <a:p>
             <a:fld id="{18BDFEC3-8487-43E8-A154-7C12CBC1FFF2}" type="slidenum">
               <a:rPr lang="en-US"/>
-              <a:t>20</a:t>
+              <a:t>21</a:t>
             </a:fld>
             <a:endParaRPr lang="en-US"/>
           </a:p>
@@ -2633,7 +2639,7 @@
           <a:p>
             <a:fld id="{18BDFEC3-8487-43E8-A154-7C12CBC1FFF2}" type="slidenum">
               <a:rPr lang="en-US"/>
-              <a:t>7</a:t>
+              <a:t>8</a:t>
             </a:fld>
             <a:endParaRPr lang="en-US"/>
           </a:p>
@@ -3601,7 +3607,7 @@
           <a:p>
             <a:fld id="{18BDFEC3-8487-43E8-A154-7C12CBC1FFF2}" type="slidenum">
               <a:rPr lang="en-US"/>
-              <a:t>10</a:t>
+              <a:t>11</a:t>
             </a:fld>
             <a:endParaRPr lang="en-US"/>
           </a:p>
@@ -3963,7 +3969,7 @@
           <a:p>
             <a:fld id="{18BDFEC3-8487-43E8-A154-7C12CBC1FFF2}" type="slidenum">
               <a:rPr lang="en-US"/>
-              <a:t>12</a:t>
+              <a:t>13</a:t>
             </a:fld>
             <a:endParaRPr lang="en-US"/>
           </a:p>
@@ -4341,7 +4347,7 @@
           <a:p>
             <a:fld id="{18BDFEC3-8487-43E8-A154-7C12CBC1FFF2}" type="slidenum">
               <a:rPr lang="en-US"/>
-              <a:t>13</a:t>
+              <a:t>14</a:t>
             </a:fld>
             <a:endParaRPr lang="en-US"/>
           </a:p>
@@ -5905,7 +5911,7 @@
           <a:p>
             <a:fld id="{18BDFEC3-8487-43E8-A154-7C12CBC1FFF2}" type="slidenum">
               <a:rPr lang="en-US"/>
-              <a:t>15</a:t>
+              <a:t>16</a:t>
             </a:fld>
             <a:endParaRPr lang="en-US"/>
           </a:p>
@@ -6331,7 +6337,7 @@
           <a:p>
             <a:fld id="{18BDFEC3-8487-43E8-A154-7C12CBC1FFF2}" type="slidenum">
               <a:rPr lang="en-US"/>
-              <a:t>16</a:t>
+              <a:t>17</a:t>
             </a:fld>
             <a:endParaRPr lang="en-US"/>
           </a:p>
@@ -6677,7 +6683,7 @@
           <a:p>
             <a:fld id="{18BDFEC3-8487-43E8-A154-7C12CBC1FFF2}" type="slidenum">
               <a:rPr lang="en-US"/>
-              <a:t>17</a:t>
+              <a:t>18</a:t>
             </a:fld>
             <a:endParaRPr lang="en-US"/>
           </a:p>
@@ -6911,7 +6917,7 @@
           <a:p>
             <a:fld id="{18BDFEC3-8487-43E8-A154-7C12CBC1FFF2}" type="slidenum">
               <a:rPr lang="en-US"/>
-              <a:t>18</a:t>
+              <a:t>19</a:t>
             </a:fld>
             <a:endParaRPr lang="en-US"/>
           </a:p>
@@ -10087,3047 +10093,46 @@
             </a:pPr>
             <a:r>
               <a:rPr/>
-              <a:t>Answer.</a:t>
-            </a:r>
-            <a:r>
-              <a:rPr/>
-              <a:t> </a:t>
-            </a:r>
-            <a:r>
-              <a:rPr/>
-              <a:t>It</a:t>
-            </a:r>
-            <a:r>
-              <a:rPr/>
-              <a:t> </a:t>
-            </a:r>
-            <a:r>
-              <a:rPr/>
-              <a:t>depends.</a:t>
-            </a:r>
-          </a:p>
-        </p:txBody>
-      </p:sp>
-      <p:sp>
-        <p:nvSpPr>
-          <p:cNvPr id="3" name="Content Placeholder 2"/>
-          <p:cNvSpPr>
-            <a:spLocks noGrp="1"/>
-          </p:cNvSpPr>
-          <p:nvPr>
-            <p:ph idx="1"/>
-          </p:nvPr>
-        </p:nvSpPr>
-        <p:spPr/>
-        <p:txBody>
-          <a:bodyPr/>
-          <a:lstStyle/>
-          <a:p>
-            <a:pPr lvl="1"/>
-            <a:r>
-              <a:rPr/>
-              <a:t>What question are you trying to answer?</a:t>
-            </a:r>
-          </a:p>
-          <a:p>
-            <a:pPr lvl="2"/>
-            <a:r>
-              <a:rPr/>
-              <a:t>What proportion of the patients are single?</a:t>
-            </a:r>
-          </a:p>
-          <a:p>
-            <a:pPr lvl="2"/>
-            <a:r>
-              <a:rPr/>
-              <a:t>Are there more single or divorced patients?</a:t>
-            </a:r>
-          </a:p>
-        </p:txBody>
-      </p:sp>
-    </p:spTree>
-  </p:cSld>
-</p:sld>
-</file>
-
-<file path=ppt/slides/slide11.xml><?xml version="1.0" encoding="utf-8"?>
-<p:sld xmlns:a="http://schemas.openxmlformats.org/drawingml/2006/main" xmlns:r="http://schemas.openxmlformats.org/officeDocument/2006/relationships" xmlns:p="http://schemas.openxmlformats.org/presentationml/2006/main">
-  <p:cSld>
-    <p:spTree>
-      <p:nvGrpSpPr>
-        <p:cNvPr id="1" name=""/>
-        <p:cNvGrpSpPr/>
-        <p:nvPr/>
-      </p:nvGrpSpPr>
-      <p:grpSpPr>
-        <a:xfrm>
-          <a:off x="0" y="0"/>
-          <a:ext cx="0" cy="0"/>
-          <a:chOff x="0" y="0"/>
-          <a:chExt cx="0" cy="0"/>
-        </a:xfrm>
-      </p:grpSpPr>
-      <p:sp>
-        <p:nvSpPr>
-          <p:cNvPr id="2" name="Title 1"/>
-          <p:cNvSpPr>
-            <a:spLocks noGrp="1"/>
-          </p:cNvSpPr>
-          <p:nvPr>
-            <p:ph type="title"/>
-          </p:nvPr>
-        </p:nvSpPr>
-        <p:spPr/>
-        <p:txBody>
-          <a:bodyPr/>
-          <a:lstStyle/>
-          <a:p>
-            <a:pPr lvl="0" marL="0" indent="0">
-              <a:buNone/>
-            </a:pPr>
-            <a:r>
-              <a:rPr/>
-              <a:t>Visual</a:t>
-            </a:r>
-            <a:r>
-              <a:rPr/>
-              <a:t> </a:t>
-            </a:r>
-            <a:r>
-              <a:rPr/>
-              <a:t>processing</a:t>
-            </a:r>
-            <a:r>
-              <a:rPr/>
-              <a:t> </a:t>
-            </a:r>
-            <a:r>
-              <a:rPr/>
-              <a:t>(1</a:t>
-            </a:r>
-            <a:r>
-              <a:rPr/>
-              <a:t> </a:t>
-            </a:r>
-            <a:r>
-              <a:rPr/>
-              <a:t>of</a:t>
-            </a:r>
-            <a:r>
-              <a:rPr/>
-              <a:t> </a:t>
-            </a:r>
-            <a:r>
-              <a:rPr/>
-              <a:t>3)</a:t>
-            </a:r>
-          </a:p>
-        </p:txBody>
-      </p:sp>
-      <p:sp>
-        <p:nvSpPr>
-          <p:cNvPr id="3" name="Content Placeholder 2"/>
-          <p:cNvSpPr>
-            <a:spLocks noGrp="1"/>
-          </p:cNvSpPr>
-          <p:nvPr>
-            <p:ph idx="1"/>
-          </p:nvPr>
-        </p:nvSpPr>
-        <p:spPr/>
-        <p:txBody>
-          <a:bodyPr/>
-          <a:lstStyle/>
-          <a:p>
-            <a:pPr lvl="1"/>
-            <a:r>
-              <a:rPr/>
-              <a:t>Projection</a:t>
-            </a:r>
-          </a:p>
-          <a:p>
-            <a:pPr lvl="2"/>
-            <a:r>
-              <a:rPr/>
-              <a:t>Shifting an object in a horizontal or vertical direction to make a comparison</a:t>
-            </a:r>
-          </a:p>
-          <a:p>
-            <a:pPr lvl="1"/>
-            <a:r>
-              <a:rPr/>
-              <a:t>Superimposition</a:t>
-            </a:r>
-          </a:p>
-          <a:p>
-            <a:pPr lvl="2"/>
-            <a:r>
-              <a:rPr/>
-              <a:t>Shifting in other directions (e.g., diagonal shifts, rotation) in order to make a comparison</a:t>
-            </a:r>
-          </a:p>
-          <a:p>
-            <a:pPr lvl="2"/>
-            <a:r>
-              <a:rPr/>
-              <a:t>Much harder than projection</a:t>
-            </a:r>
-          </a:p>
-        </p:txBody>
-      </p:sp>
-    </p:spTree>
-  </p:cSld>
-</p:sld>
-</file>
-
-<file path=ppt/slides/slide12.xml><?xml version="1.0" encoding="utf-8"?>
-<p:sld xmlns:a="http://schemas.openxmlformats.org/drawingml/2006/main" xmlns:r="http://schemas.openxmlformats.org/officeDocument/2006/relationships" xmlns:p="http://schemas.openxmlformats.org/presentationml/2006/main">
-  <p:cSld>
-    <p:spTree>
-      <p:nvGrpSpPr>
-        <p:cNvPr id="1" name=""/>
-        <p:cNvGrpSpPr/>
-        <p:nvPr/>
-      </p:nvGrpSpPr>
-      <p:grpSpPr>
-        <a:xfrm>
-          <a:off x="0" y="0"/>
-          <a:ext cx="0" cy="0"/>
-          <a:chOff x="0" y="0"/>
-          <a:chExt cx="0" cy="0"/>
-        </a:xfrm>
-      </p:grpSpPr>
-      <p:sp>
-        <p:nvSpPr>
-          <p:cNvPr id="2" name="Title 1"/>
-          <p:cNvSpPr>
-            <a:spLocks noGrp="1"/>
-          </p:cNvSpPr>
-          <p:nvPr>
-            <p:ph type="title"/>
-          </p:nvPr>
-        </p:nvSpPr>
-        <p:spPr/>
-        <p:txBody>
-          <a:bodyPr/>
-          <a:lstStyle/>
-          <a:p>
-            <a:pPr lvl="0" marL="0" indent="0">
-              <a:buNone/>
-            </a:pPr>
-            <a:r>
-              <a:rPr/>
-              <a:t>Projection</a:t>
-            </a:r>
-            <a:r>
-              <a:rPr/>
-              <a:t> </a:t>
-            </a:r>
-            <a:r>
-              <a:rPr/>
-              <a:t>(first</a:t>
-            </a:r>
-            <a:r>
-              <a:rPr/>
-              <a:t> </a:t>
-            </a:r>
-            <a:r>
-              <a:rPr/>
-              <a:t>yellow</a:t>
-            </a:r>
-            <a:r>
-              <a:rPr/>
-              <a:t> </a:t>
-            </a:r>
-            <a:r>
-              <a:rPr/>
-              <a:t>bar</a:t>
-            </a:r>
-            <a:r>
-              <a:rPr/>
-              <a:t> </a:t>
-            </a:r>
-            <a:r>
-              <a:rPr/>
-              <a:t>versus</a:t>
-            </a:r>
-            <a:r>
-              <a:rPr/>
-              <a:t> </a:t>
-            </a:r>
-            <a:r>
-              <a:rPr/>
-              <a:t>last</a:t>
-            </a:r>
-            <a:r>
-              <a:rPr/>
-              <a:t> </a:t>
-            </a:r>
-            <a:r>
-              <a:rPr/>
-              <a:t>yellow</a:t>
-            </a:r>
-            <a:r>
-              <a:rPr/>
-              <a:t> </a:t>
-            </a:r>
-            <a:r>
-              <a:rPr/>
-              <a:t>bar)</a:t>
+              <a:t>…</a:t>
+            </a:r>
+            <a:r>
+              <a:rPr/>
+              <a:t> </a:t>
+            </a:r>
+            <a:r>
+              <a:rPr/>
+              <a:t>or</a:t>
+            </a:r>
+            <a:r>
+              <a:rPr/>
+              <a:t> </a:t>
+            </a:r>
+            <a:r>
+              <a:rPr/>
+              <a:t>a</a:t>
+            </a:r>
+            <a:r>
+              <a:rPr/>
+              <a:t> </a:t>
+            </a:r>
+            <a:r>
+              <a:rPr/>
+              <a:t>pie</a:t>
+            </a:r>
+            <a:r>
+              <a:rPr/>
+              <a:t> </a:t>
+            </a:r>
+            <a:r>
+              <a:rPr/>
+              <a:t>chart</a:t>
             </a:r>
           </a:p>
         </p:txBody>
       </p:sp>
       <p:pic>
         <p:nvPicPr>
-          <p:cNvPr descr="../images/02/crop-yield-bar-chart-position.png" id="0" name="Picture 1"/>
-          <p:cNvPicPr>
-            <a:picLocks noGrp="1" noChangeAspect="1"/>
-          </p:cNvPicPr>
-          <p:nvPr/>
-        </p:nvPicPr>
-        <p:blipFill>
-          <a:blip r:embed="rId3"/>
-          <a:stretch>
-            <a:fillRect/>
-          </a:stretch>
-        </p:blipFill>
-        <p:spPr bwMode="auto">
-          <a:xfrm>
-            <a:off x="1625600" y="1600200"/>
-            <a:ext cx="5892800" cy="4013200"/>
-          </a:xfrm>
-          <a:prstGeom prst="rect">
-            <a:avLst/>
-          </a:prstGeom>
-          <a:noFill/>
-          <a:ln w="9525">
-            <a:noFill/>
-            <a:headEnd/>
-            <a:tailEnd/>
-          </a:ln>
-        </p:spPr>
-      </p:pic>
-      <p:sp>
-        <p:nvSpPr>
-          <p:cNvPr id="1" name="TextBox 3"/>
-          <p:cNvSpPr txBox="1"/>
-          <p:nvPr/>
-        </p:nvSpPr>
-        <p:spPr>
-          <a:xfrm>
-            <a:off x="457200" y="5613400"/>
-            <a:ext cx="8229600" cy="508000"/>
-          </a:xfrm>
-          <a:prstGeom prst="rect">
-            <a:avLst/>
-          </a:prstGeom>
-          <a:noFill/>
-        </p:spPr>
-        <p:txBody>
-          <a:bodyPr/>
-          <a:lstStyle/>
-          <a:p>
-            <a:pPr lvl="0" marL="0" indent="0" algn="ctr">
-              <a:buNone/>
-            </a:pPr>
-            <a:r>
-              <a:rPr/>
-              <a:t>Stacked</a:t>
-            </a:r>
-            <a:r>
-              <a:rPr/>
-              <a:t> </a:t>
-            </a:r>
-            <a:r>
-              <a:rPr/>
-              <a:t>bar</a:t>
-            </a:r>
-            <a:r>
-              <a:rPr/>
-              <a:t> </a:t>
-            </a:r>
-            <a:r>
-              <a:rPr/>
-              <a:t>chart</a:t>
-            </a:r>
-            <a:r>
-              <a:rPr/>
-              <a:t> </a:t>
-            </a:r>
-            <a:r>
-              <a:rPr/>
-              <a:t>of</a:t>
-            </a:r>
-            <a:r>
-              <a:rPr/>
-              <a:t> </a:t>
-            </a:r>
-            <a:r>
-              <a:rPr/>
-              <a:t>crop</a:t>
-            </a:r>
-            <a:r>
-              <a:rPr/>
-              <a:t> </a:t>
-            </a:r>
-            <a:r>
-              <a:rPr/>
-              <a:t>yields</a:t>
-            </a:r>
-          </a:p>
-        </p:txBody>
-      </p:sp>
-    </p:spTree>
-  </p:cSld>
-</p:sld>
-</file>
-
-<file path=ppt/slides/slide13.xml><?xml version="1.0" encoding="utf-8"?>
-<p:sld xmlns:a="http://schemas.openxmlformats.org/drawingml/2006/main" xmlns:r="http://schemas.openxmlformats.org/officeDocument/2006/relationships" xmlns:p="http://schemas.openxmlformats.org/presentationml/2006/main">
-  <p:cSld>
-    <p:spTree>
-      <p:nvGrpSpPr>
-        <p:cNvPr id="1" name=""/>
-        <p:cNvGrpSpPr/>
-        <p:nvPr/>
-      </p:nvGrpSpPr>
-      <p:grpSpPr>
-        <a:xfrm>
-          <a:off x="0" y="0"/>
-          <a:ext cx="0" cy="0"/>
-          <a:chOff x="0" y="0"/>
-          <a:chExt cx="0" cy="0"/>
-        </a:xfrm>
-      </p:grpSpPr>
-      <p:sp>
-        <p:nvSpPr>
-          <p:cNvPr id="2" name="Title 1"/>
-          <p:cNvSpPr>
-            <a:spLocks noGrp="1"/>
-          </p:cNvSpPr>
-          <p:nvPr>
-            <p:ph type="title"/>
-          </p:nvPr>
-        </p:nvSpPr>
-        <p:spPr/>
-        <p:txBody>
-          <a:bodyPr/>
-          <a:lstStyle/>
-          <a:p>
-            <a:pPr lvl="0" marL="0" indent="0">
-              <a:buNone/>
-            </a:pPr>
-            <a:r>
-              <a:rPr/>
-              <a:t>Superimposition</a:t>
-            </a:r>
-            <a:r>
-              <a:rPr/>
-              <a:t> </a:t>
-            </a:r>
-            <a:r>
-              <a:rPr/>
-              <a:t>(first</a:t>
-            </a:r>
-            <a:r>
-              <a:rPr/>
-              <a:t> </a:t>
-            </a:r>
-            <a:r>
-              <a:rPr/>
-              <a:t>green</a:t>
-            </a:r>
-            <a:r>
-              <a:rPr/>
-              <a:t> </a:t>
-            </a:r>
-            <a:r>
-              <a:rPr/>
-              <a:t>bar</a:t>
-            </a:r>
-            <a:r>
-              <a:rPr/>
-              <a:t> </a:t>
-            </a:r>
-            <a:r>
-              <a:rPr/>
-              <a:t>versus</a:t>
-            </a:r>
-            <a:r>
-              <a:rPr/>
-              <a:t> </a:t>
-            </a:r>
-            <a:r>
-              <a:rPr/>
-              <a:t>last</a:t>
-            </a:r>
-            <a:r>
-              <a:rPr/>
-              <a:t> </a:t>
-            </a:r>
-            <a:r>
-              <a:rPr/>
-              <a:t>blue</a:t>
-            </a:r>
-            <a:r>
-              <a:rPr/>
-              <a:t> </a:t>
-            </a:r>
-            <a:r>
-              <a:rPr/>
-              <a:t>bar)</a:t>
-            </a:r>
-          </a:p>
-        </p:txBody>
-      </p:sp>
-      <p:pic>
-        <p:nvPicPr>
-          <p:cNvPr descr="../images/02/crop-yield-bar-chart-length.png" id="0" name="Picture 1"/>
-          <p:cNvPicPr>
-            <a:picLocks noGrp="1" noChangeAspect="1"/>
-          </p:cNvPicPr>
-          <p:nvPr/>
-        </p:nvPicPr>
-        <p:blipFill>
-          <a:blip r:embed="rId3"/>
-          <a:stretch>
-            <a:fillRect/>
-          </a:stretch>
-        </p:blipFill>
-        <p:spPr bwMode="auto">
-          <a:xfrm>
-            <a:off x="1625600" y="1600200"/>
-            <a:ext cx="5892800" cy="4013200"/>
-          </a:xfrm>
-          <a:prstGeom prst="rect">
-            <a:avLst/>
-          </a:prstGeom>
-          <a:noFill/>
-          <a:ln w="9525">
-            <a:noFill/>
-            <a:headEnd/>
-            <a:tailEnd/>
-          </a:ln>
-        </p:spPr>
-      </p:pic>
-      <p:sp>
-        <p:nvSpPr>
-          <p:cNvPr id="1" name="TextBox 3"/>
-          <p:cNvSpPr txBox="1"/>
-          <p:nvPr/>
-        </p:nvSpPr>
-        <p:spPr>
-          <a:xfrm>
-            <a:off x="457200" y="5613400"/>
-            <a:ext cx="8229600" cy="508000"/>
-          </a:xfrm>
-          <a:prstGeom prst="rect">
-            <a:avLst/>
-          </a:prstGeom>
-          <a:noFill/>
-        </p:spPr>
-        <p:txBody>
-          <a:bodyPr/>
-          <a:lstStyle/>
-          <a:p>
-            <a:pPr lvl="0" marL="0" indent="0" algn="ctr">
-              <a:buNone/>
-            </a:pPr>
-            <a:r>
-              <a:rPr/>
-              <a:t>Stacked</a:t>
-            </a:r>
-            <a:r>
-              <a:rPr/>
-              <a:t> </a:t>
-            </a:r>
-            <a:r>
-              <a:rPr/>
-              <a:t>bar</a:t>
-            </a:r>
-            <a:r>
-              <a:rPr/>
-              <a:t> </a:t>
-            </a:r>
-            <a:r>
-              <a:rPr/>
-              <a:t>chart</a:t>
-            </a:r>
-            <a:r>
-              <a:rPr/>
-              <a:t> </a:t>
-            </a:r>
-            <a:r>
-              <a:rPr/>
-              <a:t>of</a:t>
-            </a:r>
-            <a:r>
-              <a:rPr/>
-              <a:t> </a:t>
-            </a:r>
-            <a:r>
-              <a:rPr/>
-              <a:t>crop</a:t>
-            </a:r>
-            <a:r>
-              <a:rPr/>
-              <a:t> </a:t>
-            </a:r>
-            <a:r>
-              <a:rPr/>
-              <a:t>yields</a:t>
-            </a:r>
-          </a:p>
-        </p:txBody>
-      </p:sp>
-    </p:spTree>
-  </p:cSld>
-</p:sld>
-</file>
-
-<file path=ppt/slides/slide14.xml><?xml version="1.0" encoding="utf-8"?>
-<p:sld xmlns:a="http://schemas.openxmlformats.org/drawingml/2006/main" xmlns:r="http://schemas.openxmlformats.org/officeDocument/2006/relationships" xmlns:p="http://schemas.openxmlformats.org/presentationml/2006/main">
-  <p:cSld>
-    <p:spTree>
-      <p:nvGrpSpPr>
-        <p:cNvPr id="1" name=""/>
-        <p:cNvGrpSpPr/>
-        <p:nvPr/>
-      </p:nvGrpSpPr>
-      <p:grpSpPr>
-        <a:xfrm>
-          <a:off x="0" y="0"/>
-          <a:ext cx="0" cy="0"/>
-          <a:chOff x="0" y="0"/>
-          <a:chExt cx="0" cy="0"/>
-        </a:xfrm>
-      </p:grpSpPr>
-      <p:sp>
-        <p:nvSpPr>
-          <p:cNvPr id="2" name="Title 1"/>
-          <p:cNvSpPr>
-            <a:spLocks noGrp="1"/>
-          </p:cNvSpPr>
-          <p:nvPr>
-            <p:ph type="title"/>
-          </p:nvPr>
-        </p:nvSpPr>
-        <p:spPr/>
-        <p:txBody>
-          <a:bodyPr/>
-          <a:lstStyle/>
-          <a:p>
-            <a:pPr lvl="0" marL="0" indent="0">
-              <a:buNone/>
-            </a:pPr>
-            <a:r>
-              <a:rPr/>
-              <a:t>Visual</a:t>
-            </a:r>
-            <a:r>
-              <a:rPr/>
-              <a:t> </a:t>
-            </a:r>
-            <a:r>
-              <a:rPr/>
-              <a:t>processing</a:t>
-            </a:r>
-            <a:r>
-              <a:rPr/>
-              <a:t> </a:t>
-            </a:r>
-            <a:r>
-              <a:rPr/>
-              <a:t>(2</a:t>
-            </a:r>
-            <a:r>
-              <a:rPr/>
-              <a:t> </a:t>
-            </a:r>
-            <a:r>
-              <a:rPr/>
-              <a:t>of</a:t>
-            </a:r>
-            <a:r>
-              <a:rPr/>
-              <a:t> </a:t>
-            </a:r>
-            <a:r>
-              <a:rPr/>
-              <a:t>3)</a:t>
-            </a:r>
-          </a:p>
-        </p:txBody>
-      </p:sp>
-      <p:sp>
-        <p:nvSpPr>
-          <p:cNvPr id="3" name="Content Placeholder 2"/>
-          <p:cNvSpPr>
-            <a:spLocks noGrp="1"/>
-          </p:cNvSpPr>
-          <p:nvPr>
-            <p:ph idx="1"/>
-          </p:nvPr>
-        </p:nvSpPr>
-        <p:spPr/>
-        <p:txBody>
-          <a:bodyPr/>
-          <a:lstStyle/>
-          <a:p>
-            <a:pPr lvl="1"/>
-            <a:r>
-              <a:rPr/>
-              <a:t>Scanning</a:t>
-            </a:r>
-          </a:p>
-          <a:p>
-            <a:pPr lvl="2"/>
-            <a:r>
-              <a:rPr/>
-              <a:t>Quantifying distance throug the use of a mental tape measure</a:t>
-            </a:r>
-          </a:p>
-          <a:p>
-            <a:pPr lvl="2"/>
-            <a:r>
-              <a:rPr/>
-              <a:t>Shorter distances are easier</a:t>
-            </a:r>
-          </a:p>
-          <a:p>
-            <a:pPr lvl="1"/>
-            <a:r>
-              <a:rPr/>
-              <a:t>Anchoring</a:t>
-            </a:r>
-          </a:p>
-          <a:p>
-            <a:pPr lvl="2"/>
-            <a:r>
-              <a:rPr/>
-              <a:t>Implicit or explicit development of reference points</a:t>
-            </a:r>
-          </a:p>
-          <a:p>
-            <a:pPr lvl="2"/>
-            <a:r>
-              <a:rPr/>
-              <a:t>Assists with scanning</a:t>
-            </a:r>
-          </a:p>
-        </p:txBody>
-      </p:sp>
-    </p:spTree>
-  </p:cSld>
-</p:sld>
-</file>
-
-<file path=ppt/slides/slide15.xml><?xml version="1.0" encoding="utf-8"?>
-<p:sld xmlns:a="http://schemas.openxmlformats.org/drawingml/2006/main" xmlns:r="http://schemas.openxmlformats.org/officeDocument/2006/relationships" xmlns:p="http://schemas.openxmlformats.org/presentationml/2006/main">
-  <p:cSld>
-    <p:spTree>
-      <p:nvGrpSpPr>
-        <p:cNvPr id="1" name=""/>
-        <p:cNvGrpSpPr/>
-        <p:nvPr/>
-      </p:nvGrpSpPr>
-      <p:grpSpPr>
-        <a:xfrm>
-          <a:off x="0" y="0"/>
-          <a:ext cx="0" cy="0"/>
-          <a:chOff x="0" y="0"/>
-          <a:chExt cx="0" cy="0"/>
-        </a:xfrm>
-      </p:grpSpPr>
-      <p:sp>
-        <p:nvSpPr>
-          <p:cNvPr id="2" name="Title 1"/>
-          <p:cNvSpPr>
-            <a:spLocks noGrp="1"/>
-          </p:cNvSpPr>
-          <p:nvPr>
-            <p:ph type="title"/>
-          </p:nvPr>
-        </p:nvSpPr>
-        <p:spPr/>
-        <p:txBody>
-          <a:bodyPr/>
-          <a:lstStyle/>
-          <a:p>
-            <a:pPr lvl="0" marL="0" indent="0">
-              <a:buNone/>
-            </a:pPr>
-            <a:r>
-              <a:rPr/>
-              <a:t>Scanning</a:t>
-            </a:r>
-          </a:p>
-        </p:txBody>
-      </p:sp>
-      <p:pic>
-        <p:nvPicPr>
-          <p:cNvPr descr="../images/02/simon_fuel_gauge1.png" id="0" name="Picture 1"/>
-          <p:cNvPicPr>
-            <a:picLocks noGrp="1" noChangeAspect="1"/>
-          </p:cNvPicPr>
-          <p:nvPr/>
-        </p:nvPicPr>
-        <p:blipFill>
-          <a:blip r:embed="rId3"/>
-          <a:stretch>
-            <a:fillRect/>
-          </a:stretch>
-        </p:blipFill>
-        <p:spPr bwMode="auto">
-          <a:xfrm>
-            <a:off x="3568700" y="1600200"/>
-            <a:ext cx="2006600" cy="4013200"/>
-          </a:xfrm>
-          <a:prstGeom prst="rect">
-            <a:avLst/>
-          </a:prstGeom>
-          <a:noFill/>
-          <a:ln w="9525">
-            <a:noFill/>
-            <a:headEnd/>
-            <a:tailEnd/>
-          </a:ln>
-        </p:spPr>
-      </p:pic>
-      <p:sp>
-        <p:nvSpPr>
-          <p:cNvPr id="1" name="TextBox 3"/>
-          <p:cNvSpPr txBox="1"/>
-          <p:nvPr/>
-        </p:nvSpPr>
-        <p:spPr>
-          <a:xfrm>
-            <a:off x="457200" y="5613400"/>
-            <a:ext cx="8229600" cy="508000"/>
-          </a:xfrm>
-          <a:prstGeom prst="rect">
-            <a:avLst/>
-          </a:prstGeom>
-          <a:noFill/>
-        </p:spPr>
-        <p:txBody>
-          <a:bodyPr/>
-          <a:lstStyle/>
-          <a:p>
-            <a:pPr lvl="0" marL="0" indent="0" algn="ctr">
-              <a:buNone/>
-            </a:pPr>
-            <a:r>
-              <a:rPr/>
-              <a:t>Image</a:t>
-            </a:r>
-            <a:r>
-              <a:rPr/>
-              <a:t> </a:t>
-            </a:r>
-            <a:r>
-              <a:rPr/>
-              <a:t>of</a:t>
-            </a:r>
-            <a:r>
-              <a:rPr/>
-              <a:t> </a:t>
-            </a:r>
-            <a:r>
-              <a:rPr/>
-              <a:t>a</a:t>
-            </a:r>
-            <a:r>
-              <a:rPr/>
-              <a:t> </a:t>
-            </a:r>
-            <a:r>
-              <a:rPr/>
-              <a:t>fuel</a:t>
-            </a:r>
-            <a:r>
-              <a:rPr/>
-              <a:t> </a:t>
-            </a:r>
-            <a:r>
-              <a:rPr/>
-              <a:t>gauge,</a:t>
-            </a:r>
-            <a:r>
-              <a:rPr/>
-              <a:t> </a:t>
-            </a:r>
-            <a:r>
-              <a:rPr/>
-              <a:t>65%</a:t>
-            </a:r>
-            <a:r>
-              <a:rPr/>
-              <a:t> </a:t>
-            </a:r>
-            <a:r>
-              <a:rPr/>
-              <a:t>full</a:t>
-            </a:r>
-          </a:p>
-        </p:txBody>
-      </p:sp>
-    </p:spTree>
-  </p:cSld>
-</p:sld>
-</file>
-
-<file path=ppt/slides/slide16.xml><?xml version="1.0" encoding="utf-8"?>
-<p:sld xmlns:a="http://schemas.openxmlformats.org/drawingml/2006/main" xmlns:r="http://schemas.openxmlformats.org/officeDocument/2006/relationships" xmlns:p="http://schemas.openxmlformats.org/presentationml/2006/main">
-  <p:cSld>
-    <p:spTree>
-      <p:nvGrpSpPr>
-        <p:cNvPr id="1" name=""/>
-        <p:cNvGrpSpPr/>
-        <p:nvPr/>
-      </p:nvGrpSpPr>
-      <p:grpSpPr>
-        <a:xfrm>
-          <a:off x="0" y="0"/>
-          <a:ext cx="0" cy="0"/>
-          <a:chOff x="0" y="0"/>
-          <a:chExt cx="0" cy="0"/>
-        </a:xfrm>
-      </p:grpSpPr>
-      <p:sp>
-        <p:nvSpPr>
-          <p:cNvPr id="2" name="Title 1"/>
-          <p:cNvSpPr>
-            <a:spLocks noGrp="1"/>
-          </p:cNvSpPr>
-          <p:nvPr>
-            <p:ph type="title"/>
-          </p:nvPr>
-        </p:nvSpPr>
-        <p:spPr/>
-        <p:txBody>
-          <a:bodyPr/>
-          <a:lstStyle/>
-          <a:p>
-            <a:pPr lvl="0" marL="0" indent="0">
-              <a:buNone/>
-            </a:pPr>
-            <a:r>
-              <a:rPr/>
-              <a:t>Assisting</a:t>
-            </a:r>
-            <a:r>
-              <a:rPr/>
-              <a:t> </a:t>
-            </a:r>
-            <a:r>
-              <a:rPr/>
-              <a:t>scanning</a:t>
-            </a:r>
-            <a:r>
-              <a:rPr/>
-              <a:t> </a:t>
-            </a:r>
-            <a:r>
-              <a:rPr/>
-              <a:t>with</a:t>
-            </a:r>
-            <a:r>
-              <a:rPr/>
-              <a:t> </a:t>
-            </a:r>
-            <a:r>
-              <a:rPr/>
-              <a:t>anchors</a:t>
-            </a:r>
-          </a:p>
-        </p:txBody>
-      </p:sp>
-      <p:pic>
-        <p:nvPicPr>
-          <p:cNvPr descr="../images/02/simon_fuel_gauge2.png" id="0" name="Picture 1"/>
-          <p:cNvPicPr>
-            <a:picLocks noGrp="1" noChangeAspect="1"/>
-          </p:cNvPicPr>
-          <p:nvPr/>
-        </p:nvPicPr>
-        <p:blipFill>
-          <a:blip r:embed="rId3"/>
-          <a:stretch>
-            <a:fillRect/>
-          </a:stretch>
-        </p:blipFill>
-        <p:spPr bwMode="auto">
-          <a:xfrm>
-            <a:off x="3568700" y="1600200"/>
-            <a:ext cx="2006600" cy="4013200"/>
-          </a:xfrm>
-          <a:prstGeom prst="rect">
-            <a:avLst/>
-          </a:prstGeom>
-          <a:noFill/>
-          <a:ln w="9525">
-            <a:noFill/>
-            <a:headEnd/>
-            <a:tailEnd/>
-          </a:ln>
-        </p:spPr>
-      </p:pic>
-      <p:sp>
-        <p:nvSpPr>
-          <p:cNvPr id="1" name="TextBox 3"/>
-          <p:cNvSpPr txBox="1"/>
-          <p:nvPr/>
-        </p:nvSpPr>
-        <p:spPr>
-          <a:xfrm>
-            <a:off x="457200" y="5613400"/>
-            <a:ext cx="8229600" cy="508000"/>
-          </a:xfrm>
-          <a:prstGeom prst="rect">
-            <a:avLst/>
-          </a:prstGeom>
-          <a:noFill/>
-        </p:spPr>
-        <p:txBody>
-          <a:bodyPr/>
-          <a:lstStyle/>
-          <a:p>
-            <a:pPr lvl="0" marL="0" indent="0" algn="ctr">
-              <a:buNone/>
-            </a:pPr>
-            <a:r>
-              <a:rPr/>
-              <a:t>Image</a:t>
-            </a:r>
-            <a:r>
-              <a:rPr/>
-              <a:t> </a:t>
-            </a:r>
-            <a:r>
-              <a:rPr/>
-              <a:t>of</a:t>
-            </a:r>
-            <a:r>
-              <a:rPr/>
-              <a:t> </a:t>
-            </a:r>
-            <a:r>
-              <a:rPr/>
-              <a:t>a</a:t>
-            </a:r>
-            <a:r>
-              <a:rPr/>
-              <a:t> </a:t>
-            </a:r>
-            <a:r>
-              <a:rPr/>
-              <a:t>fuel</a:t>
-            </a:r>
-            <a:r>
-              <a:rPr/>
-              <a:t> </a:t>
-            </a:r>
-            <a:r>
-              <a:rPr/>
-              <a:t>gauge,</a:t>
-            </a:r>
-            <a:r>
-              <a:rPr/>
-              <a:t> </a:t>
-            </a:r>
-            <a:r>
-              <a:rPr/>
-              <a:t>anchors</a:t>
-            </a:r>
-            <a:r>
-              <a:rPr/>
-              <a:t> </a:t>
-            </a:r>
-            <a:r>
-              <a:rPr/>
-              <a:t>at</a:t>
-            </a:r>
-            <a:r>
-              <a:rPr/>
-              <a:t> </a:t>
-            </a:r>
-            <a:r>
-              <a:rPr/>
-              <a:t>1/4,</a:t>
-            </a:r>
-            <a:r>
-              <a:rPr/>
-              <a:t> </a:t>
-            </a:r>
-            <a:r>
-              <a:rPr/>
-              <a:t>half,</a:t>
-            </a:r>
-            <a:r>
-              <a:rPr/>
-              <a:t> </a:t>
-            </a:r>
-            <a:r>
-              <a:rPr/>
-              <a:t>3/4</a:t>
-            </a:r>
-          </a:p>
-        </p:txBody>
-      </p:sp>
-    </p:spTree>
-  </p:cSld>
-</p:sld>
-</file>
-
-<file path=ppt/slides/slide17.xml><?xml version="1.0" encoding="utf-8"?>
-<p:sld xmlns:a="http://schemas.openxmlformats.org/drawingml/2006/main" xmlns:r="http://schemas.openxmlformats.org/officeDocument/2006/relationships" xmlns:p="http://schemas.openxmlformats.org/presentationml/2006/main">
-  <p:cSld>
-    <p:spTree>
-      <p:nvGrpSpPr>
-        <p:cNvPr id="1" name=""/>
-        <p:cNvGrpSpPr/>
-        <p:nvPr/>
-      </p:nvGrpSpPr>
-      <p:grpSpPr>
-        <a:xfrm>
-          <a:off x="0" y="0"/>
-          <a:ext cx="0" cy="0"/>
-          <a:chOff x="0" y="0"/>
-          <a:chExt cx="0" cy="0"/>
-        </a:xfrm>
-      </p:grpSpPr>
-      <p:sp>
-        <p:nvSpPr>
-          <p:cNvPr id="2" name="Title 1"/>
-          <p:cNvSpPr>
-            <a:spLocks noGrp="1"/>
-          </p:cNvSpPr>
-          <p:nvPr>
-            <p:ph type="title"/>
-          </p:nvPr>
-        </p:nvSpPr>
-        <p:spPr/>
-        <p:txBody>
-          <a:bodyPr/>
-          <a:lstStyle/>
-          <a:p>
-            <a:pPr lvl="0" marL="0" indent="0">
-              <a:buNone/>
-            </a:pPr>
-            <a:r>
-              <a:rPr/>
-              <a:t>Visual</a:t>
-            </a:r>
-            <a:r>
-              <a:rPr/>
-              <a:t> </a:t>
-            </a:r>
-            <a:r>
-              <a:rPr/>
-              <a:t>processing</a:t>
-            </a:r>
-            <a:r>
-              <a:rPr/>
-              <a:t> </a:t>
-            </a:r>
-            <a:r>
-              <a:rPr/>
-              <a:t>(3</a:t>
-            </a:r>
-            <a:r>
-              <a:rPr/>
-              <a:t> </a:t>
-            </a:r>
-            <a:r>
-              <a:rPr/>
-              <a:t>of</a:t>
-            </a:r>
-            <a:r>
-              <a:rPr/>
-              <a:t> </a:t>
-            </a:r>
-            <a:r>
-              <a:rPr/>
-              <a:t>3)</a:t>
-            </a:r>
-          </a:p>
-        </p:txBody>
-      </p:sp>
-      <p:sp>
-        <p:nvSpPr>
-          <p:cNvPr id="3" name="Content Placeholder 2"/>
-          <p:cNvSpPr>
-            <a:spLocks noGrp="1"/>
-          </p:cNvSpPr>
-          <p:nvPr>
-            <p:ph idx="1"/>
-          </p:nvPr>
-        </p:nvSpPr>
-        <p:spPr/>
-        <p:txBody>
-          <a:bodyPr/>
-          <a:lstStyle/>
-          <a:p>
-            <a:pPr lvl="1"/>
-            <a:r>
-              <a:rPr/>
-              <a:t>Visually simple tasks</a:t>
-            </a:r>
-          </a:p>
-          <a:p>
-            <a:pPr lvl="2"/>
-            <a:r>
-              <a:rPr/>
-              <a:t>Position</a:t>
-            </a:r>
-          </a:p>
-          <a:p>
-            <a:pPr lvl="2"/>
-            <a:r>
-              <a:rPr/>
-              <a:t>Length</a:t>
-            </a:r>
-          </a:p>
-          <a:p>
-            <a:pPr lvl="2"/>
-            <a:r>
-              <a:rPr/>
-              <a:t>Angle/slope</a:t>
-            </a:r>
-          </a:p>
-          <a:p>
-            <a:pPr lvl="1"/>
-            <a:r>
-              <a:rPr/>
-              <a:t>Visually demanding tasks</a:t>
-            </a:r>
-          </a:p>
-          <a:p>
-            <a:pPr lvl="2"/>
-            <a:r>
-              <a:rPr/>
-              <a:t>Area</a:t>
-            </a:r>
-          </a:p>
-          <a:p>
-            <a:pPr lvl="2"/>
-            <a:r>
-              <a:rPr/>
-              <a:t>Volume</a:t>
-            </a:r>
-          </a:p>
-          <a:p>
-            <a:pPr lvl="2"/>
-            <a:r>
-              <a:rPr/>
-              <a:t>Density/Saturation/Hue</a:t>
-            </a:r>
-          </a:p>
-        </p:txBody>
-      </p:sp>
-    </p:spTree>
-  </p:cSld>
-</p:sld>
-</file>
-
-<file path=ppt/slides/slide18.xml><?xml version="1.0" encoding="utf-8"?>
-<p:sld xmlns:a="http://schemas.openxmlformats.org/drawingml/2006/main" xmlns:r="http://schemas.openxmlformats.org/officeDocument/2006/relationships" xmlns:p="http://schemas.openxmlformats.org/presentationml/2006/main">
-  <p:cSld>
-    <p:spTree>
-      <p:nvGrpSpPr>
-        <p:cNvPr id="1" name=""/>
-        <p:cNvGrpSpPr/>
-        <p:nvPr/>
-      </p:nvGrpSpPr>
-      <p:grpSpPr>
-        <a:xfrm>
-          <a:off x="0" y="0"/>
-          <a:ext cx="0" cy="0"/>
-          <a:chOff x="0" y="0"/>
-          <a:chExt cx="0" cy="0"/>
-        </a:xfrm>
-      </p:grpSpPr>
-      <p:sp>
-        <p:nvSpPr>
-          <p:cNvPr id="2" name="Title 1"/>
-          <p:cNvSpPr>
-            <a:spLocks noGrp="1"/>
-          </p:cNvSpPr>
-          <p:nvPr>
-            <p:ph type="title"/>
-          </p:nvPr>
-        </p:nvSpPr>
-        <p:spPr/>
-        <p:txBody>
-          <a:bodyPr/>
-          <a:lstStyle/>
-          <a:p>
-            <a:pPr lvl="0" marL="0" indent="0">
-              <a:buNone/>
-            </a:pPr>
-            <a:r>
-              <a:rPr/>
-              <a:t>Position</a:t>
-            </a:r>
-            <a:r>
-              <a:rPr/>
-              <a:t> </a:t>
-            </a:r>
-            <a:r>
-              <a:rPr/>
-              <a:t>(first</a:t>
-            </a:r>
-            <a:r>
-              <a:rPr/>
-              <a:t> </a:t>
-            </a:r>
-            <a:r>
-              <a:rPr/>
-              <a:t>yellow</a:t>
-            </a:r>
-            <a:r>
-              <a:rPr/>
-              <a:t> </a:t>
-            </a:r>
-            <a:r>
-              <a:rPr/>
-              <a:t>bar</a:t>
-            </a:r>
-            <a:r>
-              <a:rPr/>
-              <a:t> </a:t>
-            </a:r>
-            <a:r>
-              <a:rPr/>
-              <a:t>versus</a:t>
-            </a:r>
-            <a:r>
-              <a:rPr/>
-              <a:t> </a:t>
-            </a:r>
-            <a:r>
-              <a:rPr/>
-              <a:t>last</a:t>
-            </a:r>
-            <a:r>
-              <a:rPr/>
-              <a:t> </a:t>
-            </a:r>
-            <a:r>
-              <a:rPr/>
-              <a:t>yellow</a:t>
-            </a:r>
-            <a:r>
-              <a:rPr/>
-              <a:t> </a:t>
-            </a:r>
-            <a:r>
-              <a:rPr/>
-              <a:t>bar)</a:t>
-            </a:r>
-          </a:p>
-        </p:txBody>
-      </p:sp>
-      <p:pic>
-        <p:nvPicPr>
-          <p:cNvPr descr="../images/02/crop-yield-bar-chart-position.png" id="0" name="Picture 1"/>
-          <p:cNvPicPr>
-            <a:picLocks noGrp="1" noChangeAspect="1"/>
-          </p:cNvPicPr>
-          <p:nvPr/>
-        </p:nvPicPr>
-        <p:blipFill>
-          <a:blip r:embed="rId3"/>
-          <a:stretch>
-            <a:fillRect/>
-          </a:stretch>
-        </p:blipFill>
-        <p:spPr bwMode="auto">
-          <a:xfrm>
-            <a:off x="1625600" y="1600200"/>
-            <a:ext cx="5892800" cy="4013200"/>
-          </a:xfrm>
-          <a:prstGeom prst="rect">
-            <a:avLst/>
-          </a:prstGeom>
-          <a:noFill/>
-          <a:ln w="9525">
-            <a:noFill/>
-            <a:headEnd/>
-            <a:tailEnd/>
-          </a:ln>
-        </p:spPr>
-      </p:pic>
-      <p:sp>
-        <p:nvSpPr>
-          <p:cNvPr id="1" name="TextBox 3"/>
-          <p:cNvSpPr txBox="1"/>
-          <p:nvPr/>
-        </p:nvSpPr>
-        <p:spPr>
-          <a:xfrm>
-            <a:off x="457200" y="5613400"/>
-            <a:ext cx="8229600" cy="508000"/>
-          </a:xfrm>
-          <a:prstGeom prst="rect">
-            <a:avLst/>
-          </a:prstGeom>
-          <a:noFill/>
-        </p:spPr>
-        <p:txBody>
-          <a:bodyPr/>
-          <a:lstStyle/>
-          <a:p>
-            <a:pPr lvl="0" marL="0" indent="0" algn="ctr">
-              <a:buNone/>
-            </a:pPr>
-            <a:r>
-              <a:rPr/>
-              <a:t>Stacked</a:t>
-            </a:r>
-            <a:r>
-              <a:rPr/>
-              <a:t> </a:t>
-            </a:r>
-            <a:r>
-              <a:rPr/>
-              <a:t>bar</a:t>
-            </a:r>
-            <a:r>
-              <a:rPr/>
-              <a:t> </a:t>
-            </a:r>
-            <a:r>
-              <a:rPr/>
-              <a:t>chart</a:t>
-            </a:r>
-            <a:r>
-              <a:rPr/>
-              <a:t> </a:t>
-            </a:r>
-            <a:r>
-              <a:rPr/>
-              <a:t>of</a:t>
-            </a:r>
-            <a:r>
-              <a:rPr/>
-              <a:t> </a:t>
-            </a:r>
-            <a:r>
-              <a:rPr/>
-              <a:t>crop</a:t>
-            </a:r>
-            <a:r>
-              <a:rPr/>
-              <a:t> </a:t>
-            </a:r>
-            <a:r>
-              <a:rPr/>
-              <a:t>yields</a:t>
-            </a:r>
-          </a:p>
-        </p:txBody>
-      </p:sp>
-    </p:spTree>
-  </p:cSld>
-</p:sld>
-</file>
-
-<file path=ppt/slides/slide19.xml><?xml version="1.0" encoding="utf-8"?>
-<p:sld xmlns:a="http://schemas.openxmlformats.org/drawingml/2006/main" xmlns:r="http://schemas.openxmlformats.org/officeDocument/2006/relationships" xmlns:p="http://schemas.openxmlformats.org/presentationml/2006/main">
-  <p:cSld>
-    <p:spTree>
-      <p:nvGrpSpPr>
-        <p:cNvPr id="1" name=""/>
-        <p:cNvGrpSpPr/>
-        <p:nvPr/>
-      </p:nvGrpSpPr>
-      <p:grpSpPr>
-        <a:xfrm>
-          <a:off x="0" y="0"/>
-          <a:ext cx="0" cy="0"/>
-          <a:chOff x="0" y="0"/>
-          <a:chExt cx="0" cy="0"/>
-        </a:xfrm>
-      </p:grpSpPr>
-      <p:sp>
-        <p:nvSpPr>
-          <p:cNvPr id="2" name="Title 1"/>
-          <p:cNvSpPr>
-            <a:spLocks noGrp="1"/>
-          </p:cNvSpPr>
-          <p:nvPr>
-            <p:ph type="title"/>
-          </p:nvPr>
-        </p:nvSpPr>
-        <p:spPr/>
-        <p:txBody>
-          <a:bodyPr/>
-          <a:lstStyle/>
-          <a:p>
-            <a:pPr lvl="0" marL="0" indent="0">
-              <a:buNone/>
-            </a:pPr>
-            <a:r>
-              <a:rPr/>
-              <a:t>Length</a:t>
-            </a:r>
-            <a:r>
-              <a:rPr/>
-              <a:t> </a:t>
-            </a:r>
-            <a:r>
-              <a:rPr/>
-              <a:t>(first</a:t>
-            </a:r>
-            <a:r>
-              <a:rPr/>
-              <a:t> </a:t>
-            </a:r>
-            <a:r>
-              <a:rPr/>
-              <a:t>green</a:t>
-            </a:r>
-            <a:r>
-              <a:rPr/>
-              <a:t> </a:t>
-            </a:r>
-            <a:r>
-              <a:rPr/>
-              <a:t>bar</a:t>
-            </a:r>
-            <a:r>
-              <a:rPr/>
-              <a:t> </a:t>
-            </a:r>
-            <a:r>
-              <a:rPr/>
-              <a:t>versus</a:t>
-            </a:r>
-            <a:r>
-              <a:rPr/>
-              <a:t> </a:t>
-            </a:r>
-            <a:r>
-              <a:rPr/>
-              <a:t>last</a:t>
-            </a:r>
-            <a:r>
-              <a:rPr/>
-              <a:t> </a:t>
-            </a:r>
-            <a:r>
-              <a:rPr/>
-              <a:t>blue</a:t>
-            </a:r>
-            <a:r>
-              <a:rPr/>
-              <a:t> </a:t>
-            </a:r>
-            <a:r>
-              <a:rPr/>
-              <a:t>bar)</a:t>
-            </a:r>
-          </a:p>
-        </p:txBody>
-      </p:sp>
-      <p:pic>
-        <p:nvPicPr>
-          <p:cNvPr descr="../images/02/crop-yield-bar-chart-length.png" id="0" name="Picture 1"/>
-          <p:cNvPicPr>
-            <a:picLocks noGrp="1" noChangeAspect="1"/>
-          </p:cNvPicPr>
-          <p:nvPr/>
-        </p:nvPicPr>
-        <p:blipFill>
-          <a:blip r:embed="rId3"/>
-          <a:stretch>
-            <a:fillRect/>
-          </a:stretch>
-        </p:blipFill>
-        <p:spPr bwMode="auto">
-          <a:xfrm>
-            <a:off x="1625600" y="1600200"/>
-            <a:ext cx="5892800" cy="4013200"/>
-          </a:xfrm>
-          <a:prstGeom prst="rect">
-            <a:avLst/>
-          </a:prstGeom>
-          <a:noFill/>
-          <a:ln w="9525">
-            <a:noFill/>
-            <a:headEnd/>
-            <a:tailEnd/>
-          </a:ln>
-        </p:spPr>
-      </p:pic>
-      <p:sp>
-        <p:nvSpPr>
-          <p:cNvPr id="1" name="TextBox 3"/>
-          <p:cNvSpPr txBox="1"/>
-          <p:nvPr/>
-        </p:nvSpPr>
-        <p:spPr>
-          <a:xfrm>
-            <a:off x="457200" y="5613400"/>
-            <a:ext cx="8229600" cy="508000"/>
-          </a:xfrm>
-          <a:prstGeom prst="rect">
-            <a:avLst/>
-          </a:prstGeom>
-          <a:noFill/>
-        </p:spPr>
-        <p:txBody>
-          <a:bodyPr/>
-          <a:lstStyle/>
-          <a:p>
-            <a:pPr lvl="0" marL="0" indent="0" algn="ctr">
-              <a:buNone/>
-            </a:pPr>
-            <a:r>
-              <a:rPr/>
-              <a:t>Stacked</a:t>
-            </a:r>
-            <a:r>
-              <a:rPr/>
-              <a:t> </a:t>
-            </a:r>
-            <a:r>
-              <a:rPr/>
-              <a:t>bar</a:t>
-            </a:r>
-            <a:r>
-              <a:rPr/>
-              <a:t> </a:t>
-            </a:r>
-            <a:r>
-              <a:rPr/>
-              <a:t>chart</a:t>
-            </a:r>
-            <a:r>
-              <a:rPr/>
-              <a:t> </a:t>
-            </a:r>
-            <a:r>
-              <a:rPr/>
-              <a:t>of</a:t>
-            </a:r>
-            <a:r>
-              <a:rPr/>
-              <a:t> </a:t>
-            </a:r>
-            <a:r>
-              <a:rPr/>
-              <a:t>crop</a:t>
-            </a:r>
-            <a:r>
-              <a:rPr/>
-              <a:t> </a:t>
-            </a:r>
-            <a:r>
-              <a:rPr/>
-              <a:t>yields</a:t>
-            </a:r>
-          </a:p>
-        </p:txBody>
-      </p:sp>
-    </p:spTree>
-  </p:cSld>
-</p:sld>
-</file>
-
-<file path=ppt/slides/slide2.xml><?xml version="1.0" encoding="utf-8"?>
-<p:sld xmlns:a="http://schemas.openxmlformats.org/drawingml/2006/main" xmlns:r="http://schemas.openxmlformats.org/officeDocument/2006/relationships" xmlns:p="http://schemas.openxmlformats.org/presentationml/2006/main">
-  <p:cSld>
-    <p:spTree>
-      <p:nvGrpSpPr>
-        <p:cNvPr id="1" name=""/>
-        <p:cNvGrpSpPr/>
-        <p:nvPr/>
-      </p:nvGrpSpPr>
-      <p:grpSpPr>
-        <a:xfrm>
-          <a:off x="0" y="0"/>
-          <a:ext cx="0" cy="0"/>
-          <a:chOff x="0" y="0"/>
-          <a:chExt cx="0" cy="0"/>
-        </a:xfrm>
-      </p:grpSpPr>
-      <p:sp>
-        <p:nvSpPr>
-          <p:cNvPr id="3" name="Content Placeholder 2"/>
-          <p:cNvSpPr>
-            <a:spLocks noGrp="1"/>
-          </p:cNvSpPr>
-          <p:nvPr>
-            <p:ph idx="1"/>
-          </p:nvPr>
-        </p:nvSpPr>
-        <p:spPr/>
-        <p:txBody>
-          <a:bodyPr/>
-          <a:lstStyle/>
-          <a:p>
-            <a:pPr lvl="0" marL="1270000" indent="0">
-              <a:buNone/>
-            </a:pPr>
-            <a:r>
-              <a:rPr sz="1800">
-                <a:latin typeface="Courier"/>
-              </a:rPr>
-              <a:t>## 
-## Attaching package: 'dplyr'</a:t>
-            </a:r>
-          </a:p>
-          <a:p>
-            <a:pPr lvl="0" marL="1270000" indent="0">
-              <a:buNone/>
-            </a:pPr>
-            <a:r>
-              <a:rPr sz="1800">
-                <a:latin typeface="Courier"/>
-              </a:rPr>
-              <a:t>## The following objects are masked from 'package:stats':
-## 
-##     filter, lag</a:t>
-            </a:r>
-          </a:p>
-          <a:p>
-            <a:pPr lvl="0" marL="1270000" indent="0">
-              <a:buNone/>
-            </a:pPr>
-            <a:r>
-              <a:rPr sz="1800">
-                <a:latin typeface="Courier"/>
-              </a:rPr>
-              <a:t>## The following objects are masked from 'package:base':
-## 
-##     intersect, setdiff, setequal, union</a:t>
-            </a:r>
-          </a:p>
-          <a:p>
-            <a:pPr lvl="0" marL="1270000" indent="0">
-              <a:buNone/>
-            </a:pPr>
-            <a:r>
-              <a:rPr sz="1800">
-                <a:latin typeface="Courier"/>
-              </a:rPr>
-              <a:t>## Registered S3 methods overwritten by 'ggplot2':
-##   method         from 
-##   [.quosures     rlang
-##   c.quosures     rlang
-##   print.quosures rlang</a:t>
-            </a:r>
-          </a:p>
-        </p:txBody>
-      </p:sp>
-    </p:spTree>
-  </p:cSld>
-</p:sld>
-</file>
-
-<file path=ppt/slides/slide20.xml><?xml version="1.0" encoding="utf-8"?>
-<p:sld xmlns:a="http://schemas.openxmlformats.org/drawingml/2006/main" xmlns:r="http://schemas.openxmlformats.org/officeDocument/2006/relationships" xmlns:p="http://schemas.openxmlformats.org/presentationml/2006/main">
-  <p:cSld>
-    <p:spTree>
-      <p:nvGrpSpPr>
-        <p:cNvPr id="1" name=""/>
-        <p:cNvGrpSpPr/>
-        <p:nvPr/>
-      </p:nvGrpSpPr>
-      <p:grpSpPr>
-        <a:xfrm>
-          <a:off x="0" y="0"/>
-          <a:ext cx="0" cy="0"/>
-          <a:chOff x="0" y="0"/>
-          <a:chExt cx="0" cy="0"/>
-        </a:xfrm>
-      </p:grpSpPr>
-      <p:sp>
-        <p:nvSpPr>
-          <p:cNvPr id="2" name="Title 1"/>
-          <p:cNvSpPr>
-            <a:spLocks noGrp="1"/>
-          </p:cNvSpPr>
-          <p:nvPr>
-            <p:ph type="title"/>
-          </p:nvPr>
-        </p:nvSpPr>
-        <p:spPr/>
-        <p:txBody>
-          <a:bodyPr/>
-          <a:lstStyle/>
-          <a:p>
-            <a:pPr lvl="0" marL="0" indent="0">
-              <a:buNone/>
-            </a:pPr>
-            <a:r>
-              <a:rPr/>
-              <a:t>Angle/slope</a:t>
-            </a:r>
-            <a:r>
-              <a:rPr/>
-              <a:t> </a:t>
-            </a:r>
-            <a:r>
-              <a:rPr/>
-              <a:t>(first</a:t>
-            </a:r>
-            <a:r>
-              <a:rPr/>
-              <a:t> </a:t>
-            </a:r>
-            <a:r>
-              <a:rPr/>
-              <a:t>month</a:t>
-            </a:r>
-            <a:r>
-              <a:rPr/>
-              <a:t> </a:t>
-            </a:r>
-            <a:r>
-              <a:rPr/>
-              <a:t>decline</a:t>
-            </a:r>
-            <a:r>
-              <a:rPr/>
-              <a:t> </a:t>
-            </a:r>
-            <a:r>
-              <a:rPr/>
-              <a:t>versus</a:t>
-            </a:r>
-            <a:r>
-              <a:rPr/>
-              <a:t> </a:t>
-            </a:r>
-            <a:r>
-              <a:rPr/>
-              <a:t>last</a:t>
-            </a:r>
-            <a:r>
-              <a:rPr/>
-              <a:t> </a:t>
-            </a:r>
-            <a:r>
-              <a:rPr/>
-              <a:t>month</a:t>
-            </a:r>
-            <a:r>
-              <a:rPr/>
-              <a:t> </a:t>
-            </a:r>
-            <a:r>
-              <a:rPr/>
-              <a:t>decline)</a:t>
-            </a:r>
-          </a:p>
-        </p:txBody>
-      </p:sp>
-      <p:pic>
-        <p:nvPicPr>
-          <p:cNvPr descr="../images/02/sales-trend.png" id="0" name="Picture 1"/>
-          <p:cNvPicPr>
-            <a:picLocks noGrp="1" noChangeAspect="1"/>
-          </p:cNvPicPr>
-          <p:nvPr/>
-        </p:nvPicPr>
-        <p:blipFill>
-          <a:blip r:embed="rId3"/>
-          <a:stretch>
-            <a:fillRect/>
-          </a:stretch>
-        </p:blipFill>
-        <p:spPr bwMode="auto">
-          <a:xfrm>
-            <a:off x="1600200" y="1600200"/>
-            <a:ext cx="5943600" cy="4013200"/>
-          </a:xfrm>
-          <a:prstGeom prst="rect">
-            <a:avLst/>
-          </a:prstGeom>
-          <a:noFill/>
-          <a:ln w="9525">
-            <a:noFill/>
-            <a:headEnd/>
-            <a:tailEnd/>
-          </a:ln>
-        </p:spPr>
-      </p:pic>
-      <p:sp>
-        <p:nvSpPr>
-          <p:cNvPr id="1" name="TextBox 3"/>
-          <p:cNvSpPr txBox="1"/>
-          <p:nvPr/>
-        </p:nvSpPr>
-        <p:spPr>
-          <a:xfrm>
-            <a:off x="457200" y="5613400"/>
-            <a:ext cx="8229600" cy="508000"/>
-          </a:xfrm>
-          <a:prstGeom prst="rect">
-            <a:avLst/>
-          </a:prstGeom>
-          <a:noFill/>
-        </p:spPr>
-        <p:txBody>
-          <a:bodyPr/>
-          <a:lstStyle/>
-          <a:p>
-            <a:pPr lvl="0" marL="0" indent="0" algn="ctr">
-              <a:buNone/>
-            </a:pPr>
-            <a:r>
-              <a:rPr/>
-              <a:t>Sales</a:t>
-            </a:r>
-            <a:r>
-              <a:rPr/>
-              <a:t> </a:t>
-            </a:r>
-            <a:r>
-              <a:rPr/>
-              <a:t>trend</a:t>
-            </a:r>
-            <a:r>
-              <a:rPr/>
-              <a:t> </a:t>
-            </a:r>
-            <a:r>
-              <a:rPr/>
-              <a:t>shown</a:t>
-            </a:r>
-            <a:r>
-              <a:rPr/>
-              <a:t> </a:t>
-            </a:r>
-            <a:r>
-              <a:rPr/>
-              <a:t>with</a:t>
-            </a:r>
-            <a:r>
-              <a:rPr/>
-              <a:t> </a:t>
-            </a:r>
-            <a:r>
-              <a:rPr/>
-              <a:t>a</a:t>
-            </a:r>
-            <a:r>
-              <a:rPr/>
-              <a:t> </a:t>
-            </a:r>
-            <a:r>
-              <a:rPr/>
-              <a:t>line</a:t>
-            </a:r>
-            <a:r>
-              <a:rPr/>
-              <a:t> </a:t>
-            </a:r>
-            <a:r>
-              <a:rPr/>
-              <a:t>graph</a:t>
-            </a:r>
-          </a:p>
-        </p:txBody>
-      </p:sp>
-    </p:spTree>
-  </p:cSld>
-</p:sld>
-</file>
-
-<file path=ppt/slides/slide21.xml><?xml version="1.0" encoding="utf-8"?>
-<p:sld xmlns:a="http://schemas.openxmlformats.org/drawingml/2006/main" xmlns:r="http://schemas.openxmlformats.org/officeDocument/2006/relationships" xmlns:p="http://schemas.openxmlformats.org/presentationml/2006/main">
-  <p:cSld>
-    <p:spTree>
-      <p:nvGrpSpPr>
-        <p:cNvPr id="1" name=""/>
-        <p:cNvGrpSpPr/>
-        <p:nvPr/>
-      </p:nvGrpSpPr>
-      <p:grpSpPr>
-        <a:xfrm>
-          <a:off x="0" y="0"/>
-          <a:ext cx="0" cy="0"/>
-          <a:chOff x="0" y="0"/>
-          <a:chExt cx="0" cy="0"/>
-        </a:xfrm>
-      </p:grpSpPr>
-      <p:sp>
-        <p:nvSpPr>
-          <p:cNvPr id="2" name="Title 1"/>
-          <p:cNvSpPr>
-            <a:spLocks noGrp="1"/>
-          </p:cNvSpPr>
-          <p:nvPr>
-            <p:ph type="title"/>
-          </p:nvPr>
-        </p:nvSpPr>
-        <p:spPr/>
-        <p:txBody>
-          <a:bodyPr/>
-          <a:lstStyle/>
-          <a:p>
-            <a:pPr lvl="0" marL="0" indent="0">
-              <a:buNone/>
-            </a:pPr>
-            <a:r>
-              <a:rPr/>
-              <a:t>Aesthetics</a:t>
-            </a:r>
-            <a:r>
-              <a:rPr/>
-              <a:t> </a:t>
-            </a:r>
-            <a:r>
-              <a:rPr/>
-              <a:t>for</a:t>
-            </a:r>
-            <a:r>
-              <a:rPr/>
-              <a:t> </a:t>
-            </a:r>
-            <a:r>
-              <a:rPr/>
-              <a:t>bars</a:t>
-            </a:r>
-          </a:p>
-        </p:txBody>
-      </p:sp>
-    </p:spTree>
-  </p:cSld>
-</p:sld>
-</file>
-
-<file path=ppt/slides/slide22.xml><?xml version="1.0" encoding="utf-8"?>
-<p:sld xmlns:a="http://schemas.openxmlformats.org/drawingml/2006/main" xmlns:r="http://schemas.openxmlformats.org/officeDocument/2006/relationships" xmlns:p="http://schemas.openxmlformats.org/presentationml/2006/main">
-  <p:cSld>
-    <p:spTree>
-      <p:nvGrpSpPr>
-        <p:cNvPr id="1" name=""/>
-        <p:cNvGrpSpPr/>
-        <p:nvPr/>
-      </p:nvGrpSpPr>
-      <p:grpSpPr>
-        <a:xfrm>
-          <a:off x="0" y="0"/>
-          <a:ext cx="0" cy="0"/>
-          <a:chOff x="0" y="0"/>
-          <a:chExt cx="0" cy="0"/>
-        </a:xfrm>
-      </p:grpSpPr>
-      <p:sp>
-        <p:nvSpPr>
-          <p:cNvPr id="2" name="Title 1"/>
-          <p:cNvSpPr>
-            <a:spLocks noGrp="1"/>
-          </p:cNvSpPr>
-          <p:nvPr>
-            <p:ph type="title"/>
-          </p:nvPr>
-        </p:nvSpPr>
-        <p:spPr/>
-        <p:txBody>
-          <a:bodyPr/>
-          <a:lstStyle/>
-          <a:p>
-            <a:pPr lvl="0" marL="0" indent="0">
-              <a:buNone/>
-            </a:pPr>
-            <a:r>
-              <a:rPr/>
-              <a:t>Summary</a:t>
-            </a:r>
-          </a:p>
-        </p:txBody>
-      </p:sp>
-      <p:sp>
-        <p:nvSpPr>
-          <p:cNvPr id="3" name="Content Placeholder 2"/>
-          <p:cNvSpPr>
-            <a:spLocks noGrp="1"/>
-          </p:cNvSpPr>
-          <p:nvPr>
-            <p:ph idx="1"/>
-          </p:nvPr>
-        </p:nvSpPr>
-        <p:spPr/>
-        <p:txBody>
-          <a:bodyPr/>
-          <a:lstStyle/>
-          <a:p>
-            <a:pPr lvl="1"/>
-            <a:r>
-              <a:rPr/>
-              <a:t>“A mapping of data to the visual aesthetics of geometries/marks”</a:t>
-            </a:r>
-          </a:p>
-          <a:p>
-            <a:pPr lvl="2"/>
-            <a:r>
-              <a:rPr/>
-              <a:t>Bars are a type of geometry/mark</a:t>
-            </a:r>
-          </a:p>
-          <a:p>
-            <a:pPr lvl="2"/>
-            <a:r>
-              <a:rPr/>
-              <a:t>Aesthetics for bars include location, size, color</a:t>
-            </a:r>
-          </a:p>
-          <a:p>
-            <a:pPr lvl="2"/>
-            <a:r>
-              <a:rPr/>
-              <a:t>Stack versus dodge</a:t>
-            </a:r>
-          </a:p>
-          <a:p>
-            <a:pPr lvl="1"/>
-            <a:r>
-              <a:rPr/>
-              <a:t>Basic tips</a:t>
-            </a:r>
-          </a:p>
-          <a:p>
-            <a:pPr lvl="2"/>
-            <a:r>
-              <a:rPr/>
-              <a:t>Place comparators close</a:t>
-            </a:r>
-          </a:p>
-        </p:txBody>
-      </p:sp>
-    </p:spTree>
-  </p:cSld>
-</p:sld>
-</file>
-
-<file path=ppt/slides/slide23.xml><?xml version="1.0" encoding="utf-8"?>
-<p:sld xmlns:a="http://schemas.openxmlformats.org/drawingml/2006/main" xmlns:r="http://schemas.openxmlformats.org/officeDocument/2006/relationships" xmlns:p="http://schemas.openxmlformats.org/presentationml/2006/main">
-  <p:cSld>
-    <p:spTree>
-      <p:nvGrpSpPr>
-        <p:cNvPr id="1" name=""/>
-        <p:cNvGrpSpPr/>
-        <p:nvPr/>
-      </p:nvGrpSpPr>
-      <p:grpSpPr>
-        <a:xfrm>
-          <a:off x="0" y="0"/>
-          <a:ext cx="0" cy="0"/>
-          <a:chOff x="0" y="0"/>
-          <a:chExt cx="0" cy="0"/>
-        </a:xfrm>
-      </p:grpSpPr>
-      <p:sp>
-        <p:nvSpPr>
-          <p:cNvPr id="2" name="Title 1"/>
-          <p:cNvSpPr>
-            <a:spLocks noGrp="1"/>
-          </p:cNvSpPr>
-          <p:nvPr>
-            <p:ph type="title"/>
-          </p:nvPr>
-        </p:nvSpPr>
-        <p:spPr/>
-        <p:txBody>
-          <a:bodyPr/>
-          <a:lstStyle/>
-          <a:p>
-            <a:pPr lvl="0" marL="0" indent="0">
-              <a:buNone/>
-            </a:pPr>
-            <a:r>
-              <a:rPr/>
-              <a:t>Group</a:t>
-            </a:r>
-            <a:r>
-              <a:rPr/>
-              <a:t> </a:t>
-            </a:r>
-            <a:r>
-              <a:rPr/>
-              <a:t>exercise</a:t>
-            </a:r>
-          </a:p>
-        </p:txBody>
-      </p:sp>
-      <p:sp>
-        <p:nvSpPr>
-          <p:cNvPr id="3" name="Content Placeholder 2"/>
-          <p:cNvSpPr>
-            <a:spLocks noGrp="1"/>
-          </p:cNvSpPr>
-          <p:nvPr>
-            <p:ph idx="1"/>
-          </p:nvPr>
-        </p:nvSpPr>
-        <p:spPr/>
-        <p:txBody>
-          <a:bodyPr/>
-          <a:lstStyle/>
-          <a:p>
-            <a:pPr lvl="1"/>
-            <a:r>
-              <a:rPr/>
-              <a:t>Review the following visualization in your group.</a:t>
-            </a:r>
-          </a:p>
-          <a:p>
-            <a:pPr lvl="2"/>
-            <a:r>
-              <a:rPr/>
-              <a:t>Summarize what aesthetics (location, size, shape, color) appear in the graph</a:t>
-            </a:r>
-          </a:p>
-          <a:p>
-            <a:pPr lvl="2"/>
-            <a:r>
-              <a:rPr/>
-              <a:t>What variables map to each aesthetic?</a:t>
-            </a:r>
-          </a:p>
-          <a:p>
-            <a:pPr lvl="2"/>
-            <a:r>
-              <a:rPr/>
-              <a:t>What is the story that this graph is telling you?</a:t>
-            </a:r>
-          </a:p>
-          <a:p>
-            <a:pPr lvl="2"/>
-            <a:r>
-              <a:rPr/>
-              <a:t>Was there anything confusing?</a:t>
-            </a:r>
-          </a:p>
-          <a:p>
-            <a:pPr lvl="2"/>
-            <a:r>
-              <a:rPr/>
-              <a:t>Was there anything you might change?</a:t>
-            </a:r>
-          </a:p>
-        </p:txBody>
-      </p:sp>
-    </p:spTree>
-  </p:cSld>
-</p:sld>
-</file>
-
-<file path=ppt/slides/slide3.xml><?xml version="1.0" encoding="utf-8"?>
-<p:sld xmlns:a="http://schemas.openxmlformats.org/drawingml/2006/main" xmlns:r="http://schemas.openxmlformats.org/officeDocument/2006/relationships" xmlns:p="http://schemas.openxmlformats.org/presentationml/2006/main">
-  <p:cSld>
-    <p:spTree>
-      <p:nvGrpSpPr>
-        <p:cNvPr id="1" name=""/>
-        <p:cNvGrpSpPr/>
-        <p:nvPr/>
-      </p:nvGrpSpPr>
-      <p:grpSpPr>
-        <a:xfrm>
-          <a:off x="0" y="0"/>
-          <a:ext cx="0" cy="0"/>
-          <a:chOff x="0" y="0"/>
-          <a:chExt cx="0" cy="0"/>
-        </a:xfrm>
-      </p:grpSpPr>
-      <p:sp>
-        <p:nvSpPr>
-          <p:cNvPr id="2" name="Title 1"/>
-          <p:cNvSpPr>
-            <a:spLocks noGrp="1"/>
-          </p:cNvSpPr>
-          <p:nvPr>
-            <p:ph type="title"/>
-          </p:nvPr>
-        </p:nvSpPr>
-        <p:spPr/>
-        <p:txBody>
-          <a:bodyPr/>
-          <a:lstStyle/>
-          <a:p>
-            <a:pPr lvl="0" marL="0" indent="0">
-              <a:buNone/>
-            </a:pPr>
-            <a:r>
-              <a:rPr/>
-              <a:t>Notes</a:t>
-            </a:r>
-            <a:r>
-              <a:rPr/>
-              <a:t> </a:t>
-            </a:r>
-            <a:r>
-              <a:rPr/>
-              <a:t>about</a:t>
-            </a:r>
-            <a:r>
-              <a:rPr/>
-              <a:t> </a:t>
-            </a:r>
-            <a:r>
-              <a:rPr/>
-              <a:t>this</a:t>
-            </a:r>
-            <a:r>
-              <a:rPr/>
-              <a:t> </a:t>
-            </a:r>
-            <a:r>
-              <a:rPr/>
-              <a:t>talk</a:t>
-            </a:r>
-          </a:p>
-        </p:txBody>
-      </p:sp>
-      <p:sp>
-        <p:nvSpPr>
-          <p:cNvPr id="3" name="Content Placeholder 2"/>
-          <p:cNvSpPr>
-            <a:spLocks noGrp="1"/>
-          </p:cNvSpPr>
-          <p:nvPr>
-            <p:ph idx="1"/>
-          </p:nvPr>
-        </p:nvSpPr>
-        <p:spPr/>
-        <p:txBody>
-          <a:bodyPr/>
-          <a:lstStyle/>
-          <a:p>
-            <a:pPr lvl="1"/>
-            <a:r>
-              <a:rPr/>
-              <a:t>This slide should not to be included in the final presentation</a:t>
-            </a:r>
-          </a:p>
-          <a:p>
-            <a:pPr lvl="1"/>
-            <a:r>
-              <a:rPr/>
-              <a:t>01-points MUST come before</a:t>
-            </a:r>
-          </a:p>
-          <a:p>
-            <a:pPr lvl="1"/>
-            <a:r>
-              <a:rPr/>
-              <a:t>03-lines could come before or after</a:t>
-            </a:r>
-          </a:p>
-        </p:txBody>
-      </p:sp>
-    </p:spTree>
-  </p:cSld>
-</p:sld>
-</file>
-
-<file path=ppt/slides/slide4.xml><?xml version="1.0" encoding="utf-8"?>
-<p:sld xmlns:a="http://schemas.openxmlformats.org/drawingml/2006/main" xmlns:r="http://schemas.openxmlformats.org/officeDocument/2006/relationships" xmlns:p="http://schemas.openxmlformats.org/presentationml/2006/main">
-  <p:cSld>
-    <p:spTree>
-      <p:nvGrpSpPr>
-        <p:cNvPr id="1" name=""/>
-        <p:cNvGrpSpPr/>
-        <p:nvPr/>
-      </p:nvGrpSpPr>
-      <p:grpSpPr>
-        <a:xfrm>
-          <a:off x="0" y="0"/>
-          <a:ext cx="0" cy="0"/>
-          <a:chOff x="0" y="0"/>
-          <a:chExt cx="0" cy="0"/>
-        </a:xfrm>
-      </p:grpSpPr>
-      <p:sp>
-        <p:nvSpPr>
-          <p:cNvPr id="2" name="Title 1"/>
-          <p:cNvSpPr>
-            <a:spLocks noGrp="1"/>
-          </p:cNvSpPr>
-          <p:nvPr>
-            <p:ph type="title"/>
-          </p:nvPr>
-        </p:nvSpPr>
-        <p:spPr/>
-        <p:txBody>
-          <a:bodyPr/>
-          <a:lstStyle/>
-          <a:p>
-            <a:pPr lvl="0" marL="0" indent="0">
-              <a:buNone/>
-            </a:pPr>
-            <a:r>
-              <a:rPr/>
-              <a:t>To</a:t>
-            </a:r>
-            <a:r>
-              <a:rPr/>
-              <a:t> </a:t>
-            </a:r>
-            <a:r>
-              <a:rPr/>
-              <a:t>prepare</a:t>
-            </a:r>
-            <a:r>
-              <a:rPr/>
-              <a:t> </a:t>
-            </a:r>
-            <a:r>
-              <a:rPr/>
-              <a:t>for</a:t>
-            </a:r>
-            <a:r>
-              <a:rPr/>
-              <a:t> </a:t>
-            </a:r>
-            <a:r>
-              <a:rPr/>
-              <a:t>this</a:t>
-            </a:r>
-            <a:r>
-              <a:rPr/>
-              <a:t> </a:t>
-            </a:r>
-            <a:r>
-              <a:rPr/>
-              <a:t>section</a:t>
-            </a:r>
-          </a:p>
-        </p:txBody>
-      </p:sp>
-      <p:sp>
-        <p:nvSpPr>
-          <p:cNvPr id="3" name="Content Placeholder 2"/>
-          <p:cNvSpPr>
-            <a:spLocks noGrp="1"/>
-          </p:cNvSpPr>
-          <p:nvPr>
-            <p:ph idx="1"/>
-          </p:nvPr>
-        </p:nvSpPr>
-        <p:spPr/>
-        <p:txBody>
-          <a:bodyPr/>
-          <a:lstStyle/>
-          <a:p>
-            <a:pPr lvl="0" marL="0" indent="0">
-              <a:buNone/>
-            </a:pPr>
-            <a:r>
-              <a:rPr/>
-              <a:t>((Find a data set))</a:t>
-            </a:r>
-          </a:p>
-        </p:txBody>
-      </p:sp>
-    </p:spTree>
-  </p:cSld>
-</p:sld>
-</file>
-
-<file path=ppt/slides/slide5.xml><?xml version="1.0" encoding="utf-8"?>
-<p:sld xmlns:a="http://schemas.openxmlformats.org/drawingml/2006/main" xmlns:r="http://schemas.openxmlformats.org/officeDocument/2006/relationships" xmlns:p="http://schemas.openxmlformats.org/presentationml/2006/main">
-  <p:cSld>
-    <p:spTree>
-      <p:nvGrpSpPr>
-        <p:cNvPr id="1" name=""/>
-        <p:cNvGrpSpPr/>
-        <p:nvPr/>
-      </p:nvGrpSpPr>
-      <p:grpSpPr>
-        <a:xfrm>
-          <a:off x="0" y="0"/>
-          <a:ext cx="0" cy="0"/>
-          <a:chOff x="0" y="0"/>
-          <a:chExt cx="0" cy="0"/>
-        </a:xfrm>
-      </p:grpSpPr>
-      <p:sp>
-        <p:nvSpPr>
-          <p:cNvPr id="2" name="Title 1"/>
-          <p:cNvSpPr>
-            <a:spLocks noGrp="1"/>
-          </p:cNvSpPr>
-          <p:nvPr>
-            <p:ph type="title"/>
-          </p:nvPr>
-        </p:nvSpPr>
-        <p:spPr/>
-        <p:txBody>
-          <a:bodyPr/>
-          <a:lstStyle/>
-          <a:p>
-            <a:pPr lvl="0" marL="0" indent="0">
-              <a:buNone/>
-            </a:pPr>
-            <a:r>
-              <a:rPr/>
-              <a:t>Group</a:t>
-            </a:r>
-            <a:r>
-              <a:rPr/>
-              <a:t> </a:t>
-            </a:r>
-            <a:r>
-              <a:rPr/>
-              <a:t>exercise</a:t>
-            </a:r>
-            <a:r>
-              <a:rPr/>
-              <a:t> </a:t>
-            </a:r>
-            <a:r>
-              <a:rPr/>
-              <a:t>(1</a:t>
-            </a:r>
-            <a:r>
-              <a:rPr/>
-              <a:t> </a:t>
-            </a:r>
-            <a:r>
-              <a:rPr/>
-              <a:t>of</a:t>
-            </a:r>
-            <a:r>
-              <a:rPr/>
-              <a:t> </a:t>
-            </a:r>
-            <a:r>
-              <a:rPr/>
-              <a:t>2)</a:t>
-            </a:r>
-          </a:p>
-        </p:txBody>
-      </p:sp>
-      <p:pic>
-        <p:nvPicPr>
-          <p:cNvPr descr="../images/02/texas-bar-chart.png" id="0" name="Picture 1"/>
-          <p:cNvPicPr>
-            <a:picLocks noGrp="1" noChangeAspect="1"/>
-          </p:cNvPicPr>
-          <p:nvPr/>
-        </p:nvPicPr>
-        <p:blipFill>
-          <a:blip r:embed="rId3"/>
-          <a:stretch>
-            <a:fillRect/>
-          </a:stretch>
-        </p:blipFill>
-        <p:spPr bwMode="auto">
-          <a:xfrm>
-            <a:off x="2298700" y="1600200"/>
-            <a:ext cx="4559300" cy="4013200"/>
-          </a:xfrm>
-          <a:prstGeom prst="rect">
-            <a:avLst/>
-          </a:prstGeom>
-          <a:noFill/>
-          <a:ln w="9525">
-            <a:noFill/>
-            <a:headEnd/>
-            <a:tailEnd/>
-          </a:ln>
-        </p:spPr>
-      </p:pic>
-      <p:sp>
-        <p:nvSpPr>
-          <p:cNvPr id="1" name="TextBox 3"/>
-          <p:cNvSpPr txBox="1"/>
-          <p:nvPr/>
-        </p:nvSpPr>
-        <p:spPr>
-          <a:xfrm>
-            <a:off x="457200" y="5613400"/>
-            <a:ext cx="8229600" cy="508000"/>
-          </a:xfrm>
-          <a:prstGeom prst="rect">
-            <a:avLst/>
-          </a:prstGeom>
-          <a:noFill/>
-        </p:spPr>
-        <p:txBody>
-          <a:bodyPr/>
-          <a:lstStyle/>
-          <a:p>
-            <a:pPr lvl="0" marL="0" indent="0" algn="ctr">
-              <a:buNone/>
-            </a:pPr>
-            <a:r>
-              <a:rPr/>
-              <a:t>Bar</a:t>
-            </a:r>
-            <a:r>
-              <a:rPr/>
-              <a:t> </a:t>
-            </a:r>
-            <a:r>
-              <a:rPr/>
-              <a:t>chart</a:t>
-            </a:r>
-            <a:r>
-              <a:rPr/>
-              <a:t> </a:t>
-            </a:r>
-            <a:r>
-              <a:rPr/>
-              <a:t>of</a:t>
-            </a:r>
-            <a:r>
-              <a:rPr/>
-              <a:t> </a:t>
-            </a:r>
-            <a:r>
-              <a:rPr/>
-              <a:t>demographics</a:t>
-            </a:r>
-            <a:r>
-              <a:rPr/>
-              <a:t> </a:t>
-            </a:r>
-            <a:r>
-              <a:rPr/>
-              <a:t>of</a:t>
-            </a:r>
-            <a:r>
-              <a:rPr/>
-              <a:t> </a:t>
-            </a:r>
-            <a:r>
-              <a:rPr/>
-              <a:t>selected</a:t>
-            </a:r>
-            <a:r>
-              <a:rPr/>
-              <a:t> </a:t>
-            </a:r>
-            <a:r>
-              <a:rPr/>
-              <a:t>Texas</a:t>
-            </a:r>
-            <a:r>
-              <a:rPr/>
-              <a:t> </a:t>
-            </a:r>
-            <a:r>
-              <a:rPr/>
-              <a:t>counties</a:t>
-            </a:r>
-          </a:p>
-        </p:txBody>
-      </p:sp>
-    </p:spTree>
-  </p:cSld>
-</p:sld>
-</file>
-
-<file path=ppt/slides/slide6.xml><?xml version="1.0" encoding="utf-8"?>
-<p:sld xmlns:a="http://schemas.openxmlformats.org/drawingml/2006/main" xmlns:r="http://schemas.openxmlformats.org/officeDocument/2006/relationships" xmlns:p="http://schemas.openxmlformats.org/presentationml/2006/main">
-  <p:cSld>
-    <p:spTree>
-      <p:nvGrpSpPr>
-        <p:cNvPr id="1" name=""/>
-        <p:cNvGrpSpPr/>
-        <p:nvPr/>
-      </p:nvGrpSpPr>
-      <p:grpSpPr>
-        <a:xfrm>
-          <a:off x="0" y="0"/>
-          <a:ext cx="0" cy="0"/>
-          <a:chOff x="0" y="0"/>
-          <a:chExt cx="0" cy="0"/>
-        </a:xfrm>
-      </p:grpSpPr>
-      <p:sp>
-        <p:nvSpPr>
-          <p:cNvPr id="2" name="Title 1"/>
-          <p:cNvSpPr>
-            <a:spLocks noGrp="1"/>
-          </p:cNvSpPr>
-          <p:nvPr>
-            <p:ph type="title"/>
-          </p:nvPr>
-        </p:nvSpPr>
-        <p:spPr/>
-        <p:txBody>
-          <a:bodyPr/>
-          <a:lstStyle/>
-          <a:p>
-            <a:pPr lvl="0" marL="0" indent="0">
-              <a:buNone/>
-            </a:pPr>
-            <a:r>
-              <a:rPr/>
-              <a:t>Group</a:t>
-            </a:r>
-            <a:r>
-              <a:rPr/>
-              <a:t> </a:t>
-            </a:r>
-            <a:r>
-              <a:rPr/>
-              <a:t>exercise</a:t>
-            </a:r>
-            <a:r>
-              <a:rPr/>
-              <a:t> </a:t>
-            </a:r>
-            <a:r>
-              <a:rPr/>
-              <a:t>(2</a:t>
-            </a:r>
-            <a:r>
-              <a:rPr/>
-              <a:t> </a:t>
-            </a:r>
-            <a:r>
-              <a:rPr/>
-              <a:t>of</a:t>
-            </a:r>
-            <a:r>
-              <a:rPr/>
-              <a:t> </a:t>
-            </a:r>
-            <a:r>
-              <a:rPr/>
-              <a:t>2)</a:t>
-            </a:r>
-          </a:p>
-        </p:txBody>
-      </p:sp>
-      <p:sp>
-        <p:nvSpPr>
-          <p:cNvPr id="3" name="Content Placeholder 2"/>
-          <p:cNvSpPr>
-            <a:spLocks noGrp="1"/>
-          </p:cNvSpPr>
-          <p:nvPr>
-            <p:ph idx="1"/>
-          </p:nvPr>
-        </p:nvSpPr>
-        <p:spPr/>
-        <p:txBody>
-          <a:bodyPr/>
-          <a:lstStyle/>
-          <a:p>
-            <a:pPr lvl="0" marL="0" indent="0">
-              <a:buNone/>
-            </a:pPr>
-            <a:r>
-              <a:rPr/>
-              <a:t>((Image is not yet available.))</a:t>
-            </a:r>
-          </a:p>
-        </p:txBody>
-      </p:sp>
-    </p:spTree>
-  </p:cSld>
-</p:sld>
-</file>
-
-<file path=ppt/slides/slide7.xml><?xml version="1.0" encoding="utf-8"?>
-<p:sld xmlns:a="http://schemas.openxmlformats.org/drawingml/2006/main" xmlns:r="http://schemas.openxmlformats.org/officeDocument/2006/relationships" xmlns:p="http://schemas.openxmlformats.org/presentationml/2006/main">
-  <p:cSld>
-    <p:spTree>
-      <p:nvGrpSpPr>
-        <p:cNvPr id="1" name=""/>
-        <p:cNvGrpSpPr/>
-        <p:nvPr/>
-      </p:nvGrpSpPr>
-      <p:grpSpPr>
-        <a:xfrm>
-          <a:off x="0" y="0"/>
-          <a:ext cx="0" cy="0"/>
-          <a:chOff x="0" y="0"/>
-          <a:chExt cx="0" cy="0"/>
-        </a:xfrm>
-      </p:grpSpPr>
-      <p:sp>
-        <p:nvSpPr>
-          <p:cNvPr id="2" name="Title 1"/>
-          <p:cNvSpPr>
-            <a:spLocks noGrp="1"/>
-          </p:cNvSpPr>
-          <p:nvPr>
-            <p:ph type="title"/>
-          </p:nvPr>
-        </p:nvSpPr>
-        <p:spPr/>
-        <p:txBody>
-          <a:bodyPr/>
-          <a:lstStyle/>
-          <a:p>
-            <a:pPr lvl="0" marL="0" indent="0">
-              <a:buNone/>
-            </a:pPr>
-            <a:r>
-              <a:rPr/>
-              <a:t>A</a:t>
-            </a:r>
-            <a:r>
-              <a:rPr/>
-              <a:t> </a:t>
-            </a:r>
-            <a:r>
-              <a:rPr/>
-              <a:t>framework</a:t>
-            </a:r>
-            <a:r>
-              <a:rPr/>
-              <a:t> </a:t>
-            </a:r>
-            <a:r>
-              <a:rPr/>
-              <a:t>for</a:t>
-            </a:r>
-            <a:r>
-              <a:rPr/>
-              <a:t> </a:t>
-            </a:r>
-            <a:r>
-              <a:rPr/>
-              <a:t>graph</a:t>
-            </a:r>
-            <a:r>
-              <a:rPr/>
-              <a:t> </a:t>
-            </a:r>
-            <a:r>
-              <a:rPr/>
-              <a:t>perception</a:t>
-            </a:r>
-          </a:p>
-        </p:txBody>
-      </p:sp>
-      <p:pic>
-        <p:nvPicPr>
-          <p:cNvPr descr="../images/02/graph-perception.png" id="0" name="Picture 1"/>
-          <p:cNvPicPr>
-            <a:picLocks noGrp="1" noChangeAspect="1"/>
-          </p:cNvPicPr>
-          <p:nvPr/>
-        </p:nvPicPr>
-        <p:blipFill>
-          <a:blip r:embed="rId3"/>
-          <a:stretch>
-            <a:fillRect/>
-          </a:stretch>
-        </p:blipFill>
-        <p:spPr bwMode="auto">
-          <a:xfrm>
-            <a:off x="1066800" y="1600200"/>
-            <a:ext cx="7010400" cy="4013200"/>
-          </a:xfrm>
-          <a:prstGeom prst="rect">
-            <a:avLst/>
-          </a:prstGeom>
-          <a:noFill/>
-          <a:ln w="9525">
-            <a:noFill/>
-            <a:headEnd/>
-            <a:tailEnd/>
-          </a:ln>
-        </p:spPr>
-      </p:pic>
-      <p:sp>
-        <p:nvSpPr>
-          <p:cNvPr id="1" name="TextBox 3"/>
-          <p:cNvSpPr txBox="1"/>
-          <p:nvPr/>
-        </p:nvSpPr>
-        <p:spPr>
-          <a:xfrm>
-            <a:off x="457200" y="5613400"/>
-            <a:ext cx="8229600" cy="508000"/>
-          </a:xfrm>
-          <a:prstGeom prst="rect">
-            <a:avLst/>
-          </a:prstGeom>
-          <a:noFill/>
-        </p:spPr>
-        <p:txBody>
-          <a:bodyPr/>
-          <a:lstStyle/>
-          <a:p>
-            <a:pPr lvl="0" marL="0" indent="0" algn="ctr">
-              <a:buNone/>
-            </a:pPr>
-            <a:r>
-              <a:rPr/>
-              <a:t>Part</a:t>
-            </a:r>
-            <a:r>
-              <a:rPr/>
-              <a:t> </a:t>
-            </a:r>
-            <a:r>
-              <a:rPr/>
-              <a:t>of</a:t>
-            </a:r>
-            <a:r>
-              <a:rPr/>
-              <a:t> </a:t>
-            </a:r>
-            <a:r>
-              <a:rPr/>
-              <a:t>first</a:t>
-            </a:r>
-            <a:r>
-              <a:rPr/>
-              <a:t> </a:t>
-            </a:r>
-            <a:r>
-              <a:rPr/>
-              <a:t>page</a:t>
-            </a:r>
-            <a:r>
-              <a:rPr/>
-              <a:t> </a:t>
-            </a:r>
-            <a:r>
-              <a:rPr/>
-              <a:t>from</a:t>
-            </a:r>
-            <a:r>
-              <a:rPr/>
-              <a:t> </a:t>
-            </a:r>
-            <a:r>
-              <a:rPr/>
-              <a:t>Simkin</a:t>
-            </a:r>
-            <a:r>
-              <a:rPr/>
-              <a:t> </a:t>
-            </a:r>
-            <a:r>
-              <a:rPr/>
-              <a:t>and</a:t>
-            </a:r>
-            <a:r>
-              <a:rPr/>
-              <a:t> </a:t>
-            </a:r>
-            <a:r>
-              <a:rPr/>
-              <a:t>Hastie</a:t>
-            </a:r>
-            <a:r>
-              <a:rPr/>
-              <a:t> </a:t>
-            </a:r>
-            <a:r>
-              <a:rPr/>
-              <a:t>journal</a:t>
-            </a:r>
-            <a:r>
-              <a:rPr/>
-              <a:t> </a:t>
-            </a:r>
-            <a:r>
-              <a:rPr/>
-              <a:t>article</a:t>
-            </a:r>
-          </a:p>
-        </p:txBody>
-      </p:sp>
-    </p:spTree>
-  </p:cSld>
-</p:sld>
-</file>
-
-<file path=ppt/slides/slide8.xml><?xml version="1.0" encoding="utf-8"?>
-<p:sld xmlns:a="http://schemas.openxmlformats.org/drawingml/2006/main" xmlns:r="http://schemas.openxmlformats.org/officeDocument/2006/relationships" xmlns:p="http://schemas.openxmlformats.org/presentationml/2006/main">
-  <p:cSld>
-    <p:spTree>
-      <p:nvGrpSpPr>
-        <p:cNvPr id="1" name=""/>
-        <p:cNvGrpSpPr/>
-        <p:nvPr/>
-      </p:nvGrpSpPr>
-      <p:grpSpPr>
-        <a:xfrm>
-          <a:off x="0" y="0"/>
-          <a:ext cx="0" cy="0"/>
-          <a:chOff x="0" y="0"/>
-          <a:chExt cx="0" cy="0"/>
-        </a:xfrm>
-      </p:grpSpPr>
-      <p:sp>
-        <p:nvSpPr>
-          <p:cNvPr id="2" name="Title 1"/>
-          <p:cNvSpPr>
-            <a:spLocks noGrp="1"/>
-          </p:cNvSpPr>
-          <p:nvPr>
-            <p:ph type="title"/>
-          </p:nvPr>
-        </p:nvSpPr>
-        <p:spPr/>
-        <p:txBody>
-          <a:bodyPr/>
-          <a:lstStyle/>
-          <a:p>
-            <a:pPr lvl="0" marL="0" indent="0">
-              <a:buNone/>
-            </a:pPr>
-            <a:r>
-              <a:rPr/>
-              <a:t>Which</a:t>
-            </a:r>
-            <a:r>
-              <a:rPr/>
-              <a:t> </a:t>
-            </a:r>
-            <a:r>
-              <a:rPr/>
-              <a:t>is</a:t>
-            </a:r>
-            <a:r>
-              <a:rPr/>
-              <a:t> </a:t>
-            </a:r>
-            <a:r>
-              <a:rPr/>
-              <a:t>better?</a:t>
-            </a:r>
-            <a:r>
-              <a:rPr/>
-              <a:t> </a:t>
-            </a:r>
-            <a:r>
-              <a:rPr/>
-              <a:t>A</a:t>
-            </a:r>
-            <a:r>
-              <a:rPr/>
-              <a:t> </a:t>
-            </a:r>
-            <a:r>
-              <a:rPr/>
-              <a:t>bar</a:t>
-            </a:r>
-            <a:r>
-              <a:rPr/>
-              <a:t> </a:t>
-            </a:r>
-            <a:r>
-              <a:rPr/>
-              <a:t>chart…</a:t>
-            </a:r>
-          </a:p>
-        </p:txBody>
-      </p:sp>
-      <p:pic>
-        <p:nvPicPr>
-          <p:cNvPr descr="data-visualization-02-bars_files/figure-pptx/bar-chart-1.png" id="0" name="Picture 1"/>
+          <p:cNvPr descr="data-visualization-02-bars_files/figure-pptx/pie-chart-1.png" id="0" name="Picture 1"/>
           <p:cNvPicPr>
             <a:picLocks noGrp="1" noChangeAspect="1"/>
           </p:cNvPicPr>
@@ -13160,6 +10165,3612 @@
 </p:sld>
 </file>
 
+<file path=ppt/slides/slide11.xml><?xml version="1.0" encoding="utf-8"?>
+<p:sld xmlns:a="http://schemas.openxmlformats.org/drawingml/2006/main" xmlns:r="http://schemas.openxmlformats.org/officeDocument/2006/relationships" xmlns:p="http://schemas.openxmlformats.org/presentationml/2006/main">
+  <p:cSld>
+    <p:spTree>
+      <p:nvGrpSpPr>
+        <p:cNvPr id="1" name=""/>
+        <p:cNvGrpSpPr/>
+        <p:nvPr/>
+      </p:nvGrpSpPr>
+      <p:grpSpPr>
+        <a:xfrm>
+          <a:off x="0" y="0"/>
+          <a:ext cx="0" cy="0"/>
+          <a:chOff x="0" y="0"/>
+          <a:chExt cx="0" cy="0"/>
+        </a:xfrm>
+      </p:grpSpPr>
+      <p:sp>
+        <p:nvSpPr>
+          <p:cNvPr id="2" name="Title 1"/>
+          <p:cNvSpPr>
+            <a:spLocks noGrp="1"/>
+          </p:cNvSpPr>
+          <p:nvPr>
+            <p:ph type="title"/>
+          </p:nvPr>
+        </p:nvSpPr>
+        <p:spPr/>
+        <p:txBody>
+          <a:bodyPr/>
+          <a:lstStyle/>
+          <a:p>
+            <a:pPr lvl="0" marL="0" indent="0">
+              <a:buNone/>
+            </a:pPr>
+            <a:r>
+              <a:rPr/>
+              <a:t>Answer.</a:t>
+            </a:r>
+            <a:r>
+              <a:rPr/>
+              <a:t> </a:t>
+            </a:r>
+            <a:r>
+              <a:rPr/>
+              <a:t>It</a:t>
+            </a:r>
+            <a:r>
+              <a:rPr/>
+              <a:t> </a:t>
+            </a:r>
+            <a:r>
+              <a:rPr/>
+              <a:t>depends.</a:t>
+            </a:r>
+          </a:p>
+        </p:txBody>
+      </p:sp>
+      <p:sp>
+        <p:nvSpPr>
+          <p:cNvPr id="3" name="Content Placeholder 2"/>
+          <p:cNvSpPr>
+            <a:spLocks noGrp="1"/>
+          </p:cNvSpPr>
+          <p:nvPr>
+            <p:ph idx="1"/>
+          </p:nvPr>
+        </p:nvSpPr>
+        <p:spPr/>
+        <p:txBody>
+          <a:bodyPr/>
+          <a:lstStyle/>
+          <a:p>
+            <a:pPr lvl="1"/>
+            <a:r>
+              <a:rPr/>
+              <a:t>What question are you trying to answer?</a:t>
+            </a:r>
+          </a:p>
+          <a:p>
+            <a:pPr lvl="2"/>
+            <a:r>
+              <a:rPr/>
+              <a:t>What proportion of the patients are single?</a:t>
+            </a:r>
+          </a:p>
+          <a:p>
+            <a:pPr lvl="2"/>
+            <a:r>
+              <a:rPr/>
+              <a:t>Are there more single or divorced patients?</a:t>
+            </a:r>
+          </a:p>
+        </p:txBody>
+      </p:sp>
+    </p:spTree>
+  </p:cSld>
+</p:sld>
+</file>
+
+<file path=ppt/slides/slide12.xml><?xml version="1.0" encoding="utf-8"?>
+<p:sld xmlns:a="http://schemas.openxmlformats.org/drawingml/2006/main" xmlns:r="http://schemas.openxmlformats.org/officeDocument/2006/relationships" xmlns:p="http://schemas.openxmlformats.org/presentationml/2006/main">
+  <p:cSld>
+    <p:spTree>
+      <p:nvGrpSpPr>
+        <p:cNvPr id="1" name=""/>
+        <p:cNvGrpSpPr/>
+        <p:nvPr/>
+      </p:nvGrpSpPr>
+      <p:grpSpPr>
+        <a:xfrm>
+          <a:off x="0" y="0"/>
+          <a:ext cx="0" cy="0"/>
+          <a:chOff x="0" y="0"/>
+          <a:chExt cx="0" cy="0"/>
+        </a:xfrm>
+      </p:grpSpPr>
+      <p:sp>
+        <p:nvSpPr>
+          <p:cNvPr id="2" name="Title 1"/>
+          <p:cNvSpPr>
+            <a:spLocks noGrp="1"/>
+          </p:cNvSpPr>
+          <p:nvPr>
+            <p:ph type="title"/>
+          </p:nvPr>
+        </p:nvSpPr>
+        <p:spPr/>
+        <p:txBody>
+          <a:bodyPr/>
+          <a:lstStyle/>
+          <a:p>
+            <a:pPr lvl="0" marL="0" indent="0">
+              <a:buNone/>
+            </a:pPr>
+            <a:r>
+              <a:rPr/>
+              <a:t>Visual</a:t>
+            </a:r>
+            <a:r>
+              <a:rPr/>
+              <a:t> </a:t>
+            </a:r>
+            <a:r>
+              <a:rPr/>
+              <a:t>processing</a:t>
+            </a:r>
+            <a:r>
+              <a:rPr/>
+              <a:t> </a:t>
+            </a:r>
+            <a:r>
+              <a:rPr/>
+              <a:t>(1</a:t>
+            </a:r>
+            <a:r>
+              <a:rPr/>
+              <a:t> </a:t>
+            </a:r>
+            <a:r>
+              <a:rPr/>
+              <a:t>of</a:t>
+            </a:r>
+            <a:r>
+              <a:rPr/>
+              <a:t> </a:t>
+            </a:r>
+            <a:r>
+              <a:rPr/>
+              <a:t>3)</a:t>
+            </a:r>
+          </a:p>
+        </p:txBody>
+      </p:sp>
+      <p:sp>
+        <p:nvSpPr>
+          <p:cNvPr id="3" name="Content Placeholder 2"/>
+          <p:cNvSpPr>
+            <a:spLocks noGrp="1"/>
+          </p:cNvSpPr>
+          <p:nvPr>
+            <p:ph idx="1"/>
+          </p:nvPr>
+        </p:nvSpPr>
+        <p:spPr/>
+        <p:txBody>
+          <a:bodyPr/>
+          <a:lstStyle/>
+          <a:p>
+            <a:pPr lvl="1"/>
+            <a:r>
+              <a:rPr/>
+              <a:t>Projection</a:t>
+            </a:r>
+          </a:p>
+          <a:p>
+            <a:pPr lvl="2"/>
+            <a:r>
+              <a:rPr/>
+              <a:t>Shifting an object in a horizontal or vertical direction to make a comparison</a:t>
+            </a:r>
+          </a:p>
+          <a:p>
+            <a:pPr lvl="1"/>
+            <a:r>
+              <a:rPr/>
+              <a:t>Superimposition</a:t>
+            </a:r>
+          </a:p>
+          <a:p>
+            <a:pPr lvl="2"/>
+            <a:r>
+              <a:rPr/>
+              <a:t>Shifting in other directions (e.g., diagonal shifts, rotation) in order to make a comparison</a:t>
+            </a:r>
+          </a:p>
+          <a:p>
+            <a:pPr lvl="2"/>
+            <a:r>
+              <a:rPr/>
+              <a:t>Much harder than projection</a:t>
+            </a:r>
+          </a:p>
+        </p:txBody>
+      </p:sp>
+    </p:spTree>
+  </p:cSld>
+</p:sld>
+</file>
+
+<file path=ppt/slides/slide13.xml><?xml version="1.0" encoding="utf-8"?>
+<p:sld xmlns:a="http://schemas.openxmlformats.org/drawingml/2006/main" xmlns:r="http://schemas.openxmlformats.org/officeDocument/2006/relationships" xmlns:p="http://schemas.openxmlformats.org/presentationml/2006/main">
+  <p:cSld>
+    <p:spTree>
+      <p:nvGrpSpPr>
+        <p:cNvPr id="1" name=""/>
+        <p:cNvGrpSpPr/>
+        <p:nvPr/>
+      </p:nvGrpSpPr>
+      <p:grpSpPr>
+        <a:xfrm>
+          <a:off x="0" y="0"/>
+          <a:ext cx="0" cy="0"/>
+          <a:chOff x="0" y="0"/>
+          <a:chExt cx="0" cy="0"/>
+        </a:xfrm>
+      </p:grpSpPr>
+      <p:sp>
+        <p:nvSpPr>
+          <p:cNvPr id="2" name="Title 1"/>
+          <p:cNvSpPr>
+            <a:spLocks noGrp="1"/>
+          </p:cNvSpPr>
+          <p:nvPr>
+            <p:ph type="title"/>
+          </p:nvPr>
+        </p:nvSpPr>
+        <p:spPr/>
+        <p:txBody>
+          <a:bodyPr/>
+          <a:lstStyle/>
+          <a:p>
+            <a:pPr lvl="0" marL="0" indent="0">
+              <a:buNone/>
+            </a:pPr>
+            <a:r>
+              <a:rPr/>
+              <a:t>Projection</a:t>
+            </a:r>
+            <a:r>
+              <a:rPr/>
+              <a:t> </a:t>
+            </a:r>
+            <a:r>
+              <a:rPr/>
+              <a:t>(first</a:t>
+            </a:r>
+            <a:r>
+              <a:rPr/>
+              <a:t> </a:t>
+            </a:r>
+            <a:r>
+              <a:rPr/>
+              <a:t>yellow</a:t>
+            </a:r>
+            <a:r>
+              <a:rPr/>
+              <a:t> </a:t>
+            </a:r>
+            <a:r>
+              <a:rPr/>
+              <a:t>bar</a:t>
+            </a:r>
+            <a:r>
+              <a:rPr/>
+              <a:t> </a:t>
+            </a:r>
+            <a:r>
+              <a:rPr/>
+              <a:t>versus</a:t>
+            </a:r>
+            <a:r>
+              <a:rPr/>
+              <a:t> </a:t>
+            </a:r>
+            <a:r>
+              <a:rPr/>
+              <a:t>last</a:t>
+            </a:r>
+            <a:r>
+              <a:rPr/>
+              <a:t> </a:t>
+            </a:r>
+            <a:r>
+              <a:rPr/>
+              <a:t>yellow</a:t>
+            </a:r>
+            <a:r>
+              <a:rPr/>
+              <a:t> </a:t>
+            </a:r>
+            <a:r>
+              <a:rPr/>
+              <a:t>bar)</a:t>
+            </a:r>
+          </a:p>
+        </p:txBody>
+      </p:sp>
+      <p:pic>
+        <p:nvPicPr>
+          <p:cNvPr descr="../images/02/crop-yield-bar-chart-position.png" id="0" name="Picture 1"/>
+          <p:cNvPicPr>
+            <a:picLocks noGrp="1" noChangeAspect="1"/>
+          </p:cNvPicPr>
+          <p:nvPr/>
+        </p:nvPicPr>
+        <p:blipFill>
+          <a:blip r:embed="rId3"/>
+          <a:stretch>
+            <a:fillRect/>
+          </a:stretch>
+        </p:blipFill>
+        <p:spPr bwMode="auto">
+          <a:xfrm>
+            <a:off x="1625600" y="1600200"/>
+            <a:ext cx="5892800" cy="4013200"/>
+          </a:xfrm>
+          <a:prstGeom prst="rect">
+            <a:avLst/>
+          </a:prstGeom>
+          <a:noFill/>
+          <a:ln w="9525">
+            <a:noFill/>
+            <a:headEnd/>
+            <a:tailEnd/>
+          </a:ln>
+        </p:spPr>
+      </p:pic>
+      <p:sp>
+        <p:nvSpPr>
+          <p:cNvPr id="1" name="TextBox 3"/>
+          <p:cNvSpPr txBox="1"/>
+          <p:nvPr/>
+        </p:nvSpPr>
+        <p:spPr>
+          <a:xfrm>
+            <a:off x="457200" y="5613400"/>
+            <a:ext cx="8229600" cy="508000"/>
+          </a:xfrm>
+          <a:prstGeom prst="rect">
+            <a:avLst/>
+          </a:prstGeom>
+          <a:noFill/>
+        </p:spPr>
+        <p:txBody>
+          <a:bodyPr/>
+          <a:lstStyle/>
+          <a:p>
+            <a:pPr lvl="0" marL="0" indent="0" algn="ctr">
+              <a:buNone/>
+            </a:pPr>
+            <a:r>
+              <a:rPr/>
+              <a:t>Stacked</a:t>
+            </a:r>
+            <a:r>
+              <a:rPr/>
+              <a:t> </a:t>
+            </a:r>
+            <a:r>
+              <a:rPr/>
+              <a:t>bar</a:t>
+            </a:r>
+            <a:r>
+              <a:rPr/>
+              <a:t> </a:t>
+            </a:r>
+            <a:r>
+              <a:rPr/>
+              <a:t>chart</a:t>
+            </a:r>
+            <a:r>
+              <a:rPr/>
+              <a:t> </a:t>
+            </a:r>
+            <a:r>
+              <a:rPr/>
+              <a:t>of</a:t>
+            </a:r>
+            <a:r>
+              <a:rPr/>
+              <a:t> </a:t>
+            </a:r>
+            <a:r>
+              <a:rPr/>
+              <a:t>crop</a:t>
+            </a:r>
+            <a:r>
+              <a:rPr/>
+              <a:t> </a:t>
+            </a:r>
+            <a:r>
+              <a:rPr/>
+              <a:t>yields</a:t>
+            </a:r>
+          </a:p>
+        </p:txBody>
+      </p:sp>
+    </p:spTree>
+  </p:cSld>
+</p:sld>
+</file>
+
+<file path=ppt/slides/slide14.xml><?xml version="1.0" encoding="utf-8"?>
+<p:sld xmlns:a="http://schemas.openxmlformats.org/drawingml/2006/main" xmlns:r="http://schemas.openxmlformats.org/officeDocument/2006/relationships" xmlns:p="http://schemas.openxmlformats.org/presentationml/2006/main">
+  <p:cSld>
+    <p:spTree>
+      <p:nvGrpSpPr>
+        <p:cNvPr id="1" name=""/>
+        <p:cNvGrpSpPr/>
+        <p:nvPr/>
+      </p:nvGrpSpPr>
+      <p:grpSpPr>
+        <a:xfrm>
+          <a:off x="0" y="0"/>
+          <a:ext cx="0" cy="0"/>
+          <a:chOff x="0" y="0"/>
+          <a:chExt cx="0" cy="0"/>
+        </a:xfrm>
+      </p:grpSpPr>
+      <p:sp>
+        <p:nvSpPr>
+          <p:cNvPr id="2" name="Title 1"/>
+          <p:cNvSpPr>
+            <a:spLocks noGrp="1"/>
+          </p:cNvSpPr>
+          <p:nvPr>
+            <p:ph type="title"/>
+          </p:nvPr>
+        </p:nvSpPr>
+        <p:spPr/>
+        <p:txBody>
+          <a:bodyPr/>
+          <a:lstStyle/>
+          <a:p>
+            <a:pPr lvl="0" marL="0" indent="0">
+              <a:buNone/>
+            </a:pPr>
+            <a:r>
+              <a:rPr/>
+              <a:t>Superimposition</a:t>
+            </a:r>
+            <a:r>
+              <a:rPr/>
+              <a:t> </a:t>
+            </a:r>
+            <a:r>
+              <a:rPr/>
+              <a:t>(first</a:t>
+            </a:r>
+            <a:r>
+              <a:rPr/>
+              <a:t> </a:t>
+            </a:r>
+            <a:r>
+              <a:rPr/>
+              <a:t>green</a:t>
+            </a:r>
+            <a:r>
+              <a:rPr/>
+              <a:t> </a:t>
+            </a:r>
+            <a:r>
+              <a:rPr/>
+              <a:t>bar</a:t>
+            </a:r>
+            <a:r>
+              <a:rPr/>
+              <a:t> </a:t>
+            </a:r>
+            <a:r>
+              <a:rPr/>
+              <a:t>versus</a:t>
+            </a:r>
+            <a:r>
+              <a:rPr/>
+              <a:t> </a:t>
+            </a:r>
+            <a:r>
+              <a:rPr/>
+              <a:t>last</a:t>
+            </a:r>
+            <a:r>
+              <a:rPr/>
+              <a:t> </a:t>
+            </a:r>
+            <a:r>
+              <a:rPr/>
+              <a:t>blue</a:t>
+            </a:r>
+            <a:r>
+              <a:rPr/>
+              <a:t> </a:t>
+            </a:r>
+            <a:r>
+              <a:rPr/>
+              <a:t>bar)</a:t>
+            </a:r>
+          </a:p>
+        </p:txBody>
+      </p:sp>
+      <p:pic>
+        <p:nvPicPr>
+          <p:cNvPr descr="../images/02/crop-yield-bar-chart-length.png" id="0" name="Picture 1"/>
+          <p:cNvPicPr>
+            <a:picLocks noGrp="1" noChangeAspect="1"/>
+          </p:cNvPicPr>
+          <p:nvPr/>
+        </p:nvPicPr>
+        <p:blipFill>
+          <a:blip r:embed="rId3"/>
+          <a:stretch>
+            <a:fillRect/>
+          </a:stretch>
+        </p:blipFill>
+        <p:spPr bwMode="auto">
+          <a:xfrm>
+            <a:off x="1625600" y="1600200"/>
+            <a:ext cx="5892800" cy="4013200"/>
+          </a:xfrm>
+          <a:prstGeom prst="rect">
+            <a:avLst/>
+          </a:prstGeom>
+          <a:noFill/>
+          <a:ln w="9525">
+            <a:noFill/>
+            <a:headEnd/>
+            <a:tailEnd/>
+          </a:ln>
+        </p:spPr>
+      </p:pic>
+      <p:sp>
+        <p:nvSpPr>
+          <p:cNvPr id="1" name="TextBox 3"/>
+          <p:cNvSpPr txBox="1"/>
+          <p:nvPr/>
+        </p:nvSpPr>
+        <p:spPr>
+          <a:xfrm>
+            <a:off x="457200" y="5613400"/>
+            <a:ext cx="8229600" cy="508000"/>
+          </a:xfrm>
+          <a:prstGeom prst="rect">
+            <a:avLst/>
+          </a:prstGeom>
+          <a:noFill/>
+        </p:spPr>
+        <p:txBody>
+          <a:bodyPr/>
+          <a:lstStyle/>
+          <a:p>
+            <a:pPr lvl="0" marL="0" indent="0" algn="ctr">
+              <a:buNone/>
+            </a:pPr>
+            <a:r>
+              <a:rPr/>
+              <a:t>Stacked</a:t>
+            </a:r>
+            <a:r>
+              <a:rPr/>
+              <a:t> </a:t>
+            </a:r>
+            <a:r>
+              <a:rPr/>
+              <a:t>bar</a:t>
+            </a:r>
+            <a:r>
+              <a:rPr/>
+              <a:t> </a:t>
+            </a:r>
+            <a:r>
+              <a:rPr/>
+              <a:t>chart</a:t>
+            </a:r>
+            <a:r>
+              <a:rPr/>
+              <a:t> </a:t>
+            </a:r>
+            <a:r>
+              <a:rPr/>
+              <a:t>of</a:t>
+            </a:r>
+            <a:r>
+              <a:rPr/>
+              <a:t> </a:t>
+            </a:r>
+            <a:r>
+              <a:rPr/>
+              <a:t>crop</a:t>
+            </a:r>
+            <a:r>
+              <a:rPr/>
+              <a:t> </a:t>
+            </a:r>
+            <a:r>
+              <a:rPr/>
+              <a:t>yields</a:t>
+            </a:r>
+          </a:p>
+        </p:txBody>
+      </p:sp>
+    </p:spTree>
+  </p:cSld>
+</p:sld>
+</file>
+
+<file path=ppt/slides/slide15.xml><?xml version="1.0" encoding="utf-8"?>
+<p:sld xmlns:a="http://schemas.openxmlformats.org/drawingml/2006/main" xmlns:r="http://schemas.openxmlformats.org/officeDocument/2006/relationships" xmlns:p="http://schemas.openxmlformats.org/presentationml/2006/main">
+  <p:cSld>
+    <p:spTree>
+      <p:nvGrpSpPr>
+        <p:cNvPr id="1" name=""/>
+        <p:cNvGrpSpPr/>
+        <p:nvPr/>
+      </p:nvGrpSpPr>
+      <p:grpSpPr>
+        <a:xfrm>
+          <a:off x="0" y="0"/>
+          <a:ext cx="0" cy="0"/>
+          <a:chOff x="0" y="0"/>
+          <a:chExt cx="0" cy="0"/>
+        </a:xfrm>
+      </p:grpSpPr>
+      <p:sp>
+        <p:nvSpPr>
+          <p:cNvPr id="2" name="Title 1"/>
+          <p:cNvSpPr>
+            <a:spLocks noGrp="1"/>
+          </p:cNvSpPr>
+          <p:nvPr>
+            <p:ph type="title"/>
+          </p:nvPr>
+        </p:nvSpPr>
+        <p:spPr/>
+        <p:txBody>
+          <a:bodyPr/>
+          <a:lstStyle/>
+          <a:p>
+            <a:pPr lvl="0" marL="0" indent="0">
+              <a:buNone/>
+            </a:pPr>
+            <a:r>
+              <a:rPr/>
+              <a:t>Visual</a:t>
+            </a:r>
+            <a:r>
+              <a:rPr/>
+              <a:t> </a:t>
+            </a:r>
+            <a:r>
+              <a:rPr/>
+              <a:t>processing</a:t>
+            </a:r>
+            <a:r>
+              <a:rPr/>
+              <a:t> </a:t>
+            </a:r>
+            <a:r>
+              <a:rPr/>
+              <a:t>(2</a:t>
+            </a:r>
+            <a:r>
+              <a:rPr/>
+              <a:t> </a:t>
+            </a:r>
+            <a:r>
+              <a:rPr/>
+              <a:t>of</a:t>
+            </a:r>
+            <a:r>
+              <a:rPr/>
+              <a:t> </a:t>
+            </a:r>
+            <a:r>
+              <a:rPr/>
+              <a:t>3)</a:t>
+            </a:r>
+          </a:p>
+        </p:txBody>
+      </p:sp>
+      <p:sp>
+        <p:nvSpPr>
+          <p:cNvPr id="3" name="Content Placeholder 2"/>
+          <p:cNvSpPr>
+            <a:spLocks noGrp="1"/>
+          </p:cNvSpPr>
+          <p:nvPr>
+            <p:ph idx="1"/>
+          </p:nvPr>
+        </p:nvSpPr>
+        <p:spPr/>
+        <p:txBody>
+          <a:bodyPr/>
+          <a:lstStyle/>
+          <a:p>
+            <a:pPr lvl="1"/>
+            <a:r>
+              <a:rPr/>
+              <a:t>Scanning</a:t>
+            </a:r>
+          </a:p>
+          <a:p>
+            <a:pPr lvl="2"/>
+            <a:r>
+              <a:rPr/>
+              <a:t>Quantifying distance throug the use of a mental tape measure</a:t>
+            </a:r>
+          </a:p>
+          <a:p>
+            <a:pPr lvl="2"/>
+            <a:r>
+              <a:rPr/>
+              <a:t>Shorter distances are easier</a:t>
+            </a:r>
+          </a:p>
+          <a:p>
+            <a:pPr lvl="1"/>
+            <a:r>
+              <a:rPr/>
+              <a:t>Anchoring</a:t>
+            </a:r>
+          </a:p>
+          <a:p>
+            <a:pPr lvl="2"/>
+            <a:r>
+              <a:rPr/>
+              <a:t>Implicit or explicit development of reference points</a:t>
+            </a:r>
+          </a:p>
+          <a:p>
+            <a:pPr lvl="2"/>
+            <a:r>
+              <a:rPr/>
+              <a:t>Assists with scanning</a:t>
+            </a:r>
+          </a:p>
+        </p:txBody>
+      </p:sp>
+    </p:spTree>
+  </p:cSld>
+</p:sld>
+</file>
+
+<file path=ppt/slides/slide16.xml><?xml version="1.0" encoding="utf-8"?>
+<p:sld xmlns:a="http://schemas.openxmlformats.org/drawingml/2006/main" xmlns:r="http://schemas.openxmlformats.org/officeDocument/2006/relationships" xmlns:p="http://schemas.openxmlformats.org/presentationml/2006/main">
+  <p:cSld>
+    <p:spTree>
+      <p:nvGrpSpPr>
+        <p:cNvPr id="1" name=""/>
+        <p:cNvGrpSpPr/>
+        <p:nvPr/>
+      </p:nvGrpSpPr>
+      <p:grpSpPr>
+        <a:xfrm>
+          <a:off x="0" y="0"/>
+          <a:ext cx="0" cy="0"/>
+          <a:chOff x="0" y="0"/>
+          <a:chExt cx="0" cy="0"/>
+        </a:xfrm>
+      </p:grpSpPr>
+      <p:sp>
+        <p:nvSpPr>
+          <p:cNvPr id="2" name="Title 1"/>
+          <p:cNvSpPr>
+            <a:spLocks noGrp="1"/>
+          </p:cNvSpPr>
+          <p:nvPr>
+            <p:ph type="title"/>
+          </p:nvPr>
+        </p:nvSpPr>
+        <p:spPr/>
+        <p:txBody>
+          <a:bodyPr/>
+          <a:lstStyle/>
+          <a:p>
+            <a:pPr lvl="0" marL="0" indent="0">
+              <a:buNone/>
+            </a:pPr>
+            <a:r>
+              <a:rPr/>
+              <a:t>Scanning</a:t>
+            </a:r>
+          </a:p>
+        </p:txBody>
+      </p:sp>
+      <p:pic>
+        <p:nvPicPr>
+          <p:cNvPr descr="../images/02/simon_fuel_gauge1.png" id="0" name="Picture 1"/>
+          <p:cNvPicPr>
+            <a:picLocks noGrp="1" noChangeAspect="1"/>
+          </p:cNvPicPr>
+          <p:nvPr/>
+        </p:nvPicPr>
+        <p:blipFill>
+          <a:blip r:embed="rId3"/>
+          <a:stretch>
+            <a:fillRect/>
+          </a:stretch>
+        </p:blipFill>
+        <p:spPr bwMode="auto">
+          <a:xfrm>
+            <a:off x="3568700" y="1600200"/>
+            <a:ext cx="2006600" cy="4013200"/>
+          </a:xfrm>
+          <a:prstGeom prst="rect">
+            <a:avLst/>
+          </a:prstGeom>
+          <a:noFill/>
+          <a:ln w="9525">
+            <a:noFill/>
+            <a:headEnd/>
+            <a:tailEnd/>
+          </a:ln>
+        </p:spPr>
+      </p:pic>
+      <p:sp>
+        <p:nvSpPr>
+          <p:cNvPr id="1" name="TextBox 3"/>
+          <p:cNvSpPr txBox="1"/>
+          <p:nvPr/>
+        </p:nvSpPr>
+        <p:spPr>
+          <a:xfrm>
+            <a:off x="457200" y="5613400"/>
+            <a:ext cx="8229600" cy="508000"/>
+          </a:xfrm>
+          <a:prstGeom prst="rect">
+            <a:avLst/>
+          </a:prstGeom>
+          <a:noFill/>
+        </p:spPr>
+        <p:txBody>
+          <a:bodyPr/>
+          <a:lstStyle/>
+          <a:p>
+            <a:pPr lvl="0" marL="0" indent="0" algn="ctr">
+              <a:buNone/>
+            </a:pPr>
+            <a:r>
+              <a:rPr/>
+              <a:t>Image</a:t>
+            </a:r>
+            <a:r>
+              <a:rPr/>
+              <a:t> </a:t>
+            </a:r>
+            <a:r>
+              <a:rPr/>
+              <a:t>of</a:t>
+            </a:r>
+            <a:r>
+              <a:rPr/>
+              <a:t> </a:t>
+            </a:r>
+            <a:r>
+              <a:rPr/>
+              <a:t>a</a:t>
+            </a:r>
+            <a:r>
+              <a:rPr/>
+              <a:t> </a:t>
+            </a:r>
+            <a:r>
+              <a:rPr/>
+              <a:t>fuel</a:t>
+            </a:r>
+            <a:r>
+              <a:rPr/>
+              <a:t> </a:t>
+            </a:r>
+            <a:r>
+              <a:rPr/>
+              <a:t>gauge,</a:t>
+            </a:r>
+            <a:r>
+              <a:rPr/>
+              <a:t> </a:t>
+            </a:r>
+            <a:r>
+              <a:rPr/>
+              <a:t>65%</a:t>
+            </a:r>
+            <a:r>
+              <a:rPr/>
+              <a:t> </a:t>
+            </a:r>
+            <a:r>
+              <a:rPr/>
+              <a:t>full</a:t>
+            </a:r>
+          </a:p>
+        </p:txBody>
+      </p:sp>
+    </p:spTree>
+  </p:cSld>
+</p:sld>
+</file>
+
+<file path=ppt/slides/slide17.xml><?xml version="1.0" encoding="utf-8"?>
+<p:sld xmlns:a="http://schemas.openxmlformats.org/drawingml/2006/main" xmlns:r="http://schemas.openxmlformats.org/officeDocument/2006/relationships" xmlns:p="http://schemas.openxmlformats.org/presentationml/2006/main">
+  <p:cSld>
+    <p:spTree>
+      <p:nvGrpSpPr>
+        <p:cNvPr id="1" name=""/>
+        <p:cNvGrpSpPr/>
+        <p:nvPr/>
+      </p:nvGrpSpPr>
+      <p:grpSpPr>
+        <a:xfrm>
+          <a:off x="0" y="0"/>
+          <a:ext cx="0" cy="0"/>
+          <a:chOff x="0" y="0"/>
+          <a:chExt cx="0" cy="0"/>
+        </a:xfrm>
+      </p:grpSpPr>
+      <p:sp>
+        <p:nvSpPr>
+          <p:cNvPr id="2" name="Title 1"/>
+          <p:cNvSpPr>
+            <a:spLocks noGrp="1"/>
+          </p:cNvSpPr>
+          <p:nvPr>
+            <p:ph type="title"/>
+          </p:nvPr>
+        </p:nvSpPr>
+        <p:spPr/>
+        <p:txBody>
+          <a:bodyPr/>
+          <a:lstStyle/>
+          <a:p>
+            <a:pPr lvl="0" marL="0" indent="0">
+              <a:buNone/>
+            </a:pPr>
+            <a:r>
+              <a:rPr/>
+              <a:t>Assisting</a:t>
+            </a:r>
+            <a:r>
+              <a:rPr/>
+              <a:t> </a:t>
+            </a:r>
+            <a:r>
+              <a:rPr/>
+              <a:t>scanning</a:t>
+            </a:r>
+            <a:r>
+              <a:rPr/>
+              <a:t> </a:t>
+            </a:r>
+            <a:r>
+              <a:rPr/>
+              <a:t>with</a:t>
+            </a:r>
+            <a:r>
+              <a:rPr/>
+              <a:t> </a:t>
+            </a:r>
+            <a:r>
+              <a:rPr/>
+              <a:t>anchors</a:t>
+            </a:r>
+          </a:p>
+        </p:txBody>
+      </p:sp>
+      <p:pic>
+        <p:nvPicPr>
+          <p:cNvPr descr="../images/02/simon_fuel_gauge2.png" id="0" name="Picture 1"/>
+          <p:cNvPicPr>
+            <a:picLocks noGrp="1" noChangeAspect="1"/>
+          </p:cNvPicPr>
+          <p:nvPr/>
+        </p:nvPicPr>
+        <p:blipFill>
+          <a:blip r:embed="rId3"/>
+          <a:stretch>
+            <a:fillRect/>
+          </a:stretch>
+        </p:blipFill>
+        <p:spPr bwMode="auto">
+          <a:xfrm>
+            <a:off x="3568700" y="1600200"/>
+            <a:ext cx="2006600" cy="4013200"/>
+          </a:xfrm>
+          <a:prstGeom prst="rect">
+            <a:avLst/>
+          </a:prstGeom>
+          <a:noFill/>
+          <a:ln w="9525">
+            <a:noFill/>
+            <a:headEnd/>
+            <a:tailEnd/>
+          </a:ln>
+        </p:spPr>
+      </p:pic>
+      <p:sp>
+        <p:nvSpPr>
+          <p:cNvPr id="1" name="TextBox 3"/>
+          <p:cNvSpPr txBox="1"/>
+          <p:nvPr/>
+        </p:nvSpPr>
+        <p:spPr>
+          <a:xfrm>
+            <a:off x="457200" y="5613400"/>
+            <a:ext cx="8229600" cy="508000"/>
+          </a:xfrm>
+          <a:prstGeom prst="rect">
+            <a:avLst/>
+          </a:prstGeom>
+          <a:noFill/>
+        </p:spPr>
+        <p:txBody>
+          <a:bodyPr/>
+          <a:lstStyle/>
+          <a:p>
+            <a:pPr lvl="0" marL="0" indent="0" algn="ctr">
+              <a:buNone/>
+            </a:pPr>
+            <a:r>
+              <a:rPr/>
+              <a:t>Image</a:t>
+            </a:r>
+            <a:r>
+              <a:rPr/>
+              <a:t> </a:t>
+            </a:r>
+            <a:r>
+              <a:rPr/>
+              <a:t>of</a:t>
+            </a:r>
+            <a:r>
+              <a:rPr/>
+              <a:t> </a:t>
+            </a:r>
+            <a:r>
+              <a:rPr/>
+              <a:t>a</a:t>
+            </a:r>
+            <a:r>
+              <a:rPr/>
+              <a:t> </a:t>
+            </a:r>
+            <a:r>
+              <a:rPr/>
+              <a:t>fuel</a:t>
+            </a:r>
+            <a:r>
+              <a:rPr/>
+              <a:t> </a:t>
+            </a:r>
+            <a:r>
+              <a:rPr/>
+              <a:t>gauge,</a:t>
+            </a:r>
+            <a:r>
+              <a:rPr/>
+              <a:t> </a:t>
+            </a:r>
+            <a:r>
+              <a:rPr/>
+              <a:t>anchors</a:t>
+            </a:r>
+            <a:r>
+              <a:rPr/>
+              <a:t> </a:t>
+            </a:r>
+            <a:r>
+              <a:rPr/>
+              <a:t>at</a:t>
+            </a:r>
+            <a:r>
+              <a:rPr/>
+              <a:t> </a:t>
+            </a:r>
+            <a:r>
+              <a:rPr/>
+              <a:t>1/4,</a:t>
+            </a:r>
+            <a:r>
+              <a:rPr/>
+              <a:t> </a:t>
+            </a:r>
+            <a:r>
+              <a:rPr/>
+              <a:t>half,</a:t>
+            </a:r>
+            <a:r>
+              <a:rPr/>
+              <a:t> </a:t>
+            </a:r>
+            <a:r>
+              <a:rPr/>
+              <a:t>3/4</a:t>
+            </a:r>
+          </a:p>
+        </p:txBody>
+      </p:sp>
+    </p:spTree>
+  </p:cSld>
+</p:sld>
+</file>
+
+<file path=ppt/slides/slide18.xml><?xml version="1.0" encoding="utf-8"?>
+<p:sld xmlns:a="http://schemas.openxmlformats.org/drawingml/2006/main" xmlns:r="http://schemas.openxmlformats.org/officeDocument/2006/relationships" xmlns:p="http://schemas.openxmlformats.org/presentationml/2006/main">
+  <p:cSld>
+    <p:spTree>
+      <p:nvGrpSpPr>
+        <p:cNvPr id="1" name=""/>
+        <p:cNvGrpSpPr/>
+        <p:nvPr/>
+      </p:nvGrpSpPr>
+      <p:grpSpPr>
+        <a:xfrm>
+          <a:off x="0" y="0"/>
+          <a:ext cx="0" cy="0"/>
+          <a:chOff x="0" y="0"/>
+          <a:chExt cx="0" cy="0"/>
+        </a:xfrm>
+      </p:grpSpPr>
+      <p:sp>
+        <p:nvSpPr>
+          <p:cNvPr id="2" name="Title 1"/>
+          <p:cNvSpPr>
+            <a:spLocks noGrp="1"/>
+          </p:cNvSpPr>
+          <p:nvPr>
+            <p:ph type="title"/>
+          </p:nvPr>
+        </p:nvSpPr>
+        <p:spPr/>
+        <p:txBody>
+          <a:bodyPr/>
+          <a:lstStyle/>
+          <a:p>
+            <a:pPr lvl="0" marL="0" indent="0">
+              <a:buNone/>
+            </a:pPr>
+            <a:r>
+              <a:rPr/>
+              <a:t>Visual</a:t>
+            </a:r>
+            <a:r>
+              <a:rPr/>
+              <a:t> </a:t>
+            </a:r>
+            <a:r>
+              <a:rPr/>
+              <a:t>processing</a:t>
+            </a:r>
+            <a:r>
+              <a:rPr/>
+              <a:t> </a:t>
+            </a:r>
+            <a:r>
+              <a:rPr/>
+              <a:t>(3</a:t>
+            </a:r>
+            <a:r>
+              <a:rPr/>
+              <a:t> </a:t>
+            </a:r>
+            <a:r>
+              <a:rPr/>
+              <a:t>of</a:t>
+            </a:r>
+            <a:r>
+              <a:rPr/>
+              <a:t> </a:t>
+            </a:r>
+            <a:r>
+              <a:rPr/>
+              <a:t>3)</a:t>
+            </a:r>
+          </a:p>
+        </p:txBody>
+      </p:sp>
+      <p:sp>
+        <p:nvSpPr>
+          <p:cNvPr id="3" name="Content Placeholder 2"/>
+          <p:cNvSpPr>
+            <a:spLocks noGrp="1"/>
+          </p:cNvSpPr>
+          <p:nvPr>
+            <p:ph idx="1"/>
+          </p:nvPr>
+        </p:nvSpPr>
+        <p:spPr/>
+        <p:txBody>
+          <a:bodyPr/>
+          <a:lstStyle/>
+          <a:p>
+            <a:pPr lvl="1"/>
+            <a:r>
+              <a:rPr/>
+              <a:t>Visually simple tasks</a:t>
+            </a:r>
+          </a:p>
+          <a:p>
+            <a:pPr lvl="2"/>
+            <a:r>
+              <a:rPr/>
+              <a:t>Position</a:t>
+            </a:r>
+          </a:p>
+          <a:p>
+            <a:pPr lvl="2"/>
+            <a:r>
+              <a:rPr/>
+              <a:t>Length</a:t>
+            </a:r>
+          </a:p>
+          <a:p>
+            <a:pPr lvl="2"/>
+            <a:r>
+              <a:rPr/>
+              <a:t>Angle/slope</a:t>
+            </a:r>
+          </a:p>
+          <a:p>
+            <a:pPr lvl="1"/>
+            <a:r>
+              <a:rPr/>
+              <a:t>Visually demanding tasks</a:t>
+            </a:r>
+          </a:p>
+          <a:p>
+            <a:pPr lvl="2"/>
+            <a:r>
+              <a:rPr/>
+              <a:t>Area</a:t>
+            </a:r>
+          </a:p>
+          <a:p>
+            <a:pPr lvl="2"/>
+            <a:r>
+              <a:rPr/>
+              <a:t>Volume</a:t>
+            </a:r>
+          </a:p>
+          <a:p>
+            <a:pPr lvl="2"/>
+            <a:r>
+              <a:rPr/>
+              <a:t>Density/Saturation/Hue</a:t>
+            </a:r>
+          </a:p>
+        </p:txBody>
+      </p:sp>
+    </p:spTree>
+  </p:cSld>
+</p:sld>
+</file>
+
+<file path=ppt/slides/slide19.xml><?xml version="1.0" encoding="utf-8"?>
+<p:sld xmlns:a="http://schemas.openxmlformats.org/drawingml/2006/main" xmlns:r="http://schemas.openxmlformats.org/officeDocument/2006/relationships" xmlns:p="http://schemas.openxmlformats.org/presentationml/2006/main">
+  <p:cSld>
+    <p:spTree>
+      <p:nvGrpSpPr>
+        <p:cNvPr id="1" name=""/>
+        <p:cNvGrpSpPr/>
+        <p:nvPr/>
+      </p:nvGrpSpPr>
+      <p:grpSpPr>
+        <a:xfrm>
+          <a:off x="0" y="0"/>
+          <a:ext cx="0" cy="0"/>
+          <a:chOff x="0" y="0"/>
+          <a:chExt cx="0" cy="0"/>
+        </a:xfrm>
+      </p:grpSpPr>
+      <p:sp>
+        <p:nvSpPr>
+          <p:cNvPr id="2" name="Title 1"/>
+          <p:cNvSpPr>
+            <a:spLocks noGrp="1"/>
+          </p:cNvSpPr>
+          <p:nvPr>
+            <p:ph type="title"/>
+          </p:nvPr>
+        </p:nvSpPr>
+        <p:spPr/>
+        <p:txBody>
+          <a:bodyPr/>
+          <a:lstStyle/>
+          <a:p>
+            <a:pPr lvl="0" marL="0" indent="0">
+              <a:buNone/>
+            </a:pPr>
+            <a:r>
+              <a:rPr/>
+              <a:t>Position</a:t>
+            </a:r>
+            <a:r>
+              <a:rPr/>
+              <a:t> </a:t>
+            </a:r>
+            <a:r>
+              <a:rPr/>
+              <a:t>(first</a:t>
+            </a:r>
+            <a:r>
+              <a:rPr/>
+              <a:t> </a:t>
+            </a:r>
+            <a:r>
+              <a:rPr/>
+              <a:t>yellow</a:t>
+            </a:r>
+            <a:r>
+              <a:rPr/>
+              <a:t> </a:t>
+            </a:r>
+            <a:r>
+              <a:rPr/>
+              <a:t>bar</a:t>
+            </a:r>
+            <a:r>
+              <a:rPr/>
+              <a:t> </a:t>
+            </a:r>
+            <a:r>
+              <a:rPr/>
+              <a:t>versus</a:t>
+            </a:r>
+            <a:r>
+              <a:rPr/>
+              <a:t> </a:t>
+            </a:r>
+            <a:r>
+              <a:rPr/>
+              <a:t>last</a:t>
+            </a:r>
+            <a:r>
+              <a:rPr/>
+              <a:t> </a:t>
+            </a:r>
+            <a:r>
+              <a:rPr/>
+              <a:t>yellow</a:t>
+            </a:r>
+            <a:r>
+              <a:rPr/>
+              <a:t> </a:t>
+            </a:r>
+            <a:r>
+              <a:rPr/>
+              <a:t>bar)</a:t>
+            </a:r>
+          </a:p>
+        </p:txBody>
+      </p:sp>
+      <p:pic>
+        <p:nvPicPr>
+          <p:cNvPr descr="../images/02/crop-yield-bar-chart-position.png" id="0" name="Picture 1"/>
+          <p:cNvPicPr>
+            <a:picLocks noGrp="1" noChangeAspect="1"/>
+          </p:cNvPicPr>
+          <p:nvPr/>
+        </p:nvPicPr>
+        <p:blipFill>
+          <a:blip r:embed="rId3"/>
+          <a:stretch>
+            <a:fillRect/>
+          </a:stretch>
+        </p:blipFill>
+        <p:spPr bwMode="auto">
+          <a:xfrm>
+            <a:off x="1625600" y="1600200"/>
+            <a:ext cx="5892800" cy="4013200"/>
+          </a:xfrm>
+          <a:prstGeom prst="rect">
+            <a:avLst/>
+          </a:prstGeom>
+          <a:noFill/>
+          <a:ln w="9525">
+            <a:noFill/>
+            <a:headEnd/>
+            <a:tailEnd/>
+          </a:ln>
+        </p:spPr>
+      </p:pic>
+      <p:sp>
+        <p:nvSpPr>
+          <p:cNvPr id="1" name="TextBox 3"/>
+          <p:cNvSpPr txBox="1"/>
+          <p:nvPr/>
+        </p:nvSpPr>
+        <p:spPr>
+          <a:xfrm>
+            <a:off x="457200" y="5613400"/>
+            <a:ext cx="8229600" cy="508000"/>
+          </a:xfrm>
+          <a:prstGeom prst="rect">
+            <a:avLst/>
+          </a:prstGeom>
+          <a:noFill/>
+        </p:spPr>
+        <p:txBody>
+          <a:bodyPr/>
+          <a:lstStyle/>
+          <a:p>
+            <a:pPr lvl="0" marL="0" indent="0" algn="ctr">
+              <a:buNone/>
+            </a:pPr>
+            <a:r>
+              <a:rPr/>
+              <a:t>Stacked</a:t>
+            </a:r>
+            <a:r>
+              <a:rPr/>
+              <a:t> </a:t>
+            </a:r>
+            <a:r>
+              <a:rPr/>
+              <a:t>bar</a:t>
+            </a:r>
+            <a:r>
+              <a:rPr/>
+              <a:t> </a:t>
+            </a:r>
+            <a:r>
+              <a:rPr/>
+              <a:t>chart</a:t>
+            </a:r>
+            <a:r>
+              <a:rPr/>
+              <a:t> </a:t>
+            </a:r>
+            <a:r>
+              <a:rPr/>
+              <a:t>of</a:t>
+            </a:r>
+            <a:r>
+              <a:rPr/>
+              <a:t> </a:t>
+            </a:r>
+            <a:r>
+              <a:rPr/>
+              <a:t>crop</a:t>
+            </a:r>
+            <a:r>
+              <a:rPr/>
+              <a:t> </a:t>
+            </a:r>
+            <a:r>
+              <a:rPr/>
+              <a:t>yields</a:t>
+            </a:r>
+          </a:p>
+        </p:txBody>
+      </p:sp>
+    </p:spTree>
+  </p:cSld>
+</p:sld>
+</file>
+
+<file path=ppt/slides/slide2.xml><?xml version="1.0" encoding="utf-8"?>
+<p:sld xmlns:a="http://schemas.openxmlformats.org/drawingml/2006/main" xmlns:r="http://schemas.openxmlformats.org/officeDocument/2006/relationships" xmlns:p="http://schemas.openxmlformats.org/presentationml/2006/main">
+  <p:cSld>
+    <p:spTree>
+      <p:nvGrpSpPr>
+        <p:cNvPr id="1" name=""/>
+        <p:cNvGrpSpPr/>
+        <p:nvPr/>
+      </p:nvGrpSpPr>
+      <p:grpSpPr>
+        <a:xfrm>
+          <a:off x="0" y="0"/>
+          <a:ext cx="0" cy="0"/>
+          <a:chOff x="0" y="0"/>
+          <a:chExt cx="0" cy="0"/>
+        </a:xfrm>
+      </p:grpSpPr>
+      <p:sp>
+        <p:nvSpPr>
+          <p:cNvPr id="2" name="Title 1"/>
+          <p:cNvSpPr>
+            <a:spLocks noGrp="1"/>
+          </p:cNvSpPr>
+          <p:nvPr>
+            <p:ph type="title"/>
+          </p:nvPr>
+        </p:nvSpPr>
+        <p:spPr/>
+        <p:txBody>
+          <a:bodyPr/>
+          <a:lstStyle/>
+          <a:p>
+            <a:pPr lvl="0" marL="0" indent="0">
+              <a:buNone/>
+            </a:pPr>
+            <a:r>
+              <a:rPr/>
+              <a:t>Notes</a:t>
+            </a:r>
+            <a:r>
+              <a:rPr/>
+              <a:t> </a:t>
+            </a:r>
+            <a:r>
+              <a:rPr/>
+              <a:t>about</a:t>
+            </a:r>
+            <a:r>
+              <a:rPr/>
+              <a:t> </a:t>
+            </a:r>
+            <a:r>
+              <a:rPr/>
+              <a:t>this</a:t>
+            </a:r>
+            <a:r>
+              <a:rPr/>
+              <a:t> </a:t>
+            </a:r>
+            <a:r>
+              <a:rPr/>
+              <a:t>talk</a:t>
+            </a:r>
+          </a:p>
+        </p:txBody>
+      </p:sp>
+      <p:sp>
+        <p:nvSpPr>
+          <p:cNvPr id="3" name="Content Placeholder 2"/>
+          <p:cNvSpPr>
+            <a:spLocks noGrp="1"/>
+          </p:cNvSpPr>
+          <p:nvPr>
+            <p:ph idx="1"/>
+          </p:nvPr>
+        </p:nvSpPr>
+        <p:spPr/>
+        <p:txBody>
+          <a:bodyPr/>
+          <a:lstStyle/>
+          <a:p>
+            <a:pPr lvl="1"/>
+            <a:r>
+              <a:rPr/>
+              <a:t>This slide should not to be included in the final presentation</a:t>
+            </a:r>
+          </a:p>
+          <a:p>
+            <a:pPr lvl="1"/>
+            <a:r>
+              <a:rPr/>
+              <a:t>01-points MUST come before</a:t>
+            </a:r>
+          </a:p>
+          <a:p>
+            <a:pPr lvl="1"/>
+            <a:r>
+              <a:rPr/>
+              <a:t>03-lines could come before or after</a:t>
+            </a:r>
+          </a:p>
+        </p:txBody>
+      </p:sp>
+    </p:spTree>
+  </p:cSld>
+</p:sld>
+</file>
+
+<file path=ppt/slides/slide20.xml><?xml version="1.0" encoding="utf-8"?>
+<p:sld xmlns:a="http://schemas.openxmlformats.org/drawingml/2006/main" xmlns:r="http://schemas.openxmlformats.org/officeDocument/2006/relationships" xmlns:p="http://schemas.openxmlformats.org/presentationml/2006/main">
+  <p:cSld>
+    <p:spTree>
+      <p:nvGrpSpPr>
+        <p:cNvPr id="1" name=""/>
+        <p:cNvGrpSpPr/>
+        <p:nvPr/>
+      </p:nvGrpSpPr>
+      <p:grpSpPr>
+        <a:xfrm>
+          <a:off x="0" y="0"/>
+          <a:ext cx="0" cy="0"/>
+          <a:chOff x="0" y="0"/>
+          <a:chExt cx="0" cy="0"/>
+        </a:xfrm>
+      </p:grpSpPr>
+      <p:sp>
+        <p:nvSpPr>
+          <p:cNvPr id="2" name="Title 1"/>
+          <p:cNvSpPr>
+            <a:spLocks noGrp="1"/>
+          </p:cNvSpPr>
+          <p:nvPr>
+            <p:ph type="title"/>
+          </p:nvPr>
+        </p:nvSpPr>
+        <p:spPr/>
+        <p:txBody>
+          <a:bodyPr/>
+          <a:lstStyle/>
+          <a:p>
+            <a:pPr lvl="0" marL="0" indent="0">
+              <a:buNone/>
+            </a:pPr>
+            <a:r>
+              <a:rPr/>
+              <a:t>Length</a:t>
+            </a:r>
+            <a:r>
+              <a:rPr/>
+              <a:t> </a:t>
+            </a:r>
+            <a:r>
+              <a:rPr/>
+              <a:t>(first</a:t>
+            </a:r>
+            <a:r>
+              <a:rPr/>
+              <a:t> </a:t>
+            </a:r>
+            <a:r>
+              <a:rPr/>
+              <a:t>green</a:t>
+            </a:r>
+            <a:r>
+              <a:rPr/>
+              <a:t> </a:t>
+            </a:r>
+            <a:r>
+              <a:rPr/>
+              <a:t>bar</a:t>
+            </a:r>
+            <a:r>
+              <a:rPr/>
+              <a:t> </a:t>
+            </a:r>
+            <a:r>
+              <a:rPr/>
+              <a:t>versus</a:t>
+            </a:r>
+            <a:r>
+              <a:rPr/>
+              <a:t> </a:t>
+            </a:r>
+            <a:r>
+              <a:rPr/>
+              <a:t>last</a:t>
+            </a:r>
+            <a:r>
+              <a:rPr/>
+              <a:t> </a:t>
+            </a:r>
+            <a:r>
+              <a:rPr/>
+              <a:t>blue</a:t>
+            </a:r>
+            <a:r>
+              <a:rPr/>
+              <a:t> </a:t>
+            </a:r>
+            <a:r>
+              <a:rPr/>
+              <a:t>bar)</a:t>
+            </a:r>
+          </a:p>
+        </p:txBody>
+      </p:sp>
+      <p:pic>
+        <p:nvPicPr>
+          <p:cNvPr descr="../images/02/crop-yield-bar-chart-length.png" id="0" name="Picture 1"/>
+          <p:cNvPicPr>
+            <a:picLocks noGrp="1" noChangeAspect="1"/>
+          </p:cNvPicPr>
+          <p:nvPr/>
+        </p:nvPicPr>
+        <p:blipFill>
+          <a:blip r:embed="rId3"/>
+          <a:stretch>
+            <a:fillRect/>
+          </a:stretch>
+        </p:blipFill>
+        <p:spPr bwMode="auto">
+          <a:xfrm>
+            <a:off x="1625600" y="1600200"/>
+            <a:ext cx="5892800" cy="4013200"/>
+          </a:xfrm>
+          <a:prstGeom prst="rect">
+            <a:avLst/>
+          </a:prstGeom>
+          <a:noFill/>
+          <a:ln w="9525">
+            <a:noFill/>
+            <a:headEnd/>
+            <a:tailEnd/>
+          </a:ln>
+        </p:spPr>
+      </p:pic>
+      <p:sp>
+        <p:nvSpPr>
+          <p:cNvPr id="1" name="TextBox 3"/>
+          <p:cNvSpPr txBox="1"/>
+          <p:nvPr/>
+        </p:nvSpPr>
+        <p:spPr>
+          <a:xfrm>
+            <a:off x="457200" y="5613400"/>
+            <a:ext cx="8229600" cy="508000"/>
+          </a:xfrm>
+          <a:prstGeom prst="rect">
+            <a:avLst/>
+          </a:prstGeom>
+          <a:noFill/>
+        </p:spPr>
+        <p:txBody>
+          <a:bodyPr/>
+          <a:lstStyle/>
+          <a:p>
+            <a:pPr lvl="0" marL="0" indent="0" algn="ctr">
+              <a:buNone/>
+            </a:pPr>
+            <a:r>
+              <a:rPr/>
+              <a:t>Stacked</a:t>
+            </a:r>
+            <a:r>
+              <a:rPr/>
+              <a:t> </a:t>
+            </a:r>
+            <a:r>
+              <a:rPr/>
+              <a:t>bar</a:t>
+            </a:r>
+            <a:r>
+              <a:rPr/>
+              <a:t> </a:t>
+            </a:r>
+            <a:r>
+              <a:rPr/>
+              <a:t>chart</a:t>
+            </a:r>
+            <a:r>
+              <a:rPr/>
+              <a:t> </a:t>
+            </a:r>
+            <a:r>
+              <a:rPr/>
+              <a:t>of</a:t>
+            </a:r>
+            <a:r>
+              <a:rPr/>
+              <a:t> </a:t>
+            </a:r>
+            <a:r>
+              <a:rPr/>
+              <a:t>crop</a:t>
+            </a:r>
+            <a:r>
+              <a:rPr/>
+              <a:t> </a:t>
+            </a:r>
+            <a:r>
+              <a:rPr/>
+              <a:t>yields</a:t>
+            </a:r>
+          </a:p>
+        </p:txBody>
+      </p:sp>
+    </p:spTree>
+  </p:cSld>
+</p:sld>
+</file>
+
+<file path=ppt/slides/slide21.xml><?xml version="1.0" encoding="utf-8"?>
+<p:sld xmlns:a="http://schemas.openxmlformats.org/drawingml/2006/main" xmlns:r="http://schemas.openxmlformats.org/officeDocument/2006/relationships" xmlns:p="http://schemas.openxmlformats.org/presentationml/2006/main">
+  <p:cSld>
+    <p:spTree>
+      <p:nvGrpSpPr>
+        <p:cNvPr id="1" name=""/>
+        <p:cNvGrpSpPr/>
+        <p:nvPr/>
+      </p:nvGrpSpPr>
+      <p:grpSpPr>
+        <a:xfrm>
+          <a:off x="0" y="0"/>
+          <a:ext cx="0" cy="0"/>
+          <a:chOff x="0" y="0"/>
+          <a:chExt cx="0" cy="0"/>
+        </a:xfrm>
+      </p:grpSpPr>
+      <p:sp>
+        <p:nvSpPr>
+          <p:cNvPr id="2" name="Title 1"/>
+          <p:cNvSpPr>
+            <a:spLocks noGrp="1"/>
+          </p:cNvSpPr>
+          <p:nvPr>
+            <p:ph type="title"/>
+          </p:nvPr>
+        </p:nvSpPr>
+        <p:spPr/>
+        <p:txBody>
+          <a:bodyPr/>
+          <a:lstStyle/>
+          <a:p>
+            <a:pPr lvl="0" marL="0" indent="0">
+              <a:buNone/>
+            </a:pPr>
+            <a:r>
+              <a:rPr/>
+              <a:t>Angle/slope</a:t>
+            </a:r>
+            <a:r>
+              <a:rPr/>
+              <a:t> </a:t>
+            </a:r>
+            <a:r>
+              <a:rPr/>
+              <a:t>(first</a:t>
+            </a:r>
+            <a:r>
+              <a:rPr/>
+              <a:t> </a:t>
+            </a:r>
+            <a:r>
+              <a:rPr/>
+              <a:t>month</a:t>
+            </a:r>
+            <a:r>
+              <a:rPr/>
+              <a:t> </a:t>
+            </a:r>
+            <a:r>
+              <a:rPr/>
+              <a:t>decline</a:t>
+            </a:r>
+            <a:r>
+              <a:rPr/>
+              <a:t> </a:t>
+            </a:r>
+            <a:r>
+              <a:rPr/>
+              <a:t>versus</a:t>
+            </a:r>
+            <a:r>
+              <a:rPr/>
+              <a:t> </a:t>
+            </a:r>
+            <a:r>
+              <a:rPr/>
+              <a:t>last</a:t>
+            </a:r>
+            <a:r>
+              <a:rPr/>
+              <a:t> </a:t>
+            </a:r>
+            <a:r>
+              <a:rPr/>
+              <a:t>month</a:t>
+            </a:r>
+            <a:r>
+              <a:rPr/>
+              <a:t> </a:t>
+            </a:r>
+            <a:r>
+              <a:rPr/>
+              <a:t>decline)</a:t>
+            </a:r>
+          </a:p>
+        </p:txBody>
+      </p:sp>
+      <p:pic>
+        <p:nvPicPr>
+          <p:cNvPr descr="../images/02/sales-trend.png" id="0" name="Picture 1"/>
+          <p:cNvPicPr>
+            <a:picLocks noGrp="1" noChangeAspect="1"/>
+          </p:cNvPicPr>
+          <p:nvPr/>
+        </p:nvPicPr>
+        <p:blipFill>
+          <a:blip r:embed="rId3"/>
+          <a:stretch>
+            <a:fillRect/>
+          </a:stretch>
+        </p:blipFill>
+        <p:spPr bwMode="auto">
+          <a:xfrm>
+            <a:off x="1600200" y="1600200"/>
+            <a:ext cx="5943600" cy="4013200"/>
+          </a:xfrm>
+          <a:prstGeom prst="rect">
+            <a:avLst/>
+          </a:prstGeom>
+          <a:noFill/>
+          <a:ln w="9525">
+            <a:noFill/>
+            <a:headEnd/>
+            <a:tailEnd/>
+          </a:ln>
+        </p:spPr>
+      </p:pic>
+      <p:sp>
+        <p:nvSpPr>
+          <p:cNvPr id="1" name="TextBox 3"/>
+          <p:cNvSpPr txBox="1"/>
+          <p:nvPr/>
+        </p:nvSpPr>
+        <p:spPr>
+          <a:xfrm>
+            <a:off x="457200" y="5613400"/>
+            <a:ext cx="8229600" cy="508000"/>
+          </a:xfrm>
+          <a:prstGeom prst="rect">
+            <a:avLst/>
+          </a:prstGeom>
+          <a:noFill/>
+        </p:spPr>
+        <p:txBody>
+          <a:bodyPr/>
+          <a:lstStyle/>
+          <a:p>
+            <a:pPr lvl="0" marL="0" indent="0" algn="ctr">
+              <a:buNone/>
+            </a:pPr>
+            <a:r>
+              <a:rPr/>
+              <a:t>Sales</a:t>
+            </a:r>
+            <a:r>
+              <a:rPr/>
+              <a:t> </a:t>
+            </a:r>
+            <a:r>
+              <a:rPr/>
+              <a:t>trend</a:t>
+            </a:r>
+            <a:r>
+              <a:rPr/>
+              <a:t> </a:t>
+            </a:r>
+            <a:r>
+              <a:rPr/>
+              <a:t>shown</a:t>
+            </a:r>
+            <a:r>
+              <a:rPr/>
+              <a:t> </a:t>
+            </a:r>
+            <a:r>
+              <a:rPr/>
+              <a:t>with</a:t>
+            </a:r>
+            <a:r>
+              <a:rPr/>
+              <a:t> </a:t>
+            </a:r>
+            <a:r>
+              <a:rPr/>
+              <a:t>a</a:t>
+            </a:r>
+            <a:r>
+              <a:rPr/>
+              <a:t> </a:t>
+            </a:r>
+            <a:r>
+              <a:rPr/>
+              <a:t>line</a:t>
+            </a:r>
+            <a:r>
+              <a:rPr/>
+              <a:t> </a:t>
+            </a:r>
+            <a:r>
+              <a:rPr/>
+              <a:t>graph</a:t>
+            </a:r>
+          </a:p>
+        </p:txBody>
+      </p:sp>
+    </p:spTree>
+  </p:cSld>
+</p:sld>
+</file>
+
+<file path=ppt/slides/slide22.xml><?xml version="1.0" encoding="utf-8"?>
+<p:sld xmlns:a="http://schemas.openxmlformats.org/drawingml/2006/main" xmlns:r="http://schemas.openxmlformats.org/officeDocument/2006/relationships" xmlns:p="http://schemas.openxmlformats.org/presentationml/2006/main">
+  <p:cSld>
+    <p:spTree>
+      <p:nvGrpSpPr>
+        <p:cNvPr id="1" name=""/>
+        <p:cNvGrpSpPr/>
+        <p:nvPr/>
+      </p:nvGrpSpPr>
+      <p:grpSpPr>
+        <a:xfrm>
+          <a:off x="0" y="0"/>
+          <a:ext cx="0" cy="0"/>
+          <a:chOff x="0" y="0"/>
+          <a:chExt cx="0" cy="0"/>
+        </a:xfrm>
+      </p:grpSpPr>
+      <p:sp>
+        <p:nvSpPr>
+          <p:cNvPr id="2" name="Title 1"/>
+          <p:cNvSpPr>
+            <a:spLocks noGrp="1"/>
+          </p:cNvSpPr>
+          <p:nvPr>
+            <p:ph type="title"/>
+          </p:nvPr>
+        </p:nvSpPr>
+        <p:spPr/>
+        <p:txBody>
+          <a:bodyPr/>
+          <a:lstStyle/>
+          <a:p>
+            <a:pPr lvl="0" marL="0" indent="0">
+              <a:buNone/>
+            </a:pPr>
+            <a:r>
+              <a:rPr/>
+              <a:t>Area</a:t>
+            </a:r>
+          </a:p>
+        </p:txBody>
+      </p:sp>
+    </p:spTree>
+  </p:cSld>
+</p:sld>
+</file>
+
+<file path=ppt/slides/slide23.xml><?xml version="1.0" encoding="utf-8"?>
+<p:sld xmlns:a="http://schemas.openxmlformats.org/drawingml/2006/main" xmlns:r="http://schemas.openxmlformats.org/officeDocument/2006/relationships" xmlns:p="http://schemas.openxmlformats.org/presentationml/2006/main">
+  <p:cSld>
+    <p:spTree>
+      <p:nvGrpSpPr>
+        <p:cNvPr id="1" name=""/>
+        <p:cNvGrpSpPr/>
+        <p:nvPr/>
+      </p:nvGrpSpPr>
+      <p:grpSpPr>
+        <a:xfrm>
+          <a:off x="0" y="0"/>
+          <a:ext cx="0" cy="0"/>
+          <a:chOff x="0" y="0"/>
+          <a:chExt cx="0" cy="0"/>
+        </a:xfrm>
+      </p:grpSpPr>
+      <p:sp>
+        <p:nvSpPr>
+          <p:cNvPr id="2" name="Title 1"/>
+          <p:cNvSpPr>
+            <a:spLocks noGrp="1"/>
+          </p:cNvSpPr>
+          <p:nvPr>
+            <p:ph type="title"/>
+          </p:nvPr>
+        </p:nvSpPr>
+        <p:spPr/>
+        <p:txBody>
+          <a:bodyPr/>
+          <a:lstStyle/>
+          <a:p>
+            <a:pPr lvl="0" marL="0" indent="0">
+              <a:buNone/>
+            </a:pPr>
+            <a:r>
+              <a:rPr/>
+              <a:t>Density/saturation/hue</a:t>
+            </a:r>
+          </a:p>
+        </p:txBody>
+      </p:sp>
+    </p:spTree>
+  </p:cSld>
+</p:sld>
+</file>
+
+<file path=ppt/slides/slide24.xml><?xml version="1.0" encoding="utf-8"?>
+<p:sld xmlns:a="http://schemas.openxmlformats.org/drawingml/2006/main" xmlns:r="http://schemas.openxmlformats.org/officeDocument/2006/relationships" xmlns:p="http://schemas.openxmlformats.org/presentationml/2006/main">
+  <p:cSld>
+    <p:spTree>
+      <p:nvGrpSpPr>
+        <p:cNvPr id="1" name=""/>
+        <p:cNvGrpSpPr/>
+        <p:nvPr/>
+      </p:nvGrpSpPr>
+      <p:grpSpPr>
+        <a:xfrm>
+          <a:off x="0" y="0"/>
+          <a:ext cx="0" cy="0"/>
+          <a:chOff x="0" y="0"/>
+          <a:chExt cx="0" cy="0"/>
+        </a:xfrm>
+      </p:grpSpPr>
+      <p:sp>
+        <p:nvSpPr>
+          <p:cNvPr id="2" name="Title 1"/>
+          <p:cNvSpPr>
+            <a:spLocks noGrp="1"/>
+          </p:cNvSpPr>
+          <p:nvPr>
+            <p:ph type="title"/>
+          </p:nvPr>
+        </p:nvSpPr>
+        <p:spPr/>
+        <p:txBody>
+          <a:bodyPr/>
+          <a:lstStyle/>
+          <a:p>
+            <a:pPr lvl="0" marL="0" indent="0">
+              <a:buNone/>
+            </a:pPr>
+            <a:r>
+              <a:rPr/>
+              <a:t>A</a:t>
+            </a:r>
+            <a:r>
+              <a:rPr/>
+              <a:t> </a:t>
+            </a:r>
+            <a:r>
+              <a:rPr/>
+              <a:t>quick</a:t>
+            </a:r>
+            <a:r>
+              <a:rPr/>
+              <a:t> </a:t>
+            </a:r>
+            <a:r>
+              <a:rPr/>
+              <a:t>tutorial</a:t>
+            </a:r>
+            <a:r>
+              <a:rPr/>
+              <a:t> </a:t>
+            </a:r>
+            <a:r>
+              <a:rPr/>
+              <a:t>on</a:t>
+            </a:r>
+            <a:r>
+              <a:rPr/>
+              <a:t> </a:t>
+            </a:r>
+            <a:r>
+              <a:rPr/>
+              <a:t>colors</a:t>
+            </a:r>
+          </a:p>
+        </p:txBody>
+      </p:sp>
+    </p:spTree>
+  </p:cSld>
+</p:sld>
+</file>
+
+<file path=ppt/slides/slide25.xml><?xml version="1.0" encoding="utf-8"?>
+<p:sld xmlns:a="http://schemas.openxmlformats.org/drawingml/2006/main" xmlns:r="http://schemas.openxmlformats.org/officeDocument/2006/relationships" xmlns:p="http://schemas.openxmlformats.org/presentationml/2006/main">
+  <p:cSld>
+    <p:spTree>
+      <p:nvGrpSpPr>
+        <p:cNvPr id="1" name=""/>
+        <p:cNvGrpSpPr/>
+        <p:nvPr/>
+      </p:nvGrpSpPr>
+      <p:grpSpPr>
+        <a:xfrm>
+          <a:off x="0" y="0"/>
+          <a:ext cx="0" cy="0"/>
+          <a:chOff x="0" y="0"/>
+          <a:chExt cx="0" cy="0"/>
+        </a:xfrm>
+      </p:grpSpPr>
+      <p:sp>
+        <p:nvSpPr>
+          <p:cNvPr id="2" name="Title 1"/>
+          <p:cNvSpPr>
+            <a:spLocks noGrp="1"/>
+          </p:cNvSpPr>
+          <p:nvPr>
+            <p:ph type="title"/>
+          </p:nvPr>
+        </p:nvSpPr>
+        <p:spPr/>
+        <p:txBody>
+          <a:bodyPr/>
+          <a:lstStyle/>
+          <a:p>
+            <a:pPr lvl="0" marL="0" indent="0">
+              <a:buNone/>
+            </a:pPr>
+            <a:r>
+              <a:rPr/>
+              <a:t>Aesthetics</a:t>
+            </a:r>
+            <a:r>
+              <a:rPr/>
+              <a:t> </a:t>
+            </a:r>
+            <a:r>
+              <a:rPr/>
+              <a:t>for</a:t>
+            </a:r>
+            <a:r>
+              <a:rPr/>
+              <a:t> </a:t>
+            </a:r>
+            <a:r>
+              <a:rPr/>
+              <a:t>bars</a:t>
+            </a:r>
+          </a:p>
+        </p:txBody>
+      </p:sp>
+      <p:sp>
+        <p:nvSpPr>
+          <p:cNvPr id="3" name="Content Placeholder 2"/>
+          <p:cNvSpPr>
+            <a:spLocks noGrp="1"/>
+          </p:cNvSpPr>
+          <p:nvPr>
+            <p:ph idx="1"/>
+          </p:nvPr>
+        </p:nvSpPr>
+        <p:spPr/>
+        <p:txBody>
+          <a:bodyPr/>
+          <a:lstStyle/>
+          <a:p>
+            <a:pPr lvl="1"/>
+            <a:r>
+              <a:rPr/>
+              <a:t>Review</a:t>
+            </a:r>
+          </a:p>
+          <a:p>
+            <a:pPr lvl="2"/>
+            <a:r>
+              <a:rPr/>
+              <a:t>Location</a:t>
+            </a:r>
+          </a:p>
+          <a:p>
+            <a:pPr lvl="2"/>
+            <a:r>
+              <a:rPr/>
+              <a:t>Size</a:t>
+            </a:r>
+          </a:p>
+          <a:p>
+            <a:pPr lvl="2"/>
+            <a:r>
+              <a:rPr/>
+              <a:t>Color</a:t>
+            </a:r>
+          </a:p>
+          <a:p>
+            <a:pPr lvl="2"/>
+            <a:r>
+              <a:rPr/>
+              <a:t>NOT shape!!!</a:t>
+            </a:r>
+          </a:p>
+        </p:txBody>
+      </p:sp>
+    </p:spTree>
+  </p:cSld>
+</p:sld>
+</file>
+
+<file path=ppt/slides/slide26.xml><?xml version="1.0" encoding="utf-8"?>
+<p:sld xmlns:a="http://schemas.openxmlformats.org/drawingml/2006/main" xmlns:r="http://schemas.openxmlformats.org/officeDocument/2006/relationships" xmlns:p="http://schemas.openxmlformats.org/presentationml/2006/main">
+  <p:cSld>
+    <p:spTree>
+      <p:nvGrpSpPr>
+        <p:cNvPr id="1" name=""/>
+        <p:cNvGrpSpPr/>
+        <p:nvPr/>
+      </p:nvGrpSpPr>
+      <p:grpSpPr>
+        <a:xfrm>
+          <a:off x="0" y="0"/>
+          <a:ext cx="0" cy="0"/>
+          <a:chOff x="0" y="0"/>
+          <a:chExt cx="0" cy="0"/>
+        </a:xfrm>
+      </p:grpSpPr>
+      <p:sp>
+        <p:nvSpPr>
+          <p:cNvPr id="2" name="Title 1"/>
+          <p:cNvSpPr>
+            <a:spLocks noGrp="1"/>
+          </p:cNvSpPr>
+          <p:nvPr>
+            <p:ph type="title"/>
+          </p:nvPr>
+        </p:nvSpPr>
+        <p:spPr/>
+        <p:txBody>
+          <a:bodyPr/>
+          <a:lstStyle/>
+          <a:p>
+            <a:pPr lvl="0" marL="0" indent="0">
+              <a:buNone/>
+            </a:pPr>
+            <a:r>
+              <a:rPr/>
+              <a:t>Stack</a:t>
+            </a:r>
+            <a:r>
+              <a:rPr/>
+              <a:t> </a:t>
+            </a:r>
+            <a:r>
+              <a:rPr/>
+              <a:t>versus</a:t>
+            </a:r>
+            <a:r>
+              <a:rPr/>
+              <a:t> </a:t>
+            </a:r>
+            <a:r>
+              <a:rPr/>
+              <a:t>dodge</a:t>
+            </a:r>
+          </a:p>
+        </p:txBody>
+      </p:sp>
+    </p:spTree>
+  </p:cSld>
+</p:sld>
+</file>
+
+<file path=ppt/slides/slide27.xml><?xml version="1.0" encoding="utf-8"?>
+<p:sld xmlns:a="http://schemas.openxmlformats.org/drawingml/2006/main" xmlns:r="http://schemas.openxmlformats.org/officeDocument/2006/relationships" xmlns:p="http://schemas.openxmlformats.org/presentationml/2006/main">
+  <p:cSld>
+    <p:spTree>
+      <p:nvGrpSpPr>
+        <p:cNvPr id="1" name=""/>
+        <p:cNvGrpSpPr/>
+        <p:nvPr/>
+      </p:nvGrpSpPr>
+      <p:grpSpPr>
+        <a:xfrm>
+          <a:off x="0" y="0"/>
+          <a:ext cx="0" cy="0"/>
+          <a:chOff x="0" y="0"/>
+          <a:chExt cx="0" cy="0"/>
+        </a:xfrm>
+      </p:grpSpPr>
+      <p:sp>
+        <p:nvSpPr>
+          <p:cNvPr id="2" name="Title 1"/>
+          <p:cNvSpPr>
+            <a:spLocks noGrp="1"/>
+          </p:cNvSpPr>
+          <p:nvPr>
+            <p:ph type="title"/>
+          </p:nvPr>
+        </p:nvSpPr>
+        <p:spPr/>
+        <p:txBody>
+          <a:bodyPr/>
+          <a:lstStyle/>
+          <a:p>
+            <a:pPr lvl="0" marL="0" indent="0">
+              <a:buNone/>
+            </a:pPr>
+            <a:r>
+              <a:rPr/>
+              <a:t>Summarizations</a:t>
+            </a:r>
+          </a:p>
+        </p:txBody>
+      </p:sp>
+      <p:sp>
+        <p:nvSpPr>
+          <p:cNvPr id="3" name="Content Placeholder 2"/>
+          <p:cNvSpPr>
+            <a:spLocks noGrp="1"/>
+          </p:cNvSpPr>
+          <p:nvPr>
+            <p:ph idx="1"/>
+          </p:nvPr>
+        </p:nvSpPr>
+        <p:spPr/>
+        <p:txBody>
+          <a:bodyPr/>
+          <a:lstStyle/>
+          <a:p>
+            <a:pPr lvl="1"/>
+            <a:r>
+              <a:rPr/>
+              <a:t>One number summary (mean or percentage)</a:t>
+            </a:r>
+          </a:p>
+          <a:p>
+            <a:pPr lvl="1"/>
+            <a:r>
+              <a:rPr/>
+              <a:t>Two number summary (error bars)</a:t>
+            </a:r>
+          </a:p>
+          <a:p>
+            <a:pPr lvl="1"/>
+            <a:r>
+              <a:rPr/>
+              <a:t>Five number summary (boxplots)</a:t>
+            </a:r>
+          </a:p>
+          <a:p>
+            <a:pPr lvl="1"/>
+            <a:r>
+              <a:rPr/>
+              <a:t>All the data</a:t>
+            </a:r>
+          </a:p>
+          <a:p>
+            <a:pPr lvl="2"/>
+            <a:r>
+              <a:rPr/>
+              <a:t>Jittering</a:t>
+            </a:r>
+          </a:p>
+          <a:p>
+            <a:pPr lvl="2"/>
+            <a:r>
+              <a:rPr/>
+              <a:t>Opacity</a:t>
+            </a:r>
+          </a:p>
+        </p:txBody>
+      </p:sp>
+    </p:spTree>
+  </p:cSld>
+</p:sld>
+</file>
+
+<file path=ppt/slides/slide28.xml><?xml version="1.0" encoding="utf-8"?>
+<p:sld xmlns:a="http://schemas.openxmlformats.org/drawingml/2006/main" xmlns:r="http://schemas.openxmlformats.org/officeDocument/2006/relationships" xmlns:p="http://schemas.openxmlformats.org/presentationml/2006/main">
+  <p:cSld>
+    <p:spTree>
+      <p:nvGrpSpPr>
+        <p:cNvPr id="1" name=""/>
+        <p:cNvGrpSpPr/>
+        <p:nvPr/>
+      </p:nvGrpSpPr>
+      <p:grpSpPr>
+        <a:xfrm>
+          <a:off x="0" y="0"/>
+          <a:ext cx="0" cy="0"/>
+          <a:chOff x="0" y="0"/>
+          <a:chExt cx="0" cy="0"/>
+        </a:xfrm>
+      </p:grpSpPr>
+      <p:sp>
+        <p:nvSpPr>
+          <p:cNvPr id="2" name="Title 1"/>
+          <p:cNvSpPr>
+            <a:spLocks noGrp="1"/>
+          </p:cNvSpPr>
+          <p:nvPr>
+            <p:ph type="title"/>
+          </p:nvPr>
+        </p:nvSpPr>
+        <p:spPr/>
+        <p:txBody>
+          <a:bodyPr/>
+          <a:lstStyle/>
+          <a:p>
+            <a:pPr lvl="0" marL="0" indent="0">
+              <a:buNone/>
+            </a:pPr>
+            <a:r>
+              <a:rPr/>
+              <a:t>Summary</a:t>
+            </a:r>
+          </a:p>
+        </p:txBody>
+      </p:sp>
+      <p:sp>
+        <p:nvSpPr>
+          <p:cNvPr id="3" name="Content Placeholder 2"/>
+          <p:cNvSpPr>
+            <a:spLocks noGrp="1"/>
+          </p:cNvSpPr>
+          <p:nvPr>
+            <p:ph idx="1"/>
+          </p:nvPr>
+        </p:nvSpPr>
+        <p:spPr/>
+        <p:txBody>
+          <a:bodyPr/>
+          <a:lstStyle/>
+          <a:p>
+            <a:pPr lvl="1"/>
+            <a:r>
+              <a:rPr/>
+              <a:t>“A mapping of data to the visual aesthetics of geometries/marks”</a:t>
+            </a:r>
+          </a:p>
+          <a:p>
+            <a:pPr lvl="2"/>
+            <a:r>
+              <a:rPr/>
+              <a:t>Bars are a type of geometry/mark</a:t>
+            </a:r>
+          </a:p>
+          <a:p>
+            <a:pPr lvl="2"/>
+            <a:r>
+              <a:rPr/>
+              <a:t>Aesthetics for bars include location, size, color</a:t>
+            </a:r>
+          </a:p>
+          <a:p>
+            <a:pPr lvl="2"/>
+            <a:r>
+              <a:rPr/>
+              <a:t>Stack versus dodge</a:t>
+            </a:r>
+          </a:p>
+          <a:p>
+            <a:pPr lvl="1"/>
+            <a:r>
+              <a:rPr/>
+              <a:t>Basic tips</a:t>
+            </a:r>
+          </a:p>
+          <a:p>
+            <a:pPr lvl="2"/>
+            <a:r>
+              <a:rPr/>
+              <a:t>Place comparators close</a:t>
+            </a:r>
+          </a:p>
+          <a:p>
+            <a:pPr lvl="2"/>
+            <a:r>
+              <a:rPr/>
+              <a:t>Use axis ticks, light grid lines</a:t>
+            </a:r>
+          </a:p>
+        </p:txBody>
+      </p:sp>
+    </p:spTree>
+  </p:cSld>
+</p:sld>
+</file>
+
+<file path=ppt/slides/slide29.xml><?xml version="1.0" encoding="utf-8"?>
+<p:sld xmlns:a="http://schemas.openxmlformats.org/drawingml/2006/main" xmlns:r="http://schemas.openxmlformats.org/officeDocument/2006/relationships" xmlns:p="http://schemas.openxmlformats.org/presentationml/2006/main">
+  <p:cSld>
+    <p:spTree>
+      <p:nvGrpSpPr>
+        <p:cNvPr id="1" name=""/>
+        <p:cNvGrpSpPr/>
+        <p:nvPr/>
+      </p:nvGrpSpPr>
+      <p:grpSpPr>
+        <a:xfrm>
+          <a:off x="0" y="0"/>
+          <a:ext cx="0" cy="0"/>
+          <a:chOff x="0" y="0"/>
+          <a:chExt cx="0" cy="0"/>
+        </a:xfrm>
+      </p:grpSpPr>
+      <p:sp>
+        <p:nvSpPr>
+          <p:cNvPr id="2" name="Title 1"/>
+          <p:cNvSpPr>
+            <a:spLocks noGrp="1"/>
+          </p:cNvSpPr>
+          <p:nvPr>
+            <p:ph type="title"/>
+          </p:nvPr>
+        </p:nvSpPr>
+        <p:spPr/>
+        <p:txBody>
+          <a:bodyPr/>
+          <a:lstStyle/>
+          <a:p>
+            <a:pPr lvl="0" marL="0" indent="0">
+              <a:buNone/>
+            </a:pPr>
+            <a:r>
+              <a:rPr/>
+              <a:t>Group</a:t>
+            </a:r>
+            <a:r>
+              <a:rPr/>
+              <a:t> </a:t>
+            </a:r>
+            <a:r>
+              <a:rPr/>
+              <a:t>exercise</a:t>
+            </a:r>
+          </a:p>
+        </p:txBody>
+      </p:sp>
+      <p:sp>
+        <p:nvSpPr>
+          <p:cNvPr id="3" name="Content Placeholder 2"/>
+          <p:cNvSpPr>
+            <a:spLocks noGrp="1"/>
+          </p:cNvSpPr>
+          <p:nvPr>
+            <p:ph idx="1"/>
+          </p:nvPr>
+        </p:nvSpPr>
+        <p:spPr/>
+        <p:txBody>
+          <a:bodyPr/>
+          <a:lstStyle/>
+          <a:p>
+            <a:pPr lvl="1"/>
+            <a:r>
+              <a:rPr/>
+              <a:t>Review the following visualization in your group.</a:t>
+            </a:r>
+          </a:p>
+          <a:p>
+            <a:pPr lvl="2"/>
+            <a:r>
+              <a:rPr/>
+              <a:t>Summarize what aesthetics (location, size, shape, color) appear in the graph</a:t>
+            </a:r>
+          </a:p>
+          <a:p>
+            <a:pPr lvl="2"/>
+            <a:r>
+              <a:rPr/>
+              <a:t>What variables map to each aesthetic?</a:t>
+            </a:r>
+          </a:p>
+          <a:p>
+            <a:pPr lvl="2"/>
+            <a:r>
+              <a:rPr/>
+              <a:t>What is the story that this graph is telling you?</a:t>
+            </a:r>
+          </a:p>
+          <a:p>
+            <a:pPr lvl="2"/>
+            <a:r>
+              <a:rPr/>
+              <a:t>Was there anything confusing?</a:t>
+            </a:r>
+          </a:p>
+          <a:p>
+            <a:pPr lvl="2"/>
+            <a:r>
+              <a:rPr/>
+              <a:t>Was there anything you might change?</a:t>
+            </a:r>
+          </a:p>
+        </p:txBody>
+      </p:sp>
+    </p:spTree>
+  </p:cSld>
+</p:sld>
+</file>
+
+<file path=ppt/slides/slide3.xml><?xml version="1.0" encoding="utf-8"?>
+<p:sld xmlns:a="http://schemas.openxmlformats.org/drawingml/2006/main" xmlns:r="http://schemas.openxmlformats.org/officeDocument/2006/relationships" xmlns:p="http://schemas.openxmlformats.org/presentationml/2006/main">
+  <p:cSld>
+    <p:spTree>
+      <p:nvGrpSpPr>
+        <p:cNvPr id="1" name=""/>
+        <p:cNvGrpSpPr/>
+        <p:nvPr/>
+      </p:nvGrpSpPr>
+      <p:grpSpPr>
+        <a:xfrm>
+          <a:off x="0" y="0"/>
+          <a:ext cx="0" cy="0"/>
+          <a:chOff x="0" y="0"/>
+          <a:chExt cx="0" cy="0"/>
+        </a:xfrm>
+      </p:grpSpPr>
+      <p:sp>
+        <p:nvSpPr>
+          <p:cNvPr id="2" name="Title 1"/>
+          <p:cNvSpPr>
+            <a:spLocks noGrp="1"/>
+          </p:cNvSpPr>
+          <p:nvPr>
+            <p:ph type="title"/>
+          </p:nvPr>
+        </p:nvSpPr>
+        <p:spPr/>
+        <p:txBody>
+          <a:bodyPr/>
+          <a:lstStyle/>
+          <a:p>
+            <a:pPr lvl="0" marL="0" indent="0">
+              <a:buNone/>
+            </a:pPr>
+            <a:r>
+              <a:rPr/>
+              <a:t>To</a:t>
+            </a:r>
+            <a:r>
+              <a:rPr/>
+              <a:t> </a:t>
+            </a:r>
+            <a:r>
+              <a:rPr/>
+              <a:t>prepare</a:t>
+            </a:r>
+            <a:r>
+              <a:rPr/>
+              <a:t> </a:t>
+            </a:r>
+            <a:r>
+              <a:rPr/>
+              <a:t>for</a:t>
+            </a:r>
+            <a:r>
+              <a:rPr/>
+              <a:t> </a:t>
+            </a:r>
+            <a:r>
+              <a:rPr/>
+              <a:t>this</a:t>
+            </a:r>
+            <a:r>
+              <a:rPr/>
+              <a:t> </a:t>
+            </a:r>
+            <a:r>
+              <a:rPr/>
+              <a:t>section</a:t>
+            </a:r>
+          </a:p>
+        </p:txBody>
+      </p:sp>
+      <p:pic>
+        <p:nvPicPr>
+          <p:cNvPr descr="../images/02/kaggle-scotus-data.png" id="0" name="Picture 1"/>
+          <p:cNvPicPr>
+            <a:picLocks noGrp="1" noChangeAspect="1"/>
+          </p:cNvPicPr>
+          <p:nvPr/>
+        </p:nvPicPr>
+        <p:blipFill>
+          <a:blip r:embed="rId2"/>
+          <a:stretch>
+            <a:fillRect/>
+          </a:stretch>
+        </p:blipFill>
+        <p:spPr bwMode="auto">
+          <a:xfrm>
+            <a:off x="914400" y="1600200"/>
+            <a:ext cx="7327900" cy="4013200"/>
+          </a:xfrm>
+          <a:prstGeom prst="rect">
+            <a:avLst/>
+          </a:prstGeom>
+          <a:noFill/>
+          <a:ln w="9525">
+            <a:noFill/>
+            <a:headEnd/>
+            <a:tailEnd/>
+          </a:ln>
+        </p:spPr>
+      </p:pic>
+      <p:sp>
+        <p:nvSpPr>
+          <p:cNvPr id="1" name="TextBox 3"/>
+          <p:cNvSpPr txBox="1"/>
+          <p:nvPr/>
+        </p:nvSpPr>
+        <p:spPr>
+          <a:xfrm>
+            <a:off x="457200" y="5613400"/>
+            <a:ext cx="8229600" cy="508000"/>
+          </a:xfrm>
+          <a:prstGeom prst="rect">
+            <a:avLst/>
+          </a:prstGeom>
+          <a:noFill/>
+        </p:spPr>
+        <p:txBody>
+          <a:bodyPr/>
+          <a:lstStyle/>
+          <a:p>
+            <a:pPr lvl="0" marL="0" indent="0" algn="ctr">
+              <a:buNone/>
+            </a:pPr>
+            <a:r>
+              <a:rPr/>
+              <a:t>Kaggle</a:t>
+            </a:r>
+            <a:r>
+              <a:rPr/>
+              <a:t> </a:t>
+            </a:r>
+            <a:r>
+              <a:rPr/>
+              <a:t>datasets</a:t>
+            </a:r>
+            <a:r>
+              <a:rPr/>
+              <a:t> </a:t>
+            </a:r>
+            <a:r>
+              <a:rPr/>
+              <a:t>webpage</a:t>
+            </a:r>
+          </a:p>
+        </p:txBody>
+      </p:sp>
+    </p:spTree>
+  </p:cSld>
+</p:sld>
+</file>
+
+<file path=ppt/slides/slide4.xml><?xml version="1.0" encoding="utf-8"?>
+<p:sld xmlns:a="http://schemas.openxmlformats.org/drawingml/2006/main" xmlns:r="http://schemas.openxmlformats.org/officeDocument/2006/relationships" xmlns:p="http://schemas.openxmlformats.org/presentationml/2006/main">
+  <p:cSld>
+    <p:spTree>
+      <p:nvGrpSpPr>
+        <p:cNvPr id="1" name=""/>
+        <p:cNvGrpSpPr/>
+        <p:nvPr/>
+      </p:nvGrpSpPr>
+      <p:grpSpPr>
+        <a:xfrm>
+          <a:off x="0" y="0"/>
+          <a:ext cx="0" cy="0"/>
+          <a:chOff x="0" y="0"/>
+          <a:chExt cx="0" cy="0"/>
+        </a:xfrm>
+      </p:grpSpPr>
+      <p:sp>
+        <p:nvSpPr>
+          <p:cNvPr id="2" name="Title 1"/>
+          <p:cNvSpPr>
+            <a:spLocks noGrp="1"/>
+          </p:cNvSpPr>
+          <p:nvPr>
+            <p:ph type="title"/>
+          </p:nvPr>
+        </p:nvSpPr>
+        <p:spPr/>
+        <p:txBody>
+          <a:bodyPr/>
+          <a:lstStyle/>
+          <a:p>
+            <a:pPr lvl="0" marL="0" indent="0">
+              <a:buNone/>
+            </a:pPr>
+            <a:r>
+              <a:rPr/>
+              <a:t>To</a:t>
+            </a:r>
+            <a:r>
+              <a:rPr/>
+              <a:t> </a:t>
+            </a:r>
+            <a:r>
+              <a:rPr/>
+              <a:t>prepare</a:t>
+            </a:r>
+            <a:r>
+              <a:rPr/>
+              <a:t> </a:t>
+            </a:r>
+            <a:r>
+              <a:rPr/>
+              <a:t>for</a:t>
+            </a:r>
+            <a:r>
+              <a:rPr/>
+              <a:t> </a:t>
+            </a:r>
+            <a:r>
+              <a:rPr/>
+              <a:t>this</a:t>
+            </a:r>
+            <a:r>
+              <a:rPr/>
+              <a:t> </a:t>
+            </a:r>
+            <a:r>
+              <a:rPr/>
+              <a:t>section</a:t>
+            </a:r>
+          </a:p>
+        </p:txBody>
+      </p:sp>
+      <p:sp>
+        <p:nvSpPr>
+          <p:cNvPr id="3" name="Content Placeholder 2"/>
+          <p:cNvSpPr>
+            <a:spLocks noGrp="1"/>
+          </p:cNvSpPr>
+          <p:nvPr>
+            <p:ph idx="1"/>
+          </p:nvPr>
+        </p:nvSpPr>
+        <p:spPr/>
+        <p:txBody>
+          <a:bodyPr/>
+          <a:lstStyle/>
+          <a:p>
+            <a:pPr lvl="0" marL="0" indent="0">
+              <a:buNone/>
+            </a:pPr>
+            <a:r>
+              <a:rPr/>
+              <a:t>Download the scotus_opinions.csv data set, or go to the original source, the Kaggle datasets repository.</a:t>
+            </a:r>
+          </a:p>
+          <a:p>
+            <a:pPr lvl="0" marL="0" indent="0">
+              <a:buNone/>
+            </a:pPr>
+            <a:r>
+              <a:rPr/>
+              <a:t>Import the data and create a bar chart showing the frequency of opinions written by year_filed. Note that there are a few typos and a few rows that do not belong. You can remove these, but they will not affect any of the analyses we are considering.</a:t>
+            </a:r>
+          </a:p>
+        </p:txBody>
+      </p:sp>
+    </p:spTree>
+  </p:cSld>
+</p:sld>
+</file>
+
+<file path=ppt/slides/slide5.xml><?xml version="1.0" encoding="utf-8"?>
+<p:sld xmlns:a="http://schemas.openxmlformats.org/drawingml/2006/main" xmlns:r="http://schemas.openxmlformats.org/officeDocument/2006/relationships" xmlns:p="http://schemas.openxmlformats.org/presentationml/2006/main">
+  <p:cSld>
+    <p:spTree>
+      <p:nvGrpSpPr>
+        <p:cNvPr id="1" name=""/>
+        <p:cNvGrpSpPr/>
+        <p:nvPr/>
+      </p:nvGrpSpPr>
+      <p:grpSpPr>
+        <a:xfrm>
+          <a:off x="0" y="0"/>
+          <a:ext cx="0" cy="0"/>
+          <a:chOff x="0" y="0"/>
+          <a:chExt cx="0" cy="0"/>
+        </a:xfrm>
+      </p:grpSpPr>
+      <p:sp>
+        <p:nvSpPr>
+          <p:cNvPr id="2" name="Title 1"/>
+          <p:cNvSpPr>
+            <a:spLocks noGrp="1"/>
+          </p:cNvSpPr>
+          <p:nvPr>
+            <p:ph type="title"/>
+          </p:nvPr>
+        </p:nvSpPr>
+        <p:spPr/>
+        <p:txBody>
+          <a:bodyPr/>
+          <a:lstStyle/>
+          <a:p>
+            <a:pPr lvl="0" marL="0" indent="0">
+              <a:buNone/>
+            </a:pPr>
+            <a:r>
+              <a:rPr/>
+              <a:t>This</a:t>
+            </a:r>
+            <a:r>
+              <a:rPr/>
+              <a:t> </a:t>
+            </a:r>
+            <a:r>
+              <a:rPr/>
+              <a:t>is</a:t>
+            </a:r>
+            <a:r>
+              <a:rPr/>
+              <a:t> </a:t>
+            </a:r>
+            <a:r>
+              <a:rPr/>
+              <a:t>what</a:t>
+            </a:r>
+            <a:r>
+              <a:rPr/>
+              <a:t> </a:t>
+            </a:r>
+            <a:r>
+              <a:rPr/>
+              <a:t>your</a:t>
+            </a:r>
+            <a:r>
+              <a:rPr/>
+              <a:t> </a:t>
+            </a:r>
+            <a:r>
+              <a:rPr/>
+              <a:t>bar</a:t>
+            </a:r>
+            <a:r>
+              <a:rPr/>
+              <a:t> </a:t>
+            </a:r>
+            <a:r>
+              <a:rPr/>
+              <a:t>chart</a:t>
+            </a:r>
+            <a:r>
+              <a:rPr/>
+              <a:t> </a:t>
+            </a:r>
+            <a:r>
+              <a:rPr/>
+              <a:t>should</a:t>
+            </a:r>
+            <a:r>
+              <a:rPr/>
+              <a:t> </a:t>
+            </a:r>
+            <a:r>
+              <a:rPr/>
+              <a:t>look</a:t>
+            </a:r>
+            <a:r>
+              <a:rPr/>
+              <a:t> </a:t>
+            </a:r>
+            <a:r>
+              <a:rPr/>
+              <a:t>like</a:t>
+            </a:r>
+          </a:p>
+        </p:txBody>
+      </p:sp>
+      <p:pic>
+        <p:nvPicPr>
+          <p:cNvPr descr="data-visualization-02-bars_files/figure-pptx/scotus-bar-1.png" id="0" name="Picture 1"/>
+          <p:cNvPicPr>
+            <a:picLocks noGrp="1" noChangeAspect="1"/>
+          </p:cNvPicPr>
+          <p:nvPr/>
+        </p:nvPicPr>
+        <p:blipFill>
+          <a:blip r:embed="rId2"/>
+          <a:stretch>
+            <a:fillRect/>
+          </a:stretch>
+        </p:blipFill>
+        <p:spPr bwMode="auto">
+          <a:xfrm>
+            <a:off x="1752600" y="1600200"/>
+            <a:ext cx="5651500" cy="4521200"/>
+          </a:xfrm>
+          <a:prstGeom prst="rect">
+            <a:avLst/>
+          </a:prstGeom>
+          <a:noFill/>
+          <a:ln w="9525">
+            <a:noFill/>
+            <a:headEnd/>
+            <a:tailEnd/>
+          </a:ln>
+        </p:spPr>
+      </p:pic>
+    </p:spTree>
+  </p:cSld>
+</p:sld>
+</file>
+
+<file path=ppt/slides/slide6.xml><?xml version="1.0" encoding="utf-8"?>
+<p:sld xmlns:a="http://schemas.openxmlformats.org/drawingml/2006/main" xmlns:r="http://schemas.openxmlformats.org/officeDocument/2006/relationships" xmlns:p="http://schemas.openxmlformats.org/presentationml/2006/main">
+  <p:cSld>
+    <p:spTree>
+      <p:nvGrpSpPr>
+        <p:cNvPr id="1" name=""/>
+        <p:cNvGrpSpPr/>
+        <p:nvPr/>
+      </p:nvGrpSpPr>
+      <p:grpSpPr>
+        <a:xfrm>
+          <a:off x="0" y="0"/>
+          <a:ext cx="0" cy="0"/>
+          <a:chOff x="0" y="0"/>
+          <a:chExt cx="0" cy="0"/>
+        </a:xfrm>
+      </p:grpSpPr>
+      <p:sp>
+        <p:nvSpPr>
+          <p:cNvPr id="2" name="Title 1"/>
+          <p:cNvSpPr>
+            <a:spLocks noGrp="1"/>
+          </p:cNvSpPr>
+          <p:nvPr>
+            <p:ph type="title"/>
+          </p:nvPr>
+        </p:nvSpPr>
+        <p:spPr/>
+        <p:txBody>
+          <a:bodyPr/>
+          <a:lstStyle/>
+          <a:p>
+            <a:pPr lvl="0" marL="0" indent="0">
+              <a:buNone/>
+            </a:pPr>
+            <a:r>
+              <a:rPr/>
+              <a:t>Group</a:t>
+            </a:r>
+            <a:r>
+              <a:rPr/>
+              <a:t> </a:t>
+            </a:r>
+            <a:r>
+              <a:rPr/>
+              <a:t>exercise</a:t>
+            </a:r>
+            <a:r>
+              <a:rPr/>
+              <a:t> </a:t>
+            </a:r>
+            <a:r>
+              <a:rPr/>
+              <a:t>(1</a:t>
+            </a:r>
+            <a:r>
+              <a:rPr/>
+              <a:t> </a:t>
+            </a:r>
+            <a:r>
+              <a:rPr/>
+              <a:t>of</a:t>
+            </a:r>
+            <a:r>
+              <a:rPr/>
+              <a:t> </a:t>
+            </a:r>
+            <a:r>
+              <a:rPr/>
+              <a:t>2)</a:t>
+            </a:r>
+          </a:p>
+        </p:txBody>
+      </p:sp>
+      <p:pic>
+        <p:nvPicPr>
+          <p:cNvPr descr="../images/02/texas-bar-chart.png" id="0" name="Picture 1"/>
+          <p:cNvPicPr>
+            <a:picLocks noGrp="1" noChangeAspect="1"/>
+          </p:cNvPicPr>
+          <p:nvPr/>
+        </p:nvPicPr>
+        <p:blipFill>
+          <a:blip r:embed="rId3"/>
+          <a:stretch>
+            <a:fillRect/>
+          </a:stretch>
+        </p:blipFill>
+        <p:spPr bwMode="auto">
+          <a:xfrm>
+            <a:off x="2298700" y="1600200"/>
+            <a:ext cx="4559300" cy="4013200"/>
+          </a:xfrm>
+          <a:prstGeom prst="rect">
+            <a:avLst/>
+          </a:prstGeom>
+          <a:noFill/>
+          <a:ln w="9525">
+            <a:noFill/>
+            <a:headEnd/>
+            <a:tailEnd/>
+          </a:ln>
+        </p:spPr>
+      </p:pic>
+      <p:sp>
+        <p:nvSpPr>
+          <p:cNvPr id="1" name="TextBox 3"/>
+          <p:cNvSpPr txBox="1"/>
+          <p:nvPr/>
+        </p:nvSpPr>
+        <p:spPr>
+          <a:xfrm>
+            <a:off x="457200" y="5613400"/>
+            <a:ext cx="8229600" cy="508000"/>
+          </a:xfrm>
+          <a:prstGeom prst="rect">
+            <a:avLst/>
+          </a:prstGeom>
+          <a:noFill/>
+        </p:spPr>
+        <p:txBody>
+          <a:bodyPr/>
+          <a:lstStyle/>
+          <a:p>
+            <a:pPr lvl="0" marL="0" indent="0" algn="ctr">
+              <a:buNone/>
+            </a:pPr>
+            <a:r>
+              <a:rPr/>
+              <a:t>Bar</a:t>
+            </a:r>
+            <a:r>
+              <a:rPr/>
+              <a:t> </a:t>
+            </a:r>
+            <a:r>
+              <a:rPr/>
+              <a:t>chart</a:t>
+            </a:r>
+            <a:r>
+              <a:rPr/>
+              <a:t> </a:t>
+            </a:r>
+            <a:r>
+              <a:rPr/>
+              <a:t>of</a:t>
+            </a:r>
+            <a:r>
+              <a:rPr/>
+              <a:t> </a:t>
+            </a:r>
+            <a:r>
+              <a:rPr/>
+              <a:t>demographics</a:t>
+            </a:r>
+            <a:r>
+              <a:rPr/>
+              <a:t> </a:t>
+            </a:r>
+            <a:r>
+              <a:rPr/>
+              <a:t>of</a:t>
+            </a:r>
+            <a:r>
+              <a:rPr/>
+              <a:t> </a:t>
+            </a:r>
+            <a:r>
+              <a:rPr/>
+              <a:t>selected</a:t>
+            </a:r>
+            <a:r>
+              <a:rPr/>
+              <a:t> </a:t>
+            </a:r>
+            <a:r>
+              <a:rPr/>
+              <a:t>Texas</a:t>
+            </a:r>
+            <a:r>
+              <a:rPr/>
+              <a:t> </a:t>
+            </a:r>
+            <a:r>
+              <a:rPr/>
+              <a:t>counties</a:t>
+            </a:r>
+          </a:p>
+        </p:txBody>
+      </p:sp>
+    </p:spTree>
+  </p:cSld>
+</p:sld>
+</file>
+
+<file path=ppt/slides/slide7.xml><?xml version="1.0" encoding="utf-8"?>
+<p:sld xmlns:a="http://schemas.openxmlformats.org/drawingml/2006/main" xmlns:r="http://schemas.openxmlformats.org/officeDocument/2006/relationships" xmlns:p="http://schemas.openxmlformats.org/presentationml/2006/main">
+  <p:cSld>
+    <p:spTree>
+      <p:nvGrpSpPr>
+        <p:cNvPr id="1" name=""/>
+        <p:cNvGrpSpPr/>
+        <p:nvPr/>
+      </p:nvGrpSpPr>
+      <p:grpSpPr>
+        <a:xfrm>
+          <a:off x="0" y="0"/>
+          <a:ext cx="0" cy="0"/>
+          <a:chOff x="0" y="0"/>
+          <a:chExt cx="0" cy="0"/>
+        </a:xfrm>
+      </p:grpSpPr>
+      <p:sp>
+        <p:nvSpPr>
+          <p:cNvPr id="2" name="Title 1"/>
+          <p:cNvSpPr>
+            <a:spLocks noGrp="1"/>
+          </p:cNvSpPr>
+          <p:nvPr>
+            <p:ph type="title"/>
+          </p:nvPr>
+        </p:nvSpPr>
+        <p:spPr/>
+        <p:txBody>
+          <a:bodyPr/>
+          <a:lstStyle/>
+          <a:p>
+            <a:pPr lvl="0" marL="0" indent="0">
+              <a:buNone/>
+            </a:pPr>
+            <a:r>
+              <a:rPr/>
+              <a:t>Group</a:t>
+            </a:r>
+            <a:r>
+              <a:rPr/>
+              <a:t> </a:t>
+            </a:r>
+            <a:r>
+              <a:rPr/>
+              <a:t>exercise</a:t>
+            </a:r>
+            <a:r>
+              <a:rPr/>
+              <a:t> </a:t>
+            </a:r>
+            <a:r>
+              <a:rPr/>
+              <a:t>(2</a:t>
+            </a:r>
+            <a:r>
+              <a:rPr/>
+              <a:t> </a:t>
+            </a:r>
+            <a:r>
+              <a:rPr/>
+              <a:t>of</a:t>
+            </a:r>
+            <a:r>
+              <a:rPr/>
+              <a:t> </a:t>
+            </a:r>
+            <a:r>
+              <a:rPr/>
+              <a:t>2)</a:t>
+            </a:r>
+          </a:p>
+        </p:txBody>
+      </p:sp>
+      <p:sp>
+        <p:nvSpPr>
+          <p:cNvPr id="3" name="Content Placeholder 2"/>
+          <p:cNvSpPr>
+            <a:spLocks noGrp="1"/>
+          </p:cNvSpPr>
+          <p:nvPr>
+            <p:ph idx="1"/>
+          </p:nvPr>
+        </p:nvSpPr>
+        <p:spPr/>
+        <p:txBody>
+          <a:bodyPr/>
+          <a:lstStyle/>
+          <a:p>
+            <a:pPr lvl="0" marL="0" indent="0">
+              <a:buNone/>
+            </a:pPr>
+            <a:r>
+              <a:rPr/>
+              <a:t>((Image is not yet available.))</a:t>
+            </a:r>
+          </a:p>
+        </p:txBody>
+      </p:sp>
+    </p:spTree>
+  </p:cSld>
+</p:sld>
+</file>
+
+<file path=ppt/slides/slide8.xml><?xml version="1.0" encoding="utf-8"?>
+<p:sld xmlns:a="http://schemas.openxmlformats.org/drawingml/2006/main" xmlns:r="http://schemas.openxmlformats.org/officeDocument/2006/relationships" xmlns:p="http://schemas.openxmlformats.org/presentationml/2006/main">
+  <p:cSld>
+    <p:spTree>
+      <p:nvGrpSpPr>
+        <p:cNvPr id="1" name=""/>
+        <p:cNvGrpSpPr/>
+        <p:nvPr/>
+      </p:nvGrpSpPr>
+      <p:grpSpPr>
+        <a:xfrm>
+          <a:off x="0" y="0"/>
+          <a:ext cx="0" cy="0"/>
+          <a:chOff x="0" y="0"/>
+          <a:chExt cx="0" cy="0"/>
+        </a:xfrm>
+      </p:grpSpPr>
+      <p:sp>
+        <p:nvSpPr>
+          <p:cNvPr id="2" name="Title 1"/>
+          <p:cNvSpPr>
+            <a:spLocks noGrp="1"/>
+          </p:cNvSpPr>
+          <p:nvPr>
+            <p:ph type="title"/>
+          </p:nvPr>
+        </p:nvSpPr>
+        <p:spPr/>
+        <p:txBody>
+          <a:bodyPr/>
+          <a:lstStyle/>
+          <a:p>
+            <a:pPr lvl="0" marL="0" indent="0">
+              <a:buNone/>
+            </a:pPr>
+            <a:r>
+              <a:rPr/>
+              <a:t>A</a:t>
+            </a:r>
+            <a:r>
+              <a:rPr/>
+              <a:t> </a:t>
+            </a:r>
+            <a:r>
+              <a:rPr/>
+              <a:t>framework</a:t>
+            </a:r>
+            <a:r>
+              <a:rPr/>
+              <a:t> </a:t>
+            </a:r>
+            <a:r>
+              <a:rPr/>
+              <a:t>for</a:t>
+            </a:r>
+            <a:r>
+              <a:rPr/>
+              <a:t> </a:t>
+            </a:r>
+            <a:r>
+              <a:rPr/>
+              <a:t>graph</a:t>
+            </a:r>
+            <a:r>
+              <a:rPr/>
+              <a:t> </a:t>
+            </a:r>
+            <a:r>
+              <a:rPr/>
+              <a:t>perception</a:t>
+            </a:r>
+          </a:p>
+        </p:txBody>
+      </p:sp>
+      <p:pic>
+        <p:nvPicPr>
+          <p:cNvPr descr="../images/02/graph-perception.png" id="0" name="Picture 1"/>
+          <p:cNvPicPr>
+            <a:picLocks noGrp="1" noChangeAspect="1"/>
+          </p:cNvPicPr>
+          <p:nvPr/>
+        </p:nvPicPr>
+        <p:blipFill>
+          <a:blip r:embed="rId3"/>
+          <a:stretch>
+            <a:fillRect/>
+          </a:stretch>
+        </p:blipFill>
+        <p:spPr bwMode="auto">
+          <a:xfrm>
+            <a:off x="1066800" y="1600200"/>
+            <a:ext cx="7010400" cy="4013200"/>
+          </a:xfrm>
+          <a:prstGeom prst="rect">
+            <a:avLst/>
+          </a:prstGeom>
+          <a:noFill/>
+          <a:ln w="9525">
+            <a:noFill/>
+            <a:headEnd/>
+            <a:tailEnd/>
+          </a:ln>
+        </p:spPr>
+      </p:pic>
+      <p:sp>
+        <p:nvSpPr>
+          <p:cNvPr id="1" name="TextBox 3"/>
+          <p:cNvSpPr txBox="1"/>
+          <p:nvPr/>
+        </p:nvSpPr>
+        <p:spPr>
+          <a:xfrm>
+            <a:off x="457200" y="5613400"/>
+            <a:ext cx="8229600" cy="508000"/>
+          </a:xfrm>
+          <a:prstGeom prst="rect">
+            <a:avLst/>
+          </a:prstGeom>
+          <a:noFill/>
+        </p:spPr>
+        <p:txBody>
+          <a:bodyPr/>
+          <a:lstStyle/>
+          <a:p>
+            <a:pPr lvl="0" marL="0" indent="0" algn="ctr">
+              <a:buNone/>
+            </a:pPr>
+            <a:r>
+              <a:rPr/>
+              <a:t>Part</a:t>
+            </a:r>
+            <a:r>
+              <a:rPr/>
+              <a:t> </a:t>
+            </a:r>
+            <a:r>
+              <a:rPr/>
+              <a:t>of</a:t>
+            </a:r>
+            <a:r>
+              <a:rPr/>
+              <a:t> </a:t>
+            </a:r>
+            <a:r>
+              <a:rPr/>
+              <a:t>first</a:t>
+            </a:r>
+            <a:r>
+              <a:rPr/>
+              <a:t> </a:t>
+            </a:r>
+            <a:r>
+              <a:rPr/>
+              <a:t>page</a:t>
+            </a:r>
+            <a:r>
+              <a:rPr/>
+              <a:t> </a:t>
+            </a:r>
+            <a:r>
+              <a:rPr/>
+              <a:t>from</a:t>
+            </a:r>
+            <a:r>
+              <a:rPr/>
+              <a:t> </a:t>
+            </a:r>
+            <a:r>
+              <a:rPr/>
+              <a:t>Simkin</a:t>
+            </a:r>
+            <a:r>
+              <a:rPr/>
+              <a:t> </a:t>
+            </a:r>
+            <a:r>
+              <a:rPr/>
+              <a:t>and</a:t>
+            </a:r>
+            <a:r>
+              <a:rPr/>
+              <a:t> </a:t>
+            </a:r>
+            <a:r>
+              <a:rPr/>
+              <a:t>Hastie</a:t>
+            </a:r>
+            <a:r>
+              <a:rPr/>
+              <a:t> </a:t>
+            </a:r>
+            <a:r>
+              <a:rPr/>
+              <a:t>journal</a:t>
+            </a:r>
+            <a:r>
+              <a:rPr/>
+              <a:t> </a:t>
+            </a:r>
+            <a:r>
+              <a:rPr/>
+              <a:t>article</a:t>
+            </a:r>
+          </a:p>
+        </p:txBody>
+      </p:sp>
+    </p:spTree>
+  </p:cSld>
+</p:sld>
+</file>
+
 <file path=ppt/slides/slide9.xml><?xml version="1.0" encoding="utf-8"?>
 <p:sld xmlns:a="http://schemas.openxmlformats.org/drawingml/2006/main" xmlns:r="http://schemas.openxmlformats.org/officeDocument/2006/relationships" xmlns:p="http://schemas.openxmlformats.org/presentationml/2006/main">
   <p:cSld>
@@ -13197,46 +13808,54 @@
             </a:pPr>
             <a:r>
               <a:rPr/>
-              <a:t>…</a:t>
-            </a:r>
-            <a:r>
-              <a:rPr/>
-              <a:t> </a:t>
-            </a:r>
-            <a:r>
-              <a:rPr/>
-              <a:t>or</a:t>
-            </a:r>
-            <a:r>
-              <a:rPr/>
-              <a:t> </a:t>
-            </a:r>
-            <a:r>
-              <a:rPr/>
-              <a:t>a</a:t>
-            </a:r>
-            <a:r>
-              <a:rPr/>
-              <a:t> </a:t>
-            </a:r>
-            <a:r>
-              <a:rPr/>
-              <a:t>pie</a:t>
-            </a:r>
-            <a:r>
-              <a:rPr/>
-              <a:t> </a:t>
-            </a:r>
-            <a:r>
-              <a:rPr/>
-              <a:t>chart</a:t>
+              <a:t>Which</a:t>
+            </a:r>
+            <a:r>
+              <a:rPr/>
+              <a:t> </a:t>
+            </a:r>
+            <a:r>
+              <a:rPr/>
+              <a:t>is</a:t>
+            </a:r>
+            <a:r>
+              <a:rPr/>
+              <a:t> </a:t>
+            </a:r>
+            <a:r>
+              <a:rPr/>
+              <a:t>better?</a:t>
+            </a:r>
+            <a:r>
+              <a:rPr/>
+              <a:t> </a:t>
+            </a:r>
+            <a:r>
+              <a:rPr/>
+              <a:t>A</a:t>
+            </a:r>
+            <a:r>
+              <a:rPr/>
+              <a:t> </a:t>
+            </a:r>
+            <a:r>
+              <a:rPr/>
+              <a:t>bar</a:t>
+            </a:r>
+            <a:r>
+              <a:rPr/>
+              <a:t> </a:t>
+            </a:r>
+            <a:r>
+              <a:rPr/>
+              <a:t>chart…</a:t>
             </a:r>
           </a:p>
         </p:txBody>
       </p:sp>
       <p:pic>
         <p:nvPicPr>
-          <p:cNvPr descr="data-visualization-02-bars_files/figure-pptx/pie-chart-1.png" id="0" name="Picture 1"/>
+          <p:cNvPr descr="data-visualization-02-bars_files/figure-pptx/bar-chart-1.png" id="0" name="Picture 1"/>
           <p:cNvPicPr>
             <a:picLocks noGrp="1" noChangeAspect="1"/>
           </p:cNvPicPr>

--- a/src/data-visualization-02-bars.pptx
+++ b/src/data-visualization-02-bars.pptx
@@ -5,7 +5,7 @@
     <p:sldMasterId id="2147483648" r:id="rId1"/>
   </p:sldMasterIdLst>
   <p:notesMasterIdLst>
-    <p:NotesMasterId r:id="rId31"/>
+    <p:NotesMasterId r:id="rId64"/>
   </p:notesMasterIdLst>
   <p:sldIdLst>
     <p:sldId id="256" r:id="rId2"/>
@@ -37,6 +37,39 @@
     <p:sldId id="282" r:id="rId28"/>
     <p:sldId id="283" r:id="rId29"/>
     <p:sldId id="284" r:id="rId30"/>
+    <p:sldId id="285" r:id="rId31"/>
+    <p:sldId id="286" r:id="rId32"/>
+    <p:sldId id="287" r:id="rId33"/>
+    <p:sldId id="288" r:id="rId34"/>
+    <p:sldId id="289" r:id="rId35"/>
+    <p:sldId id="290" r:id="rId36"/>
+    <p:sldId id="291" r:id="rId37"/>
+    <p:sldId id="292" r:id="rId38"/>
+    <p:sldId id="293" r:id="rId39"/>
+    <p:sldId id="294" r:id="rId40"/>
+    <p:sldId id="295" r:id="rId41"/>
+    <p:sldId id="296" r:id="rId42"/>
+    <p:sldId id="297" r:id="rId43"/>
+    <p:sldId id="298" r:id="rId44"/>
+    <p:sldId id="299" r:id="rId45"/>
+    <p:sldId id="300" r:id="rId46"/>
+    <p:sldId id="301" r:id="rId47"/>
+    <p:sldId id="302" r:id="rId48"/>
+    <p:sldId id="303" r:id="rId49"/>
+    <p:sldId id="304" r:id="rId50"/>
+    <p:sldId id="305" r:id="rId51"/>
+    <p:sldId id="306" r:id="rId52"/>
+    <p:sldId id="307" r:id="rId53"/>
+    <p:sldId id="308" r:id="rId54"/>
+    <p:sldId id="309" r:id="rId55"/>
+    <p:sldId id="310" r:id="rId56"/>
+    <p:sldId id="311" r:id="rId57"/>
+    <p:sldId id="312" r:id="rId58"/>
+    <p:sldId id="313" r:id="rId59"/>
+    <p:sldId id="314" r:id="rId60"/>
+    <p:sldId id="315" r:id="rId61"/>
+    <p:sldId id="316" r:id="rId62"/>
+    <p:sldId id="317" r:id="rId63"/>
   </p:sldIdLst>
   <p:sldSz cx="9144000" cy="6858000" type="screen4x3"/>
   <p:notesSz cx="6858000" cy="9144000"/>
@@ -1219,7 +1252,7 @@
           <a:p>
             <a:fld id="{18BDFEC3-8487-43E8-A154-7C12CBC1FFF2}" type="slidenum">
               <a:rPr lang="en-US"/>
-              <a:t>6</a:t>
+              <a:t>7</a:t>
             </a:fld>
             <a:endParaRPr lang="en-US"/>
           </a:p>
@@ -1627,7 +1660,7 @@
           <a:p>
             <a:fld id="{18BDFEC3-8487-43E8-A154-7C12CBC1FFF2}" type="slidenum">
               <a:rPr lang="en-US"/>
-              <a:t>20</a:t>
+              <a:t>21</a:t>
             </a:fld>
             <a:endParaRPr lang="en-US"/>
           </a:p>
@@ -2365,7 +2398,4439 @@
           <a:p>
             <a:fld id="{18BDFEC3-8487-43E8-A154-7C12CBC1FFF2}" type="slidenum">
               <a:rPr lang="en-US"/>
-              <a:t>21</a:t>
+              <a:t>22</a:t>
+            </a:fld>
+            <a:endParaRPr lang="en-US"/>
+          </a:p>
+        </p:txBody>
+      </p:sp>
+    </p:spTree>
+  </p:cSld>
+</p:notes>
+</file>
+
+<file path=ppt/notesSlides/notesSlide12.xml><?xml version="1.0" encoding="utf-8"?>
+<p:notes xmlns:a="http://schemas.openxmlformats.org/drawingml/2006/main" xmlns:r="http://schemas.openxmlformats.org/officeDocument/2006/relationships" xmlns:p="http://schemas.openxmlformats.org/presentationml/2006/main">
+  <p:cSld>
+    <p:spTree>
+      <p:nvGrpSpPr>
+        <p:cNvPr id="1" name=""/>
+        <p:cNvGrpSpPr/>
+        <p:nvPr/>
+      </p:nvGrpSpPr>
+      <p:grpSpPr>
+        <a:xfrm>
+          <a:off x="0" y="0"/>
+          <a:ext cx="0" cy="0"/>
+          <a:chOff x="0" y="0"/>
+          <a:chExt cx="0" cy="0"/>
+        </a:xfrm>
+      </p:grpSpPr>
+      <p:sp>
+        <p:nvSpPr>
+          <p:cNvPr id="2" name="Slide Image Placeholder 1"/>
+          <p:cNvSpPr>
+            <a:spLocks noGrp="1" noRot="1" noChangeAspect="1"/>
+          </p:cNvSpPr>
+          <p:nvPr>
+            <p:ph type="sldImg"/>
+          </p:nvPr>
+        </p:nvSpPr>
+        <p:spPr/>
+      </p:sp>
+      <p:sp>
+        <p:nvSpPr>
+          <p:cNvPr id="3" name="Notes Placeholder 2"/>
+          <p:cNvSpPr>
+            <a:spLocks noGrp="1"/>
+          </p:cNvSpPr>
+          <p:nvPr>
+            <p:ph type="body" idx="1"/>
+          </p:nvPr>
+        </p:nvSpPr>
+        <p:spPr/>
+        <p:txBody>
+          <a:bodyPr/>
+          <a:lstStyle/>
+          <a:p>
+            <a:pPr lvl="0" marL="0" indent="0">
+              <a:buNone/>
+            </a:pPr>
+            <a:r>
+              <a:rPr/>
+              <a:t>Bar</a:t>
+            </a:r>
+            <a:r>
+              <a:rPr/>
+              <a:t> </a:t>
+            </a:r>
+            <a:r>
+              <a:rPr/>
+              <a:t>charts</a:t>
+            </a:r>
+            <a:r>
+              <a:rPr/>
+              <a:t> </a:t>
+            </a:r>
+            <a:r>
+              <a:rPr/>
+              <a:t>are</a:t>
+            </a:r>
+            <a:r>
+              <a:rPr/>
+              <a:t> </a:t>
+            </a:r>
+            <a:r>
+              <a:rPr/>
+              <a:t>different</a:t>
+            </a:r>
+            <a:r>
+              <a:rPr/>
+              <a:t> </a:t>
+            </a:r>
+            <a:r>
+              <a:rPr/>
+              <a:t>than</a:t>
+            </a:r>
+            <a:r>
+              <a:rPr/>
+              <a:t> </a:t>
+            </a:r>
+            <a:r>
+              <a:rPr/>
+              <a:t>point</a:t>
+            </a:r>
+            <a:r>
+              <a:rPr/>
+              <a:t> </a:t>
+            </a:r>
+            <a:r>
+              <a:rPr/>
+              <a:t>charts.</a:t>
+            </a:r>
+            <a:r>
+              <a:rPr/>
+              <a:t> </a:t>
+            </a:r>
+            <a:r>
+              <a:rPr/>
+              <a:t>There</a:t>
+            </a:r>
+            <a:r>
+              <a:rPr/>
+              <a:t> </a:t>
+            </a:r>
+            <a:r>
+              <a:rPr/>
+              <a:t>are</a:t>
+            </a:r>
+            <a:r>
+              <a:rPr/>
+              <a:t> </a:t>
+            </a:r>
+            <a:r>
+              <a:rPr/>
+              <a:t>usually</a:t>
+            </a:r>
+            <a:r>
+              <a:rPr/>
+              <a:t> </a:t>
+            </a:r>
+            <a:r>
+              <a:rPr/>
+              <a:t>only</a:t>
+            </a:r>
+            <a:r>
+              <a:rPr/>
+              <a:t> </a:t>
+            </a:r>
+            <a:r>
+              <a:rPr/>
+              <a:t>a</a:t>
+            </a:r>
+            <a:r>
+              <a:rPr/>
+              <a:t> </a:t>
+            </a:r>
+            <a:r>
+              <a:rPr/>
+              <a:t>few</a:t>
+            </a:r>
+            <a:r>
+              <a:rPr/>
+              <a:t> </a:t>
+            </a:r>
+            <a:r>
+              <a:rPr/>
+              <a:t>bars.</a:t>
+            </a:r>
+            <a:r>
+              <a:rPr/>
+              <a:t> </a:t>
+            </a:r>
+            <a:r>
+              <a:rPr/>
+              <a:t>These</a:t>
+            </a:r>
+            <a:r>
+              <a:rPr/>
+              <a:t> </a:t>
+            </a:r>
+            <a:r>
+              <a:rPr/>
+              <a:t>bars</a:t>
+            </a:r>
+            <a:r>
+              <a:rPr/>
+              <a:t> </a:t>
+            </a:r>
+            <a:r>
+              <a:rPr/>
+              <a:t>usually</a:t>
+            </a:r>
+            <a:r>
+              <a:rPr/>
+              <a:t> </a:t>
+            </a:r>
+            <a:r>
+              <a:rPr/>
+              <a:t>represent</a:t>
+            </a:r>
+            <a:r>
+              <a:rPr/>
+              <a:t> </a:t>
+            </a:r>
+            <a:r>
+              <a:rPr/>
+              <a:t>a</a:t>
+            </a:r>
+            <a:r>
+              <a:rPr/>
+              <a:t> </a:t>
+            </a:r>
+            <a:r>
+              <a:rPr/>
+              <a:t>summary</a:t>
+            </a:r>
+            <a:r>
+              <a:rPr/>
+              <a:t> </a:t>
+            </a:r>
+            <a:r>
+              <a:rPr/>
+              <a:t>statistic,</a:t>
+            </a:r>
+            <a:r>
+              <a:rPr/>
+              <a:t> </a:t>
+            </a:r>
+            <a:r>
+              <a:rPr/>
+              <a:t>like</a:t>
+            </a:r>
+            <a:r>
+              <a:rPr/>
+              <a:t> </a:t>
+            </a:r>
+            <a:r>
+              <a:rPr/>
+              <a:t>a</a:t>
+            </a:r>
+            <a:r>
+              <a:rPr/>
+              <a:t> </a:t>
+            </a:r>
+            <a:r>
+              <a:rPr/>
+              <a:t>count,</a:t>
+            </a:r>
+            <a:r>
+              <a:rPr/>
+              <a:t> </a:t>
+            </a:r>
+            <a:r>
+              <a:rPr/>
+              <a:t>percent,</a:t>
+            </a:r>
+            <a:r>
+              <a:rPr/>
+              <a:t> </a:t>
+            </a:r>
+            <a:r>
+              <a:rPr/>
+              <a:t>average,</a:t>
+            </a:r>
+            <a:r>
+              <a:rPr/>
+              <a:t> </a:t>
+            </a:r>
+            <a:r>
+              <a:rPr/>
+              <a:t>or</a:t>
+            </a:r>
+            <a:r>
+              <a:rPr/>
+              <a:t> </a:t>
+            </a:r>
+            <a:r>
+              <a:rPr/>
+              <a:t>total.</a:t>
+            </a:r>
+          </a:p>
+          <a:p>
+            <a:pPr lvl="0" marL="0" indent="0">
+              <a:buNone/>
+            </a:pPr>
+          </a:p>
+          <a:p>
+            <a:pPr lvl="0" marL="0" indent="0">
+              <a:buNone/>
+            </a:pPr>
+            <a:r>
+              <a:rPr/>
+              <a:t>There</a:t>
+            </a:r>
+            <a:r>
+              <a:rPr/>
+              <a:t> </a:t>
+            </a:r>
+            <a:r>
+              <a:rPr/>
+              <a:t>is</a:t>
+            </a:r>
+            <a:r>
+              <a:rPr/>
+              <a:t> </a:t>
+            </a:r>
+            <a:r>
+              <a:rPr/>
+              <a:t>a</a:t>
+            </a:r>
+            <a:r>
+              <a:rPr/>
+              <a:t> </a:t>
+            </a:r>
+            <a:r>
+              <a:rPr/>
+              <a:t>technical</a:t>
+            </a:r>
+            <a:r>
+              <a:rPr/>
+              <a:t> </a:t>
+            </a:r>
+            <a:r>
+              <a:rPr/>
+              <a:t>distinction</a:t>
+            </a:r>
+            <a:r>
+              <a:rPr/>
+              <a:t> </a:t>
+            </a:r>
+            <a:r>
+              <a:rPr/>
+              <a:t>between</a:t>
+            </a:r>
+            <a:r>
+              <a:rPr/>
+              <a:t> </a:t>
+            </a:r>
+            <a:r>
+              <a:rPr/>
+              <a:t>a</a:t>
+            </a:r>
+            <a:r>
+              <a:rPr/>
+              <a:t> </a:t>
+            </a:r>
+            <a:r>
+              <a:rPr/>
+              <a:t>bar</a:t>
+            </a:r>
+            <a:r>
+              <a:rPr/>
+              <a:t> </a:t>
+            </a:r>
+            <a:r>
+              <a:rPr/>
+              <a:t>chart</a:t>
+            </a:r>
+            <a:r>
+              <a:rPr/>
+              <a:t> </a:t>
+            </a:r>
+            <a:r>
+              <a:rPr/>
+              <a:t>and</a:t>
+            </a:r>
+            <a:r>
+              <a:rPr/>
+              <a:t> </a:t>
+            </a:r>
+            <a:r>
+              <a:rPr/>
+              <a:t>a</a:t>
+            </a:r>
+            <a:r>
+              <a:rPr/>
+              <a:t> </a:t>
+            </a:r>
+            <a:r>
+              <a:rPr/>
+              <a:t>histogram.</a:t>
+            </a:r>
+            <a:r>
+              <a:rPr/>
+              <a:t> </a:t>
+            </a:r>
+            <a:r>
+              <a:rPr/>
+              <a:t>Histograms</a:t>
+            </a:r>
+            <a:r>
+              <a:rPr/>
+              <a:t> </a:t>
+            </a:r>
+            <a:r>
+              <a:rPr/>
+              <a:t>are</a:t>
+            </a:r>
+            <a:r>
+              <a:rPr/>
+              <a:t> </a:t>
+            </a:r>
+            <a:r>
+              <a:rPr/>
+              <a:t>a</a:t>
+            </a:r>
+            <a:r>
+              <a:rPr/>
+              <a:t> </a:t>
+            </a:r>
+            <a:r>
+              <a:rPr/>
+              <a:t>great</a:t>
+            </a:r>
+            <a:r>
+              <a:rPr/>
+              <a:t> </a:t>
+            </a:r>
+            <a:r>
+              <a:rPr/>
+              <a:t>diagnostic</a:t>
+            </a:r>
+            <a:r>
+              <a:rPr/>
+              <a:t> </a:t>
+            </a:r>
+            <a:r>
+              <a:rPr/>
+              <a:t>tool,</a:t>
+            </a:r>
+            <a:r>
+              <a:rPr/>
+              <a:t> </a:t>
+            </a:r>
+            <a:r>
+              <a:rPr/>
+              <a:t>but</a:t>
+            </a:r>
+            <a:r>
+              <a:rPr/>
+              <a:t> </a:t>
+            </a:r>
+            <a:r>
+              <a:rPr/>
+              <a:t>usually</a:t>
+            </a:r>
+            <a:r>
+              <a:rPr/>
+              <a:t> </a:t>
+            </a:r>
+            <a:r>
+              <a:rPr/>
+              <a:t>ends</a:t>
+            </a:r>
+            <a:r>
+              <a:rPr/>
+              <a:t> </a:t>
+            </a:r>
+            <a:r>
+              <a:rPr/>
+              <a:t>up</a:t>
+            </a:r>
+            <a:r>
+              <a:rPr/>
+              <a:t> </a:t>
+            </a:r>
+            <a:r>
+              <a:rPr/>
+              <a:t>on</a:t>
+            </a:r>
+            <a:r>
+              <a:rPr/>
+              <a:t> </a:t>
+            </a:r>
+            <a:r>
+              <a:rPr/>
+              <a:t>the</a:t>
+            </a:r>
+            <a:r>
+              <a:rPr/>
+              <a:t> </a:t>
+            </a:r>
+            <a:r>
+              <a:rPr/>
+              <a:t>cutting</a:t>
+            </a:r>
+            <a:r>
+              <a:rPr/>
+              <a:t> </a:t>
+            </a:r>
+            <a:r>
+              <a:rPr/>
+              <a:t>room</a:t>
+            </a:r>
+            <a:r>
+              <a:rPr/>
+              <a:t> </a:t>
+            </a:r>
+            <a:r>
+              <a:rPr/>
+              <a:t>floor.</a:t>
+            </a:r>
+            <a:r>
+              <a:rPr/>
+              <a:t> </a:t>
+            </a:r>
+            <a:r>
+              <a:rPr/>
+              <a:t>So</a:t>
+            </a:r>
+            <a:r>
+              <a:rPr/>
+              <a:t> </a:t>
+            </a:r>
+            <a:r>
+              <a:rPr/>
+              <a:t>I</a:t>
+            </a:r>
+            <a:r>
+              <a:rPr/>
+              <a:t> </a:t>
+            </a:r>
+            <a:r>
+              <a:rPr/>
+              <a:t>won’t</a:t>
+            </a:r>
+            <a:r>
+              <a:rPr/>
+              <a:t> </a:t>
+            </a:r>
+            <a:r>
+              <a:rPr/>
+              <a:t>be</a:t>
+            </a:r>
+            <a:r>
+              <a:rPr/>
+              <a:t> </a:t>
+            </a:r>
+            <a:r>
+              <a:rPr/>
+              <a:t>talking</a:t>
+            </a:r>
+            <a:r>
+              <a:rPr/>
+              <a:t> </a:t>
+            </a:r>
+            <a:r>
+              <a:rPr/>
+              <a:t>about</a:t>
+            </a:r>
+            <a:r>
+              <a:rPr/>
+              <a:t> </a:t>
+            </a:r>
+            <a:r>
+              <a:rPr/>
+              <a:t>it</a:t>
+            </a:r>
+            <a:r>
+              <a:rPr/>
+              <a:t> </a:t>
+            </a:r>
+            <a:r>
+              <a:rPr/>
+              <a:t>much,</a:t>
+            </a:r>
+            <a:r>
+              <a:rPr/>
+              <a:t> </a:t>
+            </a:r>
+            <a:r>
+              <a:rPr/>
+              <a:t>if</a:t>
+            </a:r>
+            <a:r>
+              <a:rPr/>
+              <a:t> </a:t>
+            </a:r>
+            <a:r>
+              <a:rPr/>
+              <a:t>at</a:t>
+            </a:r>
+            <a:r>
+              <a:rPr/>
+              <a:t> </a:t>
+            </a:r>
+            <a:r>
+              <a:rPr/>
+              <a:t>all,</a:t>
+            </a:r>
+            <a:r>
+              <a:rPr/>
+              <a:t> </a:t>
+            </a:r>
+            <a:r>
+              <a:rPr/>
+              <a:t>in</a:t>
+            </a:r>
+            <a:r>
+              <a:rPr/>
+              <a:t> </a:t>
+            </a:r>
+            <a:r>
+              <a:rPr/>
+              <a:t>this</a:t>
+            </a:r>
+            <a:r>
+              <a:rPr/>
+              <a:t> </a:t>
+            </a:r>
+            <a:r>
+              <a:rPr/>
+              <a:t>workshop.</a:t>
+            </a:r>
+          </a:p>
+        </p:txBody>
+      </p:sp>
+      <p:sp>
+        <p:nvSpPr>
+          <p:cNvPr id="4" name="Slide Number Placeholder 3"/>
+          <p:cNvSpPr>
+            <a:spLocks noGrp="1"/>
+          </p:cNvSpPr>
+          <p:nvPr>
+            <p:ph type="sldNum" sz="quarter" idx="10"/>
+          </p:nvPr>
+        </p:nvSpPr>
+        <p:spPr/>
+        <p:txBody>
+          <a:bodyPr/>
+          <a:lstStyle/>
+          <a:p>
+            <a:fld id="{18BDFEC3-8487-43E8-A154-7C12CBC1FFF2}" type="slidenum">
+              <a:rPr lang="en-US"/>
+              <a:t>26</a:t>
+            </a:fld>
+            <a:endParaRPr lang="en-US"/>
+          </a:p>
+        </p:txBody>
+      </p:sp>
+    </p:spTree>
+  </p:cSld>
+</p:notes>
+</file>
+
+<file path=ppt/notesSlides/notesSlide13.xml><?xml version="1.0" encoding="utf-8"?>
+<p:notes xmlns:a="http://schemas.openxmlformats.org/drawingml/2006/main" xmlns:r="http://schemas.openxmlformats.org/officeDocument/2006/relationships" xmlns:p="http://schemas.openxmlformats.org/presentationml/2006/main">
+  <p:cSld>
+    <p:spTree>
+      <p:nvGrpSpPr>
+        <p:cNvPr id="1" name=""/>
+        <p:cNvGrpSpPr/>
+        <p:nvPr/>
+      </p:nvGrpSpPr>
+      <p:grpSpPr>
+        <a:xfrm>
+          <a:off x="0" y="0"/>
+          <a:ext cx="0" cy="0"/>
+          <a:chOff x="0" y="0"/>
+          <a:chExt cx="0" cy="0"/>
+        </a:xfrm>
+      </p:grpSpPr>
+      <p:sp>
+        <p:nvSpPr>
+          <p:cNvPr id="2" name="Slide Image Placeholder 1"/>
+          <p:cNvSpPr>
+            <a:spLocks noGrp="1" noRot="1" noChangeAspect="1"/>
+          </p:cNvSpPr>
+          <p:nvPr>
+            <p:ph type="sldImg"/>
+          </p:nvPr>
+        </p:nvSpPr>
+        <p:spPr/>
+      </p:sp>
+      <p:sp>
+        <p:nvSpPr>
+          <p:cNvPr id="3" name="Notes Placeholder 2"/>
+          <p:cNvSpPr>
+            <a:spLocks noGrp="1"/>
+          </p:cNvSpPr>
+          <p:nvPr>
+            <p:ph type="body" idx="1"/>
+          </p:nvPr>
+        </p:nvSpPr>
+        <p:spPr/>
+        <p:txBody>
+          <a:bodyPr/>
+          <a:lstStyle/>
+          <a:p>
+            <a:pPr lvl="0" marL="0" indent="0">
+              <a:buNone/>
+            </a:pPr>
+            <a:r>
+              <a:rPr/>
+              <a:t>Recall</a:t>
+            </a:r>
+            <a:r>
+              <a:rPr/>
+              <a:t> </a:t>
+            </a:r>
+            <a:r>
+              <a:rPr/>
+              <a:t>that</a:t>
+            </a:r>
+            <a:r>
+              <a:rPr/>
+              <a:t> </a:t>
+            </a:r>
+            <a:r>
+              <a:rPr/>
+              <a:t>aesthetics</a:t>
+            </a:r>
+            <a:r>
+              <a:rPr/>
+              <a:t> </a:t>
+            </a:r>
+            <a:r>
+              <a:rPr/>
+              <a:t>are</a:t>
+            </a:r>
+            <a:r>
+              <a:rPr/>
+              <a:t> </a:t>
+            </a:r>
+            <a:r>
+              <a:rPr/>
+              <a:t>visual</a:t>
+            </a:r>
+            <a:r>
+              <a:rPr/>
+              <a:t> </a:t>
+            </a:r>
+            <a:r>
+              <a:rPr/>
+              <a:t>attributes</a:t>
+            </a:r>
+            <a:r>
+              <a:rPr/>
+              <a:t> </a:t>
+            </a:r>
+            <a:r>
+              <a:rPr/>
+              <a:t>associated</a:t>
+            </a:r>
+            <a:r>
+              <a:rPr/>
+              <a:t> </a:t>
+            </a:r>
+            <a:r>
+              <a:rPr/>
+              <a:t>with</a:t>
+            </a:r>
+            <a:r>
+              <a:rPr/>
+              <a:t> </a:t>
+            </a:r>
+            <a:r>
+              <a:rPr/>
+              <a:t>a</a:t>
+            </a:r>
+            <a:r>
+              <a:rPr/>
+              <a:t> </a:t>
+            </a:r>
+            <a:r>
+              <a:rPr/>
+              <a:t>geometry/mark.</a:t>
+            </a:r>
+            <a:r>
+              <a:rPr/>
+              <a:t> </a:t>
+            </a:r>
+            <a:r>
+              <a:rPr/>
+              <a:t>You</a:t>
+            </a:r>
+            <a:r>
+              <a:rPr/>
+              <a:t> </a:t>
+            </a:r>
+            <a:r>
+              <a:rPr/>
+              <a:t>can</a:t>
+            </a:r>
+            <a:r>
+              <a:rPr/>
+              <a:t> </a:t>
+            </a:r>
+            <a:r>
+              <a:rPr/>
+              <a:t>map</a:t>
+            </a:r>
+            <a:r>
+              <a:rPr/>
+              <a:t> </a:t>
+            </a:r>
+            <a:r>
+              <a:rPr/>
+              <a:t>variables</a:t>
+            </a:r>
+            <a:r>
+              <a:rPr/>
+              <a:t> </a:t>
+            </a:r>
+            <a:r>
+              <a:rPr/>
+              <a:t>to</a:t>
+            </a:r>
+            <a:r>
+              <a:rPr/>
+              <a:t> </a:t>
+            </a:r>
+            <a:r>
+              <a:rPr/>
+              <a:t>the</a:t>
+            </a:r>
+            <a:r>
+              <a:rPr/>
+              <a:t> </a:t>
+            </a:r>
+            <a:r>
+              <a:rPr/>
+              <a:t>location,</a:t>
+            </a:r>
+            <a:r>
+              <a:rPr/>
+              <a:t> </a:t>
+            </a:r>
+            <a:r>
+              <a:rPr/>
+              <a:t>size,</a:t>
+            </a:r>
+            <a:r>
+              <a:rPr/>
+              <a:t> </a:t>
+            </a:r>
+            <a:r>
+              <a:rPr/>
+              <a:t>and/or</a:t>
+            </a:r>
+            <a:r>
+              <a:rPr/>
+              <a:t> </a:t>
+            </a:r>
+            <a:r>
+              <a:rPr/>
+              <a:t>color</a:t>
+            </a:r>
+            <a:r>
+              <a:rPr/>
+              <a:t> </a:t>
+            </a:r>
+            <a:r>
+              <a:rPr/>
+              <a:t>of</a:t>
+            </a:r>
+            <a:r>
+              <a:rPr/>
+              <a:t> </a:t>
+            </a:r>
+            <a:r>
+              <a:rPr/>
+              <a:t>bars,</a:t>
+            </a:r>
+            <a:r>
+              <a:rPr/>
+              <a:t> </a:t>
+            </a:r>
+            <a:r>
+              <a:rPr/>
+              <a:t>but</a:t>
+            </a:r>
+            <a:r>
+              <a:rPr/>
+              <a:t> </a:t>
+            </a:r>
+            <a:r>
+              <a:rPr/>
+              <a:t>you</a:t>
+            </a:r>
+            <a:r>
+              <a:rPr/>
+              <a:t> </a:t>
+            </a:r>
+            <a:r>
+              <a:rPr/>
+              <a:t>cannot</a:t>
+            </a:r>
+            <a:r>
+              <a:rPr/>
+              <a:t> </a:t>
+            </a:r>
+            <a:r>
+              <a:rPr/>
+              <a:t>assign</a:t>
+            </a:r>
+            <a:r>
+              <a:rPr/>
+              <a:t> </a:t>
+            </a:r>
+            <a:r>
+              <a:rPr/>
+              <a:t>a</a:t>
+            </a:r>
+            <a:r>
+              <a:rPr/>
+              <a:t> </a:t>
+            </a:r>
+            <a:r>
+              <a:rPr/>
+              <a:t>variable</a:t>
+            </a:r>
+            <a:r>
+              <a:rPr/>
+              <a:t> </a:t>
+            </a:r>
+            <a:r>
+              <a:rPr/>
+              <a:t>to</a:t>
+            </a:r>
+            <a:r>
+              <a:rPr/>
+              <a:t> </a:t>
+            </a:r>
+            <a:r>
+              <a:rPr/>
+              <a:t>the</a:t>
+            </a:r>
+            <a:r>
+              <a:rPr/>
+              <a:t> </a:t>
+            </a:r>
+            <a:r>
+              <a:rPr/>
+              <a:t>shape</a:t>
+            </a:r>
+            <a:r>
+              <a:rPr/>
+              <a:t> </a:t>
+            </a:r>
+            <a:r>
+              <a:rPr/>
+              <a:t>of</a:t>
+            </a:r>
+            <a:r>
+              <a:rPr/>
+              <a:t> </a:t>
+            </a:r>
+            <a:r>
+              <a:rPr/>
+              <a:t>a</a:t>
+            </a:r>
+            <a:r>
+              <a:rPr/>
+              <a:t> </a:t>
+            </a:r>
+            <a:r>
+              <a:rPr/>
+              <a:t>bar.</a:t>
+            </a:r>
+          </a:p>
+        </p:txBody>
+      </p:sp>
+      <p:sp>
+        <p:nvSpPr>
+          <p:cNvPr id="4" name="Slide Number Placeholder 3"/>
+          <p:cNvSpPr>
+            <a:spLocks noGrp="1"/>
+          </p:cNvSpPr>
+          <p:nvPr>
+            <p:ph type="sldNum" sz="quarter" idx="10"/>
+          </p:nvPr>
+        </p:nvSpPr>
+        <p:spPr/>
+        <p:txBody>
+          <a:bodyPr/>
+          <a:lstStyle/>
+          <a:p>
+            <a:fld id="{18BDFEC3-8487-43E8-A154-7C12CBC1FFF2}" type="slidenum">
+              <a:rPr lang="en-US"/>
+              <a:t>27</a:t>
+            </a:fld>
+            <a:endParaRPr lang="en-US"/>
+          </a:p>
+        </p:txBody>
+      </p:sp>
+    </p:spTree>
+  </p:cSld>
+</p:notes>
+</file>
+
+<file path=ppt/notesSlides/notesSlide14.xml><?xml version="1.0" encoding="utf-8"?>
+<p:notes xmlns:a="http://schemas.openxmlformats.org/drawingml/2006/main" xmlns:r="http://schemas.openxmlformats.org/officeDocument/2006/relationships" xmlns:p="http://schemas.openxmlformats.org/presentationml/2006/main">
+  <p:cSld>
+    <p:spTree>
+      <p:nvGrpSpPr>
+        <p:cNvPr id="1" name=""/>
+        <p:cNvGrpSpPr/>
+        <p:nvPr/>
+      </p:nvGrpSpPr>
+      <p:grpSpPr>
+        <a:xfrm>
+          <a:off x="0" y="0"/>
+          <a:ext cx="0" cy="0"/>
+          <a:chOff x="0" y="0"/>
+          <a:chExt cx="0" cy="0"/>
+        </a:xfrm>
+      </p:grpSpPr>
+      <p:sp>
+        <p:nvSpPr>
+          <p:cNvPr id="2" name="Slide Image Placeholder 1"/>
+          <p:cNvSpPr>
+            <a:spLocks noGrp="1" noRot="1" noChangeAspect="1"/>
+          </p:cNvSpPr>
+          <p:nvPr>
+            <p:ph type="sldImg"/>
+          </p:nvPr>
+        </p:nvSpPr>
+        <p:spPr/>
+      </p:sp>
+      <p:sp>
+        <p:nvSpPr>
+          <p:cNvPr id="3" name="Notes Placeholder 2"/>
+          <p:cNvSpPr>
+            <a:spLocks noGrp="1"/>
+          </p:cNvSpPr>
+          <p:nvPr>
+            <p:ph type="body" idx="1"/>
+          </p:nvPr>
+        </p:nvSpPr>
+        <p:spPr/>
+        <p:txBody>
+          <a:bodyPr/>
+          <a:lstStyle/>
+          <a:p>
+            <a:pPr lvl="0" marL="0" indent="0">
+              <a:buNone/>
+            </a:pPr>
+            <a:r>
+              <a:rPr/>
+              <a:t>The</a:t>
+            </a:r>
+            <a:r>
+              <a:rPr/>
+              <a:t> </a:t>
+            </a:r>
+            <a:r>
+              <a:rPr/>
+              <a:t>default</a:t>
+            </a:r>
+            <a:r>
+              <a:rPr/>
+              <a:t> </a:t>
+            </a:r>
+            <a:r>
+              <a:rPr/>
+              <a:t>for</a:t>
+            </a:r>
+            <a:r>
+              <a:rPr/>
+              <a:t> </a:t>
+            </a:r>
+            <a:r>
+              <a:rPr/>
+              <a:t>most</a:t>
+            </a:r>
+            <a:r>
+              <a:rPr/>
+              <a:t> </a:t>
+            </a:r>
+            <a:r>
+              <a:rPr/>
+              <a:t>visualization</a:t>
+            </a:r>
+            <a:r>
+              <a:rPr/>
+              <a:t> </a:t>
+            </a:r>
+            <a:r>
+              <a:rPr/>
+              <a:t>software</a:t>
+            </a:r>
+            <a:r>
+              <a:rPr/>
+              <a:t> </a:t>
+            </a:r>
+            <a:r>
+              <a:rPr/>
+              <a:t>is</a:t>
+            </a:r>
+            <a:r>
+              <a:rPr/>
+              <a:t> </a:t>
+            </a:r>
+            <a:r>
+              <a:rPr/>
+              <a:t>vertical</a:t>
+            </a:r>
+            <a:r>
+              <a:rPr/>
+              <a:t> </a:t>
+            </a:r>
+            <a:r>
+              <a:rPr/>
+              <a:t>bars,</a:t>
+            </a:r>
+            <a:r>
+              <a:rPr/>
+              <a:t> </a:t>
+            </a:r>
+            <a:r>
+              <a:rPr/>
+              <a:t>but</a:t>
+            </a:r>
+            <a:r>
+              <a:rPr/>
+              <a:t> </a:t>
+            </a:r>
+            <a:r>
+              <a:rPr/>
+              <a:t>you</a:t>
+            </a:r>
+            <a:r>
+              <a:rPr/>
+              <a:t> </a:t>
+            </a:r>
+            <a:r>
+              <a:rPr/>
+              <a:t>should</a:t>
+            </a:r>
+            <a:r>
+              <a:rPr/>
+              <a:t> </a:t>
+            </a:r>
+            <a:r>
+              <a:rPr/>
+              <a:t>give</a:t>
+            </a:r>
+            <a:r>
+              <a:rPr/>
+              <a:t> </a:t>
+            </a:r>
+            <a:r>
+              <a:rPr/>
+              <a:t>thoughtful</a:t>
+            </a:r>
+            <a:r>
+              <a:rPr/>
+              <a:t> </a:t>
+            </a:r>
+            <a:r>
+              <a:rPr/>
+              <a:t>consideration</a:t>
+            </a:r>
+            <a:r>
+              <a:rPr/>
+              <a:t> </a:t>
+            </a:r>
+            <a:r>
+              <a:rPr/>
+              <a:t>to</a:t>
+            </a:r>
+            <a:r>
+              <a:rPr/>
+              <a:t> </a:t>
+            </a:r>
+            <a:r>
+              <a:rPr/>
+              <a:t>horizontal</a:t>
+            </a:r>
+            <a:r>
+              <a:rPr/>
+              <a:t> </a:t>
+            </a:r>
+            <a:r>
+              <a:rPr/>
+              <a:t>bars.</a:t>
+            </a:r>
+            <a:r>
+              <a:rPr/>
+              <a:t> </a:t>
+            </a:r>
+            <a:r>
+              <a:rPr/>
+              <a:t>The</a:t>
+            </a:r>
+            <a:r>
+              <a:rPr/>
+              <a:t> </a:t>
+            </a:r>
+            <a:r>
+              <a:rPr/>
+              <a:t>labels</a:t>
+            </a:r>
+            <a:r>
+              <a:rPr/>
+              <a:t> </a:t>
+            </a:r>
+            <a:r>
+              <a:rPr/>
+              <a:t>often</a:t>
+            </a:r>
+            <a:r>
+              <a:rPr/>
+              <a:t> </a:t>
+            </a:r>
+            <a:r>
+              <a:rPr/>
+              <a:t>fit</a:t>
+            </a:r>
+            <a:r>
+              <a:rPr/>
+              <a:t> </a:t>
+            </a:r>
+            <a:r>
+              <a:rPr/>
+              <a:t>better</a:t>
+            </a:r>
+            <a:r>
+              <a:rPr/>
+              <a:t> </a:t>
+            </a:r>
+            <a:r>
+              <a:rPr/>
+              <a:t>when</a:t>
+            </a:r>
+            <a:r>
+              <a:rPr/>
+              <a:t> </a:t>
+            </a:r>
+            <a:r>
+              <a:rPr/>
+              <a:t>the</a:t>
+            </a:r>
+            <a:r>
+              <a:rPr/>
+              <a:t> </a:t>
+            </a:r>
+            <a:r>
+              <a:rPr/>
+              <a:t>bars</a:t>
+            </a:r>
+            <a:r>
+              <a:rPr/>
+              <a:t> </a:t>
+            </a:r>
+            <a:r>
+              <a:rPr/>
+              <a:t>are</a:t>
+            </a:r>
+            <a:r>
+              <a:rPr/>
+              <a:t> </a:t>
+            </a:r>
+            <a:r>
+              <a:rPr/>
+              <a:t>horizontal.</a:t>
+            </a:r>
+            <a:r>
+              <a:rPr/>
+              <a:t> </a:t>
+            </a:r>
+            <a:r>
+              <a:rPr/>
+              <a:t>You</a:t>
+            </a:r>
+            <a:r>
+              <a:rPr/>
+              <a:t> </a:t>
+            </a:r>
+            <a:r>
+              <a:rPr/>
+              <a:t>also</a:t>
+            </a:r>
+            <a:r>
+              <a:rPr/>
+              <a:t> </a:t>
+            </a:r>
+            <a:r>
+              <a:rPr/>
+              <a:t>often</a:t>
+            </a:r>
+            <a:r>
+              <a:rPr/>
+              <a:t> </a:t>
+            </a:r>
+            <a:r>
+              <a:rPr/>
+              <a:t>have</a:t>
+            </a:r>
+            <a:r>
+              <a:rPr/>
+              <a:t> </a:t>
+            </a:r>
+            <a:r>
+              <a:rPr/>
+              <a:t>more</a:t>
+            </a:r>
+            <a:r>
+              <a:rPr/>
+              <a:t> </a:t>
+            </a:r>
+            <a:r>
+              <a:rPr/>
+              <a:t>room</a:t>
+            </a:r>
+            <a:r>
+              <a:rPr/>
+              <a:t> </a:t>
+            </a:r>
+            <a:r>
+              <a:rPr/>
+              <a:t>left</a:t>
+            </a:r>
+            <a:r>
+              <a:rPr/>
+              <a:t> </a:t>
+            </a:r>
+            <a:r>
+              <a:rPr/>
+              <a:t>to</a:t>
+            </a:r>
+            <a:r>
+              <a:rPr/>
+              <a:t> </a:t>
+            </a:r>
+            <a:r>
+              <a:rPr/>
+              <a:t>right</a:t>
+            </a:r>
+            <a:r>
+              <a:rPr/>
+              <a:t> </a:t>
+            </a:r>
+            <a:r>
+              <a:rPr/>
+              <a:t>than</a:t>
+            </a:r>
+            <a:r>
+              <a:rPr/>
+              <a:t> </a:t>
+            </a:r>
+            <a:r>
+              <a:rPr/>
+              <a:t>you</a:t>
+            </a:r>
+            <a:r>
+              <a:rPr/>
+              <a:t> </a:t>
+            </a:r>
+            <a:r>
+              <a:rPr/>
+              <a:t>do</a:t>
+            </a:r>
+            <a:r>
+              <a:rPr/>
+              <a:t> </a:t>
+            </a:r>
+            <a:r>
+              <a:rPr/>
+              <a:t>up</a:t>
+            </a:r>
+            <a:r>
+              <a:rPr/>
+              <a:t> </a:t>
+            </a:r>
+            <a:r>
+              <a:rPr/>
+              <a:t>and</a:t>
+            </a:r>
+            <a:r>
+              <a:rPr/>
+              <a:t> </a:t>
+            </a:r>
+            <a:r>
+              <a:rPr/>
+              <a:t>down</a:t>
+            </a:r>
+            <a:r>
+              <a:rPr/>
+              <a:t> </a:t>
+            </a:r>
+            <a:r>
+              <a:rPr/>
+              <a:t>in</a:t>
+            </a:r>
+            <a:r>
+              <a:rPr/>
+              <a:t> </a:t>
+            </a:r>
+            <a:r>
+              <a:rPr/>
+              <a:t>a</a:t>
+            </a:r>
+            <a:r>
+              <a:rPr/>
+              <a:t> </a:t>
+            </a:r>
+            <a:r>
+              <a:rPr/>
+              <a:t>graph,</a:t>
+            </a:r>
+            <a:r>
+              <a:rPr/>
+              <a:t> </a:t>
+            </a:r>
+            <a:r>
+              <a:rPr/>
+              <a:t>so</a:t>
+            </a:r>
+            <a:r>
+              <a:rPr/>
+              <a:t> </a:t>
+            </a:r>
+            <a:r>
+              <a:rPr/>
+              <a:t>the</a:t>
+            </a:r>
+            <a:r>
+              <a:rPr/>
+              <a:t> </a:t>
+            </a:r>
+            <a:r>
+              <a:rPr/>
+              <a:t>bars</a:t>
+            </a:r>
+            <a:r>
+              <a:rPr/>
+              <a:t> </a:t>
+            </a:r>
+            <a:r>
+              <a:rPr/>
+              <a:t>can</a:t>
+            </a:r>
+            <a:r>
+              <a:rPr/>
+              <a:t> </a:t>
+            </a:r>
+            <a:r>
+              <a:rPr/>
+              <a:t>stretch</a:t>
+            </a:r>
+            <a:r>
+              <a:rPr/>
+              <a:t> </a:t>
+            </a:r>
+            <a:r>
+              <a:rPr/>
+              <a:t>out</a:t>
+            </a:r>
+            <a:r>
+              <a:rPr/>
+              <a:t> </a:t>
+            </a:r>
+            <a:r>
+              <a:rPr/>
+              <a:t>more,</a:t>
+            </a:r>
+            <a:r>
+              <a:rPr/>
+              <a:t> </a:t>
+            </a:r>
+            <a:r>
+              <a:rPr/>
+              <a:t>allowing</a:t>
+            </a:r>
+            <a:r>
+              <a:rPr/>
+              <a:t> </a:t>
+            </a:r>
+            <a:r>
+              <a:rPr/>
+              <a:t>you</a:t>
+            </a:r>
+            <a:r>
+              <a:rPr/>
+              <a:t> </a:t>
+            </a:r>
+            <a:r>
+              <a:rPr/>
+              <a:t>to</a:t>
+            </a:r>
+            <a:r>
+              <a:rPr/>
+              <a:t> </a:t>
+            </a:r>
+            <a:r>
+              <a:rPr/>
+              <a:t>more</a:t>
+            </a:r>
+            <a:r>
+              <a:rPr/>
+              <a:t> </a:t>
+            </a:r>
+            <a:r>
+              <a:rPr/>
+              <a:t>easily</a:t>
+            </a:r>
+            <a:r>
+              <a:rPr/>
+              <a:t> </a:t>
+            </a:r>
+            <a:r>
+              <a:rPr/>
+              <a:t>discern</a:t>
+            </a:r>
+            <a:r>
+              <a:rPr/>
+              <a:t> </a:t>
+            </a:r>
+            <a:r>
+              <a:rPr/>
+              <a:t>small</a:t>
+            </a:r>
+            <a:r>
+              <a:rPr/>
+              <a:t> </a:t>
+            </a:r>
+            <a:r>
+              <a:rPr/>
+              <a:t>and</a:t>
+            </a:r>
+            <a:r>
+              <a:rPr/>
+              <a:t> </a:t>
+            </a:r>
+            <a:r>
+              <a:rPr/>
+              <a:t>subtle</a:t>
+            </a:r>
+            <a:r>
+              <a:rPr/>
+              <a:t> </a:t>
+            </a:r>
+            <a:r>
+              <a:rPr/>
+              <a:t>differences.</a:t>
+            </a:r>
+          </a:p>
+          <a:p>
+            <a:pPr lvl="0" marL="0" indent="0">
+              <a:buNone/>
+            </a:pPr>
+          </a:p>
+          <a:p>
+            <a:pPr lvl="0" marL="0" indent="0">
+              <a:buNone/>
+            </a:pPr>
+            <a:r>
+              <a:rPr/>
+              <a:t>Remember</a:t>
+            </a:r>
+            <a:r>
+              <a:rPr/>
+              <a:t> </a:t>
+            </a:r>
+            <a:r>
+              <a:rPr/>
+              <a:t>the</a:t>
+            </a:r>
+            <a:r>
+              <a:rPr/>
+              <a:t> </a:t>
+            </a:r>
+            <a:r>
+              <a:rPr/>
+              <a:t>fault</a:t>
+            </a:r>
+            <a:r>
+              <a:rPr/>
+              <a:t> </a:t>
+            </a:r>
+            <a:r>
+              <a:rPr/>
+              <a:t>of</a:t>
+            </a:r>
+            <a:r>
+              <a:rPr/>
+              <a:t> </a:t>
+            </a:r>
+            <a:r>
+              <a:rPr/>
+              <a:t>default</a:t>
+            </a:r>
+            <a:r>
+              <a:rPr/>
+              <a:t> </a:t>
+            </a:r>
+            <a:r>
+              <a:rPr/>
+              <a:t>principle.</a:t>
+            </a:r>
+            <a:r>
+              <a:rPr/>
+              <a:t> </a:t>
+            </a:r>
+            <a:r>
+              <a:rPr/>
+              <a:t>Always</a:t>
+            </a:r>
+            <a:r>
+              <a:rPr/>
+              <a:t> </a:t>
+            </a:r>
+            <a:r>
+              <a:rPr/>
+              <a:t>try</a:t>
+            </a:r>
+            <a:r>
+              <a:rPr/>
+              <a:t> </a:t>
+            </a:r>
+            <a:r>
+              <a:rPr/>
+              <a:t>different</a:t>
+            </a:r>
+            <a:r>
+              <a:rPr/>
+              <a:t> </a:t>
+            </a:r>
+            <a:r>
+              <a:rPr/>
+              <a:t>ways</a:t>
+            </a:r>
+            <a:r>
+              <a:rPr/>
+              <a:t> </a:t>
+            </a:r>
+            <a:r>
+              <a:rPr/>
+              <a:t>of</a:t>
+            </a:r>
+            <a:r>
+              <a:rPr/>
+              <a:t> </a:t>
+            </a:r>
+            <a:r>
+              <a:rPr/>
+              <a:t>displaying</a:t>
+            </a:r>
+            <a:r>
+              <a:rPr/>
+              <a:t> </a:t>
+            </a:r>
+            <a:r>
+              <a:rPr/>
+              <a:t>your</a:t>
+            </a:r>
+            <a:r>
+              <a:rPr/>
+              <a:t> </a:t>
+            </a:r>
+            <a:r>
+              <a:rPr/>
+              <a:t>data.</a:t>
+            </a:r>
+            <a:r>
+              <a:rPr/>
+              <a:t> </a:t>
+            </a:r>
+            <a:r>
+              <a:rPr/>
+              <a:t>It</a:t>
+            </a:r>
+            <a:r>
+              <a:rPr/>
+              <a:t> </a:t>
+            </a:r>
+            <a:r>
+              <a:rPr/>
+              <a:t>costs</a:t>
+            </a:r>
+            <a:r>
+              <a:rPr/>
+              <a:t> </a:t>
+            </a:r>
+            <a:r>
+              <a:rPr/>
+              <a:t>nothing</a:t>
+            </a:r>
+            <a:r>
+              <a:rPr/>
+              <a:t> </a:t>
+            </a:r>
+            <a:r>
+              <a:rPr/>
+              <a:t>other</a:t>
+            </a:r>
+            <a:r>
+              <a:rPr/>
+              <a:t> </a:t>
+            </a:r>
+            <a:r>
+              <a:rPr/>
+              <a:t>than</a:t>
+            </a:r>
+            <a:r>
+              <a:rPr/>
+              <a:t> </a:t>
+            </a:r>
+            <a:r>
+              <a:rPr/>
+              <a:t>a</a:t>
+            </a:r>
+            <a:r>
+              <a:rPr/>
+              <a:t> </a:t>
+            </a:r>
+            <a:r>
+              <a:rPr/>
+              <a:t>few</a:t>
+            </a:r>
+            <a:r>
+              <a:rPr/>
+              <a:t> </a:t>
+            </a:r>
+            <a:r>
+              <a:rPr/>
+              <a:t>electrons</a:t>
+            </a:r>
+            <a:r>
+              <a:rPr/>
+              <a:t> </a:t>
+            </a:r>
+            <a:r>
+              <a:rPr/>
+              <a:t>to</a:t>
+            </a:r>
+            <a:r>
+              <a:rPr/>
+              <a:t> </a:t>
+            </a:r>
+            <a:r>
+              <a:rPr/>
+              <a:t>display</a:t>
+            </a:r>
+            <a:r>
+              <a:rPr/>
+              <a:t> </a:t>
+            </a:r>
+            <a:r>
+              <a:rPr/>
+              <a:t>a</a:t>
+            </a:r>
+            <a:r>
+              <a:rPr/>
+              <a:t> </a:t>
+            </a:r>
+            <a:r>
+              <a:rPr/>
+              <a:t>horizontal</a:t>
+            </a:r>
+            <a:r>
+              <a:rPr/>
+              <a:t> </a:t>
+            </a:r>
+            <a:r>
+              <a:rPr/>
+              <a:t>alternative</a:t>
+            </a:r>
+            <a:r>
+              <a:rPr/>
+              <a:t> </a:t>
+            </a:r>
+            <a:r>
+              <a:rPr/>
+              <a:t>to</a:t>
+            </a:r>
+            <a:r>
+              <a:rPr/>
+              <a:t> </a:t>
+            </a:r>
+            <a:r>
+              <a:rPr/>
+              <a:t>the</a:t>
+            </a:r>
+            <a:r>
+              <a:rPr/>
+              <a:t> </a:t>
+            </a:r>
+            <a:r>
+              <a:rPr/>
+              <a:t>typical</a:t>
+            </a:r>
+            <a:r>
+              <a:rPr/>
+              <a:t> </a:t>
+            </a:r>
+            <a:r>
+              <a:rPr/>
+              <a:t>vertical</a:t>
+            </a:r>
+            <a:r>
+              <a:rPr/>
+              <a:t> </a:t>
+            </a:r>
+            <a:r>
+              <a:rPr/>
+              <a:t>bar</a:t>
+            </a:r>
+            <a:r>
+              <a:rPr/>
+              <a:t> </a:t>
+            </a:r>
+            <a:r>
+              <a:rPr/>
+              <a:t>chart</a:t>
+            </a:r>
+            <a:r>
+              <a:rPr/>
+              <a:t> </a:t>
+            </a:r>
+            <a:r>
+              <a:rPr/>
+              <a:t>format,</a:t>
+            </a:r>
+            <a:r>
+              <a:rPr/>
+              <a:t> </a:t>
+            </a:r>
+            <a:r>
+              <a:rPr/>
+              <a:t>so</a:t>
+            </a:r>
+            <a:r>
+              <a:rPr/>
+              <a:t> </a:t>
+            </a:r>
+            <a:r>
+              <a:rPr/>
+              <a:t>why</a:t>
+            </a:r>
+            <a:r>
+              <a:rPr/>
+              <a:t> </a:t>
+            </a:r>
+            <a:r>
+              <a:rPr/>
+              <a:t>not</a:t>
+            </a:r>
+            <a:r>
+              <a:rPr/>
+              <a:t> </a:t>
+            </a:r>
+            <a:r>
+              <a:rPr/>
+              <a:t>indulge</a:t>
+            </a:r>
+            <a:r>
+              <a:rPr/>
+              <a:t> </a:t>
+            </a:r>
+            <a:r>
+              <a:rPr/>
+              <a:t>yourself?</a:t>
+            </a:r>
+          </a:p>
+        </p:txBody>
+      </p:sp>
+      <p:sp>
+        <p:nvSpPr>
+          <p:cNvPr id="4" name="Slide Number Placeholder 3"/>
+          <p:cNvSpPr>
+            <a:spLocks noGrp="1"/>
+          </p:cNvSpPr>
+          <p:nvPr>
+            <p:ph type="sldNum" sz="quarter" idx="10"/>
+          </p:nvPr>
+        </p:nvSpPr>
+        <p:spPr/>
+        <p:txBody>
+          <a:bodyPr/>
+          <a:lstStyle/>
+          <a:p>
+            <a:fld id="{18BDFEC3-8487-43E8-A154-7C12CBC1FFF2}" type="slidenum">
+              <a:rPr lang="en-US"/>
+              <a:t>31</a:t>
+            </a:fld>
+            <a:endParaRPr lang="en-US"/>
+          </a:p>
+        </p:txBody>
+      </p:sp>
+    </p:spTree>
+  </p:cSld>
+</p:notes>
+</file>
+
+<file path=ppt/notesSlides/notesSlide15.xml><?xml version="1.0" encoding="utf-8"?>
+<p:notes xmlns:a="http://schemas.openxmlformats.org/drawingml/2006/main" xmlns:r="http://schemas.openxmlformats.org/officeDocument/2006/relationships" xmlns:p="http://schemas.openxmlformats.org/presentationml/2006/main">
+  <p:cSld>
+    <p:spTree>
+      <p:nvGrpSpPr>
+        <p:cNvPr id="1" name=""/>
+        <p:cNvGrpSpPr/>
+        <p:nvPr/>
+      </p:nvGrpSpPr>
+      <p:grpSpPr>
+        <a:xfrm>
+          <a:off x="0" y="0"/>
+          <a:ext cx="0" cy="0"/>
+          <a:chOff x="0" y="0"/>
+          <a:chExt cx="0" cy="0"/>
+        </a:xfrm>
+      </p:grpSpPr>
+      <p:sp>
+        <p:nvSpPr>
+          <p:cNvPr id="2" name="Slide Image Placeholder 1"/>
+          <p:cNvSpPr>
+            <a:spLocks noGrp="1" noRot="1" noChangeAspect="1"/>
+          </p:cNvSpPr>
+          <p:nvPr>
+            <p:ph type="sldImg"/>
+          </p:nvPr>
+        </p:nvSpPr>
+        <p:spPr/>
+      </p:sp>
+      <p:sp>
+        <p:nvSpPr>
+          <p:cNvPr id="3" name="Notes Placeholder 2"/>
+          <p:cNvSpPr>
+            <a:spLocks noGrp="1"/>
+          </p:cNvSpPr>
+          <p:nvPr>
+            <p:ph type="body" idx="1"/>
+          </p:nvPr>
+        </p:nvSpPr>
+        <p:spPr/>
+        <p:txBody>
+          <a:bodyPr/>
+          <a:lstStyle/>
+          <a:p>
+            <a:pPr lvl="0" marL="0" indent="0">
+              <a:buNone/>
+            </a:pPr>
+            <a:r>
+              <a:rPr/>
+              <a:t>If</a:t>
+            </a:r>
+            <a:r>
+              <a:rPr/>
+              <a:t> </a:t>
+            </a:r>
+            <a:r>
+              <a:rPr/>
+              <a:t>the</a:t>
+            </a:r>
+            <a:r>
+              <a:rPr/>
+              <a:t> </a:t>
+            </a:r>
+            <a:r>
+              <a:rPr/>
+              <a:t>space</a:t>
+            </a:r>
+            <a:r>
+              <a:rPr/>
+              <a:t> </a:t>
+            </a:r>
+            <a:r>
+              <a:rPr/>
+              <a:t>between</a:t>
+            </a:r>
+            <a:r>
+              <a:rPr/>
+              <a:t> </a:t>
+            </a:r>
+            <a:r>
+              <a:rPr/>
+              <a:t>the</a:t>
+            </a:r>
+            <a:r>
+              <a:rPr/>
+              <a:t> </a:t>
+            </a:r>
+            <a:r>
+              <a:rPr/>
+              <a:t>bars</a:t>
+            </a:r>
+            <a:r>
+              <a:rPr/>
+              <a:t> </a:t>
+            </a:r>
+            <a:r>
+              <a:rPr/>
+              <a:t>is</a:t>
+            </a:r>
+            <a:r>
+              <a:rPr/>
+              <a:t> </a:t>
+            </a:r>
+            <a:r>
+              <a:rPr/>
+              <a:t>equal</a:t>
+            </a:r>
+            <a:r>
+              <a:rPr/>
+              <a:t> </a:t>
+            </a:r>
+            <a:r>
+              <a:rPr/>
+              <a:t>to</a:t>
+            </a:r>
+            <a:r>
+              <a:rPr/>
+              <a:t> </a:t>
+            </a:r>
+            <a:r>
+              <a:rPr/>
+              <a:t>the</a:t>
+            </a:r>
+            <a:r>
+              <a:rPr/>
+              <a:t> </a:t>
+            </a:r>
+            <a:r>
+              <a:rPr/>
+              <a:t>width</a:t>
+            </a:r>
+            <a:r>
+              <a:rPr/>
+              <a:t> </a:t>
+            </a:r>
+            <a:r>
+              <a:rPr/>
+              <a:t>of</a:t>
+            </a:r>
+            <a:r>
+              <a:rPr/>
+              <a:t> </a:t>
+            </a:r>
+            <a:r>
+              <a:rPr/>
+              <a:t>the</a:t>
+            </a:r>
+            <a:r>
+              <a:rPr/>
+              <a:t> </a:t>
+            </a:r>
+            <a:r>
+              <a:rPr/>
+              <a:t>bars</a:t>
+            </a:r>
+            <a:r>
+              <a:rPr/>
+              <a:t> </a:t>
+            </a:r>
+            <a:r>
+              <a:rPr/>
+              <a:t>themselves,</a:t>
+            </a:r>
+            <a:r>
+              <a:rPr/>
+              <a:t> </a:t>
+            </a:r>
+            <a:r>
+              <a:rPr/>
+              <a:t>you</a:t>
+            </a:r>
+            <a:r>
+              <a:rPr/>
+              <a:t> </a:t>
+            </a:r>
+            <a:r>
+              <a:rPr/>
+              <a:t>get</a:t>
+            </a:r>
+            <a:r>
+              <a:rPr/>
+              <a:t> </a:t>
+            </a:r>
+            <a:r>
+              <a:rPr/>
+              <a:t>an</a:t>
+            </a:r>
+            <a:r>
+              <a:rPr/>
+              <a:t> </a:t>
+            </a:r>
+            <a:r>
+              <a:rPr/>
+              <a:t>unsettling</a:t>
+            </a:r>
+            <a:r>
+              <a:rPr/>
+              <a:t> </a:t>
+            </a:r>
+            <a:r>
+              <a:rPr/>
+              <a:t>vibratory</a:t>
+            </a:r>
+            <a:r>
+              <a:rPr/>
+              <a:t> </a:t>
+            </a:r>
+            <a:r>
+              <a:rPr/>
+              <a:t>effect.</a:t>
+            </a:r>
+            <a:r>
+              <a:rPr/>
+              <a:t> </a:t>
+            </a:r>
+            <a:r>
+              <a:rPr/>
+              <a:t>This</a:t>
+            </a:r>
+            <a:r>
+              <a:rPr/>
+              <a:t> </a:t>
+            </a:r>
+            <a:r>
+              <a:rPr/>
+              <a:t>is</a:t>
+            </a:r>
+            <a:r>
+              <a:rPr/>
+              <a:t> </a:t>
+            </a:r>
+            <a:r>
+              <a:rPr/>
+              <a:t>because</a:t>
+            </a:r>
+            <a:r>
+              <a:rPr/>
+              <a:t> </a:t>
+            </a:r>
+            <a:r>
+              <a:rPr/>
+              <a:t>your</a:t>
+            </a:r>
+            <a:r>
+              <a:rPr/>
+              <a:t> </a:t>
+            </a:r>
+            <a:r>
+              <a:rPr/>
+              <a:t>eye</a:t>
+            </a:r>
+            <a:r>
+              <a:rPr/>
+              <a:t> </a:t>
+            </a:r>
+            <a:r>
+              <a:rPr/>
+              <a:t>is</a:t>
+            </a:r>
+            <a:r>
+              <a:rPr/>
+              <a:t> </a:t>
+            </a:r>
+            <a:r>
+              <a:rPr/>
+              <a:t>constantly</a:t>
+            </a:r>
+            <a:r>
+              <a:rPr/>
+              <a:t> </a:t>
+            </a:r>
+            <a:r>
+              <a:rPr/>
+              <a:t>shifting</a:t>
+            </a:r>
+            <a:r>
+              <a:rPr/>
+              <a:t> </a:t>
+            </a:r>
+            <a:r>
+              <a:rPr/>
+              <a:t>perspective.</a:t>
+            </a:r>
+            <a:r>
+              <a:rPr/>
+              <a:t> </a:t>
+            </a:r>
+            <a:r>
+              <a:rPr/>
+              <a:t>Sometimes</a:t>
+            </a:r>
+            <a:r>
+              <a:rPr/>
+              <a:t> </a:t>
+            </a:r>
+            <a:r>
+              <a:rPr/>
+              <a:t>it</a:t>
+            </a:r>
+            <a:r>
+              <a:rPr/>
+              <a:t> </a:t>
+            </a:r>
+            <a:r>
+              <a:rPr/>
+              <a:t>perceives</a:t>
+            </a:r>
+            <a:r>
+              <a:rPr/>
+              <a:t> </a:t>
+            </a:r>
+            <a:r>
+              <a:rPr/>
+              <a:t>the</a:t>
+            </a:r>
+            <a:r>
+              <a:rPr/>
+              <a:t> </a:t>
+            </a:r>
+            <a:r>
+              <a:rPr/>
+              <a:t>black</a:t>
+            </a:r>
+            <a:r>
+              <a:rPr/>
+              <a:t> </a:t>
+            </a:r>
+            <a:r>
+              <a:rPr/>
+              <a:t>as</a:t>
+            </a:r>
+            <a:r>
+              <a:rPr/>
+              <a:t> </a:t>
+            </a:r>
+            <a:r>
+              <a:rPr/>
+              <a:t>the</a:t>
+            </a:r>
+            <a:r>
+              <a:rPr/>
+              <a:t> </a:t>
+            </a:r>
+            <a:r>
+              <a:rPr/>
+              <a:t>foreground</a:t>
+            </a:r>
+            <a:r>
+              <a:rPr/>
+              <a:t> </a:t>
+            </a:r>
+            <a:r>
+              <a:rPr/>
+              <a:t>and</a:t>
+            </a:r>
+            <a:r>
+              <a:rPr/>
+              <a:t> </a:t>
+            </a:r>
+            <a:r>
+              <a:rPr/>
+              <a:t>the</a:t>
+            </a:r>
+            <a:r>
+              <a:rPr/>
+              <a:t> </a:t>
+            </a:r>
+            <a:r>
+              <a:rPr/>
+              <a:t>white</a:t>
+            </a:r>
+            <a:r>
+              <a:rPr/>
+              <a:t> </a:t>
+            </a:r>
+            <a:r>
+              <a:rPr/>
+              <a:t>as</a:t>
+            </a:r>
+            <a:r>
+              <a:rPr/>
+              <a:t> </a:t>
+            </a:r>
+            <a:r>
+              <a:rPr/>
+              <a:t>the</a:t>
+            </a:r>
+            <a:r>
+              <a:rPr/>
+              <a:t> </a:t>
+            </a:r>
+            <a:r>
+              <a:rPr/>
+              <a:t>background.</a:t>
+            </a:r>
+            <a:r>
+              <a:rPr/>
+              <a:t> </a:t>
+            </a:r>
+            <a:r>
+              <a:rPr/>
+              <a:t>Sometimes</a:t>
+            </a:r>
+            <a:r>
+              <a:rPr/>
+              <a:t> </a:t>
+            </a:r>
+            <a:r>
+              <a:rPr/>
+              <a:t>it</a:t>
+            </a:r>
+            <a:r>
+              <a:rPr/>
+              <a:t> </a:t>
+            </a:r>
+            <a:r>
+              <a:rPr/>
+              <a:t>perceives</a:t>
+            </a:r>
+            <a:r>
+              <a:rPr/>
+              <a:t> </a:t>
+            </a:r>
+            <a:r>
+              <a:rPr/>
+              <a:t>the</a:t>
+            </a:r>
+            <a:r>
+              <a:rPr/>
+              <a:t> </a:t>
+            </a:r>
+            <a:r>
+              <a:rPr/>
+              <a:t>white</a:t>
+            </a:r>
+            <a:r>
+              <a:rPr/>
+              <a:t> </a:t>
+            </a:r>
+            <a:r>
+              <a:rPr/>
+              <a:t>as</a:t>
+            </a:r>
+            <a:r>
+              <a:rPr/>
+              <a:t> </a:t>
+            </a:r>
+            <a:r>
+              <a:rPr/>
+              <a:t>the</a:t>
+            </a:r>
+            <a:r>
+              <a:rPr/>
+              <a:t> </a:t>
+            </a:r>
+            <a:r>
+              <a:rPr/>
+              <a:t>foreground</a:t>
+            </a:r>
+            <a:r>
+              <a:rPr/>
+              <a:t> </a:t>
+            </a:r>
+            <a:r>
+              <a:rPr/>
+              <a:t>and</a:t>
+            </a:r>
+            <a:r>
+              <a:rPr/>
+              <a:t> </a:t>
+            </a:r>
+            <a:r>
+              <a:rPr/>
+              <a:t>the</a:t>
+            </a:r>
+            <a:r>
+              <a:rPr/>
+              <a:t> </a:t>
+            </a:r>
+            <a:r>
+              <a:rPr/>
+              <a:t>black</a:t>
+            </a:r>
+            <a:r>
+              <a:rPr/>
+              <a:t> </a:t>
+            </a:r>
+            <a:r>
+              <a:rPr/>
+              <a:t>as</a:t>
+            </a:r>
+            <a:r>
+              <a:rPr/>
+              <a:t> </a:t>
+            </a:r>
+            <a:r>
+              <a:rPr/>
+              <a:t>the</a:t>
+            </a:r>
+            <a:r>
+              <a:rPr/>
+              <a:t> </a:t>
+            </a:r>
+            <a:r>
+              <a:rPr/>
+              <a:t>background.</a:t>
+            </a:r>
+          </a:p>
+        </p:txBody>
+      </p:sp>
+      <p:sp>
+        <p:nvSpPr>
+          <p:cNvPr id="4" name="Slide Number Placeholder 3"/>
+          <p:cNvSpPr>
+            <a:spLocks noGrp="1"/>
+          </p:cNvSpPr>
+          <p:nvPr>
+            <p:ph type="sldNum" sz="quarter" idx="10"/>
+          </p:nvPr>
+        </p:nvSpPr>
+        <p:spPr/>
+        <p:txBody>
+          <a:bodyPr/>
+          <a:lstStyle/>
+          <a:p>
+            <a:fld id="{18BDFEC3-8487-43E8-A154-7C12CBC1FFF2}" type="slidenum">
+              <a:rPr lang="en-US"/>
+              <a:t>33</a:t>
+            </a:fld>
+            <a:endParaRPr lang="en-US"/>
+          </a:p>
+        </p:txBody>
+      </p:sp>
+    </p:spTree>
+  </p:cSld>
+</p:notes>
+</file>
+
+<file path=ppt/notesSlides/notesSlide16.xml><?xml version="1.0" encoding="utf-8"?>
+<p:notes xmlns:a="http://schemas.openxmlformats.org/drawingml/2006/main" xmlns:r="http://schemas.openxmlformats.org/officeDocument/2006/relationships" xmlns:p="http://schemas.openxmlformats.org/presentationml/2006/main">
+  <p:cSld>
+    <p:spTree>
+      <p:nvGrpSpPr>
+        <p:cNvPr id="1" name=""/>
+        <p:cNvGrpSpPr/>
+        <p:nvPr/>
+      </p:nvGrpSpPr>
+      <p:grpSpPr>
+        <a:xfrm>
+          <a:off x="0" y="0"/>
+          <a:ext cx="0" cy="0"/>
+          <a:chOff x="0" y="0"/>
+          <a:chExt cx="0" cy="0"/>
+        </a:xfrm>
+      </p:grpSpPr>
+      <p:sp>
+        <p:nvSpPr>
+          <p:cNvPr id="2" name="Slide Image Placeholder 1"/>
+          <p:cNvSpPr>
+            <a:spLocks noGrp="1" noRot="1" noChangeAspect="1"/>
+          </p:cNvSpPr>
+          <p:nvPr>
+            <p:ph type="sldImg"/>
+          </p:nvPr>
+        </p:nvSpPr>
+        <p:spPr/>
+      </p:sp>
+      <p:sp>
+        <p:nvSpPr>
+          <p:cNvPr id="3" name="Notes Placeholder 2"/>
+          <p:cNvSpPr>
+            <a:spLocks noGrp="1"/>
+          </p:cNvSpPr>
+          <p:nvPr>
+            <p:ph type="body" idx="1"/>
+          </p:nvPr>
+        </p:nvSpPr>
+        <p:spPr/>
+        <p:txBody>
+          <a:bodyPr/>
+          <a:lstStyle/>
+          <a:p>
+            <a:pPr lvl="0" marL="0" indent="0">
+              <a:buNone/>
+            </a:pPr>
+            <a:r>
+              <a:rPr/>
+              <a:t>For</a:t>
+            </a:r>
+            <a:r>
+              <a:rPr/>
+              <a:t> </a:t>
+            </a:r>
+            <a:r>
+              <a:rPr/>
+              <a:t>simple</a:t>
+            </a:r>
+            <a:r>
+              <a:rPr/>
+              <a:t> </a:t>
+            </a:r>
+            <a:r>
+              <a:rPr/>
+              <a:t>bar</a:t>
+            </a:r>
+            <a:r>
+              <a:rPr/>
+              <a:t> </a:t>
+            </a:r>
+            <a:r>
+              <a:rPr/>
+              <a:t>charts</a:t>
+            </a:r>
+            <a:r>
+              <a:rPr/>
+              <a:t> </a:t>
+            </a:r>
+            <a:r>
+              <a:rPr/>
+              <a:t>like</a:t>
+            </a:r>
+            <a:r>
+              <a:rPr/>
+              <a:t> </a:t>
+            </a:r>
+            <a:r>
+              <a:rPr/>
+              <a:t>all</a:t>
+            </a:r>
+            <a:r>
+              <a:rPr/>
+              <a:t> </a:t>
+            </a:r>
+            <a:r>
+              <a:rPr/>
+              <a:t>the</a:t>
+            </a:r>
+            <a:r>
+              <a:rPr/>
+              <a:t> </a:t>
+            </a:r>
+            <a:r>
+              <a:rPr/>
+              <a:t>ones</a:t>
+            </a:r>
+            <a:r>
+              <a:rPr/>
+              <a:t> </a:t>
+            </a:r>
+            <a:r>
+              <a:rPr/>
+              <a:t>we’ve</a:t>
+            </a:r>
+            <a:r>
+              <a:rPr/>
+              <a:t> </a:t>
+            </a:r>
+            <a:r>
+              <a:rPr/>
+              <a:t>seen</a:t>
+            </a:r>
+            <a:r>
+              <a:rPr/>
+              <a:t> </a:t>
+            </a:r>
+            <a:r>
+              <a:rPr/>
+              <a:t>so</a:t>
+            </a:r>
+            <a:r>
+              <a:rPr/>
+              <a:t> </a:t>
+            </a:r>
+            <a:r>
+              <a:rPr/>
+              <a:t>far,</a:t>
+            </a:r>
+            <a:r>
+              <a:rPr/>
+              <a:t> </a:t>
+            </a:r>
+            <a:r>
+              <a:rPr/>
+              <a:t>color</a:t>
+            </a:r>
+            <a:r>
+              <a:rPr/>
+              <a:t> </a:t>
+            </a:r>
+            <a:r>
+              <a:rPr/>
+              <a:t>is</a:t>
+            </a:r>
+            <a:r>
+              <a:rPr/>
+              <a:t> </a:t>
+            </a:r>
+            <a:r>
+              <a:rPr/>
+              <a:t>not</a:t>
+            </a:r>
+            <a:r>
+              <a:rPr/>
+              <a:t> </a:t>
+            </a:r>
+            <a:r>
+              <a:rPr/>
+              <a:t>really</a:t>
+            </a:r>
+            <a:r>
+              <a:rPr/>
+              <a:t> </a:t>
+            </a:r>
+            <a:r>
+              <a:rPr/>
+              <a:t>needed.</a:t>
+            </a:r>
+            <a:r>
+              <a:rPr/>
+              <a:t> </a:t>
+            </a:r>
+            <a:r>
+              <a:rPr/>
+              <a:t>You</a:t>
+            </a:r>
+            <a:r>
+              <a:rPr/>
+              <a:t> </a:t>
+            </a:r>
+            <a:r>
+              <a:rPr/>
+              <a:t>already</a:t>
+            </a:r>
+            <a:r>
+              <a:rPr/>
+              <a:t> </a:t>
+            </a:r>
+            <a:r>
+              <a:rPr/>
+              <a:t>can</a:t>
+            </a:r>
+            <a:r>
+              <a:rPr/>
+              <a:t> </a:t>
+            </a:r>
+            <a:r>
+              <a:rPr/>
+              <a:t>distinguish</a:t>
+            </a:r>
+            <a:r>
+              <a:rPr/>
+              <a:t> </a:t>
+            </a:r>
+            <a:r>
+              <a:rPr/>
+              <a:t>between</a:t>
+            </a:r>
+            <a:r>
+              <a:rPr/>
+              <a:t> </a:t>
+            </a:r>
+            <a:r>
+              <a:rPr/>
+              <a:t>the</a:t>
+            </a:r>
+            <a:r>
+              <a:rPr/>
+              <a:t> </a:t>
+            </a:r>
+            <a:r>
+              <a:rPr/>
+              <a:t>passenger</a:t>
+            </a:r>
+            <a:r>
+              <a:rPr/>
+              <a:t> </a:t>
+            </a:r>
+            <a:r>
+              <a:rPr/>
+              <a:t>classes</a:t>
+            </a:r>
+            <a:r>
+              <a:rPr/>
+              <a:t> </a:t>
+            </a:r>
+            <a:r>
+              <a:rPr/>
+              <a:t>using</a:t>
+            </a:r>
+            <a:r>
+              <a:rPr/>
+              <a:t> </a:t>
+            </a:r>
+            <a:r>
+              <a:rPr/>
+              <a:t>the</a:t>
+            </a:r>
+            <a:r>
+              <a:rPr/>
+              <a:t> </a:t>
+            </a:r>
+            <a:r>
+              <a:rPr/>
+              <a:t>location.</a:t>
+            </a:r>
+            <a:r>
+              <a:rPr/>
+              <a:t> </a:t>
+            </a:r>
+            <a:r>
+              <a:rPr/>
+              <a:t>If</a:t>
+            </a:r>
+            <a:r>
+              <a:rPr/>
+              <a:t> </a:t>
+            </a:r>
+            <a:r>
+              <a:rPr/>
+              <a:t>you</a:t>
+            </a:r>
+            <a:r>
+              <a:rPr/>
+              <a:t> </a:t>
+            </a:r>
+            <a:r>
+              <a:rPr/>
+              <a:t>do</a:t>
+            </a:r>
+            <a:r>
+              <a:rPr/>
+              <a:t> </a:t>
+            </a:r>
+            <a:r>
+              <a:rPr/>
+              <a:t>use</a:t>
+            </a:r>
+            <a:r>
+              <a:rPr/>
+              <a:t> </a:t>
+            </a:r>
+            <a:r>
+              <a:rPr/>
+              <a:t>color</a:t>
+            </a:r>
+            <a:r>
+              <a:rPr/>
+              <a:t> </a:t>
+            </a:r>
+            <a:r>
+              <a:rPr/>
+              <a:t>in</a:t>
+            </a:r>
+            <a:r>
+              <a:rPr/>
+              <a:t> </a:t>
+            </a:r>
+            <a:r>
+              <a:rPr/>
+              <a:t>a</a:t>
+            </a:r>
+            <a:r>
+              <a:rPr/>
+              <a:t> </a:t>
+            </a:r>
+            <a:r>
+              <a:rPr/>
+              <a:t>simple</a:t>
+            </a:r>
+            <a:r>
+              <a:rPr/>
+              <a:t> </a:t>
+            </a:r>
+            <a:r>
+              <a:rPr/>
+              <a:t>bar</a:t>
+            </a:r>
+            <a:r>
+              <a:rPr/>
+              <a:t> </a:t>
+            </a:r>
+            <a:r>
+              <a:rPr/>
+              <a:t>chart,</a:t>
+            </a:r>
+            <a:r>
+              <a:rPr/>
+              <a:t> </a:t>
+            </a:r>
+            <a:r>
+              <a:rPr/>
+              <a:t>it</a:t>
+            </a:r>
+            <a:r>
+              <a:rPr/>
+              <a:t> </a:t>
+            </a:r>
+            <a:r>
+              <a:rPr/>
+              <a:t>is</a:t>
+            </a:r>
+            <a:r>
+              <a:rPr/>
+              <a:t> </a:t>
+            </a:r>
+            <a:r>
+              <a:rPr/>
+              <a:t>often</a:t>
+            </a:r>
+            <a:r>
+              <a:rPr/>
+              <a:t> </a:t>
+            </a:r>
+            <a:r>
+              <a:rPr/>
+              <a:t>to</a:t>
+            </a:r>
+            <a:r>
+              <a:rPr/>
+              <a:t> </a:t>
+            </a:r>
+            <a:r>
+              <a:rPr/>
+              <a:t>emphasize</a:t>
+            </a:r>
+            <a:r>
+              <a:rPr/>
+              <a:t> </a:t>
+            </a:r>
+            <a:r>
+              <a:rPr/>
+              <a:t>a</a:t>
+            </a:r>
+            <a:r>
+              <a:rPr/>
+              <a:t> </a:t>
+            </a:r>
+            <a:r>
+              <a:rPr/>
+              <a:t>point.</a:t>
+            </a:r>
+            <a:r>
+              <a:rPr/>
+              <a:t> </a:t>
+            </a:r>
+            <a:r>
+              <a:rPr/>
+              <a:t>In</a:t>
+            </a:r>
+            <a:r>
+              <a:rPr/>
+              <a:t> </a:t>
+            </a:r>
+            <a:r>
+              <a:rPr/>
+              <a:t>the</a:t>
+            </a:r>
+            <a:r>
+              <a:rPr/>
+              <a:t> </a:t>
+            </a:r>
+            <a:r>
+              <a:rPr/>
+              <a:t>previous</a:t>
+            </a:r>
+            <a:r>
+              <a:rPr/>
+              <a:t> </a:t>
+            </a:r>
+            <a:r>
+              <a:rPr/>
+              <a:t>bar</a:t>
+            </a:r>
+            <a:r>
+              <a:rPr/>
+              <a:t> </a:t>
+            </a:r>
+            <a:r>
+              <a:rPr/>
+              <a:t>chart,</a:t>
+            </a:r>
+            <a:r>
+              <a:rPr/>
+              <a:t> </a:t>
+            </a:r>
+            <a:r>
+              <a:rPr/>
+              <a:t>I</a:t>
+            </a:r>
+            <a:r>
+              <a:rPr/>
+              <a:t> </a:t>
+            </a:r>
+            <a:r>
+              <a:rPr/>
+              <a:t>used</a:t>
+            </a:r>
+            <a:r>
+              <a:rPr/>
+              <a:t> </a:t>
+            </a:r>
+            <a:r>
+              <a:rPr/>
+              <a:t>red</a:t>
+            </a:r>
+            <a:r>
+              <a:rPr/>
+              <a:t> </a:t>
+            </a:r>
+            <a:r>
+              <a:rPr/>
+              <a:t>for</a:t>
+            </a:r>
+            <a:r>
+              <a:rPr/>
+              <a:t> </a:t>
+            </a:r>
+            <a:r>
+              <a:rPr/>
+              <a:t>third</a:t>
+            </a:r>
+            <a:r>
+              <a:rPr/>
+              <a:t> </a:t>
+            </a:r>
+            <a:r>
+              <a:rPr/>
+              <a:t>class,</a:t>
+            </a:r>
+            <a:r>
+              <a:rPr/>
+              <a:t> </a:t>
+            </a:r>
+            <a:r>
+              <a:rPr/>
+              <a:t>because</a:t>
+            </a:r>
+            <a:r>
+              <a:rPr/>
+              <a:t> </a:t>
+            </a:r>
+            <a:r>
+              <a:rPr/>
+              <a:t>Kate</a:t>
+            </a:r>
+            <a:r>
+              <a:rPr/>
+              <a:t> </a:t>
+            </a:r>
+            <a:r>
+              <a:rPr/>
+              <a:t>Winslet,</a:t>
+            </a:r>
+            <a:r>
+              <a:rPr/>
+              <a:t> </a:t>
+            </a:r>
+            <a:r>
+              <a:rPr/>
+              <a:t>a</a:t>
+            </a:r>
+            <a:r>
+              <a:rPr/>
+              <a:t> </a:t>
+            </a:r>
+            <a:r>
+              <a:rPr/>
+              <a:t>rich</a:t>
+            </a:r>
+            <a:r>
+              <a:rPr/>
+              <a:t> </a:t>
+            </a:r>
+            <a:r>
+              <a:rPr/>
+              <a:t>first</a:t>
+            </a:r>
+            <a:r>
+              <a:rPr/>
+              <a:t> </a:t>
+            </a:r>
+            <a:r>
+              <a:rPr/>
+              <a:t>class</a:t>
+            </a:r>
+            <a:r>
+              <a:rPr/>
+              <a:t> </a:t>
+            </a:r>
+            <a:r>
+              <a:rPr/>
+              <a:t>passenger,</a:t>
+            </a:r>
+            <a:r>
+              <a:rPr/>
+              <a:t> </a:t>
+            </a:r>
+            <a:r>
+              <a:rPr/>
+              <a:t>found</a:t>
+            </a:r>
+            <a:r>
+              <a:rPr/>
+              <a:t> </a:t>
+            </a:r>
+            <a:r>
+              <a:rPr/>
+              <a:t>true</a:t>
+            </a:r>
+            <a:r>
+              <a:rPr/>
+              <a:t> </a:t>
+            </a:r>
+            <a:r>
+              <a:rPr/>
+              <a:t>love</a:t>
+            </a:r>
+            <a:r>
+              <a:rPr/>
+              <a:t> </a:t>
+            </a:r>
+            <a:r>
+              <a:rPr/>
+              <a:t>in</a:t>
+            </a:r>
+            <a:r>
+              <a:rPr/>
+              <a:t> </a:t>
+            </a:r>
+            <a:r>
+              <a:rPr/>
+              <a:t>third</a:t>
+            </a:r>
+            <a:r>
+              <a:rPr/>
+              <a:t> </a:t>
+            </a:r>
+            <a:r>
+              <a:rPr/>
+              <a:t>class,</a:t>
+            </a:r>
+            <a:r>
+              <a:rPr/>
+              <a:t> </a:t>
+            </a:r>
+            <a:r>
+              <a:rPr/>
+              <a:t>with</a:t>
+            </a:r>
+            <a:r>
+              <a:rPr/>
+              <a:t> </a:t>
+            </a:r>
+            <a:r>
+              <a:rPr/>
+              <a:t>the</a:t>
+            </a:r>
+            <a:r>
+              <a:rPr/>
+              <a:t> </a:t>
+            </a:r>
+            <a:r>
+              <a:rPr/>
+              <a:t>adorable</a:t>
+            </a:r>
+            <a:r>
+              <a:rPr/>
+              <a:t> </a:t>
+            </a:r>
+            <a:r>
+              <a:rPr/>
+              <a:t>Leonardo</a:t>
+            </a:r>
+            <a:r>
+              <a:rPr/>
+              <a:t> </a:t>
+            </a:r>
+            <a:r>
+              <a:rPr/>
+              <a:t>di</a:t>
+            </a:r>
+            <a:r>
+              <a:rPr/>
+              <a:t> </a:t>
+            </a:r>
+            <a:r>
+              <a:rPr/>
+              <a:t>Caprio.</a:t>
+            </a:r>
+          </a:p>
+          <a:p>
+            <a:pPr lvl="0" marL="0" indent="0">
+              <a:buNone/>
+            </a:pPr>
+          </a:p>
+          <a:p>
+            <a:pPr lvl="0" marL="0" indent="0">
+              <a:buNone/>
+            </a:pPr>
+            <a:r>
+              <a:rPr/>
+              <a:t>Color</a:t>
+            </a:r>
+            <a:r>
+              <a:rPr/>
+              <a:t> </a:t>
+            </a:r>
+            <a:r>
+              <a:rPr/>
+              <a:t>becomes</a:t>
+            </a:r>
+            <a:r>
+              <a:rPr/>
+              <a:t> </a:t>
+            </a:r>
+            <a:r>
+              <a:rPr/>
+              <a:t>very</a:t>
+            </a:r>
+            <a:r>
+              <a:rPr/>
+              <a:t> </a:t>
+            </a:r>
+            <a:r>
+              <a:rPr/>
+              <a:t>important</a:t>
+            </a:r>
+            <a:r>
+              <a:rPr/>
+              <a:t> </a:t>
+            </a:r>
+            <a:r>
+              <a:rPr/>
+              <a:t>in</a:t>
+            </a:r>
+            <a:r>
+              <a:rPr/>
+              <a:t> </a:t>
+            </a:r>
+            <a:r>
+              <a:rPr/>
+              <a:t>just</a:t>
+            </a:r>
+            <a:r>
+              <a:rPr/>
+              <a:t> </a:t>
+            </a:r>
+            <a:r>
+              <a:rPr/>
+              <a:t>a</a:t>
+            </a:r>
+            <a:r>
+              <a:rPr/>
+              <a:t> </a:t>
+            </a:r>
+            <a:r>
+              <a:rPr/>
+              <a:t>minute</a:t>
+            </a:r>
+            <a:r>
+              <a:rPr/>
+              <a:t> </a:t>
+            </a:r>
+            <a:r>
+              <a:rPr/>
+              <a:t>when</a:t>
+            </a:r>
+            <a:r>
+              <a:rPr/>
+              <a:t> </a:t>
+            </a:r>
+            <a:r>
+              <a:rPr/>
+              <a:t>we</a:t>
+            </a:r>
+            <a:r>
+              <a:rPr/>
+              <a:t> </a:t>
+            </a:r>
+            <a:r>
+              <a:rPr/>
+              <a:t>add</a:t>
+            </a:r>
+            <a:r>
+              <a:rPr/>
+              <a:t> </a:t>
+            </a:r>
+            <a:r>
+              <a:rPr/>
+              <a:t>another</a:t>
+            </a:r>
+            <a:r>
+              <a:rPr/>
+              <a:t> </a:t>
+            </a:r>
+            <a:r>
+              <a:rPr/>
+              <a:t>layer</a:t>
+            </a:r>
+            <a:r>
+              <a:rPr/>
+              <a:t> </a:t>
+            </a:r>
+            <a:r>
+              <a:rPr/>
+              <a:t>of</a:t>
+            </a:r>
+            <a:r>
+              <a:rPr/>
+              <a:t> </a:t>
+            </a:r>
+            <a:r>
+              <a:rPr/>
+              <a:t>complexity.</a:t>
+            </a:r>
+          </a:p>
+        </p:txBody>
+      </p:sp>
+      <p:sp>
+        <p:nvSpPr>
+          <p:cNvPr id="4" name="Slide Number Placeholder 3"/>
+          <p:cNvSpPr>
+            <a:spLocks noGrp="1"/>
+          </p:cNvSpPr>
+          <p:nvPr>
+            <p:ph type="sldNum" sz="quarter" idx="10"/>
+          </p:nvPr>
+        </p:nvSpPr>
+        <p:spPr/>
+        <p:txBody>
+          <a:bodyPr/>
+          <a:lstStyle/>
+          <a:p>
+            <a:fld id="{18BDFEC3-8487-43E8-A154-7C12CBC1FFF2}" type="slidenum">
+              <a:rPr lang="en-US"/>
+              <a:t>38</a:t>
+            </a:fld>
+            <a:endParaRPr lang="en-US"/>
+          </a:p>
+        </p:txBody>
+      </p:sp>
+    </p:spTree>
+  </p:cSld>
+</p:notes>
+</file>
+
+<file path=ppt/notesSlides/notesSlide17.xml><?xml version="1.0" encoding="utf-8"?>
+<p:notes xmlns:a="http://schemas.openxmlformats.org/drawingml/2006/main" xmlns:r="http://schemas.openxmlformats.org/officeDocument/2006/relationships" xmlns:p="http://schemas.openxmlformats.org/presentationml/2006/main">
+  <p:cSld>
+    <p:spTree>
+      <p:nvGrpSpPr>
+        <p:cNvPr id="1" name=""/>
+        <p:cNvGrpSpPr/>
+        <p:nvPr/>
+      </p:nvGrpSpPr>
+      <p:grpSpPr>
+        <a:xfrm>
+          <a:off x="0" y="0"/>
+          <a:ext cx="0" cy="0"/>
+          <a:chOff x="0" y="0"/>
+          <a:chExt cx="0" cy="0"/>
+        </a:xfrm>
+      </p:grpSpPr>
+      <p:sp>
+        <p:nvSpPr>
+          <p:cNvPr id="2" name="Slide Image Placeholder 1"/>
+          <p:cNvSpPr>
+            <a:spLocks noGrp="1" noRot="1" noChangeAspect="1"/>
+          </p:cNvSpPr>
+          <p:nvPr>
+            <p:ph type="sldImg"/>
+          </p:nvPr>
+        </p:nvSpPr>
+        <p:spPr/>
+      </p:sp>
+      <p:sp>
+        <p:nvSpPr>
+          <p:cNvPr id="3" name="Notes Placeholder 2"/>
+          <p:cNvSpPr>
+            <a:spLocks noGrp="1"/>
+          </p:cNvSpPr>
+          <p:nvPr>
+            <p:ph type="body" idx="1"/>
+          </p:nvPr>
+        </p:nvSpPr>
+        <p:spPr/>
+        <p:txBody>
+          <a:bodyPr/>
+          <a:lstStyle/>
+          <a:p>
+            <a:pPr lvl="0" marL="0" indent="0">
+              <a:buNone/>
+            </a:pPr>
+            <a:r>
+              <a:rPr/>
+              <a:t>Bar</a:t>
+            </a:r>
+            <a:r>
+              <a:rPr/>
+              <a:t> </a:t>
+            </a:r>
+            <a:r>
+              <a:rPr/>
+              <a:t>charts</a:t>
+            </a:r>
+            <a:r>
+              <a:rPr/>
+              <a:t> </a:t>
+            </a:r>
+            <a:r>
+              <a:rPr/>
+              <a:t>that</a:t>
+            </a:r>
+            <a:r>
+              <a:rPr/>
+              <a:t> </a:t>
+            </a:r>
+            <a:r>
+              <a:rPr/>
+              <a:t>represent</a:t>
+            </a:r>
+            <a:r>
+              <a:rPr/>
+              <a:t> </a:t>
+            </a:r>
+            <a:r>
+              <a:rPr/>
+              <a:t>a</a:t>
+            </a:r>
+            <a:r>
+              <a:rPr/>
+              <a:t> </a:t>
+            </a:r>
+            <a:r>
+              <a:rPr/>
+              <a:t>summary</a:t>
+            </a:r>
+            <a:r>
+              <a:rPr/>
+              <a:t> </a:t>
+            </a:r>
+            <a:r>
+              <a:rPr/>
+              <a:t>across</a:t>
+            </a:r>
+            <a:r>
+              <a:rPr/>
+              <a:t> </a:t>
+            </a:r>
+            <a:r>
+              <a:rPr/>
+              <a:t>a</a:t>
+            </a:r>
+            <a:r>
+              <a:rPr/>
+              <a:t> </a:t>
+            </a:r>
+            <a:r>
+              <a:rPr/>
+              <a:t>single</a:t>
+            </a:r>
+            <a:r>
+              <a:rPr/>
+              <a:t> </a:t>
+            </a:r>
+            <a:r>
+              <a:rPr/>
+              <a:t>categorical</a:t>
+            </a:r>
+            <a:r>
+              <a:rPr/>
+              <a:t> </a:t>
+            </a:r>
+            <a:r>
+              <a:rPr/>
+              <a:t>variable</a:t>
+            </a:r>
+            <a:r>
+              <a:rPr/>
+              <a:t> </a:t>
+            </a:r>
+            <a:r>
+              <a:rPr/>
+              <a:t>are</a:t>
+            </a:r>
+            <a:r>
+              <a:rPr/>
+              <a:t> </a:t>
+            </a:r>
+            <a:r>
+              <a:rPr/>
+              <a:t>fairly</a:t>
+            </a:r>
+            <a:r>
+              <a:rPr/>
+              <a:t> </a:t>
+            </a:r>
+            <a:r>
+              <a:rPr/>
+              <a:t>simple</a:t>
+            </a:r>
+            <a:r>
+              <a:rPr/>
+              <a:t> </a:t>
+            </a:r>
+            <a:r>
+              <a:rPr/>
+              <a:t>and</a:t>
+            </a:r>
+            <a:r>
+              <a:rPr/>
+              <a:t> </a:t>
+            </a:r>
+            <a:r>
+              <a:rPr/>
+              <a:t>easy</a:t>
+            </a:r>
+            <a:r>
+              <a:rPr/>
+              <a:t> </a:t>
+            </a:r>
+            <a:r>
+              <a:rPr/>
+              <a:t>to</a:t>
+            </a:r>
+            <a:r>
+              <a:rPr/>
+              <a:t> </a:t>
+            </a:r>
+            <a:r>
+              <a:rPr/>
+              <a:t>handle.</a:t>
+            </a:r>
+            <a:r>
+              <a:rPr/>
+              <a:t> </a:t>
+            </a:r>
+            <a:r>
+              <a:rPr/>
+              <a:t>But</a:t>
+            </a:r>
+            <a:r>
+              <a:rPr/>
+              <a:t> </a:t>
+            </a:r>
+            <a:r>
+              <a:rPr/>
+              <a:t>when</a:t>
+            </a:r>
+            <a:r>
+              <a:rPr/>
+              <a:t> </a:t>
+            </a:r>
+            <a:r>
+              <a:rPr/>
+              <a:t>you</a:t>
+            </a:r>
+            <a:r>
+              <a:rPr/>
+              <a:t> </a:t>
+            </a:r>
+            <a:r>
+              <a:rPr/>
+              <a:t>want</a:t>
+            </a:r>
+            <a:r>
+              <a:rPr/>
+              <a:t> </a:t>
+            </a:r>
+            <a:r>
+              <a:rPr/>
+              <a:t>to</a:t>
+            </a:r>
+            <a:r>
+              <a:rPr/>
+              <a:t> </a:t>
+            </a:r>
+            <a:r>
+              <a:rPr/>
+              <a:t>summarize</a:t>
+            </a:r>
+            <a:r>
+              <a:rPr/>
+              <a:t> </a:t>
+            </a:r>
+            <a:r>
+              <a:rPr/>
+              <a:t>by</a:t>
+            </a:r>
+            <a:r>
+              <a:rPr/>
+              <a:t> </a:t>
+            </a:r>
+            <a:r>
+              <a:rPr/>
+              <a:t>two</a:t>
+            </a:r>
+            <a:r>
+              <a:rPr/>
+              <a:t> </a:t>
+            </a:r>
+            <a:r>
+              <a:rPr/>
+              <a:t>categories</a:t>
+            </a:r>
+            <a:r>
+              <a:rPr/>
+              <a:t> </a:t>
+            </a:r>
+            <a:r>
+              <a:rPr/>
+              <a:t>simultaneously,</a:t>
+            </a:r>
+            <a:r>
+              <a:rPr/>
+              <a:t> </a:t>
+            </a:r>
+            <a:r>
+              <a:rPr/>
+              <a:t>things</a:t>
+            </a:r>
+            <a:r>
+              <a:rPr/>
+              <a:t> </a:t>
+            </a:r>
+            <a:r>
+              <a:rPr/>
+              <a:t>get</a:t>
+            </a:r>
+            <a:r>
+              <a:rPr/>
+              <a:t> </a:t>
+            </a:r>
+            <a:r>
+              <a:rPr/>
+              <a:t>interesting.</a:t>
+            </a:r>
+            <a:r>
+              <a:rPr/>
+              <a:t> </a:t>
+            </a:r>
+            <a:r>
+              <a:rPr/>
+              <a:t>Interesting</a:t>
+            </a:r>
+            <a:r>
+              <a:rPr/>
+              <a:t> </a:t>
+            </a:r>
+            <a:r>
+              <a:rPr/>
+              <a:t>in</a:t>
+            </a:r>
+            <a:r>
+              <a:rPr/>
+              <a:t> </a:t>
+            </a:r>
+            <a:r>
+              <a:rPr/>
+              <a:t>a</a:t>
+            </a:r>
+            <a:r>
+              <a:rPr/>
+              <a:t> </a:t>
+            </a:r>
+            <a:r>
+              <a:rPr/>
+              <a:t>good</a:t>
+            </a:r>
+            <a:r>
+              <a:rPr/>
+              <a:t> </a:t>
+            </a:r>
+            <a:r>
+              <a:rPr/>
+              <a:t>way.</a:t>
+            </a:r>
+          </a:p>
+        </p:txBody>
+      </p:sp>
+      <p:sp>
+        <p:nvSpPr>
+          <p:cNvPr id="4" name="Slide Number Placeholder 3"/>
+          <p:cNvSpPr>
+            <a:spLocks noGrp="1"/>
+          </p:cNvSpPr>
+          <p:nvPr>
+            <p:ph type="sldNum" sz="quarter" idx="10"/>
+          </p:nvPr>
+        </p:nvSpPr>
+        <p:spPr/>
+        <p:txBody>
+          <a:bodyPr/>
+          <a:lstStyle/>
+          <a:p>
+            <a:fld id="{18BDFEC3-8487-43E8-A154-7C12CBC1FFF2}" type="slidenum">
+              <a:rPr lang="en-US"/>
+              <a:t>39</a:t>
+            </a:fld>
+            <a:endParaRPr lang="en-US"/>
+          </a:p>
+        </p:txBody>
+      </p:sp>
+    </p:spTree>
+  </p:cSld>
+</p:notes>
+</file>
+
+<file path=ppt/notesSlides/notesSlide18.xml><?xml version="1.0" encoding="utf-8"?>
+<p:notes xmlns:a="http://schemas.openxmlformats.org/drawingml/2006/main" xmlns:r="http://schemas.openxmlformats.org/officeDocument/2006/relationships" xmlns:p="http://schemas.openxmlformats.org/presentationml/2006/main">
+  <p:cSld>
+    <p:spTree>
+      <p:nvGrpSpPr>
+        <p:cNvPr id="1" name=""/>
+        <p:cNvGrpSpPr/>
+        <p:nvPr/>
+      </p:nvGrpSpPr>
+      <p:grpSpPr>
+        <a:xfrm>
+          <a:off x="0" y="0"/>
+          <a:ext cx="0" cy="0"/>
+          <a:chOff x="0" y="0"/>
+          <a:chExt cx="0" cy="0"/>
+        </a:xfrm>
+      </p:grpSpPr>
+      <p:sp>
+        <p:nvSpPr>
+          <p:cNvPr id="2" name="Slide Image Placeholder 1"/>
+          <p:cNvSpPr>
+            <a:spLocks noGrp="1" noRot="1" noChangeAspect="1"/>
+          </p:cNvSpPr>
+          <p:nvPr>
+            <p:ph type="sldImg"/>
+          </p:nvPr>
+        </p:nvSpPr>
+        <p:spPr/>
+      </p:sp>
+      <p:sp>
+        <p:nvSpPr>
+          <p:cNvPr id="3" name="Notes Placeholder 2"/>
+          <p:cNvSpPr>
+            <a:spLocks noGrp="1"/>
+          </p:cNvSpPr>
+          <p:nvPr>
+            <p:ph type="body" idx="1"/>
+          </p:nvPr>
+        </p:nvSpPr>
+        <p:spPr/>
+        <p:txBody>
+          <a:bodyPr/>
+          <a:lstStyle/>
+          <a:p>
+            <a:pPr lvl="0" marL="0" indent="0">
+              <a:buNone/>
+            </a:pPr>
+            <a:r>
+              <a:rPr/>
+              <a:t>Mortality</a:t>
+            </a:r>
+            <a:r>
+              <a:rPr/>
+              <a:t> </a:t>
+            </a:r>
+            <a:r>
+              <a:rPr/>
+              <a:t>on</a:t>
+            </a:r>
+            <a:r>
+              <a:rPr/>
+              <a:t> </a:t>
+            </a:r>
+            <a:r>
+              <a:rPr/>
+              <a:t>the</a:t>
+            </a:r>
+            <a:r>
+              <a:rPr/>
+              <a:t> </a:t>
+            </a:r>
+            <a:r>
+              <a:rPr/>
+              <a:t>Titanic</a:t>
+            </a:r>
+            <a:r>
+              <a:rPr/>
+              <a:t> </a:t>
+            </a:r>
+            <a:r>
+              <a:rPr/>
+              <a:t>reflects</a:t>
+            </a:r>
+            <a:r>
+              <a:rPr/>
+              <a:t> </a:t>
+            </a:r>
+            <a:r>
+              <a:rPr/>
+              <a:t>the</a:t>
+            </a:r>
+            <a:r>
+              <a:rPr/>
+              <a:t> </a:t>
+            </a:r>
+            <a:r>
+              <a:rPr/>
+              <a:t>fact</a:t>
+            </a:r>
+            <a:r>
+              <a:rPr/>
+              <a:t> </a:t>
+            </a:r>
+            <a:r>
+              <a:rPr/>
+              <a:t>that</a:t>
+            </a:r>
+            <a:r>
+              <a:rPr/>
+              <a:t> </a:t>
+            </a:r>
+            <a:r>
+              <a:rPr/>
+              <a:t>this</a:t>
+            </a:r>
+            <a:r>
+              <a:rPr/>
+              <a:t> </a:t>
+            </a:r>
+            <a:r>
+              <a:rPr/>
+              <a:t>was</a:t>
+            </a:r>
+            <a:r>
+              <a:rPr/>
+              <a:t> </a:t>
+            </a:r>
+            <a:r>
+              <a:rPr/>
+              <a:t>an</a:t>
+            </a:r>
+            <a:r>
+              <a:rPr/>
+              <a:t> </a:t>
+            </a:r>
+            <a:r>
+              <a:rPr/>
+              <a:t>era</a:t>
+            </a:r>
+            <a:r>
+              <a:rPr/>
+              <a:t> </a:t>
+            </a:r>
+            <a:r>
+              <a:rPr/>
+              <a:t>when</a:t>
+            </a:r>
+            <a:r>
+              <a:rPr/>
+              <a:t> </a:t>
+            </a:r>
+            <a:r>
+              <a:rPr/>
+              <a:t>people</a:t>
+            </a:r>
+            <a:r>
+              <a:rPr/>
+              <a:t> </a:t>
+            </a:r>
+            <a:r>
+              <a:rPr/>
+              <a:t>really</a:t>
+            </a:r>
+            <a:r>
+              <a:rPr/>
+              <a:t> </a:t>
+            </a:r>
+            <a:r>
+              <a:rPr/>
+              <a:t>did</a:t>
+            </a:r>
+            <a:r>
+              <a:rPr/>
+              <a:t> </a:t>
+            </a:r>
+            <a:r>
+              <a:rPr/>
+              <a:t>believe</a:t>
+            </a:r>
+            <a:r>
+              <a:rPr/>
+              <a:t> </a:t>
+            </a:r>
+            <a:r>
+              <a:rPr/>
+              <a:t>in</a:t>
+            </a:r>
+            <a:r>
+              <a:rPr/>
+              <a:t> </a:t>
+            </a:r>
+            <a:r>
+              <a:rPr/>
+              <a:t>the</a:t>
+            </a:r>
+            <a:r>
+              <a:rPr/>
+              <a:t> </a:t>
+            </a:r>
+            <a:r>
+              <a:rPr/>
+              <a:t>concept</a:t>
+            </a:r>
+            <a:r>
+              <a:rPr/>
+              <a:t> </a:t>
+            </a:r>
+            <a:r>
+              <a:rPr/>
+              <a:t>of</a:t>
+            </a:r>
+            <a:r>
+              <a:rPr/>
+              <a:t> </a:t>
+            </a:r>
+            <a:r>
+              <a:rPr/>
+              <a:t>“</a:t>
+            </a:r>
+            <a:r>
+              <a:rPr/>
+              <a:t>women</a:t>
+            </a:r>
+            <a:r>
+              <a:rPr/>
+              <a:t> </a:t>
+            </a:r>
+            <a:r>
+              <a:rPr/>
+              <a:t>and</a:t>
+            </a:r>
+            <a:r>
+              <a:rPr/>
+              <a:t> </a:t>
+            </a:r>
+            <a:r>
+              <a:rPr/>
+              <a:t>children</a:t>
+            </a:r>
+            <a:r>
+              <a:rPr/>
+              <a:t> </a:t>
+            </a:r>
+            <a:r>
+              <a:rPr/>
+              <a:t>first.</a:t>
+            </a:r>
+            <a:r>
+              <a:rPr/>
+              <a:t>”</a:t>
+            </a:r>
+            <a:r>
+              <a:rPr/>
+              <a:t> </a:t>
+            </a:r>
+            <a:r>
+              <a:rPr/>
+              <a:t>Someone</a:t>
+            </a:r>
+            <a:r>
+              <a:rPr/>
+              <a:t> </a:t>
+            </a:r>
+            <a:r>
+              <a:rPr/>
+              <a:t>like</a:t>
+            </a:r>
+            <a:r>
+              <a:rPr/>
+              <a:t> </a:t>
+            </a:r>
+            <a:r>
+              <a:rPr/>
+              <a:t>me,</a:t>
+            </a:r>
+            <a:r>
+              <a:rPr/>
+              <a:t> </a:t>
+            </a:r>
+            <a:r>
+              <a:rPr/>
+              <a:t>I’d</a:t>
+            </a:r>
+            <a:r>
+              <a:rPr/>
+              <a:t> </a:t>
+            </a:r>
+            <a:r>
+              <a:rPr/>
+              <a:t>be</a:t>
+            </a:r>
+            <a:r>
+              <a:rPr/>
+              <a:t> </a:t>
+            </a:r>
+            <a:r>
+              <a:rPr/>
+              <a:t>shoving</a:t>
+            </a:r>
+            <a:r>
+              <a:rPr/>
+              <a:t> </a:t>
+            </a:r>
+            <a:r>
+              <a:rPr/>
+              <a:t>the</a:t>
+            </a:r>
+            <a:r>
+              <a:rPr/>
+              <a:t> </a:t>
+            </a:r>
+            <a:r>
+              <a:rPr/>
+              <a:t>little</a:t>
+            </a:r>
+            <a:r>
+              <a:rPr/>
+              <a:t> </a:t>
+            </a:r>
+            <a:r>
+              <a:rPr/>
+              <a:t>kids</a:t>
+            </a:r>
+            <a:r>
+              <a:rPr/>
+              <a:t> </a:t>
+            </a:r>
+            <a:r>
+              <a:rPr/>
+              <a:t>aside</a:t>
+            </a:r>
+            <a:r>
+              <a:rPr/>
+              <a:t> </a:t>
+            </a:r>
+            <a:r>
+              <a:rPr/>
+              <a:t>so</a:t>
+            </a:r>
+            <a:r>
+              <a:rPr/>
+              <a:t> </a:t>
+            </a:r>
+            <a:r>
+              <a:rPr/>
+              <a:t>I</a:t>
+            </a:r>
+            <a:r>
+              <a:rPr/>
+              <a:t> </a:t>
+            </a:r>
+            <a:r>
+              <a:rPr/>
+              <a:t>could</a:t>
+            </a:r>
+            <a:r>
+              <a:rPr/>
+              <a:t> </a:t>
+            </a:r>
+            <a:r>
+              <a:rPr/>
+              <a:t>get</a:t>
+            </a:r>
+            <a:r>
+              <a:rPr/>
+              <a:t> </a:t>
+            </a:r>
+            <a:r>
+              <a:rPr/>
+              <a:t>on</a:t>
+            </a:r>
+            <a:r>
+              <a:rPr/>
+              <a:t> </a:t>
+            </a:r>
+            <a:r>
+              <a:rPr/>
+              <a:t>one</a:t>
+            </a:r>
+            <a:r>
+              <a:rPr/>
+              <a:t> </a:t>
+            </a:r>
+            <a:r>
+              <a:rPr/>
+              <a:t>of</a:t>
+            </a:r>
+            <a:r>
+              <a:rPr/>
+              <a:t> </a:t>
+            </a:r>
+            <a:r>
+              <a:rPr/>
+              <a:t>the</a:t>
+            </a:r>
+            <a:r>
+              <a:rPr/>
+              <a:t> </a:t>
+            </a:r>
+            <a:r>
+              <a:rPr/>
+              <a:t>lifeboats.</a:t>
+            </a:r>
+          </a:p>
+          <a:p>
+            <a:pPr lvl="0" marL="0" indent="0">
+              <a:buNone/>
+            </a:pPr>
+          </a:p>
+          <a:p>
+            <a:pPr lvl="0" marL="0" indent="0">
+              <a:buNone/>
+            </a:pPr>
+            <a:r>
+              <a:rPr/>
+              <a:t>Anyway,</a:t>
+            </a:r>
+            <a:r>
+              <a:rPr/>
+              <a:t> </a:t>
+            </a:r>
+            <a:r>
+              <a:rPr/>
+              <a:t>examine</a:t>
+            </a:r>
+            <a:r>
+              <a:rPr/>
+              <a:t> </a:t>
+            </a:r>
+            <a:r>
+              <a:rPr/>
+              <a:t>how</a:t>
+            </a:r>
+            <a:r>
+              <a:rPr/>
+              <a:t> </a:t>
+            </a:r>
+            <a:r>
+              <a:rPr/>
+              <a:t>mortality</a:t>
+            </a:r>
+            <a:r>
+              <a:rPr/>
+              <a:t> </a:t>
+            </a:r>
+            <a:r>
+              <a:rPr/>
+              <a:t>is</a:t>
+            </a:r>
+            <a:r>
+              <a:rPr/>
+              <a:t> </a:t>
+            </a:r>
+            <a:r>
+              <a:rPr/>
+              <a:t>related</a:t>
+            </a:r>
+            <a:r>
+              <a:rPr/>
+              <a:t> </a:t>
+            </a:r>
+            <a:r>
+              <a:rPr/>
+              <a:t>to</a:t>
+            </a:r>
+            <a:r>
+              <a:rPr/>
+              <a:t> </a:t>
+            </a:r>
+            <a:r>
+              <a:rPr/>
+              <a:t>gender.</a:t>
+            </a:r>
+            <a:r>
+              <a:rPr/>
+              <a:t> </a:t>
+            </a:r>
+            <a:r>
+              <a:rPr/>
+              <a:t>It’s</a:t>
+            </a:r>
+            <a:r>
+              <a:rPr/>
+              <a:t> </a:t>
+            </a:r>
+            <a:r>
+              <a:rPr/>
+              <a:t>a</a:t>
+            </a:r>
+            <a:r>
+              <a:rPr/>
+              <a:t> </a:t>
+            </a:r>
+            <a:r>
+              <a:rPr/>
+              <a:t>spoiler</a:t>
+            </a:r>
+            <a:r>
+              <a:rPr/>
+              <a:t> </a:t>
+            </a:r>
+            <a:r>
+              <a:rPr/>
+              <a:t>alert,</a:t>
+            </a:r>
+            <a:r>
+              <a:rPr/>
+              <a:t> </a:t>
+            </a:r>
+            <a:r>
+              <a:rPr/>
+              <a:t>but</a:t>
+            </a:r>
+            <a:r>
+              <a:rPr/>
+              <a:t> </a:t>
+            </a:r>
+            <a:r>
+              <a:rPr/>
+              <a:t>on</a:t>
+            </a:r>
+            <a:r>
+              <a:rPr/>
+              <a:t> </a:t>
+            </a:r>
+            <a:r>
+              <a:rPr/>
+              <a:t>the</a:t>
+            </a:r>
+            <a:r>
+              <a:rPr/>
+              <a:t> </a:t>
+            </a:r>
+            <a:r>
+              <a:rPr/>
+              <a:t>Titanic,</a:t>
+            </a:r>
+            <a:r>
+              <a:rPr/>
+              <a:t> </a:t>
+            </a:r>
+            <a:r>
+              <a:rPr/>
+              <a:t>Kate</a:t>
+            </a:r>
+            <a:r>
+              <a:rPr/>
+              <a:t> </a:t>
+            </a:r>
+            <a:r>
+              <a:rPr/>
+              <a:t>survives,</a:t>
+            </a:r>
+            <a:r>
+              <a:rPr/>
+              <a:t> </a:t>
+            </a:r>
+            <a:r>
+              <a:rPr/>
+              <a:t>but</a:t>
+            </a:r>
+            <a:r>
+              <a:rPr/>
+              <a:t> </a:t>
+            </a:r>
+            <a:r>
+              <a:rPr/>
+              <a:t>Leonardo,</a:t>
+            </a:r>
+            <a:r>
+              <a:rPr/>
+              <a:t> </a:t>
+            </a:r>
+            <a:r>
+              <a:rPr/>
+              <a:t>I</a:t>
+            </a:r>
+            <a:r>
+              <a:rPr/>
+              <a:t> </a:t>
+            </a:r>
+            <a:r>
+              <a:rPr/>
+              <a:t>am</a:t>
+            </a:r>
+            <a:r>
+              <a:rPr/>
+              <a:t> </a:t>
+            </a:r>
+            <a:r>
+              <a:rPr/>
+              <a:t>so</a:t>
+            </a:r>
+            <a:r>
+              <a:rPr/>
+              <a:t> </a:t>
+            </a:r>
+            <a:r>
+              <a:rPr/>
+              <a:t>sad</a:t>
+            </a:r>
+            <a:r>
+              <a:rPr/>
+              <a:t> </a:t>
+            </a:r>
+            <a:r>
+              <a:rPr/>
+              <a:t>to</a:t>
+            </a:r>
+            <a:r>
+              <a:rPr/>
+              <a:t> </a:t>
+            </a:r>
+            <a:r>
+              <a:rPr/>
+              <a:t>say</a:t>
+            </a:r>
+            <a:r>
+              <a:rPr/>
+              <a:t> </a:t>
+            </a:r>
+            <a:r>
+              <a:rPr/>
+              <a:t>this,</a:t>
+            </a:r>
+            <a:r>
+              <a:rPr/>
+              <a:t> </a:t>
+            </a:r>
+            <a:r>
+              <a:rPr/>
+              <a:t>didn’t</a:t>
+            </a:r>
+            <a:r>
+              <a:rPr/>
+              <a:t> </a:t>
+            </a:r>
+            <a:r>
+              <a:rPr/>
+              <a:t>make</a:t>
+            </a:r>
+            <a:r>
+              <a:rPr/>
+              <a:t> </a:t>
+            </a:r>
+            <a:r>
+              <a:rPr/>
+              <a:t>it.</a:t>
+            </a:r>
+          </a:p>
+        </p:txBody>
+      </p:sp>
+      <p:sp>
+        <p:nvSpPr>
+          <p:cNvPr id="4" name="Slide Number Placeholder 3"/>
+          <p:cNvSpPr>
+            <a:spLocks noGrp="1"/>
+          </p:cNvSpPr>
+          <p:nvPr>
+            <p:ph type="sldNum" sz="quarter" idx="10"/>
+          </p:nvPr>
+        </p:nvSpPr>
+        <p:spPr/>
+        <p:txBody>
+          <a:bodyPr/>
+          <a:lstStyle/>
+          <a:p>
+            <a:fld id="{18BDFEC3-8487-43E8-A154-7C12CBC1FFF2}" type="slidenum">
+              <a:rPr lang="en-US"/>
+              <a:t>45</a:t>
+            </a:fld>
+            <a:endParaRPr lang="en-US"/>
+          </a:p>
+        </p:txBody>
+      </p:sp>
+    </p:spTree>
+  </p:cSld>
+</p:notes>
+</file>
+
+<file path=ppt/notesSlides/notesSlide19.xml><?xml version="1.0" encoding="utf-8"?>
+<p:notes xmlns:a="http://schemas.openxmlformats.org/drawingml/2006/main" xmlns:r="http://schemas.openxmlformats.org/officeDocument/2006/relationships" xmlns:p="http://schemas.openxmlformats.org/presentationml/2006/main">
+  <p:cSld>
+    <p:spTree>
+      <p:nvGrpSpPr>
+        <p:cNvPr id="1" name=""/>
+        <p:cNvGrpSpPr/>
+        <p:nvPr/>
+      </p:nvGrpSpPr>
+      <p:grpSpPr>
+        <a:xfrm>
+          <a:off x="0" y="0"/>
+          <a:ext cx="0" cy="0"/>
+          <a:chOff x="0" y="0"/>
+          <a:chExt cx="0" cy="0"/>
+        </a:xfrm>
+      </p:grpSpPr>
+      <p:sp>
+        <p:nvSpPr>
+          <p:cNvPr id="2" name="Slide Image Placeholder 1"/>
+          <p:cNvSpPr>
+            <a:spLocks noGrp="1" noRot="1" noChangeAspect="1"/>
+          </p:cNvSpPr>
+          <p:nvPr>
+            <p:ph type="sldImg"/>
+          </p:nvPr>
+        </p:nvSpPr>
+        <p:spPr/>
+      </p:sp>
+      <p:sp>
+        <p:nvSpPr>
+          <p:cNvPr id="3" name="Notes Placeholder 2"/>
+          <p:cNvSpPr>
+            <a:spLocks noGrp="1"/>
+          </p:cNvSpPr>
+          <p:nvPr>
+            <p:ph type="body" idx="1"/>
+          </p:nvPr>
+        </p:nvSpPr>
+        <p:spPr/>
+        <p:txBody>
+          <a:bodyPr/>
+          <a:lstStyle/>
+          <a:p>
+            <a:pPr lvl="0" marL="0" indent="0">
+              <a:buNone/>
+            </a:pPr>
+            <a:r>
+              <a:rPr/>
+              <a:t>((note</a:t>
+            </a:r>
+            <a:r>
+              <a:rPr/>
+              <a:t> </a:t>
+            </a:r>
+            <a:r>
+              <a:rPr/>
+              <a:t>to</a:t>
+            </a:r>
+            <a:r>
+              <a:rPr/>
+              <a:t> </a:t>
+            </a:r>
+            <a:r>
+              <a:rPr/>
+              <a:t>myself:</a:t>
+            </a:r>
+            <a:r>
+              <a:rPr/>
+              <a:t> </a:t>
+            </a:r>
+            <a:r>
+              <a:rPr/>
+              <a:t>maybe</a:t>
+            </a:r>
+            <a:r>
+              <a:rPr/>
+              <a:t> </a:t>
+            </a:r>
+            <a:r>
+              <a:rPr/>
+              <a:t>this</a:t>
+            </a:r>
+            <a:r>
+              <a:rPr/>
+              <a:t> </a:t>
+            </a:r>
+            <a:r>
+              <a:rPr/>
+              <a:t>goes</a:t>
+            </a:r>
+            <a:r>
+              <a:rPr/>
+              <a:t> </a:t>
+            </a:r>
+            <a:r>
+              <a:rPr/>
+              <a:t>better</a:t>
+            </a:r>
+            <a:r>
+              <a:rPr/>
+              <a:t> </a:t>
+            </a:r>
+            <a:r>
+              <a:rPr/>
+              <a:t>in</a:t>
+            </a:r>
+            <a:r>
+              <a:rPr/>
+              <a:t> </a:t>
+            </a:r>
+            <a:r>
+              <a:rPr/>
+              <a:t>the</a:t>
+            </a:r>
+            <a:r>
+              <a:rPr/>
+              <a:t> </a:t>
+            </a:r>
+            <a:r>
+              <a:rPr/>
+              <a:t>talk</a:t>
+            </a:r>
+            <a:r>
+              <a:rPr/>
+              <a:t> </a:t>
+            </a:r>
+            <a:r>
+              <a:rPr/>
+              <a:t>about</a:t>
+            </a:r>
+            <a:r>
+              <a:rPr/>
+              <a:t> </a:t>
+            </a:r>
+            <a:r>
+              <a:rPr/>
+              <a:t>lines.))</a:t>
+            </a:r>
+          </a:p>
+        </p:txBody>
+      </p:sp>
+      <p:sp>
+        <p:nvSpPr>
+          <p:cNvPr id="4" name="Slide Number Placeholder 3"/>
+          <p:cNvSpPr>
+            <a:spLocks noGrp="1"/>
+          </p:cNvSpPr>
+          <p:nvPr>
+            <p:ph type="sldNum" sz="quarter" idx="10"/>
+          </p:nvPr>
+        </p:nvSpPr>
+        <p:spPr/>
+        <p:txBody>
+          <a:bodyPr/>
+          <a:lstStyle/>
+          <a:p>
+            <a:fld id="{18BDFEC3-8487-43E8-A154-7C12CBC1FFF2}" type="slidenum">
+              <a:rPr lang="en-US"/>
+              <a:t>53</a:t>
             </a:fld>
             <a:endParaRPr lang="en-US"/>
           </a:p>
@@ -2639,7 +7104,7 @@
           <a:p>
             <a:fld id="{18BDFEC3-8487-43E8-A154-7C12CBC1FFF2}" type="slidenum">
               <a:rPr lang="en-US"/>
-              <a:t>8</a:t>
+              <a:t>9</a:t>
             </a:fld>
             <a:endParaRPr lang="en-US"/>
           </a:p>
@@ -3607,7 +8072,7 @@
           <a:p>
             <a:fld id="{18BDFEC3-8487-43E8-A154-7C12CBC1FFF2}" type="slidenum">
               <a:rPr lang="en-US"/>
-              <a:t>11</a:t>
+              <a:t>12</a:t>
             </a:fld>
             <a:endParaRPr lang="en-US"/>
           </a:p>
@@ -3969,7 +8434,7 @@
           <a:p>
             <a:fld id="{18BDFEC3-8487-43E8-A154-7C12CBC1FFF2}" type="slidenum">
               <a:rPr lang="en-US"/>
-              <a:t>13</a:t>
+              <a:t>14</a:t>
             </a:fld>
             <a:endParaRPr lang="en-US"/>
           </a:p>
@@ -4347,7 +8812,7 @@
           <a:p>
             <a:fld id="{18BDFEC3-8487-43E8-A154-7C12CBC1FFF2}" type="slidenum">
               <a:rPr lang="en-US"/>
-              <a:t>14</a:t>
+              <a:t>15</a:t>
             </a:fld>
             <a:endParaRPr lang="en-US"/>
           </a:p>
@@ -5911,7 +10376,7 @@
           <a:p>
             <a:fld id="{18BDFEC3-8487-43E8-A154-7C12CBC1FFF2}" type="slidenum">
               <a:rPr lang="en-US"/>
-              <a:t>16</a:t>
+              <a:t>17</a:t>
             </a:fld>
             <a:endParaRPr lang="en-US"/>
           </a:p>
@@ -6337,7 +10802,7 @@
           <a:p>
             <a:fld id="{18BDFEC3-8487-43E8-A154-7C12CBC1FFF2}" type="slidenum">
               <a:rPr lang="en-US"/>
-              <a:t>17</a:t>
+              <a:t>18</a:t>
             </a:fld>
             <a:endParaRPr lang="en-US"/>
           </a:p>
@@ -6683,7 +11148,7 @@
           <a:p>
             <a:fld id="{18BDFEC3-8487-43E8-A154-7C12CBC1FFF2}" type="slidenum">
               <a:rPr lang="en-US"/>
-              <a:t>18</a:t>
+              <a:t>19</a:t>
             </a:fld>
             <a:endParaRPr lang="en-US"/>
           </a:p>
@@ -6917,7 +11382,7 @@
           <a:p>
             <a:fld id="{18BDFEC3-8487-43E8-A154-7C12CBC1FFF2}" type="slidenum">
               <a:rPr lang="en-US"/>
-              <a:t>19</a:t>
+              <a:t>20</a:t>
             </a:fld>
             <a:endParaRPr lang="en-US"/>
           </a:p>
@@ -10093,46 +14558,54 @@
             </a:pPr>
             <a:r>
               <a:rPr/>
-              <a:t>…</a:t>
-            </a:r>
-            <a:r>
-              <a:rPr/>
-              <a:t> </a:t>
-            </a:r>
-            <a:r>
-              <a:rPr/>
-              <a:t>or</a:t>
-            </a:r>
-            <a:r>
-              <a:rPr/>
-              <a:t> </a:t>
-            </a:r>
-            <a:r>
-              <a:rPr/>
-              <a:t>a</a:t>
-            </a:r>
-            <a:r>
-              <a:rPr/>
-              <a:t> </a:t>
-            </a:r>
-            <a:r>
-              <a:rPr/>
-              <a:t>pie</a:t>
-            </a:r>
-            <a:r>
-              <a:rPr/>
-              <a:t> </a:t>
-            </a:r>
-            <a:r>
-              <a:rPr/>
-              <a:t>chart</a:t>
+              <a:t>Which</a:t>
+            </a:r>
+            <a:r>
+              <a:rPr/>
+              <a:t> </a:t>
+            </a:r>
+            <a:r>
+              <a:rPr/>
+              <a:t>is</a:t>
+            </a:r>
+            <a:r>
+              <a:rPr/>
+              <a:t> </a:t>
+            </a:r>
+            <a:r>
+              <a:rPr/>
+              <a:t>better?</a:t>
+            </a:r>
+            <a:r>
+              <a:rPr/>
+              <a:t> </a:t>
+            </a:r>
+            <a:r>
+              <a:rPr/>
+              <a:t>A</a:t>
+            </a:r>
+            <a:r>
+              <a:rPr/>
+              <a:t> </a:t>
+            </a:r>
+            <a:r>
+              <a:rPr/>
+              <a:t>bar</a:t>
+            </a:r>
+            <a:r>
+              <a:rPr/>
+              <a:t> </a:t>
+            </a:r>
+            <a:r>
+              <a:rPr/>
+              <a:t>chart…</a:t>
             </a:r>
           </a:p>
         </p:txBody>
       </p:sp>
       <p:pic>
         <p:nvPicPr>
-          <p:cNvPr descr="data-visualization-02-bars_files/figure-pptx/pie-chart-1.png" id="0" name="Picture 1"/>
+          <p:cNvPr descr="data-visualization-02-bars_files/figure-pptx/bar-chart-1.png" id="0" name="Picture 1"/>
           <p:cNvPicPr>
             <a:picLocks noGrp="1" noChangeAspect="1"/>
           </p:cNvPicPr>
@@ -10202,64 +14675,73 @@
             </a:pPr>
             <a:r>
               <a:rPr/>
-              <a:t>Answer.</a:t>
-            </a:r>
-            <a:r>
-              <a:rPr/>
-              <a:t> </a:t>
-            </a:r>
-            <a:r>
-              <a:rPr/>
-              <a:t>It</a:t>
-            </a:r>
-            <a:r>
-              <a:rPr/>
-              <a:t> </a:t>
-            </a:r>
-            <a:r>
-              <a:rPr/>
-              <a:t>depends.</a:t>
+              <a:t>…</a:t>
+            </a:r>
+            <a:r>
+              <a:rPr/>
+              <a:t> </a:t>
+            </a:r>
+            <a:r>
+              <a:rPr/>
+              <a:t>or</a:t>
+            </a:r>
+            <a:r>
+              <a:rPr/>
+              <a:t> </a:t>
+            </a:r>
+            <a:r>
+              <a:rPr/>
+              <a:t>a</a:t>
+            </a:r>
+            <a:r>
+              <a:rPr/>
+              <a:t> </a:t>
+            </a:r>
+            <a:r>
+              <a:rPr/>
+              <a:t>pie</a:t>
+            </a:r>
+            <a:r>
+              <a:rPr/>
+              <a:t> </a:t>
+            </a:r>
+            <a:r>
+              <a:rPr/>
+              <a:t>chart</a:t>
             </a:r>
           </a:p>
         </p:txBody>
       </p:sp>
-      <p:sp>
-        <p:nvSpPr>
-          <p:cNvPr id="3" name="Content Placeholder 2"/>
-          <p:cNvSpPr>
-            <a:spLocks noGrp="1"/>
-          </p:cNvSpPr>
-          <p:nvPr>
-            <p:ph idx="1"/>
-          </p:nvPr>
-        </p:nvSpPr>
-        <p:spPr/>
-        <p:txBody>
-          <a:bodyPr/>
-          <a:lstStyle/>
-          <a:p>
-            <a:pPr lvl="1"/>
-            <a:r>
-              <a:rPr/>
-              <a:t>What question are you trying to answer?</a:t>
-            </a:r>
-          </a:p>
-          <a:p>
-            <a:pPr lvl="2"/>
-            <a:r>
-              <a:rPr/>
-              <a:t>What proportion of the patients are single?</a:t>
-            </a:r>
-          </a:p>
-          <a:p>
-            <a:pPr lvl="2"/>
-            <a:r>
-              <a:rPr/>
-              <a:t>Are there more single or divorced patients?</a:t>
-            </a:r>
-          </a:p>
-        </p:txBody>
-      </p:sp>
+      <p:pic>
+        <p:nvPicPr>
+          <p:cNvPr descr="data-visualization-02-bars_files/figure-pptx/pie-chart-1.png" id="0" name="Picture 1"/>
+          <p:cNvPicPr>
+            <a:picLocks noGrp="1" noChangeAspect="1"/>
+          </p:cNvPicPr>
+          <p:nvPr/>
+        </p:nvPicPr>
+        <p:blipFill>
+          <a:blip r:embed="rId2"/>
+          <a:stretch>
+            <a:fillRect/>
+          </a:stretch>
+        </p:blipFill>
+        <p:spPr bwMode="auto">
+          <a:xfrm>
+            <a:off x="1752600" y="1600200"/>
+            <a:ext cx="5651500" cy="4521200"/>
+          </a:xfrm>
+          <a:prstGeom prst="rect">
+            <a:avLst/>
+          </a:prstGeom>
+          <a:noFill/>
+          <a:ln w="9525">
+            <a:noFill/>
+            <a:headEnd/>
+            <a:tailEnd/>
+          </a:ln>
+        </p:spPr>
+      </p:pic>
     </p:spTree>
   </p:cSld>
 </p:sld>
@@ -10302,39 +14784,23 @@
             </a:pPr>
             <a:r>
               <a:rPr/>
-              <a:t>Visual</a:t>
-            </a:r>
-            <a:r>
-              <a:rPr/>
-              <a:t> </a:t>
-            </a:r>
-            <a:r>
-              <a:rPr/>
-              <a:t>processing</a:t>
-            </a:r>
-            <a:r>
-              <a:rPr/>
-              <a:t> </a:t>
-            </a:r>
-            <a:r>
-              <a:rPr/>
-              <a:t>(1</a:t>
-            </a:r>
-            <a:r>
-              <a:rPr/>
-              <a:t> </a:t>
-            </a:r>
-            <a:r>
-              <a:rPr/>
-              <a:t>of</a:t>
-            </a:r>
-            <a:r>
-              <a:rPr/>
-              <a:t> </a:t>
-            </a:r>
-            <a:r>
-              <a:rPr/>
-              <a:t>3)</a:t>
+              <a:t>Answer.</a:t>
+            </a:r>
+            <a:r>
+              <a:rPr/>
+              <a:t> </a:t>
+            </a:r>
+            <a:r>
+              <a:rPr/>
+              <a:t>It</a:t>
+            </a:r>
+            <a:r>
+              <a:rPr/>
+              <a:t> </a:t>
+            </a:r>
+            <a:r>
+              <a:rPr/>
+              <a:t>depends.</a:t>
             </a:r>
           </a:p>
         </p:txBody>
@@ -10357,35 +14823,21 @@
             <a:pPr lvl="1"/>
             <a:r>
               <a:rPr/>
-              <a:t>Projection</a:t>
+              <a:t>What question are you trying to answer?</a:t>
             </a:r>
           </a:p>
           <a:p>
             <a:pPr lvl="2"/>
             <a:r>
               <a:rPr/>
-              <a:t>Shifting an object in a horizontal or vertical direction to make a comparison</a:t>
-            </a:r>
-          </a:p>
-          <a:p>
-            <a:pPr lvl="1"/>
-            <a:r>
-              <a:rPr/>
-              <a:t>Superimposition</a:t>
+              <a:t>What proportion of the patients are single?</a:t>
             </a:r>
           </a:p>
           <a:p>
             <a:pPr lvl="2"/>
             <a:r>
               <a:rPr/>
-              <a:t>Shifting in other directions (e.g., diagonal shifts, rotation) in order to make a comparison</a:t>
-            </a:r>
-          </a:p>
-          <a:p>
-            <a:pPr lvl="2"/>
-            <a:r>
-              <a:rPr/>
-              <a:t>Much harder than projection</a:t>
+              <a:t>Are there more single or divorced patients?</a:t>
             </a:r>
           </a:p>
         </p:txBody>
@@ -10396,6 +14848,136 @@
 </file>
 
 <file path=ppt/slides/slide13.xml><?xml version="1.0" encoding="utf-8"?>
+<p:sld xmlns:a="http://schemas.openxmlformats.org/drawingml/2006/main" xmlns:r="http://schemas.openxmlformats.org/officeDocument/2006/relationships" xmlns:p="http://schemas.openxmlformats.org/presentationml/2006/main">
+  <p:cSld>
+    <p:spTree>
+      <p:nvGrpSpPr>
+        <p:cNvPr id="1" name=""/>
+        <p:cNvGrpSpPr/>
+        <p:nvPr/>
+      </p:nvGrpSpPr>
+      <p:grpSpPr>
+        <a:xfrm>
+          <a:off x="0" y="0"/>
+          <a:ext cx="0" cy="0"/>
+          <a:chOff x="0" y="0"/>
+          <a:chExt cx="0" cy="0"/>
+        </a:xfrm>
+      </p:grpSpPr>
+      <p:sp>
+        <p:nvSpPr>
+          <p:cNvPr id="2" name="Title 1"/>
+          <p:cNvSpPr>
+            <a:spLocks noGrp="1"/>
+          </p:cNvSpPr>
+          <p:nvPr>
+            <p:ph type="title"/>
+          </p:nvPr>
+        </p:nvSpPr>
+        <p:spPr/>
+        <p:txBody>
+          <a:bodyPr/>
+          <a:lstStyle/>
+          <a:p>
+            <a:pPr lvl="0" marL="0" indent="0">
+              <a:buNone/>
+            </a:pPr>
+            <a:r>
+              <a:rPr/>
+              <a:t>Visual</a:t>
+            </a:r>
+            <a:r>
+              <a:rPr/>
+              <a:t> </a:t>
+            </a:r>
+            <a:r>
+              <a:rPr/>
+              <a:t>processing</a:t>
+            </a:r>
+            <a:r>
+              <a:rPr/>
+              <a:t> </a:t>
+            </a:r>
+            <a:r>
+              <a:rPr/>
+              <a:t>(1</a:t>
+            </a:r>
+            <a:r>
+              <a:rPr/>
+              <a:t> </a:t>
+            </a:r>
+            <a:r>
+              <a:rPr/>
+              <a:t>of</a:t>
+            </a:r>
+            <a:r>
+              <a:rPr/>
+              <a:t> </a:t>
+            </a:r>
+            <a:r>
+              <a:rPr/>
+              <a:t>3)</a:t>
+            </a:r>
+          </a:p>
+        </p:txBody>
+      </p:sp>
+      <p:sp>
+        <p:nvSpPr>
+          <p:cNvPr id="3" name="Content Placeholder 2"/>
+          <p:cNvSpPr>
+            <a:spLocks noGrp="1"/>
+          </p:cNvSpPr>
+          <p:nvPr>
+            <p:ph idx="1"/>
+          </p:nvPr>
+        </p:nvSpPr>
+        <p:spPr/>
+        <p:txBody>
+          <a:bodyPr/>
+          <a:lstStyle/>
+          <a:p>
+            <a:pPr lvl="1"/>
+            <a:r>
+              <a:rPr/>
+              <a:t>Projection</a:t>
+            </a:r>
+          </a:p>
+          <a:p>
+            <a:pPr lvl="2"/>
+            <a:r>
+              <a:rPr/>
+              <a:t>Shifting an object in a horizontal or vertical direction to make a comparison</a:t>
+            </a:r>
+          </a:p>
+          <a:p>
+            <a:pPr lvl="1"/>
+            <a:r>
+              <a:rPr/>
+              <a:t>Superimposition</a:t>
+            </a:r>
+          </a:p>
+          <a:p>
+            <a:pPr lvl="2"/>
+            <a:r>
+              <a:rPr/>
+              <a:t>Shifting in other directions (e.g., diagonal shifts, rotation) in order to make a comparison</a:t>
+            </a:r>
+          </a:p>
+          <a:p>
+            <a:pPr lvl="2"/>
+            <a:r>
+              <a:rPr/>
+              <a:t>Much harder than projection</a:t>
+            </a:r>
+          </a:p>
+        </p:txBody>
+      </p:sp>
+    </p:spTree>
+  </p:cSld>
+</p:sld>
+</file>
+
+<file path=ppt/slides/slide14.xml><?xml version="1.0" encoding="utf-8"?>
 <p:sld xmlns:a="http://schemas.openxmlformats.org/drawingml/2006/main" xmlns:r="http://schemas.openxmlformats.org/officeDocument/2006/relationships" xmlns:p="http://schemas.openxmlformats.org/presentationml/2006/main">
   <p:cSld>
     <p:spTree>
@@ -10598,7 +15180,7 @@
 </p:sld>
 </file>
 
-<file path=ppt/slides/slide14.xml><?xml version="1.0" encoding="utf-8"?>
+<file path=ppt/slides/slide15.xml><?xml version="1.0" encoding="utf-8"?>
 <p:sld xmlns:a="http://schemas.openxmlformats.org/drawingml/2006/main" xmlns:r="http://schemas.openxmlformats.org/officeDocument/2006/relationships" xmlns:p="http://schemas.openxmlformats.org/presentationml/2006/main">
   <p:cSld>
     <p:spTree>
@@ -10801,7 +15383,7 @@
 </p:sld>
 </file>
 
-<file path=ppt/slides/slide15.xml><?xml version="1.0" encoding="utf-8"?>
+<file path=ppt/slides/slide16.xml><?xml version="1.0" encoding="utf-8"?>
 <p:sld xmlns:a="http://schemas.openxmlformats.org/drawingml/2006/main" xmlns:r="http://schemas.openxmlformats.org/officeDocument/2006/relationships" xmlns:p="http://schemas.openxmlformats.org/presentationml/2006/main">
   <p:cSld>
     <p:spTree>
@@ -10938,7 +15520,7 @@
 </p:sld>
 </file>
 
-<file path=ppt/slides/slide16.xml><?xml version="1.0" encoding="utf-8"?>
+<file path=ppt/slides/slide17.xml><?xml version="1.0" encoding="utf-8"?>
 <p:sld xmlns:a="http://schemas.openxmlformats.org/drawingml/2006/main" xmlns:r="http://schemas.openxmlformats.org/officeDocument/2006/relationships" xmlns:p="http://schemas.openxmlformats.org/presentationml/2006/main">
   <p:cSld>
     <p:spTree>
@@ -11093,7 +15675,7 @@
 </p:sld>
 </file>
 
-<file path=ppt/slides/slide17.xml><?xml version="1.0" encoding="utf-8"?>
+<file path=ppt/slides/slide18.xml><?xml version="1.0" encoding="utf-8"?>
 <p:sld xmlns:a="http://schemas.openxmlformats.org/drawingml/2006/main" xmlns:r="http://schemas.openxmlformats.org/officeDocument/2006/relationships" xmlns:p="http://schemas.openxmlformats.org/presentationml/2006/main">
   <p:cSld>
     <p:spTree>
@@ -11296,7 +15878,7 @@
 </p:sld>
 </file>
 
-<file path=ppt/slides/slide18.xml><?xml version="1.0" encoding="utf-8"?>
+<file path=ppt/slides/slide19.xml><?xml version="1.0" encoding="utf-8"?>
 <p:sld xmlns:a="http://schemas.openxmlformats.org/drawingml/2006/main" xmlns:r="http://schemas.openxmlformats.org/officeDocument/2006/relationships" xmlns:p="http://schemas.openxmlformats.org/presentationml/2006/main">
   <p:cSld>
     <p:spTree>
@@ -11447,7 +16029,115 @@
 </p:sld>
 </file>
 
-<file path=ppt/slides/slide19.xml><?xml version="1.0" encoding="utf-8"?>
+<file path=ppt/slides/slide2.xml><?xml version="1.0" encoding="utf-8"?>
+<p:sld xmlns:a="http://schemas.openxmlformats.org/drawingml/2006/main" xmlns:r="http://schemas.openxmlformats.org/officeDocument/2006/relationships" xmlns:p="http://schemas.openxmlformats.org/presentationml/2006/main">
+  <p:cSld>
+    <p:spTree>
+      <p:nvGrpSpPr>
+        <p:cNvPr id="1" name=""/>
+        <p:cNvGrpSpPr/>
+        <p:nvPr/>
+      </p:nvGrpSpPr>
+      <p:grpSpPr>
+        <a:xfrm>
+          <a:off x="0" y="0"/>
+          <a:ext cx="0" cy="0"/>
+          <a:chOff x="0" y="0"/>
+          <a:chExt cx="0" cy="0"/>
+        </a:xfrm>
+      </p:grpSpPr>
+      <p:sp>
+        <p:nvSpPr>
+          <p:cNvPr id="2" name="Title 1"/>
+          <p:cNvSpPr>
+            <a:spLocks noGrp="1"/>
+          </p:cNvSpPr>
+          <p:nvPr>
+            <p:ph type="title"/>
+          </p:nvPr>
+        </p:nvSpPr>
+        <p:spPr/>
+        <p:txBody>
+          <a:bodyPr/>
+          <a:lstStyle/>
+          <a:p>
+            <a:pPr lvl="0" marL="0" indent="0">
+              <a:buNone/>
+            </a:pPr>
+            <a:r>
+              <a:rPr/>
+              <a:t>Notes</a:t>
+            </a:r>
+            <a:r>
+              <a:rPr/>
+              <a:t> </a:t>
+            </a:r>
+            <a:r>
+              <a:rPr/>
+              <a:t>about</a:t>
+            </a:r>
+            <a:r>
+              <a:rPr/>
+              <a:t> </a:t>
+            </a:r>
+            <a:r>
+              <a:rPr/>
+              <a:t>this</a:t>
+            </a:r>
+            <a:r>
+              <a:rPr/>
+              <a:t> </a:t>
+            </a:r>
+            <a:r>
+              <a:rPr/>
+              <a:t>talk</a:t>
+            </a:r>
+          </a:p>
+        </p:txBody>
+      </p:sp>
+      <p:sp>
+        <p:nvSpPr>
+          <p:cNvPr id="3" name="Content Placeholder 2"/>
+          <p:cNvSpPr>
+            <a:spLocks noGrp="1"/>
+          </p:cNvSpPr>
+          <p:nvPr>
+            <p:ph idx="1"/>
+          </p:nvPr>
+        </p:nvSpPr>
+        <p:spPr/>
+        <p:txBody>
+          <a:bodyPr/>
+          <a:lstStyle/>
+          <a:p>
+            <a:pPr lvl="1"/>
+            <a:r>
+              <a:rPr/>
+              <a:t>This slide should not to be included in the final presentation</a:t>
+            </a:r>
+          </a:p>
+          <a:p>
+            <a:pPr lvl="1"/>
+            <a:r>
+              <a:rPr/>
+              <a:t>01-points MUST come before</a:t>
+            </a:r>
+          </a:p>
+          <a:p>
+            <a:pPr lvl="1"/>
+            <a:r>
+              <a:rPr/>
+              <a:t>03-lines could come before or after</a:t>
+            </a:r>
+          </a:p>
+        </p:txBody>
+      </p:sp>
+    </p:spTree>
+  </p:cSld>
+</p:sld>
+</file>
+
+<file path=ppt/slides/slide20.xml><?xml version="1.0" encoding="utf-8"?>
 <p:sld xmlns:a="http://schemas.openxmlformats.org/drawingml/2006/main" xmlns:r="http://schemas.openxmlformats.org/officeDocument/2006/relationships" xmlns:p="http://schemas.openxmlformats.org/presentationml/2006/main">
   <p:cSld>
     <p:spTree>
@@ -11650,115 +16340,7 @@
 </p:sld>
 </file>
 
-<file path=ppt/slides/slide2.xml><?xml version="1.0" encoding="utf-8"?>
-<p:sld xmlns:a="http://schemas.openxmlformats.org/drawingml/2006/main" xmlns:r="http://schemas.openxmlformats.org/officeDocument/2006/relationships" xmlns:p="http://schemas.openxmlformats.org/presentationml/2006/main">
-  <p:cSld>
-    <p:spTree>
-      <p:nvGrpSpPr>
-        <p:cNvPr id="1" name=""/>
-        <p:cNvGrpSpPr/>
-        <p:nvPr/>
-      </p:nvGrpSpPr>
-      <p:grpSpPr>
-        <a:xfrm>
-          <a:off x="0" y="0"/>
-          <a:ext cx="0" cy="0"/>
-          <a:chOff x="0" y="0"/>
-          <a:chExt cx="0" cy="0"/>
-        </a:xfrm>
-      </p:grpSpPr>
-      <p:sp>
-        <p:nvSpPr>
-          <p:cNvPr id="2" name="Title 1"/>
-          <p:cNvSpPr>
-            <a:spLocks noGrp="1"/>
-          </p:cNvSpPr>
-          <p:nvPr>
-            <p:ph type="title"/>
-          </p:nvPr>
-        </p:nvSpPr>
-        <p:spPr/>
-        <p:txBody>
-          <a:bodyPr/>
-          <a:lstStyle/>
-          <a:p>
-            <a:pPr lvl="0" marL="0" indent="0">
-              <a:buNone/>
-            </a:pPr>
-            <a:r>
-              <a:rPr/>
-              <a:t>Notes</a:t>
-            </a:r>
-            <a:r>
-              <a:rPr/>
-              <a:t> </a:t>
-            </a:r>
-            <a:r>
-              <a:rPr/>
-              <a:t>about</a:t>
-            </a:r>
-            <a:r>
-              <a:rPr/>
-              <a:t> </a:t>
-            </a:r>
-            <a:r>
-              <a:rPr/>
-              <a:t>this</a:t>
-            </a:r>
-            <a:r>
-              <a:rPr/>
-              <a:t> </a:t>
-            </a:r>
-            <a:r>
-              <a:rPr/>
-              <a:t>talk</a:t>
-            </a:r>
-          </a:p>
-        </p:txBody>
-      </p:sp>
-      <p:sp>
-        <p:nvSpPr>
-          <p:cNvPr id="3" name="Content Placeholder 2"/>
-          <p:cNvSpPr>
-            <a:spLocks noGrp="1"/>
-          </p:cNvSpPr>
-          <p:nvPr>
-            <p:ph idx="1"/>
-          </p:nvPr>
-        </p:nvSpPr>
-        <p:spPr/>
-        <p:txBody>
-          <a:bodyPr/>
-          <a:lstStyle/>
-          <a:p>
-            <a:pPr lvl="1"/>
-            <a:r>
-              <a:rPr/>
-              <a:t>This slide should not to be included in the final presentation</a:t>
-            </a:r>
-          </a:p>
-          <a:p>
-            <a:pPr lvl="1"/>
-            <a:r>
-              <a:rPr/>
-              <a:t>01-points MUST come before</a:t>
-            </a:r>
-          </a:p>
-          <a:p>
-            <a:pPr lvl="1"/>
-            <a:r>
-              <a:rPr/>
-              <a:t>03-lines could come before or after</a:t>
-            </a:r>
-          </a:p>
-        </p:txBody>
-      </p:sp>
-    </p:spTree>
-  </p:cSld>
-</p:sld>
-</file>
-
-<file path=ppt/slides/slide20.xml><?xml version="1.0" encoding="utf-8"?>
+<file path=ppt/slides/slide21.xml><?xml version="1.0" encoding="utf-8"?>
 <p:sld xmlns:a="http://schemas.openxmlformats.org/drawingml/2006/main" xmlns:r="http://schemas.openxmlformats.org/officeDocument/2006/relationships" xmlns:p="http://schemas.openxmlformats.org/presentationml/2006/main">
   <p:cSld>
     <p:spTree>
@@ -11961,7 +16543,7 @@
 </p:sld>
 </file>
 
-<file path=ppt/slides/slide21.xml><?xml version="1.0" encoding="utf-8"?>
+<file path=ppt/slides/slide22.xml><?xml version="1.0" encoding="utf-8"?>
 <p:sld xmlns:a="http://schemas.openxmlformats.org/drawingml/2006/main" xmlns:r="http://schemas.openxmlformats.org/officeDocument/2006/relationships" xmlns:p="http://schemas.openxmlformats.org/presentationml/2006/main">
   <p:cSld>
     <p:spTree>
@@ -12172,53 +16754,6 @@
 </p:sld>
 </file>
 
-<file path=ppt/slides/slide22.xml><?xml version="1.0" encoding="utf-8"?>
-<p:sld xmlns:a="http://schemas.openxmlformats.org/drawingml/2006/main" xmlns:r="http://schemas.openxmlformats.org/officeDocument/2006/relationships" xmlns:p="http://schemas.openxmlformats.org/presentationml/2006/main">
-  <p:cSld>
-    <p:spTree>
-      <p:nvGrpSpPr>
-        <p:cNvPr id="1" name=""/>
-        <p:cNvGrpSpPr/>
-        <p:nvPr/>
-      </p:nvGrpSpPr>
-      <p:grpSpPr>
-        <a:xfrm>
-          <a:off x="0" y="0"/>
-          <a:ext cx="0" cy="0"/>
-          <a:chOff x="0" y="0"/>
-          <a:chExt cx="0" cy="0"/>
-        </a:xfrm>
-      </p:grpSpPr>
-      <p:sp>
-        <p:nvSpPr>
-          <p:cNvPr id="2" name="Title 1"/>
-          <p:cNvSpPr>
-            <a:spLocks noGrp="1"/>
-          </p:cNvSpPr>
-          <p:nvPr>
-            <p:ph type="title"/>
-          </p:nvPr>
-        </p:nvSpPr>
-        <p:spPr/>
-        <p:txBody>
-          <a:bodyPr/>
-          <a:lstStyle/>
-          <a:p>
-            <a:pPr lvl="0" marL="0" indent="0">
-              <a:buNone/>
-            </a:pPr>
-            <a:r>
-              <a:rPr/>
-              <a:t>Area</a:t>
-            </a:r>
-          </a:p>
-        </p:txBody>
-      </p:sp>
-    </p:spTree>
-  </p:cSld>
-</p:sld>
-</file>
-
 <file path=ppt/slides/slide23.xml><?xml version="1.0" encoding="utf-8"?>
 <p:sld xmlns:a="http://schemas.openxmlformats.org/drawingml/2006/main" xmlns:r="http://schemas.openxmlformats.org/officeDocument/2006/relationships" xmlns:p="http://schemas.openxmlformats.org/presentationml/2006/main">
   <p:cSld>
@@ -12256,7 +16791,7 @@
             </a:pPr>
             <a:r>
               <a:rPr/>
-              <a:t>Density/saturation/hue</a:t>
+              <a:t>Area</a:t>
             </a:r>
           </a:p>
         </p:txBody>
@@ -12303,39 +16838,7 @@
             </a:pPr>
             <a:r>
               <a:rPr/>
-              <a:t>A</a:t>
-            </a:r>
-            <a:r>
-              <a:rPr/>
-              <a:t> </a:t>
-            </a:r>
-            <a:r>
-              <a:rPr/>
-              <a:t>quick</a:t>
-            </a:r>
-            <a:r>
-              <a:rPr/>
-              <a:t> </a:t>
-            </a:r>
-            <a:r>
-              <a:rPr/>
-              <a:t>tutorial</a:t>
-            </a:r>
-            <a:r>
-              <a:rPr/>
-              <a:t> </a:t>
-            </a:r>
-            <a:r>
-              <a:rPr/>
-              <a:t>on</a:t>
-            </a:r>
-            <a:r>
-              <a:rPr/>
-              <a:t> </a:t>
-            </a:r>
-            <a:r>
-              <a:rPr/>
-              <a:t>colors</a:t>
+              <a:t>Density/saturation/hue</a:t>
             </a:r>
           </a:p>
         </p:txBody>
@@ -12382,74 +16885,39 @@
             </a:pPr>
             <a:r>
               <a:rPr/>
-              <a:t>Aesthetics</a:t>
-            </a:r>
-            <a:r>
-              <a:rPr/>
-              <a:t> </a:t>
-            </a:r>
-            <a:r>
-              <a:rPr/>
-              <a:t>for</a:t>
-            </a:r>
-            <a:r>
-              <a:rPr/>
-              <a:t> </a:t>
-            </a:r>
-            <a:r>
-              <a:rPr/>
-              <a:t>bars</a:t>
-            </a:r>
-          </a:p>
-        </p:txBody>
-      </p:sp>
-      <p:sp>
-        <p:nvSpPr>
-          <p:cNvPr id="3" name="Content Placeholder 2"/>
-          <p:cNvSpPr>
-            <a:spLocks noGrp="1"/>
-          </p:cNvSpPr>
-          <p:nvPr>
-            <p:ph idx="1"/>
-          </p:nvPr>
-        </p:nvSpPr>
-        <p:spPr/>
-        <p:txBody>
-          <a:bodyPr/>
-          <a:lstStyle/>
-          <a:p>
-            <a:pPr lvl="1"/>
-            <a:r>
-              <a:rPr/>
-              <a:t>Review</a:t>
-            </a:r>
-          </a:p>
-          <a:p>
-            <a:pPr lvl="2"/>
-            <a:r>
-              <a:rPr/>
-              <a:t>Location</a:t>
-            </a:r>
-          </a:p>
-          <a:p>
-            <a:pPr lvl="2"/>
-            <a:r>
-              <a:rPr/>
-              <a:t>Size</a:t>
-            </a:r>
-          </a:p>
-          <a:p>
-            <a:pPr lvl="2"/>
-            <a:r>
-              <a:rPr/>
-              <a:t>Color</a:t>
-            </a:r>
-          </a:p>
-          <a:p>
-            <a:pPr lvl="2"/>
-            <a:r>
-              <a:rPr/>
-              <a:t>NOT shape!!!</a:t>
+              <a:t>A</a:t>
+            </a:r>
+            <a:r>
+              <a:rPr/>
+              <a:t> </a:t>
+            </a:r>
+            <a:r>
+              <a:rPr/>
+              <a:t>quick</a:t>
+            </a:r>
+            <a:r>
+              <a:rPr/>
+              <a:t> </a:t>
+            </a:r>
+            <a:r>
+              <a:rPr/>
+              <a:t>tutorial</a:t>
+            </a:r>
+            <a:r>
+              <a:rPr/>
+              <a:t> </a:t>
+            </a:r>
+            <a:r>
+              <a:rPr/>
+              <a:t>on</a:t>
+            </a:r>
+            <a:r>
+              <a:rPr/>
+              <a:t> </a:t>
+            </a:r>
+            <a:r>
+              <a:rPr/>
+              <a:t>colors</a:t>
             </a:r>
           </a:p>
         </p:txBody>
@@ -12496,23 +16964,72 @@
             </a:pPr>
             <a:r>
               <a:rPr/>
-              <a:t>Stack</a:t>
-            </a:r>
-            <a:r>
-              <a:rPr/>
-              <a:t> </a:t>
-            </a:r>
-            <a:r>
-              <a:rPr/>
-              <a:t>versus</a:t>
-            </a:r>
-            <a:r>
-              <a:rPr/>
-              <a:t> </a:t>
-            </a:r>
-            <a:r>
-              <a:rPr/>
-              <a:t>dodge</a:t>
+              <a:t>Bars</a:t>
+            </a:r>
+          </a:p>
+        </p:txBody>
+      </p:sp>
+      <p:sp>
+        <p:nvSpPr>
+          <p:cNvPr id="3" name="Content Placeholder 2"/>
+          <p:cNvSpPr>
+            <a:spLocks noGrp="1"/>
+          </p:cNvSpPr>
+          <p:nvPr>
+            <p:ph idx="1"/>
+          </p:nvPr>
+        </p:nvSpPr>
+        <p:spPr/>
+        <p:txBody>
+          <a:bodyPr/>
+          <a:lstStyle/>
+          <a:p>
+            <a:pPr lvl="1"/>
+            <a:r>
+              <a:rPr/>
+              <a:t>Fewer in numbers than points</a:t>
+            </a:r>
+          </a:p>
+          <a:p>
+            <a:pPr lvl="1"/>
+            <a:r>
+              <a:rPr/>
+              <a:t>Usually a summary statistic</a:t>
+            </a:r>
+          </a:p>
+          <a:p>
+            <a:pPr lvl="2"/>
+            <a:r>
+              <a:rPr/>
+              <a:t>Count</a:t>
+            </a:r>
+          </a:p>
+          <a:p>
+            <a:pPr lvl="2"/>
+            <a:r>
+              <a:rPr/>
+              <a:t>Percent</a:t>
+            </a:r>
+          </a:p>
+          <a:p>
+            <a:pPr lvl="2"/>
+            <a:r>
+              <a:rPr/>
+              <a:t>Average</a:t>
+            </a:r>
+          </a:p>
+          <a:p>
+            <a:pPr lvl="2"/>
+            <a:r>
+              <a:rPr/>
+              <a:t>Total</a:t>
+            </a:r>
+          </a:p>
+          <a:p>
+            <a:pPr lvl="1"/>
+            <a:r>
+              <a:rPr/>
+              <a:t>A bar chart is NOT a histogram</a:t>
             </a:r>
           </a:p>
         </p:txBody>
@@ -12559,7 +17076,23 @@
             </a:pPr>
             <a:r>
               <a:rPr/>
-              <a:t>Summarizations</a:t>
+              <a:t>Aesthetics</a:t>
+            </a:r>
+            <a:r>
+              <a:rPr/>
+              <a:t> </a:t>
+            </a:r>
+            <a:r>
+              <a:rPr/>
+              <a:t>for</a:t>
+            </a:r>
+            <a:r>
+              <a:rPr/>
+              <a:t> </a:t>
+            </a:r>
+            <a:r>
+              <a:rPr/>
+              <a:t>bars</a:t>
             </a:r>
           </a:p>
         </p:txBody>
@@ -12582,42 +17115,35 @@
             <a:pPr lvl="1"/>
             <a:r>
               <a:rPr/>
-              <a:t>One number summary (mean or percentage)</a:t>
-            </a:r>
-          </a:p>
-          <a:p>
-            <a:pPr lvl="1"/>
-            <a:r>
-              <a:rPr/>
-              <a:t>Two number summary (error bars)</a:t>
-            </a:r>
-          </a:p>
-          <a:p>
-            <a:pPr lvl="1"/>
-            <a:r>
-              <a:rPr/>
-              <a:t>Five number summary (boxplots)</a:t>
-            </a:r>
-          </a:p>
-          <a:p>
-            <a:pPr lvl="1"/>
-            <a:r>
-              <a:rPr/>
-              <a:t>All the data</a:t>
+              <a:t>Review</a:t>
             </a:r>
           </a:p>
           <a:p>
             <a:pPr lvl="2"/>
             <a:r>
               <a:rPr/>
-              <a:t>Jittering</a:t>
+              <a:t>Location</a:t>
             </a:r>
           </a:p>
           <a:p>
             <a:pPr lvl="2"/>
             <a:r>
               <a:rPr/>
-              <a:t>Opacity</a:t>
+              <a:t>Size</a:t>
+            </a:r>
+          </a:p>
+          <a:p>
+            <a:pPr lvl="2"/>
+            <a:r>
+              <a:rPr/>
+              <a:t>Color</a:t>
+            </a:r>
+          </a:p>
+          <a:p>
+            <a:pPr lvl="2"/>
+            <a:r>
+              <a:rPr/>
+              <a:t>NOT shape!!!</a:t>
             </a:r>
           </a:p>
         </p:txBody>
@@ -12664,76 +17190,65 @@
             </a:pPr>
             <a:r>
               <a:rPr/>
-              <a:t>Summary</a:t>
+              <a:t>Location</a:t>
+            </a:r>
+            <a:r>
+              <a:rPr/>
+              <a:t> </a:t>
+            </a:r>
+            <a:r>
+              <a:rPr/>
+              <a:t>(1</a:t>
+            </a:r>
+            <a:r>
+              <a:rPr/>
+              <a:t> </a:t>
+            </a:r>
+            <a:r>
+              <a:rPr/>
+              <a:t>of</a:t>
+            </a:r>
+            <a:r>
+              <a:rPr/>
+              <a:t> </a:t>
+            </a:r>
+            <a:r>
+              <a:rPr/>
+              <a:t>2)</a:t>
             </a:r>
           </a:p>
         </p:txBody>
       </p:sp>
-      <p:sp>
-        <p:nvSpPr>
-          <p:cNvPr id="3" name="Content Placeholder 2"/>
-          <p:cNvSpPr>
-            <a:spLocks noGrp="1"/>
-          </p:cNvSpPr>
-          <p:nvPr>
-            <p:ph idx="1"/>
-          </p:nvPr>
-        </p:nvSpPr>
-        <p:spPr/>
-        <p:txBody>
-          <a:bodyPr/>
-          <a:lstStyle/>
-          <a:p>
-            <a:pPr lvl="1"/>
-            <a:r>
-              <a:rPr/>
-              <a:t>“A mapping of data to the visual aesthetics of geometries/marks”</a:t>
-            </a:r>
-          </a:p>
-          <a:p>
-            <a:pPr lvl="2"/>
-            <a:r>
-              <a:rPr/>
-              <a:t>Bars are a type of geometry/mark</a:t>
-            </a:r>
-          </a:p>
-          <a:p>
-            <a:pPr lvl="2"/>
-            <a:r>
-              <a:rPr/>
-              <a:t>Aesthetics for bars include location, size, color</a:t>
-            </a:r>
-          </a:p>
-          <a:p>
-            <a:pPr lvl="2"/>
-            <a:r>
-              <a:rPr/>
-              <a:t>Stack versus dodge</a:t>
-            </a:r>
-          </a:p>
-          <a:p>
-            <a:pPr lvl="1"/>
-            <a:r>
-              <a:rPr/>
-              <a:t>Basic tips</a:t>
-            </a:r>
-          </a:p>
-          <a:p>
-            <a:pPr lvl="2"/>
-            <a:r>
-              <a:rPr/>
-              <a:t>Place comparators close</a:t>
-            </a:r>
-          </a:p>
-          <a:p>
-            <a:pPr lvl="2"/>
-            <a:r>
-              <a:rPr/>
-              <a:t>Use axis ticks, light grid lines</a:t>
-            </a:r>
-          </a:p>
-        </p:txBody>
-      </p:sp>
+      <p:pic>
+        <p:nvPicPr>
+          <p:cNvPr descr="data-visualization-02-bars_files/figure-pptx/location-horizontal-1.png" id="0" name="Picture 1"/>
+          <p:cNvPicPr>
+            <a:picLocks noGrp="1" noChangeAspect="1"/>
+          </p:cNvPicPr>
+          <p:nvPr/>
+        </p:nvPicPr>
+        <p:blipFill>
+          <a:blip r:embed="rId2"/>
+          <a:stretch>
+            <a:fillRect/>
+          </a:stretch>
+        </p:blipFill>
+        <p:spPr bwMode="auto">
+          <a:xfrm>
+            <a:off x="1752600" y="1600200"/>
+            <a:ext cx="5651500" cy="4521200"/>
+          </a:xfrm>
+          <a:prstGeom prst="rect">
+            <a:avLst/>
+          </a:prstGeom>
+          <a:noFill/>
+          <a:ln w="9525">
+            <a:noFill/>
+            <a:headEnd/>
+            <a:tailEnd/>
+          </a:ln>
+        </p:spPr>
+      </p:pic>
     </p:spTree>
   </p:cSld>
 </p:sld>
@@ -12776,77 +17291,65 @@
             </a:pPr>
             <a:r>
               <a:rPr/>
-              <a:t>Group</a:t>
-            </a:r>
-            <a:r>
-              <a:rPr/>
-              <a:t> </a:t>
-            </a:r>
-            <a:r>
-              <a:rPr/>
-              <a:t>exercise</a:t>
+              <a:t>Location</a:t>
+            </a:r>
+            <a:r>
+              <a:rPr/>
+              <a:t> </a:t>
+            </a:r>
+            <a:r>
+              <a:rPr/>
+              <a:t>(2</a:t>
+            </a:r>
+            <a:r>
+              <a:rPr/>
+              <a:t> </a:t>
+            </a:r>
+            <a:r>
+              <a:rPr/>
+              <a:t>of</a:t>
+            </a:r>
+            <a:r>
+              <a:rPr/>
+              <a:t> </a:t>
+            </a:r>
+            <a:r>
+              <a:rPr/>
+              <a:t>2)</a:t>
             </a:r>
           </a:p>
         </p:txBody>
       </p:sp>
-      <p:sp>
-        <p:nvSpPr>
-          <p:cNvPr id="3" name="Content Placeholder 2"/>
-          <p:cNvSpPr>
-            <a:spLocks noGrp="1"/>
-          </p:cNvSpPr>
-          <p:nvPr>
-            <p:ph idx="1"/>
-          </p:nvPr>
-        </p:nvSpPr>
-        <p:spPr/>
-        <p:txBody>
-          <a:bodyPr/>
-          <a:lstStyle/>
-          <a:p>
-            <a:pPr lvl="1"/>
-            <a:r>
-              <a:rPr/>
-              <a:t>Review the following visualization in your group.</a:t>
-            </a:r>
-          </a:p>
-          <a:p>
-            <a:pPr lvl="2"/>
-            <a:r>
-              <a:rPr/>
-              <a:t>Summarize what aesthetics (location, size, shape, color) appear in the graph</a:t>
-            </a:r>
-          </a:p>
-          <a:p>
-            <a:pPr lvl="2"/>
-            <a:r>
-              <a:rPr/>
-              <a:t>What variables map to each aesthetic?</a:t>
-            </a:r>
-          </a:p>
-          <a:p>
-            <a:pPr lvl="2"/>
-            <a:r>
-              <a:rPr/>
-              <a:t>What is the story that this graph is telling you?</a:t>
-            </a:r>
-          </a:p>
-          <a:p>
-            <a:pPr lvl="2"/>
-            <a:r>
-              <a:rPr/>
-              <a:t>Was there anything confusing?</a:t>
-            </a:r>
-          </a:p>
-          <a:p>
-            <a:pPr lvl="2"/>
-            <a:r>
-              <a:rPr/>
-              <a:t>Was there anything you might change?</a:t>
-            </a:r>
-          </a:p>
-        </p:txBody>
-      </p:sp>
+      <p:pic>
+        <p:nvPicPr>
+          <p:cNvPr descr="data-visualization-02-bars_files/figure-pptx/location-vertical-1.png" id="0" name="Picture 1"/>
+          <p:cNvPicPr>
+            <a:picLocks noGrp="1" noChangeAspect="1"/>
+          </p:cNvPicPr>
+          <p:nvPr/>
+        </p:nvPicPr>
+        <p:blipFill>
+          <a:blip r:embed="rId2"/>
+          <a:stretch>
+            <a:fillRect/>
+          </a:stretch>
+        </p:blipFill>
+        <p:spPr bwMode="auto">
+          <a:xfrm>
+            <a:off x="1752600" y="1600200"/>
+            <a:ext cx="5651500" cy="4521200"/>
+          </a:xfrm>
+          <a:prstGeom prst="rect">
+            <a:avLst/>
+          </a:prstGeom>
+          <a:noFill/>
+          <a:ln w="9525">
+            <a:noFill/>
+            <a:headEnd/>
+            <a:tailEnd/>
+          </a:ln>
+        </p:spPr>
+      </p:pic>
     </p:spTree>
   </p:cSld>
 </p:sld>
@@ -13007,6 +17510,1076 @@
 </p:sld>
 </file>
 
+<file path=ppt/slides/slide30.xml><?xml version="1.0" encoding="utf-8"?>
+<p:sld xmlns:a="http://schemas.openxmlformats.org/drawingml/2006/main" xmlns:r="http://schemas.openxmlformats.org/officeDocument/2006/relationships" xmlns:p="http://schemas.openxmlformats.org/presentationml/2006/main">
+  <p:cSld>
+    <p:spTree>
+      <p:nvGrpSpPr>
+        <p:cNvPr id="1" name=""/>
+        <p:cNvGrpSpPr/>
+        <p:nvPr/>
+      </p:nvGrpSpPr>
+      <p:grpSpPr>
+        <a:xfrm>
+          <a:off x="0" y="0"/>
+          <a:ext cx="0" cy="0"/>
+          <a:chOff x="0" y="0"/>
+          <a:chExt cx="0" cy="0"/>
+        </a:xfrm>
+      </p:grpSpPr>
+      <p:sp>
+        <p:nvSpPr>
+          <p:cNvPr id="2" name="Title 1"/>
+          <p:cNvSpPr>
+            <a:spLocks noGrp="1"/>
+          </p:cNvSpPr>
+          <p:nvPr>
+            <p:ph type="title"/>
+          </p:nvPr>
+        </p:nvSpPr>
+        <p:spPr/>
+        <p:txBody>
+          <a:bodyPr/>
+          <a:lstStyle/>
+          <a:p>
+            <a:pPr lvl="0" marL="0" indent="0">
+              <a:buNone/>
+            </a:pPr>
+            <a:r>
+              <a:rPr/>
+              <a:t>On</a:t>
+            </a:r>
+            <a:r>
+              <a:rPr/>
+              <a:t> </a:t>
+            </a:r>
+            <a:r>
+              <a:rPr/>
+              <a:t>your</a:t>
+            </a:r>
+            <a:r>
+              <a:rPr/>
+              <a:t> </a:t>
+            </a:r>
+            <a:r>
+              <a:rPr/>
+              <a:t>own</a:t>
+            </a:r>
+          </a:p>
+        </p:txBody>
+      </p:sp>
+      <p:sp>
+        <p:nvSpPr>
+          <p:cNvPr id="3" name="Content Placeholder 2"/>
+          <p:cNvSpPr>
+            <a:spLocks noGrp="1"/>
+          </p:cNvSpPr>
+          <p:nvPr>
+            <p:ph idx="1"/>
+          </p:nvPr>
+        </p:nvSpPr>
+        <p:spPr/>
+        <p:txBody>
+          <a:bodyPr/>
+          <a:lstStyle/>
+          <a:p>
+            <a:pPr lvl="1"/>
+            <a:r>
+              <a:rPr/>
+              <a:t>Draw a horizontal and vertical bar chart showing the number of people in each gender (use the Sex variable).</a:t>
+            </a:r>
+          </a:p>
+        </p:txBody>
+      </p:sp>
+    </p:spTree>
+  </p:cSld>
+</p:sld>
+</file>
+
+<file path=ppt/slides/slide31.xml><?xml version="1.0" encoding="utf-8"?>
+<p:sld xmlns:a="http://schemas.openxmlformats.org/drawingml/2006/main" xmlns:r="http://schemas.openxmlformats.org/officeDocument/2006/relationships" xmlns:p="http://schemas.openxmlformats.org/presentationml/2006/main">
+  <p:cSld>
+    <p:spTree>
+      <p:nvGrpSpPr>
+        <p:cNvPr id="1" name=""/>
+        <p:cNvGrpSpPr/>
+        <p:nvPr/>
+      </p:nvGrpSpPr>
+      <p:grpSpPr>
+        <a:xfrm>
+          <a:off x="0" y="0"/>
+          <a:ext cx="0" cy="0"/>
+          <a:chOff x="0" y="0"/>
+          <a:chExt cx="0" cy="0"/>
+        </a:xfrm>
+      </p:grpSpPr>
+      <p:sp>
+        <p:nvSpPr>
+          <p:cNvPr id="2" name="Title 1"/>
+          <p:cNvSpPr>
+            <a:spLocks noGrp="1"/>
+          </p:cNvSpPr>
+          <p:nvPr>
+            <p:ph type="title"/>
+          </p:nvPr>
+        </p:nvSpPr>
+        <p:spPr/>
+        <p:txBody>
+          <a:bodyPr/>
+          <a:lstStyle/>
+          <a:p>
+            <a:pPr lvl="0" marL="0" indent="0">
+              <a:buNone/>
+            </a:pPr>
+            <a:r>
+              <a:rPr/>
+              <a:t>Thoughts</a:t>
+            </a:r>
+            <a:r>
+              <a:rPr/>
+              <a:t> </a:t>
+            </a:r>
+            <a:r>
+              <a:rPr/>
+              <a:t>on</a:t>
+            </a:r>
+            <a:r>
+              <a:rPr/>
+              <a:t> </a:t>
+            </a:r>
+            <a:r>
+              <a:rPr/>
+              <a:t>location</a:t>
+            </a:r>
+          </a:p>
+        </p:txBody>
+      </p:sp>
+      <p:sp>
+        <p:nvSpPr>
+          <p:cNvPr id="3" name="Content Placeholder 2"/>
+          <p:cNvSpPr>
+            <a:spLocks noGrp="1"/>
+          </p:cNvSpPr>
+          <p:nvPr>
+            <p:ph idx="1"/>
+          </p:nvPr>
+        </p:nvSpPr>
+        <p:spPr/>
+        <p:txBody>
+          <a:bodyPr/>
+          <a:lstStyle/>
+          <a:p>
+            <a:pPr lvl="1"/>
+            <a:r>
+              <a:rPr/>
+              <a:t>Axis labels often fit better on vertical location</a:t>
+            </a:r>
+          </a:p>
+          <a:p>
+            <a:pPr lvl="1"/>
+            <a:r>
+              <a:rPr/>
+              <a:t>Cannot vary both X and Y</a:t>
+            </a:r>
+          </a:p>
+        </p:txBody>
+      </p:sp>
+    </p:spTree>
+  </p:cSld>
+</p:sld>
+</file>
+
+<file path=ppt/slides/slide32.xml><?xml version="1.0" encoding="utf-8"?>
+<p:sld xmlns:a="http://schemas.openxmlformats.org/drawingml/2006/main" xmlns:r="http://schemas.openxmlformats.org/officeDocument/2006/relationships" xmlns:p="http://schemas.openxmlformats.org/presentationml/2006/main">
+  <p:cSld>
+    <p:spTree>
+      <p:nvGrpSpPr>
+        <p:cNvPr id="1" name=""/>
+        <p:cNvGrpSpPr/>
+        <p:nvPr/>
+      </p:nvGrpSpPr>
+      <p:grpSpPr>
+        <a:xfrm>
+          <a:off x="0" y="0"/>
+          <a:ext cx="0" cy="0"/>
+          <a:chOff x="0" y="0"/>
+          <a:chExt cx="0" cy="0"/>
+        </a:xfrm>
+      </p:grpSpPr>
+      <p:sp>
+        <p:nvSpPr>
+          <p:cNvPr id="2" name="Title 1"/>
+          <p:cNvSpPr>
+            <a:spLocks noGrp="1"/>
+          </p:cNvSpPr>
+          <p:nvPr>
+            <p:ph type="title"/>
+          </p:nvPr>
+        </p:nvSpPr>
+        <p:spPr/>
+        <p:txBody>
+          <a:bodyPr/>
+          <a:lstStyle/>
+          <a:p>
+            <a:pPr lvl="0" marL="0" indent="0">
+              <a:buNone/>
+            </a:pPr>
+            <a:r>
+              <a:rPr/>
+              <a:t>Size</a:t>
+            </a:r>
+          </a:p>
+        </p:txBody>
+      </p:sp>
+      <p:sp>
+        <p:nvSpPr>
+          <p:cNvPr id="3" name="Content Placeholder 2"/>
+          <p:cNvSpPr>
+            <a:spLocks noGrp="1"/>
+          </p:cNvSpPr>
+          <p:nvPr>
+            <p:ph idx="1"/>
+          </p:nvPr>
+        </p:nvSpPr>
+        <p:spPr/>
+        <p:txBody>
+          <a:bodyPr/>
+          <a:lstStyle/>
+          <a:p>
+            <a:pPr lvl="1"/>
+            <a:r>
+              <a:rPr/>
+              <a:t>Length varies, width doesn’t</a:t>
+            </a:r>
+          </a:p>
+          <a:p>
+            <a:pPr lvl="2"/>
+            <a:r>
+              <a:rPr/>
+              <a:t>Exception, mosaic plots</a:t>
+            </a:r>
+          </a:p>
+          <a:p>
+            <a:pPr lvl="2"/>
+            <a:r>
+              <a:rPr/>
+              <a:t>Think about gaps between bars</a:t>
+            </a:r>
+          </a:p>
+        </p:txBody>
+      </p:sp>
+    </p:spTree>
+  </p:cSld>
+</p:sld>
+</file>
+
+<file path=ppt/slides/slide33.xml><?xml version="1.0" encoding="utf-8"?>
+<p:sld xmlns:a="http://schemas.openxmlformats.org/drawingml/2006/main" xmlns:r="http://schemas.openxmlformats.org/officeDocument/2006/relationships" xmlns:p="http://schemas.openxmlformats.org/presentationml/2006/main">
+  <p:cSld>
+    <p:spTree>
+      <p:nvGrpSpPr>
+        <p:cNvPr id="1" name=""/>
+        <p:cNvGrpSpPr/>
+        <p:nvPr/>
+      </p:nvGrpSpPr>
+      <p:grpSpPr>
+        <a:xfrm>
+          <a:off x="0" y="0"/>
+          <a:ext cx="0" cy="0"/>
+          <a:chOff x="0" y="0"/>
+          <a:chExt cx="0" cy="0"/>
+        </a:xfrm>
+      </p:grpSpPr>
+      <p:sp>
+        <p:nvSpPr>
+          <p:cNvPr id="2" name="Title 1"/>
+          <p:cNvSpPr>
+            <a:spLocks noGrp="1"/>
+          </p:cNvSpPr>
+          <p:nvPr>
+            <p:ph type="title"/>
+          </p:nvPr>
+        </p:nvSpPr>
+        <p:spPr/>
+        <p:txBody>
+          <a:bodyPr/>
+          <a:lstStyle/>
+          <a:p>
+            <a:pPr lvl="0" marL="0" indent="0">
+              <a:buNone/>
+            </a:pPr>
+            <a:r>
+              <a:rPr/>
+              <a:t>Don’t</a:t>
+            </a:r>
+            <a:r>
+              <a:rPr/>
+              <a:t> </a:t>
+            </a:r>
+            <a:r>
+              <a:rPr/>
+              <a:t>make</a:t>
+            </a:r>
+            <a:r>
+              <a:rPr/>
+              <a:t> </a:t>
+            </a:r>
+            <a:r>
+              <a:rPr/>
+              <a:t>gaps</a:t>
+            </a:r>
+            <a:r>
+              <a:rPr/>
+              <a:t> </a:t>
+            </a:r>
+            <a:r>
+              <a:rPr/>
+              <a:t>equal</a:t>
+            </a:r>
+            <a:r>
+              <a:rPr/>
+              <a:t> </a:t>
+            </a:r>
+            <a:r>
+              <a:rPr/>
+              <a:t>to</a:t>
+            </a:r>
+            <a:r>
+              <a:rPr/>
+              <a:t> </a:t>
+            </a:r>
+            <a:r>
+              <a:rPr/>
+              <a:t>widths</a:t>
+            </a:r>
+          </a:p>
+        </p:txBody>
+      </p:sp>
+      <p:pic>
+        <p:nvPicPr>
+          <p:cNvPr descr="../images/02/alternate-white-and-black.png" id="0" name="Picture 1"/>
+          <p:cNvPicPr>
+            <a:picLocks noGrp="1" noChangeAspect="1"/>
+          </p:cNvPicPr>
+          <p:nvPr/>
+        </p:nvPicPr>
+        <p:blipFill>
+          <a:blip r:embed="rId3"/>
+          <a:stretch>
+            <a:fillRect/>
+          </a:stretch>
+        </p:blipFill>
+        <p:spPr bwMode="auto">
+          <a:xfrm>
+            <a:off x="1231900" y="1600200"/>
+            <a:ext cx="6692900" cy="4013200"/>
+          </a:xfrm>
+          <a:prstGeom prst="rect">
+            <a:avLst/>
+          </a:prstGeom>
+          <a:noFill/>
+          <a:ln w="9525">
+            <a:noFill/>
+            <a:headEnd/>
+            <a:tailEnd/>
+          </a:ln>
+        </p:spPr>
+      </p:pic>
+      <p:sp>
+        <p:nvSpPr>
+          <p:cNvPr id="1" name="TextBox 3"/>
+          <p:cNvSpPr txBox="1"/>
+          <p:nvPr/>
+        </p:nvSpPr>
+        <p:spPr>
+          <a:xfrm>
+            <a:off x="457200" y="5613400"/>
+            <a:ext cx="8229600" cy="508000"/>
+          </a:xfrm>
+          <a:prstGeom prst="rect">
+            <a:avLst/>
+          </a:prstGeom>
+          <a:noFill/>
+        </p:spPr>
+        <p:txBody>
+          <a:bodyPr/>
+          <a:lstStyle/>
+          <a:p>
+            <a:pPr lvl="0" marL="0" indent="0" algn="ctr">
+              <a:buNone/>
+            </a:pPr>
+            <a:r>
+              <a:rPr/>
+              <a:t>Alternate</a:t>
+            </a:r>
+            <a:r>
+              <a:rPr/>
+              <a:t> </a:t>
+            </a:r>
+            <a:r>
+              <a:rPr/>
+              <a:t>white</a:t>
+            </a:r>
+            <a:r>
+              <a:rPr/>
+              <a:t> </a:t>
+            </a:r>
+            <a:r>
+              <a:rPr/>
+              <a:t>and</a:t>
+            </a:r>
+            <a:r>
+              <a:rPr/>
+              <a:t> </a:t>
+            </a:r>
+            <a:r>
+              <a:rPr/>
+              <a:t>black</a:t>
+            </a:r>
+            <a:r>
+              <a:rPr/>
+              <a:t> </a:t>
+            </a:r>
+            <a:r>
+              <a:rPr/>
+              <a:t>lines</a:t>
+            </a:r>
+            <a:r>
+              <a:rPr/>
+              <a:t> </a:t>
+            </a:r>
+            <a:r>
+              <a:rPr/>
+              <a:t>showing</a:t>
+            </a:r>
+            <a:r>
+              <a:rPr/>
+              <a:t> </a:t>
+            </a:r>
+            <a:r>
+              <a:rPr/>
+              <a:t>a</a:t>
+            </a:r>
+            <a:r>
+              <a:rPr/>
+              <a:t> </a:t>
+            </a:r>
+            <a:r>
+              <a:rPr/>
+              <a:t>Moire</a:t>
+            </a:r>
+            <a:r>
+              <a:rPr/>
+              <a:t> </a:t>
+            </a:r>
+            <a:r>
+              <a:rPr/>
+              <a:t>effect</a:t>
+            </a:r>
+          </a:p>
+        </p:txBody>
+      </p:sp>
+    </p:spTree>
+  </p:cSld>
+</p:sld>
+</file>
+
+<file path=ppt/slides/slide34.xml><?xml version="1.0" encoding="utf-8"?>
+<p:sld xmlns:a="http://schemas.openxmlformats.org/drawingml/2006/main" xmlns:r="http://schemas.openxmlformats.org/officeDocument/2006/relationships" xmlns:p="http://schemas.openxmlformats.org/presentationml/2006/main">
+  <p:cSld>
+    <p:spTree>
+      <p:nvGrpSpPr>
+        <p:cNvPr id="1" name=""/>
+        <p:cNvGrpSpPr/>
+        <p:nvPr/>
+      </p:nvGrpSpPr>
+      <p:grpSpPr>
+        <a:xfrm>
+          <a:off x="0" y="0"/>
+          <a:ext cx="0" cy="0"/>
+          <a:chOff x="0" y="0"/>
+          <a:chExt cx="0" cy="0"/>
+        </a:xfrm>
+      </p:grpSpPr>
+      <p:sp>
+        <p:nvSpPr>
+          <p:cNvPr id="2" name="Title 1"/>
+          <p:cNvSpPr>
+            <a:spLocks noGrp="1"/>
+          </p:cNvSpPr>
+          <p:nvPr>
+            <p:ph type="title"/>
+          </p:nvPr>
+        </p:nvSpPr>
+        <p:spPr/>
+        <p:txBody>
+          <a:bodyPr/>
+          <a:lstStyle/>
+          <a:p>
+            <a:pPr lvl="0" marL="0" indent="0">
+              <a:buNone/>
+            </a:pPr>
+            <a:r>
+              <a:rPr/>
+              <a:t>Optical</a:t>
+            </a:r>
+            <a:r>
+              <a:rPr/>
+              <a:t> </a:t>
+            </a:r>
+            <a:r>
+              <a:rPr/>
+              <a:t>illusion</a:t>
+            </a:r>
+          </a:p>
+        </p:txBody>
+      </p:sp>
+      <p:pic>
+        <p:nvPicPr>
+          <p:cNvPr descr="../images/02/optical-illusion-bars.png" id="0" name="Picture 1"/>
+          <p:cNvPicPr>
+            <a:picLocks noGrp="1" noChangeAspect="1"/>
+          </p:cNvPicPr>
+          <p:nvPr/>
+        </p:nvPicPr>
+        <p:blipFill>
+          <a:blip r:embed="rId2"/>
+          <a:stretch>
+            <a:fillRect/>
+          </a:stretch>
+        </p:blipFill>
+        <p:spPr bwMode="auto">
+          <a:xfrm>
+            <a:off x="457200" y="2654300"/>
+            <a:ext cx="8229600" cy="1917700"/>
+          </a:xfrm>
+          <a:prstGeom prst="rect">
+            <a:avLst/>
+          </a:prstGeom>
+          <a:noFill/>
+          <a:ln w="9525">
+            <a:noFill/>
+            <a:headEnd/>
+            <a:tailEnd/>
+          </a:ln>
+        </p:spPr>
+      </p:pic>
+      <p:sp>
+        <p:nvSpPr>
+          <p:cNvPr id="1" name="TextBox 3"/>
+          <p:cNvSpPr txBox="1"/>
+          <p:nvPr/>
+        </p:nvSpPr>
+        <p:spPr>
+          <a:xfrm>
+            <a:off x="457200" y="5613400"/>
+            <a:ext cx="8229600" cy="508000"/>
+          </a:xfrm>
+          <a:prstGeom prst="rect">
+            <a:avLst/>
+          </a:prstGeom>
+          <a:noFill/>
+        </p:spPr>
+        <p:txBody>
+          <a:bodyPr/>
+          <a:lstStyle/>
+          <a:p>
+            <a:pPr lvl="0" marL="0" indent="0" algn="ctr">
+              <a:buNone/>
+            </a:pPr>
+            <a:r>
+              <a:rPr/>
+              <a:t>Optical</a:t>
+            </a:r>
+            <a:r>
+              <a:rPr/>
+              <a:t> </a:t>
+            </a:r>
+            <a:r>
+              <a:rPr/>
+              <a:t>illusion</a:t>
+            </a:r>
+            <a:r>
+              <a:rPr/>
+              <a:t> </a:t>
+            </a:r>
+            <a:r>
+              <a:rPr/>
+              <a:t>showing</a:t>
+            </a:r>
+            <a:r>
+              <a:rPr/>
+              <a:t> </a:t>
+            </a:r>
+            <a:r>
+              <a:rPr/>
+              <a:t>two</a:t>
+            </a:r>
+            <a:r>
+              <a:rPr/>
+              <a:t> </a:t>
+            </a:r>
+            <a:r>
+              <a:rPr/>
+              <a:t>bars</a:t>
+            </a:r>
+            <a:r>
+              <a:rPr/>
+              <a:t> </a:t>
+            </a:r>
+            <a:r>
+              <a:rPr/>
+              <a:t>becoming</a:t>
+            </a:r>
+            <a:r>
+              <a:rPr/>
+              <a:t> </a:t>
+            </a:r>
+            <a:r>
+              <a:rPr/>
+              <a:t>three</a:t>
+            </a:r>
+          </a:p>
+        </p:txBody>
+      </p:sp>
+    </p:spTree>
+  </p:cSld>
+</p:sld>
+</file>
+
+<file path=ppt/slides/slide35.xml><?xml version="1.0" encoding="utf-8"?>
+<p:sld xmlns:a="http://schemas.openxmlformats.org/drawingml/2006/main" xmlns:r="http://schemas.openxmlformats.org/officeDocument/2006/relationships" xmlns:p="http://schemas.openxmlformats.org/presentationml/2006/main">
+  <p:cSld>
+    <p:spTree>
+      <p:nvGrpSpPr>
+        <p:cNvPr id="1" name=""/>
+        <p:cNvGrpSpPr/>
+        <p:nvPr/>
+      </p:nvGrpSpPr>
+      <p:grpSpPr>
+        <a:xfrm>
+          <a:off x="0" y="0"/>
+          <a:ext cx="0" cy="0"/>
+          <a:chOff x="0" y="0"/>
+          <a:chExt cx="0" cy="0"/>
+        </a:xfrm>
+      </p:grpSpPr>
+      <p:sp>
+        <p:nvSpPr>
+          <p:cNvPr id="3" name="Content Placeholder 2"/>
+          <p:cNvSpPr>
+            <a:spLocks noGrp="1"/>
+          </p:cNvSpPr>
+          <p:nvPr>
+            <p:ph idx="1"/>
+          </p:nvPr>
+        </p:nvSpPr>
+        <p:spPr/>
+        <p:txBody>
+          <a:bodyPr/>
+          <a:lstStyle/>
+          <a:p>
+            <a:pPr lvl="0" marL="0" indent="0">
+              <a:buNone/>
+            </a:pPr>
+            <a:r>
+              <a:rPr/>
+              <a:t>If the widths are the same and the bars are empty, then you can get a differnt problem. You might get confused as to what is the bar and what is the gap, as in this optical illusion.</a:t>
+            </a:r>
+          </a:p>
+          <a:p>
+            <a:pPr lvl="0" marL="0" indent="0">
+              <a:buNone/>
+            </a:pPr>
+            <a:r>
+              <a:rPr/>
+              <a:t>As a general rule, the gap between bars should be about 10 to 20 percent of the width of the bars. Most visualization software has sensible defaults, but beware when you have a very large number of bars. There’s always a bit of rounding when you place pixels on a screen or on a page. Your software is trying to fill the available plotting area, so it may have to squeeze or stretch one gap or another. This unevenness can become noticeable when the gaps are only a few pixels wide.</a:t>
+            </a:r>
+          </a:p>
+          <a:p>
+            <a:pPr lvl="0" marL="0" indent="0">
+              <a:buNone/>
+            </a:pPr>
+            <a:r>
+              <a:rPr/>
+              <a:t>((Show an example of this using the scotus data))</a:t>
+            </a:r>
+          </a:p>
+        </p:txBody>
+      </p:sp>
+    </p:spTree>
+  </p:cSld>
+</p:sld>
+</file>
+
+<file path=ppt/slides/slide36.xml><?xml version="1.0" encoding="utf-8"?>
+<p:sld xmlns:a="http://schemas.openxmlformats.org/drawingml/2006/main" xmlns:r="http://schemas.openxmlformats.org/officeDocument/2006/relationships" xmlns:p="http://schemas.openxmlformats.org/presentationml/2006/main">
+  <p:cSld>
+    <p:spTree>
+      <p:nvGrpSpPr>
+        <p:cNvPr id="1" name=""/>
+        <p:cNvGrpSpPr/>
+        <p:nvPr/>
+      </p:nvGrpSpPr>
+      <p:grpSpPr>
+        <a:xfrm>
+          <a:off x="0" y="0"/>
+          <a:ext cx="0" cy="0"/>
+          <a:chOff x="0" y="0"/>
+          <a:chExt cx="0" cy="0"/>
+        </a:xfrm>
+      </p:grpSpPr>
+      <p:sp>
+        <p:nvSpPr>
+          <p:cNvPr id="2" name="Title 1"/>
+          <p:cNvSpPr>
+            <a:spLocks noGrp="1"/>
+          </p:cNvSpPr>
+          <p:nvPr>
+            <p:ph type="title"/>
+          </p:nvPr>
+        </p:nvSpPr>
+        <p:spPr/>
+        <p:txBody>
+          <a:bodyPr/>
+          <a:lstStyle/>
+          <a:p>
+            <a:pPr lvl="0" marL="0" indent="0">
+              <a:buNone/>
+            </a:pPr>
+            <a:r>
+              <a:rPr/>
+              <a:t>Color</a:t>
+            </a:r>
+          </a:p>
+        </p:txBody>
+      </p:sp>
+      <p:pic>
+        <p:nvPicPr>
+          <p:cNvPr descr="data-visualization-02-bars_files/figure-pptx/bar-color-1.png" id="0" name="Picture 1"/>
+          <p:cNvPicPr>
+            <a:picLocks noGrp="1" noChangeAspect="1"/>
+          </p:cNvPicPr>
+          <p:nvPr/>
+        </p:nvPicPr>
+        <p:blipFill>
+          <a:blip r:embed="rId2"/>
+          <a:stretch>
+            <a:fillRect/>
+          </a:stretch>
+        </p:blipFill>
+        <p:spPr bwMode="auto">
+          <a:xfrm>
+            <a:off x="1752600" y="1600200"/>
+            <a:ext cx="5651500" cy="4521200"/>
+          </a:xfrm>
+          <a:prstGeom prst="rect">
+            <a:avLst/>
+          </a:prstGeom>
+          <a:noFill/>
+          <a:ln w="9525">
+            <a:noFill/>
+            <a:headEnd/>
+            <a:tailEnd/>
+          </a:ln>
+        </p:spPr>
+      </p:pic>
+    </p:spTree>
+  </p:cSld>
+</p:sld>
+</file>
+
+<file path=ppt/slides/slide37.xml><?xml version="1.0" encoding="utf-8"?>
+<p:sld xmlns:a="http://schemas.openxmlformats.org/drawingml/2006/main" xmlns:r="http://schemas.openxmlformats.org/officeDocument/2006/relationships" xmlns:p="http://schemas.openxmlformats.org/presentationml/2006/main">
+  <p:cSld>
+    <p:spTree>
+      <p:nvGrpSpPr>
+        <p:cNvPr id="1" name=""/>
+        <p:cNvGrpSpPr/>
+        <p:nvPr/>
+      </p:nvGrpSpPr>
+      <p:grpSpPr>
+        <a:xfrm>
+          <a:off x="0" y="0"/>
+          <a:ext cx="0" cy="0"/>
+          <a:chOff x="0" y="0"/>
+          <a:chExt cx="0" cy="0"/>
+        </a:xfrm>
+      </p:grpSpPr>
+      <p:sp>
+        <p:nvSpPr>
+          <p:cNvPr id="2" name="Title 1"/>
+          <p:cNvSpPr>
+            <a:spLocks noGrp="1"/>
+          </p:cNvSpPr>
+          <p:nvPr>
+            <p:ph type="title"/>
+          </p:nvPr>
+        </p:nvSpPr>
+        <p:spPr/>
+        <p:txBody>
+          <a:bodyPr/>
+          <a:lstStyle/>
+          <a:p>
+            <a:pPr lvl="0" marL="0" indent="0">
+              <a:buNone/>
+            </a:pPr>
+            <a:r>
+              <a:rPr/>
+              <a:t>On</a:t>
+            </a:r>
+            <a:r>
+              <a:rPr/>
+              <a:t> </a:t>
+            </a:r>
+            <a:r>
+              <a:rPr/>
+              <a:t>your</a:t>
+            </a:r>
+            <a:r>
+              <a:rPr/>
+              <a:t> </a:t>
+            </a:r>
+            <a:r>
+              <a:rPr/>
+              <a:t>own</a:t>
+            </a:r>
+          </a:p>
+        </p:txBody>
+      </p:sp>
+      <p:sp>
+        <p:nvSpPr>
+          <p:cNvPr id="3" name="Content Placeholder 2"/>
+          <p:cNvSpPr>
+            <a:spLocks noGrp="1"/>
+          </p:cNvSpPr>
+          <p:nvPr>
+            <p:ph idx="1"/>
+          </p:nvPr>
+        </p:nvSpPr>
+        <p:spPr/>
+        <p:txBody>
+          <a:bodyPr/>
+          <a:lstStyle/>
+          <a:p>
+            <a:pPr lvl="1"/>
+            <a:r>
+              <a:rPr/>
+              <a:t>Make the first class bar red to show Leonardo di Caprio’s perspective on the Titanic.</a:t>
+            </a:r>
+          </a:p>
+        </p:txBody>
+      </p:sp>
+    </p:spTree>
+  </p:cSld>
+</p:sld>
+</file>
+
+<file path=ppt/slides/slide38.xml><?xml version="1.0" encoding="utf-8"?>
+<p:sld xmlns:a="http://schemas.openxmlformats.org/drawingml/2006/main" xmlns:r="http://schemas.openxmlformats.org/officeDocument/2006/relationships" xmlns:p="http://schemas.openxmlformats.org/presentationml/2006/main">
+  <p:cSld>
+    <p:spTree>
+      <p:nvGrpSpPr>
+        <p:cNvPr id="1" name=""/>
+        <p:cNvGrpSpPr/>
+        <p:nvPr/>
+      </p:nvGrpSpPr>
+      <p:grpSpPr>
+        <a:xfrm>
+          <a:off x="0" y="0"/>
+          <a:ext cx="0" cy="0"/>
+          <a:chOff x="0" y="0"/>
+          <a:chExt cx="0" cy="0"/>
+        </a:xfrm>
+      </p:grpSpPr>
+      <p:sp>
+        <p:nvSpPr>
+          <p:cNvPr id="2" name="Title 1"/>
+          <p:cNvSpPr>
+            <a:spLocks noGrp="1"/>
+          </p:cNvSpPr>
+          <p:nvPr>
+            <p:ph type="title"/>
+          </p:nvPr>
+        </p:nvSpPr>
+        <p:spPr/>
+        <p:txBody>
+          <a:bodyPr/>
+          <a:lstStyle/>
+          <a:p>
+            <a:pPr lvl="0" marL="0" indent="0">
+              <a:buNone/>
+            </a:pPr>
+            <a:r>
+              <a:rPr/>
+              <a:t>Color</a:t>
+            </a:r>
+          </a:p>
+        </p:txBody>
+      </p:sp>
+      <p:sp>
+        <p:nvSpPr>
+          <p:cNvPr id="3" name="Content Placeholder 2"/>
+          <p:cNvSpPr>
+            <a:spLocks noGrp="1"/>
+          </p:cNvSpPr>
+          <p:nvPr>
+            <p:ph idx="1"/>
+          </p:nvPr>
+        </p:nvSpPr>
+        <p:spPr/>
+        <p:txBody>
+          <a:bodyPr/>
+          <a:lstStyle/>
+          <a:p>
+            <a:pPr lvl="1"/>
+            <a:r>
+              <a:rPr/>
+              <a:t>Use for emphasis in simple bar charts</a:t>
+            </a:r>
+          </a:p>
+          <a:p>
+            <a:pPr lvl="1"/>
+            <a:r>
+              <a:rPr/>
+              <a:t>Very important for stacked or side-by-side bar charts</a:t>
+            </a:r>
+          </a:p>
+        </p:txBody>
+      </p:sp>
+    </p:spTree>
+  </p:cSld>
+</p:sld>
+</file>
+
+<file path=ppt/slides/slide39.xml><?xml version="1.0" encoding="utf-8"?>
+<p:sld xmlns:a="http://schemas.openxmlformats.org/drawingml/2006/main" xmlns:r="http://schemas.openxmlformats.org/officeDocument/2006/relationships" xmlns:p="http://schemas.openxmlformats.org/presentationml/2006/main">
+  <p:cSld>
+    <p:spTree>
+      <p:nvGrpSpPr>
+        <p:cNvPr id="1" name=""/>
+        <p:cNvGrpSpPr/>
+        <p:nvPr/>
+      </p:nvGrpSpPr>
+      <p:grpSpPr>
+        <a:xfrm>
+          <a:off x="0" y="0"/>
+          <a:ext cx="0" cy="0"/>
+          <a:chOff x="0" y="0"/>
+          <a:chExt cx="0" cy="0"/>
+        </a:xfrm>
+      </p:grpSpPr>
+      <p:sp>
+        <p:nvSpPr>
+          <p:cNvPr id="2" name="Title 1"/>
+          <p:cNvSpPr>
+            <a:spLocks noGrp="1"/>
+          </p:cNvSpPr>
+          <p:nvPr>
+            <p:ph type="title"/>
+          </p:nvPr>
+        </p:nvSpPr>
+        <p:spPr/>
+        <p:txBody>
+          <a:bodyPr/>
+          <a:lstStyle/>
+          <a:p>
+            <a:pPr lvl="0" marL="0" indent="0">
+              <a:buNone/>
+            </a:pPr>
+            <a:r>
+              <a:rPr/>
+              <a:t>Stack</a:t>
+            </a:r>
+            <a:r>
+              <a:rPr/>
+              <a:t> </a:t>
+            </a:r>
+            <a:r>
+              <a:rPr/>
+              <a:t>versus</a:t>
+            </a:r>
+            <a:r>
+              <a:rPr/>
+              <a:t> </a:t>
+            </a:r>
+            <a:r>
+              <a:rPr/>
+              <a:t>dodge</a:t>
+            </a:r>
+          </a:p>
+        </p:txBody>
+      </p:sp>
+      <p:sp>
+        <p:nvSpPr>
+          <p:cNvPr id="3" name="Content Placeholder 2"/>
+          <p:cNvSpPr>
+            <a:spLocks noGrp="1"/>
+          </p:cNvSpPr>
+          <p:nvPr>
+            <p:ph idx="1"/>
+          </p:nvPr>
+        </p:nvSpPr>
+        <p:spPr/>
+        <p:txBody>
+          <a:bodyPr/>
+          <a:lstStyle/>
+          <a:p>
+            <a:pPr lvl="1"/>
+            <a:r>
+              <a:rPr/>
+              <a:t>Summarize by two categories</a:t>
+            </a:r>
+          </a:p>
+          <a:p>
+            <a:pPr lvl="1"/>
+            <a:r>
+              <a:rPr/>
+              <a:t>Facet</a:t>
+            </a:r>
+          </a:p>
+          <a:p>
+            <a:pPr lvl="2"/>
+            <a:r>
+              <a:rPr/>
+              <a:t>Separate plots</a:t>
+            </a:r>
+          </a:p>
+          <a:p>
+            <a:pPr lvl="1"/>
+            <a:r>
+              <a:rPr/>
+              <a:t>Dodge</a:t>
+            </a:r>
+          </a:p>
+          <a:p>
+            <a:pPr lvl="2"/>
+            <a:r>
+              <a:rPr/>
+              <a:t>Side by side</a:t>
+            </a:r>
+          </a:p>
+          <a:p>
+            <a:pPr lvl="1"/>
+            <a:r>
+              <a:rPr/>
+              <a:t>Stack</a:t>
+            </a:r>
+          </a:p>
+          <a:p>
+            <a:pPr lvl="2"/>
+            <a:r>
+              <a:rPr/>
+              <a:t>One on top, one on bottom</a:t>
+            </a:r>
+          </a:p>
+        </p:txBody>
+      </p:sp>
+    </p:spTree>
+  </p:cSld>
+</p:sld>
+</file>
+
 <file path=ppt/slides/slide4.xml><?xml version="1.0" encoding="utf-8"?>
 <p:sld xmlns:a="http://schemas.openxmlformats.org/drawingml/2006/main" xmlns:r="http://schemas.openxmlformats.org/officeDocument/2006/relationships" xmlns:p="http://schemas.openxmlformats.org/presentationml/2006/main">
   <p:cSld>
@@ -13026,6 +18599,71 @@
       </p:grpSpPr>
       <p:sp>
         <p:nvSpPr>
+          <p:cNvPr id="3" name="Content Placeholder 2"/>
+          <p:cNvSpPr>
+            <a:spLocks noGrp="1"/>
+          </p:cNvSpPr>
+          <p:nvPr>
+            <p:ph idx="1"/>
+          </p:nvPr>
+        </p:nvSpPr>
+        <p:spPr/>
+        <p:txBody>
+          <a:bodyPr/>
+          <a:lstStyle/>
+          <a:p>
+            <a:pPr lvl="0" marL="1270000" indent="0">
+              <a:buNone/>
+            </a:pPr>
+            <a:r>
+              <a:rPr sz="1800">
+                <a:latin typeface="Courier"/>
+              </a:rPr>
+              <a:t>## Parsed with column specification:
+## cols(
+##   Name = col_character(),
+##   Survived = col_character(),
+##   Boarded = col_character(),
+##   Class = col_character(),
+##   MWC = col_character(),
+##   Age = col_double(),
+##   Adut_or_Chld = col_character(),
+##   Sex = col_character(),
+##   Paid = col_double(),
+##   Ticket_No = col_character(),
+##   Boat_or_Body = col_character(),
+##   Job = col_character(),
+##   Class_Dept = col_character(),
+##   Class_Full = col_character()
+## )</a:t>
+            </a:r>
+          </a:p>
+        </p:txBody>
+      </p:sp>
+    </p:spTree>
+  </p:cSld>
+</p:sld>
+</file>
+
+<file path=ppt/slides/slide40.xml><?xml version="1.0" encoding="utf-8"?>
+<p:sld xmlns:a="http://schemas.openxmlformats.org/drawingml/2006/main" xmlns:r="http://schemas.openxmlformats.org/officeDocument/2006/relationships" xmlns:p="http://schemas.openxmlformats.org/presentationml/2006/main">
+  <p:cSld>
+    <p:spTree>
+      <p:nvGrpSpPr>
+        <p:cNvPr id="1" name=""/>
+        <p:cNvGrpSpPr/>
+        <p:nvPr/>
+      </p:nvGrpSpPr>
+      <p:grpSpPr>
+        <a:xfrm>
+          <a:off x="0" y="0"/>
+          <a:ext cx="0" cy="0"/>
+          <a:chOff x="0" y="0"/>
+          <a:chExt cx="0" cy="0"/>
+        </a:xfrm>
+      </p:grpSpPr>
+      <p:sp>
+        <p:nvSpPr>
           <p:cNvPr id="2" name="Title 1"/>
           <p:cNvSpPr>
             <a:spLocks noGrp="1"/>
@@ -13044,39 +18682,504 @@
             </a:pPr>
             <a:r>
               <a:rPr/>
-              <a:t>To</a:t>
-            </a:r>
-            <a:r>
-              <a:rPr/>
-              <a:t> </a:t>
-            </a:r>
-            <a:r>
-              <a:rPr/>
-              <a:t>prepare</a:t>
-            </a:r>
-            <a:r>
-              <a:rPr/>
-              <a:t> </a:t>
-            </a:r>
-            <a:r>
-              <a:rPr/>
-              <a:t>for</a:t>
-            </a:r>
-            <a:r>
-              <a:rPr/>
-              <a:t> </a:t>
-            </a:r>
-            <a:r>
-              <a:rPr/>
-              <a:t>this</a:t>
-            </a:r>
-            <a:r>
-              <a:rPr/>
-              <a:t> </a:t>
-            </a:r>
-            <a:r>
-              <a:rPr/>
-              <a:t>section</a:t>
+              <a:t>Titanic</a:t>
+            </a:r>
+            <a:r>
+              <a:rPr/>
+              <a:t> </a:t>
+            </a:r>
+            <a:r>
+              <a:rPr/>
+              <a:t>passenger</a:t>
+            </a:r>
+            <a:r>
+              <a:rPr/>
+              <a:t> </a:t>
+            </a:r>
+            <a:r>
+              <a:rPr/>
+              <a:t>count</a:t>
+            </a:r>
+            <a:r>
+              <a:rPr/>
+              <a:t> </a:t>
+            </a:r>
+            <a:r>
+              <a:rPr/>
+              <a:t>by</a:t>
+            </a:r>
+            <a:r>
+              <a:rPr/>
+              <a:t> </a:t>
+            </a:r>
+            <a:r>
+              <a:rPr/>
+              <a:t>gender</a:t>
+            </a:r>
+          </a:p>
+        </p:txBody>
+      </p:sp>
+      <p:pic>
+        <p:nvPicPr>
+          <p:cNvPr descr="data-visualization-02-bars_files/figure-pptx/count-by-gender-1.png" id="0" name="Picture 1"/>
+          <p:cNvPicPr>
+            <a:picLocks noGrp="1" noChangeAspect="1"/>
+          </p:cNvPicPr>
+          <p:nvPr/>
+        </p:nvPicPr>
+        <p:blipFill>
+          <a:blip r:embed="rId2"/>
+          <a:stretch>
+            <a:fillRect/>
+          </a:stretch>
+        </p:blipFill>
+        <p:spPr bwMode="auto">
+          <a:xfrm>
+            <a:off x="1752600" y="1600200"/>
+            <a:ext cx="5651500" cy="4521200"/>
+          </a:xfrm>
+          <a:prstGeom prst="rect">
+            <a:avLst/>
+          </a:prstGeom>
+          <a:noFill/>
+          <a:ln w="9525">
+            <a:noFill/>
+            <a:headEnd/>
+            <a:tailEnd/>
+          </a:ln>
+        </p:spPr>
+      </p:pic>
+    </p:spTree>
+  </p:cSld>
+</p:sld>
+</file>
+
+<file path=ppt/slides/slide41.xml><?xml version="1.0" encoding="utf-8"?>
+<p:sld xmlns:a="http://schemas.openxmlformats.org/drawingml/2006/main" xmlns:r="http://schemas.openxmlformats.org/officeDocument/2006/relationships" xmlns:p="http://schemas.openxmlformats.org/presentationml/2006/main">
+  <p:cSld>
+    <p:spTree>
+      <p:nvGrpSpPr>
+        <p:cNvPr id="1" name=""/>
+        <p:cNvGrpSpPr/>
+        <p:nvPr/>
+      </p:nvGrpSpPr>
+      <p:grpSpPr>
+        <a:xfrm>
+          <a:off x="0" y="0"/>
+          <a:ext cx="0" cy="0"/>
+          <a:chOff x="0" y="0"/>
+          <a:chExt cx="0" cy="0"/>
+        </a:xfrm>
+      </p:grpSpPr>
+      <p:sp>
+        <p:nvSpPr>
+          <p:cNvPr id="2" name="Title 1"/>
+          <p:cNvSpPr>
+            <a:spLocks noGrp="1"/>
+          </p:cNvSpPr>
+          <p:nvPr>
+            <p:ph type="title"/>
+          </p:nvPr>
+        </p:nvSpPr>
+        <p:spPr/>
+        <p:txBody>
+          <a:bodyPr/>
+          <a:lstStyle/>
+          <a:p>
+            <a:pPr lvl="0" marL="0" indent="0">
+              <a:buNone/>
+            </a:pPr>
+            <a:r>
+              <a:rPr/>
+              <a:t>Titanic</a:t>
+            </a:r>
+            <a:r>
+              <a:rPr/>
+              <a:t> </a:t>
+            </a:r>
+            <a:r>
+              <a:rPr/>
+              <a:t>passenger</a:t>
+            </a:r>
+            <a:r>
+              <a:rPr/>
+              <a:t> </a:t>
+            </a:r>
+            <a:r>
+              <a:rPr/>
+              <a:t>count</a:t>
+            </a:r>
+            <a:r>
+              <a:rPr/>
+              <a:t> </a:t>
+            </a:r>
+            <a:r>
+              <a:rPr/>
+              <a:t>by</a:t>
+            </a:r>
+            <a:r>
+              <a:rPr/>
+              <a:t> </a:t>
+            </a:r>
+            <a:r>
+              <a:rPr/>
+              <a:t>passenger</a:t>
+            </a:r>
+            <a:r>
+              <a:rPr/>
+              <a:t> </a:t>
+            </a:r>
+            <a:r>
+              <a:rPr/>
+              <a:t>class</a:t>
+            </a:r>
+          </a:p>
+        </p:txBody>
+      </p:sp>
+      <p:pic>
+        <p:nvPicPr>
+          <p:cNvPr descr="data-visualization-02-bars_files/figure-pptx/count-by-passenger-class-1.png" id="0" name="Picture 1"/>
+          <p:cNvPicPr>
+            <a:picLocks noGrp="1" noChangeAspect="1"/>
+          </p:cNvPicPr>
+          <p:nvPr/>
+        </p:nvPicPr>
+        <p:blipFill>
+          <a:blip r:embed="rId2"/>
+          <a:stretch>
+            <a:fillRect/>
+          </a:stretch>
+        </p:blipFill>
+        <p:spPr bwMode="auto">
+          <a:xfrm>
+            <a:off x="1752600" y="1600200"/>
+            <a:ext cx="5651500" cy="4521200"/>
+          </a:xfrm>
+          <a:prstGeom prst="rect">
+            <a:avLst/>
+          </a:prstGeom>
+          <a:noFill/>
+          <a:ln w="9525">
+            <a:noFill/>
+            <a:headEnd/>
+            <a:tailEnd/>
+          </a:ln>
+        </p:spPr>
+      </p:pic>
+    </p:spTree>
+  </p:cSld>
+</p:sld>
+</file>
+
+<file path=ppt/slides/slide42.xml><?xml version="1.0" encoding="utf-8"?>
+<p:sld xmlns:a="http://schemas.openxmlformats.org/drawingml/2006/main" xmlns:r="http://schemas.openxmlformats.org/officeDocument/2006/relationships" xmlns:p="http://schemas.openxmlformats.org/presentationml/2006/main">
+  <p:cSld>
+    <p:spTree>
+      <p:nvGrpSpPr>
+        <p:cNvPr id="1" name=""/>
+        <p:cNvGrpSpPr/>
+        <p:nvPr/>
+      </p:nvGrpSpPr>
+      <p:grpSpPr>
+        <a:xfrm>
+          <a:off x="0" y="0"/>
+          <a:ext cx="0" cy="0"/>
+          <a:chOff x="0" y="0"/>
+          <a:chExt cx="0" cy="0"/>
+        </a:xfrm>
+      </p:grpSpPr>
+      <p:sp>
+        <p:nvSpPr>
+          <p:cNvPr id="2" name="Title 1"/>
+          <p:cNvSpPr>
+            <a:spLocks noGrp="1"/>
+          </p:cNvSpPr>
+          <p:nvPr>
+            <p:ph type="title"/>
+          </p:nvPr>
+        </p:nvSpPr>
+        <p:spPr/>
+        <p:txBody>
+          <a:bodyPr/>
+          <a:lstStyle/>
+          <a:p>
+            <a:pPr lvl="0" marL="0" indent="0">
+              <a:buNone/>
+            </a:pPr>
+            <a:r>
+              <a:rPr/>
+              <a:t>Titanic</a:t>
+            </a:r>
+            <a:r>
+              <a:rPr/>
+              <a:t> </a:t>
+            </a:r>
+            <a:r>
+              <a:rPr/>
+              <a:t>facet</a:t>
+            </a:r>
+          </a:p>
+        </p:txBody>
+      </p:sp>
+      <p:pic>
+        <p:nvPicPr>
+          <p:cNvPr descr="data-visualization-02-bars_files/figure-pptx/count-by-facet-1.png" id="0" name="Picture 1"/>
+          <p:cNvPicPr>
+            <a:picLocks noGrp="1" noChangeAspect="1"/>
+          </p:cNvPicPr>
+          <p:nvPr/>
+        </p:nvPicPr>
+        <p:blipFill>
+          <a:blip r:embed="rId2"/>
+          <a:stretch>
+            <a:fillRect/>
+          </a:stretch>
+        </p:blipFill>
+        <p:spPr bwMode="auto">
+          <a:xfrm>
+            <a:off x="1752600" y="1600200"/>
+            <a:ext cx="5651500" cy="4521200"/>
+          </a:xfrm>
+          <a:prstGeom prst="rect">
+            <a:avLst/>
+          </a:prstGeom>
+          <a:noFill/>
+          <a:ln w="9525">
+            <a:noFill/>
+            <a:headEnd/>
+            <a:tailEnd/>
+          </a:ln>
+        </p:spPr>
+      </p:pic>
+    </p:spTree>
+  </p:cSld>
+</p:sld>
+</file>
+
+<file path=ppt/slides/slide43.xml><?xml version="1.0" encoding="utf-8"?>
+<p:sld xmlns:a="http://schemas.openxmlformats.org/drawingml/2006/main" xmlns:r="http://schemas.openxmlformats.org/officeDocument/2006/relationships" xmlns:p="http://schemas.openxmlformats.org/presentationml/2006/main">
+  <p:cSld>
+    <p:spTree>
+      <p:nvGrpSpPr>
+        <p:cNvPr id="1" name=""/>
+        <p:cNvGrpSpPr/>
+        <p:nvPr/>
+      </p:nvGrpSpPr>
+      <p:grpSpPr>
+        <a:xfrm>
+          <a:off x="0" y="0"/>
+          <a:ext cx="0" cy="0"/>
+          <a:chOff x="0" y="0"/>
+          <a:chExt cx="0" cy="0"/>
+        </a:xfrm>
+      </p:grpSpPr>
+      <p:sp>
+        <p:nvSpPr>
+          <p:cNvPr id="2" name="Title 1"/>
+          <p:cNvSpPr>
+            <a:spLocks noGrp="1"/>
+          </p:cNvSpPr>
+          <p:nvPr>
+            <p:ph type="title"/>
+          </p:nvPr>
+        </p:nvSpPr>
+        <p:spPr/>
+        <p:txBody>
+          <a:bodyPr/>
+          <a:lstStyle/>
+          <a:p>
+            <a:pPr lvl="0" marL="0" indent="0">
+              <a:buNone/>
+            </a:pPr>
+            <a:r>
+              <a:rPr/>
+              <a:t>Titanic</a:t>
+            </a:r>
+            <a:r>
+              <a:rPr/>
+              <a:t> </a:t>
+            </a:r>
+            <a:r>
+              <a:rPr/>
+              <a:t>dodge</a:t>
+            </a:r>
+          </a:p>
+        </p:txBody>
+      </p:sp>
+      <p:pic>
+        <p:nvPicPr>
+          <p:cNvPr descr="data-visualization-02-bars_files/figure-pptx/count-by-dodge-1.png" id="0" name="Picture 1"/>
+          <p:cNvPicPr>
+            <a:picLocks noGrp="1" noChangeAspect="1"/>
+          </p:cNvPicPr>
+          <p:nvPr/>
+        </p:nvPicPr>
+        <p:blipFill>
+          <a:blip r:embed="rId2"/>
+          <a:stretch>
+            <a:fillRect/>
+          </a:stretch>
+        </p:blipFill>
+        <p:spPr bwMode="auto">
+          <a:xfrm>
+            <a:off x="1752600" y="1600200"/>
+            <a:ext cx="5651500" cy="4521200"/>
+          </a:xfrm>
+          <a:prstGeom prst="rect">
+            <a:avLst/>
+          </a:prstGeom>
+          <a:noFill/>
+          <a:ln w="9525">
+            <a:noFill/>
+            <a:headEnd/>
+            <a:tailEnd/>
+          </a:ln>
+        </p:spPr>
+      </p:pic>
+    </p:spTree>
+  </p:cSld>
+</p:sld>
+</file>
+
+<file path=ppt/slides/slide44.xml><?xml version="1.0" encoding="utf-8"?>
+<p:sld xmlns:a="http://schemas.openxmlformats.org/drawingml/2006/main" xmlns:r="http://schemas.openxmlformats.org/officeDocument/2006/relationships" xmlns:p="http://schemas.openxmlformats.org/presentationml/2006/main">
+  <p:cSld>
+    <p:spTree>
+      <p:nvGrpSpPr>
+        <p:cNvPr id="1" name=""/>
+        <p:cNvGrpSpPr/>
+        <p:nvPr/>
+      </p:nvGrpSpPr>
+      <p:grpSpPr>
+        <a:xfrm>
+          <a:off x="0" y="0"/>
+          <a:ext cx="0" cy="0"/>
+          <a:chOff x="0" y="0"/>
+          <a:chExt cx="0" cy="0"/>
+        </a:xfrm>
+      </p:grpSpPr>
+      <p:sp>
+        <p:nvSpPr>
+          <p:cNvPr id="2" name="Title 1"/>
+          <p:cNvSpPr>
+            <a:spLocks noGrp="1"/>
+          </p:cNvSpPr>
+          <p:nvPr>
+            <p:ph type="title"/>
+          </p:nvPr>
+        </p:nvSpPr>
+        <p:spPr/>
+        <p:txBody>
+          <a:bodyPr/>
+          <a:lstStyle/>
+          <a:p>
+            <a:pPr lvl="0" marL="0" indent="0">
+              <a:buNone/>
+            </a:pPr>
+            <a:r>
+              <a:rPr/>
+              <a:t>Titanic</a:t>
+            </a:r>
+            <a:r>
+              <a:rPr/>
+              <a:t> </a:t>
+            </a:r>
+            <a:r>
+              <a:rPr/>
+              <a:t>stack</a:t>
+            </a:r>
+          </a:p>
+        </p:txBody>
+      </p:sp>
+      <p:pic>
+        <p:nvPicPr>
+          <p:cNvPr descr="data-visualization-02-bars_files/figure-pptx/count-by-stack-1.png" id="0" name="Picture 1"/>
+          <p:cNvPicPr>
+            <a:picLocks noGrp="1" noChangeAspect="1"/>
+          </p:cNvPicPr>
+          <p:nvPr/>
+        </p:nvPicPr>
+        <p:blipFill>
+          <a:blip r:embed="rId2"/>
+          <a:stretch>
+            <a:fillRect/>
+          </a:stretch>
+        </p:blipFill>
+        <p:spPr bwMode="auto">
+          <a:xfrm>
+            <a:off x="1752600" y="1600200"/>
+            <a:ext cx="5651500" cy="4521200"/>
+          </a:xfrm>
+          <a:prstGeom prst="rect">
+            <a:avLst/>
+          </a:prstGeom>
+          <a:noFill/>
+          <a:ln w="9525">
+            <a:noFill/>
+            <a:headEnd/>
+            <a:tailEnd/>
+          </a:ln>
+        </p:spPr>
+      </p:pic>
+    </p:spTree>
+  </p:cSld>
+</p:sld>
+</file>
+
+<file path=ppt/slides/slide45.xml><?xml version="1.0" encoding="utf-8"?>
+<p:sld xmlns:a="http://schemas.openxmlformats.org/drawingml/2006/main" xmlns:r="http://schemas.openxmlformats.org/officeDocument/2006/relationships" xmlns:p="http://schemas.openxmlformats.org/presentationml/2006/main">
+  <p:cSld>
+    <p:spTree>
+      <p:nvGrpSpPr>
+        <p:cNvPr id="1" name=""/>
+        <p:cNvGrpSpPr/>
+        <p:nvPr/>
+      </p:nvGrpSpPr>
+      <p:grpSpPr>
+        <a:xfrm>
+          <a:off x="0" y="0"/>
+          <a:ext cx="0" cy="0"/>
+          <a:chOff x="0" y="0"/>
+          <a:chExt cx="0" cy="0"/>
+        </a:xfrm>
+      </p:grpSpPr>
+      <p:sp>
+        <p:nvSpPr>
+          <p:cNvPr id="2" name="Title 1"/>
+          <p:cNvSpPr>
+            <a:spLocks noGrp="1"/>
+          </p:cNvSpPr>
+          <p:nvPr>
+            <p:ph type="title"/>
+          </p:nvPr>
+        </p:nvSpPr>
+        <p:spPr/>
+        <p:txBody>
+          <a:bodyPr/>
+          <a:lstStyle/>
+          <a:p>
+            <a:pPr lvl="0" marL="0" indent="0">
+              <a:buNone/>
+            </a:pPr>
+            <a:r>
+              <a:rPr/>
+              <a:t>On</a:t>
+            </a:r>
+            <a:r>
+              <a:rPr/>
+              <a:t> </a:t>
+            </a:r>
+            <a:r>
+              <a:rPr/>
+              <a:t>your</a:t>
+            </a:r>
+            <a:r>
+              <a:rPr/>
+              <a:t> </a:t>
+            </a:r>
+            <a:r>
+              <a:rPr/>
+              <a:t>own</a:t>
             </a:r>
           </a:p>
         </p:txBody>
@@ -13096,12 +19199,128 @@
           <a:bodyPr/>
           <a:lstStyle/>
           <a:p>
+            <a:pPr lvl="1"/>
+            <a:r>
+              <a:rPr/>
+              <a:t>Draw a bar chart showing counts involving both mortality and gender. Use a panel, then stacking, then dodging. Which do you like best?</a:t>
+            </a:r>
+          </a:p>
+        </p:txBody>
+      </p:sp>
+    </p:spTree>
+  </p:cSld>
+</p:sld>
+</file>
+
+<file path=ppt/slides/slide46.xml><?xml version="1.0" encoding="utf-8"?>
+<p:sld xmlns:a="http://schemas.openxmlformats.org/drawingml/2006/main" xmlns:r="http://schemas.openxmlformats.org/officeDocument/2006/relationships" xmlns:p="http://schemas.openxmlformats.org/presentationml/2006/main">
+  <p:cSld>
+    <p:spTree>
+      <p:nvGrpSpPr>
+        <p:cNvPr id="1" name=""/>
+        <p:cNvGrpSpPr/>
+        <p:nvPr/>
+      </p:nvGrpSpPr>
+      <p:grpSpPr>
+        <a:xfrm>
+          <a:off x="0" y="0"/>
+          <a:ext cx="0" cy="0"/>
+          <a:chOff x="0" y="0"/>
+          <a:chExt cx="0" cy="0"/>
+        </a:xfrm>
+      </p:grpSpPr>
+      <p:sp>
+        <p:nvSpPr>
+          <p:cNvPr id="2" name="Title 1"/>
+          <p:cNvSpPr>
+            <a:spLocks noGrp="1"/>
+          </p:cNvSpPr>
+          <p:nvPr>
+            <p:ph type="title"/>
+          </p:nvPr>
+        </p:nvSpPr>
+        <p:spPr/>
+        <p:txBody>
+          <a:bodyPr/>
+          <a:lstStyle/>
+          <a:p>
             <a:pPr lvl="0" marL="0" indent="0">
               <a:buNone/>
             </a:pPr>
             <a:r>
               <a:rPr/>
-              <a:t>Download the scotus_opinions.csv data set, or go to the original source, the Kaggle datasets repository.</a:t>
+              <a:t>Wait</a:t>
+            </a:r>
+            <a:r>
+              <a:rPr/>
+              <a:t> </a:t>
+            </a:r>
+            <a:r>
+              <a:rPr/>
+              <a:t>a</a:t>
+            </a:r>
+            <a:r>
+              <a:rPr/>
+              <a:t> </a:t>
+            </a:r>
+            <a:r>
+              <a:rPr/>
+              <a:t>bit</a:t>
+            </a:r>
+            <a:r>
+              <a:rPr/>
+              <a:t> </a:t>
+            </a:r>
+            <a:r>
+              <a:rPr/>
+              <a:t>before</a:t>
+            </a:r>
+            <a:r>
+              <a:rPr/>
+              <a:t> </a:t>
+            </a:r>
+            <a:r>
+              <a:rPr/>
+              <a:t>showing</a:t>
+            </a:r>
+            <a:r>
+              <a:rPr/>
+              <a:t> </a:t>
+            </a:r>
+            <a:r>
+              <a:rPr/>
+              <a:t>the</a:t>
+            </a:r>
+            <a:r>
+              <a:rPr/>
+              <a:t> </a:t>
+            </a:r>
+            <a:r>
+              <a:rPr/>
+              <a:t>code</a:t>
+            </a:r>
+          </a:p>
+        </p:txBody>
+      </p:sp>
+      <p:sp>
+        <p:nvSpPr>
+          <p:cNvPr id="3" name="Content Placeholder 2"/>
+          <p:cNvSpPr>
+            <a:spLocks noGrp="1"/>
+          </p:cNvSpPr>
+          <p:nvPr>
+            <p:ph idx="1"/>
+          </p:nvPr>
+        </p:nvSpPr>
+        <p:spPr/>
+        <p:txBody>
+          <a:bodyPr/>
+          <a:lstStyle/>
+          <a:p>
+            <a:pPr lvl="1"/>
+            <a:r>
+              <a:rPr/>
+              <a:t>Did you make the panel/stack/dodge Survived or did you make it Sex? Here’s some code, but yours might be different.</a:t>
             </a:r>
           </a:p>
           <a:p>
@@ -13110,17 +19329,1345 @@
             </a:pPr>
             <a:r>
               <a:rPr/>
-              <a:t>Import the data and create a bar chart showing the frequency of opinions written by year_filed. Note that there are a few typos and a few rows that do not belong. You can remove these, but they will not affect any of the analyses we are considering.</a:t>
+              <a:t>((Show Python code))</a:t>
+            </a:r>
+          </a:p>
+          <a:p>
+            <a:pPr lvl="0" marL="0" indent="0">
+              <a:buNone/>
+            </a:pPr>
+            <a:r>
+              <a:rPr/>
+              <a:t>R code</a:t>
+            </a:r>
+          </a:p>
+          <a:p>
+            <a:pPr lvl="0" marL="1270000" indent="0">
+              <a:buNone/>
+            </a:pPr>
+            <a:r>
+              <a:rPr sz="1800">
+                <a:latin typeface="Courier"/>
+              </a:rPr>
+              <a:t>titanic %&gt;%
+  ggplot(aes(x=Sex, fill=Survived)) +
+    geom_bar() +
+    facet_grid(cols=vars(Survived))</a:t>
+            </a:r>
+          </a:p>
+          <a:p>
+            <a:pPr lvl="0" marL="0" indent="0">
+              <a:buNone/>
+            </a:pPr>
+            <a:r>
+              <a:rPr/>
+              <a:t>((Show Tableau))</a:t>
             </a:r>
           </a:p>
         </p:txBody>
       </p:sp>
+    </p:spTree>
+  </p:cSld>
+</p:sld>
+</file>
+
+<file path=ppt/slides/slide47.xml><?xml version="1.0" encoding="utf-8"?>
+<p:sld xmlns:a="http://schemas.openxmlformats.org/drawingml/2006/main" xmlns:r="http://schemas.openxmlformats.org/officeDocument/2006/relationships" xmlns:p="http://schemas.openxmlformats.org/presentationml/2006/main">
+  <p:cSld>
+    <p:spTree>
+      <p:nvGrpSpPr>
+        <p:cNvPr id="1" name=""/>
+        <p:cNvGrpSpPr/>
+        <p:nvPr/>
+      </p:nvGrpSpPr>
+      <p:grpSpPr>
+        <a:xfrm>
+          <a:off x="0" y="0"/>
+          <a:ext cx="0" cy="0"/>
+          <a:chOff x="0" y="0"/>
+          <a:chExt cx="0" cy="0"/>
+        </a:xfrm>
+      </p:grpSpPr>
+      <p:sp>
+        <p:nvSpPr>
+          <p:cNvPr id="2" name="Title 1"/>
+          <p:cNvSpPr>
+            <a:spLocks noGrp="1"/>
+          </p:cNvSpPr>
+          <p:nvPr>
+            <p:ph type="title"/>
+          </p:nvPr>
+        </p:nvSpPr>
+        <p:spPr/>
+        <p:txBody>
+          <a:bodyPr/>
+          <a:lstStyle/>
+          <a:p>
+            <a:pPr lvl="0" marL="0" indent="0">
+              <a:buNone/>
+            </a:pPr>
+            <a:r>
+              <a:rPr/>
+              <a:t>Panel,</a:t>
+            </a:r>
+            <a:r>
+              <a:rPr/>
+              <a:t> </a:t>
+            </a:r>
+            <a:r>
+              <a:rPr/>
+              <a:t>one</a:t>
+            </a:r>
+            <a:r>
+              <a:rPr/>
+              <a:t> </a:t>
+            </a:r>
+            <a:r>
+              <a:rPr/>
+              <a:t>approach</a:t>
+            </a:r>
+          </a:p>
+        </p:txBody>
+      </p:sp>
+      <p:pic>
+        <p:nvPicPr>
+          <p:cNvPr descr="data-visualization-02-bars_files/figure-pptx/mortality-by-panel-1.png" id="0" name="Picture 1"/>
+          <p:cNvPicPr>
+            <a:picLocks noGrp="1" noChangeAspect="1"/>
+          </p:cNvPicPr>
+          <p:nvPr/>
+        </p:nvPicPr>
+        <p:blipFill>
+          <a:blip r:embed="rId2"/>
+          <a:stretch>
+            <a:fillRect/>
+          </a:stretch>
+        </p:blipFill>
+        <p:spPr bwMode="auto">
+          <a:xfrm>
+            <a:off x="1752600" y="1600200"/>
+            <a:ext cx="5651500" cy="4521200"/>
+          </a:xfrm>
+          <a:prstGeom prst="rect">
+            <a:avLst/>
+          </a:prstGeom>
+          <a:noFill/>
+          <a:ln w="9525">
+            <a:noFill/>
+            <a:headEnd/>
+            <a:tailEnd/>
+          </a:ln>
+        </p:spPr>
+      </p:pic>
+    </p:spTree>
+  </p:cSld>
+</p:sld>
+</file>
+
+<file path=ppt/slides/slide48.xml><?xml version="1.0" encoding="utf-8"?>
+<p:sld xmlns:a="http://schemas.openxmlformats.org/drawingml/2006/main" xmlns:r="http://schemas.openxmlformats.org/officeDocument/2006/relationships" xmlns:p="http://schemas.openxmlformats.org/presentationml/2006/main">
+  <p:cSld>
+    <p:spTree>
+      <p:nvGrpSpPr>
+        <p:cNvPr id="1" name=""/>
+        <p:cNvGrpSpPr/>
+        <p:nvPr/>
+      </p:nvGrpSpPr>
+      <p:grpSpPr>
+        <a:xfrm>
+          <a:off x="0" y="0"/>
+          <a:ext cx="0" cy="0"/>
+          <a:chOff x="0" y="0"/>
+          <a:chExt cx="0" cy="0"/>
+        </a:xfrm>
+      </p:grpSpPr>
+      <p:sp>
+        <p:nvSpPr>
+          <p:cNvPr id="2" name="Title 1"/>
+          <p:cNvSpPr>
+            <a:spLocks noGrp="1"/>
+          </p:cNvSpPr>
+          <p:nvPr>
+            <p:ph type="title"/>
+          </p:nvPr>
+        </p:nvSpPr>
+        <p:spPr/>
+        <p:txBody>
+          <a:bodyPr/>
+          <a:lstStyle/>
+          <a:p>
+            <a:pPr lvl="0" marL="0" indent="0">
+              <a:buNone/>
+            </a:pPr>
+            <a:r>
+              <a:rPr/>
+              <a:t>Panel,</a:t>
+            </a:r>
+            <a:r>
+              <a:rPr/>
+              <a:t> </a:t>
+            </a:r>
+            <a:r>
+              <a:rPr/>
+              <a:t>alternate</a:t>
+            </a:r>
+            <a:r>
+              <a:rPr/>
+              <a:t> </a:t>
+            </a:r>
+            <a:r>
+              <a:rPr/>
+              <a:t>approach</a:t>
+            </a:r>
+          </a:p>
+        </p:txBody>
+      </p:sp>
+      <p:pic>
+        <p:nvPicPr>
+          <p:cNvPr descr="data-visualization-02-bars_files/figure-pptx/mortality-by-panel-alt-1.png" id="0" name="Picture 1"/>
+          <p:cNvPicPr>
+            <a:picLocks noGrp="1" noChangeAspect="1"/>
+          </p:cNvPicPr>
+          <p:nvPr/>
+        </p:nvPicPr>
+        <p:blipFill>
+          <a:blip r:embed="rId2"/>
+          <a:stretch>
+            <a:fillRect/>
+          </a:stretch>
+        </p:blipFill>
+        <p:spPr bwMode="auto">
+          <a:xfrm>
+            <a:off x="1752600" y="1600200"/>
+            <a:ext cx="5651500" cy="4521200"/>
+          </a:xfrm>
+          <a:prstGeom prst="rect">
+            <a:avLst/>
+          </a:prstGeom>
+          <a:noFill/>
+          <a:ln w="9525">
+            <a:noFill/>
+            <a:headEnd/>
+            <a:tailEnd/>
+          </a:ln>
+        </p:spPr>
+      </p:pic>
+    </p:spTree>
+  </p:cSld>
+</p:sld>
+</file>
+
+<file path=ppt/slides/slide49.xml><?xml version="1.0" encoding="utf-8"?>
+<p:sld xmlns:a="http://schemas.openxmlformats.org/drawingml/2006/main" xmlns:r="http://schemas.openxmlformats.org/officeDocument/2006/relationships" xmlns:p="http://schemas.openxmlformats.org/presentationml/2006/main">
+  <p:cSld>
+    <p:spTree>
+      <p:nvGrpSpPr>
+        <p:cNvPr id="1" name=""/>
+        <p:cNvGrpSpPr/>
+        <p:nvPr/>
+      </p:nvGrpSpPr>
+      <p:grpSpPr>
+        <a:xfrm>
+          <a:off x="0" y="0"/>
+          <a:ext cx="0" cy="0"/>
+          <a:chOff x="0" y="0"/>
+          <a:chExt cx="0" cy="0"/>
+        </a:xfrm>
+      </p:grpSpPr>
+      <p:sp>
+        <p:nvSpPr>
+          <p:cNvPr id="2" name="Title 1"/>
+          <p:cNvSpPr>
+            <a:spLocks noGrp="1"/>
+          </p:cNvSpPr>
+          <p:nvPr>
+            <p:ph type="title"/>
+          </p:nvPr>
+        </p:nvSpPr>
+        <p:spPr/>
+        <p:txBody>
+          <a:bodyPr/>
+          <a:lstStyle/>
+          <a:p>
+            <a:pPr lvl="0" marL="0" indent="0">
+              <a:buNone/>
+            </a:pPr>
+            <a:r>
+              <a:rPr/>
+              <a:t>Stack,</a:t>
+            </a:r>
+            <a:r>
+              <a:rPr/>
+              <a:t> </a:t>
+            </a:r>
+            <a:r>
+              <a:rPr/>
+              <a:t>one</a:t>
+            </a:r>
+            <a:r>
+              <a:rPr/>
+              <a:t> </a:t>
+            </a:r>
+            <a:r>
+              <a:rPr/>
+              <a:t>approach</a:t>
+            </a:r>
+          </a:p>
+        </p:txBody>
+      </p:sp>
+      <p:pic>
+        <p:nvPicPr>
+          <p:cNvPr descr="data-visualization-02-bars_files/figure-pptx/mortality-by-stack-1.png" id="0" name="Picture 1"/>
+          <p:cNvPicPr>
+            <a:picLocks noGrp="1" noChangeAspect="1"/>
+          </p:cNvPicPr>
+          <p:nvPr/>
+        </p:nvPicPr>
+        <p:blipFill>
+          <a:blip r:embed="rId2"/>
+          <a:stretch>
+            <a:fillRect/>
+          </a:stretch>
+        </p:blipFill>
+        <p:spPr bwMode="auto">
+          <a:xfrm>
+            <a:off x="1752600" y="1600200"/>
+            <a:ext cx="5651500" cy="4521200"/>
+          </a:xfrm>
+          <a:prstGeom prst="rect">
+            <a:avLst/>
+          </a:prstGeom>
+          <a:noFill/>
+          <a:ln w="9525">
+            <a:noFill/>
+            <a:headEnd/>
+            <a:tailEnd/>
+          </a:ln>
+        </p:spPr>
+      </p:pic>
     </p:spTree>
   </p:cSld>
 </p:sld>
 </file>
 
 <file path=ppt/slides/slide5.xml><?xml version="1.0" encoding="utf-8"?>
+<p:sld xmlns:a="http://schemas.openxmlformats.org/drawingml/2006/main" xmlns:r="http://schemas.openxmlformats.org/officeDocument/2006/relationships" xmlns:p="http://schemas.openxmlformats.org/presentationml/2006/main">
+  <p:cSld>
+    <p:spTree>
+      <p:nvGrpSpPr>
+        <p:cNvPr id="1" name=""/>
+        <p:cNvGrpSpPr/>
+        <p:nvPr/>
+      </p:nvGrpSpPr>
+      <p:grpSpPr>
+        <a:xfrm>
+          <a:off x="0" y="0"/>
+          <a:ext cx="0" cy="0"/>
+          <a:chOff x="0" y="0"/>
+          <a:chExt cx="0" cy="0"/>
+        </a:xfrm>
+      </p:grpSpPr>
+      <p:sp>
+        <p:nvSpPr>
+          <p:cNvPr id="2" name="Title 1"/>
+          <p:cNvSpPr>
+            <a:spLocks noGrp="1"/>
+          </p:cNvSpPr>
+          <p:nvPr>
+            <p:ph type="title"/>
+          </p:nvPr>
+        </p:nvSpPr>
+        <p:spPr/>
+        <p:txBody>
+          <a:bodyPr/>
+          <a:lstStyle/>
+          <a:p>
+            <a:pPr lvl="0" marL="0" indent="0">
+              <a:buNone/>
+            </a:pPr>
+            <a:r>
+              <a:rPr/>
+              <a:t>To</a:t>
+            </a:r>
+            <a:r>
+              <a:rPr/>
+              <a:t> </a:t>
+            </a:r>
+            <a:r>
+              <a:rPr/>
+              <a:t>prepare</a:t>
+            </a:r>
+            <a:r>
+              <a:rPr/>
+              <a:t> </a:t>
+            </a:r>
+            <a:r>
+              <a:rPr/>
+              <a:t>for</a:t>
+            </a:r>
+            <a:r>
+              <a:rPr/>
+              <a:t> </a:t>
+            </a:r>
+            <a:r>
+              <a:rPr/>
+              <a:t>this</a:t>
+            </a:r>
+            <a:r>
+              <a:rPr/>
+              <a:t> </a:t>
+            </a:r>
+            <a:r>
+              <a:rPr/>
+              <a:t>section</a:t>
+            </a:r>
+          </a:p>
+        </p:txBody>
+      </p:sp>
+      <p:sp>
+        <p:nvSpPr>
+          <p:cNvPr id="3" name="Content Placeholder 2"/>
+          <p:cNvSpPr>
+            <a:spLocks noGrp="1"/>
+          </p:cNvSpPr>
+          <p:nvPr>
+            <p:ph idx="1"/>
+          </p:nvPr>
+        </p:nvSpPr>
+        <p:spPr/>
+        <p:txBody>
+          <a:bodyPr/>
+          <a:lstStyle/>
+          <a:p>
+            <a:pPr lvl="0" marL="0" indent="0">
+              <a:buNone/>
+            </a:pPr>
+            <a:r>
+              <a:rPr/>
+              <a:t>Download the scotus_cases.csv data set, or go to the original source, the Kaggle datasets repository.</a:t>
+            </a:r>
+          </a:p>
+          <a:p>
+            <a:pPr lvl="0" marL="0" indent="0">
+              <a:buNone/>
+            </a:pPr>
+            <a:r>
+              <a:rPr/>
+              <a:t>Import the data and create a bar chart showing the frequency of opinions written by year_filed. Note that there are a few typos and a few rows that do not belong. You can remove these, but they will not affect any of the analyses we are considering.</a:t>
+            </a:r>
+          </a:p>
+        </p:txBody>
+      </p:sp>
+    </p:spTree>
+  </p:cSld>
+</p:sld>
+</file>
+
+<file path=ppt/slides/slide50.xml><?xml version="1.0" encoding="utf-8"?>
+<p:sld xmlns:a="http://schemas.openxmlformats.org/drawingml/2006/main" xmlns:r="http://schemas.openxmlformats.org/officeDocument/2006/relationships" xmlns:p="http://schemas.openxmlformats.org/presentationml/2006/main">
+  <p:cSld>
+    <p:spTree>
+      <p:nvGrpSpPr>
+        <p:cNvPr id="1" name=""/>
+        <p:cNvGrpSpPr/>
+        <p:nvPr/>
+      </p:nvGrpSpPr>
+      <p:grpSpPr>
+        <a:xfrm>
+          <a:off x="0" y="0"/>
+          <a:ext cx="0" cy="0"/>
+          <a:chOff x="0" y="0"/>
+          <a:chExt cx="0" cy="0"/>
+        </a:xfrm>
+      </p:grpSpPr>
+      <p:sp>
+        <p:nvSpPr>
+          <p:cNvPr id="2" name="Title 1"/>
+          <p:cNvSpPr>
+            <a:spLocks noGrp="1"/>
+          </p:cNvSpPr>
+          <p:nvPr>
+            <p:ph type="title"/>
+          </p:nvPr>
+        </p:nvSpPr>
+        <p:spPr/>
+        <p:txBody>
+          <a:bodyPr/>
+          <a:lstStyle/>
+          <a:p>
+            <a:pPr lvl="0" marL="0" indent="0">
+              <a:buNone/>
+            </a:pPr>
+            <a:r>
+              <a:rPr/>
+              <a:t>Stack,</a:t>
+            </a:r>
+            <a:r>
+              <a:rPr/>
+              <a:t> </a:t>
+            </a:r>
+            <a:r>
+              <a:rPr/>
+              <a:t>alternate</a:t>
+            </a:r>
+            <a:r>
+              <a:rPr/>
+              <a:t> </a:t>
+            </a:r>
+            <a:r>
+              <a:rPr/>
+              <a:t>approach</a:t>
+            </a:r>
+          </a:p>
+        </p:txBody>
+      </p:sp>
+      <p:pic>
+        <p:nvPicPr>
+          <p:cNvPr descr="data-visualization-02-bars_files/figure-pptx/mortality-by-stack-alt-1.png" id="0" name="Picture 1"/>
+          <p:cNvPicPr>
+            <a:picLocks noGrp="1" noChangeAspect="1"/>
+          </p:cNvPicPr>
+          <p:nvPr/>
+        </p:nvPicPr>
+        <p:blipFill>
+          <a:blip r:embed="rId2"/>
+          <a:stretch>
+            <a:fillRect/>
+          </a:stretch>
+        </p:blipFill>
+        <p:spPr bwMode="auto">
+          <a:xfrm>
+            <a:off x="1752600" y="1600200"/>
+            <a:ext cx="5651500" cy="4521200"/>
+          </a:xfrm>
+          <a:prstGeom prst="rect">
+            <a:avLst/>
+          </a:prstGeom>
+          <a:noFill/>
+          <a:ln w="9525">
+            <a:noFill/>
+            <a:headEnd/>
+            <a:tailEnd/>
+          </a:ln>
+        </p:spPr>
+      </p:pic>
+    </p:spTree>
+  </p:cSld>
+</p:sld>
+</file>
+
+<file path=ppt/slides/slide51.xml><?xml version="1.0" encoding="utf-8"?>
+<p:sld xmlns:a="http://schemas.openxmlformats.org/drawingml/2006/main" xmlns:r="http://schemas.openxmlformats.org/officeDocument/2006/relationships" xmlns:p="http://schemas.openxmlformats.org/presentationml/2006/main">
+  <p:cSld>
+    <p:spTree>
+      <p:nvGrpSpPr>
+        <p:cNvPr id="1" name=""/>
+        <p:cNvGrpSpPr/>
+        <p:nvPr/>
+      </p:nvGrpSpPr>
+      <p:grpSpPr>
+        <a:xfrm>
+          <a:off x="0" y="0"/>
+          <a:ext cx="0" cy="0"/>
+          <a:chOff x="0" y="0"/>
+          <a:chExt cx="0" cy="0"/>
+        </a:xfrm>
+      </p:grpSpPr>
+      <p:sp>
+        <p:nvSpPr>
+          <p:cNvPr id="2" name="Title 1"/>
+          <p:cNvSpPr>
+            <a:spLocks noGrp="1"/>
+          </p:cNvSpPr>
+          <p:nvPr>
+            <p:ph type="title"/>
+          </p:nvPr>
+        </p:nvSpPr>
+        <p:spPr/>
+        <p:txBody>
+          <a:bodyPr/>
+          <a:lstStyle/>
+          <a:p>
+            <a:pPr lvl="0" marL="0" indent="0">
+              <a:buNone/>
+            </a:pPr>
+            <a:r>
+              <a:rPr/>
+              <a:t>Dodge,</a:t>
+            </a:r>
+            <a:r>
+              <a:rPr/>
+              <a:t> </a:t>
+            </a:r>
+            <a:r>
+              <a:rPr/>
+              <a:t>one</a:t>
+            </a:r>
+            <a:r>
+              <a:rPr/>
+              <a:t> </a:t>
+            </a:r>
+            <a:r>
+              <a:rPr/>
+              <a:t>approach</a:t>
+            </a:r>
+          </a:p>
+        </p:txBody>
+      </p:sp>
+      <p:pic>
+        <p:nvPicPr>
+          <p:cNvPr descr="data-visualization-02-bars_files/figure-pptx/mortality-by-dodge-1.png" id="0" name="Picture 1"/>
+          <p:cNvPicPr>
+            <a:picLocks noGrp="1" noChangeAspect="1"/>
+          </p:cNvPicPr>
+          <p:nvPr/>
+        </p:nvPicPr>
+        <p:blipFill>
+          <a:blip r:embed="rId2"/>
+          <a:stretch>
+            <a:fillRect/>
+          </a:stretch>
+        </p:blipFill>
+        <p:spPr bwMode="auto">
+          <a:xfrm>
+            <a:off x="1752600" y="1600200"/>
+            <a:ext cx="5651500" cy="4521200"/>
+          </a:xfrm>
+          <a:prstGeom prst="rect">
+            <a:avLst/>
+          </a:prstGeom>
+          <a:noFill/>
+          <a:ln w="9525">
+            <a:noFill/>
+            <a:headEnd/>
+            <a:tailEnd/>
+          </a:ln>
+        </p:spPr>
+      </p:pic>
+    </p:spTree>
+  </p:cSld>
+</p:sld>
+</file>
+
+<file path=ppt/slides/slide52.xml><?xml version="1.0" encoding="utf-8"?>
+<p:sld xmlns:a="http://schemas.openxmlformats.org/drawingml/2006/main" xmlns:r="http://schemas.openxmlformats.org/officeDocument/2006/relationships" xmlns:p="http://schemas.openxmlformats.org/presentationml/2006/main">
+  <p:cSld>
+    <p:spTree>
+      <p:nvGrpSpPr>
+        <p:cNvPr id="1" name=""/>
+        <p:cNvGrpSpPr/>
+        <p:nvPr/>
+      </p:nvGrpSpPr>
+      <p:grpSpPr>
+        <a:xfrm>
+          <a:off x="0" y="0"/>
+          <a:ext cx="0" cy="0"/>
+          <a:chOff x="0" y="0"/>
+          <a:chExt cx="0" cy="0"/>
+        </a:xfrm>
+      </p:grpSpPr>
+      <p:sp>
+        <p:nvSpPr>
+          <p:cNvPr id="2" name="Title 1"/>
+          <p:cNvSpPr>
+            <a:spLocks noGrp="1"/>
+          </p:cNvSpPr>
+          <p:nvPr>
+            <p:ph type="title"/>
+          </p:nvPr>
+        </p:nvSpPr>
+        <p:spPr/>
+        <p:txBody>
+          <a:bodyPr/>
+          <a:lstStyle/>
+          <a:p>
+            <a:pPr lvl="0" marL="0" indent="0">
+              <a:buNone/>
+            </a:pPr>
+            <a:r>
+              <a:rPr/>
+              <a:t>Dodge,</a:t>
+            </a:r>
+            <a:r>
+              <a:rPr/>
+              <a:t> </a:t>
+            </a:r>
+            <a:r>
+              <a:rPr/>
+              <a:t>alternate</a:t>
+            </a:r>
+            <a:r>
+              <a:rPr/>
+              <a:t> </a:t>
+            </a:r>
+            <a:r>
+              <a:rPr/>
+              <a:t>approach</a:t>
+            </a:r>
+          </a:p>
+        </p:txBody>
+      </p:sp>
+      <p:pic>
+        <p:nvPicPr>
+          <p:cNvPr descr="data-visualization-02-bars_files/figure-pptx/mortality-by-dodge-alt-1.png" id="0" name="Picture 1"/>
+          <p:cNvPicPr>
+            <a:picLocks noGrp="1" noChangeAspect="1"/>
+          </p:cNvPicPr>
+          <p:nvPr/>
+        </p:nvPicPr>
+        <p:blipFill>
+          <a:blip r:embed="rId2"/>
+          <a:stretch>
+            <a:fillRect/>
+          </a:stretch>
+        </p:blipFill>
+        <p:spPr bwMode="auto">
+          <a:xfrm>
+            <a:off x="1752600" y="1600200"/>
+            <a:ext cx="5651500" cy="4521200"/>
+          </a:xfrm>
+          <a:prstGeom prst="rect">
+            <a:avLst/>
+          </a:prstGeom>
+          <a:noFill/>
+          <a:ln w="9525">
+            <a:noFill/>
+            <a:headEnd/>
+            <a:tailEnd/>
+          </a:ln>
+        </p:spPr>
+      </p:pic>
+    </p:spTree>
+  </p:cSld>
+</p:sld>
+</file>
+
+<file path=ppt/slides/slide53.xml><?xml version="1.0" encoding="utf-8"?>
+<p:sld xmlns:a="http://schemas.openxmlformats.org/drawingml/2006/main" xmlns:r="http://schemas.openxmlformats.org/officeDocument/2006/relationships" xmlns:p="http://schemas.openxmlformats.org/presentationml/2006/main">
+  <p:cSld>
+    <p:spTree>
+      <p:nvGrpSpPr>
+        <p:cNvPr id="1" name=""/>
+        <p:cNvGrpSpPr/>
+        <p:nvPr/>
+      </p:nvGrpSpPr>
+      <p:grpSpPr>
+        <a:xfrm>
+          <a:off x="0" y="0"/>
+          <a:ext cx="0" cy="0"/>
+          <a:chOff x="0" y="0"/>
+          <a:chExt cx="0" cy="0"/>
+        </a:xfrm>
+      </p:grpSpPr>
+      <p:sp>
+        <p:nvSpPr>
+          <p:cNvPr id="2" name="Title 1"/>
+          <p:cNvSpPr>
+            <a:spLocks noGrp="1"/>
+          </p:cNvSpPr>
+          <p:nvPr>
+            <p:ph type="title"/>
+          </p:nvPr>
+        </p:nvSpPr>
+        <p:spPr/>
+        <p:txBody>
+          <a:bodyPr/>
+          <a:lstStyle/>
+          <a:p>
+            <a:pPr lvl="0" marL="0" indent="0">
+              <a:buNone/>
+            </a:pPr>
+            <a:r>
+              <a:rPr/>
+              <a:t>Summarizations</a:t>
+            </a:r>
+          </a:p>
+        </p:txBody>
+      </p:sp>
+      <p:sp>
+        <p:nvSpPr>
+          <p:cNvPr id="3" name="Content Placeholder 2"/>
+          <p:cNvSpPr>
+            <a:spLocks noGrp="1"/>
+          </p:cNvSpPr>
+          <p:nvPr>
+            <p:ph idx="1"/>
+          </p:nvPr>
+        </p:nvSpPr>
+        <p:spPr/>
+        <p:txBody>
+          <a:bodyPr/>
+          <a:lstStyle/>
+          <a:p>
+            <a:pPr lvl="1"/>
+            <a:r>
+              <a:rPr/>
+              <a:t>One number summary (mean or percentage)</a:t>
+            </a:r>
+          </a:p>
+          <a:p>
+            <a:pPr lvl="1"/>
+            <a:r>
+              <a:rPr/>
+              <a:t>Two number summary (error bars)</a:t>
+            </a:r>
+          </a:p>
+          <a:p>
+            <a:pPr lvl="1"/>
+            <a:r>
+              <a:rPr/>
+              <a:t>Five number summary (boxplots)</a:t>
+            </a:r>
+          </a:p>
+          <a:p>
+            <a:pPr lvl="1"/>
+            <a:r>
+              <a:rPr/>
+              <a:t>All the data</a:t>
+            </a:r>
+          </a:p>
+          <a:p>
+            <a:pPr lvl="2"/>
+            <a:r>
+              <a:rPr/>
+              <a:t>Jittering</a:t>
+            </a:r>
+          </a:p>
+          <a:p>
+            <a:pPr lvl="2"/>
+            <a:r>
+              <a:rPr/>
+              <a:t>Opacity</a:t>
+            </a:r>
+          </a:p>
+        </p:txBody>
+      </p:sp>
+    </p:spTree>
+  </p:cSld>
+</p:sld>
+</file>
+
+<file path=ppt/slides/slide54.xml><?xml version="1.0" encoding="utf-8"?>
+<p:sld xmlns:a="http://schemas.openxmlformats.org/drawingml/2006/main" xmlns:r="http://schemas.openxmlformats.org/officeDocument/2006/relationships" xmlns:p="http://schemas.openxmlformats.org/presentationml/2006/main">
+  <p:cSld>
+    <p:spTree>
+      <p:nvGrpSpPr>
+        <p:cNvPr id="1" name=""/>
+        <p:cNvGrpSpPr/>
+        <p:nvPr/>
+      </p:nvGrpSpPr>
+      <p:grpSpPr>
+        <a:xfrm>
+          <a:off x="0" y="0"/>
+          <a:ext cx="0" cy="0"/>
+          <a:chOff x="0" y="0"/>
+          <a:chExt cx="0" cy="0"/>
+        </a:xfrm>
+      </p:grpSpPr>
+      <p:sp>
+        <p:nvSpPr>
+          <p:cNvPr id="2" name="Title 1"/>
+          <p:cNvSpPr>
+            <a:spLocks noGrp="1"/>
+          </p:cNvSpPr>
+          <p:nvPr>
+            <p:ph type="title"/>
+          </p:nvPr>
+        </p:nvSpPr>
+        <p:spPr/>
+        <p:txBody>
+          <a:bodyPr/>
+          <a:lstStyle/>
+          <a:p>
+            <a:pPr lvl="0" marL="0" indent="0">
+              <a:buNone/>
+            </a:pPr>
+            <a:r>
+              <a:rPr/>
+              <a:t>Switching</a:t>
+            </a:r>
+            <a:r>
+              <a:rPr/>
+              <a:t> </a:t>
+            </a:r>
+            <a:r>
+              <a:rPr/>
+              <a:t>from</a:t>
+            </a:r>
+            <a:r>
+              <a:rPr/>
+              <a:t> </a:t>
+            </a:r>
+            <a:r>
+              <a:rPr/>
+              <a:t>count</a:t>
+            </a:r>
+            <a:r>
+              <a:rPr/>
+              <a:t> </a:t>
+            </a:r>
+            <a:r>
+              <a:rPr/>
+              <a:t>to</a:t>
+            </a:r>
+            <a:r>
+              <a:rPr/>
+              <a:t> </a:t>
+            </a:r>
+            <a:r>
+              <a:rPr/>
+              <a:t>percent</a:t>
+            </a:r>
+          </a:p>
+        </p:txBody>
+      </p:sp>
+      <p:sp>
+        <p:nvSpPr>
+          <p:cNvPr id="3" name="Content Placeholder 2"/>
+          <p:cNvSpPr>
+            <a:spLocks noGrp="1"/>
+          </p:cNvSpPr>
+          <p:nvPr>
+            <p:ph idx="1"/>
+          </p:nvPr>
+        </p:nvSpPr>
+        <p:spPr/>
+        <p:txBody>
+          <a:bodyPr/>
+          <a:lstStyle/>
+          <a:p>
+            <a:pPr lvl="0" marL="0" indent="0">
+              <a:buNone/>
+            </a:pPr>
+            <a:r>
+              <a:rPr/>
+              <a:t>((Show the code in Python, R, and Tableau. Explain why you might want counts versus percents.))</a:t>
+            </a:r>
+          </a:p>
+        </p:txBody>
+      </p:sp>
+    </p:spTree>
+  </p:cSld>
+</p:sld>
+</file>
+
+<file path=ppt/slides/slide55.xml><?xml version="1.0" encoding="utf-8"?>
+<p:sld xmlns:a="http://schemas.openxmlformats.org/drawingml/2006/main" xmlns:r="http://schemas.openxmlformats.org/officeDocument/2006/relationships" xmlns:p="http://schemas.openxmlformats.org/presentationml/2006/main">
+  <p:cSld>
+    <p:spTree>
+      <p:nvGrpSpPr>
+        <p:cNvPr id="1" name=""/>
+        <p:cNvGrpSpPr/>
+        <p:nvPr/>
+      </p:nvGrpSpPr>
+      <p:grpSpPr>
+        <a:xfrm>
+          <a:off x="0" y="0"/>
+          <a:ext cx="0" cy="0"/>
+          <a:chOff x="0" y="0"/>
+          <a:chExt cx="0" cy="0"/>
+        </a:xfrm>
+      </p:grpSpPr>
+      <p:sp>
+        <p:nvSpPr>
+          <p:cNvPr id="2" name="Title 1"/>
+          <p:cNvSpPr>
+            <a:spLocks noGrp="1"/>
+          </p:cNvSpPr>
+          <p:nvPr>
+            <p:ph type="title"/>
+          </p:nvPr>
+        </p:nvSpPr>
+        <p:spPr/>
+        <p:txBody>
+          <a:bodyPr/>
+          <a:lstStyle/>
+          <a:p>
+            <a:pPr lvl="0" marL="0" indent="0">
+              <a:buNone/>
+            </a:pPr>
+            <a:r>
+              <a:rPr/>
+              <a:t>Example</a:t>
+            </a:r>
+            <a:r>
+              <a:rPr/>
+              <a:t> </a:t>
+            </a:r>
+            <a:r>
+              <a:rPr/>
+              <a:t>with</a:t>
+            </a:r>
+            <a:r>
+              <a:rPr/>
+              <a:t> </a:t>
+            </a:r>
+            <a:r>
+              <a:rPr/>
+              <a:t>means</a:t>
+            </a:r>
+          </a:p>
+        </p:txBody>
+      </p:sp>
+      <p:sp>
+        <p:nvSpPr>
+          <p:cNvPr id="3" name="Content Placeholder 2"/>
+          <p:cNvSpPr>
+            <a:spLocks noGrp="1"/>
+          </p:cNvSpPr>
+          <p:nvPr>
+            <p:ph idx="1"/>
+          </p:nvPr>
+        </p:nvSpPr>
+        <p:spPr/>
+        <p:txBody>
+          <a:bodyPr/>
+          <a:lstStyle/>
+          <a:p>
+            <a:pPr lvl="0" marL="0" indent="0">
+              <a:buNone/>
+            </a:pPr>
+            <a:r>
+              <a:rPr/>
+              <a:t>((Need to find the right data set to illustrate this. Maybe the Saratoga house prices?))</a:t>
+            </a:r>
+          </a:p>
+        </p:txBody>
+      </p:sp>
+    </p:spTree>
+  </p:cSld>
+</p:sld>
+</file>
+
+<file path=ppt/slides/slide56.xml><?xml version="1.0" encoding="utf-8"?>
+<p:sld xmlns:a="http://schemas.openxmlformats.org/drawingml/2006/main" xmlns:r="http://schemas.openxmlformats.org/officeDocument/2006/relationships" xmlns:p="http://schemas.openxmlformats.org/presentationml/2006/main">
+  <p:cSld>
+    <p:spTree>
+      <p:nvGrpSpPr>
+        <p:cNvPr id="1" name=""/>
+        <p:cNvGrpSpPr/>
+        <p:nvPr/>
+      </p:nvGrpSpPr>
+      <p:grpSpPr>
+        <a:xfrm>
+          <a:off x="0" y="0"/>
+          <a:ext cx="0" cy="0"/>
+          <a:chOff x="0" y="0"/>
+          <a:chExt cx="0" cy="0"/>
+        </a:xfrm>
+      </p:grpSpPr>
+      <p:sp>
+        <p:nvSpPr>
+          <p:cNvPr id="2" name="Title 1"/>
+          <p:cNvSpPr>
+            <a:spLocks noGrp="1"/>
+          </p:cNvSpPr>
+          <p:nvPr>
+            <p:ph type="title"/>
+          </p:nvPr>
+        </p:nvSpPr>
+        <p:spPr/>
+        <p:txBody>
+          <a:bodyPr/>
+          <a:lstStyle/>
+          <a:p>
+            <a:pPr lvl="0" marL="0" indent="0">
+              <a:buNone/>
+            </a:pPr>
+            <a:r>
+              <a:rPr/>
+              <a:t>Example</a:t>
+            </a:r>
+            <a:r>
+              <a:rPr/>
+              <a:t> </a:t>
+            </a:r>
+            <a:r>
+              <a:rPr/>
+              <a:t>with</a:t>
+            </a:r>
+            <a:r>
+              <a:rPr/>
+              <a:t> </a:t>
+            </a:r>
+            <a:r>
+              <a:rPr/>
+              <a:t>totals</a:t>
+            </a:r>
+          </a:p>
+        </p:txBody>
+      </p:sp>
+      <p:sp>
+        <p:nvSpPr>
+          <p:cNvPr id="3" name="Content Placeholder 2"/>
+          <p:cNvSpPr>
+            <a:spLocks noGrp="1"/>
+          </p:cNvSpPr>
+          <p:nvPr>
+            <p:ph idx="1"/>
+          </p:nvPr>
+        </p:nvSpPr>
+        <p:spPr/>
+        <p:txBody>
+          <a:bodyPr/>
+          <a:lstStyle/>
+          <a:p>
+            <a:pPr lvl="0" marL="0" indent="0">
+              <a:buNone/>
+            </a:pPr>
+            <a:r>
+              <a:rPr/>
+              <a:t>((Same data. What means tell you versus totals.))</a:t>
+            </a:r>
+          </a:p>
+        </p:txBody>
+      </p:sp>
+    </p:spTree>
+  </p:cSld>
+</p:sld>
+</file>
+
+<file path=ppt/slides/slide57.xml><?xml version="1.0" encoding="utf-8"?>
+<p:sld xmlns:a="http://schemas.openxmlformats.org/drawingml/2006/main" xmlns:r="http://schemas.openxmlformats.org/officeDocument/2006/relationships" xmlns:p="http://schemas.openxmlformats.org/presentationml/2006/main">
+  <p:cSld>
+    <p:spTree>
+      <p:nvGrpSpPr>
+        <p:cNvPr id="1" name=""/>
+        <p:cNvGrpSpPr/>
+        <p:nvPr/>
+      </p:nvGrpSpPr>
+      <p:grpSpPr>
+        <a:xfrm>
+          <a:off x="0" y="0"/>
+          <a:ext cx="0" cy="0"/>
+          <a:chOff x="0" y="0"/>
+          <a:chExt cx="0" cy="0"/>
+        </a:xfrm>
+      </p:grpSpPr>
+      <p:sp>
+        <p:nvSpPr>
+          <p:cNvPr id="2" name="Title 1"/>
+          <p:cNvSpPr>
+            <a:spLocks noGrp="1"/>
+          </p:cNvSpPr>
+          <p:nvPr>
+            <p:ph type="title"/>
+          </p:nvPr>
+        </p:nvSpPr>
+        <p:spPr/>
+        <p:txBody>
+          <a:bodyPr/>
+          <a:lstStyle/>
+          <a:p>
+            <a:pPr lvl="0" marL="0" indent="0">
+              <a:buNone/>
+            </a:pPr>
+            <a:r>
+              <a:rPr/>
+              <a:t>Boxplots</a:t>
+            </a:r>
+            <a:r>
+              <a:rPr/>
+              <a:t> </a:t>
+            </a:r>
+            <a:r>
+              <a:rPr/>
+              <a:t>example</a:t>
+            </a:r>
+          </a:p>
+        </p:txBody>
+      </p:sp>
+      <p:sp>
+        <p:nvSpPr>
+          <p:cNvPr id="3" name="Content Placeholder 2"/>
+          <p:cNvSpPr>
+            <a:spLocks noGrp="1"/>
+          </p:cNvSpPr>
+          <p:nvPr>
+            <p:ph idx="1"/>
+          </p:nvPr>
+        </p:nvSpPr>
+        <p:spPr/>
+        <p:txBody>
+          <a:bodyPr/>
+          <a:lstStyle/>
+          <a:p>
+            <a:pPr lvl="0" marL="0" indent="0">
+              <a:buNone/>
+            </a:pPr>
+            <a:r>
+              <a:rPr/>
+              <a:t>((Include an explanation of what a boxplot is))</a:t>
+            </a:r>
+          </a:p>
+        </p:txBody>
+      </p:sp>
+    </p:spTree>
+  </p:cSld>
+</p:sld>
+</file>
+
+<file path=ppt/slides/slide58.xml><?xml version="1.0" encoding="utf-8"?>
+<p:sld xmlns:a="http://schemas.openxmlformats.org/drawingml/2006/main" xmlns:r="http://schemas.openxmlformats.org/officeDocument/2006/relationships" xmlns:p="http://schemas.openxmlformats.org/presentationml/2006/main">
+  <p:cSld>
+    <p:spTree>
+      <p:nvGrpSpPr>
+        <p:cNvPr id="1" name=""/>
+        <p:cNvGrpSpPr/>
+        <p:nvPr/>
+      </p:nvGrpSpPr>
+      <p:grpSpPr>
+        <a:xfrm>
+          <a:off x="0" y="0"/>
+          <a:ext cx="0" cy="0"/>
+          <a:chOff x="0" y="0"/>
+          <a:chExt cx="0" cy="0"/>
+        </a:xfrm>
+      </p:grpSpPr>
+      <p:sp>
+        <p:nvSpPr>
+          <p:cNvPr id="2" name="Title 1"/>
+          <p:cNvSpPr>
+            <a:spLocks noGrp="1"/>
+          </p:cNvSpPr>
+          <p:nvPr>
+            <p:ph type="title"/>
+          </p:nvPr>
+        </p:nvSpPr>
+        <p:spPr/>
+        <p:txBody>
+          <a:bodyPr/>
+          <a:lstStyle/>
+          <a:p>
+            <a:pPr lvl="0" marL="0" indent="0">
+              <a:buNone/>
+            </a:pPr>
+            <a:r>
+              <a:rPr/>
+              <a:t>Jittering</a:t>
+            </a:r>
+            <a:r>
+              <a:rPr/>
+              <a:t> </a:t>
+            </a:r>
+            <a:r>
+              <a:rPr/>
+              <a:t>example</a:t>
+            </a:r>
+          </a:p>
+        </p:txBody>
+      </p:sp>
+      <p:sp>
+        <p:nvSpPr>
+          <p:cNvPr id="3" name="Content Placeholder 2"/>
+          <p:cNvSpPr>
+            <a:spLocks noGrp="1"/>
+          </p:cNvSpPr>
+          <p:nvPr>
+            <p:ph idx="1"/>
+          </p:nvPr>
+        </p:nvSpPr>
+        <p:spPr/>
+        <p:txBody>
+          <a:bodyPr/>
+          <a:lstStyle/>
+          <a:p>
+            <a:pPr lvl="0" marL="0" indent="0">
+              <a:buNone/>
+            </a:pPr>
+            <a:r>
+              <a:rPr/>
+              <a:t>((Include an explanation on when it doesn’t work.))</a:t>
+            </a:r>
+          </a:p>
+        </p:txBody>
+      </p:sp>
+    </p:spTree>
+  </p:cSld>
+</p:sld>
+</file>
+
+<file path=ppt/slides/slide59.xml><?xml version="1.0" encoding="utf-8"?>
+<p:sld xmlns:a="http://schemas.openxmlformats.org/drawingml/2006/main" xmlns:r="http://schemas.openxmlformats.org/officeDocument/2006/relationships" xmlns:p="http://schemas.openxmlformats.org/presentationml/2006/main">
+  <p:cSld>
+    <p:spTree>
+      <p:nvGrpSpPr>
+        <p:cNvPr id="1" name=""/>
+        <p:cNvGrpSpPr/>
+        <p:nvPr/>
+      </p:nvGrpSpPr>
+      <p:grpSpPr>
+        <a:xfrm>
+          <a:off x="0" y="0"/>
+          <a:ext cx="0" cy="0"/>
+          <a:chOff x="0" y="0"/>
+          <a:chExt cx="0" cy="0"/>
+        </a:xfrm>
+      </p:grpSpPr>
+      <p:sp>
+        <p:nvSpPr>
+          <p:cNvPr id="2" name="Title 1"/>
+          <p:cNvSpPr>
+            <a:spLocks noGrp="1"/>
+          </p:cNvSpPr>
+          <p:nvPr>
+            <p:ph type="title"/>
+          </p:nvPr>
+        </p:nvSpPr>
+        <p:spPr/>
+        <p:txBody>
+          <a:bodyPr/>
+          <a:lstStyle/>
+          <a:p>
+            <a:pPr lvl="0" marL="0" indent="0">
+              <a:buNone/>
+            </a:pPr>
+            <a:r>
+              <a:rPr/>
+              <a:t>Opacity</a:t>
+            </a:r>
+            <a:r>
+              <a:rPr/>
+              <a:t> </a:t>
+            </a:r>
+            <a:r>
+              <a:rPr/>
+              <a:t>example</a:t>
+            </a:r>
+          </a:p>
+        </p:txBody>
+      </p:sp>
+      <p:sp>
+        <p:nvSpPr>
+          <p:cNvPr id="3" name="Content Placeholder 2"/>
+          <p:cNvSpPr>
+            <a:spLocks noGrp="1"/>
+          </p:cNvSpPr>
+          <p:nvPr>
+            <p:ph idx="1"/>
+          </p:nvPr>
+        </p:nvSpPr>
+        <p:spPr/>
+        <p:txBody>
+          <a:bodyPr/>
+          <a:lstStyle/>
+          <a:p>
+            <a:pPr lvl="0" marL="0" indent="0">
+              <a:buNone/>
+            </a:pPr>
+            <a:r>
+              <a:rPr/>
+              <a:t>((Note the computational expense.))</a:t>
+            </a:r>
+          </a:p>
+        </p:txBody>
+      </p:sp>
+    </p:spTree>
+  </p:cSld>
+</p:sld>
+</file>
+
+<file path=ppt/slides/slide6.xml><?xml version="1.0" encoding="utf-8"?>
 <p:sld xmlns:a="http://schemas.openxmlformats.org/drawingml/2006/main" xmlns:r="http://schemas.openxmlformats.org/officeDocument/2006/relationships" xmlns:p="http://schemas.openxmlformats.org/presentationml/2006/main">
   <p:cSld>
     <p:spTree>
@@ -13261,7 +20808,320 @@
 </p:sld>
 </file>
 
-<file path=ppt/slides/slide6.xml><?xml version="1.0" encoding="utf-8"?>
+<file path=ppt/slides/slide60.xml><?xml version="1.0" encoding="utf-8"?>
+<p:sld xmlns:a="http://schemas.openxmlformats.org/drawingml/2006/main" xmlns:r="http://schemas.openxmlformats.org/officeDocument/2006/relationships" xmlns:p="http://schemas.openxmlformats.org/presentationml/2006/main">
+  <p:cSld>
+    <p:spTree>
+      <p:nvGrpSpPr>
+        <p:cNvPr id="1" name=""/>
+        <p:cNvGrpSpPr/>
+        <p:nvPr/>
+      </p:nvGrpSpPr>
+      <p:grpSpPr>
+        <a:xfrm>
+          <a:off x="0" y="0"/>
+          <a:ext cx="0" cy="0"/>
+          <a:chOff x="0" y="0"/>
+          <a:chExt cx="0" cy="0"/>
+        </a:xfrm>
+      </p:grpSpPr>
+      <p:sp>
+        <p:nvSpPr>
+          <p:cNvPr id="2" name="Title 1"/>
+          <p:cNvSpPr>
+            <a:spLocks noGrp="1"/>
+          </p:cNvSpPr>
+          <p:nvPr>
+            <p:ph type="title"/>
+          </p:nvPr>
+        </p:nvSpPr>
+        <p:spPr/>
+        <p:txBody>
+          <a:bodyPr/>
+          <a:lstStyle/>
+          <a:p>
+            <a:pPr lvl="0" marL="0" indent="0">
+              <a:buNone/>
+            </a:pPr>
+            <a:r>
+              <a:rPr/>
+              <a:t>On</a:t>
+            </a:r>
+            <a:r>
+              <a:rPr/>
+              <a:t> </a:t>
+            </a:r>
+            <a:r>
+              <a:rPr/>
+              <a:t>your</a:t>
+            </a:r>
+            <a:r>
+              <a:rPr/>
+              <a:t> </a:t>
+            </a:r>
+            <a:r>
+              <a:rPr/>
+              <a:t>own</a:t>
+            </a:r>
+          </a:p>
+        </p:txBody>
+      </p:sp>
+      <p:sp>
+        <p:nvSpPr>
+          <p:cNvPr id="3" name="Content Placeholder 2"/>
+          <p:cNvSpPr>
+            <a:spLocks noGrp="1"/>
+          </p:cNvSpPr>
+          <p:nvPr>
+            <p:ph idx="1"/>
+          </p:nvPr>
+        </p:nvSpPr>
+        <p:spPr/>
+        <p:txBody>
+          <a:bodyPr/>
+          <a:lstStyle/>
+          <a:p>
+            <a:pPr lvl="0" marL="0" indent="0">
+              <a:buNone/>
+            </a:pPr>
+            <a:r>
+              <a:rPr/>
+              <a:t>((Find a totally different data set and get the students to draw four different visualizations. Have them divide into groups that like the same visualization software and have each person do a different visualization.))</a:t>
+            </a:r>
+          </a:p>
+        </p:txBody>
+      </p:sp>
+    </p:spTree>
+  </p:cSld>
+</p:sld>
+</file>
+
+<file path=ppt/slides/slide61.xml><?xml version="1.0" encoding="utf-8"?>
+<p:sld xmlns:a="http://schemas.openxmlformats.org/drawingml/2006/main" xmlns:r="http://schemas.openxmlformats.org/officeDocument/2006/relationships" xmlns:p="http://schemas.openxmlformats.org/presentationml/2006/main">
+  <p:cSld>
+    <p:spTree>
+      <p:nvGrpSpPr>
+        <p:cNvPr id="1" name=""/>
+        <p:cNvGrpSpPr/>
+        <p:nvPr/>
+      </p:nvGrpSpPr>
+      <p:grpSpPr>
+        <a:xfrm>
+          <a:off x="0" y="0"/>
+          <a:ext cx="0" cy="0"/>
+          <a:chOff x="0" y="0"/>
+          <a:chExt cx="0" cy="0"/>
+        </a:xfrm>
+      </p:grpSpPr>
+      <p:sp>
+        <p:nvSpPr>
+          <p:cNvPr id="2" name="Title 1"/>
+          <p:cNvSpPr>
+            <a:spLocks noGrp="1"/>
+          </p:cNvSpPr>
+          <p:nvPr>
+            <p:ph type="title"/>
+          </p:nvPr>
+        </p:nvSpPr>
+        <p:spPr/>
+        <p:txBody>
+          <a:bodyPr/>
+          <a:lstStyle/>
+          <a:p>
+            <a:pPr lvl="0" marL="0" indent="0">
+              <a:buNone/>
+            </a:pPr>
+            <a:r>
+              <a:rPr/>
+              <a:t>Summary</a:t>
+            </a:r>
+          </a:p>
+        </p:txBody>
+      </p:sp>
+      <p:sp>
+        <p:nvSpPr>
+          <p:cNvPr id="3" name="Content Placeholder 2"/>
+          <p:cNvSpPr>
+            <a:spLocks noGrp="1"/>
+          </p:cNvSpPr>
+          <p:nvPr>
+            <p:ph idx="1"/>
+          </p:nvPr>
+        </p:nvSpPr>
+        <p:spPr/>
+        <p:txBody>
+          <a:bodyPr/>
+          <a:lstStyle/>
+          <a:p>
+            <a:pPr lvl="1"/>
+            <a:r>
+              <a:rPr/>
+              <a:t>“A mapping of data to the visual aesthetics of geometries/marks”</a:t>
+            </a:r>
+          </a:p>
+          <a:p>
+            <a:pPr lvl="2"/>
+            <a:r>
+              <a:rPr/>
+              <a:t>Bars are a type of geometry/mark</a:t>
+            </a:r>
+          </a:p>
+          <a:p>
+            <a:pPr lvl="2"/>
+            <a:r>
+              <a:rPr/>
+              <a:t>Aesthetics for bars include location, size, color</a:t>
+            </a:r>
+          </a:p>
+          <a:p>
+            <a:pPr lvl="2"/>
+            <a:r>
+              <a:rPr/>
+              <a:t>Stack versus dodge</a:t>
+            </a:r>
+          </a:p>
+          <a:p>
+            <a:pPr lvl="1"/>
+            <a:r>
+              <a:rPr/>
+              <a:t>Basic tips</a:t>
+            </a:r>
+          </a:p>
+          <a:p>
+            <a:pPr lvl="2"/>
+            <a:r>
+              <a:rPr/>
+              <a:t>Place comparators close</a:t>
+            </a:r>
+          </a:p>
+          <a:p>
+            <a:pPr lvl="2"/>
+            <a:r>
+              <a:rPr/>
+              <a:t>Use axis ticks, light grid lines</a:t>
+            </a:r>
+          </a:p>
+        </p:txBody>
+      </p:sp>
+    </p:spTree>
+  </p:cSld>
+</p:sld>
+</file>
+
+<file path=ppt/slides/slide62.xml><?xml version="1.0" encoding="utf-8"?>
+<p:sld xmlns:a="http://schemas.openxmlformats.org/drawingml/2006/main" xmlns:r="http://schemas.openxmlformats.org/officeDocument/2006/relationships" xmlns:p="http://schemas.openxmlformats.org/presentationml/2006/main">
+  <p:cSld>
+    <p:spTree>
+      <p:nvGrpSpPr>
+        <p:cNvPr id="1" name=""/>
+        <p:cNvGrpSpPr/>
+        <p:nvPr/>
+      </p:nvGrpSpPr>
+      <p:grpSpPr>
+        <a:xfrm>
+          <a:off x="0" y="0"/>
+          <a:ext cx="0" cy="0"/>
+          <a:chOff x="0" y="0"/>
+          <a:chExt cx="0" cy="0"/>
+        </a:xfrm>
+      </p:grpSpPr>
+      <p:sp>
+        <p:nvSpPr>
+          <p:cNvPr id="2" name="Title 1"/>
+          <p:cNvSpPr>
+            <a:spLocks noGrp="1"/>
+          </p:cNvSpPr>
+          <p:nvPr>
+            <p:ph type="title"/>
+          </p:nvPr>
+        </p:nvSpPr>
+        <p:spPr/>
+        <p:txBody>
+          <a:bodyPr/>
+          <a:lstStyle/>
+          <a:p>
+            <a:pPr lvl="0" marL="0" indent="0">
+              <a:buNone/>
+            </a:pPr>
+            <a:r>
+              <a:rPr/>
+              <a:t>Group</a:t>
+            </a:r>
+            <a:r>
+              <a:rPr/>
+              <a:t> </a:t>
+            </a:r>
+            <a:r>
+              <a:rPr/>
+              <a:t>exercise</a:t>
+            </a:r>
+          </a:p>
+        </p:txBody>
+      </p:sp>
+      <p:sp>
+        <p:nvSpPr>
+          <p:cNvPr id="3" name="Content Placeholder 2"/>
+          <p:cNvSpPr>
+            <a:spLocks noGrp="1"/>
+          </p:cNvSpPr>
+          <p:nvPr>
+            <p:ph idx="1"/>
+          </p:nvPr>
+        </p:nvSpPr>
+        <p:spPr/>
+        <p:txBody>
+          <a:bodyPr/>
+          <a:lstStyle/>
+          <a:p>
+            <a:pPr lvl="1"/>
+            <a:r>
+              <a:rPr/>
+              <a:t>Review the following visualization in your group.</a:t>
+            </a:r>
+          </a:p>
+          <a:p>
+            <a:pPr lvl="2"/>
+            <a:r>
+              <a:rPr/>
+              <a:t>Summarize what aesthetics (location, size, shape, color) appear in the graph</a:t>
+            </a:r>
+          </a:p>
+          <a:p>
+            <a:pPr lvl="2"/>
+            <a:r>
+              <a:rPr/>
+              <a:t>What variables map to each aesthetic?</a:t>
+            </a:r>
+          </a:p>
+          <a:p>
+            <a:pPr lvl="2"/>
+            <a:r>
+              <a:rPr/>
+              <a:t>What is the story that this graph is telling you?</a:t>
+            </a:r>
+          </a:p>
+          <a:p>
+            <a:pPr lvl="2"/>
+            <a:r>
+              <a:rPr/>
+              <a:t>Was there anything confusing?</a:t>
+            </a:r>
+          </a:p>
+          <a:p>
+            <a:pPr lvl="2"/>
+            <a:r>
+              <a:rPr/>
+              <a:t>Was there anything you might change?</a:t>
+            </a:r>
+          </a:p>
+        </p:txBody>
+      </p:sp>
+    </p:spTree>
+  </p:cSld>
+</p:sld>
+</file>
+
+<file path=ppt/slides/slide7.xml><?xml version="1.0" encoding="utf-8"?>
 <p:sld xmlns:a="http://schemas.openxmlformats.org/drawingml/2006/main" xmlns:r="http://schemas.openxmlformats.org/officeDocument/2006/relationships" xmlns:p="http://schemas.openxmlformats.org/presentationml/2006/main">
   <p:cSld>
     <p:spTree>
@@ -13456,7 +21316,7 @@
 </p:sld>
 </file>
 
-<file path=ppt/slides/slide7.xml><?xml version="1.0" encoding="utf-8"?>
+<file path=ppt/slides/slide8.xml><?xml version="1.0" encoding="utf-8"?>
 <p:sld xmlns:a="http://schemas.openxmlformats.org/drawingml/2006/main" xmlns:r="http://schemas.openxmlformats.org/officeDocument/2006/relationships" xmlns:p="http://schemas.openxmlformats.org/presentationml/2006/main">
   <p:cSld>
     <p:spTree>
@@ -13560,7 +21420,7 @@
 </p:sld>
 </file>
 
-<file path=ppt/slides/slide8.xml><?xml version="1.0" encoding="utf-8"?>
+<file path=ppt/slides/slide9.xml><?xml version="1.0" encoding="utf-8"?>
 <p:sld xmlns:a="http://schemas.openxmlformats.org/drawingml/2006/main" xmlns:r="http://schemas.openxmlformats.org/officeDocument/2006/relationships" xmlns:p="http://schemas.openxmlformats.org/presentationml/2006/main">
   <p:cSld>
     <p:spTree>
@@ -13766,123 +21626,6 @@
           </a:p>
         </p:txBody>
       </p:sp>
-    </p:spTree>
-  </p:cSld>
-</p:sld>
-</file>
-
-<file path=ppt/slides/slide9.xml><?xml version="1.0" encoding="utf-8"?>
-<p:sld xmlns:a="http://schemas.openxmlformats.org/drawingml/2006/main" xmlns:r="http://schemas.openxmlformats.org/officeDocument/2006/relationships" xmlns:p="http://schemas.openxmlformats.org/presentationml/2006/main">
-  <p:cSld>
-    <p:spTree>
-      <p:nvGrpSpPr>
-        <p:cNvPr id="1" name=""/>
-        <p:cNvGrpSpPr/>
-        <p:nvPr/>
-      </p:nvGrpSpPr>
-      <p:grpSpPr>
-        <a:xfrm>
-          <a:off x="0" y="0"/>
-          <a:ext cx="0" cy="0"/>
-          <a:chOff x="0" y="0"/>
-          <a:chExt cx="0" cy="0"/>
-        </a:xfrm>
-      </p:grpSpPr>
-      <p:sp>
-        <p:nvSpPr>
-          <p:cNvPr id="2" name="Title 1"/>
-          <p:cNvSpPr>
-            <a:spLocks noGrp="1"/>
-          </p:cNvSpPr>
-          <p:nvPr>
-            <p:ph type="title"/>
-          </p:nvPr>
-        </p:nvSpPr>
-        <p:spPr/>
-        <p:txBody>
-          <a:bodyPr/>
-          <a:lstStyle/>
-          <a:p>
-            <a:pPr lvl="0" marL="0" indent="0">
-              <a:buNone/>
-            </a:pPr>
-            <a:r>
-              <a:rPr/>
-              <a:t>Which</a:t>
-            </a:r>
-            <a:r>
-              <a:rPr/>
-              <a:t> </a:t>
-            </a:r>
-            <a:r>
-              <a:rPr/>
-              <a:t>is</a:t>
-            </a:r>
-            <a:r>
-              <a:rPr/>
-              <a:t> </a:t>
-            </a:r>
-            <a:r>
-              <a:rPr/>
-              <a:t>better?</a:t>
-            </a:r>
-            <a:r>
-              <a:rPr/>
-              <a:t> </a:t>
-            </a:r>
-            <a:r>
-              <a:rPr/>
-              <a:t>A</a:t>
-            </a:r>
-            <a:r>
-              <a:rPr/>
-              <a:t> </a:t>
-            </a:r>
-            <a:r>
-              <a:rPr/>
-              <a:t>bar</a:t>
-            </a:r>
-            <a:r>
-              <a:rPr/>
-              <a:t> </a:t>
-            </a:r>
-            <a:r>
-              <a:rPr/>
-              <a:t>chart…</a:t>
-            </a:r>
-          </a:p>
-        </p:txBody>
-      </p:sp>
-      <p:pic>
-        <p:nvPicPr>
-          <p:cNvPr descr="data-visualization-02-bars_files/figure-pptx/bar-chart-1.png" id="0" name="Picture 1"/>
-          <p:cNvPicPr>
-            <a:picLocks noGrp="1" noChangeAspect="1"/>
-          </p:cNvPicPr>
-          <p:nvPr/>
-        </p:nvPicPr>
-        <p:blipFill>
-          <a:blip r:embed="rId2"/>
-          <a:stretch>
-            <a:fillRect/>
-          </a:stretch>
-        </p:blipFill>
-        <p:spPr bwMode="auto">
-          <a:xfrm>
-            <a:off x="1752600" y="1600200"/>
-            <a:ext cx="5651500" cy="4521200"/>
-          </a:xfrm>
-          <a:prstGeom prst="rect">
-            <a:avLst/>
-          </a:prstGeom>
-          <a:noFill/>
-          <a:ln w="9525">
-            <a:noFill/>
-            <a:headEnd/>
-            <a:tailEnd/>
-          </a:ln>
-        </p:spPr>
-      </p:pic>
     </p:spTree>
   </p:cSld>
 </p:sld>

--- a/src/data-visualization-02-bars.pptx
+++ b/src/data-visualization-02-bars.pptx
@@ -5,7 +5,7 @@
     <p:sldMasterId id="2147483648" r:id="rId1"/>
   </p:sldMasterIdLst>
   <p:notesMasterIdLst>
-    <p:NotesMasterId r:id="rId64"/>
+    <p:NotesMasterId r:id="rId75"/>
   </p:notesMasterIdLst>
   <p:sldIdLst>
     <p:sldId id="256" r:id="rId2"/>
@@ -70,6 +70,17 @@
     <p:sldId id="315" r:id="rId61"/>
     <p:sldId id="316" r:id="rId62"/>
     <p:sldId id="317" r:id="rId63"/>
+    <p:sldId id="318" r:id="rId64"/>
+    <p:sldId id="319" r:id="rId65"/>
+    <p:sldId id="320" r:id="rId66"/>
+    <p:sldId id="321" r:id="rId67"/>
+    <p:sldId id="322" r:id="rId68"/>
+    <p:sldId id="323" r:id="rId69"/>
+    <p:sldId id="324" r:id="rId70"/>
+    <p:sldId id="325" r:id="rId71"/>
+    <p:sldId id="326" r:id="rId72"/>
+    <p:sldId id="327" r:id="rId73"/>
+    <p:sldId id="328" r:id="rId74"/>
   </p:sldIdLst>
   <p:sldSz cx="9144000" cy="6858000" type="screen4x3"/>
   <p:notesSz cx="6858000" cy="9144000"/>
@@ -1252,7 +1263,7 @@
           <a:p>
             <a:fld id="{18BDFEC3-8487-43E8-A154-7C12CBC1FFF2}" type="slidenum">
               <a:rPr lang="en-US"/>
-              <a:t>7</a:t>
+              <a:t>9</a:t>
             </a:fld>
             <a:endParaRPr lang="en-US"/>
           </a:p>
@@ -1660,7 +1671,7 @@
           <a:p>
             <a:fld id="{18BDFEC3-8487-43E8-A154-7C12CBC1FFF2}" type="slidenum">
               <a:rPr lang="en-US"/>
-              <a:t>21</a:t>
+              <a:t>23</a:t>
             </a:fld>
             <a:endParaRPr lang="en-US"/>
           </a:p>
@@ -2398,7 +2409,7 @@
           <a:p>
             <a:fld id="{18BDFEC3-8487-43E8-A154-7C12CBC1FFF2}" type="slidenum">
               <a:rPr lang="en-US"/>
-              <a:t>22</a:t>
+              <a:t>24</a:t>
             </a:fld>
             <a:endParaRPr lang="en-US"/>
           </a:p>
@@ -3030,7 +3041,7 @@
           <a:p>
             <a:fld id="{18BDFEC3-8487-43E8-A154-7C12CBC1FFF2}" type="slidenum">
               <a:rPr lang="en-US"/>
-              <a:t>26</a:t>
+              <a:t>28</a:t>
             </a:fld>
             <a:endParaRPr lang="en-US"/>
           </a:p>
@@ -3376,7 +3387,7 @@
           <a:p>
             <a:fld id="{18BDFEC3-8487-43E8-A154-7C12CBC1FFF2}" type="slidenum">
               <a:rPr lang="en-US"/>
-              <a:t>27</a:t>
+              <a:t>29</a:t>
             </a:fld>
             <a:endParaRPr lang="en-US"/>
           </a:p>
@@ -4272,7 +4283,7 @@
           <a:p>
             <a:fld id="{18BDFEC3-8487-43E8-A154-7C12CBC1FFF2}" type="slidenum">
               <a:rPr lang="en-US"/>
-              <a:t>31</a:t>
+              <a:t>36</a:t>
             </a:fld>
             <a:endParaRPr lang="en-US"/>
           </a:p>
@@ -4791,6 +4802,268 @@
               <a:t>background.</a:t>
             </a:r>
           </a:p>
+          <a:p>
+            <a:pPr lvl="0" marL="0" indent="0">
+              <a:buNone/>
+            </a:pPr>
+          </a:p>
+          <a:p>
+            <a:pPr lvl="0" marL="0" indent="0">
+              <a:buNone/>
+            </a:pPr>
+            <a:r>
+              <a:rPr/>
+              <a:t>“</a:t>
+            </a:r>
+            <a:r>
+              <a:rPr/>
+              <a:t>I’m</a:t>
+            </a:r>
+            <a:r>
+              <a:rPr/>
+              <a:t> </a:t>
+            </a:r>
+            <a:r>
+              <a:rPr/>
+              <a:t>ten</a:t>
+            </a:r>
+            <a:r>
+              <a:rPr/>
+              <a:t> </a:t>
+            </a:r>
+            <a:r>
+              <a:rPr/>
+              <a:t>years</a:t>
+            </a:r>
+            <a:r>
+              <a:rPr/>
+              <a:t> </a:t>
+            </a:r>
+            <a:r>
+              <a:rPr/>
+              <a:t>old,</a:t>
+            </a:r>
+            <a:r>
+              <a:rPr/>
+              <a:t> </a:t>
+            </a:r>
+            <a:r>
+              <a:rPr/>
+              <a:t>my</a:t>
+            </a:r>
+            <a:r>
+              <a:rPr/>
+              <a:t> </a:t>
+            </a:r>
+            <a:r>
+              <a:rPr/>
+              <a:t>life’s</a:t>
+            </a:r>
+            <a:r>
+              <a:rPr/>
+              <a:t> </a:t>
+            </a:r>
+            <a:r>
+              <a:rPr/>
+              <a:t>half</a:t>
+            </a:r>
+            <a:r>
+              <a:rPr/>
+              <a:t> </a:t>
+            </a:r>
+            <a:r>
+              <a:rPr/>
+              <a:t>over.</a:t>
+            </a:r>
+            <a:r>
+              <a:rPr/>
+              <a:t> </a:t>
+            </a:r>
+            <a:r>
+              <a:rPr/>
+              <a:t>And</a:t>
+            </a:r>
+            <a:r>
+              <a:rPr/>
+              <a:t> </a:t>
+            </a:r>
+            <a:r>
+              <a:rPr/>
+              <a:t>I</a:t>
+            </a:r>
+            <a:r>
+              <a:rPr/>
+              <a:t> </a:t>
+            </a:r>
+            <a:r>
+              <a:rPr/>
+              <a:t>don’t</a:t>
+            </a:r>
+            <a:r>
+              <a:rPr/>
+              <a:t> </a:t>
+            </a:r>
+            <a:r>
+              <a:rPr/>
+              <a:t>even</a:t>
+            </a:r>
+            <a:r>
+              <a:rPr/>
+              <a:t> </a:t>
+            </a:r>
+            <a:r>
+              <a:rPr/>
+              <a:t>know</a:t>
+            </a:r>
+            <a:r>
+              <a:rPr/>
+              <a:t> </a:t>
+            </a:r>
+            <a:r>
+              <a:rPr/>
+              <a:t>if</a:t>
+            </a:r>
+            <a:r>
+              <a:rPr/>
+              <a:t> </a:t>
+            </a:r>
+            <a:r>
+              <a:rPr/>
+              <a:t>I’m</a:t>
+            </a:r>
+            <a:r>
+              <a:rPr/>
+              <a:t> </a:t>
+            </a:r>
+            <a:r>
+              <a:rPr/>
+              <a:t>black</a:t>
+            </a:r>
+            <a:r>
+              <a:rPr/>
+              <a:t> </a:t>
+            </a:r>
+            <a:r>
+              <a:rPr/>
+              <a:t>with</a:t>
+            </a:r>
+            <a:r>
+              <a:rPr/>
+              <a:t> </a:t>
+            </a:r>
+            <a:r>
+              <a:rPr/>
+              <a:t>white</a:t>
+            </a:r>
+            <a:r>
+              <a:rPr/>
+              <a:t> </a:t>
+            </a:r>
+            <a:r>
+              <a:rPr/>
+              <a:t>stripes</a:t>
+            </a:r>
+            <a:r>
+              <a:rPr/>
+              <a:t> </a:t>
+            </a:r>
+            <a:r>
+              <a:rPr/>
+              <a:t>or</a:t>
+            </a:r>
+            <a:r>
+              <a:rPr/>
+              <a:t> </a:t>
+            </a:r>
+            <a:r>
+              <a:rPr/>
+              <a:t>white</a:t>
+            </a:r>
+            <a:r>
+              <a:rPr/>
+              <a:t> </a:t>
+            </a:r>
+            <a:r>
+              <a:rPr/>
+              <a:t>with</a:t>
+            </a:r>
+            <a:r>
+              <a:rPr/>
+              <a:t> </a:t>
+            </a:r>
+            <a:r>
+              <a:rPr/>
+              <a:t>black</a:t>
+            </a:r>
+            <a:r>
+              <a:rPr/>
+              <a:t> </a:t>
+            </a:r>
+            <a:r>
+              <a:rPr/>
+              <a:t>stripes.</a:t>
+            </a:r>
+            <a:r>
+              <a:rPr/>
+              <a:t>”</a:t>
+            </a:r>
+            <a:r>
+              <a:rPr/>
+              <a:t> </a:t>
+            </a:r>
+            <a:r>
+              <a:rPr/>
+              <a:t>Marty</a:t>
+            </a:r>
+            <a:r>
+              <a:rPr/>
+              <a:t> </a:t>
+            </a:r>
+            <a:r>
+              <a:rPr/>
+              <a:t>the</a:t>
+            </a:r>
+            <a:r>
+              <a:rPr/>
+              <a:t> </a:t>
+            </a:r>
+            <a:r>
+              <a:rPr/>
+              <a:t>Zebra</a:t>
+            </a:r>
+            <a:r>
+              <a:rPr/>
+              <a:t> </a:t>
+            </a:r>
+            <a:r>
+              <a:rPr/>
+              <a:t>in</a:t>
+            </a:r>
+            <a:r>
+              <a:rPr/>
+              <a:t> </a:t>
+            </a:r>
+            <a:r>
+              <a:rPr/>
+              <a:t>the</a:t>
+            </a:r>
+            <a:r>
+              <a:rPr/>
+              <a:t> </a:t>
+            </a:r>
+            <a:r>
+              <a:rPr/>
+              <a:t>movie</a:t>
+            </a:r>
+            <a:r>
+              <a:rPr/>
+              <a:t> </a:t>
+            </a:r>
+            <a:r>
+              <a:rPr/>
+              <a:t>Madagascar.</a:t>
+            </a:r>
+          </a:p>
         </p:txBody>
       </p:sp>
       <p:sp>
@@ -4810,7 +5083,7 @@
           <a:p>
             <a:fld id="{18BDFEC3-8487-43E8-A154-7C12CBC1FFF2}" type="slidenum">
               <a:rPr lang="en-US"/>
-              <a:t>33</a:t>
+              <a:t>38</a:t>
             </a:fld>
             <a:endParaRPr lang="en-US"/>
           </a:p>
@@ -5618,7 +5891,7 @@
           <a:p>
             <a:fld id="{18BDFEC3-8487-43E8-A154-7C12CBC1FFF2}" type="slidenum">
               <a:rPr lang="en-US"/>
-              <a:t>38</a:t>
+              <a:t>45</a:t>
             </a:fld>
             <a:endParaRPr lang="en-US"/>
           </a:p>
@@ -5980,7 +6253,7 @@
           <a:p>
             <a:fld id="{18BDFEC3-8487-43E8-A154-7C12CBC1FFF2}" type="slidenum">
               <a:rPr lang="en-US"/>
-              <a:t>39</a:t>
+              <a:t>49</a:t>
             </a:fld>
             <a:endParaRPr lang="en-US"/>
           </a:p>
@@ -6660,7 +6933,7 @@
           <a:p>
             <a:fld id="{18BDFEC3-8487-43E8-A154-7C12CBC1FFF2}" type="slidenum">
               <a:rPr lang="en-US"/>
-              <a:t>45</a:t>
+              <a:t>55</a:t>
             </a:fld>
             <a:endParaRPr lang="en-US"/>
           </a:p>
@@ -6830,7 +7103,7 @@
           <a:p>
             <a:fld id="{18BDFEC3-8487-43E8-A154-7C12CBC1FFF2}" type="slidenum">
               <a:rPr lang="en-US"/>
-              <a:t>53</a:t>
+              <a:t>64</a:t>
             </a:fld>
             <a:endParaRPr lang="en-US"/>
           </a:p>
@@ -7104,7 +7377,7 @@
           <a:p>
             <a:fld id="{18BDFEC3-8487-43E8-A154-7C12CBC1FFF2}" type="slidenum">
               <a:rPr lang="en-US"/>
-              <a:t>9</a:t>
+              <a:t>11</a:t>
             </a:fld>
             <a:endParaRPr lang="en-US"/>
           </a:p>
@@ -8072,7 +8345,7 @@
           <a:p>
             <a:fld id="{18BDFEC3-8487-43E8-A154-7C12CBC1FFF2}" type="slidenum">
               <a:rPr lang="en-US"/>
-              <a:t>12</a:t>
+              <a:t>14</a:t>
             </a:fld>
             <a:endParaRPr lang="en-US"/>
           </a:p>
@@ -8434,7 +8707,7 @@
           <a:p>
             <a:fld id="{18BDFEC3-8487-43E8-A154-7C12CBC1FFF2}" type="slidenum">
               <a:rPr lang="en-US"/>
-              <a:t>14</a:t>
+              <a:t>16</a:t>
             </a:fld>
             <a:endParaRPr lang="en-US"/>
           </a:p>
@@ -8812,7 +9085,7 @@
           <a:p>
             <a:fld id="{18BDFEC3-8487-43E8-A154-7C12CBC1FFF2}" type="slidenum">
               <a:rPr lang="en-US"/>
-              <a:t>15</a:t>
+              <a:t>17</a:t>
             </a:fld>
             <a:endParaRPr lang="en-US"/>
           </a:p>
@@ -10376,7 +10649,7 @@
           <a:p>
             <a:fld id="{18BDFEC3-8487-43E8-A154-7C12CBC1FFF2}" type="slidenum">
               <a:rPr lang="en-US"/>
-              <a:t>17</a:t>
+              <a:t>19</a:t>
             </a:fld>
             <a:endParaRPr lang="en-US"/>
           </a:p>
@@ -10802,7 +11075,7 @@
           <a:p>
             <a:fld id="{18BDFEC3-8487-43E8-A154-7C12CBC1FFF2}" type="slidenum">
               <a:rPr lang="en-US"/>
-              <a:t>18</a:t>
+              <a:t>20</a:t>
             </a:fld>
             <a:endParaRPr lang="en-US"/>
           </a:p>
@@ -11148,7 +11421,7 @@
           <a:p>
             <a:fld id="{18BDFEC3-8487-43E8-A154-7C12CBC1FFF2}" type="slidenum">
               <a:rPr lang="en-US"/>
-              <a:t>19</a:t>
+              <a:t>21</a:t>
             </a:fld>
             <a:endParaRPr lang="en-US"/>
           </a:p>
@@ -11382,7 +11655,7 @@
           <a:p>
             <a:fld id="{18BDFEC3-8487-43E8-A154-7C12CBC1FFF2}" type="slidenum">
               <a:rPr lang="en-US"/>
-              <a:t>20</a:t>
+              <a:t>22</a:t>
             </a:fld>
             <a:endParaRPr lang="en-US"/>
           </a:p>
@@ -14558,6 +14831,321 @@
             </a:pPr>
             <a:r>
               <a:rPr/>
+              <a:t>Group</a:t>
+            </a:r>
+            <a:r>
+              <a:rPr/>
+              <a:t> </a:t>
+            </a:r>
+            <a:r>
+              <a:rPr/>
+              <a:t>exercise</a:t>
+            </a:r>
+            <a:r>
+              <a:rPr/>
+              <a:t> </a:t>
+            </a:r>
+            <a:r>
+              <a:rPr/>
+              <a:t>(2</a:t>
+            </a:r>
+            <a:r>
+              <a:rPr/>
+              <a:t> </a:t>
+            </a:r>
+            <a:r>
+              <a:rPr/>
+              <a:t>of</a:t>
+            </a:r>
+            <a:r>
+              <a:rPr/>
+              <a:t> </a:t>
+            </a:r>
+            <a:r>
+              <a:rPr/>
+              <a:t>2)</a:t>
+            </a:r>
+          </a:p>
+        </p:txBody>
+      </p:sp>
+      <p:sp>
+        <p:nvSpPr>
+          <p:cNvPr id="3" name="Content Placeholder 2"/>
+          <p:cNvSpPr>
+            <a:spLocks noGrp="1"/>
+          </p:cNvSpPr>
+          <p:nvPr>
+            <p:ph idx="1"/>
+          </p:nvPr>
+        </p:nvSpPr>
+        <p:spPr/>
+        <p:txBody>
+          <a:bodyPr/>
+          <a:lstStyle/>
+          <a:p>
+            <a:pPr lvl="0" marL="0" indent="0">
+              <a:buNone/>
+            </a:pPr>
+            <a:r>
+              <a:rPr/>
+              <a:t>((Image is not yet available.))</a:t>
+            </a:r>
+          </a:p>
+        </p:txBody>
+      </p:sp>
+    </p:spTree>
+  </p:cSld>
+</p:sld>
+</file>
+
+<file path=ppt/slides/slide11.xml><?xml version="1.0" encoding="utf-8"?>
+<p:sld xmlns:a="http://schemas.openxmlformats.org/drawingml/2006/main" xmlns:r="http://schemas.openxmlformats.org/officeDocument/2006/relationships" xmlns:p="http://schemas.openxmlformats.org/presentationml/2006/main">
+  <p:cSld>
+    <p:spTree>
+      <p:nvGrpSpPr>
+        <p:cNvPr id="1" name=""/>
+        <p:cNvGrpSpPr/>
+        <p:nvPr/>
+      </p:nvGrpSpPr>
+      <p:grpSpPr>
+        <a:xfrm>
+          <a:off x="0" y="0"/>
+          <a:ext cx="0" cy="0"/>
+          <a:chOff x="0" y="0"/>
+          <a:chExt cx="0" cy="0"/>
+        </a:xfrm>
+      </p:grpSpPr>
+      <p:sp>
+        <p:nvSpPr>
+          <p:cNvPr id="2" name="Title 1"/>
+          <p:cNvSpPr>
+            <a:spLocks noGrp="1"/>
+          </p:cNvSpPr>
+          <p:nvPr>
+            <p:ph type="title"/>
+          </p:nvPr>
+        </p:nvSpPr>
+        <p:spPr/>
+        <p:txBody>
+          <a:bodyPr/>
+          <a:lstStyle/>
+          <a:p>
+            <a:pPr lvl="0" marL="0" indent="0">
+              <a:buNone/>
+            </a:pPr>
+            <a:r>
+              <a:rPr/>
+              <a:t>A</a:t>
+            </a:r>
+            <a:r>
+              <a:rPr/>
+              <a:t> </a:t>
+            </a:r>
+            <a:r>
+              <a:rPr/>
+              <a:t>framework</a:t>
+            </a:r>
+            <a:r>
+              <a:rPr/>
+              <a:t> </a:t>
+            </a:r>
+            <a:r>
+              <a:rPr/>
+              <a:t>for</a:t>
+            </a:r>
+            <a:r>
+              <a:rPr/>
+              <a:t> </a:t>
+            </a:r>
+            <a:r>
+              <a:rPr/>
+              <a:t>graph</a:t>
+            </a:r>
+            <a:r>
+              <a:rPr/>
+              <a:t> </a:t>
+            </a:r>
+            <a:r>
+              <a:rPr/>
+              <a:t>perception</a:t>
+            </a:r>
+          </a:p>
+        </p:txBody>
+      </p:sp>
+      <p:pic>
+        <p:nvPicPr>
+          <p:cNvPr descr="../images/02/graph-perception.png" id="0" name="Picture 1"/>
+          <p:cNvPicPr>
+            <a:picLocks noGrp="1" noChangeAspect="1"/>
+          </p:cNvPicPr>
+          <p:nvPr/>
+        </p:nvPicPr>
+        <p:blipFill>
+          <a:blip r:embed="rId3"/>
+          <a:stretch>
+            <a:fillRect/>
+          </a:stretch>
+        </p:blipFill>
+        <p:spPr bwMode="auto">
+          <a:xfrm>
+            <a:off x="1066800" y="1600200"/>
+            <a:ext cx="7010400" cy="4013200"/>
+          </a:xfrm>
+          <a:prstGeom prst="rect">
+            <a:avLst/>
+          </a:prstGeom>
+          <a:noFill/>
+          <a:ln w="9525">
+            <a:noFill/>
+            <a:headEnd/>
+            <a:tailEnd/>
+          </a:ln>
+        </p:spPr>
+      </p:pic>
+      <p:sp>
+        <p:nvSpPr>
+          <p:cNvPr id="1" name="TextBox 3"/>
+          <p:cNvSpPr txBox="1"/>
+          <p:nvPr/>
+        </p:nvSpPr>
+        <p:spPr>
+          <a:xfrm>
+            <a:off x="457200" y="5613400"/>
+            <a:ext cx="8229600" cy="508000"/>
+          </a:xfrm>
+          <a:prstGeom prst="rect">
+            <a:avLst/>
+          </a:prstGeom>
+          <a:noFill/>
+        </p:spPr>
+        <p:txBody>
+          <a:bodyPr/>
+          <a:lstStyle/>
+          <a:p>
+            <a:pPr lvl="0" marL="0" indent="0" algn="ctr">
+              <a:buNone/>
+            </a:pPr>
+            <a:r>
+              <a:rPr/>
+              <a:t>Part</a:t>
+            </a:r>
+            <a:r>
+              <a:rPr/>
+              <a:t> </a:t>
+            </a:r>
+            <a:r>
+              <a:rPr/>
+              <a:t>of</a:t>
+            </a:r>
+            <a:r>
+              <a:rPr/>
+              <a:t> </a:t>
+            </a:r>
+            <a:r>
+              <a:rPr/>
+              <a:t>first</a:t>
+            </a:r>
+            <a:r>
+              <a:rPr/>
+              <a:t> </a:t>
+            </a:r>
+            <a:r>
+              <a:rPr/>
+              <a:t>page</a:t>
+            </a:r>
+            <a:r>
+              <a:rPr/>
+              <a:t> </a:t>
+            </a:r>
+            <a:r>
+              <a:rPr/>
+              <a:t>from</a:t>
+            </a:r>
+            <a:r>
+              <a:rPr/>
+              <a:t> </a:t>
+            </a:r>
+            <a:r>
+              <a:rPr/>
+              <a:t>Simkin</a:t>
+            </a:r>
+            <a:r>
+              <a:rPr/>
+              <a:t> </a:t>
+            </a:r>
+            <a:r>
+              <a:rPr/>
+              <a:t>and</a:t>
+            </a:r>
+            <a:r>
+              <a:rPr/>
+              <a:t> </a:t>
+            </a:r>
+            <a:r>
+              <a:rPr/>
+              <a:t>Hastie</a:t>
+            </a:r>
+            <a:r>
+              <a:rPr/>
+              <a:t> </a:t>
+            </a:r>
+            <a:r>
+              <a:rPr/>
+              <a:t>journal</a:t>
+            </a:r>
+            <a:r>
+              <a:rPr/>
+              <a:t> </a:t>
+            </a:r>
+            <a:r>
+              <a:rPr/>
+              <a:t>article</a:t>
+            </a:r>
+          </a:p>
+        </p:txBody>
+      </p:sp>
+    </p:spTree>
+  </p:cSld>
+</p:sld>
+</file>
+
+<file path=ppt/slides/slide12.xml><?xml version="1.0" encoding="utf-8"?>
+<p:sld xmlns:a="http://schemas.openxmlformats.org/drawingml/2006/main" xmlns:r="http://schemas.openxmlformats.org/officeDocument/2006/relationships" xmlns:p="http://schemas.openxmlformats.org/presentationml/2006/main">
+  <p:cSld>
+    <p:spTree>
+      <p:nvGrpSpPr>
+        <p:cNvPr id="1" name=""/>
+        <p:cNvGrpSpPr/>
+        <p:nvPr/>
+      </p:nvGrpSpPr>
+      <p:grpSpPr>
+        <a:xfrm>
+          <a:off x="0" y="0"/>
+          <a:ext cx="0" cy="0"/>
+          <a:chOff x="0" y="0"/>
+          <a:chExt cx="0" cy="0"/>
+        </a:xfrm>
+      </p:grpSpPr>
+      <p:sp>
+        <p:nvSpPr>
+          <p:cNvPr id="2" name="Title 1"/>
+          <p:cNvSpPr>
+            <a:spLocks noGrp="1"/>
+          </p:cNvSpPr>
+          <p:nvPr>
+            <p:ph type="title"/>
+          </p:nvPr>
+        </p:nvSpPr>
+        <p:spPr/>
+        <p:txBody>
+          <a:bodyPr/>
+          <a:lstStyle/>
+          <a:p>
+            <a:pPr lvl="0" marL="0" indent="0">
+              <a:buNone/>
+            </a:pPr>
+            <a:r>
+              <a:rPr/>
               <a:t>Which</a:t>
             </a:r>
             <a:r>
@@ -14638,7 +15226,7 @@
 </p:sld>
 </file>
 
-<file path=ppt/slides/slide11.xml><?xml version="1.0" encoding="utf-8"?>
+<file path=ppt/slides/slide13.xml><?xml version="1.0" encoding="utf-8"?>
 <p:sld xmlns:a="http://schemas.openxmlformats.org/drawingml/2006/main" xmlns:r="http://schemas.openxmlformats.org/officeDocument/2006/relationships" xmlns:p="http://schemas.openxmlformats.org/presentationml/2006/main">
   <p:cSld>
     <p:spTree>
@@ -14747,7 +15335,7 @@
 </p:sld>
 </file>
 
-<file path=ppt/slides/slide12.xml><?xml version="1.0" encoding="utf-8"?>
+<file path=ppt/slides/slide14.xml><?xml version="1.0" encoding="utf-8"?>
 <p:sld xmlns:a="http://schemas.openxmlformats.org/drawingml/2006/main" xmlns:r="http://schemas.openxmlformats.org/officeDocument/2006/relationships" xmlns:p="http://schemas.openxmlformats.org/presentationml/2006/main">
   <p:cSld>
     <p:spTree>
@@ -14847,7 +15435,7 @@
 </p:sld>
 </file>
 
-<file path=ppt/slides/slide13.xml><?xml version="1.0" encoding="utf-8"?>
+<file path=ppt/slides/slide15.xml><?xml version="1.0" encoding="utf-8"?>
 <p:sld xmlns:a="http://schemas.openxmlformats.org/drawingml/2006/main" xmlns:r="http://schemas.openxmlformats.org/officeDocument/2006/relationships" xmlns:p="http://schemas.openxmlformats.org/presentationml/2006/main">
   <p:cSld>
     <p:spTree>
@@ -14977,7 +15565,7 @@
 </p:sld>
 </file>
 
-<file path=ppt/slides/slide14.xml><?xml version="1.0" encoding="utf-8"?>
+<file path=ppt/slides/slide16.xml><?xml version="1.0" encoding="utf-8"?>
 <p:sld xmlns:a="http://schemas.openxmlformats.org/drawingml/2006/main" xmlns:r="http://schemas.openxmlformats.org/officeDocument/2006/relationships" xmlns:p="http://schemas.openxmlformats.org/presentationml/2006/main">
   <p:cSld>
     <p:spTree>
@@ -15180,7 +15768,7 @@
 </p:sld>
 </file>
 
-<file path=ppt/slides/slide15.xml><?xml version="1.0" encoding="utf-8"?>
+<file path=ppt/slides/slide17.xml><?xml version="1.0" encoding="utf-8"?>
 <p:sld xmlns:a="http://schemas.openxmlformats.org/drawingml/2006/main" xmlns:r="http://schemas.openxmlformats.org/officeDocument/2006/relationships" xmlns:p="http://schemas.openxmlformats.org/presentationml/2006/main">
   <p:cSld>
     <p:spTree>
@@ -15383,7 +15971,7 @@
 </p:sld>
 </file>
 
-<file path=ppt/slides/slide16.xml><?xml version="1.0" encoding="utf-8"?>
+<file path=ppt/slides/slide18.xml><?xml version="1.0" encoding="utf-8"?>
 <p:sld xmlns:a="http://schemas.openxmlformats.org/drawingml/2006/main" xmlns:r="http://schemas.openxmlformats.org/officeDocument/2006/relationships" xmlns:p="http://schemas.openxmlformats.org/presentationml/2006/main">
   <p:cSld>
     <p:spTree>
@@ -15520,7 +16108,7 @@
 </p:sld>
 </file>
 
-<file path=ppt/slides/slide17.xml><?xml version="1.0" encoding="utf-8"?>
+<file path=ppt/slides/slide19.xml><?xml version="1.0" encoding="utf-8"?>
 <p:sld xmlns:a="http://schemas.openxmlformats.org/drawingml/2006/main" xmlns:r="http://schemas.openxmlformats.org/officeDocument/2006/relationships" xmlns:p="http://schemas.openxmlformats.org/presentationml/2006/main">
   <p:cSld>
     <p:spTree>
@@ -15675,7 +16263,115 @@
 </p:sld>
 </file>
 
-<file path=ppt/slides/slide18.xml><?xml version="1.0" encoding="utf-8"?>
+<file path=ppt/slides/slide2.xml><?xml version="1.0" encoding="utf-8"?>
+<p:sld xmlns:a="http://schemas.openxmlformats.org/drawingml/2006/main" xmlns:r="http://schemas.openxmlformats.org/officeDocument/2006/relationships" xmlns:p="http://schemas.openxmlformats.org/presentationml/2006/main">
+  <p:cSld>
+    <p:spTree>
+      <p:nvGrpSpPr>
+        <p:cNvPr id="1" name=""/>
+        <p:cNvGrpSpPr/>
+        <p:nvPr/>
+      </p:nvGrpSpPr>
+      <p:grpSpPr>
+        <a:xfrm>
+          <a:off x="0" y="0"/>
+          <a:ext cx="0" cy="0"/>
+          <a:chOff x="0" y="0"/>
+          <a:chExt cx="0" cy="0"/>
+        </a:xfrm>
+      </p:grpSpPr>
+      <p:sp>
+        <p:nvSpPr>
+          <p:cNvPr id="2" name="Title 1"/>
+          <p:cNvSpPr>
+            <a:spLocks noGrp="1"/>
+          </p:cNvSpPr>
+          <p:nvPr>
+            <p:ph type="title"/>
+          </p:nvPr>
+        </p:nvSpPr>
+        <p:spPr/>
+        <p:txBody>
+          <a:bodyPr/>
+          <a:lstStyle/>
+          <a:p>
+            <a:pPr lvl="0" marL="0" indent="0">
+              <a:buNone/>
+            </a:pPr>
+            <a:r>
+              <a:rPr/>
+              <a:t>Notes</a:t>
+            </a:r>
+            <a:r>
+              <a:rPr/>
+              <a:t> </a:t>
+            </a:r>
+            <a:r>
+              <a:rPr/>
+              <a:t>about</a:t>
+            </a:r>
+            <a:r>
+              <a:rPr/>
+              <a:t> </a:t>
+            </a:r>
+            <a:r>
+              <a:rPr/>
+              <a:t>this</a:t>
+            </a:r>
+            <a:r>
+              <a:rPr/>
+              <a:t> </a:t>
+            </a:r>
+            <a:r>
+              <a:rPr/>
+              <a:t>talk</a:t>
+            </a:r>
+          </a:p>
+        </p:txBody>
+      </p:sp>
+      <p:sp>
+        <p:nvSpPr>
+          <p:cNvPr id="3" name="Content Placeholder 2"/>
+          <p:cNvSpPr>
+            <a:spLocks noGrp="1"/>
+          </p:cNvSpPr>
+          <p:nvPr>
+            <p:ph idx="1"/>
+          </p:nvPr>
+        </p:nvSpPr>
+        <p:spPr/>
+        <p:txBody>
+          <a:bodyPr/>
+          <a:lstStyle/>
+          <a:p>
+            <a:pPr lvl="1"/>
+            <a:r>
+              <a:rPr/>
+              <a:t>This slide should not to be included in the final presentation</a:t>
+            </a:r>
+          </a:p>
+          <a:p>
+            <a:pPr lvl="1"/>
+            <a:r>
+              <a:rPr/>
+              <a:t>01-points MUST come before</a:t>
+            </a:r>
+          </a:p>
+          <a:p>
+            <a:pPr lvl="1"/>
+            <a:r>
+              <a:rPr/>
+              <a:t>03-lines could come before or after</a:t>
+            </a:r>
+          </a:p>
+        </p:txBody>
+      </p:sp>
+    </p:spTree>
+  </p:cSld>
+</p:sld>
+</file>
+
+<file path=ppt/slides/slide20.xml><?xml version="1.0" encoding="utf-8"?>
 <p:sld xmlns:a="http://schemas.openxmlformats.org/drawingml/2006/main" xmlns:r="http://schemas.openxmlformats.org/officeDocument/2006/relationships" xmlns:p="http://schemas.openxmlformats.org/presentationml/2006/main">
   <p:cSld>
     <p:spTree>
@@ -15878,7 +16574,7 @@
 </p:sld>
 </file>
 
-<file path=ppt/slides/slide19.xml><?xml version="1.0" encoding="utf-8"?>
+<file path=ppt/slides/slide21.xml><?xml version="1.0" encoding="utf-8"?>
 <p:sld xmlns:a="http://schemas.openxmlformats.org/drawingml/2006/main" xmlns:r="http://schemas.openxmlformats.org/officeDocument/2006/relationships" xmlns:p="http://schemas.openxmlformats.org/presentationml/2006/main">
   <p:cSld>
     <p:spTree>
@@ -16029,115 +16725,7 @@
 </p:sld>
 </file>
 
-<file path=ppt/slides/slide2.xml><?xml version="1.0" encoding="utf-8"?>
-<p:sld xmlns:a="http://schemas.openxmlformats.org/drawingml/2006/main" xmlns:r="http://schemas.openxmlformats.org/officeDocument/2006/relationships" xmlns:p="http://schemas.openxmlformats.org/presentationml/2006/main">
-  <p:cSld>
-    <p:spTree>
-      <p:nvGrpSpPr>
-        <p:cNvPr id="1" name=""/>
-        <p:cNvGrpSpPr/>
-        <p:nvPr/>
-      </p:nvGrpSpPr>
-      <p:grpSpPr>
-        <a:xfrm>
-          <a:off x="0" y="0"/>
-          <a:ext cx="0" cy="0"/>
-          <a:chOff x="0" y="0"/>
-          <a:chExt cx="0" cy="0"/>
-        </a:xfrm>
-      </p:grpSpPr>
-      <p:sp>
-        <p:nvSpPr>
-          <p:cNvPr id="2" name="Title 1"/>
-          <p:cNvSpPr>
-            <a:spLocks noGrp="1"/>
-          </p:cNvSpPr>
-          <p:nvPr>
-            <p:ph type="title"/>
-          </p:nvPr>
-        </p:nvSpPr>
-        <p:spPr/>
-        <p:txBody>
-          <a:bodyPr/>
-          <a:lstStyle/>
-          <a:p>
-            <a:pPr lvl="0" marL="0" indent="0">
-              <a:buNone/>
-            </a:pPr>
-            <a:r>
-              <a:rPr/>
-              <a:t>Notes</a:t>
-            </a:r>
-            <a:r>
-              <a:rPr/>
-              <a:t> </a:t>
-            </a:r>
-            <a:r>
-              <a:rPr/>
-              <a:t>about</a:t>
-            </a:r>
-            <a:r>
-              <a:rPr/>
-              <a:t> </a:t>
-            </a:r>
-            <a:r>
-              <a:rPr/>
-              <a:t>this</a:t>
-            </a:r>
-            <a:r>
-              <a:rPr/>
-              <a:t> </a:t>
-            </a:r>
-            <a:r>
-              <a:rPr/>
-              <a:t>talk</a:t>
-            </a:r>
-          </a:p>
-        </p:txBody>
-      </p:sp>
-      <p:sp>
-        <p:nvSpPr>
-          <p:cNvPr id="3" name="Content Placeholder 2"/>
-          <p:cNvSpPr>
-            <a:spLocks noGrp="1"/>
-          </p:cNvSpPr>
-          <p:nvPr>
-            <p:ph idx="1"/>
-          </p:nvPr>
-        </p:nvSpPr>
-        <p:spPr/>
-        <p:txBody>
-          <a:bodyPr/>
-          <a:lstStyle/>
-          <a:p>
-            <a:pPr lvl="1"/>
-            <a:r>
-              <a:rPr/>
-              <a:t>This slide should not to be included in the final presentation</a:t>
-            </a:r>
-          </a:p>
-          <a:p>
-            <a:pPr lvl="1"/>
-            <a:r>
-              <a:rPr/>
-              <a:t>01-points MUST come before</a:t>
-            </a:r>
-          </a:p>
-          <a:p>
-            <a:pPr lvl="1"/>
-            <a:r>
-              <a:rPr/>
-              <a:t>03-lines could come before or after</a:t>
-            </a:r>
-          </a:p>
-        </p:txBody>
-      </p:sp>
-    </p:spTree>
-  </p:cSld>
-</p:sld>
-</file>
-
-<file path=ppt/slides/slide20.xml><?xml version="1.0" encoding="utf-8"?>
+<file path=ppt/slides/slide22.xml><?xml version="1.0" encoding="utf-8"?>
 <p:sld xmlns:a="http://schemas.openxmlformats.org/drawingml/2006/main" xmlns:r="http://schemas.openxmlformats.org/officeDocument/2006/relationships" xmlns:p="http://schemas.openxmlformats.org/presentationml/2006/main">
   <p:cSld>
     <p:spTree>
@@ -16340,7 +16928,7 @@
 </p:sld>
 </file>
 
-<file path=ppt/slides/slide21.xml><?xml version="1.0" encoding="utf-8"?>
+<file path=ppt/slides/slide23.xml><?xml version="1.0" encoding="utf-8"?>
 <p:sld xmlns:a="http://schemas.openxmlformats.org/drawingml/2006/main" xmlns:r="http://schemas.openxmlformats.org/officeDocument/2006/relationships" xmlns:p="http://schemas.openxmlformats.org/presentationml/2006/main">
   <p:cSld>
     <p:spTree>
@@ -16543,7 +17131,7 @@
 </p:sld>
 </file>
 
-<file path=ppt/slides/slide22.xml><?xml version="1.0" encoding="utf-8"?>
+<file path=ppt/slides/slide24.xml><?xml version="1.0" encoding="utf-8"?>
 <p:sld xmlns:a="http://schemas.openxmlformats.org/drawingml/2006/main" xmlns:r="http://schemas.openxmlformats.org/officeDocument/2006/relationships" xmlns:p="http://schemas.openxmlformats.org/presentationml/2006/main">
   <p:cSld>
     <p:spTree>
@@ -16754,100 +17342,6 @@
 </p:sld>
 </file>
 
-<file path=ppt/slides/slide23.xml><?xml version="1.0" encoding="utf-8"?>
-<p:sld xmlns:a="http://schemas.openxmlformats.org/drawingml/2006/main" xmlns:r="http://schemas.openxmlformats.org/officeDocument/2006/relationships" xmlns:p="http://schemas.openxmlformats.org/presentationml/2006/main">
-  <p:cSld>
-    <p:spTree>
-      <p:nvGrpSpPr>
-        <p:cNvPr id="1" name=""/>
-        <p:cNvGrpSpPr/>
-        <p:nvPr/>
-      </p:nvGrpSpPr>
-      <p:grpSpPr>
-        <a:xfrm>
-          <a:off x="0" y="0"/>
-          <a:ext cx="0" cy="0"/>
-          <a:chOff x="0" y="0"/>
-          <a:chExt cx="0" cy="0"/>
-        </a:xfrm>
-      </p:grpSpPr>
-      <p:sp>
-        <p:nvSpPr>
-          <p:cNvPr id="2" name="Title 1"/>
-          <p:cNvSpPr>
-            <a:spLocks noGrp="1"/>
-          </p:cNvSpPr>
-          <p:nvPr>
-            <p:ph type="title"/>
-          </p:nvPr>
-        </p:nvSpPr>
-        <p:spPr/>
-        <p:txBody>
-          <a:bodyPr/>
-          <a:lstStyle/>
-          <a:p>
-            <a:pPr lvl="0" marL="0" indent="0">
-              <a:buNone/>
-            </a:pPr>
-            <a:r>
-              <a:rPr/>
-              <a:t>Area</a:t>
-            </a:r>
-          </a:p>
-        </p:txBody>
-      </p:sp>
-    </p:spTree>
-  </p:cSld>
-</p:sld>
-</file>
-
-<file path=ppt/slides/slide24.xml><?xml version="1.0" encoding="utf-8"?>
-<p:sld xmlns:a="http://schemas.openxmlformats.org/drawingml/2006/main" xmlns:r="http://schemas.openxmlformats.org/officeDocument/2006/relationships" xmlns:p="http://schemas.openxmlformats.org/presentationml/2006/main">
-  <p:cSld>
-    <p:spTree>
-      <p:nvGrpSpPr>
-        <p:cNvPr id="1" name=""/>
-        <p:cNvGrpSpPr/>
-        <p:nvPr/>
-      </p:nvGrpSpPr>
-      <p:grpSpPr>
-        <a:xfrm>
-          <a:off x="0" y="0"/>
-          <a:ext cx="0" cy="0"/>
-          <a:chOff x="0" y="0"/>
-          <a:chExt cx="0" cy="0"/>
-        </a:xfrm>
-      </p:grpSpPr>
-      <p:sp>
-        <p:nvSpPr>
-          <p:cNvPr id="2" name="Title 1"/>
-          <p:cNvSpPr>
-            <a:spLocks noGrp="1"/>
-          </p:cNvSpPr>
-          <p:nvPr>
-            <p:ph type="title"/>
-          </p:nvPr>
-        </p:nvSpPr>
-        <p:spPr/>
-        <p:txBody>
-          <a:bodyPr/>
-          <a:lstStyle/>
-          <a:p>
-            <a:pPr lvl="0" marL="0" indent="0">
-              <a:buNone/>
-            </a:pPr>
-            <a:r>
-              <a:rPr/>
-              <a:t>Density/saturation/hue</a:t>
-            </a:r>
-          </a:p>
-        </p:txBody>
-      </p:sp>
-    </p:spTree>
-  </p:cSld>
-</p:sld>
-</file>
-
 <file path=ppt/slides/slide25.xml><?xml version="1.0" encoding="utf-8"?>
 <p:sld xmlns:a="http://schemas.openxmlformats.org/drawingml/2006/main" xmlns:r="http://schemas.openxmlformats.org/officeDocument/2006/relationships" xmlns:p="http://schemas.openxmlformats.org/presentationml/2006/main">
   <p:cSld>
@@ -16885,39 +17379,7 @@
             </a:pPr>
             <a:r>
               <a:rPr/>
-              <a:t>A</a:t>
-            </a:r>
-            <a:r>
-              <a:rPr/>
-              <a:t> </a:t>
-            </a:r>
-            <a:r>
-              <a:rPr/>
-              <a:t>quick</a:t>
-            </a:r>
-            <a:r>
-              <a:rPr/>
-              <a:t> </a:t>
-            </a:r>
-            <a:r>
-              <a:rPr/>
-              <a:t>tutorial</a:t>
-            </a:r>
-            <a:r>
-              <a:rPr/>
-              <a:t> </a:t>
-            </a:r>
-            <a:r>
-              <a:rPr/>
-              <a:t>on</a:t>
-            </a:r>
-            <a:r>
-              <a:rPr/>
-              <a:t> </a:t>
-            </a:r>
-            <a:r>
-              <a:rPr/>
-              <a:t>colors</a:t>
+              <a:t>Area</a:t>
             </a:r>
           </a:p>
         </p:txBody>
@@ -16964,72 +17426,7 @@
             </a:pPr>
             <a:r>
               <a:rPr/>
-              <a:t>Bars</a:t>
-            </a:r>
-          </a:p>
-        </p:txBody>
-      </p:sp>
-      <p:sp>
-        <p:nvSpPr>
-          <p:cNvPr id="3" name="Content Placeholder 2"/>
-          <p:cNvSpPr>
-            <a:spLocks noGrp="1"/>
-          </p:cNvSpPr>
-          <p:nvPr>
-            <p:ph idx="1"/>
-          </p:nvPr>
-        </p:nvSpPr>
-        <p:spPr/>
-        <p:txBody>
-          <a:bodyPr/>
-          <a:lstStyle/>
-          <a:p>
-            <a:pPr lvl="1"/>
-            <a:r>
-              <a:rPr/>
-              <a:t>Fewer in numbers than points</a:t>
-            </a:r>
-          </a:p>
-          <a:p>
-            <a:pPr lvl="1"/>
-            <a:r>
-              <a:rPr/>
-              <a:t>Usually a summary statistic</a:t>
-            </a:r>
-          </a:p>
-          <a:p>
-            <a:pPr lvl="2"/>
-            <a:r>
-              <a:rPr/>
-              <a:t>Count</a:t>
-            </a:r>
-          </a:p>
-          <a:p>
-            <a:pPr lvl="2"/>
-            <a:r>
-              <a:rPr/>
-              <a:t>Percent</a:t>
-            </a:r>
-          </a:p>
-          <a:p>
-            <a:pPr lvl="2"/>
-            <a:r>
-              <a:rPr/>
-              <a:t>Average</a:t>
-            </a:r>
-          </a:p>
-          <a:p>
-            <a:pPr lvl="2"/>
-            <a:r>
-              <a:rPr/>
-              <a:t>Total</a:t>
-            </a:r>
-          </a:p>
-          <a:p>
-            <a:pPr lvl="1"/>
-            <a:r>
-              <a:rPr/>
-              <a:t>A bar chart is NOT a histogram</a:t>
+              <a:t>Density/saturation/hue</a:t>
             </a:r>
           </a:p>
         </p:txBody>
@@ -17076,74 +17473,39 @@
             </a:pPr>
             <a:r>
               <a:rPr/>
-              <a:t>Aesthetics</a:t>
-            </a:r>
-            <a:r>
-              <a:rPr/>
-              <a:t> </a:t>
-            </a:r>
-            <a:r>
-              <a:rPr/>
-              <a:t>for</a:t>
-            </a:r>
-            <a:r>
-              <a:rPr/>
-              <a:t> </a:t>
-            </a:r>
-            <a:r>
-              <a:rPr/>
-              <a:t>bars</a:t>
-            </a:r>
-          </a:p>
-        </p:txBody>
-      </p:sp>
-      <p:sp>
-        <p:nvSpPr>
-          <p:cNvPr id="3" name="Content Placeholder 2"/>
-          <p:cNvSpPr>
-            <a:spLocks noGrp="1"/>
-          </p:cNvSpPr>
-          <p:nvPr>
-            <p:ph idx="1"/>
-          </p:nvPr>
-        </p:nvSpPr>
-        <p:spPr/>
-        <p:txBody>
-          <a:bodyPr/>
-          <a:lstStyle/>
-          <a:p>
-            <a:pPr lvl="1"/>
-            <a:r>
-              <a:rPr/>
-              <a:t>Review</a:t>
-            </a:r>
-          </a:p>
-          <a:p>
-            <a:pPr lvl="2"/>
-            <a:r>
-              <a:rPr/>
-              <a:t>Location</a:t>
-            </a:r>
-          </a:p>
-          <a:p>
-            <a:pPr lvl="2"/>
-            <a:r>
-              <a:rPr/>
-              <a:t>Size</a:t>
-            </a:r>
-          </a:p>
-          <a:p>
-            <a:pPr lvl="2"/>
-            <a:r>
-              <a:rPr/>
-              <a:t>Color</a:t>
-            </a:r>
-          </a:p>
-          <a:p>
-            <a:pPr lvl="2"/>
-            <a:r>
-              <a:rPr/>
-              <a:t>NOT shape!!!</a:t>
+              <a:t>A</a:t>
+            </a:r>
+            <a:r>
+              <a:rPr/>
+              <a:t> </a:t>
+            </a:r>
+            <a:r>
+              <a:rPr/>
+              <a:t>quick</a:t>
+            </a:r>
+            <a:r>
+              <a:rPr/>
+              <a:t> </a:t>
+            </a:r>
+            <a:r>
+              <a:rPr/>
+              <a:t>tutorial</a:t>
+            </a:r>
+            <a:r>
+              <a:rPr/>
+              <a:t> </a:t>
+            </a:r>
+            <a:r>
+              <a:rPr/>
+              <a:t>on</a:t>
+            </a:r>
+            <a:r>
+              <a:rPr/>
+              <a:t> </a:t>
+            </a:r>
+            <a:r>
+              <a:rPr/>
+              <a:t>colors</a:t>
             </a:r>
           </a:p>
         </p:txBody>
@@ -17154,6 +17516,488 @@
 </file>
 
 <file path=ppt/slides/slide28.xml><?xml version="1.0" encoding="utf-8"?>
+<p:sld xmlns:a="http://schemas.openxmlformats.org/drawingml/2006/main" xmlns:r="http://schemas.openxmlformats.org/officeDocument/2006/relationships" xmlns:p="http://schemas.openxmlformats.org/presentationml/2006/main">
+  <p:cSld>
+    <p:spTree>
+      <p:nvGrpSpPr>
+        <p:cNvPr id="1" name=""/>
+        <p:cNvGrpSpPr/>
+        <p:nvPr/>
+      </p:nvGrpSpPr>
+      <p:grpSpPr>
+        <a:xfrm>
+          <a:off x="0" y="0"/>
+          <a:ext cx="0" cy="0"/>
+          <a:chOff x="0" y="0"/>
+          <a:chExt cx="0" cy="0"/>
+        </a:xfrm>
+      </p:grpSpPr>
+      <p:sp>
+        <p:nvSpPr>
+          <p:cNvPr id="2" name="Title 1"/>
+          <p:cNvSpPr>
+            <a:spLocks noGrp="1"/>
+          </p:cNvSpPr>
+          <p:nvPr>
+            <p:ph type="title"/>
+          </p:nvPr>
+        </p:nvSpPr>
+        <p:spPr/>
+        <p:txBody>
+          <a:bodyPr/>
+          <a:lstStyle/>
+          <a:p>
+            <a:pPr lvl="0" marL="0" indent="0">
+              <a:buNone/>
+            </a:pPr>
+            <a:r>
+              <a:rPr/>
+              <a:t>Bars</a:t>
+            </a:r>
+          </a:p>
+        </p:txBody>
+      </p:sp>
+      <p:sp>
+        <p:nvSpPr>
+          <p:cNvPr id="3" name="Content Placeholder 2"/>
+          <p:cNvSpPr>
+            <a:spLocks noGrp="1"/>
+          </p:cNvSpPr>
+          <p:nvPr>
+            <p:ph idx="1"/>
+          </p:nvPr>
+        </p:nvSpPr>
+        <p:spPr/>
+        <p:txBody>
+          <a:bodyPr/>
+          <a:lstStyle/>
+          <a:p>
+            <a:pPr lvl="1"/>
+            <a:r>
+              <a:rPr/>
+              <a:t>Fewer in numbers than points</a:t>
+            </a:r>
+          </a:p>
+          <a:p>
+            <a:pPr lvl="1"/>
+            <a:r>
+              <a:rPr/>
+              <a:t>Usually a summary statistic</a:t>
+            </a:r>
+          </a:p>
+          <a:p>
+            <a:pPr lvl="2"/>
+            <a:r>
+              <a:rPr/>
+              <a:t>Count</a:t>
+            </a:r>
+          </a:p>
+          <a:p>
+            <a:pPr lvl="2"/>
+            <a:r>
+              <a:rPr/>
+              <a:t>Percent</a:t>
+            </a:r>
+          </a:p>
+          <a:p>
+            <a:pPr lvl="2"/>
+            <a:r>
+              <a:rPr/>
+              <a:t>Average</a:t>
+            </a:r>
+          </a:p>
+          <a:p>
+            <a:pPr lvl="2"/>
+            <a:r>
+              <a:rPr/>
+              <a:t>Total</a:t>
+            </a:r>
+          </a:p>
+          <a:p>
+            <a:pPr lvl="1"/>
+            <a:r>
+              <a:rPr/>
+              <a:t>A bar chart is NOT a histogram</a:t>
+            </a:r>
+          </a:p>
+        </p:txBody>
+      </p:sp>
+    </p:spTree>
+  </p:cSld>
+</p:sld>
+</file>
+
+<file path=ppt/slides/slide29.xml><?xml version="1.0" encoding="utf-8"?>
+<p:sld xmlns:a="http://schemas.openxmlformats.org/drawingml/2006/main" xmlns:r="http://schemas.openxmlformats.org/officeDocument/2006/relationships" xmlns:p="http://schemas.openxmlformats.org/presentationml/2006/main">
+  <p:cSld>
+    <p:spTree>
+      <p:nvGrpSpPr>
+        <p:cNvPr id="1" name=""/>
+        <p:cNvGrpSpPr/>
+        <p:nvPr/>
+      </p:nvGrpSpPr>
+      <p:grpSpPr>
+        <a:xfrm>
+          <a:off x="0" y="0"/>
+          <a:ext cx="0" cy="0"/>
+          <a:chOff x="0" y="0"/>
+          <a:chExt cx="0" cy="0"/>
+        </a:xfrm>
+      </p:grpSpPr>
+      <p:sp>
+        <p:nvSpPr>
+          <p:cNvPr id="2" name="Title 1"/>
+          <p:cNvSpPr>
+            <a:spLocks noGrp="1"/>
+          </p:cNvSpPr>
+          <p:nvPr>
+            <p:ph type="title"/>
+          </p:nvPr>
+        </p:nvSpPr>
+        <p:spPr/>
+        <p:txBody>
+          <a:bodyPr/>
+          <a:lstStyle/>
+          <a:p>
+            <a:pPr lvl="0" marL="0" indent="0">
+              <a:buNone/>
+            </a:pPr>
+            <a:r>
+              <a:rPr/>
+              <a:t>Aesthetics</a:t>
+            </a:r>
+            <a:r>
+              <a:rPr/>
+              <a:t> </a:t>
+            </a:r>
+            <a:r>
+              <a:rPr/>
+              <a:t>for</a:t>
+            </a:r>
+            <a:r>
+              <a:rPr/>
+              <a:t> </a:t>
+            </a:r>
+            <a:r>
+              <a:rPr/>
+              <a:t>bars</a:t>
+            </a:r>
+          </a:p>
+        </p:txBody>
+      </p:sp>
+      <p:sp>
+        <p:nvSpPr>
+          <p:cNvPr id="3" name="Content Placeholder 2"/>
+          <p:cNvSpPr>
+            <a:spLocks noGrp="1"/>
+          </p:cNvSpPr>
+          <p:nvPr>
+            <p:ph idx="1"/>
+          </p:nvPr>
+        </p:nvSpPr>
+        <p:spPr/>
+        <p:txBody>
+          <a:bodyPr/>
+          <a:lstStyle/>
+          <a:p>
+            <a:pPr lvl="1"/>
+            <a:r>
+              <a:rPr/>
+              <a:t>Review</a:t>
+            </a:r>
+          </a:p>
+          <a:p>
+            <a:pPr lvl="2"/>
+            <a:r>
+              <a:rPr/>
+              <a:t>Location</a:t>
+            </a:r>
+          </a:p>
+          <a:p>
+            <a:pPr lvl="2"/>
+            <a:r>
+              <a:rPr/>
+              <a:t>Size</a:t>
+            </a:r>
+          </a:p>
+          <a:p>
+            <a:pPr lvl="2"/>
+            <a:r>
+              <a:rPr/>
+              <a:t>Color</a:t>
+            </a:r>
+          </a:p>
+          <a:p>
+            <a:pPr lvl="2"/>
+            <a:r>
+              <a:rPr/>
+              <a:t>NOT shape!!!</a:t>
+            </a:r>
+          </a:p>
+        </p:txBody>
+      </p:sp>
+    </p:spTree>
+  </p:cSld>
+</p:sld>
+</file>
+
+<file path=ppt/slides/slide3.xml><?xml version="1.0" encoding="utf-8"?>
+<p:sld xmlns:a="http://schemas.openxmlformats.org/drawingml/2006/main" xmlns:r="http://schemas.openxmlformats.org/officeDocument/2006/relationships" xmlns:p="http://schemas.openxmlformats.org/presentationml/2006/main">
+  <p:cSld>
+    <p:spTree>
+      <p:nvGrpSpPr>
+        <p:cNvPr id="1" name=""/>
+        <p:cNvGrpSpPr/>
+        <p:nvPr/>
+      </p:nvGrpSpPr>
+      <p:grpSpPr>
+        <a:xfrm>
+          <a:off x="0" y="0"/>
+          <a:ext cx="0" cy="0"/>
+          <a:chOff x="0" y="0"/>
+          <a:chExt cx="0" cy="0"/>
+        </a:xfrm>
+      </p:grpSpPr>
+      <p:sp>
+        <p:nvSpPr>
+          <p:cNvPr id="2" name="Title 1"/>
+          <p:cNvSpPr>
+            <a:spLocks noGrp="1"/>
+          </p:cNvSpPr>
+          <p:nvPr>
+            <p:ph type="title"/>
+          </p:nvPr>
+        </p:nvSpPr>
+        <p:spPr/>
+        <p:txBody>
+          <a:bodyPr/>
+          <a:lstStyle/>
+          <a:p>
+            <a:pPr lvl="0" marL="0" indent="0">
+              <a:buNone/>
+            </a:pPr>
+            <a:r>
+              <a:rPr/>
+              <a:t>To</a:t>
+            </a:r>
+            <a:r>
+              <a:rPr/>
+              <a:t> </a:t>
+            </a:r>
+            <a:r>
+              <a:rPr/>
+              <a:t>prepare</a:t>
+            </a:r>
+            <a:r>
+              <a:rPr/>
+              <a:t> </a:t>
+            </a:r>
+            <a:r>
+              <a:rPr/>
+              <a:t>for</a:t>
+            </a:r>
+            <a:r>
+              <a:rPr/>
+              <a:t> </a:t>
+            </a:r>
+            <a:r>
+              <a:rPr/>
+              <a:t>this</a:t>
+            </a:r>
+            <a:r>
+              <a:rPr/>
+              <a:t> </a:t>
+            </a:r>
+            <a:r>
+              <a:rPr/>
+              <a:t>section</a:t>
+            </a:r>
+          </a:p>
+        </p:txBody>
+      </p:sp>
+      <p:pic>
+        <p:nvPicPr>
+          <p:cNvPr descr="../images/02/kaggle-scotus-data.png" id="0" name="Picture 1"/>
+          <p:cNvPicPr>
+            <a:picLocks noGrp="1" noChangeAspect="1"/>
+          </p:cNvPicPr>
+          <p:nvPr/>
+        </p:nvPicPr>
+        <p:blipFill>
+          <a:blip r:embed="rId2"/>
+          <a:stretch>
+            <a:fillRect/>
+          </a:stretch>
+        </p:blipFill>
+        <p:spPr bwMode="auto">
+          <a:xfrm>
+            <a:off x="914400" y="1600200"/>
+            <a:ext cx="7327900" cy="4013200"/>
+          </a:xfrm>
+          <a:prstGeom prst="rect">
+            <a:avLst/>
+          </a:prstGeom>
+          <a:noFill/>
+          <a:ln w="9525">
+            <a:noFill/>
+            <a:headEnd/>
+            <a:tailEnd/>
+          </a:ln>
+        </p:spPr>
+      </p:pic>
+      <p:sp>
+        <p:nvSpPr>
+          <p:cNvPr id="1" name="TextBox 3"/>
+          <p:cNvSpPr txBox="1"/>
+          <p:nvPr/>
+        </p:nvSpPr>
+        <p:spPr>
+          <a:xfrm>
+            <a:off x="457200" y="5613400"/>
+            <a:ext cx="8229600" cy="508000"/>
+          </a:xfrm>
+          <a:prstGeom prst="rect">
+            <a:avLst/>
+          </a:prstGeom>
+          <a:noFill/>
+        </p:spPr>
+        <p:txBody>
+          <a:bodyPr/>
+          <a:lstStyle/>
+          <a:p>
+            <a:pPr lvl="0" marL="0" indent="0" algn="ctr">
+              <a:buNone/>
+            </a:pPr>
+            <a:r>
+              <a:rPr/>
+              <a:t>Kaggle</a:t>
+            </a:r>
+            <a:r>
+              <a:rPr/>
+              <a:t> </a:t>
+            </a:r>
+            <a:r>
+              <a:rPr/>
+              <a:t>datasets</a:t>
+            </a:r>
+            <a:r>
+              <a:rPr/>
+              <a:t> </a:t>
+            </a:r>
+            <a:r>
+              <a:rPr/>
+              <a:t>webpage</a:t>
+            </a:r>
+          </a:p>
+        </p:txBody>
+      </p:sp>
+    </p:spTree>
+  </p:cSld>
+</p:sld>
+</file>
+
+<file path=ppt/slides/slide30.xml><?xml version="1.0" encoding="utf-8"?>
+<p:sld xmlns:a="http://schemas.openxmlformats.org/drawingml/2006/main" xmlns:r="http://schemas.openxmlformats.org/officeDocument/2006/relationships" xmlns:p="http://schemas.openxmlformats.org/presentationml/2006/main">
+  <p:cSld>
+    <p:spTree>
+      <p:nvGrpSpPr>
+        <p:cNvPr id="1" name=""/>
+        <p:cNvGrpSpPr/>
+        <p:nvPr/>
+      </p:nvGrpSpPr>
+      <p:grpSpPr>
+        <a:xfrm>
+          <a:off x="0" y="0"/>
+          <a:ext cx="0" cy="0"/>
+          <a:chOff x="0" y="0"/>
+          <a:chExt cx="0" cy="0"/>
+        </a:xfrm>
+      </p:grpSpPr>
+      <p:sp>
+        <p:nvSpPr>
+          <p:cNvPr id="2" name="Title 1"/>
+          <p:cNvSpPr>
+            <a:spLocks noGrp="1"/>
+          </p:cNvSpPr>
+          <p:nvPr>
+            <p:ph type="title"/>
+          </p:nvPr>
+        </p:nvSpPr>
+        <p:spPr/>
+        <p:txBody>
+          <a:bodyPr/>
+          <a:lstStyle/>
+          <a:p>
+            <a:pPr lvl="0" marL="0" indent="0">
+              <a:buNone/>
+            </a:pPr>
+            <a:r>
+              <a:rPr/>
+              <a:t>Notes</a:t>
+            </a:r>
+            <a:r>
+              <a:rPr/>
+              <a:t> </a:t>
+            </a:r>
+            <a:r>
+              <a:rPr/>
+              <a:t>about</a:t>
+            </a:r>
+            <a:r>
+              <a:rPr/>
+              <a:t> </a:t>
+            </a:r>
+            <a:r>
+              <a:rPr/>
+              <a:t>this</a:t>
+            </a:r>
+            <a:r>
+              <a:rPr/>
+              <a:t> </a:t>
+            </a:r>
+            <a:r>
+              <a:rPr/>
+              <a:t>talk</a:t>
+            </a:r>
+          </a:p>
+        </p:txBody>
+      </p:sp>
+      <p:sp>
+        <p:nvSpPr>
+          <p:cNvPr id="3" name="Content Placeholder 2"/>
+          <p:cNvSpPr>
+            <a:spLocks noGrp="1"/>
+          </p:cNvSpPr>
+          <p:nvPr>
+            <p:ph idx="1"/>
+          </p:nvPr>
+        </p:nvSpPr>
+        <p:spPr/>
+        <p:txBody>
+          <a:bodyPr/>
+          <a:lstStyle/>
+          <a:p>
+            <a:pPr lvl="1"/>
+            <a:r>
+              <a:rPr/>
+              <a:t>Do not include this slide in the final presentation</a:t>
+            </a:r>
+          </a:p>
+          <a:p>
+            <a:pPr lvl="1"/>
+            <a:r>
+              <a:rPr/>
+              <a:t>If I do a flipped classroom, here would be a good place to split with most of the material before this slide being in lectures to be viewed before the class. Then the classrom lecture would start from about here (after a very quick review) and focus on the “On your own” exercises.</a:t>
+            </a:r>
+          </a:p>
+        </p:txBody>
+      </p:sp>
+    </p:spTree>
+  </p:cSld>
+</p:sld>
+</file>
+
+<file path=ppt/slides/slide31.xml><?xml version="1.0" encoding="utf-8"?>
 <p:sld xmlns:a="http://schemas.openxmlformats.org/drawingml/2006/main" xmlns:r="http://schemas.openxmlformats.org/officeDocument/2006/relationships" xmlns:p="http://schemas.openxmlformats.org/presentationml/2006/main">
   <p:cSld>
     <p:spTree>
@@ -17254,7 +18098,7 @@
 </p:sld>
 </file>
 
-<file path=ppt/slides/slide29.xml><?xml version="1.0" encoding="utf-8"?>
+<file path=ppt/slides/slide32.xml><?xml version="1.0" encoding="utf-8"?>
 <p:sld xmlns:a="http://schemas.openxmlformats.org/drawingml/2006/main" xmlns:r="http://schemas.openxmlformats.org/officeDocument/2006/relationships" xmlns:p="http://schemas.openxmlformats.org/presentationml/2006/main">
   <p:cSld>
     <p:spTree>
@@ -17355,7 +18199,7 @@
 </p:sld>
 </file>
 
-<file path=ppt/slides/slide3.xml><?xml version="1.0" encoding="utf-8"?>
+<file path=ppt/slides/slide33.xml><?xml version="1.0" encoding="utf-8"?>
 <p:sld xmlns:a="http://schemas.openxmlformats.org/drawingml/2006/main" xmlns:r="http://schemas.openxmlformats.org/officeDocument/2006/relationships" xmlns:p="http://schemas.openxmlformats.org/presentationml/2006/main">
   <p:cSld>
     <p:spTree>
@@ -17392,115 +18236,46 @@
             </a:pPr>
             <a:r>
               <a:rPr/>
-              <a:t>To</a:t>
-            </a:r>
-            <a:r>
-              <a:rPr/>
-              <a:t> </a:t>
-            </a:r>
-            <a:r>
-              <a:rPr/>
-              <a:t>prepare</a:t>
-            </a:r>
-            <a:r>
-              <a:rPr/>
-              <a:t> </a:t>
-            </a:r>
-            <a:r>
-              <a:rPr/>
-              <a:t>for</a:t>
-            </a:r>
-            <a:r>
-              <a:rPr/>
-              <a:t> </a:t>
-            </a:r>
-            <a:r>
-              <a:rPr/>
-              <a:t>this</a:t>
-            </a:r>
-            <a:r>
-              <a:rPr/>
-              <a:t> </a:t>
-            </a:r>
-            <a:r>
-              <a:rPr/>
-              <a:t>section</a:t>
+              <a:t>On</a:t>
+            </a:r>
+            <a:r>
+              <a:rPr/>
+              <a:t> </a:t>
+            </a:r>
+            <a:r>
+              <a:rPr/>
+              <a:t>your</a:t>
+            </a:r>
+            <a:r>
+              <a:rPr/>
+              <a:t> </a:t>
+            </a:r>
+            <a:r>
+              <a:rPr/>
+              <a:t>own</a:t>
             </a:r>
           </a:p>
         </p:txBody>
       </p:sp>
-      <p:pic>
-        <p:nvPicPr>
-          <p:cNvPr descr="../images/02/kaggle-scotus-data.png" id="0" name="Picture 1"/>
-          <p:cNvPicPr>
-            <a:picLocks noGrp="1" noChangeAspect="1"/>
-          </p:cNvPicPr>
-          <p:nvPr/>
-        </p:nvPicPr>
-        <p:blipFill>
-          <a:blip r:embed="rId2"/>
-          <a:stretch>
-            <a:fillRect/>
-          </a:stretch>
-        </p:blipFill>
-        <p:spPr bwMode="auto">
-          <a:xfrm>
-            <a:off x="914400" y="1600200"/>
-            <a:ext cx="7327900" cy="4013200"/>
-          </a:xfrm>
-          <a:prstGeom prst="rect">
-            <a:avLst/>
-          </a:prstGeom>
-          <a:noFill/>
-          <a:ln w="9525">
-            <a:noFill/>
-            <a:headEnd/>
-            <a:tailEnd/>
-          </a:ln>
-        </p:spPr>
-      </p:pic>
-      <p:sp>
-        <p:nvSpPr>
-          <p:cNvPr id="1" name="TextBox 3"/>
-          <p:cNvSpPr txBox="1"/>
-          <p:nvPr/>
-        </p:nvSpPr>
-        <p:spPr>
-          <a:xfrm>
-            <a:off x="457200" y="5613400"/>
-            <a:ext cx="8229600" cy="508000"/>
-          </a:xfrm>
-          <a:prstGeom prst="rect">
-            <a:avLst/>
-          </a:prstGeom>
-          <a:noFill/>
-        </p:spPr>
+      <p:sp>
+        <p:nvSpPr>
+          <p:cNvPr id="3" name="Content Placeholder 2"/>
+          <p:cNvSpPr>
+            <a:spLocks noGrp="1"/>
+          </p:cNvSpPr>
+          <p:nvPr>
+            <p:ph idx="1"/>
+          </p:nvPr>
+        </p:nvSpPr>
+        <p:spPr/>
         <p:txBody>
           <a:bodyPr/>
           <a:lstStyle/>
           <a:p>
-            <a:pPr lvl="0" marL="0" indent="0" algn="ctr">
-              <a:buNone/>
-            </a:pPr>
-            <a:r>
-              <a:rPr/>
-              <a:t>Kaggle</a:t>
-            </a:r>
-            <a:r>
-              <a:rPr/>
-              <a:t> </a:t>
-            </a:r>
-            <a:r>
-              <a:rPr/>
-              <a:t>datasets</a:t>
-            </a:r>
-            <a:r>
-              <a:rPr/>
-              <a:t> </a:t>
-            </a:r>
-            <a:r>
-              <a:rPr/>
-              <a:t>webpage</a:t>
+            <a:pPr lvl="1"/>
+            <a:r>
+              <a:rPr/>
+              <a:t>Draw a horizontal and vertical bar chart showing the number of people in each gender (use the Sex variable).</a:t>
             </a:r>
           </a:p>
         </p:txBody>
@@ -17510,7 +18285,7 @@
 </p:sld>
 </file>
 
-<file path=ppt/slides/slide30.xml><?xml version="1.0" encoding="utf-8"?>
+<file path=ppt/slides/slide34.xml><?xml version="1.0" encoding="utf-8"?>
 <p:sld xmlns:a="http://schemas.openxmlformats.org/drawingml/2006/main" xmlns:r="http://schemas.openxmlformats.org/officeDocument/2006/relationships" xmlns:p="http://schemas.openxmlformats.org/presentationml/2006/main">
   <p:cSld>
     <p:spTree>
@@ -17547,23 +18322,23 @@
             </a:pPr>
             <a:r>
               <a:rPr/>
-              <a:t>On</a:t>
-            </a:r>
-            <a:r>
-              <a:rPr/>
-              <a:t> </a:t>
-            </a:r>
-            <a:r>
-              <a:rPr/>
-              <a:t>your</a:t>
-            </a:r>
-            <a:r>
-              <a:rPr/>
-              <a:t> </a:t>
-            </a:r>
-            <a:r>
-              <a:rPr/>
-              <a:t>own</a:t>
+              <a:t>Wait</a:t>
+            </a:r>
+            <a:r>
+              <a:rPr/>
+              <a:t> </a:t>
+            </a:r>
+            <a:r>
+              <a:rPr/>
+              <a:t>before</a:t>
+            </a:r>
+            <a:r>
+              <a:rPr/>
+              <a:t> </a:t>
+            </a:r>
+            <a:r>
+              <a:rPr/>
+              <a:t>showing</a:t>
             </a:r>
           </a:p>
         </p:txBody>
@@ -17583,10 +18358,30 @@
           <a:bodyPr/>
           <a:lstStyle/>
           <a:p>
-            <a:pPr lvl="1"/>
-            <a:r>
-              <a:rPr/>
-              <a:t>Draw a horizontal and vertical bar chart showing the number of people in each gender (use the Sex variable).</a:t>
+            <a:pPr lvl="0" marL="0" indent="0">
+              <a:buNone/>
+            </a:pPr>
+            <a:r>
+              <a:rPr/>
+              <a:t>((Python code))</a:t>
+            </a:r>
+          </a:p>
+          <a:p>
+            <a:pPr lvl="0" marL="0" indent="0">
+              <a:buNone/>
+            </a:pPr>
+            <a:r>
+              <a:rPr/>
+              <a:t>((R code))</a:t>
+            </a:r>
+          </a:p>
+          <a:p>
+            <a:pPr lvl="0" marL="0" indent="0">
+              <a:buNone/>
+            </a:pPr>
+            <a:r>
+              <a:rPr/>
+              <a:t>((Tableau steps))</a:t>
             </a:r>
           </a:p>
         </p:txBody>
@@ -17596,7 +18391,7 @@
 </p:sld>
 </file>
 
-<file path=ppt/slides/slide31.xml><?xml version="1.0" encoding="utf-8"?>
+<file path=ppt/slides/slide35.xml><?xml version="1.0" encoding="utf-8"?>
 <p:sld xmlns:a="http://schemas.openxmlformats.org/drawingml/2006/main" xmlns:r="http://schemas.openxmlformats.org/officeDocument/2006/relationships" xmlns:p="http://schemas.openxmlformats.org/presentationml/2006/main">
   <p:cSld>
     <p:spTree>
@@ -17633,23 +18428,47 @@
             </a:pPr>
             <a:r>
               <a:rPr/>
-              <a:t>Thoughts</a:t>
-            </a:r>
-            <a:r>
-              <a:rPr/>
-              <a:t> </a:t>
-            </a:r>
-            <a:r>
-              <a:rPr/>
-              <a:t>on</a:t>
-            </a:r>
-            <a:r>
-              <a:rPr/>
-              <a:t> </a:t>
-            </a:r>
-            <a:r>
-              <a:rPr/>
-              <a:t>location</a:t>
+              <a:t>What</a:t>
+            </a:r>
+            <a:r>
+              <a:rPr/>
+              <a:t> </a:t>
+            </a:r>
+            <a:r>
+              <a:rPr/>
+              <a:t>your</a:t>
+            </a:r>
+            <a:r>
+              <a:rPr/>
+              <a:t> </a:t>
+            </a:r>
+            <a:r>
+              <a:rPr/>
+              <a:t>visualization</a:t>
+            </a:r>
+            <a:r>
+              <a:rPr/>
+              <a:t> </a:t>
+            </a:r>
+            <a:r>
+              <a:rPr/>
+              <a:t>might</a:t>
+            </a:r>
+            <a:r>
+              <a:rPr/>
+              <a:t> </a:t>
+            </a:r>
+            <a:r>
+              <a:rPr/>
+              <a:t>look</a:t>
+            </a:r>
+            <a:r>
+              <a:rPr/>
+              <a:t> </a:t>
+            </a:r>
+            <a:r>
+              <a:rPr/>
+              <a:t>like</a:t>
             </a:r>
           </a:p>
         </p:txBody>
@@ -17669,17 +18488,12 @@
           <a:bodyPr/>
           <a:lstStyle/>
           <a:p>
-            <a:pPr lvl="1"/>
-            <a:r>
-              <a:rPr/>
-              <a:t>Axis labels often fit better on vertical location</a:t>
-            </a:r>
-          </a:p>
-          <a:p>
-            <a:pPr lvl="1"/>
-            <a:r>
-              <a:rPr/>
-              <a:t>Cannot vary both X and Y</a:t>
+            <a:pPr lvl="0" marL="0" indent="0">
+              <a:buNone/>
+            </a:pPr>
+            <a:r>
+              <a:rPr/>
+              <a:t>((Show visualization))</a:t>
             </a:r>
           </a:p>
         </p:txBody>
@@ -17689,7 +18503,7 @@
 </p:sld>
 </file>
 
-<file path=ppt/slides/slide32.xml><?xml version="1.0" encoding="utf-8"?>
+<file path=ppt/slides/slide36.xml><?xml version="1.0" encoding="utf-8"?>
 <p:sld xmlns:a="http://schemas.openxmlformats.org/drawingml/2006/main" xmlns:r="http://schemas.openxmlformats.org/officeDocument/2006/relationships" xmlns:p="http://schemas.openxmlformats.org/presentationml/2006/main">
   <p:cSld>
     <p:spTree>
@@ -17726,7 +18540,23 @@
             </a:pPr>
             <a:r>
               <a:rPr/>
-              <a:t>Size</a:t>
+              <a:t>Thoughts</a:t>
+            </a:r>
+            <a:r>
+              <a:rPr/>
+              <a:t> </a:t>
+            </a:r>
+            <a:r>
+              <a:rPr/>
+              <a:t>on</a:t>
+            </a:r>
+            <a:r>
+              <a:rPr/>
+              <a:t> </a:t>
+            </a:r>
+            <a:r>
+              <a:rPr/>
+              <a:t>location</a:t>
             </a:r>
           </a:p>
         </p:txBody>
@@ -17749,21 +18579,14 @@
             <a:pPr lvl="1"/>
             <a:r>
               <a:rPr/>
-              <a:t>Length varies, width doesn’t</a:t>
-            </a:r>
-          </a:p>
-          <a:p>
-            <a:pPr lvl="2"/>
-            <a:r>
-              <a:rPr/>
-              <a:t>Exception, mosaic plots</a:t>
-            </a:r>
-          </a:p>
-          <a:p>
-            <a:pPr lvl="2"/>
-            <a:r>
-              <a:rPr/>
-              <a:t>Think about gaps between bars</a:t>
+              <a:t>Axis labels often fit better on vertical location</a:t>
+            </a:r>
+          </a:p>
+          <a:p>
+            <a:pPr lvl="1"/>
+            <a:r>
+              <a:rPr/>
+              <a:t>Cannot vary both X and Y</a:t>
             </a:r>
           </a:p>
         </p:txBody>
@@ -17773,7 +18596,91 @@
 </p:sld>
 </file>
 
-<file path=ppt/slides/slide33.xml><?xml version="1.0" encoding="utf-8"?>
+<file path=ppt/slides/slide37.xml><?xml version="1.0" encoding="utf-8"?>
+<p:sld xmlns:a="http://schemas.openxmlformats.org/drawingml/2006/main" xmlns:r="http://schemas.openxmlformats.org/officeDocument/2006/relationships" xmlns:p="http://schemas.openxmlformats.org/presentationml/2006/main">
+  <p:cSld>
+    <p:spTree>
+      <p:nvGrpSpPr>
+        <p:cNvPr id="1" name=""/>
+        <p:cNvGrpSpPr/>
+        <p:nvPr/>
+      </p:nvGrpSpPr>
+      <p:grpSpPr>
+        <a:xfrm>
+          <a:off x="0" y="0"/>
+          <a:ext cx="0" cy="0"/>
+          <a:chOff x="0" y="0"/>
+          <a:chExt cx="0" cy="0"/>
+        </a:xfrm>
+      </p:grpSpPr>
+      <p:sp>
+        <p:nvSpPr>
+          <p:cNvPr id="2" name="Title 1"/>
+          <p:cNvSpPr>
+            <a:spLocks noGrp="1"/>
+          </p:cNvSpPr>
+          <p:nvPr>
+            <p:ph type="title"/>
+          </p:nvPr>
+        </p:nvSpPr>
+        <p:spPr/>
+        <p:txBody>
+          <a:bodyPr/>
+          <a:lstStyle/>
+          <a:p>
+            <a:pPr lvl="0" marL="0" indent="0">
+              <a:buNone/>
+            </a:pPr>
+            <a:r>
+              <a:rPr/>
+              <a:t>Size</a:t>
+            </a:r>
+          </a:p>
+        </p:txBody>
+      </p:sp>
+      <p:sp>
+        <p:nvSpPr>
+          <p:cNvPr id="3" name="Content Placeholder 2"/>
+          <p:cNvSpPr>
+            <a:spLocks noGrp="1"/>
+          </p:cNvSpPr>
+          <p:nvPr>
+            <p:ph idx="1"/>
+          </p:nvPr>
+        </p:nvSpPr>
+        <p:spPr/>
+        <p:txBody>
+          <a:bodyPr/>
+          <a:lstStyle/>
+          <a:p>
+            <a:pPr lvl="1"/>
+            <a:r>
+              <a:rPr/>
+              <a:t>Length varies, width doesn’t</a:t>
+            </a:r>
+          </a:p>
+          <a:p>
+            <a:pPr lvl="2"/>
+            <a:r>
+              <a:rPr/>
+              <a:t>Exception, mosaic plots</a:t>
+            </a:r>
+          </a:p>
+          <a:p>
+            <a:pPr lvl="2"/>
+            <a:r>
+              <a:rPr/>
+              <a:t>Think about gaps between bars</a:t>
+            </a:r>
+          </a:p>
+        </p:txBody>
+      </p:sp>
+    </p:spTree>
+  </p:cSld>
+</p:sld>
+</file>
+
+<file path=ppt/slides/slide38.xml><?xml version="1.0" encoding="utf-8"?>
 <p:sld xmlns:a="http://schemas.openxmlformats.org/drawingml/2006/main" xmlns:r="http://schemas.openxmlformats.org/officeDocument/2006/relationships" xmlns:p="http://schemas.openxmlformats.org/presentationml/2006/main">
   <p:cSld>
     <p:spTree>
@@ -17984,7 +18891,7 @@
 </p:sld>
 </file>
 
-<file path=ppt/slides/slide34.xml><?xml version="1.0" encoding="utf-8"?>
+<file path=ppt/slides/slide39.xml><?xml version="1.0" encoding="utf-8"?>
 <p:sld xmlns:a="http://schemas.openxmlformats.org/drawingml/2006/main" xmlns:r="http://schemas.openxmlformats.org/officeDocument/2006/relationships" xmlns:p="http://schemas.openxmlformats.org/presentationml/2006/main">
   <p:cSld>
     <p:spTree>
@@ -18147,439 +19054,6 @@
 </p:sld>
 </file>
 
-<file path=ppt/slides/slide35.xml><?xml version="1.0" encoding="utf-8"?>
-<p:sld xmlns:a="http://schemas.openxmlformats.org/drawingml/2006/main" xmlns:r="http://schemas.openxmlformats.org/officeDocument/2006/relationships" xmlns:p="http://schemas.openxmlformats.org/presentationml/2006/main">
-  <p:cSld>
-    <p:spTree>
-      <p:nvGrpSpPr>
-        <p:cNvPr id="1" name=""/>
-        <p:cNvGrpSpPr/>
-        <p:nvPr/>
-      </p:nvGrpSpPr>
-      <p:grpSpPr>
-        <a:xfrm>
-          <a:off x="0" y="0"/>
-          <a:ext cx="0" cy="0"/>
-          <a:chOff x="0" y="0"/>
-          <a:chExt cx="0" cy="0"/>
-        </a:xfrm>
-      </p:grpSpPr>
-      <p:sp>
-        <p:nvSpPr>
-          <p:cNvPr id="3" name="Content Placeholder 2"/>
-          <p:cNvSpPr>
-            <a:spLocks noGrp="1"/>
-          </p:cNvSpPr>
-          <p:nvPr>
-            <p:ph idx="1"/>
-          </p:nvPr>
-        </p:nvSpPr>
-        <p:spPr/>
-        <p:txBody>
-          <a:bodyPr/>
-          <a:lstStyle/>
-          <a:p>
-            <a:pPr lvl="0" marL="0" indent="0">
-              <a:buNone/>
-            </a:pPr>
-            <a:r>
-              <a:rPr/>
-              <a:t>If the widths are the same and the bars are empty, then you can get a differnt problem. You might get confused as to what is the bar and what is the gap, as in this optical illusion.</a:t>
-            </a:r>
-          </a:p>
-          <a:p>
-            <a:pPr lvl="0" marL="0" indent="0">
-              <a:buNone/>
-            </a:pPr>
-            <a:r>
-              <a:rPr/>
-              <a:t>As a general rule, the gap between bars should be about 10 to 20 percent of the width of the bars. Most visualization software has sensible defaults, but beware when you have a very large number of bars. There’s always a bit of rounding when you place pixels on a screen or on a page. Your software is trying to fill the available plotting area, so it may have to squeeze or stretch one gap or another. This unevenness can become noticeable when the gaps are only a few pixels wide.</a:t>
-            </a:r>
-          </a:p>
-          <a:p>
-            <a:pPr lvl="0" marL="0" indent="0">
-              <a:buNone/>
-            </a:pPr>
-            <a:r>
-              <a:rPr/>
-              <a:t>((Show an example of this using the scotus data))</a:t>
-            </a:r>
-          </a:p>
-        </p:txBody>
-      </p:sp>
-    </p:spTree>
-  </p:cSld>
-</p:sld>
-</file>
-
-<file path=ppt/slides/slide36.xml><?xml version="1.0" encoding="utf-8"?>
-<p:sld xmlns:a="http://schemas.openxmlformats.org/drawingml/2006/main" xmlns:r="http://schemas.openxmlformats.org/officeDocument/2006/relationships" xmlns:p="http://schemas.openxmlformats.org/presentationml/2006/main">
-  <p:cSld>
-    <p:spTree>
-      <p:nvGrpSpPr>
-        <p:cNvPr id="1" name=""/>
-        <p:cNvGrpSpPr/>
-        <p:nvPr/>
-      </p:nvGrpSpPr>
-      <p:grpSpPr>
-        <a:xfrm>
-          <a:off x="0" y="0"/>
-          <a:ext cx="0" cy="0"/>
-          <a:chOff x="0" y="0"/>
-          <a:chExt cx="0" cy="0"/>
-        </a:xfrm>
-      </p:grpSpPr>
-      <p:sp>
-        <p:nvSpPr>
-          <p:cNvPr id="2" name="Title 1"/>
-          <p:cNvSpPr>
-            <a:spLocks noGrp="1"/>
-          </p:cNvSpPr>
-          <p:nvPr>
-            <p:ph type="title"/>
-          </p:nvPr>
-        </p:nvSpPr>
-        <p:spPr/>
-        <p:txBody>
-          <a:bodyPr/>
-          <a:lstStyle/>
-          <a:p>
-            <a:pPr lvl="0" marL="0" indent="0">
-              <a:buNone/>
-            </a:pPr>
-            <a:r>
-              <a:rPr/>
-              <a:t>Color</a:t>
-            </a:r>
-          </a:p>
-        </p:txBody>
-      </p:sp>
-      <p:pic>
-        <p:nvPicPr>
-          <p:cNvPr descr="data-visualization-02-bars_files/figure-pptx/bar-color-1.png" id="0" name="Picture 1"/>
-          <p:cNvPicPr>
-            <a:picLocks noGrp="1" noChangeAspect="1"/>
-          </p:cNvPicPr>
-          <p:nvPr/>
-        </p:nvPicPr>
-        <p:blipFill>
-          <a:blip r:embed="rId2"/>
-          <a:stretch>
-            <a:fillRect/>
-          </a:stretch>
-        </p:blipFill>
-        <p:spPr bwMode="auto">
-          <a:xfrm>
-            <a:off x="1752600" y="1600200"/>
-            <a:ext cx="5651500" cy="4521200"/>
-          </a:xfrm>
-          <a:prstGeom prst="rect">
-            <a:avLst/>
-          </a:prstGeom>
-          <a:noFill/>
-          <a:ln w="9525">
-            <a:noFill/>
-            <a:headEnd/>
-            <a:tailEnd/>
-          </a:ln>
-        </p:spPr>
-      </p:pic>
-    </p:spTree>
-  </p:cSld>
-</p:sld>
-</file>
-
-<file path=ppt/slides/slide37.xml><?xml version="1.0" encoding="utf-8"?>
-<p:sld xmlns:a="http://schemas.openxmlformats.org/drawingml/2006/main" xmlns:r="http://schemas.openxmlformats.org/officeDocument/2006/relationships" xmlns:p="http://schemas.openxmlformats.org/presentationml/2006/main">
-  <p:cSld>
-    <p:spTree>
-      <p:nvGrpSpPr>
-        <p:cNvPr id="1" name=""/>
-        <p:cNvGrpSpPr/>
-        <p:nvPr/>
-      </p:nvGrpSpPr>
-      <p:grpSpPr>
-        <a:xfrm>
-          <a:off x="0" y="0"/>
-          <a:ext cx="0" cy="0"/>
-          <a:chOff x="0" y="0"/>
-          <a:chExt cx="0" cy="0"/>
-        </a:xfrm>
-      </p:grpSpPr>
-      <p:sp>
-        <p:nvSpPr>
-          <p:cNvPr id="2" name="Title 1"/>
-          <p:cNvSpPr>
-            <a:spLocks noGrp="1"/>
-          </p:cNvSpPr>
-          <p:nvPr>
-            <p:ph type="title"/>
-          </p:nvPr>
-        </p:nvSpPr>
-        <p:spPr/>
-        <p:txBody>
-          <a:bodyPr/>
-          <a:lstStyle/>
-          <a:p>
-            <a:pPr lvl="0" marL="0" indent="0">
-              <a:buNone/>
-            </a:pPr>
-            <a:r>
-              <a:rPr/>
-              <a:t>On</a:t>
-            </a:r>
-            <a:r>
-              <a:rPr/>
-              <a:t> </a:t>
-            </a:r>
-            <a:r>
-              <a:rPr/>
-              <a:t>your</a:t>
-            </a:r>
-            <a:r>
-              <a:rPr/>
-              <a:t> </a:t>
-            </a:r>
-            <a:r>
-              <a:rPr/>
-              <a:t>own</a:t>
-            </a:r>
-          </a:p>
-        </p:txBody>
-      </p:sp>
-      <p:sp>
-        <p:nvSpPr>
-          <p:cNvPr id="3" name="Content Placeholder 2"/>
-          <p:cNvSpPr>
-            <a:spLocks noGrp="1"/>
-          </p:cNvSpPr>
-          <p:nvPr>
-            <p:ph idx="1"/>
-          </p:nvPr>
-        </p:nvSpPr>
-        <p:spPr/>
-        <p:txBody>
-          <a:bodyPr/>
-          <a:lstStyle/>
-          <a:p>
-            <a:pPr lvl="1"/>
-            <a:r>
-              <a:rPr/>
-              <a:t>Make the first class bar red to show Leonardo di Caprio’s perspective on the Titanic.</a:t>
-            </a:r>
-          </a:p>
-        </p:txBody>
-      </p:sp>
-    </p:spTree>
-  </p:cSld>
-</p:sld>
-</file>
-
-<file path=ppt/slides/slide38.xml><?xml version="1.0" encoding="utf-8"?>
-<p:sld xmlns:a="http://schemas.openxmlformats.org/drawingml/2006/main" xmlns:r="http://schemas.openxmlformats.org/officeDocument/2006/relationships" xmlns:p="http://schemas.openxmlformats.org/presentationml/2006/main">
-  <p:cSld>
-    <p:spTree>
-      <p:nvGrpSpPr>
-        <p:cNvPr id="1" name=""/>
-        <p:cNvGrpSpPr/>
-        <p:nvPr/>
-      </p:nvGrpSpPr>
-      <p:grpSpPr>
-        <a:xfrm>
-          <a:off x="0" y="0"/>
-          <a:ext cx="0" cy="0"/>
-          <a:chOff x="0" y="0"/>
-          <a:chExt cx="0" cy="0"/>
-        </a:xfrm>
-      </p:grpSpPr>
-      <p:sp>
-        <p:nvSpPr>
-          <p:cNvPr id="2" name="Title 1"/>
-          <p:cNvSpPr>
-            <a:spLocks noGrp="1"/>
-          </p:cNvSpPr>
-          <p:nvPr>
-            <p:ph type="title"/>
-          </p:nvPr>
-        </p:nvSpPr>
-        <p:spPr/>
-        <p:txBody>
-          <a:bodyPr/>
-          <a:lstStyle/>
-          <a:p>
-            <a:pPr lvl="0" marL="0" indent="0">
-              <a:buNone/>
-            </a:pPr>
-            <a:r>
-              <a:rPr/>
-              <a:t>Color</a:t>
-            </a:r>
-          </a:p>
-        </p:txBody>
-      </p:sp>
-      <p:sp>
-        <p:nvSpPr>
-          <p:cNvPr id="3" name="Content Placeholder 2"/>
-          <p:cNvSpPr>
-            <a:spLocks noGrp="1"/>
-          </p:cNvSpPr>
-          <p:nvPr>
-            <p:ph idx="1"/>
-          </p:nvPr>
-        </p:nvSpPr>
-        <p:spPr/>
-        <p:txBody>
-          <a:bodyPr/>
-          <a:lstStyle/>
-          <a:p>
-            <a:pPr lvl="1"/>
-            <a:r>
-              <a:rPr/>
-              <a:t>Use for emphasis in simple bar charts</a:t>
-            </a:r>
-          </a:p>
-          <a:p>
-            <a:pPr lvl="1"/>
-            <a:r>
-              <a:rPr/>
-              <a:t>Very important for stacked or side-by-side bar charts</a:t>
-            </a:r>
-          </a:p>
-        </p:txBody>
-      </p:sp>
-    </p:spTree>
-  </p:cSld>
-</p:sld>
-</file>
-
-<file path=ppt/slides/slide39.xml><?xml version="1.0" encoding="utf-8"?>
-<p:sld xmlns:a="http://schemas.openxmlformats.org/drawingml/2006/main" xmlns:r="http://schemas.openxmlformats.org/officeDocument/2006/relationships" xmlns:p="http://schemas.openxmlformats.org/presentationml/2006/main">
-  <p:cSld>
-    <p:spTree>
-      <p:nvGrpSpPr>
-        <p:cNvPr id="1" name=""/>
-        <p:cNvGrpSpPr/>
-        <p:nvPr/>
-      </p:nvGrpSpPr>
-      <p:grpSpPr>
-        <a:xfrm>
-          <a:off x="0" y="0"/>
-          <a:ext cx="0" cy="0"/>
-          <a:chOff x="0" y="0"/>
-          <a:chExt cx="0" cy="0"/>
-        </a:xfrm>
-      </p:grpSpPr>
-      <p:sp>
-        <p:nvSpPr>
-          <p:cNvPr id="2" name="Title 1"/>
-          <p:cNvSpPr>
-            <a:spLocks noGrp="1"/>
-          </p:cNvSpPr>
-          <p:nvPr>
-            <p:ph type="title"/>
-          </p:nvPr>
-        </p:nvSpPr>
-        <p:spPr/>
-        <p:txBody>
-          <a:bodyPr/>
-          <a:lstStyle/>
-          <a:p>
-            <a:pPr lvl="0" marL="0" indent="0">
-              <a:buNone/>
-            </a:pPr>
-            <a:r>
-              <a:rPr/>
-              <a:t>Stack</a:t>
-            </a:r>
-            <a:r>
-              <a:rPr/>
-              <a:t> </a:t>
-            </a:r>
-            <a:r>
-              <a:rPr/>
-              <a:t>versus</a:t>
-            </a:r>
-            <a:r>
-              <a:rPr/>
-              <a:t> </a:t>
-            </a:r>
-            <a:r>
-              <a:rPr/>
-              <a:t>dodge</a:t>
-            </a:r>
-          </a:p>
-        </p:txBody>
-      </p:sp>
-      <p:sp>
-        <p:nvSpPr>
-          <p:cNvPr id="3" name="Content Placeholder 2"/>
-          <p:cNvSpPr>
-            <a:spLocks noGrp="1"/>
-          </p:cNvSpPr>
-          <p:nvPr>
-            <p:ph idx="1"/>
-          </p:nvPr>
-        </p:nvSpPr>
-        <p:spPr/>
-        <p:txBody>
-          <a:bodyPr/>
-          <a:lstStyle/>
-          <a:p>
-            <a:pPr lvl="1"/>
-            <a:r>
-              <a:rPr/>
-              <a:t>Summarize by two categories</a:t>
-            </a:r>
-          </a:p>
-          <a:p>
-            <a:pPr lvl="1"/>
-            <a:r>
-              <a:rPr/>
-              <a:t>Facet</a:t>
-            </a:r>
-          </a:p>
-          <a:p>
-            <a:pPr lvl="2"/>
-            <a:r>
-              <a:rPr/>
-              <a:t>Separate plots</a:t>
-            </a:r>
-          </a:p>
-          <a:p>
-            <a:pPr lvl="1"/>
-            <a:r>
-              <a:rPr/>
-              <a:t>Dodge</a:t>
-            </a:r>
-          </a:p>
-          <a:p>
-            <a:pPr lvl="2"/>
-            <a:r>
-              <a:rPr/>
-              <a:t>Side by side</a:t>
-            </a:r>
-          </a:p>
-          <a:p>
-            <a:pPr lvl="1"/>
-            <a:r>
-              <a:rPr/>
-              <a:t>Stack</a:t>
-            </a:r>
-          </a:p>
-          <a:p>
-            <a:pPr lvl="2"/>
-            <a:r>
-              <a:rPr/>
-              <a:t>One on top, one on bottom</a:t>
-            </a:r>
-          </a:p>
-        </p:txBody>
-      </p:sp>
-    </p:spTree>
-  </p:cSld>
-</p:sld>
-</file>
-
 <file path=ppt/slides/slide4.xml><?xml version="1.0" encoding="utf-8"?>
 <p:sld xmlns:a="http://schemas.openxmlformats.org/drawingml/2006/main" xmlns:r="http://schemas.openxmlformats.org/officeDocument/2006/relationships" xmlns:p="http://schemas.openxmlformats.org/presentationml/2006/main">
   <p:cSld>
@@ -18599,12 +19073,12 @@
       </p:grpSpPr>
       <p:sp>
         <p:nvSpPr>
-          <p:cNvPr id="3" name="Content Placeholder 2"/>
+          <p:cNvPr id="2" name="Title 1"/>
           <p:cNvSpPr>
             <a:spLocks noGrp="1"/>
           </p:cNvSpPr>
           <p:nvPr>
-            <p:ph idx="1"/>
+            <p:ph type="title"/>
           </p:nvPr>
         </p:nvSpPr>
         <p:spPr/>
@@ -18612,30 +19086,78 @@
           <a:bodyPr/>
           <a:lstStyle/>
           <a:p>
-            <a:pPr lvl="0" marL="1270000" indent="0">
+            <a:pPr lvl="0" marL="0" indent="0">
               <a:buNone/>
             </a:pPr>
             <a:r>
-              <a:rPr sz="1800">
-                <a:latin typeface="Courier"/>
-              </a:rPr>
-              <a:t>## Parsed with column specification:
-## cols(
-##   Name = col_character(),
-##   Survived = col_character(),
-##   Boarded = col_character(),
-##   Class = col_character(),
-##   MWC = col_character(),
-##   Age = col_double(),
-##   Adut_or_Chld = col_character(),
-##   Sex = col_character(),
-##   Paid = col_double(),
-##   Ticket_No = col_character(),
-##   Boat_or_Body = col_character(),
-##   Job = col_character(),
-##   Class_Dept = col_character(),
-##   Class_Full = col_character()
-## )</a:t>
+              <a:rPr/>
+              <a:t>To</a:t>
+            </a:r>
+            <a:r>
+              <a:rPr/>
+              <a:t> </a:t>
+            </a:r>
+            <a:r>
+              <a:rPr/>
+              <a:t>prepare</a:t>
+            </a:r>
+            <a:r>
+              <a:rPr/>
+              <a:t> </a:t>
+            </a:r>
+            <a:r>
+              <a:rPr/>
+              <a:t>for</a:t>
+            </a:r>
+            <a:r>
+              <a:rPr/>
+              <a:t> </a:t>
+            </a:r>
+            <a:r>
+              <a:rPr/>
+              <a:t>this</a:t>
+            </a:r>
+            <a:r>
+              <a:rPr/>
+              <a:t> </a:t>
+            </a:r>
+            <a:r>
+              <a:rPr/>
+              <a:t>section</a:t>
+            </a:r>
+          </a:p>
+        </p:txBody>
+      </p:sp>
+      <p:sp>
+        <p:nvSpPr>
+          <p:cNvPr id="3" name="Content Placeholder 2"/>
+          <p:cNvSpPr>
+            <a:spLocks noGrp="1"/>
+          </p:cNvSpPr>
+          <p:nvPr>
+            <p:ph idx="1"/>
+          </p:nvPr>
+        </p:nvSpPr>
+        <p:spPr/>
+        <p:txBody>
+          <a:bodyPr/>
+          <a:lstStyle/>
+          <a:p>
+            <a:pPr lvl="0" marL="0" indent="0">
+              <a:buNone/>
+            </a:pPr>
+            <a:r>
+              <a:rPr/>
+              <a:t>Download the scotus_cases.csv data set, or go to the original source, the Kaggle datasets repository.</a:t>
+            </a:r>
+          </a:p>
+          <a:p>
+            <a:pPr lvl="0" marL="0" indent="0">
+              <a:buNone/>
+            </a:pPr>
+            <a:r>
+              <a:rPr/>
+              <a:t>Import the data and create a bar chart showing the frequency of opinions written by year_filed. Note that there are a few typos and a few rows that do not belong. You can remove these, but they will not affect any of the analyses we are considering.</a:t>
             </a:r>
           </a:p>
         </p:txBody>
@@ -18664,12 +19186,12 @@
       </p:grpSpPr>
       <p:sp>
         <p:nvSpPr>
-          <p:cNvPr id="2" name="Title 1"/>
+          <p:cNvPr id="3" name="Content Placeholder 2"/>
           <p:cNvSpPr>
             <a:spLocks noGrp="1"/>
           </p:cNvSpPr>
           <p:nvPr>
-            <p:ph type="title"/>
+            <p:ph idx="1"/>
           </p:nvPr>
         </p:nvSpPr>
         <p:spPr/>
@@ -18682,73 +19204,29 @@
             </a:pPr>
             <a:r>
               <a:rPr/>
-              <a:t>Titanic</a:t>
-            </a:r>
-            <a:r>
-              <a:rPr/>
-              <a:t> </a:t>
-            </a:r>
-            <a:r>
-              <a:rPr/>
-              <a:t>passenger</a:t>
-            </a:r>
-            <a:r>
-              <a:rPr/>
-              <a:t> </a:t>
-            </a:r>
-            <a:r>
-              <a:rPr/>
-              <a:t>count</a:t>
-            </a:r>
-            <a:r>
-              <a:rPr/>
-              <a:t> </a:t>
-            </a:r>
-            <a:r>
-              <a:rPr/>
-              <a:t>by</a:t>
-            </a:r>
-            <a:r>
-              <a:rPr/>
-              <a:t> </a:t>
-            </a:r>
-            <a:r>
-              <a:rPr/>
-              <a:t>gender</a:t>
+              <a:t>If the widths are the same and the bars are empty, then you can get a differnt problem. You might get confused as to what is the bar and what is the gap, as in this optical illusion.</a:t>
+            </a:r>
+          </a:p>
+          <a:p>
+            <a:pPr lvl="0" marL="0" indent="0">
+              <a:buNone/>
+            </a:pPr>
+            <a:r>
+              <a:rPr/>
+              <a:t>As a general rule, the gap between bars should be about 10 to 20 percent of the width of the bars. Most visualization software has sensible defaults, but beware when you have a very large number of bars. There’s always a bit of rounding when you place pixels on a screen or on a page. Your software is trying to fill the available plotting area, so it may have to squeeze or stretch one gap or another. This unevenness can become noticeable when the gaps are only a few pixels wide.</a:t>
+            </a:r>
+          </a:p>
+          <a:p>
+            <a:pPr lvl="0" marL="0" indent="0">
+              <a:buNone/>
+            </a:pPr>
+            <a:r>
+              <a:rPr/>
+              <a:t>((Show an example of this using the scotus data))</a:t>
             </a:r>
           </a:p>
         </p:txBody>
       </p:sp>
-      <p:pic>
-        <p:nvPicPr>
-          <p:cNvPr descr="data-visualization-02-bars_files/figure-pptx/count-by-gender-1.png" id="0" name="Picture 1"/>
-          <p:cNvPicPr>
-            <a:picLocks noGrp="1" noChangeAspect="1"/>
-          </p:cNvPicPr>
-          <p:nvPr/>
-        </p:nvPicPr>
-        <p:blipFill>
-          <a:blip r:embed="rId2"/>
-          <a:stretch>
-            <a:fillRect/>
-          </a:stretch>
-        </p:blipFill>
-        <p:spPr bwMode="auto">
-          <a:xfrm>
-            <a:off x="1752600" y="1600200"/>
-            <a:ext cx="5651500" cy="4521200"/>
-          </a:xfrm>
-          <a:prstGeom prst="rect">
-            <a:avLst/>
-          </a:prstGeom>
-          <a:noFill/>
-          <a:ln w="9525">
-            <a:noFill/>
-            <a:headEnd/>
-            <a:tailEnd/>
-          </a:ln>
-        </p:spPr>
-      </p:pic>
     </p:spTree>
   </p:cSld>
 </p:sld>
@@ -18791,54 +19269,14 @@
             </a:pPr>
             <a:r>
               <a:rPr/>
-              <a:t>Titanic</a:t>
-            </a:r>
-            <a:r>
-              <a:rPr/>
-              <a:t> </a:t>
-            </a:r>
-            <a:r>
-              <a:rPr/>
-              <a:t>passenger</a:t>
-            </a:r>
-            <a:r>
-              <a:rPr/>
-              <a:t> </a:t>
-            </a:r>
-            <a:r>
-              <a:rPr/>
-              <a:t>count</a:t>
-            </a:r>
-            <a:r>
-              <a:rPr/>
-              <a:t> </a:t>
-            </a:r>
-            <a:r>
-              <a:rPr/>
-              <a:t>by</a:t>
-            </a:r>
-            <a:r>
-              <a:rPr/>
-              <a:t> </a:t>
-            </a:r>
-            <a:r>
-              <a:rPr/>
-              <a:t>passenger</a:t>
-            </a:r>
-            <a:r>
-              <a:rPr/>
-              <a:t> </a:t>
-            </a:r>
-            <a:r>
-              <a:rPr/>
-              <a:t>class</a:t>
+              <a:t>Color</a:t>
             </a:r>
           </a:p>
         </p:txBody>
       </p:sp>
       <p:pic>
         <p:nvPicPr>
-          <p:cNvPr descr="data-visualization-02-bars_files/figure-pptx/count-by-passenger-class-1.png" id="0" name="Picture 1"/>
+          <p:cNvPr descr="data-visualization-02-bars_files/figure-pptx/bar-color-1.png" id="0" name="Picture 1"/>
           <p:cNvPicPr>
             <a:picLocks noGrp="1" noChangeAspect="1"/>
           </p:cNvPicPr>
@@ -18908,49 +19346,50 @@
             </a:pPr>
             <a:r>
               <a:rPr/>
-              <a:t>Titanic</a:t>
-            </a:r>
-            <a:r>
-              <a:rPr/>
-              <a:t> </a:t>
-            </a:r>
-            <a:r>
-              <a:rPr/>
-              <a:t>facet</a:t>
+              <a:t>On</a:t>
+            </a:r>
+            <a:r>
+              <a:rPr/>
+              <a:t> </a:t>
+            </a:r>
+            <a:r>
+              <a:rPr/>
+              <a:t>your</a:t>
+            </a:r>
+            <a:r>
+              <a:rPr/>
+              <a:t> </a:t>
+            </a:r>
+            <a:r>
+              <a:rPr/>
+              <a:t>own</a:t>
             </a:r>
           </a:p>
         </p:txBody>
       </p:sp>
-      <p:pic>
-        <p:nvPicPr>
-          <p:cNvPr descr="data-visualization-02-bars_files/figure-pptx/count-by-facet-1.png" id="0" name="Picture 1"/>
-          <p:cNvPicPr>
-            <a:picLocks noGrp="1" noChangeAspect="1"/>
-          </p:cNvPicPr>
-          <p:nvPr/>
-        </p:nvPicPr>
-        <p:blipFill>
-          <a:blip r:embed="rId2"/>
-          <a:stretch>
-            <a:fillRect/>
-          </a:stretch>
-        </p:blipFill>
-        <p:spPr bwMode="auto">
-          <a:xfrm>
-            <a:off x="1752600" y="1600200"/>
-            <a:ext cx="5651500" cy="4521200"/>
-          </a:xfrm>
-          <a:prstGeom prst="rect">
-            <a:avLst/>
-          </a:prstGeom>
-          <a:noFill/>
-          <a:ln w="9525">
-            <a:noFill/>
-            <a:headEnd/>
-            <a:tailEnd/>
-          </a:ln>
-        </p:spPr>
-      </p:pic>
+      <p:sp>
+        <p:nvSpPr>
+          <p:cNvPr id="3" name="Content Placeholder 2"/>
+          <p:cNvSpPr>
+            <a:spLocks noGrp="1"/>
+          </p:cNvSpPr>
+          <p:nvPr>
+            <p:ph idx="1"/>
+          </p:nvPr>
+        </p:nvSpPr>
+        <p:spPr/>
+        <p:txBody>
+          <a:bodyPr/>
+          <a:lstStyle/>
+          <a:p>
+            <a:pPr lvl="1"/>
+            <a:r>
+              <a:rPr/>
+              <a:t>Make the first class bar red to show Leonardo di Caprio’s perspective on the Titanic.</a:t>
+            </a:r>
+          </a:p>
+        </p:txBody>
+      </p:sp>
     </p:spTree>
   </p:cSld>
 </p:sld>
@@ -18993,49 +19432,70 @@
             </a:pPr>
             <a:r>
               <a:rPr/>
-              <a:t>Titanic</a:t>
-            </a:r>
-            <a:r>
-              <a:rPr/>
-              <a:t> </a:t>
-            </a:r>
-            <a:r>
-              <a:rPr/>
-              <a:t>dodge</a:t>
+              <a:t>Wait</a:t>
+            </a:r>
+            <a:r>
+              <a:rPr/>
+              <a:t> </a:t>
+            </a:r>
+            <a:r>
+              <a:rPr/>
+              <a:t>before</a:t>
+            </a:r>
+            <a:r>
+              <a:rPr/>
+              <a:t> </a:t>
+            </a:r>
+            <a:r>
+              <a:rPr/>
+              <a:t>showing</a:t>
             </a:r>
           </a:p>
         </p:txBody>
       </p:sp>
-      <p:pic>
-        <p:nvPicPr>
-          <p:cNvPr descr="data-visualization-02-bars_files/figure-pptx/count-by-dodge-1.png" id="0" name="Picture 1"/>
-          <p:cNvPicPr>
-            <a:picLocks noGrp="1" noChangeAspect="1"/>
-          </p:cNvPicPr>
-          <p:nvPr/>
-        </p:nvPicPr>
-        <p:blipFill>
-          <a:blip r:embed="rId2"/>
-          <a:stretch>
-            <a:fillRect/>
-          </a:stretch>
-        </p:blipFill>
-        <p:spPr bwMode="auto">
-          <a:xfrm>
-            <a:off x="1752600" y="1600200"/>
-            <a:ext cx="5651500" cy="4521200"/>
-          </a:xfrm>
-          <a:prstGeom prst="rect">
-            <a:avLst/>
-          </a:prstGeom>
-          <a:noFill/>
-          <a:ln w="9525">
-            <a:noFill/>
-            <a:headEnd/>
-            <a:tailEnd/>
-          </a:ln>
-        </p:spPr>
-      </p:pic>
+      <p:sp>
+        <p:nvSpPr>
+          <p:cNvPr id="3" name="Content Placeholder 2"/>
+          <p:cNvSpPr>
+            <a:spLocks noGrp="1"/>
+          </p:cNvSpPr>
+          <p:nvPr>
+            <p:ph idx="1"/>
+          </p:nvPr>
+        </p:nvSpPr>
+        <p:spPr/>
+        <p:txBody>
+          <a:bodyPr/>
+          <a:lstStyle/>
+          <a:p>
+            <a:pPr lvl="0" marL="0" indent="0">
+              <a:buNone/>
+            </a:pPr>
+            <a:r>
+              <a:rPr/>
+              <a:t>((Python code))</a:t>
+            </a:r>
+          </a:p>
+          <a:p>
+            <a:pPr lvl="0" marL="0" indent="0">
+              <a:buNone/>
+            </a:pPr>
+            <a:r>
+              <a:rPr/>
+              <a:t>((R code))</a:t>
+            </a:r>
+          </a:p>
+          <a:p>
+            <a:pPr lvl="0" marL="0" indent="0">
+              <a:buNone/>
+            </a:pPr>
+            <a:r>
+              <a:rPr/>
+              <a:t>((Tableau steps))</a:t>
+            </a:r>
+          </a:p>
+        </p:txBody>
+      </p:sp>
     </p:spTree>
   </p:cSld>
 </p:sld>
@@ -19078,49 +19538,76 @@
             </a:pPr>
             <a:r>
               <a:rPr/>
-              <a:t>Titanic</a:t>
-            </a:r>
-            <a:r>
-              <a:rPr/>
-              <a:t> </a:t>
-            </a:r>
-            <a:r>
-              <a:rPr/>
-              <a:t>stack</a:t>
+              <a:t>What</a:t>
+            </a:r>
+            <a:r>
+              <a:rPr/>
+              <a:t> </a:t>
+            </a:r>
+            <a:r>
+              <a:rPr/>
+              <a:t>your</a:t>
+            </a:r>
+            <a:r>
+              <a:rPr/>
+              <a:t> </a:t>
+            </a:r>
+            <a:r>
+              <a:rPr/>
+              <a:t>visualization</a:t>
+            </a:r>
+            <a:r>
+              <a:rPr/>
+              <a:t> </a:t>
+            </a:r>
+            <a:r>
+              <a:rPr/>
+              <a:t>might</a:t>
+            </a:r>
+            <a:r>
+              <a:rPr/>
+              <a:t> </a:t>
+            </a:r>
+            <a:r>
+              <a:rPr/>
+              <a:t>look</a:t>
+            </a:r>
+            <a:r>
+              <a:rPr/>
+              <a:t> </a:t>
+            </a:r>
+            <a:r>
+              <a:rPr/>
+              <a:t>like</a:t>
             </a:r>
           </a:p>
         </p:txBody>
       </p:sp>
-      <p:pic>
-        <p:nvPicPr>
-          <p:cNvPr descr="data-visualization-02-bars_files/figure-pptx/count-by-stack-1.png" id="0" name="Picture 1"/>
-          <p:cNvPicPr>
-            <a:picLocks noGrp="1" noChangeAspect="1"/>
-          </p:cNvPicPr>
-          <p:nvPr/>
-        </p:nvPicPr>
-        <p:blipFill>
-          <a:blip r:embed="rId2"/>
-          <a:stretch>
-            <a:fillRect/>
-          </a:stretch>
-        </p:blipFill>
-        <p:spPr bwMode="auto">
-          <a:xfrm>
-            <a:off x="1752600" y="1600200"/>
-            <a:ext cx="5651500" cy="4521200"/>
-          </a:xfrm>
-          <a:prstGeom prst="rect">
-            <a:avLst/>
-          </a:prstGeom>
-          <a:noFill/>
-          <a:ln w="9525">
-            <a:noFill/>
-            <a:headEnd/>
-            <a:tailEnd/>
-          </a:ln>
-        </p:spPr>
-      </p:pic>
+      <p:sp>
+        <p:nvSpPr>
+          <p:cNvPr id="3" name="Content Placeholder 2"/>
+          <p:cNvSpPr>
+            <a:spLocks noGrp="1"/>
+          </p:cNvSpPr>
+          <p:nvPr>
+            <p:ph idx="1"/>
+          </p:nvPr>
+        </p:nvSpPr>
+        <p:spPr/>
+        <p:txBody>
+          <a:bodyPr/>
+          <a:lstStyle/>
+          <a:p>
+            <a:pPr lvl="0" marL="0" indent="0">
+              <a:buNone/>
+            </a:pPr>
+            <a:r>
+              <a:rPr/>
+              <a:t>((Show visualization))</a:t>
+            </a:r>
+          </a:p>
+        </p:txBody>
+      </p:sp>
     </p:spTree>
   </p:cSld>
 </p:sld>
@@ -19163,23 +19650,7 @@
             </a:pPr>
             <a:r>
               <a:rPr/>
-              <a:t>On</a:t>
-            </a:r>
-            <a:r>
-              <a:rPr/>
-              <a:t> </a:t>
-            </a:r>
-            <a:r>
-              <a:rPr/>
-              <a:t>your</a:t>
-            </a:r>
-            <a:r>
-              <a:rPr/>
-              <a:t> </a:t>
-            </a:r>
-            <a:r>
-              <a:rPr/>
-              <a:t>own</a:t>
+              <a:t>Color</a:t>
             </a:r>
           </a:p>
         </p:txBody>
@@ -19202,7 +19673,14 @@
             <a:pPr lvl="1"/>
             <a:r>
               <a:rPr/>
-              <a:t>Draw a bar chart showing counts involving both mortality and gender. Use a panel, then stacking, then dodging. Which do you like best?</a:t>
+              <a:t>Use for emphasis in simple bar charts</a:t>
+            </a:r>
+          </a:p>
+          <a:p>
+            <a:pPr lvl="1"/>
+            <a:r>
+              <a:rPr/>
+              <a:t>Very important for stacked or side-by-side bar charts</a:t>
             </a:r>
           </a:p>
         </p:txBody>
@@ -19249,55 +19727,23 @@
             </a:pPr>
             <a:r>
               <a:rPr/>
-              <a:t>Wait</a:t>
-            </a:r>
-            <a:r>
-              <a:rPr/>
-              <a:t> </a:t>
-            </a:r>
-            <a:r>
-              <a:rPr/>
-              <a:t>a</a:t>
-            </a:r>
-            <a:r>
-              <a:rPr/>
-              <a:t> </a:t>
-            </a:r>
-            <a:r>
-              <a:rPr/>
-              <a:t>bit</a:t>
-            </a:r>
-            <a:r>
-              <a:rPr/>
-              <a:t> </a:t>
-            </a:r>
-            <a:r>
-              <a:rPr/>
-              <a:t>before</a:t>
-            </a:r>
-            <a:r>
-              <a:rPr/>
-              <a:t> </a:t>
-            </a:r>
-            <a:r>
-              <a:rPr/>
-              <a:t>showing</a:t>
-            </a:r>
-            <a:r>
-              <a:rPr/>
-              <a:t> </a:t>
-            </a:r>
-            <a:r>
-              <a:rPr/>
-              <a:t>the</a:t>
-            </a:r>
-            <a:r>
-              <a:rPr/>
-              <a:t> </a:t>
-            </a:r>
-            <a:r>
-              <a:rPr/>
-              <a:t>code</a:t>
+              <a:t>On</a:t>
+            </a:r>
+            <a:r>
+              <a:rPr/>
+              <a:t> </a:t>
+            </a:r>
+            <a:r>
+              <a:rPr/>
+              <a:t>your</a:t>
+            </a:r>
+            <a:r>
+              <a:rPr/>
+              <a:t> </a:t>
+            </a:r>
+            <a:r>
+              <a:rPr/>
+              <a:t>own</a:t>
             </a:r>
           </a:p>
         </p:txBody>
@@ -19320,48 +19766,7 @@
             <a:pPr lvl="1"/>
             <a:r>
               <a:rPr/>
-              <a:t>Did you make the panel/stack/dodge Survived or did you make it Sex? Here’s some code, but yours might be different.</a:t>
-            </a:r>
-          </a:p>
-          <a:p>
-            <a:pPr lvl="0" marL="0" indent="0">
-              <a:buNone/>
-            </a:pPr>
-            <a:r>
-              <a:rPr/>
-              <a:t>((Show Python code))</a:t>
-            </a:r>
-          </a:p>
-          <a:p>
-            <a:pPr lvl="0" marL="0" indent="0">
-              <a:buNone/>
-            </a:pPr>
-            <a:r>
-              <a:rPr/>
-              <a:t>R code</a:t>
-            </a:r>
-          </a:p>
-          <a:p>
-            <a:pPr lvl="0" marL="1270000" indent="0">
-              <a:buNone/>
-            </a:pPr>
-            <a:r>
-              <a:rPr sz="1800">
-                <a:latin typeface="Courier"/>
-              </a:rPr>
-              <a:t>titanic %&gt;%
-  ggplot(aes(x=Sex, fill=Survived)) +
-    geom_bar() +
-    facet_grid(cols=vars(Survived))</a:t>
-            </a:r>
-          </a:p>
-          <a:p>
-            <a:pPr lvl="0" marL="0" indent="0">
-              <a:buNone/>
-            </a:pPr>
-            <a:r>
-              <a:rPr/>
-              <a:t>((Show Tableau))</a:t>
+              <a:t>Revise this visualization so the first class bar is red.</a:t>
             </a:r>
           </a:p>
         </p:txBody>
@@ -19408,57 +19813,70 @@
             </a:pPr>
             <a:r>
               <a:rPr/>
-              <a:t>Panel,</a:t>
-            </a:r>
-            <a:r>
-              <a:rPr/>
-              <a:t> </a:t>
-            </a:r>
-            <a:r>
-              <a:rPr/>
-              <a:t>one</a:t>
-            </a:r>
-            <a:r>
-              <a:rPr/>
-              <a:t> </a:t>
-            </a:r>
-            <a:r>
-              <a:rPr/>
-              <a:t>approach</a:t>
+              <a:t>Wait</a:t>
+            </a:r>
+            <a:r>
+              <a:rPr/>
+              <a:t> </a:t>
+            </a:r>
+            <a:r>
+              <a:rPr/>
+              <a:t>before</a:t>
+            </a:r>
+            <a:r>
+              <a:rPr/>
+              <a:t> </a:t>
+            </a:r>
+            <a:r>
+              <a:rPr/>
+              <a:t>showing</a:t>
             </a:r>
           </a:p>
         </p:txBody>
       </p:sp>
-      <p:pic>
-        <p:nvPicPr>
-          <p:cNvPr descr="data-visualization-02-bars_files/figure-pptx/mortality-by-panel-1.png" id="0" name="Picture 1"/>
-          <p:cNvPicPr>
-            <a:picLocks noGrp="1" noChangeAspect="1"/>
-          </p:cNvPicPr>
-          <p:nvPr/>
-        </p:nvPicPr>
-        <p:blipFill>
-          <a:blip r:embed="rId2"/>
-          <a:stretch>
-            <a:fillRect/>
-          </a:stretch>
-        </p:blipFill>
-        <p:spPr bwMode="auto">
-          <a:xfrm>
-            <a:off x="1752600" y="1600200"/>
-            <a:ext cx="5651500" cy="4521200"/>
-          </a:xfrm>
-          <a:prstGeom prst="rect">
-            <a:avLst/>
-          </a:prstGeom>
-          <a:noFill/>
-          <a:ln w="9525">
-            <a:noFill/>
-            <a:headEnd/>
-            <a:tailEnd/>
-          </a:ln>
-        </p:spPr>
-      </p:pic>
+      <p:sp>
+        <p:nvSpPr>
+          <p:cNvPr id="3" name="Content Placeholder 2"/>
+          <p:cNvSpPr>
+            <a:spLocks noGrp="1"/>
+          </p:cNvSpPr>
+          <p:nvPr>
+            <p:ph idx="1"/>
+          </p:nvPr>
+        </p:nvSpPr>
+        <p:spPr/>
+        <p:txBody>
+          <a:bodyPr/>
+          <a:lstStyle/>
+          <a:p>
+            <a:pPr lvl="0" marL="0" indent="0">
+              <a:buNone/>
+            </a:pPr>
+            <a:r>
+              <a:rPr/>
+              <a:t>((Python code))</a:t>
+            </a:r>
+          </a:p>
+          <a:p>
+            <a:pPr lvl="0" marL="0" indent="0">
+              <a:buNone/>
+            </a:pPr>
+            <a:r>
+              <a:rPr/>
+              <a:t>((R code))</a:t>
+            </a:r>
+          </a:p>
+          <a:p>
+            <a:pPr lvl="0" marL="0" indent="0">
+              <a:buNone/>
+            </a:pPr>
+            <a:r>
+              <a:rPr/>
+              <a:t>((Tableau steps))</a:t>
+            </a:r>
+          </a:p>
+        </p:txBody>
+      </p:sp>
     </p:spTree>
   </p:cSld>
 </p:sld>
@@ -19501,57 +19919,76 @@
             </a:pPr>
             <a:r>
               <a:rPr/>
-              <a:t>Panel,</a:t>
-            </a:r>
-            <a:r>
-              <a:rPr/>
-              <a:t> </a:t>
-            </a:r>
-            <a:r>
-              <a:rPr/>
-              <a:t>alternate</a:t>
-            </a:r>
-            <a:r>
-              <a:rPr/>
-              <a:t> </a:t>
-            </a:r>
-            <a:r>
-              <a:rPr/>
-              <a:t>approach</a:t>
+              <a:t>What</a:t>
+            </a:r>
+            <a:r>
+              <a:rPr/>
+              <a:t> </a:t>
+            </a:r>
+            <a:r>
+              <a:rPr/>
+              <a:t>your</a:t>
+            </a:r>
+            <a:r>
+              <a:rPr/>
+              <a:t> </a:t>
+            </a:r>
+            <a:r>
+              <a:rPr/>
+              <a:t>visualization</a:t>
+            </a:r>
+            <a:r>
+              <a:rPr/>
+              <a:t> </a:t>
+            </a:r>
+            <a:r>
+              <a:rPr/>
+              <a:t>might</a:t>
+            </a:r>
+            <a:r>
+              <a:rPr/>
+              <a:t> </a:t>
+            </a:r>
+            <a:r>
+              <a:rPr/>
+              <a:t>look</a:t>
+            </a:r>
+            <a:r>
+              <a:rPr/>
+              <a:t> </a:t>
+            </a:r>
+            <a:r>
+              <a:rPr/>
+              <a:t>like</a:t>
             </a:r>
           </a:p>
         </p:txBody>
       </p:sp>
-      <p:pic>
-        <p:nvPicPr>
-          <p:cNvPr descr="data-visualization-02-bars_files/figure-pptx/mortality-by-panel-alt-1.png" id="0" name="Picture 1"/>
-          <p:cNvPicPr>
-            <a:picLocks noGrp="1" noChangeAspect="1"/>
-          </p:cNvPicPr>
-          <p:nvPr/>
-        </p:nvPicPr>
-        <p:blipFill>
-          <a:blip r:embed="rId2"/>
-          <a:stretch>
-            <a:fillRect/>
-          </a:stretch>
-        </p:blipFill>
-        <p:spPr bwMode="auto">
-          <a:xfrm>
-            <a:off x="1752600" y="1600200"/>
-            <a:ext cx="5651500" cy="4521200"/>
-          </a:xfrm>
-          <a:prstGeom prst="rect">
-            <a:avLst/>
-          </a:prstGeom>
-          <a:noFill/>
-          <a:ln w="9525">
-            <a:noFill/>
-            <a:headEnd/>
-            <a:tailEnd/>
-          </a:ln>
-        </p:spPr>
-      </p:pic>
+      <p:sp>
+        <p:nvSpPr>
+          <p:cNvPr id="3" name="Content Placeholder 2"/>
+          <p:cNvSpPr>
+            <a:spLocks noGrp="1"/>
+          </p:cNvSpPr>
+          <p:nvPr>
+            <p:ph idx="1"/>
+          </p:nvPr>
+        </p:nvSpPr>
+        <p:spPr/>
+        <p:txBody>
+          <a:bodyPr/>
+          <a:lstStyle/>
+          <a:p>
+            <a:pPr lvl="0" marL="0" indent="0">
+              <a:buNone/>
+            </a:pPr>
+            <a:r>
+              <a:rPr/>
+              <a:t>((Show visualization))</a:t>
+            </a:r>
+          </a:p>
+        </p:txBody>
+      </p:sp>
     </p:spTree>
   </p:cSld>
 </p:sld>
@@ -19594,57 +20031,92 @@
             </a:pPr>
             <a:r>
               <a:rPr/>
-              <a:t>Stack,</a:t>
-            </a:r>
-            <a:r>
-              <a:rPr/>
-              <a:t> </a:t>
-            </a:r>
-            <a:r>
-              <a:rPr/>
-              <a:t>one</a:t>
-            </a:r>
-            <a:r>
-              <a:rPr/>
-              <a:t> </a:t>
-            </a:r>
-            <a:r>
-              <a:rPr/>
-              <a:t>approach</a:t>
+              <a:t>Stack</a:t>
+            </a:r>
+            <a:r>
+              <a:rPr/>
+              <a:t> </a:t>
+            </a:r>
+            <a:r>
+              <a:rPr/>
+              <a:t>versus</a:t>
+            </a:r>
+            <a:r>
+              <a:rPr/>
+              <a:t> </a:t>
+            </a:r>
+            <a:r>
+              <a:rPr/>
+              <a:t>dodge</a:t>
             </a:r>
           </a:p>
         </p:txBody>
       </p:sp>
-      <p:pic>
-        <p:nvPicPr>
-          <p:cNvPr descr="data-visualization-02-bars_files/figure-pptx/mortality-by-stack-1.png" id="0" name="Picture 1"/>
-          <p:cNvPicPr>
-            <a:picLocks noGrp="1" noChangeAspect="1"/>
-          </p:cNvPicPr>
-          <p:nvPr/>
-        </p:nvPicPr>
-        <p:blipFill>
-          <a:blip r:embed="rId2"/>
-          <a:stretch>
-            <a:fillRect/>
-          </a:stretch>
-        </p:blipFill>
-        <p:spPr bwMode="auto">
-          <a:xfrm>
-            <a:off x="1752600" y="1600200"/>
-            <a:ext cx="5651500" cy="4521200"/>
-          </a:xfrm>
-          <a:prstGeom prst="rect">
-            <a:avLst/>
-          </a:prstGeom>
-          <a:noFill/>
-          <a:ln w="9525">
-            <a:noFill/>
-            <a:headEnd/>
-            <a:tailEnd/>
-          </a:ln>
-        </p:spPr>
-      </p:pic>
+      <p:sp>
+        <p:nvSpPr>
+          <p:cNvPr id="3" name="Content Placeholder 2"/>
+          <p:cNvSpPr>
+            <a:spLocks noGrp="1"/>
+          </p:cNvSpPr>
+          <p:nvPr>
+            <p:ph idx="1"/>
+          </p:nvPr>
+        </p:nvSpPr>
+        <p:spPr/>
+        <p:txBody>
+          <a:bodyPr/>
+          <a:lstStyle/>
+          <a:p>
+            <a:pPr lvl="1"/>
+            <a:r>
+              <a:rPr/>
+              <a:t>Summarize by two categories</a:t>
+            </a:r>
+          </a:p>
+          <a:p>
+            <a:pPr lvl="1"/>
+            <a:r>
+              <a:rPr/>
+              <a:t>Facet</a:t>
+            </a:r>
+          </a:p>
+          <a:p>
+            <a:pPr lvl="2"/>
+            <a:r>
+              <a:rPr/>
+              <a:t>Separate plots</a:t>
+            </a:r>
+          </a:p>
+          <a:p>
+            <a:pPr lvl="1"/>
+            <a:r>
+              <a:rPr/>
+              <a:t>Dodge</a:t>
+            </a:r>
+          </a:p>
+          <a:p>
+            <a:pPr lvl="2"/>
+            <a:r>
+              <a:rPr/>
+              <a:t>Side by side</a:t>
+            </a:r>
+          </a:p>
+          <a:p>
+            <a:pPr lvl="1"/>
+            <a:r>
+              <a:rPr/>
+              <a:t>Stack</a:t>
+            </a:r>
+          </a:p>
+          <a:p>
+            <a:pPr lvl="2"/>
+            <a:r>
+              <a:rPr/>
+              <a:t>One on top, one on bottom</a:t>
+            </a:r>
+          </a:p>
+        </p:txBody>
+      </p:sp>
     </p:spTree>
   </p:cSld>
 </p:sld>
@@ -19687,39 +20159,39 @@
             </a:pPr>
             <a:r>
               <a:rPr/>
-              <a:t>To</a:t>
-            </a:r>
-            <a:r>
-              <a:rPr/>
-              <a:t> </a:t>
-            </a:r>
-            <a:r>
-              <a:rPr/>
-              <a:t>prepare</a:t>
-            </a:r>
-            <a:r>
-              <a:rPr/>
-              <a:t> </a:t>
-            </a:r>
-            <a:r>
-              <a:rPr/>
-              <a:t>for</a:t>
-            </a:r>
-            <a:r>
-              <a:rPr/>
-              <a:t> </a:t>
-            </a:r>
-            <a:r>
-              <a:rPr/>
-              <a:t>this</a:t>
-            </a:r>
-            <a:r>
-              <a:rPr/>
-              <a:t> </a:t>
-            </a:r>
-            <a:r>
-              <a:rPr/>
-              <a:t>section</a:t>
+              <a:t>Python</a:t>
+            </a:r>
+            <a:r>
+              <a:rPr/>
+              <a:t> </a:t>
+            </a:r>
+            <a:r>
+              <a:rPr/>
+              <a:t>code</a:t>
+            </a:r>
+            <a:r>
+              <a:rPr/>
+              <a:t> </a:t>
+            </a:r>
+            <a:r>
+              <a:rPr/>
+              <a:t>to</a:t>
+            </a:r>
+            <a:r>
+              <a:rPr/>
+              <a:t> </a:t>
+            </a:r>
+            <a:r>
+              <a:rPr/>
+              <a:t>get</a:t>
+            </a:r>
+            <a:r>
+              <a:rPr/>
+              <a:t> </a:t>
+            </a:r>
+            <a:r>
+              <a:rPr/>
+              <a:t>started</a:t>
             </a:r>
           </a:p>
         </p:txBody>
@@ -19744,16 +20216,7 @@
             </a:pPr>
             <a:r>
               <a:rPr/>
-              <a:t>Download the scotus_cases.csv data set, or go to the original source, the Kaggle datasets repository.</a:t>
-            </a:r>
-          </a:p>
-          <a:p>
-            <a:pPr lvl="0" marL="0" indent="0">
-              <a:buNone/>
-            </a:pPr>
-            <a:r>
-              <a:rPr/>
-              <a:t>Import the data and create a bar chart showing the frequency of opinions written by year_filed. Note that there are a few typos and a few rows that do not belong. You can remove these, but they will not affect any of the analyses we are considering.</a:t>
+              <a:t>((Add later))</a:t>
             </a:r>
           </a:p>
         </p:txBody>
@@ -19800,30 +20263,46 @@
             </a:pPr>
             <a:r>
               <a:rPr/>
-              <a:t>Stack,</a:t>
-            </a:r>
-            <a:r>
-              <a:rPr/>
-              <a:t> </a:t>
-            </a:r>
-            <a:r>
-              <a:rPr/>
-              <a:t>alternate</a:t>
-            </a:r>
-            <a:r>
-              <a:rPr/>
-              <a:t> </a:t>
-            </a:r>
-            <a:r>
-              <a:rPr/>
-              <a:t>approach</a:t>
+              <a:t>Titanic</a:t>
+            </a:r>
+            <a:r>
+              <a:rPr/>
+              <a:t> </a:t>
+            </a:r>
+            <a:r>
+              <a:rPr/>
+              <a:t>passenger</a:t>
+            </a:r>
+            <a:r>
+              <a:rPr/>
+              <a:t> </a:t>
+            </a:r>
+            <a:r>
+              <a:rPr/>
+              <a:t>count</a:t>
+            </a:r>
+            <a:r>
+              <a:rPr/>
+              <a:t> </a:t>
+            </a:r>
+            <a:r>
+              <a:rPr/>
+              <a:t>by</a:t>
+            </a:r>
+            <a:r>
+              <a:rPr/>
+              <a:t> </a:t>
+            </a:r>
+            <a:r>
+              <a:rPr/>
+              <a:t>gender</a:t>
             </a:r>
           </a:p>
         </p:txBody>
       </p:sp>
       <p:pic>
         <p:nvPicPr>
-          <p:cNvPr descr="data-visualization-02-bars_files/figure-pptx/mortality-by-stack-alt-1.png" id="0" name="Picture 1"/>
+          <p:cNvPr descr="data-visualization-02-bars_files/figure-pptx/count-by-gender-1.png" id="0" name="Picture 1"/>
           <p:cNvPicPr>
             <a:picLocks noGrp="1" noChangeAspect="1"/>
           </p:cNvPicPr>
@@ -19893,30 +20372,54 @@
             </a:pPr>
             <a:r>
               <a:rPr/>
-              <a:t>Dodge,</a:t>
-            </a:r>
-            <a:r>
-              <a:rPr/>
-              <a:t> </a:t>
-            </a:r>
-            <a:r>
-              <a:rPr/>
-              <a:t>one</a:t>
-            </a:r>
-            <a:r>
-              <a:rPr/>
-              <a:t> </a:t>
-            </a:r>
-            <a:r>
-              <a:rPr/>
-              <a:t>approach</a:t>
+              <a:t>Titanic</a:t>
+            </a:r>
+            <a:r>
+              <a:rPr/>
+              <a:t> </a:t>
+            </a:r>
+            <a:r>
+              <a:rPr/>
+              <a:t>passenger</a:t>
+            </a:r>
+            <a:r>
+              <a:rPr/>
+              <a:t> </a:t>
+            </a:r>
+            <a:r>
+              <a:rPr/>
+              <a:t>count</a:t>
+            </a:r>
+            <a:r>
+              <a:rPr/>
+              <a:t> </a:t>
+            </a:r>
+            <a:r>
+              <a:rPr/>
+              <a:t>by</a:t>
+            </a:r>
+            <a:r>
+              <a:rPr/>
+              <a:t> </a:t>
+            </a:r>
+            <a:r>
+              <a:rPr/>
+              <a:t>passenger</a:t>
+            </a:r>
+            <a:r>
+              <a:rPr/>
+              <a:t> </a:t>
+            </a:r>
+            <a:r>
+              <a:rPr/>
+              <a:t>class</a:t>
             </a:r>
           </a:p>
         </p:txBody>
       </p:sp>
       <p:pic>
         <p:nvPicPr>
-          <p:cNvPr descr="data-visualization-02-bars_files/figure-pptx/mortality-by-dodge-1.png" id="0" name="Picture 1"/>
+          <p:cNvPr descr="data-visualization-02-bars_files/figure-pptx/count-by-passenger-class-1.png" id="0" name="Picture 1"/>
           <p:cNvPicPr>
             <a:picLocks noGrp="1" noChangeAspect="1"/>
           </p:cNvPicPr>
@@ -19986,30 +20489,22 @@
             </a:pPr>
             <a:r>
               <a:rPr/>
-              <a:t>Dodge,</a:t>
-            </a:r>
-            <a:r>
-              <a:rPr/>
-              <a:t> </a:t>
-            </a:r>
-            <a:r>
-              <a:rPr/>
-              <a:t>alternate</a:t>
-            </a:r>
-            <a:r>
-              <a:rPr/>
-              <a:t> </a:t>
-            </a:r>
-            <a:r>
-              <a:rPr/>
-              <a:t>approach</a:t>
+              <a:t>Titanic</a:t>
+            </a:r>
+            <a:r>
+              <a:rPr/>
+              <a:t> </a:t>
+            </a:r>
+            <a:r>
+              <a:rPr/>
+              <a:t>facet</a:t>
             </a:r>
           </a:p>
         </p:txBody>
       </p:sp>
       <p:pic>
         <p:nvPicPr>
-          <p:cNvPr descr="data-visualization-02-bars_files/figure-pptx/mortality-by-dodge-alt-1.png" id="0" name="Picture 1"/>
+          <p:cNvPr descr="data-visualization-02-bars_files/figure-pptx/count-by-facet-1.png" id="0" name="Picture 1"/>
           <p:cNvPicPr>
             <a:picLocks noGrp="1" noChangeAspect="1"/>
           </p:cNvPicPr>
@@ -20079,69 +20574,49 @@
             </a:pPr>
             <a:r>
               <a:rPr/>
-              <a:t>Summarizations</a:t>
+              <a:t>Titanic</a:t>
+            </a:r>
+            <a:r>
+              <a:rPr/>
+              <a:t> </a:t>
+            </a:r>
+            <a:r>
+              <a:rPr/>
+              <a:t>dodge</a:t>
             </a:r>
           </a:p>
         </p:txBody>
       </p:sp>
-      <p:sp>
-        <p:nvSpPr>
-          <p:cNvPr id="3" name="Content Placeholder 2"/>
-          <p:cNvSpPr>
-            <a:spLocks noGrp="1"/>
-          </p:cNvSpPr>
-          <p:nvPr>
-            <p:ph idx="1"/>
-          </p:nvPr>
-        </p:nvSpPr>
-        <p:spPr/>
-        <p:txBody>
-          <a:bodyPr/>
-          <a:lstStyle/>
-          <a:p>
-            <a:pPr lvl="1"/>
-            <a:r>
-              <a:rPr/>
-              <a:t>One number summary (mean or percentage)</a:t>
-            </a:r>
-          </a:p>
-          <a:p>
-            <a:pPr lvl="1"/>
-            <a:r>
-              <a:rPr/>
-              <a:t>Two number summary (error bars)</a:t>
-            </a:r>
-          </a:p>
-          <a:p>
-            <a:pPr lvl="1"/>
-            <a:r>
-              <a:rPr/>
-              <a:t>Five number summary (boxplots)</a:t>
-            </a:r>
-          </a:p>
-          <a:p>
-            <a:pPr lvl="1"/>
-            <a:r>
-              <a:rPr/>
-              <a:t>All the data</a:t>
-            </a:r>
-          </a:p>
-          <a:p>
-            <a:pPr lvl="2"/>
-            <a:r>
-              <a:rPr/>
-              <a:t>Jittering</a:t>
-            </a:r>
-          </a:p>
-          <a:p>
-            <a:pPr lvl="2"/>
-            <a:r>
-              <a:rPr/>
-              <a:t>Opacity</a:t>
-            </a:r>
-          </a:p>
-        </p:txBody>
-      </p:sp>
+      <p:pic>
+        <p:nvPicPr>
+          <p:cNvPr descr="data-visualization-02-bars_files/figure-pptx/count-by-dodge-1.png" id="0" name="Picture 1"/>
+          <p:cNvPicPr>
+            <a:picLocks noGrp="1" noChangeAspect="1"/>
+          </p:cNvPicPr>
+          <p:nvPr/>
+        </p:nvPicPr>
+        <p:blipFill>
+          <a:blip r:embed="rId2"/>
+          <a:stretch>
+            <a:fillRect/>
+          </a:stretch>
+        </p:blipFill>
+        <p:spPr bwMode="auto">
+          <a:xfrm>
+            <a:off x="1752600" y="1600200"/>
+            <a:ext cx="5651500" cy="4521200"/>
+          </a:xfrm>
+          <a:prstGeom prst="rect">
+            <a:avLst/>
+          </a:prstGeom>
+          <a:noFill/>
+          <a:ln w="9525">
+            <a:noFill/>
+            <a:headEnd/>
+            <a:tailEnd/>
+          </a:ln>
+        </p:spPr>
+      </p:pic>
     </p:spTree>
   </p:cSld>
 </p:sld>
@@ -20184,68 +20659,49 @@
             </a:pPr>
             <a:r>
               <a:rPr/>
-              <a:t>Switching</a:t>
-            </a:r>
-            <a:r>
-              <a:rPr/>
-              <a:t> </a:t>
-            </a:r>
-            <a:r>
-              <a:rPr/>
-              <a:t>from</a:t>
-            </a:r>
-            <a:r>
-              <a:rPr/>
-              <a:t> </a:t>
-            </a:r>
-            <a:r>
-              <a:rPr/>
-              <a:t>count</a:t>
-            </a:r>
-            <a:r>
-              <a:rPr/>
-              <a:t> </a:t>
-            </a:r>
-            <a:r>
-              <a:rPr/>
-              <a:t>to</a:t>
-            </a:r>
-            <a:r>
-              <a:rPr/>
-              <a:t> </a:t>
-            </a:r>
-            <a:r>
-              <a:rPr/>
-              <a:t>percent</a:t>
+              <a:t>Titanic</a:t>
+            </a:r>
+            <a:r>
+              <a:rPr/>
+              <a:t> </a:t>
+            </a:r>
+            <a:r>
+              <a:rPr/>
+              <a:t>stack</a:t>
             </a:r>
           </a:p>
         </p:txBody>
       </p:sp>
-      <p:sp>
-        <p:nvSpPr>
-          <p:cNvPr id="3" name="Content Placeholder 2"/>
-          <p:cNvSpPr>
-            <a:spLocks noGrp="1"/>
-          </p:cNvSpPr>
-          <p:nvPr>
-            <p:ph idx="1"/>
-          </p:nvPr>
-        </p:nvSpPr>
-        <p:spPr/>
-        <p:txBody>
-          <a:bodyPr/>
-          <a:lstStyle/>
-          <a:p>
-            <a:pPr lvl="0" marL="0" indent="0">
-              <a:buNone/>
-            </a:pPr>
-            <a:r>
-              <a:rPr/>
-              <a:t>((Show the code in Python, R, and Tableau. Explain why you might want counts versus percents.))</a:t>
-            </a:r>
-          </a:p>
-        </p:txBody>
-      </p:sp>
+      <p:pic>
+        <p:nvPicPr>
+          <p:cNvPr descr="data-visualization-02-bars_files/figure-pptx/count-by-stack-1.png" id="0" name="Picture 1"/>
+          <p:cNvPicPr>
+            <a:picLocks noGrp="1" noChangeAspect="1"/>
+          </p:cNvPicPr>
+          <p:nvPr/>
+        </p:nvPicPr>
+        <p:blipFill>
+          <a:blip r:embed="rId2"/>
+          <a:stretch>
+            <a:fillRect/>
+          </a:stretch>
+        </p:blipFill>
+        <p:spPr bwMode="auto">
+          <a:xfrm>
+            <a:off x="1752600" y="1600200"/>
+            <a:ext cx="5651500" cy="4521200"/>
+          </a:xfrm>
+          <a:prstGeom prst="rect">
+            <a:avLst/>
+          </a:prstGeom>
+          <a:noFill/>
+          <a:ln w="9525">
+            <a:noFill/>
+            <a:headEnd/>
+            <a:tailEnd/>
+          </a:ln>
+        </p:spPr>
+      </p:pic>
     </p:spTree>
   </p:cSld>
 </p:sld>
@@ -20288,23 +20744,23 @@
             </a:pPr>
             <a:r>
               <a:rPr/>
-              <a:t>Example</a:t>
-            </a:r>
-            <a:r>
-              <a:rPr/>
-              <a:t> </a:t>
-            </a:r>
-            <a:r>
-              <a:rPr/>
-              <a:t>with</a:t>
-            </a:r>
-            <a:r>
-              <a:rPr/>
-              <a:t> </a:t>
-            </a:r>
-            <a:r>
-              <a:rPr/>
-              <a:t>means</a:t>
+              <a:t>On</a:t>
+            </a:r>
+            <a:r>
+              <a:rPr/>
+              <a:t> </a:t>
+            </a:r>
+            <a:r>
+              <a:rPr/>
+              <a:t>your</a:t>
+            </a:r>
+            <a:r>
+              <a:rPr/>
+              <a:t> </a:t>
+            </a:r>
+            <a:r>
+              <a:rPr/>
+              <a:t>own</a:t>
             </a:r>
           </a:p>
         </p:txBody>
@@ -20324,12 +20780,10 @@
           <a:bodyPr/>
           <a:lstStyle/>
           <a:p>
-            <a:pPr lvl="0" marL="0" indent="0">
-              <a:buNone/>
-            </a:pPr>
-            <a:r>
-              <a:rPr/>
-              <a:t>((Need to find the right data set to illustrate this. Maybe the Saratoga house prices?))</a:t>
+            <a:pPr lvl="1"/>
+            <a:r>
+              <a:rPr/>
+              <a:t>Draw a bar chart showing counts involving both mortality and gender. Use a panel, then stacking, then dodging. Which do you like best?</a:t>
             </a:r>
           </a:p>
         </p:txBody>
@@ -20376,23 +20830,55 @@
             </a:pPr>
             <a:r>
               <a:rPr/>
-              <a:t>Example</a:t>
-            </a:r>
-            <a:r>
-              <a:rPr/>
-              <a:t> </a:t>
-            </a:r>
-            <a:r>
-              <a:rPr/>
-              <a:t>with</a:t>
-            </a:r>
-            <a:r>
-              <a:rPr/>
-              <a:t> </a:t>
-            </a:r>
-            <a:r>
-              <a:rPr/>
-              <a:t>totals</a:t>
+              <a:t>Wait</a:t>
+            </a:r>
+            <a:r>
+              <a:rPr/>
+              <a:t> </a:t>
+            </a:r>
+            <a:r>
+              <a:rPr/>
+              <a:t>a</a:t>
+            </a:r>
+            <a:r>
+              <a:rPr/>
+              <a:t> </a:t>
+            </a:r>
+            <a:r>
+              <a:rPr/>
+              <a:t>bit</a:t>
+            </a:r>
+            <a:r>
+              <a:rPr/>
+              <a:t> </a:t>
+            </a:r>
+            <a:r>
+              <a:rPr/>
+              <a:t>before</a:t>
+            </a:r>
+            <a:r>
+              <a:rPr/>
+              <a:t> </a:t>
+            </a:r>
+            <a:r>
+              <a:rPr/>
+              <a:t>showing</a:t>
+            </a:r>
+            <a:r>
+              <a:rPr/>
+              <a:t> </a:t>
+            </a:r>
+            <a:r>
+              <a:rPr/>
+              <a:t>the</a:t>
+            </a:r>
+            <a:r>
+              <a:rPr/>
+              <a:t> </a:t>
+            </a:r>
+            <a:r>
+              <a:rPr/>
+              <a:t>code</a:t>
             </a:r>
           </a:p>
         </p:txBody>
@@ -20412,12 +20898,51 @@
           <a:bodyPr/>
           <a:lstStyle/>
           <a:p>
+            <a:pPr lvl="1"/>
+            <a:r>
+              <a:rPr/>
+              <a:t>Did you make the panel/stack/dodge Survived or did you make it Sex? Here’s some code, but yours might be different.</a:t>
+            </a:r>
+          </a:p>
+          <a:p>
             <a:pPr lvl="0" marL="0" indent="0">
               <a:buNone/>
             </a:pPr>
             <a:r>
               <a:rPr/>
-              <a:t>((Same data. What means tell you versus totals.))</a:t>
+              <a:t>((Show Python code))</a:t>
+            </a:r>
+          </a:p>
+          <a:p>
+            <a:pPr lvl="0" marL="0" indent="0">
+              <a:buNone/>
+            </a:pPr>
+            <a:r>
+              <a:rPr/>
+              <a:t>R code</a:t>
+            </a:r>
+          </a:p>
+          <a:p>
+            <a:pPr lvl="0" marL="1270000" indent="0">
+              <a:buNone/>
+            </a:pPr>
+            <a:r>
+              <a:rPr sz="1800">
+                <a:latin typeface="Courier"/>
+              </a:rPr>
+              <a:t>titanic %&gt;%
+  ggplot(aes(x=Sex, fill=Survived)) +
+    geom_bar() +
+    facet_grid(cols=vars(Survived))</a:t>
+            </a:r>
+          </a:p>
+          <a:p>
+            <a:pPr lvl="0" marL="0" indent="0">
+              <a:buNone/>
+            </a:pPr>
+            <a:r>
+              <a:rPr/>
+              <a:t>((Show Tableau))</a:t>
             </a:r>
           </a:p>
         </p:txBody>
@@ -20464,44 +20989,57 @@
             </a:pPr>
             <a:r>
               <a:rPr/>
-              <a:t>Boxplots</a:t>
-            </a:r>
-            <a:r>
-              <a:rPr/>
-              <a:t> </a:t>
-            </a:r>
-            <a:r>
-              <a:rPr/>
-              <a:t>example</a:t>
+              <a:t>Panel,</a:t>
+            </a:r>
+            <a:r>
+              <a:rPr/>
+              <a:t> </a:t>
+            </a:r>
+            <a:r>
+              <a:rPr/>
+              <a:t>one</a:t>
+            </a:r>
+            <a:r>
+              <a:rPr/>
+              <a:t> </a:t>
+            </a:r>
+            <a:r>
+              <a:rPr/>
+              <a:t>approach</a:t>
             </a:r>
           </a:p>
         </p:txBody>
       </p:sp>
-      <p:sp>
-        <p:nvSpPr>
-          <p:cNvPr id="3" name="Content Placeholder 2"/>
-          <p:cNvSpPr>
-            <a:spLocks noGrp="1"/>
-          </p:cNvSpPr>
-          <p:nvPr>
-            <p:ph idx="1"/>
-          </p:nvPr>
-        </p:nvSpPr>
-        <p:spPr/>
-        <p:txBody>
-          <a:bodyPr/>
-          <a:lstStyle/>
-          <a:p>
-            <a:pPr lvl="0" marL="0" indent="0">
-              <a:buNone/>
-            </a:pPr>
-            <a:r>
-              <a:rPr/>
-              <a:t>((Include an explanation of what a boxplot is))</a:t>
-            </a:r>
-          </a:p>
-        </p:txBody>
-      </p:sp>
+      <p:pic>
+        <p:nvPicPr>
+          <p:cNvPr descr="data-visualization-02-bars_files/figure-pptx/mortality-by-panel-1.png" id="0" name="Picture 1"/>
+          <p:cNvPicPr>
+            <a:picLocks noGrp="1" noChangeAspect="1"/>
+          </p:cNvPicPr>
+          <p:nvPr/>
+        </p:nvPicPr>
+        <p:blipFill>
+          <a:blip r:embed="rId2"/>
+          <a:stretch>
+            <a:fillRect/>
+          </a:stretch>
+        </p:blipFill>
+        <p:spPr bwMode="auto">
+          <a:xfrm>
+            <a:off x="1752600" y="1600200"/>
+            <a:ext cx="5651500" cy="4521200"/>
+          </a:xfrm>
+          <a:prstGeom prst="rect">
+            <a:avLst/>
+          </a:prstGeom>
+          <a:noFill/>
+          <a:ln w="9525">
+            <a:noFill/>
+            <a:headEnd/>
+            <a:tailEnd/>
+          </a:ln>
+        </p:spPr>
+      </p:pic>
     </p:spTree>
   </p:cSld>
 </p:sld>
@@ -20544,44 +21082,57 @@
             </a:pPr>
             <a:r>
               <a:rPr/>
-              <a:t>Jittering</a:t>
-            </a:r>
-            <a:r>
-              <a:rPr/>
-              <a:t> </a:t>
-            </a:r>
-            <a:r>
-              <a:rPr/>
-              <a:t>example</a:t>
+              <a:t>Panel,</a:t>
+            </a:r>
+            <a:r>
+              <a:rPr/>
+              <a:t> </a:t>
+            </a:r>
+            <a:r>
+              <a:rPr/>
+              <a:t>alternate</a:t>
+            </a:r>
+            <a:r>
+              <a:rPr/>
+              <a:t> </a:t>
+            </a:r>
+            <a:r>
+              <a:rPr/>
+              <a:t>approach</a:t>
             </a:r>
           </a:p>
         </p:txBody>
       </p:sp>
-      <p:sp>
-        <p:nvSpPr>
-          <p:cNvPr id="3" name="Content Placeholder 2"/>
-          <p:cNvSpPr>
-            <a:spLocks noGrp="1"/>
-          </p:cNvSpPr>
-          <p:nvPr>
-            <p:ph idx="1"/>
-          </p:nvPr>
-        </p:nvSpPr>
-        <p:spPr/>
-        <p:txBody>
-          <a:bodyPr/>
-          <a:lstStyle/>
-          <a:p>
-            <a:pPr lvl="0" marL="0" indent="0">
-              <a:buNone/>
-            </a:pPr>
-            <a:r>
-              <a:rPr/>
-              <a:t>((Include an explanation on when it doesn’t work.))</a:t>
-            </a:r>
-          </a:p>
-        </p:txBody>
-      </p:sp>
+      <p:pic>
+        <p:nvPicPr>
+          <p:cNvPr descr="data-visualization-02-bars_files/figure-pptx/mortality-by-panel-alt-1.png" id="0" name="Picture 1"/>
+          <p:cNvPicPr>
+            <a:picLocks noGrp="1" noChangeAspect="1"/>
+          </p:cNvPicPr>
+          <p:nvPr/>
+        </p:nvPicPr>
+        <p:blipFill>
+          <a:blip r:embed="rId2"/>
+          <a:stretch>
+            <a:fillRect/>
+          </a:stretch>
+        </p:blipFill>
+        <p:spPr bwMode="auto">
+          <a:xfrm>
+            <a:off x="1752600" y="1600200"/>
+            <a:ext cx="5651500" cy="4521200"/>
+          </a:xfrm>
+          <a:prstGeom prst="rect">
+            <a:avLst/>
+          </a:prstGeom>
+          <a:noFill/>
+          <a:ln w="9525">
+            <a:noFill/>
+            <a:headEnd/>
+            <a:tailEnd/>
+          </a:ln>
+        </p:spPr>
+      </p:pic>
     </p:spTree>
   </p:cSld>
 </p:sld>
@@ -20624,50 +21175,1564 @@
             </a:pPr>
             <a:r>
               <a:rPr/>
-              <a:t>Opacity</a:t>
-            </a:r>
-            <a:r>
-              <a:rPr/>
-              <a:t> </a:t>
-            </a:r>
-            <a:r>
-              <a:rPr/>
-              <a:t>example</a:t>
+              <a:t>Stack,</a:t>
+            </a:r>
+            <a:r>
+              <a:rPr/>
+              <a:t> </a:t>
+            </a:r>
+            <a:r>
+              <a:rPr/>
+              <a:t>one</a:t>
+            </a:r>
+            <a:r>
+              <a:rPr/>
+              <a:t> </a:t>
+            </a:r>
+            <a:r>
+              <a:rPr/>
+              <a:t>approach</a:t>
             </a:r>
           </a:p>
         </p:txBody>
       </p:sp>
-      <p:sp>
-        <p:nvSpPr>
-          <p:cNvPr id="3" name="Content Placeholder 2"/>
-          <p:cNvSpPr>
-            <a:spLocks noGrp="1"/>
-          </p:cNvSpPr>
-          <p:nvPr>
-            <p:ph idx="1"/>
-          </p:nvPr>
-        </p:nvSpPr>
-        <p:spPr/>
-        <p:txBody>
-          <a:bodyPr/>
-          <a:lstStyle/>
-          <a:p>
-            <a:pPr lvl="0" marL="0" indent="0">
-              <a:buNone/>
-            </a:pPr>
-            <a:r>
-              <a:rPr/>
-              <a:t>((Note the computational expense.))</a:t>
-            </a:r>
-          </a:p>
-        </p:txBody>
-      </p:sp>
+      <p:pic>
+        <p:nvPicPr>
+          <p:cNvPr descr="data-visualization-02-bars_files/figure-pptx/mortality-by-stack-1.png" id="0" name="Picture 1"/>
+          <p:cNvPicPr>
+            <a:picLocks noGrp="1" noChangeAspect="1"/>
+          </p:cNvPicPr>
+          <p:nvPr/>
+        </p:nvPicPr>
+        <p:blipFill>
+          <a:blip r:embed="rId2"/>
+          <a:stretch>
+            <a:fillRect/>
+          </a:stretch>
+        </p:blipFill>
+        <p:spPr bwMode="auto">
+          <a:xfrm>
+            <a:off x="1752600" y="1600200"/>
+            <a:ext cx="5651500" cy="4521200"/>
+          </a:xfrm>
+          <a:prstGeom prst="rect">
+            <a:avLst/>
+          </a:prstGeom>
+          <a:noFill/>
+          <a:ln w="9525">
+            <a:noFill/>
+            <a:headEnd/>
+            <a:tailEnd/>
+          </a:ln>
+        </p:spPr>
+      </p:pic>
     </p:spTree>
   </p:cSld>
 </p:sld>
 </file>
 
 <file path=ppt/slides/slide6.xml><?xml version="1.0" encoding="utf-8"?>
+<p:sld xmlns:a="http://schemas.openxmlformats.org/drawingml/2006/main" xmlns:r="http://schemas.openxmlformats.org/officeDocument/2006/relationships" xmlns:p="http://schemas.openxmlformats.org/presentationml/2006/main">
+  <p:cSld>
+    <p:spTree>
+      <p:nvGrpSpPr>
+        <p:cNvPr id="1" name=""/>
+        <p:cNvGrpSpPr/>
+        <p:nvPr/>
+      </p:nvGrpSpPr>
+      <p:grpSpPr>
+        <a:xfrm>
+          <a:off x="0" y="0"/>
+          <a:ext cx="0" cy="0"/>
+          <a:chOff x="0" y="0"/>
+          <a:chExt cx="0" cy="0"/>
+        </a:xfrm>
+      </p:grpSpPr>
+      <p:sp>
+        <p:nvSpPr>
+          <p:cNvPr id="2" name="Title 1"/>
+          <p:cNvSpPr>
+            <a:spLocks noGrp="1"/>
+          </p:cNvSpPr>
+          <p:nvPr>
+            <p:ph type="title"/>
+          </p:nvPr>
+        </p:nvSpPr>
+        <p:spPr/>
+        <p:txBody>
+          <a:bodyPr/>
+          <a:lstStyle/>
+          <a:p>
+            <a:pPr lvl="0" marL="0" indent="0">
+              <a:buNone/>
+            </a:pPr>
+            <a:r>
+              <a:rPr/>
+              <a:t>R</a:t>
+            </a:r>
+            <a:r>
+              <a:rPr/>
+              <a:t> </a:t>
+            </a:r>
+            <a:r>
+              <a:rPr/>
+              <a:t>code</a:t>
+            </a:r>
+            <a:r>
+              <a:rPr/>
+              <a:t> </a:t>
+            </a:r>
+            <a:r>
+              <a:rPr/>
+              <a:t>to</a:t>
+            </a:r>
+            <a:r>
+              <a:rPr/>
+              <a:t> </a:t>
+            </a:r>
+            <a:r>
+              <a:rPr/>
+              <a:t>get</a:t>
+            </a:r>
+            <a:r>
+              <a:rPr/>
+              <a:t> </a:t>
+            </a:r>
+            <a:r>
+              <a:rPr/>
+              <a:t>started</a:t>
+            </a:r>
+          </a:p>
+        </p:txBody>
+      </p:sp>
+      <p:sp>
+        <p:nvSpPr>
+          <p:cNvPr id="3" name="Content Placeholder 2"/>
+          <p:cNvSpPr>
+            <a:spLocks noGrp="1"/>
+          </p:cNvSpPr>
+          <p:nvPr>
+            <p:ph idx="1"/>
+          </p:nvPr>
+        </p:nvSpPr>
+        <p:spPr/>
+        <p:txBody>
+          <a:bodyPr/>
+          <a:lstStyle/>
+          <a:p>
+            <a:pPr lvl="0" marL="0" indent="0">
+              <a:buNone/>
+            </a:pPr>
+            <a:r>
+              <a:rPr/>
+              <a:t>((Add later))</a:t>
+            </a:r>
+          </a:p>
+        </p:txBody>
+      </p:sp>
+    </p:spTree>
+  </p:cSld>
+</p:sld>
+</file>
+
+<file path=ppt/slides/slide60.xml><?xml version="1.0" encoding="utf-8"?>
+<p:sld xmlns:a="http://schemas.openxmlformats.org/drawingml/2006/main" xmlns:r="http://schemas.openxmlformats.org/officeDocument/2006/relationships" xmlns:p="http://schemas.openxmlformats.org/presentationml/2006/main">
+  <p:cSld>
+    <p:spTree>
+      <p:nvGrpSpPr>
+        <p:cNvPr id="1" name=""/>
+        <p:cNvGrpSpPr/>
+        <p:nvPr/>
+      </p:nvGrpSpPr>
+      <p:grpSpPr>
+        <a:xfrm>
+          <a:off x="0" y="0"/>
+          <a:ext cx="0" cy="0"/>
+          <a:chOff x="0" y="0"/>
+          <a:chExt cx="0" cy="0"/>
+        </a:xfrm>
+      </p:grpSpPr>
+      <p:sp>
+        <p:nvSpPr>
+          <p:cNvPr id="2" name="Title 1"/>
+          <p:cNvSpPr>
+            <a:spLocks noGrp="1"/>
+          </p:cNvSpPr>
+          <p:nvPr>
+            <p:ph type="title"/>
+          </p:nvPr>
+        </p:nvSpPr>
+        <p:spPr/>
+        <p:txBody>
+          <a:bodyPr/>
+          <a:lstStyle/>
+          <a:p>
+            <a:pPr lvl="0" marL="0" indent="0">
+              <a:buNone/>
+            </a:pPr>
+            <a:r>
+              <a:rPr/>
+              <a:t>Stack,</a:t>
+            </a:r>
+            <a:r>
+              <a:rPr/>
+              <a:t> </a:t>
+            </a:r>
+            <a:r>
+              <a:rPr/>
+              <a:t>alternate</a:t>
+            </a:r>
+            <a:r>
+              <a:rPr/>
+              <a:t> </a:t>
+            </a:r>
+            <a:r>
+              <a:rPr/>
+              <a:t>approach</a:t>
+            </a:r>
+          </a:p>
+        </p:txBody>
+      </p:sp>
+      <p:pic>
+        <p:nvPicPr>
+          <p:cNvPr descr="data-visualization-02-bars_files/figure-pptx/mortality-by-stack-alt-1.png" id="0" name="Picture 1"/>
+          <p:cNvPicPr>
+            <a:picLocks noGrp="1" noChangeAspect="1"/>
+          </p:cNvPicPr>
+          <p:nvPr/>
+        </p:nvPicPr>
+        <p:blipFill>
+          <a:blip r:embed="rId2"/>
+          <a:stretch>
+            <a:fillRect/>
+          </a:stretch>
+        </p:blipFill>
+        <p:spPr bwMode="auto">
+          <a:xfrm>
+            <a:off x="1752600" y="1600200"/>
+            <a:ext cx="5651500" cy="4521200"/>
+          </a:xfrm>
+          <a:prstGeom prst="rect">
+            <a:avLst/>
+          </a:prstGeom>
+          <a:noFill/>
+          <a:ln w="9525">
+            <a:noFill/>
+            <a:headEnd/>
+            <a:tailEnd/>
+          </a:ln>
+        </p:spPr>
+      </p:pic>
+    </p:spTree>
+  </p:cSld>
+</p:sld>
+</file>
+
+<file path=ppt/slides/slide61.xml><?xml version="1.0" encoding="utf-8"?>
+<p:sld xmlns:a="http://schemas.openxmlformats.org/drawingml/2006/main" xmlns:r="http://schemas.openxmlformats.org/officeDocument/2006/relationships" xmlns:p="http://schemas.openxmlformats.org/presentationml/2006/main">
+  <p:cSld>
+    <p:spTree>
+      <p:nvGrpSpPr>
+        <p:cNvPr id="1" name=""/>
+        <p:cNvGrpSpPr/>
+        <p:nvPr/>
+      </p:nvGrpSpPr>
+      <p:grpSpPr>
+        <a:xfrm>
+          <a:off x="0" y="0"/>
+          <a:ext cx="0" cy="0"/>
+          <a:chOff x="0" y="0"/>
+          <a:chExt cx="0" cy="0"/>
+        </a:xfrm>
+      </p:grpSpPr>
+      <p:sp>
+        <p:nvSpPr>
+          <p:cNvPr id="2" name="Title 1"/>
+          <p:cNvSpPr>
+            <a:spLocks noGrp="1"/>
+          </p:cNvSpPr>
+          <p:nvPr>
+            <p:ph type="title"/>
+          </p:nvPr>
+        </p:nvSpPr>
+        <p:spPr/>
+        <p:txBody>
+          <a:bodyPr/>
+          <a:lstStyle/>
+          <a:p>
+            <a:pPr lvl="0" marL="0" indent="0">
+              <a:buNone/>
+            </a:pPr>
+            <a:r>
+              <a:rPr/>
+              <a:t>Dodge,</a:t>
+            </a:r>
+            <a:r>
+              <a:rPr/>
+              <a:t> </a:t>
+            </a:r>
+            <a:r>
+              <a:rPr/>
+              <a:t>one</a:t>
+            </a:r>
+            <a:r>
+              <a:rPr/>
+              <a:t> </a:t>
+            </a:r>
+            <a:r>
+              <a:rPr/>
+              <a:t>approach</a:t>
+            </a:r>
+          </a:p>
+        </p:txBody>
+      </p:sp>
+      <p:pic>
+        <p:nvPicPr>
+          <p:cNvPr descr="data-visualization-02-bars_files/figure-pptx/mortality-by-dodge-1.png" id="0" name="Picture 1"/>
+          <p:cNvPicPr>
+            <a:picLocks noGrp="1" noChangeAspect="1"/>
+          </p:cNvPicPr>
+          <p:nvPr/>
+        </p:nvPicPr>
+        <p:blipFill>
+          <a:blip r:embed="rId2"/>
+          <a:stretch>
+            <a:fillRect/>
+          </a:stretch>
+        </p:blipFill>
+        <p:spPr bwMode="auto">
+          <a:xfrm>
+            <a:off x="1752600" y="1600200"/>
+            <a:ext cx="5651500" cy="4521200"/>
+          </a:xfrm>
+          <a:prstGeom prst="rect">
+            <a:avLst/>
+          </a:prstGeom>
+          <a:noFill/>
+          <a:ln w="9525">
+            <a:noFill/>
+            <a:headEnd/>
+            <a:tailEnd/>
+          </a:ln>
+        </p:spPr>
+      </p:pic>
+    </p:spTree>
+  </p:cSld>
+</p:sld>
+</file>
+
+<file path=ppt/slides/slide62.xml><?xml version="1.0" encoding="utf-8"?>
+<p:sld xmlns:a="http://schemas.openxmlformats.org/drawingml/2006/main" xmlns:r="http://schemas.openxmlformats.org/officeDocument/2006/relationships" xmlns:p="http://schemas.openxmlformats.org/presentationml/2006/main">
+  <p:cSld>
+    <p:spTree>
+      <p:nvGrpSpPr>
+        <p:cNvPr id="1" name=""/>
+        <p:cNvGrpSpPr/>
+        <p:nvPr/>
+      </p:nvGrpSpPr>
+      <p:grpSpPr>
+        <a:xfrm>
+          <a:off x="0" y="0"/>
+          <a:ext cx="0" cy="0"/>
+          <a:chOff x="0" y="0"/>
+          <a:chExt cx="0" cy="0"/>
+        </a:xfrm>
+      </p:grpSpPr>
+      <p:sp>
+        <p:nvSpPr>
+          <p:cNvPr id="2" name="Title 1"/>
+          <p:cNvSpPr>
+            <a:spLocks noGrp="1"/>
+          </p:cNvSpPr>
+          <p:nvPr>
+            <p:ph type="title"/>
+          </p:nvPr>
+        </p:nvSpPr>
+        <p:spPr/>
+        <p:txBody>
+          <a:bodyPr/>
+          <a:lstStyle/>
+          <a:p>
+            <a:pPr lvl="0" marL="0" indent="0">
+              <a:buNone/>
+            </a:pPr>
+            <a:r>
+              <a:rPr/>
+              <a:t>Dodge,</a:t>
+            </a:r>
+            <a:r>
+              <a:rPr/>
+              <a:t> </a:t>
+            </a:r>
+            <a:r>
+              <a:rPr/>
+              <a:t>alternate</a:t>
+            </a:r>
+            <a:r>
+              <a:rPr/>
+              <a:t> </a:t>
+            </a:r>
+            <a:r>
+              <a:rPr/>
+              <a:t>approach</a:t>
+            </a:r>
+          </a:p>
+        </p:txBody>
+      </p:sp>
+      <p:pic>
+        <p:nvPicPr>
+          <p:cNvPr descr="data-visualization-02-bars_files/figure-pptx/mortality-by-dodge-alt-1.png" id="0" name="Picture 1"/>
+          <p:cNvPicPr>
+            <a:picLocks noGrp="1" noChangeAspect="1"/>
+          </p:cNvPicPr>
+          <p:nvPr/>
+        </p:nvPicPr>
+        <p:blipFill>
+          <a:blip r:embed="rId2"/>
+          <a:stretch>
+            <a:fillRect/>
+          </a:stretch>
+        </p:blipFill>
+        <p:spPr bwMode="auto">
+          <a:xfrm>
+            <a:off x="1752600" y="1600200"/>
+            <a:ext cx="5651500" cy="4521200"/>
+          </a:xfrm>
+          <a:prstGeom prst="rect">
+            <a:avLst/>
+          </a:prstGeom>
+          <a:noFill/>
+          <a:ln w="9525">
+            <a:noFill/>
+            <a:headEnd/>
+            <a:tailEnd/>
+          </a:ln>
+        </p:spPr>
+      </p:pic>
+    </p:spTree>
+  </p:cSld>
+</p:sld>
+</file>
+
+<file path=ppt/slides/slide63.xml><?xml version="1.0" encoding="utf-8"?>
+<p:sld xmlns:a="http://schemas.openxmlformats.org/drawingml/2006/main" xmlns:r="http://schemas.openxmlformats.org/officeDocument/2006/relationships" xmlns:p="http://schemas.openxmlformats.org/presentationml/2006/main">
+  <p:cSld>
+    <p:spTree>
+      <p:nvGrpSpPr>
+        <p:cNvPr id="1" name=""/>
+        <p:cNvGrpSpPr/>
+        <p:nvPr/>
+      </p:nvGrpSpPr>
+      <p:grpSpPr>
+        <a:xfrm>
+          <a:off x="0" y="0"/>
+          <a:ext cx="0" cy="0"/>
+          <a:chOff x="0" y="0"/>
+          <a:chExt cx="0" cy="0"/>
+        </a:xfrm>
+      </p:grpSpPr>
+      <p:sp>
+        <p:nvSpPr>
+          <p:cNvPr id="2" name="Title 1"/>
+          <p:cNvSpPr>
+            <a:spLocks noGrp="1"/>
+          </p:cNvSpPr>
+          <p:nvPr>
+            <p:ph type="title"/>
+          </p:nvPr>
+        </p:nvSpPr>
+        <p:spPr/>
+        <p:txBody>
+          <a:bodyPr/>
+          <a:lstStyle/>
+          <a:p>
+            <a:pPr lvl="0" marL="0" indent="0">
+              <a:buNone/>
+            </a:pPr>
+            <a:r>
+              <a:rPr/>
+              <a:t>Group</a:t>
+            </a:r>
+            <a:r>
+              <a:rPr/>
+              <a:t> </a:t>
+            </a:r>
+            <a:r>
+              <a:rPr/>
+              <a:t>exercise</a:t>
+            </a:r>
+          </a:p>
+        </p:txBody>
+      </p:sp>
+      <p:sp>
+        <p:nvSpPr>
+          <p:cNvPr id="3" name="Content Placeholder 2"/>
+          <p:cNvSpPr>
+            <a:spLocks noGrp="1"/>
+          </p:cNvSpPr>
+          <p:nvPr>
+            <p:ph idx="1"/>
+          </p:nvPr>
+        </p:nvSpPr>
+        <p:spPr/>
+        <p:txBody>
+          <a:bodyPr/>
+          <a:lstStyle/>
+          <a:p>
+            <a:pPr lvl="1"/>
+            <a:r>
+              <a:rPr/>
+              <a:t>Review the following visualization in your group</a:t>
+            </a:r>
+          </a:p>
+          <a:p>
+            <a:pPr lvl="2"/>
+            <a:r>
+              <a:rPr/>
+              <a:t>Summarize what aesthetics appear in the graph</a:t>
+            </a:r>
+          </a:p>
+          <a:p>
+            <a:pPr lvl="2"/>
+            <a:r>
+              <a:rPr/>
+              <a:t>What variables map to each aesthetic?</a:t>
+            </a:r>
+          </a:p>
+          <a:p>
+            <a:pPr lvl="0" marL="0" indent="0">
+              <a:buNone/>
+            </a:pPr>
+            <a:r>
+              <a:rPr/>
+              <a:t>((Provide visualization. Maybe use the visualization from the earlier exercise?))</a:t>
+            </a:r>
+          </a:p>
+        </p:txBody>
+      </p:sp>
+    </p:spTree>
+  </p:cSld>
+</p:sld>
+</file>
+
+<file path=ppt/slides/slide64.xml><?xml version="1.0" encoding="utf-8"?>
+<p:sld xmlns:a="http://schemas.openxmlformats.org/drawingml/2006/main" xmlns:r="http://schemas.openxmlformats.org/officeDocument/2006/relationships" xmlns:p="http://schemas.openxmlformats.org/presentationml/2006/main">
+  <p:cSld>
+    <p:spTree>
+      <p:nvGrpSpPr>
+        <p:cNvPr id="1" name=""/>
+        <p:cNvGrpSpPr/>
+        <p:nvPr/>
+      </p:nvGrpSpPr>
+      <p:grpSpPr>
+        <a:xfrm>
+          <a:off x="0" y="0"/>
+          <a:ext cx="0" cy="0"/>
+          <a:chOff x="0" y="0"/>
+          <a:chExt cx="0" cy="0"/>
+        </a:xfrm>
+      </p:grpSpPr>
+      <p:sp>
+        <p:nvSpPr>
+          <p:cNvPr id="2" name="Title 1"/>
+          <p:cNvSpPr>
+            <a:spLocks noGrp="1"/>
+          </p:cNvSpPr>
+          <p:nvPr>
+            <p:ph type="title"/>
+          </p:nvPr>
+        </p:nvSpPr>
+        <p:spPr/>
+        <p:txBody>
+          <a:bodyPr/>
+          <a:lstStyle/>
+          <a:p>
+            <a:pPr lvl="0" marL="0" indent="0">
+              <a:buNone/>
+            </a:pPr>
+            <a:r>
+              <a:rPr/>
+              <a:t>Summarizations</a:t>
+            </a:r>
+          </a:p>
+        </p:txBody>
+      </p:sp>
+      <p:sp>
+        <p:nvSpPr>
+          <p:cNvPr id="3" name="Content Placeholder 2"/>
+          <p:cNvSpPr>
+            <a:spLocks noGrp="1"/>
+          </p:cNvSpPr>
+          <p:nvPr>
+            <p:ph idx="1"/>
+          </p:nvPr>
+        </p:nvSpPr>
+        <p:spPr/>
+        <p:txBody>
+          <a:bodyPr/>
+          <a:lstStyle/>
+          <a:p>
+            <a:pPr lvl="1"/>
+            <a:r>
+              <a:rPr/>
+              <a:t>One number summary (mean or percentage)</a:t>
+            </a:r>
+          </a:p>
+          <a:p>
+            <a:pPr lvl="1"/>
+            <a:r>
+              <a:rPr/>
+              <a:t>Two number summary (error bars)</a:t>
+            </a:r>
+          </a:p>
+          <a:p>
+            <a:pPr lvl="1"/>
+            <a:r>
+              <a:rPr/>
+              <a:t>Five number summary (boxplots)</a:t>
+            </a:r>
+          </a:p>
+          <a:p>
+            <a:pPr lvl="1"/>
+            <a:r>
+              <a:rPr/>
+              <a:t>All the data</a:t>
+            </a:r>
+          </a:p>
+          <a:p>
+            <a:pPr lvl="2"/>
+            <a:r>
+              <a:rPr/>
+              <a:t>Jittering</a:t>
+            </a:r>
+          </a:p>
+          <a:p>
+            <a:pPr lvl="2"/>
+            <a:r>
+              <a:rPr/>
+              <a:t>Opacity</a:t>
+            </a:r>
+          </a:p>
+        </p:txBody>
+      </p:sp>
+    </p:spTree>
+  </p:cSld>
+</p:sld>
+</file>
+
+<file path=ppt/slides/slide65.xml><?xml version="1.0" encoding="utf-8"?>
+<p:sld xmlns:a="http://schemas.openxmlformats.org/drawingml/2006/main" xmlns:r="http://schemas.openxmlformats.org/officeDocument/2006/relationships" xmlns:p="http://schemas.openxmlformats.org/presentationml/2006/main">
+  <p:cSld>
+    <p:spTree>
+      <p:nvGrpSpPr>
+        <p:cNvPr id="1" name=""/>
+        <p:cNvGrpSpPr/>
+        <p:nvPr/>
+      </p:nvGrpSpPr>
+      <p:grpSpPr>
+        <a:xfrm>
+          <a:off x="0" y="0"/>
+          <a:ext cx="0" cy="0"/>
+          <a:chOff x="0" y="0"/>
+          <a:chExt cx="0" cy="0"/>
+        </a:xfrm>
+      </p:grpSpPr>
+      <p:sp>
+        <p:nvSpPr>
+          <p:cNvPr id="2" name="Title 1"/>
+          <p:cNvSpPr>
+            <a:spLocks noGrp="1"/>
+          </p:cNvSpPr>
+          <p:nvPr>
+            <p:ph type="title"/>
+          </p:nvPr>
+        </p:nvSpPr>
+        <p:spPr/>
+        <p:txBody>
+          <a:bodyPr/>
+          <a:lstStyle/>
+          <a:p>
+            <a:pPr lvl="0" marL="0" indent="0">
+              <a:buNone/>
+            </a:pPr>
+            <a:r>
+              <a:rPr/>
+              <a:t>Switching</a:t>
+            </a:r>
+            <a:r>
+              <a:rPr/>
+              <a:t> </a:t>
+            </a:r>
+            <a:r>
+              <a:rPr/>
+              <a:t>from</a:t>
+            </a:r>
+            <a:r>
+              <a:rPr/>
+              <a:t> </a:t>
+            </a:r>
+            <a:r>
+              <a:rPr/>
+              <a:t>count</a:t>
+            </a:r>
+            <a:r>
+              <a:rPr/>
+              <a:t> </a:t>
+            </a:r>
+            <a:r>
+              <a:rPr/>
+              <a:t>to</a:t>
+            </a:r>
+            <a:r>
+              <a:rPr/>
+              <a:t> </a:t>
+            </a:r>
+            <a:r>
+              <a:rPr/>
+              <a:t>percent</a:t>
+            </a:r>
+          </a:p>
+        </p:txBody>
+      </p:sp>
+      <p:sp>
+        <p:nvSpPr>
+          <p:cNvPr id="3" name="Content Placeholder 2"/>
+          <p:cNvSpPr>
+            <a:spLocks noGrp="1"/>
+          </p:cNvSpPr>
+          <p:nvPr>
+            <p:ph idx="1"/>
+          </p:nvPr>
+        </p:nvSpPr>
+        <p:spPr/>
+        <p:txBody>
+          <a:bodyPr/>
+          <a:lstStyle/>
+          <a:p>
+            <a:pPr lvl="0" marL="0" indent="0">
+              <a:buNone/>
+            </a:pPr>
+            <a:r>
+              <a:rPr/>
+              <a:t>((Show the code in Python, R, and Tableau. Explain why you might want counts versus percents.))</a:t>
+            </a:r>
+          </a:p>
+        </p:txBody>
+      </p:sp>
+    </p:spTree>
+  </p:cSld>
+</p:sld>
+</file>
+
+<file path=ppt/slides/slide66.xml><?xml version="1.0" encoding="utf-8"?>
+<p:sld xmlns:a="http://schemas.openxmlformats.org/drawingml/2006/main" xmlns:r="http://schemas.openxmlformats.org/officeDocument/2006/relationships" xmlns:p="http://schemas.openxmlformats.org/presentationml/2006/main">
+  <p:cSld>
+    <p:spTree>
+      <p:nvGrpSpPr>
+        <p:cNvPr id="1" name=""/>
+        <p:cNvGrpSpPr/>
+        <p:nvPr/>
+      </p:nvGrpSpPr>
+      <p:grpSpPr>
+        <a:xfrm>
+          <a:off x="0" y="0"/>
+          <a:ext cx="0" cy="0"/>
+          <a:chOff x="0" y="0"/>
+          <a:chExt cx="0" cy="0"/>
+        </a:xfrm>
+      </p:grpSpPr>
+      <p:sp>
+        <p:nvSpPr>
+          <p:cNvPr id="2" name="Title 1"/>
+          <p:cNvSpPr>
+            <a:spLocks noGrp="1"/>
+          </p:cNvSpPr>
+          <p:nvPr>
+            <p:ph type="title"/>
+          </p:nvPr>
+        </p:nvSpPr>
+        <p:spPr/>
+        <p:txBody>
+          <a:bodyPr/>
+          <a:lstStyle/>
+          <a:p>
+            <a:pPr lvl="0" marL="0" indent="0">
+              <a:buNone/>
+            </a:pPr>
+            <a:r>
+              <a:rPr/>
+              <a:t>Example</a:t>
+            </a:r>
+            <a:r>
+              <a:rPr/>
+              <a:t> </a:t>
+            </a:r>
+            <a:r>
+              <a:rPr/>
+              <a:t>with</a:t>
+            </a:r>
+            <a:r>
+              <a:rPr/>
+              <a:t> </a:t>
+            </a:r>
+            <a:r>
+              <a:rPr/>
+              <a:t>means</a:t>
+            </a:r>
+          </a:p>
+        </p:txBody>
+      </p:sp>
+      <p:sp>
+        <p:nvSpPr>
+          <p:cNvPr id="3" name="Content Placeholder 2"/>
+          <p:cNvSpPr>
+            <a:spLocks noGrp="1"/>
+          </p:cNvSpPr>
+          <p:nvPr>
+            <p:ph idx="1"/>
+          </p:nvPr>
+        </p:nvSpPr>
+        <p:spPr/>
+        <p:txBody>
+          <a:bodyPr/>
+          <a:lstStyle/>
+          <a:p>
+            <a:pPr lvl="0" marL="0" indent="0">
+              <a:buNone/>
+            </a:pPr>
+            <a:r>
+              <a:rPr/>
+              <a:t>((Need to find the right data set to illustrate this. Maybe the Saratoga house prices?))</a:t>
+            </a:r>
+          </a:p>
+        </p:txBody>
+      </p:sp>
+    </p:spTree>
+  </p:cSld>
+</p:sld>
+</file>
+
+<file path=ppt/slides/slide67.xml><?xml version="1.0" encoding="utf-8"?>
+<p:sld xmlns:a="http://schemas.openxmlformats.org/drawingml/2006/main" xmlns:r="http://schemas.openxmlformats.org/officeDocument/2006/relationships" xmlns:p="http://schemas.openxmlformats.org/presentationml/2006/main">
+  <p:cSld>
+    <p:spTree>
+      <p:nvGrpSpPr>
+        <p:cNvPr id="1" name=""/>
+        <p:cNvGrpSpPr/>
+        <p:nvPr/>
+      </p:nvGrpSpPr>
+      <p:grpSpPr>
+        <a:xfrm>
+          <a:off x="0" y="0"/>
+          <a:ext cx="0" cy="0"/>
+          <a:chOff x="0" y="0"/>
+          <a:chExt cx="0" cy="0"/>
+        </a:xfrm>
+      </p:grpSpPr>
+      <p:sp>
+        <p:nvSpPr>
+          <p:cNvPr id="2" name="Title 1"/>
+          <p:cNvSpPr>
+            <a:spLocks noGrp="1"/>
+          </p:cNvSpPr>
+          <p:nvPr>
+            <p:ph type="title"/>
+          </p:nvPr>
+        </p:nvSpPr>
+        <p:spPr/>
+        <p:txBody>
+          <a:bodyPr/>
+          <a:lstStyle/>
+          <a:p>
+            <a:pPr lvl="0" marL="0" indent="0">
+              <a:buNone/>
+            </a:pPr>
+            <a:r>
+              <a:rPr/>
+              <a:t>Example</a:t>
+            </a:r>
+            <a:r>
+              <a:rPr/>
+              <a:t> </a:t>
+            </a:r>
+            <a:r>
+              <a:rPr/>
+              <a:t>with</a:t>
+            </a:r>
+            <a:r>
+              <a:rPr/>
+              <a:t> </a:t>
+            </a:r>
+            <a:r>
+              <a:rPr/>
+              <a:t>totals</a:t>
+            </a:r>
+          </a:p>
+        </p:txBody>
+      </p:sp>
+      <p:sp>
+        <p:nvSpPr>
+          <p:cNvPr id="3" name="Content Placeholder 2"/>
+          <p:cNvSpPr>
+            <a:spLocks noGrp="1"/>
+          </p:cNvSpPr>
+          <p:nvPr>
+            <p:ph idx="1"/>
+          </p:nvPr>
+        </p:nvSpPr>
+        <p:spPr/>
+        <p:txBody>
+          <a:bodyPr/>
+          <a:lstStyle/>
+          <a:p>
+            <a:pPr lvl="0" marL="0" indent="0">
+              <a:buNone/>
+            </a:pPr>
+            <a:r>
+              <a:rPr/>
+              <a:t>((Same data. What means tell you versus totals.))</a:t>
+            </a:r>
+          </a:p>
+        </p:txBody>
+      </p:sp>
+    </p:spTree>
+  </p:cSld>
+</p:sld>
+</file>
+
+<file path=ppt/slides/slide68.xml><?xml version="1.0" encoding="utf-8"?>
+<p:sld xmlns:a="http://schemas.openxmlformats.org/drawingml/2006/main" xmlns:r="http://schemas.openxmlformats.org/officeDocument/2006/relationships" xmlns:p="http://schemas.openxmlformats.org/presentationml/2006/main">
+  <p:cSld>
+    <p:spTree>
+      <p:nvGrpSpPr>
+        <p:cNvPr id="1" name=""/>
+        <p:cNvGrpSpPr/>
+        <p:nvPr/>
+      </p:nvGrpSpPr>
+      <p:grpSpPr>
+        <a:xfrm>
+          <a:off x="0" y="0"/>
+          <a:ext cx="0" cy="0"/>
+          <a:chOff x="0" y="0"/>
+          <a:chExt cx="0" cy="0"/>
+        </a:xfrm>
+      </p:grpSpPr>
+      <p:sp>
+        <p:nvSpPr>
+          <p:cNvPr id="2" name="Title 1"/>
+          <p:cNvSpPr>
+            <a:spLocks noGrp="1"/>
+          </p:cNvSpPr>
+          <p:nvPr>
+            <p:ph type="title"/>
+          </p:nvPr>
+        </p:nvSpPr>
+        <p:spPr/>
+        <p:txBody>
+          <a:bodyPr/>
+          <a:lstStyle/>
+          <a:p>
+            <a:pPr lvl="0" marL="0" indent="0">
+              <a:buNone/>
+            </a:pPr>
+            <a:r>
+              <a:rPr/>
+              <a:t>Boxplots</a:t>
+            </a:r>
+            <a:r>
+              <a:rPr/>
+              <a:t> </a:t>
+            </a:r>
+            <a:r>
+              <a:rPr/>
+              <a:t>example</a:t>
+            </a:r>
+          </a:p>
+        </p:txBody>
+      </p:sp>
+      <p:sp>
+        <p:nvSpPr>
+          <p:cNvPr id="3" name="Content Placeholder 2"/>
+          <p:cNvSpPr>
+            <a:spLocks noGrp="1"/>
+          </p:cNvSpPr>
+          <p:nvPr>
+            <p:ph idx="1"/>
+          </p:nvPr>
+        </p:nvSpPr>
+        <p:spPr/>
+        <p:txBody>
+          <a:bodyPr/>
+          <a:lstStyle/>
+          <a:p>
+            <a:pPr lvl="0" marL="0" indent="0">
+              <a:buNone/>
+            </a:pPr>
+            <a:r>
+              <a:rPr/>
+              <a:t>((Include an explanation of what a boxplot is))</a:t>
+            </a:r>
+          </a:p>
+        </p:txBody>
+      </p:sp>
+    </p:spTree>
+  </p:cSld>
+</p:sld>
+</file>
+
+<file path=ppt/slides/slide69.xml><?xml version="1.0" encoding="utf-8"?>
+<p:sld xmlns:a="http://schemas.openxmlformats.org/drawingml/2006/main" xmlns:r="http://schemas.openxmlformats.org/officeDocument/2006/relationships" xmlns:p="http://schemas.openxmlformats.org/presentationml/2006/main">
+  <p:cSld>
+    <p:spTree>
+      <p:nvGrpSpPr>
+        <p:cNvPr id="1" name=""/>
+        <p:cNvGrpSpPr/>
+        <p:nvPr/>
+      </p:nvGrpSpPr>
+      <p:grpSpPr>
+        <a:xfrm>
+          <a:off x="0" y="0"/>
+          <a:ext cx="0" cy="0"/>
+          <a:chOff x="0" y="0"/>
+          <a:chExt cx="0" cy="0"/>
+        </a:xfrm>
+      </p:grpSpPr>
+      <p:sp>
+        <p:nvSpPr>
+          <p:cNvPr id="2" name="Title 1"/>
+          <p:cNvSpPr>
+            <a:spLocks noGrp="1"/>
+          </p:cNvSpPr>
+          <p:nvPr>
+            <p:ph type="title"/>
+          </p:nvPr>
+        </p:nvSpPr>
+        <p:spPr/>
+        <p:txBody>
+          <a:bodyPr/>
+          <a:lstStyle/>
+          <a:p>
+            <a:pPr lvl="0" marL="0" indent="0">
+              <a:buNone/>
+            </a:pPr>
+            <a:r>
+              <a:rPr/>
+              <a:t>Jittering</a:t>
+            </a:r>
+            <a:r>
+              <a:rPr/>
+              <a:t> </a:t>
+            </a:r>
+            <a:r>
+              <a:rPr/>
+              <a:t>example</a:t>
+            </a:r>
+          </a:p>
+        </p:txBody>
+      </p:sp>
+      <p:sp>
+        <p:nvSpPr>
+          <p:cNvPr id="3" name="Content Placeholder 2"/>
+          <p:cNvSpPr>
+            <a:spLocks noGrp="1"/>
+          </p:cNvSpPr>
+          <p:nvPr>
+            <p:ph idx="1"/>
+          </p:nvPr>
+        </p:nvSpPr>
+        <p:spPr/>
+        <p:txBody>
+          <a:bodyPr/>
+          <a:lstStyle/>
+          <a:p>
+            <a:pPr lvl="0" marL="0" indent="0">
+              <a:buNone/>
+            </a:pPr>
+            <a:r>
+              <a:rPr/>
+              <a:t>((Include an explanation on when it doesn’t work.))</a:t>
+            </a:r>
+          </a:p>
+        </p:txBody>
+      </p:sp>
+    </p:spTree>
+  </p:cSld>
+</p:sld>
+</file>
+
+<file path=ppt/slides/slide7.xml><?xml version="1.0" encoding="utf-8"?>
+<p:sld xmlns:a="http://schemas.openxmlformats.org/drawingml/2006/main" xmlns:r="http://schemas.openxmlformats.org/officeDocument/2006/relationships" xmlns:p="http://schemas.openxmlformats.org/presentationml/2006/main">
+  <p:cSld>
+    <p:spTree>
+      <p:nvGrpSpPr>
+        <p:cNvPr id="1" name=""/>
+        <p:cNvGrpSpPr/>
+        <p:nvPr/>
+      </p:nvGrpSpPr>
+      <p:grpSpPr>
+        <a:xfrm>
+          <a:off x="0" y="0"/>
+          <a:ext cx="0" cy="0"/>
+          <a:chOff x="0" y="0"/>
+          <a:chExt cx="0" cy="0"/>
+        </a:xfrm>
+      </p:grpSpPr>
+      <p:sp>
+        <p:nvSpPr>
+          <p:cNvPr id="2" name="Title 1"/>
+          <p:cNvSpPr>
+            <a:spLocks noGrp="1"/>
+          </p:cNvSpPr>
+          <p:nvPr>
+            <p:ph type="title"/>
+          </p:nvPr>
+        </p:nvSpPr>
+        <p:spPr/>
+        <p:txBody>
+          <a:bodyPr/>
+          <a:lstStyle/>
+          <a:p>
+            <a:pPr lvl="0" marL="0" indent="0">
+              <a:buNone/>
+            </a:pPr>
+            <a:r>
+              <a:rPr/>
+              <a:t>Tableau</a:t>
+            </a:r>
+            <a:r>
+              <a:rPr/>
+              <a:t> </a:t>
+            </a:r>
+            <a:r>
+              <a:rPr/>
+              <a:t>steps</a:t>
+            </a:r>
+            <a:r>
+              <a:rPr/>
+              <a:t> </a:t>
+            </a:r>
+            <a:r>
+              <a:rPr/>
+              <a:t>to</a:t>
+            </a:r>
+            <a:r>
+              <a:rPr/>
+              <a:t> </a:t>
+            </a:r>
+            <a:r>
+              <a:rPr/>
+              <a:t>get</a:t>
+            </a:r>
+            <a:r>
+              <a:rPr/>
+              <a:t> </a:t>
+            </a:r>
+            <a:r>
+              <a:rPr/>
+              <a:t>started</a:t>
+            </a:r>
+          </a:p>
+        </p:txBody>
+      </p:sp>
+      <p:sp>
+        <p:nvSpPr>
+          <p:cNvPr id="3" name="Content Placeholder 2"/>
+          <p:cNvSpPr>
+            <a:spLocks noGrp="1"/>
+          </p:cNvSpPr>
+          <p:nvPr>
+            <p:ph idx="1"/>
+          </p:nvPr>
+        </p:nvSpPr>
+        <p:spPr/>
+        <p:txBody>
+          <a:bodyPr/>
+          <a:lstStyle/>
+          <a:p>
+            <a:pPr lvl="0" marL="0" indent="0">
+              <a:buNone/>
+            </a:pPr>
+            <a:r>
+              <a:rPr/>
+              <a:t>((Add later))</a:t>
+            </a:r>
+          </a:p>
+        </p:txBody>
+      </p:sp>
+    </p:spTree>
+  </p:cSld>
+</p:sld>
+</file>
+
+<file path=ppt/slides/slide70.xml><?xml version="1.0" encoding="utf-8"?>
+<p:sld xmlns:a="http://schemas.openxmlformats.org/drawingml/2006/main" xmlns:r="http://schemas.openxmlformats.org/officeDocument/2006/relationships" xmlns:p="http://schemas.openxmlformats.org/presentationml/2006/main">
+  <p:cSld>
+    <p:spTree>
+      <p:nvGrpSpPr>
+        <p:cNvPr id="1" name=""/>
+        <p:cNvGrpSpPr/>
+        <p:nvPr/>
+      </p:nvGrpSpPr>
+      <p:grpSpPr>
+        <a:xfrm>
+          <a:off x="0" y="0"/>
+          <a:ext cx="0" cy="0"/>
+          <a:chOff x="0" y="0"/>
+          <a:chExt cx="0" cy="0"/>
+        </a:xfrm>
+      </p:grpSpPr>
+      <p:sp>
+        <p:nvSpPr>
+          <p:cNvPr id="2" name="Title 1"/>
+          <p:cNvSpPr>
+            <a:spLocks noGrp="1"/>
+          </p:cNvSpPr>
+          <p:nvPr>
+            <p:ph type="title"/>
+          </p:nvPr>
+        </p:nvSpPr>
+        <p:spPr/>
+        <p:txBody>
+          <a:bodyPr/>
+          <a:lstStyle/>
+          <a:p>
+            <a:pPr lvl="0" marL="0" indent="0">
+              <a:buNone/>
+            </a:pPr>
+            <a:r>
+              <a:rPr/>
+              <a:t>Opacity</a:t>
+            </a:r>
+            <a:r>
+              <a:rPr/>
+              <a:t> </a:t>
+            </a:r>
+            <a:r>
+              <a:rPr/>
+              <a:t>example</a:t>
+            </a:r>
+          </a:p>
+        </p:txBody>
+      </p:sp>
+      <p:sp>
+        <p:nvSpPr>
+          <p:cNvPr id="3" name="Content Placeholder 2"/>
+          <p:cNvSpPr>
+            <a:spLocks noGrp="1"/>
+          </p:cNvSpPr>
+          <p:nvPr>
+            <p:ph idx="1"/>
+          </p:nvPr>
+        </p:nvSpPr>
+        <p:spPr/>
+        <p:txBody>
+          <a:bodyPr/>
+          <a:lstStyle/>
+          <a:p>
+            <a:pPr lvl="0" marL="0" indent="0">
+              <a:buNone/>
+            </a:pPr>
+            <a:r>
+              <a:rPr/>
+              <a:t>((Note the computational expense.))</a:t>
+            </a:r>
+          </a:p>
+        </p:txBody>
+      </p:sp>
+    </p:spTree>
+  </p:cSld>
+</p:sld>
+</file>
+
+<file path=ppt/slides/slide71.xml><?xml version="1.0" encoding="utf-8"?>
+<p:sld xmlns:a="http://schemas.openxmlformats.org/drawingml/2006/main" xmlns:r="http://schemas.openxmlformats.org/officeDocument/2006/relationships" xmlns:p="http://schemas.openxmlformats.org/presentationml/2006/main">
+  <p:cSld>
+    <p:spTree>
+      <p:nvGrpSpPr>
+        <p:cNvPr id="1" name=""/>
+        <p:cNvGrpSpPr/>
+        <p:nvPr/>
+      </p:nvGrpSpPr>
+      <p:grpSpPr>
+        <a:xfrm>
+          <a:off x="0" y="0"/>
+          <a:ext cx="0" cy="0"/>
+          <a:chOff x="0" y="0"/>
+          <a:chExt cx="0" cy="0"/>
+        </a:xfrm>
+      </p:grpSpPr>
+      <p:sp>
+        <p:nvSpPr>
+          <p:cNvPr id="2" name="Title 1"/>
+          <p:cNvSpPr>
+            <a:spLocks noGrp="1"/>
+          </p:cNvSpPr>
+          <p:nvPr>
+            <p:ph type="title"/>
+          </p:nvPr>
+        </p:nvSpPr>
+        <p:spPr/>
+        <p:txBody>
+          <a:bodyPr/>
+          <a:lstStyle/>
+          <a:p>
+            <a:pPr lvl="0" marL="0" indent="0">
+              <a:buNone/>
+            </a:pPr>
+            <a:r>
+              <a:rPr/>
+              <a:t>On</a:t>
+            </a:r>
+            <a:r>
+              <a:rPr/>
+              <a:t> </a:t>
+            </a:r>
+            <a:r>
+              <a:rPr/>
+              <a:t>your</a:t>
+            </a:r>
+            <a:r>
+              <a:rPr/>
+              <a:t> </a:t>
+            </a:r>
+            <a:r>
+              <a:rPr/>
+              <a:t>own</a:t>
+            </a:r>
+          </a:p>
+        </p:txBody>
+      </p:sp>
+      <p:sp>
+        <p:nvSpPr>
+          <p:cNvPr id="3" name="Content Placeholder 2"/>
+          <p:cNvSpPr>
+            <a:spLocks noGrp="1"/>
+          </p:cNvSpPr>
+          <p:nvPr>
+            <p:ph idx="1"/>
+          </p:nvPr>
+        </p:nvSpPr>
+        <p:spPr/>
+        <p:txBody>
+          <a:bodyPr/>
+          <a:lstStyle/>
+          <a:p>
+            <a:pPr lvl="0" marL="0" indent="0">
+              <a:buNone/>
+            </a:pPr>
+            <a:r>
+              <a:rPr/>
+              <a:t>((Find a totally different data set and get the students to draw four different visualizations. Have them divide into groups that like the same visualization software and have each person do a different visualization.))</a:t>
+            </a:r>
+          </a:p>
+        </p:txBody>
+      </p:sp>
+    </p:spTree>
+  </p:cSld>
+</p:sld>
+</file>
+
+<file path=ppt/slides/slide72.xml><?xml version="1.0" encoding="utf-8"?>
+<p:sld xmlns:a="http://schemas.openxmlformats.org/drawingml/2006/main" xmlns:r="http://schemas.openxmlformats.org/officeDocument/2006/relationships" xmlns:p="http://schemas.openxmlformats.org/presentationml/2006/main">
+  <p:cSld>
+    <p:spTree>
+      <p:nvGrpSpPr>
+        <p:cNvPr id="1" name=""/>
+        <p:cNvGrpSpPr/>
+        <p:nvPr/>
+      </p:nvGrpSpPr>
+      <p:grpSpPr>
+        <a:xfrm>
+          <a:off x="0" y="0"/>
+          <a:ext cx="0" cy="0"/>
+          <a:chOff x="0" y="0"/>
+          <a:chExt cx="0" cy="0"/>
+        </a:xfrm>
+      </p:grpSpPr>
+      <p:sp>
+        <p:nvSpPr>
+          <p:cNvPr id="2" name="Title 1"/>
+          <p:cNvSpPr>
+            <a:spLocks noGrp="1"/>
+          </p:cNvSpPr>
+          <p:nvPr>
+            <p:ph type="title"/>
+          </p:nvPr>
+        </p:nvSpPr>
+        <p:spPr/>
+        <p:txBody>
+          <a:bodyPr/>
+          <a:lstStyle/>
+          <a:p>
+            <a:pPr lvl="0" marL="0" indent="0">
+              <a:buNone/>
+            </a:pPr>
+            <a:r>
+              <a:rPr/>
+              <a:t>Summary</a:t>
+            </a:r>
+          </a:p>
+        </p:txBody>
+      </p:sp>
+      <p:sp>
+        <p:nvSpPr>
+          <p:cNvPr id="3" name="Content Placeholder 2"/>
+          <p:cNvSpPr>
+            <a:spLocks noGrp="1"/>
+          </p:cNvSpPr>
+          <p:nvPr>
+            <p:ph idx="1"/>
+          </p:nvPr>
+        </p:nvSpPr>
+        <p:spPr/>
+        <p:txBody>
+          <a:bodyPr/>
+          <a:lstStyle/>
+          <a:p>
+            <a:pPr lvl="1"/>
+            <a:r>
+              <a:rPr/>
+              <a:t>“A mapping of data to the visual aesthetics of geometries/marks”</a:t>
+            </a:r>
+          </a:p>
+          <a:p>
+            <a:pPr lvl="2"/>
+            <a:r>
+              <a:rPr/>
+              <a:t>Bars are a type of geometry/mark</a:t>
+            </a:r>
+          </a:p>
+          <a:p>
+            <a:pPr lvl="2"/>
+            <a:r>
+              <a:rPr/>
+              <a:t>Aesthetics for bars include location, size, color</a:t>
+            </a:r>
+          </a:p>
+          <a:p>
+            <a:pPr lvl="2"/>
+            <a:r>
+              <a:rPr/>
+              <a:t>Stack versus dodge</a:t>
+            </a:r>
+          </a:p>
+          <a:p>
+            <a:pPr lvl="1"/>
+            <a:r>
+              <a:rPr/>
+              <a:t>Basic tips</a:t>
+            </a:r>
+          </a:p>
+          <a:p>
+            <a:pPr lvl="2"/>
+            <a:r>
+              <a:rPr/>
+              <a:t>Place comparators close</a:t>
+            </a:r>
+          </a:p>
+          <a:p>
+            <a:pPr lvl="2"/>
+            <a:r>
+              <a:rPr/>
+              <a:t>Use axis ticks, light grid lines</a:t>
+            </a:r>
+          </a:p>
+        </p:txBody>
+      </p:sp>
+    </p:spTree>
+  </p:cSld>
+</p:sld>
+</file>
+
+<file path=ppt/slides/slide73.xml><?xml version="1.0" encoding="utf-8"?>
+<p:sld xmlns:a="http://schemas.openxmlformats.org/drawingml/2006/main" xmlns:r="http://schemas.openxmlformats.org/officeDocument/2006/relationships" xmlns:p="http://schemas.openxmlformats.org/presentationml/2006/main">
+  <p:cSld>
+    <p:spTree>
+      <p:nvGrpSpPr>
+        <p:cNvPr id="1" name=""/>
+        <p:cNvGrpSpPr/>
+        <p:nvPr/>
+      </p:nvGrpSpPr>
+      <p:grpSpPr>
+        <a:xfrm>
+          <a:off x="0" y="0"/>
+          <a:ext cx="0" cy="0"/>
+          <a:chOff x="0" y="0"/>
+          <a:chExt cx="0" cy="0"/>
+        </a:xfrm>
+      </p:grpSpPr>
+      <p:sp>
+        <p:nvSpPr>
+          <p:cNvPr id="2" name="Title 1"/>
+          <p:cNvSpPr>
+            <a:spLocks noGrp="1"/>
+          </p:cNvSpPr>
+          <p:nvPr>
+            <p:ph type="title"/>
+          </p:nvPr>
+        </p:nvSpPr>
+        <p:spPr/>
+        <p:txBody>
+          <a:bodyPr/>
+          <a:lstStyle/>
+          <a:p>
+            <a:pPr lvl="0" marL="0" indent="0">
+              <a:buNone/>
+            </a:pPr>
+            <a:r>
+              <a:rPr/>
+              <a:t>On</a:t>
+            </a:r>
+            <a:r>
+              <a:rPr/>
+              <a:t> </a:t>
+            </a:r>
+            <a:r>
+              <a:rPr/>
+              <a:t>your</a:t>
+            </a:r>
+            <a:r>
+              <a:rPr/>
+              <a:t> </a:t>
+            </a:r>
+            <a:r>
+              <a:rPr/>
+              <a:t>own</a:t>
+            </a:r>
+          </a:p>
+        </p:txBody>
+      </p:sp>
+      <p:sp>
+        <p:nvSpPr>
+          <p:cNvPr id="3" name="Content Placeholder 2"/>
+          <p:cNvSpPr>
+            <a:spLocks noGrp="1"/>
+          </p:cNvSpPr>
+          <p:nvPr>
+            <p:ph idx="1"/>
+          </p:nvPr>
+        </p:nvSpPr>
+        <p:spPr/>
+        <p:txBody>
+          <a:bodyPr/>
+          <a:lstStyle/>
+          <a:p>
+            <a:pPr lvl="0" marL="0" indent="0">
+              <a:buNone/>
+            </a:pPr>
+            <a:r>
+              <a:rPr/>
+              <a:t>((Find a totally different data set and get the students to draw four different visualizations. Have them divide into groups that like the same visualization software and have each person do a different visualization.))</a:t>
+            </a:r>
+          </a:p>
+        </p:txBody>
+      </p:sp>
+    </p:spTree>
+  </p:cSld>
+</p:sld>
+</file>
+
+<file path=ppt/slides/slide8.xml><?xml version="1.0" encoding="utf-8"?>
 <p:sld xmlns:a="http://schemas.openxmlformats.org/drawingml/2006/main" xmlns:r="http://schemas.openxmlformats.org/officeDocument/2006/relationships" xmlns:p="http://schemas.openxmlformats.org/presentationml/2006/main">
   <p:cSld>
     <p:spTree>
@@ -20808,320 +22873,7 @@
 </p:sld>
 </file>
 
-<file path=ppt/slides/slide60.xml><?xml version="1.0" encoding="utf-8"?>
-<p:sld xmlns:a="http://schemas.openxmlformats.org/drawingml/2006/main" xmlns:r="http://schemas.openxmlformats.org/officeDocument/2006/relationships" xmlns:p="http://schemas.openxmlformats.org/presentationml/2006/main">
-  <p:cSld>
-    <p:spTree>
-      <p:nvGrpSpPr>
-        <p:cNvPr id="1" name=""/>
-        <p:cNvGrpSpPr/>
-        <p:nvPr/>
-      </p:nvGrpSpPr>
-      <p:grpSpPr>
-        <a:xfrm>
-          <a:off x="0" y="0"/>
-          <a:ext cx="0" cy="0"/>
-          <a:chOff x="0" y="0"/>
-          <a:chExt cx="0" cy="0"/>
-        </a:xfrm>
-      </p:grpSpPr>
-      <p:sp>
-        <p:nvSpPr>
-          <p:cNvPr id="2" name="Title 1"/>
-          <p:cNvSpPr>
-            <a:spLocks noGrp="1"/>
-          </p:cNvSpPr>
-          <p:nvPr>
-            <p:ph type="title"/>
-          </p:nvPr>
-        </p:nvSpPr>
-        <p:spPr/>
-        <p:txBody>
-          <a:bodyPr/>
-          <a:lstStyle/>
-          <a:p>
-            <a:pPr lvl="0" marL="0" indent="0">
-              <a:buNone/>
-            </a:pPr>
-            <a:r>
-              <a:rPr/>
-              <a:t>On</a:t>
-            </a:r>
-            <a:r>
-              <a:rPr/>
-              <a:t> </a:t>
-            </a:r>
-            <a:r>
-              <a:rPr/>
-              <a:t>your</a:t>
-            </a:r>
-            <a:r>
-              <a:rPr/>
-              <a:t> </a:t>
-            </a:r>
-            <a:r>
-              <a:rPr/>
-              <a:t>own</a:t>
-            </a:r>
-          </a:p>
-        </p:txBody>
-      </p:sp>
-      <p:sp>
-        <p:nvSpPr>
-          <p:cNvPr id="3" name="Content Placeholder 2"/>
-          <p:cNvSpPr>
-            <a:spLocks noGrp="1"/>
-          </p:cNvSpPr>
-          <p:nvPr>
-            <p:ph idx="1"/>
-          </p:nvPr>
-        </p:nvSpPr>
-        <p:spPr/>
-        <p:txBody>
-          <a:bodyPr/>
-          <a:lstStyle/>
-          <a:p>
-            <a:pPr lvl="0" marL="0" indent="0">
-              <a:buNone/>
-            </a:pPr>
-            <a:r>
-              <a:rPr/>
-              <a:t>((Find a totally different data set and get the students to draw four different visualizations. Have them divide into groups that like the same visualization software and have each person do a different visualization.))</a:t>
-            </a:r>
-          </a:p>
-        </p:txBody>
-      </p:sp>
-    </p:spTree>
-  </p:cSld>
-</p:sld>
-</file>
-
-<file path=ppt/slides/slide61.xml><?xml version="1.0" encoding="utf-8"?>
-<p:sld xmlns:a="http://schemas.openxmlformats.org/drawingml/2006/main" xmlns:r="http://schemas.openxmlformats.org/officeDocument/2006/relationships" xmlns:p="http://schemas.openxmlformats.org/presentationml/2006/main">
-  <p:cSld>
-    <p:spTree>
-      <p:nvGrpSpPr>
-        <p:cNvPr id="1" name=""/>
-        <p:cNvGrpSpPr/>
-        <p:nvPr/>
-      </p:nvGrpSpPr>
-      <p:grpSpPr>
-        <a:xfrm>
-          <a:off x="0" y="0"/>
-          <a:ext cx="0" cy="0"/>
-          <a:chOff x="0" y="0"/>
-          <a:chExt cx="0" cy="0"/>
-        </a:xfrm>
-      </p:grpSpPr>
-      <p:sp>
-        <p:nvSpPr>
-          <p:cNvPr id="2" name="Title 1"/>
-          <p:cNvSpPr>
-            <a:spLocks noGrp="1"/>
-          </p:cNvSpPr>
-          <p:nvPr>
-            <p:ph type="title"/>
-          </p:nvPr>
-        </p:nvSpPr>
-        <p:spPr/>
-        <p:txBody>
-          <a:bodyPr/>
-          <a:lstStyle/>
-          <a:p>
-            <a:pPr lvl="0" marL="0" indent="0">
-              <a:buNone/>
-            </a:pPr>
-            <a:r>
-              <a:rPr/>
-              <a:t>Summary</a:t>
-            </a:r>
-          </a:p>
-        </p:txBody>
-      </p:sp>
-      <p:sp>
-        <p:nvSpPr>
-          <p:cNvPr id="3" name="Content Placeholder 2"/>
-          <p:cNvSpPr>
-            <a:spLocks noGrp="1"/>
-          </p:cNvSpPr>
-          <p:nvPr>
-            <p:ph idx="1"/>
-          </p:nvPr>
-        </p:nvSpPr>
-        <p:spPr/>
-        <p:txBody>
-          <a:bodyPr/>
-          <a:lstStyle/>
-          <a:p>
-            <a:pPr lvl="1"/>
-            <a:r>
-              <a:rPr/>
-              <a:t>“A mapping of data to the visual aesthetics of geometries/marks”</a:t>
-            </a:r>
-          </a:p>
-          <a:p>
-            <a:pPr lvl="2"/>
-            <a:r>
-              <a:rPr/>
-              <a:t>Bars are a type of geometry/mark</a:t>
-            </a:r>
-          </a:p>
-          <a:p>
-            <a:pPr lvl="2"/>
-            <a:r>
-              <a:rPr/>
-              <a:t>Aesthetics for bars include location, size, color</a:t>
-            </a:r>
-          </a:p>
-          <a:p>
-            <a:pPr lvl="2"/>
-            <a:r>
-              <a:rPr/>
-              <a:t>Stack versus dodge</a:t>
-            </a:r>
-          </a:p>
-          <a:p>
-            <a:pPr lvl="1"/>
-            <a:r>
-              <a:rPr/>
-              <a:t>Basic tips</a:t>
-            </a:r>
-          </a:p>
-          <a:p>
-            <a:pPr lvl="2"/>
-            <a:r>
-              <a:rPr/>
-              <a:t>Place comparators close</a:t>
-            </a:r>
-          </a:p>
-          <a:p>
-            <a:pPr lvl="2"/>
-            <a:r>
-              <a:rPr/>
-              <a:t>Use axis ticks, light grid lines</a:t>
-            </a:r>
-          </a:p>
-        </p:txBody>
-      </p:sp>
-    </p:spTree>
-  </p:cSld>
-</p:sld>
-</file>
-
-<file path=ppt/slides/slide62.xml><?xml version="1.0" encoding="utf-8"?>
-<p:sld xmlns:a="http://schemas.openxmlformats.org/drawingml/2006/main" xmlns:r="http://schemas.openxmlformats.org/officeDocument/2006/relationships" xmlns:p="http://schemas.openxmlformats.org/presentationml/2006/main">
-  <p:cSld>
-    <p:spTree>
-      <p:nvGrpSpPr>
-        <p:cNvPr id="1" name=""/>
-        <p:cNvGrpSpPr/>
-        <p:nvPr/>
-      </p:nvGrpSpPr>
-      <p:grpSpPr>
-        <a:xfrm>
-          <a:off x="0" y="0"/>
-          <a:ext cx="0" cy="0"/>
-          <a:chOff x="0" y="0"/>
-          <a:chExt cx="0" cy="0"/>
-        </a:xfrm>
-      </p:grpSpPr>
-      <p:sp>
-        <p:nvSpPr>
-          <p:cNvPr id="2" name="Title 1"/>
-          <p:cNvSpPr>
-            <a:spLocks noGrp="1"/>
-          </p:cNvSpPr>
-          <p:nvPr>
-            <p:ph type="title"/>
-          </p:nvPr>
-        </p:nvSpPr>
-        <p:spPr/>
-        <p:txBody>
-          <a:bodyPr/>
-          <a:lstStyle/>
-          <a:p>
-            <a:pPr lvl="0" marL="0" indent="0">
-              <a:buNone/>
-            </a:pPr>
-            <a:r>
-              <a:rPr/>
-              <a:t>Group</a:t>
-            </a:r>
-            <a:r>
-              <a:rPr/>
-              <a:t> </a:t>
-            </a:r>
-            <a:r>
-              <a:rPr/>
-              <a:t>exercise</a:t>
-            </a:r>
-          </a:p>
-        </p:txBody>
-      </p:sp>
-      <p:sp>
-        <p:nvSpPr>
-          <p:cNvPr id="3" name="Content Placeholder 2"/>
-          <p:cNvSpPr>
-            <a:spLocks noGrp="1"/>
-          </p:cNvSpPr>
-          <p:nvPr>
-            <p:ph idx="1"/>
-          </p:nvPr>
-        </p:nvSpPr>
-        <p:spPr/>
-        <p:txBody>
-          <a:bodyPr/>
-          <a:lstStyle/>
-          <a:p>
-            <a:pPr lvl="1"/>
-            <a:r>
-              <a:rPr/>
-              <a:t>Review the following visualization in your group.</a:t>
-            </a:r>
-          </a:p>
-          <a:p>
-            <a:pPr lvl="2"/>
-            <a:r>
-              <a:rPr/>
-              <a:t>Summarize what aesthetics (location, size, shape, color) appear in the graph</a:t>
-            </a:r>
-          </a:p>
-          <a:p>
-            <a:pPr lvl="2"/>
-            <a:r>
-              <a:rPr/>
-              <a:t>What variables map to each aesthetic?</a:t>
-            </a:r>
-          </a:p>
-          <a:p>
-            <a:pPr lvl="2"/>
-            <a:r>
-              <a:rPr/>
-              <a:t>What is the story that this graph is telling you?</a:t>
-            </a:r>
-          </a:p>
-          <a:p>
-            <a:pPr lvl="2"/>
-            <a:r>
-              <a:rPr/>
-              <a:t>Was there anything confusing?</a:t>
-            </a:r>
-          </a:p>
-          <a:p>
-            <a:pPr lvl="2"/>
-            <a:r>
-              <a:rPr/>
-              <a:t>Was there anything you might change?</a:t>
-            </a:r>
-          </a:p>
-        </p:txBody>
-      </p:sp>
-    </p:spTree>
-  </p:cSld>
-</p:sld>
-</file>
-
-<file path=ppt/slides/slide7.xml><?xml version="1.0" encoding="utf-8"?>
+<file path=ppt/slides/slide9.xml><?xml version="1.0" encoding="utf-8"?>
 <p:sld xmlns:a="http://schemas.openxmlformats.org/drawingml/2006/main" xmlns:r="http://schemas.openxmlformats.org/officeDocument/2006/relationships" xmlns:p="http://schemas.openxmlformats.org/presentationml/2006/main">
   <p:cSld>
     <p:spTree>
@@ -21307,321 +23059,6 @@
             <a:r>
               <a:rPr/>
               <a:t>counties</a:t>
-            </a:r>
-          </a:p>
-        </p:txBody>
-      </p:sp>
-    </p:spTree>
-  </p:cSld>
-</p:sld>
-</file>
-
-<file path=ppt/slides/slide8.xml><?xml version="1.0" encoding="utf-8"?>
-<p:sld xmlns:a="http://schemas.openxmlformats.org/drawingml/2006/main" xmlns:r="http://schemas.openxmlformats.org/officeDocument/2006/relationships" xmlns:p="http://schemas.openxmlformats.org/presentationml/2006/main">
-  <p:cSld>
-    <p:spTree>
-      <p:nvGrpSpPr>
-        <p:cNvPr id="1" name=""/>
-        <p:cNvGrpSpPr/>
-        <p:nvPr/>
-      </p:nvGrpSpPr>
-      <p:grpSpPr>
-        <a:xfrm>
-          <a:off x="0" y="0"/>
-          <a:ext cx="0" cy="0"/>
-          <a:chOff x="0" y="0"/>
-          <a:chExt cx="0" cy="0"/>
-        </a:xfrm>
-      </p:grpSpPr>
-      <p:sp>
-        <p:nvSpPr>
-          <p:cNvPr id="2" name="Title 1"/>
-          <p:cNvSpPr>
-            <a:spLocks noGrp="1"/>
-          </p:cNvSpPr>
-          <p:nvPr>
-            <p:ph type="title"/>
-          </p:nvPr>
-        </p:nvSpPr>
-        <p:spPr/>
-        <p:txBody>
-          <a:bodyPr/>
-          <a:lstStyle/>
-          <a:p>
-            <a:pPr lvl="0" marL="0" indent="0">
-              <a:buNone/>
-            </a:pPr>
-            <a:r>
-              <a:rPr/>
-              <a:t>Group</a:t>
-            </a:r>
-            <a:r>
-              <a:rPr/>
-              <a:t> </a:t>
-            </a:r>
-            <a:r>
-              <a:rPr/>
-              <a:t>exercise</a:t>
-            </a:r>
-            <a:r>
-              <a:rPr/>
-              <a:t> </a:t>
-            </a:r>
-            <a:r>
-              <a:rPr/>
-              <a:t>(2</a:t>
-            </a:r>
-            <a:r>
-              <a:rPr/>
-              <a:t> </a:t>
-            </a:r>
-            <a:r>
-              <a:rPr/>
-              <a:t>of</a:t>
-            </a:r>
-            <a:r>
-              <a:rPr/>
-              <a:t> </a:t>
-            </a:r>
-            <a:r>
-              <a:rPr/>
-              <a:t>2)</a:t>
-            </a:r>
-          </a:p>
-        </p:txBody>
-      </p:sp>
-      <p:sp>
-        <p:nvSpPr>
-          <p:cNvPr id="3" name="Content Placeholder 2"/>
-          <p:cNvSpPr>
-            <a:spLocks noGrp="1"/>
-          </p:cNvSpPr>
-          <p:nvPr>
-            <p:ph idx="1"/>
-          </p:nvPr>
-        </p:nvSpPr>
-        <p:spPr/>
-        <p:txBody>
-          <a:bodyPr/>
-          <a:lstStyle/>
-          <a:p>
-            <a:pPr lvl="0" marL="0" indent="0">
-              <a:buNone/>
-            </a:pPr>
-            <a:r>
-              <a:rPr/>
-              <a:t>((Image is not yet available.))</a:t>
-            </a:r>
-          </a:p>
-        </p:txBody>
-      </p:sp>
-    </p:spTree>
-  </p:cSld>
-</p:sld>
-</file>
-
-<file path=ppt/slides/slide9.xml><?xml version="1.0" encoding="utf-8"?>
-<p:sld xmlns:a="http://schemas.openxmlformats.org/drawingml/2006/main" xmlns:r="http://schemas.openxmlformats.org/officeDocument/2006/relationships" xmlns:p="http://schemas.openxmlformats.org/presentationml/2006/main">
-  <p:cSld>
-    <p:spTree>
-      <p:nvGrpSpPr>
-        <p:cNvPr id="1" name=""/>
-        <p:cNvGrpSpPr/>
-        <p:nvPr/>
-      </p:nvGrpSpPr>
-      <p:grpSpPr>
-        <a:xfrm>
-          <a:off x="0" y="0"/>
-          <a:ext cx="0" cy="0"/>
-          <a:chOff x="0" y="0"/>
-          <a:chExt cx="0" cy="0"/>
-        </a:xfrm>
-      </p:grpSpPr>
-      <p:sp>
-        <p:nvSpPr>
-          <p:cNvPr id="2" name="Title 1"/>
-          <p:cNvSpPr>
-            <a:spLocks noGrp="1"/>
-          </p:cNvSpPr>
-          <p:nvPr>
-            <p:ph type="title"/>
-          </p:nvPr>
-        </p:nvSpPr>
-        <p:spPr/>
-        <p:txBody>
-          <a:bodyPr/>
-          <a:lstStyle/>
-          <a:p>
-            <a:pPr lvl="0" marL="0" indent="0">
-              <a:buNone/>
-            </a:pPr>
-            <a:r>
-              <a:rPr/>
-              <a:t>A</a:t>
-            </a:r>
-            <a:r>
-              <a:rPr/>
-              <a:t> </a:t>
-            </a:r>
-            <a:r>
-              <a:rPr/>
-              <a:t>framework</a:t>
-            </a:r>
-            <a:r>
-              <a:rPr/>
-              <a:t> </a:t>
-            </a:r>
-            <a:r>
-              <a:rPr/>
-              <a:t>for</a:t>
-            </a:r>
-            <a:r>
-              <a:rPr/>
-              <a:t> </a:t>
-            </a:r>
-            <a:r>
-              <a:rPr/>
-              <a:t>graph</a:t>
-            </a:r>
-            <a:r>
-              <a:rPr/>
-              <a:t> </a:t>
-            </a:r>
-            <a:r>
-              <a:rPr/>
-              <a:t>perception</a:t>
-            </a:r>
-          </a:p>
-        </p:txBody>
-      </p:sp>
-      <p:pic>
-        <p:nvPicPr>
-          <p:cNvPr descr="../images/02/graph-perception.png" id="0" name="Picture 1"/>
-          <p:cNvPicPr>
-            <a:picLocks noGrp="1" noChangeAspect="1"/>
-          </p:cNvPicPr>
-          <p:nvPr/>
-        </p:nvPicPr>
-        <p:blipFill>
-          <a:blip r:embed="rId3"/>
-          <a:stretch>
-            <a:fillRect/>
-          </a:stretch>
-        </p:blipFill>
-        <p:spPr bwMode="auto">
-          <a:xfrm>
-            <a:off x="1066800" y="1600200"/>
-            <a:ext cx="7010400" cy="4013200"/>
-          </a:xfrm>
-          <a:prstGeom prst="rect">
-            <a:avLst/>
-          </a:prstGeom>
-          <a:noFill/>
-          <a:ln w="9525">
-            <a:noFill/>
-            <a:headEnd/>
-            <a:tailEnd/>
-          </a:ln>
-        </p:spPr>
-      </p:pic>
-      <p:sp>
-        <p:nvSpPr>
-          <p:cNvPr id="1" name="TextBox 3"/>
-          <p:cNvSpPr txBox="1"/>
-          <p:nvPr/>
-        </p:nvSpPr>
-        <p:spPr>
-          <a:xfrm>
-            <a:off x="457200" y="5613400"/>
-            <a:ext cx="8229600" cy="508000"/>
-          </a:xfrm>
-          <a:prstGeom prst="rect">
-            <a:avLst/>
-          </a:prstGeom>
-          <a:noFill/>
-        </p:spPr>
-        <p:txBody>
-          <a:bodyPr/>
-          <a:lstStyle/>
-          <a:p>
-            <a:pPr lvl="0" marL="0" indent="0" algn="ctr">
-              <a:buNone/>
-            </a:pPr>
-            <a:r>
-              <a:rPr/>
-              <a:t>Part</a:t>
-            </a:r>
-            <a:r>
-              <a:rPr/>
-              <a:t> </a:t>
-            </a:r>
-            <a:r>
-              <a:rPr/>
-              <a:t>of</a:t>
-            </a:r>
-            <a:r>
-              <a:rPr/>
-              <a:t> </a:t>
-            </a:r>
-            <a:r>
-              <a:rPr/>
-              <a:t>first</a:t>
-            </a:r>
-            <a:r>
-              <a:rPr/>
-              <a:t> </a:t>
-            </a:r>
-            <a:r>
-              <a:rPr/>
-              <a:t>page</a:t>
-            </a:r>
-            <a:r>
-              <a:rPr/>
-              <a:t> </a:t>
-            </a:r>
-            <a:r>
-              <a:rPr/>
-              <a:t>from</a:t>
-            </a:r>
-            <a:r>
-              <a:rPr/>
-              <a:t> </a:t>
-            </a:r>
-            <a:r>
-              <a:rPr/>
-              <a:t>Simkin</a:t>
-            </a:r>
-            <a:r>
-              <a:rPr/>
-              <a:t> </a:t>
-            </a:r>
-            <a:r>
-              <a:rPr/>
-              <a:t>and</a:t>
-            </a:r>
-            <a:r>
-              <a:rPr/>
-              <a:t> </a:t>
-            </a:r>
-            <a:r>
-              <a:rPr/>
-              <a:t>Hastie</a:t>
-            </a:r>
-            <a:r>
-              <a:rPr/>
-              <a:t> </a:t>
-            </a:r>
-            <a:r>
-              <a:rPr/>
-              <a:t>journal</a:t>
-            </a:r>
-            <a:r>
-              <a:rPr/>
-              <a:t> </a:t>
-            </a:r>
-            <a:r>
-              <a:rPr/>
-              <a:t>article</a:t>
             </a:r>
           </a:p>
         </p:txBody>
